--- a/Presentation/Presentation.pptx
+++ b/Presentation/Presentation.pptx
@@ -222,7 +222,7 @@
   <p:cmAuthor id="1" name="Thomas Schwarz" initials="TS" lastIdx="1" clrIdx="0">
     <p:extLst>
       <p:ext uri="{19B8F6BF-5375-455C-9EA6-DF929625EA0E}">
-        <p15:presenceInfo xmlns:p15="http://schemas.microsoft.com/office/powerpoint/2012/main" userId="953c7d0488bacd35" providerId="Windows Live"/>
+        <p15:presenceInfo xmlns:p15="http://schemas.microsoft.com/office/powerpoint/2012/main" xmlns="" userId="953c7d0488bacd35" providerId="Windows Live"/>
       </p:ext>
     </p:extLst>
   </p:cmAuthor>
@@ -236,7 +236,7 @@
     <p:text>Bracht es diese Folie, das selbe steht auf Folie 30</p:text>
     <p:extLst>
       <p:ext uri="{C676402C-5697-4E1C-873F-D02D1690AC5C}">
-        <p15:threadingInfo xmlns:p15="http://schemas.microsoft.com/office/powerpoint/2012/main" timeZoneBias="-60"/>
+        <p15:threadingInfo xmlns:p15="http://schemas.microsoft.com/office/powerpoint/2012/main" xmlns="" timeZoneBias="-60"/>
       </p:ext>
     </p:extLst>
   </p:cm>
@@ -484,7 +484,7 @@
           <a:p>
             <a:fld id="{C991D70F-D8B5-4D41-95B5-481C1B1D6FE8}" type="slidenum">
               <a:rPr lang="de-AT" smtClean="0"/>
-              <a:t>‹#›</a:t>
+              <a:t>‹Nr.›</a:t>
             </a:fld>
             <a:endParaRPr lang="de-AT"/>
           </a:p>
@@ -3168,7 +3168,7 @@
           <a:p>
             <a:fld id="{B0D0DE89-C507-497D-9025-51747C6C45ED}" type="slidenum">
               <a:rPr lang="de-AT" smtClean="0"/>
-              <a:t>‹#›</a:t>
+              <a:t>‹Nr.›</a:t>
             </a:fld>
             <a:endParaRPr lang="de-AT"/>
           </a:p>
@@ -3373,7 +3373,7 @@
           <a:p>
             <a:fld id="{B0D0DE89-C507-497D-9025-51747C6C45ED}" type="slidenum">
               <a:rPr lang="de-AT" smtClean="0"/>
-              <a:t>‹#›</a:t>
+              <a:t>‹Nr.›</a:t>
             </a:fld>
             <a:endParaRPr lang="de-AT"/>
           </a:p>
@@ -3553,7 +3553,7 @@
           <a:p>
             <a:fld id="{B0D0DE89-C507-497D-9025-51747C6C45ED}" type="slidenum">
               <a:rPr lang="de-AT" smtClean="0"/>
-              <a:t>‹#›</a:t>
+              <a:t>‹Nr.›</a:t>
             </a:fld>
             <a:endParaRPr lang="de-AT"/>
           </a:p>
@@ -3758,7 +3758,7 @@
           <a:p>
             <a:fld id="{B0D0DE89-C507-497D-9025-51747C6C45ED}" type="slidenum">
               <a:rPr lang="de-AT" smtClean="0"/>
-              <a:t>‹#›</a:t>
+              <a:t>‹Nr.›</a:t>
             </a:fld>
             <a:endParaRPr lang="de-AT"/>
           </a:p>
@@ -4086,7 +4086,7 @@
           <a:p>
             <a:fld id="{B0D0DE89-C507-497D-9025-51747C6C45ED}" type="slidenum">
               <a:rPr lang="de-AT" smtClean="0"/>
-              <a:t>‹#›</a:t>
+              <a:t>‹Nr.›</a:t>
             </a:fld>
             <a:endParaRPr lang="de-AT"/>
           </a:p>
@@ -4353,7 +4353,7 @@
           <a:p>
             <a:fld id="{B0D0DE89-C507-497D-9025-51747C6C45ED}" type="slidenum">
               <a:rPr lang="de-AT" smtClean="0"/>
-              <a:t>‹#›</a:t>
+              <a:t>‹Nr.›</a:t>
             </a:fld>
             <a:endParaRPr lang="de-AT"/>
           </a:p>
@@ -4729,7 +4729,7 @@
           <a:p>
             <a:fld id="{B0D0DE89-C507-497D-9025-51747C6C45ED}" type="slidenum">
               <a:rPr lang="de-AT" smtClean="0"/>
-              <a:t>‹#›</a:t>
+              <a:t>‹Nr.›</a:t>
             </a:fld>
             <a:endParaRPr lang="de-AT"/>
           </a:p>
@@ -4870,7 +4870,7 @@
           <a:p>
             <a:fld id="{B0D0DE89-C507-497D-9025-51747C6C45ED}" type="slidenum">
               <a:rPr lang="de-AT" smtClean="0"/>
-              <a:t>‹#›</a:t>
+              <a:t>‹Nr.›</a:t>
             </a:fld>
             <a:endParaRPr lang="de-AT"/>
           </a:p>
@@ -4965,7 +4965,7 @@
           <a:p>
             <a:fld id="{B0D0DE89-C507-497D-9025-51747C6C45ED}" type="slidenum">
               <a:rPr lang="de-AT" smtClean="0"/>
-              <a:t>‹#›</a:t>
+              <a:t>‹Nr.›</a:t>
             </a:fld>
             <a:endParaRPr lang="de-AT"/>
           </a:p>
@@ -5218,7 +5218,7 @@
           <a:p>
             <a:fld id="{B0D0DE89-C507-497D-9025-51747C6C45ED}" type="slidenum">
               <a:rPr lang="de-AT" smtClean="0"/>
-              <a:t>‹#›</a:t>
+              <a:t>‹Nr.›</a:t>
             </a:fld>
             <a:endParaRPr lang="de-AT"/>
           </a:p>
@@ -5542,7 +5542,7 @@
           <a:p>
             <a:fld id="{B0D0DE89-C507-497D-9025-51747C6C45ED}" type="slidenum">
               <a:rPr lang="de-AT" smtClean="0"/>
-              <a:t>‹#›</a:t>
+              <a:t>‹Nr.›</a:t>
             </a:fld>
             <a:endParaRPr lang="de-AT"/>
           </a:p>
@@ -5832,7 +5832,7 @@
           <a:p>
             <a:fld id="{B0D0DE89-C507-497D-9025-51747C6C45ED}" type="slidenum">
               <a:rPr lang="de-AT" smtClean="0"/>
-              <a:t>‹#›</a:t>
+              <a:t>‹Nr.›</a:t>
             </a:fld>
             <a:endParaRPr lang="de-AT"/>
           </a:p>
@@ -6426,11 +6426,7 @@
             </a:pPr>
             <a:r>
               <a:rPr lang="de-AT" dirty="0" smtClean="0"/>
-              <a:t>- Kein </a:t>
-            </a:r>
-            <a:r>
-              <a:rPr lang="de-AT" dirty="0" smtClean="0"/>
-              <a:t>einheitliches Interface für </a:t>
+              <a:t>- Kein einheitliches Interface für </a:t>
             </a:r>
             <a:r>
               <a:rPr lang="de-AT" dirty="0" err="1" smtClean="0"/>
@@ -6447,11 +6443,7 @@
             </a:pPr>
             <a:r>
               <a:rPr lang="de-AT" dirty="0" smtClean="0"/>
-              <a:t>- Sehr </a:t>
-            </a:r>
-            <a:r>
-              <a:rPr lang="de-AT" dirty="0" smtClean="0"/>
-              <a:t>viele Klassen und Schnittstellen </a:t>
+              <a:t>- Sehr viele Klassen und Schnittstellen </a:t>
             </a:r>
           </a:p>
           <a:p>
@@ -6468,11 +6460,7 @@
             </a:pPr>
             <a:r>
               <a:rPr lang="de-AT" dirty="0" smtClean="0"/>
-              <a:t>Aufwändige </a:t>
-            </a:r>
-            <a:r>
-              <a:rPr lang="de-AT" dirty="0" smtClean="0"/>
-              <a:t>und fehleranfällige </a:t>
+              <a:t>Aufwändige und fehleranfällige </a:t>
             </a:r>
             <a:r>
               <a:rPr lang="de-AT" dirty="0" err="1" smtClean="0"/>
@@ -6480,11 +6468,7 @@
             </a:r>
             <a:r>
               <a:rPr lang="de-AT" dirty="0" smtClean="0"/>
-              <a:t> Case Controller </a:t>
-            </a:r>
-            <a:r>
-              <a:rPr lang="de-AT" dirty="0" smtClean="0"/>
-              <a:t>Anpassungen</a:t>
+              <a:t> Case Controller Anpassungen</a:t>
             </a:r>
           </a:p>
           <a:p>
@@ -6518,6 +6502,13 @@
   <p:clrMapOvr>
     <a:masterClrMapping/>
   </p:clrMapOvr>
+  <p:timing>
+    <p:tnLst>
+      <p:par>
+        <p:cTn id="1" dur="indefinite" restart="never" nodeType="tmRoot"/>
+      </p:par>
+    </p:tnLst>
+  </p:timing>
 </p:sld>
 </file>
 
@@ -6555,7 +6546,7 @@
           <a:p>
             <a:r>
               <a:rPr lang="de-AT" dirty="0" smtClean="0"/>
-              <a:t>Fazit</a:t>
+              <a:t>Fazit - RMI</a:t>
             </a:r>
             <a:endParaRPr lang="en-GB" dirty="0"/>
           </a:p>
@@ -6661,6 +6652,13 @@
   <p:clrMapOvr>
     <a:masterClrMapping/>
   </p:clrMapOvr>
+  <p:timing>
+    <p:tnLst>
+      <p:par>
+        <p:cTn id="1" dur="indefinite" restart="never" nodeType="tmRoot"/>
+      </p:par>
+    </p:tnLst>
+  </p:timing>
 </p:sld>
 </file>
 
@@ -6729,7 +6727,6 @@
               <a:rPr lang="de-DE" dirty="0" smtClean="0"/>
               <a:t>Was ist EJB, Einsatz, Vor- und Nachteile, Umsetzung und Kritik</a:t>
             </a:r>
-            <a:endParaRPr lang="de-DE" dirty="0" smtClean="0"/>
           </a:p>
         </p:txBody>
       </p:sp>
@@ -6743,6 +6740,13 @@
   <p:clrMapOvr>
     <a:masterClrMapping/>
   </p:clrMapOvr>
+  <p:timing>
+    <p:tnLst>
+      <p:par>
+        <p:cTn id="1" dur="indefinite" restart="never" nodeType="tmRoot"/>
+      </p:par>
+    </p:tnLst>
+  </p:timing>
 </p:sld>
 </file>
 
@@ -7045,7 +7049,6 @@
               <a:rPr lang="de-DE" dirty="0" smtClean="0"/>
               <a:t>+ Spezifizierung</a:t>
             </a:r>
-            <a:endParaRPr lang="de-DE" dirty="0" smtClean="0"/>
           </a:p>
           <a:p>
             <a:pPr marL="0" indent="0">
@@ -7053,11 +7056,7 @@
             </a:pPr>
             <a:r>
               <a:rPr lang="de-DE" dirty="0" smtClean="0"/>
-              <a:t>+ Enge </a:t>
-            </a:r>
-            <a:r>
-              <a:rPr lang="de-DE" dirty="0" smtClean="0"/>
-              <a:t>Integration in J2EE</a:t>
+              <a:t>+ Enge Integration in J2EE</a:t>
             </a:r>
           </a:p>
           <a:p>
@@ -7068,7 +7067,6 @@
               <a:rPr lang="de-DE" dirty="0" smtClean="0"/>
               <a:t>+ Skalierbarkeit</a:t>
             </a:r>
-            <a:endParaRPr lang="de-DE" dirty="0" smtClean="0"/>
           </a:p>
           <a:p>
             <a:pPr marL="0" indent="0">
@@ -7512,13 +7510,8 @@
             </a:pPr>
             <a:r>
               <a:rPr lang="de-DE" dirty="0" smtClean="0"/>
-              <a:t>Entwicklung nicht </a:t>
-            </a:r>
-            <a:r>
-              <a:rPr lang="de-DE" dirty="0" smtClean="0"/>
-              <a:t>angenehm</a:t>
-            </a:r>
-            <a:endParaRPr lang="de-DE" dirty="0" smtClean="0"/>
+              <a:t>Entwicklung nicht angenehm</a:t>
+            </a:r>
           </a:p>
           <a:p>
             <a:endParaRPr lang="de-DE" dirty="0"/>
@@ -10388,11 +10381,7 @@
             </a:pPr>
             <a:r>
               <a:rPr lang="de-AT" dirty="0" smtClean="0"/>
-              <a:t>möglichst wenig </a:t>
-            </a:r>
-            <a:r>
-              <a:rPr lang="de-AT" dirty="0" smtClean="0"/>
-              <a:t>Logik</a:t>
+              <a:t>möglichst wenig Logik</a:t>
             </a:r>
           </a:p>
           <a:p>
@@ -10435,11 +10424,7 @@
             </a:pPr>
             <a:r>
               <a:rPr lang="de-AT" dirty="0" smtClean="0"/>
-              <a:t>-&gt; </a:t>
-            </a:r>
-            <a:r>
-              <a:rPr lang="de-AT" dirty="0" smtClean="0"/>
-              <a:t>vereinfacht Technologie Anpassung</a:t>
+              <a:t>-&gt; vereinfacht Technologie Anpassung</a:t>
             </a:r>
           </a:p>
           <a:p>
@@ -11017,7 +11002,6 @@
               <a:rPr lang="de-AT" sz="2000" dirty="0" smtClean="0"/>
               <a:t>Einladungen</a:t>
             </a:r>
-            <a:endParaRPr lang="de-AT" sz="2000" dirty="0" smtClean="0"/>
           </a:p>
           <a:p>
             <a:pPr>
@@ -11036,15 +11020,7 @@
             </a:pPr>
             <a:r>
               <a:rPr lang="de-AT" sz="1600" dirty="0" smtClean="0"/>
-              <a:t>Mitglied </a:t>
-            </a:r>
-            <a:r>
-              <a:rPr lang="de-AT" sz="1600" dirty="0" smtClean="0"/>
-              <a:t>suchen/ </a:t>
-            </a:r>
-            <a:r>
-              <a:rPr lang="de-AT" sz="1600" dirty="0" smtClean="0"/>
-              <a:t>ändern</a:t>
+              <a:t>Mitglied suchen/ ändern</a:t>
             </a:r>
           </a:p>
           <a:p>
@@ -11054,15 +11030,7 @@
             </a:pPr>
             <a:r>
               <a:rPr lang="de-AT" sz="1600" dirty="0" smtClean="0"/>
-              <a:t>Neues </a:t>
-            </a:r>
-            <a:r>
-              <a:rPr lang="de-AT" sz="1600" dirty="0" smtClean="0"/>
-              <a:t>Mitglied </a:t>
-            </a:r>
-            <a:r>
-              <a:rPr lang="de-AT" sz="1600" dirty="0" smtClean="0"/>
-              <a:t>anlegen</a:t>
+              <a:t>Neues Mitglied anlegen</a:t>
             </a:r>
           </a:p>
           <a:p>
@@ -11072,15 +11040,7 @@
             </a:pPr>
             <a:r>
               <a:rPr lang="de-AT" sz="1600" dirty="0" smtClean="0"/>
-              <a:t>Mitglied </a:t>
-            </a:r>
-            <a:r>
-              <a:rPr lang="de-AT" sz="1600" dirty="0" smtClean="0"/>
-              <a:t>zu einem Team </a:t>
-            </a:r>
-            <a:r>
-              <a:rPr lang="de-AT" sz="1600" dirty="0" smtClean="0"/>
-              <a:t>hinzufügen</a:t>
+              <a:t>Mitglied zu einem Team hinzufügen</a:t>
             </a:r>
             <a:endParaRPr lang="de-AT" sz="2000" dirty="0" smtClean="0"/>
           </a:p>
@@ -11101,15 +11061,7 @@
             </a:pPr>
             <a:r>
               <a:rPr lang="de-AT" sz="1600" dirty="0" smtClean="0"/>
-              <a:t>Neuen </a:t>
-            </a:r>
-            <a:r>
-              <a:rPr lang="de-AT" sz="1600" dirty="0" smtClean="0"/>
-              <a:t>Wettkampf </a:t>
-            </a:r>
-            <a:r>
-              <a:rPr lang="de-AT" sz="1600" dirty="0" smtClean="0"/>
-              <a:t>anlegen</a:t>
+              <a:t>Neuen Wettkampf anlegen</a:t>
             </a:r>
           </a:p>
           <a:p>
@@ -11119,15 +11071,7 @@
             </a:pPr>
             <a:r>
               <a:rPr lang="de-AT" sz="1600" dirty="0" smtClean="0"/>
-              <a:t>Wettkampf </a:t>
-            </a:r>
-            <a:r>
-              <a:rPr lang="de-AT" sz="1600" dirty="0" smtClean="0"/>
-              <a:t>Team </a:t>
-            </a:r>
-            <a:r>
-              <a:rPr lang="de-AT" sz="1600" dirty="0" smtClean="0"/>
-              <a:t>festlegen</a:t>
+              <a:t>Wettkampf Team festlegen</a:t>
             </a:r>
           </a:p>
           <a:p>
@@ -11147,11 +11091,7 @@
             </a:pPr>
             <a:r>
               <a:rPr lang="de-AT" sz="1600" dirty="0" smtClean="0"/>
-              <a:t>Wettkampf </a:t>
-            </a:r>
-            <a:r>
-              <a:rPr lang="de-AT" sz="1600" dirty="0" smtClean="0"/>
-              <a:t>Resultate eingeben</a:t>
+              <a:t>Wettkampf Resultate eingeben</a:t>
             </a:r>
           </a:p>
           <a:p>
@@ -11237,13 +11177,8 @@
             </a:pPr>
             <a:r>
               <a:rPr lang="de-AT" dirty="0" smtClean="0"/>
-              <a:t>Basis </a:t>
-            </a:r>
-            <a:r>
-              <a:rPr lang="de-AT" dirty="0" smtClean="0"/>
-              <a:t>Einstiegspunkt</a:t>
-            </a:r>
-            <a:endParaRPr lang="de-AT" dirty="0" smtClean="0"/>
+              <a:t>Basis Einstiegspunkt</a:t>
+            </a:r>
           </a:p>
           <a:p>
             <a:pPr>
@@ -11252,11 +11187,7 @@
             </a:pPr>
             <a:r>
               <a:rPr lang="de-AT" dirty="0" smtClean="0"/>
-              <a:t>Grob Navigation über </a:t>
-            </a:r>
-            <a:r>
-              <a:rPr lang="de-AT" dirty="0" smtClean="0"/>
-              <a:t>Tabs</a:t>
+              <a:t>Grob Navigation über Tabs</a:t>
             </a:r>
           </a:p>
           <a:p>
@@ -11279,7 +11210,6 @@
               <a:rPr lang="de-AT" dirty="0" smtClean="0"/>
               <a:t>Übersichtlichkeit</a:t>
             </a:r>
-            <a:endParaRPr lang="de-AT" dirty="0" smtClean="0"/>
           </a:p>
           <a:p>
             <a:pPr>
@@ -11475,7 +11405,6 @@
               <a:rPr lang="de-AT" dirty="0" smtClean="0"/>
               <a:t>Login</a:t>
             </a:r>
-            <a:endParaRPr lang="de-AT" dirty="0" smtClean="0"/>
           </a:p>
           <a:p>
             <a:pPr marL="265176" lvl="1" indent="0">
@@ -11485,7 +11414,6 @@
               <a:rPr lang="de-AT" dirty="0" smtClean="0"/>
               <a:t>Berechtigungsprüfung</a:t>
             </a:r>
-            <a:endParaRPr lang="de-AT" dirty="0" smtClean="0"/>
           </a:p>
           <a:p>
             <a:pPr lvl="1"/>
@@ -11693,7 +11621,6 @@
               <a:rPr lang="de-AT" dirty="0" smtClean="0"/>
               <a:t>Einladungen</a:t>
             </a:r>
-            <a:endParaRPr lang="de-AT" dirty="0" smtClean="0"/>
           </a:p>
           <a:p>
             <a:pPr>
@@ -11704,7 +11631,6 @@
               <a:rPr lang="de-AT" dirty="0" smtClean="0"/>
               <a:t>Webservice</a:t>
             </a:r>
-            <a:endParaRPr lang="de-AT" dirty="0" smtClean="0"/>
           </a:p>
           <a:p>
             <a:pPr>
@@ -11715,7 +11641,6 @@
               <a:rPr lang="de-AT" dirty="0" smtClean="0"/>
               <a:t>JMS</a:t>
             </a:r>
-            <a:endParaRPr lang="de-AT" dirty="0" smtClean="0"/>
           </a:p>
         </p:txBody>
       </p:sp>
@@ -11805,11 +11730,7 @@
             </a:r>
             <a:r>
               <a:rPr lang="de-AT" dirty="0" smtClean="0"/>
-              <a:t> </a:t>
-            </a:r>
-            <a:r>
-              <a:rPr lang="de-AT" dirty="0" smtClean="0"/>
-              <a:t>verbessert</a:t>
+              <a:t> verbessert</a:t>
             </a:r>
             <a:endParaRPr lang="de-AT" dirty="0"/>
           </a:p>
@@ -11830,11 +11751,7 @@
             </a:pPr>
             <a:r>
               <a:rPr lang="de-AT" dirty="0" smtClean="0"/>
-              <a:t>Fehler </a:t>
-            </a:r>
-            <a:r>
-              <a:rPr lang="de-AT" dirty="0" smtClean="0"/>
-              <a:t>in </a:t>
+              <a:t>Fehler in </a:t>
             </a:r>
             <a:r>
               <a:rPr lang="de-AT" dirty="0"/>
@@ -11842,13 +11759,8 @@
             </a:r>
             <a:r>
               <a:rPr lang="de-AT" dirty="0" smtClean="0"/>
-              <a:t>usammenhang mit div. </a:t>
-            </a:r>
-            <a:r>
-              <a:rPr lang="de-AT" dirty="0" smtClean="0"/>
-              <a:t>Schichten</a:t>
-            </a:r>
-            <a:endParaRPr lang="de-AT" dirty="0" smtClean="0"/>
+              <a:t>usammenhang mit div. Schichten</a:t>
+            </a:r>
           </a:p>
           <a:p>
             <a:pPr>
@@ -12028,11 +11940,7 @@
             </a:pPr>
             <a:r>
               <a:rPr lang="de-AT" dirty="0" smtClean="0"/>
-              <a:t>Technologien schließen sich gegenseitig </a:t>
-            </a:r>
-            <a:r>
-              <a:rPr lang="de-AT" dirty="0" smtClean="0"/>
-              <a:t>aus</a:t>
+              <a:t>Technologien schließen sich gegenseitig aus</a:t>
             </a:r>
           </a:p>
           <a:p>
@@ -12044,7 +11952,6 @@
               <a:rPr lang="de-AT" dirty="0" smtClean="0"/>
               <a:t>Genaue Analyse der Aufgabenstellung und abstecken was noch kommen kann</a:t>
             </a:r>
-            <a:endParaRPr lang="de-AT" dirty="0" smtClean="0"/>
           </a:p>
           <a:p>
             <a:pPr>
@@ -12053,13 +11960,8 @@
             </a:pPr>
             <a:r>
               <a:rPr lang="de-AT" dirty="0" smtClean="0"/>
-              <a:t>Zeitmanagement </a:t>
-            </a:r>
-            <a:r>
-              <a:rPr lang="de-AT" dirty="0" smtClean="0"/>
-              <a:t>essentiell</a:t>
-            </a:r>
-            <a:endParaRPr lang="de-AT" dirty="0" smtClean="0"/>
+              <a:t>Zeitmanagement essentiell</a:t>
+            </a:r>
           </a:p>
           <a:p>
             <a:pPr>
@@ -12338,6 +12240,13 @@
   <p:clrMapOvr>
     <a:masterClrMapping/>
   </p:clrMapOvr>
+  <p:timing>
+    <p:tnLst>
+      <p:par>
+        <p:cTn id="1" dur="indefinite" restart="never" nodeType="tmRoot"/>
+      </p:par>
+    </p:tnLst>
+  </p:timing>
 </p:sld>
 </file>
 
@@ -12407,8 +12316,8 @@
         </p:blipFill>
         <p:spPr>
           <a:xfrm>
-            <a:off x="3109383" y="2286000"/>
-            <a:ext cx="5363633" cy="4022725"/>
+            <a:off x="3076726" y="1662546"/>
+            <a:ext cx="6194906" cy="4646180"/>
           </a:xfrm>
         </p:spPr>
       </p:pic>
@@ -12420,8 +12329,8 @@
         </p:nvCxnSpPr>
         <p:spPr>
           <a:xfrm flipV="1">
-            <a:off x="4367808" y="2924944"/>
-            <a:ext cx="648072" cy="576064"/>
+            <a:off x="4858720" y="2924944"/>
+            <a:ext cx="157160" cy="684924"/>
           </a:xfrm>
           <a:prstGeom prst="straightConnector1">
             <a:avLst/>
@@ -12453,8 +12362,8 @@
         </p:nvCxnSpPr>
         <p:spPr>
           <a:xfrm flipV="1">
-            <a:off x="4439816" y="3501008"/>
-            <a:ext cx="0" cy="1656184"/>
+            <a:off x="4431645" y="3609868"/>
+            <a:ext cx="8171" cy="1756789"/>
           </a:xfrm>
           <a:prstGeom prst="straightConnector1">
             <a:avLst/>
@@ -12552,8 +12461,8 @@
         </p:nvSpPr>
         <p:spPr>
           <a:xfrm>
-            <a:off x="5087889" y="5229200"/>
-            <a:ext cx="45719" cy="576064"/>
+            <a:off x="5162763" y="5266052"/>
+            <a:ext cx="224340" cy="576064"/>
           </a:xfrm>
           <a:prstGeom prst="downArrow">
             <a:avLst/>
@@ -12592,7 +12501,7 @@
         </p:nvSpPr>
         <p:spPr>
           <a:xfrm>
-            <a:off x="3553644" y="5517232"/>
+            <a:off x="3700527" y="5701898"/>
             <a:ext cx="1462236" cy="369332"/>
           </a:xfrm>
           <a:prstGeom prst="rect">
@@ -12621,9 +12530,9 @@
           <p:nvPr/>
         </p:nvCxnSpPr>
         <p:spPr>
-          <a:xfrm flipV="1">
-            <a:off x="4583833" y="5013176"/>
-            <a:ext cx="549775" cy="576064"/>
+          <a:xfrm flipH="1" flipV="1">
+            <a:off x="6085114" y="5266052"/>
+            <a:ext cx="636098" cy="723878"/>
           </a:xfrm>
           <a:prstGeom prst="straightConnector1">
             <a:avLst/>
@@ -12657,6 +12566,309 @@
   <p:clrMapOvr>
     <a:masterClrMapping/>
   </p:clrMapOvr>
+  <p:timing>
+    <p:tnLst>
+      <p:par>
+        <p:cTn id="1" dur="indefinite" restart="never" nodeType="tmRoot">
+          <p:childTnLst>
+            <p:seq concurrent="1" nextAc="seek">
+              <p:cTn id="2" dur="indefinite" nodeType="mainSeq">
+                <p:childTnLst>
+                  <p:par>
+                    <p:cTn id="3" fill="hold">
+                      <p:stCondLst>
+                        <p:cond delay="indefinite"/>
+                      </p:stCondLst>
+                      <p:childTnLst>
+                        <p:par>
+                          <p:cTn id="4" fill="hold">
+                            <p:stCondLst>
+                              <p:cond delay="0"/>
+                            </p:stCondLst>
+                            <p:childTnLst>
+                              <p:par>
+                                <p:cTn id="5" presetID="1" presetClass="entr" presetSubtype="0" fill="hold" nodeType="clickEffect">
+                                  <p:stCondLst>
+                                    <p:cond delay="0"/>
+                                  </p:stCondLst>
+                                  <p:childTnLst>
+                                    <p:set>
+                                      <p:cBhvr>
+                                        <p:cTn id="6" dur="1" fill="hold">
+                                          <p:stCondLst>
+                                            <p:cond delay="0"/>
+                                          </p:stCondLst>
+                                        </p:cTn>
+                                        <p:tgtEl>
+                                          <p:spTgt spid="30"/>
+                                        </p:tgtEl>
+                                        <p:attrNameLst>
+                                          <p:attrName>style.visibility</p:attrName>
+                                        </p:attrNameLst>
+                                      </p:cBhvr>
+                                      <p:to>
+                                        <p:strVal val="visible"/>
+                                      </p:to>
+                                    </p:set>
+                                  </p:childTnLst>
+                                </p:cTn>
+                              </p:par>
+                            </p:childTnLst>
+                          </p:cTn>
+                        </p:par>
+                      </p:childTnLst>
+                    </p:cTn>
+                  </p:par>
+                  <p:par>
+                    <p:cTn id="7" fill="hold">
+                      <p:stCondLst>
+                        <p:cond delay="indefinite"/>
+                      </p:stCondLst>
+                      <p:childTnLst>
+                        <p:par>
+                          <p:cTn id="8" fill="hold">
+                            <p:stCondLst>
+                              <p:cond delay="0"/>
+                            </p:stCondLst>
+                            <p:childTnLst>
+                              <p:par>
+                                <p:cTn id="9" presetID="1" presetClass="entr" presetSubtype="0" fill="hold" grpId="0" nodeType="clickEffect">
+                                  <p:stCondLst>
+                                    <p:cond delay="0"/>
+                                  </p:stCondLst>
+                                  <p:childTnLst>
+                                    <p:set>
+                                      <p:cBhvr>
+                                        <p:cTn id="10" dur="1" fill="hold">
+                                          <p:stCondLst>
+                                            <p:cond delay="0"/>
+                                          </p:stCondLst>
+                                        </p:cTn>
+                                        <p:tgtEl>
+                                          <p:spTgt spid="25"/>
+                                        </p:tgtEl>
+                                        <p:attrNameLst>
+                                          <p:attrName>style.visibility</p:attrName>
+                                        </p:attrNameLst>
+                                      </p:cBhvr>
+                                      <p:to>
+                                        <p:strVal val="visible"/>
+                                      </p:to>
+                                    </p:set>
+                                  </p:childTnLst>
+                                </p:cTn>
+                              </p:par>
+                              <p:par>
+                                <p:cTn id="11" presetID="14" presetClass="entr" presetSubtype="10" fill="hold" grpId="0" nodeType="withEffect">
+                                  <p:stCondLst>
+                                    <p:cond delay="0"/>
+                                  </p:stCondLst>
+                                  <p:childTnLst>
+                                    <p:set>
+                                      <p:cBhvr>
+                                        <p:cTn id="12" dur="1" fill="hold">
+                                          <p:stCondLst>
+                                            <p:cond delay="0"/>
+                                          </p:stCondLst>
+                                        </p:cTn>
+                                        <p:tgtEl>
+                                          <p:spTgt spid="26"/>
+                                        </p:tgtEl>
+                                        <p:attrNameLst>
+                                          <p:attrName>style.visibility</p:attrName>
+                                        </p:attrNameLst>
+                                      </p:cBhvr>
+                                      <p:to>
+                                        <p:strVal val="visible"/>
+                                      </p:to>
+                                    </p:set>
+                                    <p:animEffect transition="in" filter="randombar(horizontal)">
+                                      <p:cBhvr>
+                                        <p:cTn id="13" dur="500"/>
+                                        <p:tgtEl>
+                                          <p:spTgt spid="26"/>
+                                        </p:tgtEl>
+                                      </p:cBhvr>
+                                    </p:animEffect>
+                                  </p:childTnLst>
+                                </p:cTn>
+                              </p:par>
+                            </p:childTnLst>
+                          </p:cTn>
+                        </p:par>
+                      </p:childTnLst>
+                    </p:cTn>
+                  </p:par>
+                  <p:par>
+                    <p:cTn id="14" fill="hold">
+                      <p:stCondLst>
+                        <p:cond delay="indefinite"/>
+                      </p:stCondLst>
+                      <p:childTnLst>
+                        <p:par>
+                          <p:cTn id="15" fill="hold">
+                            <p:stCondLst>
+                              <p:cond delay="0"/>
+                            </p:stCondLst>
+                            <p:childTnLst>
+                              <p:par>
+                                <p:cTn id="16" presetID="1" presetClass="entr" presetSubtype="0" fill="hold" nodeType="clickEffect">
+                                  <p:stCondLst>
+                                    <p:cond delay="0"/>
+                                  </p:stCondLst>
+                                  <p:childTnLst>
+                                    <p:set>
+                                      <p:cBhvr>
+                                        <p:cTn id="17" dur="1" fill="hold">
+                                          <p:stCondLst>
+                                            <p:cond delay="0"/>
+                                          </p:stCondLst>
+                                        </p:cTn>
+                                        <p:tgtEl>
+                                          <p:spTgt spid="20"/>
+                                        </p:tgtEl>
+                                        <p:attrNameLst>
+                                          <p:attrName>style.visibility</p:attrName>
+                                        </p:attrNameLst>
+                                      </p:cBhvr>
+                                      <p:to>
+                                        <p:strVal val="visible"/>
+                                      </p:to>
+                                    </p:set>
+                                  </p:childTnLst>
+                                </p:cTn>
+                              </p:par>
+                              <p:par>
+                                <p:cTn id="18" presetID="1" presetClass="entr" presetSubtype="0" fill="hold" nodeType="withEffect">
+                                  <p:stCondLst>
+                                    <p:cond delay="0"/>
+                                  </p:stCondLst>
+                                  <p:childTnLst>
+                                    <p:set>
+                                      <p:cBhvr>
+                                        <p:cTn id="19" dur="1" fill="hold">
+                                          <p:stCondLst>
+                                            <p:cond delay="0"/>
+                                          </p:stCondLst>
+                                        </p:cTn>
+                                        <p:tgtEl>
+                                          <p:spTgt spid="22"/>
+                                        </p:tgtEl>
+                                        <p:attrNameLst>
+                                          <p:attrName>style.visibility</p:attrName>
+                                        </p:attrNameLst>
+                                      </p:cBhvr>
+                                      <p:to>
+                                        <p:strVal val="visible"/>
+                                      </p:to>
+                                    </p:set>
+                                  </p:childTnLst>
+                                </p:cTn>
+                              </p:par>
+                              <p:par>
+                                <p:cTn id="20" presetID="1" presetClass="entr" presetSubtype="0" fill="hold" nodeType="withEffect">
+                                  <p:stCondLst>
+                                    <p:cond delay="0"/>
+                                  </p:stCondLst>
+                                  <p:childTnLst>
+                                    <p:set>
+                                      <p:cBhvr>
+                                        <p:cTn id="21" dur="1" fill="hold">
+                                          <p:stCondLst>
+                                            <p:cond delay="0"/>
+                                          </p:stCondLst>
+                                        </p:cTn>
+                                        <p:tgtEl>
+                                          <p:spTgt spid="24"/>
+                                        </p:tgtEl>
+                                        <p:attrNameLst>
+                                          <p:attrName>style.visibility</p:attrName>
+                                        </p:attrNameLst>
+                                      </p:cBhvr>
+                                      <p:to>
+                                        <p:strVal val="visible"/>
+                                      </p:to>
+                                    </p:set>
+                                  </p:childTnLst>
+                                </p:cTn>
+                              </p:par>
+                            </p:childTnLst>
+                          </p:cTn>
+                        </p:par>
+                      </p:childTnLst>
+                    </p:cTn>
+                  </p:par>
+                  <p:par>
+                    <p:cTn id="22" fill="hold">
+                      <p:stCondLst>
+                        <p:cond delay="indefinite"/>
+                      </p:stCondLst>
+                      <p:childTnLst>
+                        <p:par>
+                          <p:cTn id="23" fill="hold">
+                            <p:stCondLst>
+                              <p:cond delay="0"/>
+                            </p:stCondLst>
+                            <p:childTnLst>
+                              <p:par>
+                                <p:cTn id="24" presetID="1" presetClass="entr" presetSubtype="0" fill="hold" nodeType="clickEffect">
+                                  <p:stCondLst>
+                                    <p:cond delay="0"/>
+                                  </p:stCondLst>
+                                  <p:childTnLst>
+                                    <p:set>
+                                      <p:cBhvr>
+                                        <p:cTn id="25" dur="1" fill="hold">
+                                          <p:stCondLst>
+                                            <p:cond delay="0"/>
+                                          </p:stCondLst>
+                                        </p:cTn>
+                                        <p:tgtEl>
+                                          <p:spTgt spid="6"/>
+                                        </p:tgtEl>
+                                        <p:attrNameLst>
+                                          <p:attrName>style.visibility</p:attrName>
+                                        </p:attrNameLst>
+                                      </p:cBhvr>
+                                      <p:to>
+                                        <p:strVal val="visible"/>
+                                      </p:to>
+                                    </p:set>
+                                  </p:childTnLst>
+                                </p:cTn>
+                              </p:par>
+                            </p:childTnLst>
+                          </p:cTn>
+                        </p:par>
+                      </p:childTnLst>
+                    </p:cTn>
+                  </p:par>
+                </p:childTnLst>
+              </p:cTn>
+              <p:prevCondLst>
+                <p:cond evt="onPrev" delay="0">
+                  <p:tgtEl>
+                    <p:sldTgt/>
+                  </p:tgtEl>
+                </p:cond>
+              </p:prevCondLst>
+              <p:nextCondLst>
+                <p:cond evt="onNext" delay="0">
+                  <p:tgtEl>
+                    <p:sldTgt/>
+                  </p:tgtEl>
+                </p:cond>
+              </p:nextCondLst>
+            </p:seq>
+          </p:childTnLst>
+        </p:cTn>
+      </p:par>
+    </p:tnLst>
+    <p:bldLst>
+      <p:bldP spid="25" grpId="0" animBg="1"/>
+      <p:bldP spid="26" grpId="0"/>
+    </p:bldLst>
+  </p:timing>
 </p:sld>
 </file>
 
@@ -12740,11 +12952,7 @@
             </a:pPr>
             <a:r>
               <a:rPr lang="en-GB" sz="1600" dirty="0"/>
-              <a:t>     public </a:t>
-            </a:r>
-            <a:r>
-              <a:rPr lang="en-GB" sz="1600" dirty="0"/>
-              <a:t>static void main(String[] </a:t>
+              <a:t>     public static void main(String[] </a:t>
             </a:r>
             <a:r>
               <a:rPr lang="en-GB" sz="1600" dirty="0" err="1"/>
@@ -12879,6 +13087,13 @@
   <p:clrMapOvr>
     <a:masterClrMapping/>
   </p:clrMapOvr>
+  <p:timing>
+    <p:tnLst>
+      <p:par>
+        <p:cTn id="1" dur="indefinite" restart="never" nodeType="tmRoot"/>
+      </p:par>
+    </p:tnLst>
+  </p:timing>
 </p:sld>
 </file>
 
@@ -12956,11 +13171,7 @@
             </a:r>
             <a:r>
               <a:rPr lang="en-GB" sz="2000" dirty="0"/>
-              <a:t> </a:t>
-            </a:r>
-            <a:r>
-              <a:rPr lang="en-GB" sz="2000" dirty="0"/>
-              <a:t>= new </a:t>
+              <a:t> = new </a:t>
             </a:r>
             <a:r>
               <a:rPr lang="en-GB" sz="2000" dirty="0" err="1"/>
@@ -13283,39 +13494,6 @@
           </a:p>
         </p:txBody>
       </p:sp>
-      <p:cxnSp>
-        <p:nvCxnSpPr>
-          <p:cNvPr id="12" name="Gerade Verbindung mit Pfeil 11"/>
-          <p:cNvCxnSpPr/>
-          <p:nvPr/>
-        </p:nvCxnSpPr>
-        <p:spPr>
-          <a:xfrm flipH="1">
-            <a:off x="3387436" y="4078710"/>
-            <a:ext cx="4073238" cy="1331674"/>
-          </a:xfrm>
-          <a:prstGeom prst="straightConnector1">
-            <a:avLst/>
-          </a:prstGeom>
-          <a:ln>
-            <a:tailEnd type="arrow"/>
-          </a:ln>
-        </p:spPr>
-        <p:style>
-          <a:lnRef idx="1">
-            <a:schemeClr val="accent1"/>
-          </a:lnRef>
-          <a:fillRef idx="0">
-            <a:schemeClr val="accent1"/>
-          </a:fillRef>
-          <a:effectRef idx="0">
-            <a:schemeClr val="accent1"/>
-          </a:effectRef>
-          <a:fontRef idx="minor">
-            <a:schemeClr val="tx1"/>
-          </a:fontRef>
-        </p:style>
-      </p:cxnSp>
       <p:cxnSp>
         <p:nvCxnSpPr>
           <p:cNvPr id="14" name="Gerade Verbindung mit Pfeil 13"/>
@@ -13359,6 +13537,507 @@
   <p:clrMapOvr>
     <a:masterClrMapping/>
   </p:clrMapOvr>
+  <p:timing>
+    <p:tnLst>
+      <p:par>
+        <p:cTn id="1" dur="indefinite" restart="never" nodeType="tmRoot">
+          <p:childTnLst>
+            <p:seq concurrent="1" nextAc="seek">
+              <p:cTn id="2" dur="indefinite" nodeType="mainSeq">
+                <p:childTnLst>
+                  <p:par>
+                    <p:cTn id="3" fill="hold">
+                      <p:stCondLst>
+                        <p:cond delay="indefinite"/>
+                      </p:stCondLst>
+                      <p:childTnLst>
+                        <p:par>
+                          <p:cTn id="4" fill="hold">
+                            <p:stCondLst>
+                              <p:cond delay="0"/>
+                            </p:stCondLst>
+                            <p:childTnLst>
+                              <p:par>
+                                <p:cTn id="5" presetID="1" presetClass="entr" presetSubtype="0" fill="hold" grpId="0" nodeType="clickEffect">
+                                  <p:stCondLst>
+                                    <p:cond delay="0"/>
+                                  </p:stCondLst>
+                                  <p:childTnLst>
+                                    <p:set>
+                                      <p:cBhvr>
+                                        <p:cTn id="6" dur="1" fill="hold">
+                                          <p:stCondLst>
+                                            <p:cond delay="0"/>
+                                          </p:stCondLst>
+                                        </p:cTn>
+                                        <p:tgtEl>
+                                          <p:spTgt spid="5"/>
+                                        </p:tgtEl>
+                                        <p:attrNameLst>
+                                          <p:attrName>style.visibility</p:attrName>
+                                        </p:attrNameLst>
+                                      </p:cBhvr>
+                                      <p:to>
+                                        <p:strVal val="visible"/>
+                                      </p:to>
+                                    </p:set>
+                                  </p:childTnLst>
+                                </p:cTn>
+                              </p:par>
+                              <p:par>
+                                <p:cTn id="7" presetID="1" presetClass="entr" presetSubtype="0" fill="hold" grpId="0" nodeType="withEffect">
+                                  <p:stCondLst>
+                                    <p:cond delay="0"/>
+                                  </p:stCondLst>
+                                  <p:childTnLst>
+                                    <p:set>
+                                      <p:cBhvr>
+                                        <p:cTn id="8" dur="1" fill="hold">
+                                          <p:stCondLst>
+                                            <p:cond delay="0"/>
+                                          </p:stCondLst>
+                                        </p:cTn>
+                                        <p:tgtEl>
+                                          <p:spTgt spid="6"/>
+                                        </p:tgtEl>
+                                        <p:attrNameLst>
+                                          <p:attrName>style.visibility</p:attrName>
+                                        </p:attrNameLst>
+                                      </p:cBhvr>
+                                      <p:to>
+                                        <p:strVal val="visible"/>
+                                      </p:to>
+                                    </p:set>
+                                  </p:childTnLst>
+                                </p:cTn>
+                              </p:par>
+                            </p:childTnLst>
+                          </p:cTn>
+                        </p:par>
+                      </p:childTnLst>
+                    </p:cTn>
+                  </p:par>
+                  <p:par>
+                    <p:cTn id="9" fill="hold">
+                      <p:stCondLst>
+                        <p:cond delay="indefinite"/>
+                      </p:stCondLst>
+                      <p:childTnLst>
+                        <p:par>
+                          <p:cTn id="10" fill="hold">
+                            <p:stCondLst>
+                              <p:cond delay="0"/>
+                            </p:stCondLst>
+                            <p:childTnLst>
+                              <p:par>
+                                <p:cTn id="11" presetID="1" presetClass="entr" presetSubtype="0" fill="hold" grpId="0" nodeType="clickEffect">
+                                  <p:stCondLst>
+                                    <p:cond delay="0"/>
+                                  </p:stCondLst>
+                                  <p:childTnLst>
+                                    <p:set>
+                                      <p:cBhvr>
+                                        <p:cTn id="12" dur="1" fill="hold">
+                                          <p:stCondLst>
+                                            <p:cond delay="0"/>
+                                          </p:stCondLst>
+                                        </p:cTn>
+                                        <p:tgtEl>
+                                          <p:spTgt spid="7"/>
+                                        </p:tgtEl>
+                                        <p:attrNameLst>
+                                          <p:attrName>style.visibility</p:attrName>
+                                        </p:attrNameLst>
+                                      </p:cBhvr>
+                                      <p:to>
+                                        <p:strVal val="visible"/>
+                                      </p:to>
+                                    </p:set>
+                                  </p:childTnLst>
+                                </p:cTn>
+                              </p:par>
+                              <p:par>
+                                <p:cTn id="13" presetID="1" presetClass="entr" presetSubtype="0" fill="hold" grpId="0" nodeType="withEffect">
+                                  <p:stCondLst>
+                                    <p:cond delay="0"/>
+                                  </p:stCondLst>
+                                  <p:childTnLst>
+                                    <p:set>
+                                      <p:cBhvr>
+                                        <p:cTn id="14" dur="1" fill="hold">
+                                          <p:stCondLst>
+                                            <p:cond delay="0"/>
+                                          </p:stCondLst>
+                                        </p:cTn>
+                                        <p:tgtEl>
+                                          <p:spTgt spid="8"/>
+                                        </p:tgtEl>
+                                        <p:attrNameLst>
+                                          <p:attrName>style.visibility</p:attrName>
+                                        </p:attrNameLst>
+                                      </p:cBhvr>
+                                      <p:to>
+                                        <p:strVal val="visible"/>
+                                      </p:to>
+                                    </p:set>
+                                  </p:childTnLst>
+                                </p:cTn>
+                              </p:par>
+                            </p:childTnLst>
+                          </p:cTn>
+                        </p:par>
+                      </p:childTnLst>
+                    </p:cTn>
+                  </p:par>
+                  <p:par>
+                    <p:cTn id="15" fill="hold">
+                      <p:stCondLst>
+                        <p:cond delay="indefinite"/>
+                      </p:stCondLst>
+                      <p:childTnLst>
+                        <p:par>
+                          <p:cTn id="16" fill="hold">
+                            <p:stCondLst>
+                              <p:cond delay="0"/>
+                            </p:stCondLst>
+                            <p:childTnLst>
+                              <p:par>
+                                <p:cTn id="17" presetID="14" presetClass="entr" presetSubtype="10" fill="hold" nodeType="clickEffect">
+                                  <p:stCondLst>
+                                    <p:cond delay="0"/>
+                                  </p:stCondLst>
+                                  <p:childTnLst>
+                                    <p:set>
+                                      <p:cBhvr>
+                                        <p:cTn id="18" dur="1" fill="hold">
+                                          <p:stCondLst>
+                                            <p:cond delay="0"/>
+                                          </p:stCondLst>
+                                        </p:cTn>
+                                        <p:tgtEl>
+                                          <p:spTgt spid="3">
+                                            <p:txEl>
+                                              <p:pRg st="3" end="3"/>
+                                            </p:txEl>
+                                          </p:spTgt>
+                                        </p:tgtEl>
+                                        <p:attrNameLst>
+                                          <p:attrName>style.visibility</p:attrName>
+                                        </p:attrNameLst>
+                                      </p:cBhvr>
+                                      <p:to>
+                                        <p:strVal val="visible"/>
+                                      </p:to>
+                                    </p:set>
+                                    <p:animEffect transition="in" filter="randombar(horizontal)">
+                                      <p:cBhvr>
+                                        <p:cTn id="19" dur="500"/>
+                                        <p:tgtEl>
+                                          <p:spTgt spid="3">
+                                            <p:txEl>
+                                              <p:pRg st="3" end="3"/>
+                                            </p:txEl>
+                                          </p:spTgt>
+                                        </p:tgtEl>
+                                      </p:cBhvr>
+                                    </p:animEffect>
+                                  </p:childTnLst>
+                                </p:cTn>
+                              </p:par>
+                              <p:par>
+                                <p:cTn id="20" presetID="14" presetClass="entr" presetSubtype="10" fill="hold" nodeType="withEffect">
+                                  <p:stCondLst>
+                                    <p:cond delay="0"/>
+                                  </p:stCondLst>
+                                  <p:childTnLst>
+                                    <p:set>
+                                      <p:cBhvr>
+                                        <p:cTn id="21" dur="1" fill="hold">
+                                          <p:stCondLst>
+                                            <p:cond delay="0"/>
+                                          </p:stCondLst>
+                                        </p:cTn>
+                                        <p:tgtEl>
+                                          <p:spTgt spid="3">
+                                            <p:txEl>
+                                              <p:pRg st="4" end="4"/>
+                                            </p:txEl>
+                                          </p:spTgt>
+                                        </p:tgtEl>
+                                        <p:attrNameLst>
+                                          <p:attrName>style.visibility</p:attrName>
+                                        </p:attrNameLst>
+                                      </p:cBhvr>
+                                      <p:to>
+                                        <p:strVal val="visible"/>
+                                      </p:to>
+                                    </p:set>
+                                    <p:animEffect transition="in" filter="randombar(horizontal)">
+                                      <p:cBhvr>
+                                        <p:cTn id="22" dur="500"/>
+                                        <p:tgtEl>
+                                          <p:spTgt spid="3">
+                                            <p:txEl>
+                                              <p:pRg st="4" end="4"/>
+                                            </p:txEl>
+                                          </p:spTgt>
+                                        </p:tgtEl>
+                                      </p:cBhvr>
+                                    </p:animEffect>
+                                  </p:childTnLst>
+                                </p:cTn>
+                              </p:par>
+                              <p:par>
+                                <p:cTn id="23" presetID="14" presetClass="entr" presetSubtype="10" fill="hold" nodeType="withEffect">
+                                  <p:stCondLst>
+                                    <p:cond delay="0"/>
+                                  </p:stCondLst>
+                                  <p:childTnLst>
+                                    <p:set>
+                                      <p:cBhvr>
+                                        <p:cTn id="24" dur="1" fill="hold">
+                                          <p:stCondLst>
+                                            <p:cond delay="0"/>
+                                          </p:stCondLst>
+                                        </p:cTn>
+                                        <p:tgtEl>
+                                          <p:spTgt spid="3">
+                                            <p:txEl>
+                                              <p:pRg st="5" end="5"/>
+                                            </p:txEl>
+                                          </p:spTgt>
+                                        </p:tgtEl>
+                                        <p:attrNameLst>
+                                          <p:attrName>style.visibility</p:attrName>
+                                        </p:attrNameLst>
+                                      </p:cBhvr>
+                                      <p:to>
+                                        <p:strVal val="visible"/>
+                                      </p:to>
+                                    </p:set>
+                                    <p:animEffect transition="in" filter="randombar(horizontal)">
+                                      <p:cBhvr>
+                                        <p:cTn id="25" dur="500"/>
+                                        <p:tgtEl>
+                                          <p:spTgt spid="3">
+                                            <p:txEl>
+                                              <p:pRg st="5" end="5"/>
+                                            </p:txEl>
+                                          </p:spTgt>
+                                        </p:tgtEl>
+                                      </p:cBhvr>
+                                    </p:animEffect>
+                                  </p:childTnLst>
+                                </p:cTn>
+                              </p:par>
+                              <p:par>
+                                <p:cTn id="26" presetID="14" presetClass="entr" presetSubtype="10" fill="hold" nodeType="withEffect">
+                                  <p:stCondLst>
+                                    <p:cond delay="0"/>
+                                  </p:stCondLst>
+                                  <p:childTnLst>
+                                    <p:set>
+                                      <p:cBhvr>
+                                        <p:cTn id="27" dur="1" fill="hold">
+                                          <p:stCondLst>
+                                            <p:cond delay="0"/>
+                                          </p:stCondLst>
+                                        </p:cTn>
+                                        <p:tgtEl>
+                                          <p:spTgt spid="3">
+                                            <p:txEl>
+                                              <p:pRg st="6" end="6"/>
+                                            </p:txEl>
+                                          </p:spTgt>
+                                        </p:tgtEl>
+                                        <p:attrNameLst>
+                                          <p:attrName>style.visibility</p:attrName>
+                                        </p:attrNameLst>
+                                      </p:cBhvr>
+                                      <p:to>
+                                        <p:strVal val="visible"/>
+                                      </p:to>
+                                    </p:set>
+                                    <p:animEffect transition="in" filter="randombar(horizontal)">
+                                      <p:cBhvr>
+                                        <p:cTn id="28" dur="500"/>
+                                        <p:tgtEl>
+                                          <p:spTgt spid="3">
+                                            <p:txEl>
+                                              <p:pRg st="6" end="6"/>
+                                            </p:txEl>
+                                          </p:spTgt>
+                                        </p:tgtEl>
+                                      </p:cBhvr>
+                                    </p:animEffect>
+                                  </p:childTnLst>
+                                </p:cTn>
+                              </p:par>
+                              <p:par>
+                                <p:cTn id="29" presetID="14" presetClass="entr" presetSubtype="10" fill="hold" nodeType="withEffect">
+                                  <p:stCondLst>
+                                    <p:cond delay="0"/>
+                                  </p:stCondLst>
+                                  <p:childTnLst>
+                                    <p:set>
+                                      <p:cBhvr>
+                                        <p:cTn id="30" dur="1" fill="hold">
+                                          <p:stCondLst>
+                                            <p:cond delay="0"/>
+                                          </p:stCondLst>
+                                        </p:cTn>
+                                        <p:tgtEl>
+                                          <p:spTgt spid="3">
+                                            <p:txEl>
+                                              <p:pRg st="7" end="7"/>
+                                            </p:txEl>
+                                          </p:spTgt>
+                                        </p:tgtEl>
+                                        <p:attrNameLst>
+                                          <p:attrName>style.visibility</p:attrName>
+                                        </p:attrNameLst>
+                                      </p:cBhvr>
+                                      <p:to>
+                                        <p:strVal val="visible"/>
+                                      </p:to>
+                                    </p:set>
+                                    <p:animEffect transition="in" filter="randombar(horizontal)">
+                                      <p:cBhvr>
+                                        <p:cTn id="31" dur="500"/>
+                                        <p:tgtEl>
+                                          <p:spTgt spid="3">
+                                            <p:txEl>
+                                              <p:pRg st="7" end="7"/>
+                                            </p:txEl>
+                                          </p:spTgt>
+                                        </p:tgtEl>
+                                      </p:cBhvr>
+                                    </p:animEffect>
+                                  </p:childTnLst>
+                                </p:cTn>
+                              </p:par>
+                              <p:par>
+                                <p:cTn id="32" presetID="14" presetClass="entr" presetSubtype="10" fill="hold" nodeType="withEffect">
+                                  <p:stCondLst>
+                                    <p:cond delay="0"/>
+                                  </p:stCondLst>
+                                  <p:childTnLst>
+                                    <p:set>
+                                      <p:cBhvr>
+                                        <p:cTn id="33" dur="1" fill="hold">
+                                          <p:stCondLst>
+                                            <p:cond delay="0"/>
+                                          </p:stCondLst>
+                                        </p:cTn>
+                                        <p:tgtEl>
+                                          <p:spTgt spid="3">
+                                            <p:txEl>
+                                              <p:pRg st="8" end="8"/>
+                                            </p:txEl>
+                                          </p:spTgt>
+                                        </p:tgtEl>
+                                        <p:attrNameLst>
+                                          <p:attrName>style.visibility</p:attrName>
+                                        </p:attrNameLst>
+                                      </p:cBhvr>
+                                      <p:to>
+                                        <p:strVal val="visible"/>
+                                      </p:to>
+                                    </p:set>
+                                    <p:animEffect transition="in" filter="randombar(horizontal)">
+                                      <p:cBhvr>
+                                        <p:cTn id="34" dur="500"/>
+                                        <p:tgtEl>
+                                          <p:spTgt spid="3">
+                                            <p:txEl>
+                                              <p:pRg st="8" end="8"/>
+                                            </p:txEl>
+                                          </p:spTgt>
+                                        </p:tgtEl>
+                                      </p:cBhvr>
+                                    </p:animEffect>
+                                  </p:childTnLst>
+                                </p:cTn>
+                              </p:par>
+                            </p:childTnLst>
+                          </p:cTn>
+                        </p:par>
+                      </p:childTnLst>
+                    </p:cTn>
+                  </p:par>
+                  <p:par>
+                    <p:cTn id="35" fill="hold">
+                      <p:stCondLst>
+                        <p:cond delay="indefinite"/>
+                      </p:stCondLst>
+                      <p:childTnLst>
+                        <p:par>
+                          <p:cTn id="36" fill="hold">
+                            <p:stCondLst>
+                              <p:cond delay="0"/>
+                            </p:stCondLst>
+                            <p:childTnLst>
+                              <p:par>
+                                <p:cTn id="37" presetID="1" presetClass="entr" presetSubtype="0" fill="hold" nodeType="clickEffect">
+                                  <p:stCondLst>
+                                    <p:cond delay="0"/>
+                                  </p:stCondLst>
+                                  <p:childTnLst>
+                                    <p:set>
+                                      <p:cBhvr>
+                                        <p:cTn id="38" dur="1" fill="hold">
+                                          <p:stCondLst>
+                                            <p:cond delay="0"/>
+                                          </p:stCondLst>
+                                        </p:cTn>
+                                        <p:tgtEl>
+                                          <p:spTgt spid="14"/>
+                                        </p:tgtEl>
+                                        <p:attrNameLst>
+                                          <p:attrName>style.visibility</p:attrName>
+                                        </p:attrNameLst>
+                                      </p:cBhvr>
+                                      <p:to>
+                                        <p:strVal val="visible"/>
+                                      </p:to>
+                                    </p:set>
+                                  </p:childTnLst>
+                                </p:cTn>
+                              </p:par>
+                            </p:childTnLst>
+                          </p:cTn>
+                        </p:par>
+                      </p:childTnLst>
+                    </p:cTn>
+                  </p:par>
+                </p:childTnLst>
+              </p:cTn>
+              <p:prevCondLst>
+                <p:cond evt="onPrev" delay="0">
+                  <p:tgtEl>
+                    <p:sldTgt/>
+                  </p:tgtEl>
+                </p:cond>
+              </p:prevCondLst>
+              <p:nextCondLst>
+                <p:cond evt="onNext" delay="0">
+                  <p:tgtEl>
+                    <p:sldTgt/>
+                  </p:tgtEl>
+                </p:cond>
+              </p:nextCondLst>
+            </p:seq>
+          </p:childTnLst>
+        </p:cTn>
+      </p:par>
+    </p:tnLst>
+    <p:bldLst>
+      <p:bldP spid="5" grpId="0" animBg="1"/>
+      <p:bldP spid="6" grpId="0"/>
+      <p:bldP spid="7" grpId="0" animBg="1"/>
+      <p:bldP spid="8" grpId="0"/>
+    </p:bldLst>
+  </p:timing>
 </p:sld>
 </file>
 
@@ -13685,6 +14364,184 @@
   <p:clrMapOvr>
     <a:masterClrMapping/>
   </p:clrMapOvr>
+  <p:timing>
+    <p:tnLst>
+      <p:par>
+        <p:cTn id="1" dur="indefinite" restart="never" nodeType="tmRoot">
+          <p:childTnLst>
+            <p:seq concurrent="1" nextAc="seek">
+              <p:cTn id="2" dur="indefinite" nodeType="mainSeq">
+                <p:childTnLst>
+                  <p:par>
+                    <p:cTn id="3" fill="hold">
+                      <p:stCondLst>
+                        <p:cond delay="indefinite"/>
+                      </p:stCondLst>
+                      <p:childTnLst>
+                        <p:par>
+                          <p:cTn id="4" fill="hold">
+                            <p:stCondLst>
+                              <p:cond delay="0"/>
+                            </p:stCondLst>
+                            <p:childTnLst>
+                              <p:par>
+                                <p:cTn id="5" presetID="1" presetClass="entr" presetSubtype="0" fill="hold" nodeType="clickEffect">
+                                  <p:stCondLst>
+                                    <p:cond delay="0"/>
+                                  </p:stCondLst>
+                                  <p:childTnLst>
+                                    <p:set>
+                                      <p:cBhvr>
+                                        <p:cTn id="6" dur="1" fill="hold">
+                                          <p:stCondLst>
+                                            <p:cond delay="0"/>
+                                          </p:stCondLst>
+                                        </p:cTn>
+                                        <p:tgtEl>
+                                          <p:spTgt spid="10"/>
+                                        </p:tgtEl>
+                                        <p:attrNameLst>
+                                          <p:attrName>style.visibility</p:attrName>
+                                        </p:attrNameLst>
+                                      </p:cBhvr>
+                                      <p:to>
+                                        <p:strVal val="visible"/>
+                                      </p:to>
+                                    </p:set>
+                                  </p:childTnLst>
+                                </p:cTn>
+                              </p:par>
+                              <p:par>
+                                <p:cTn id="7" presetID="1" presetClass="entr" presetSubtype="0" fill="hold" grpId="0" nodeType="withEffect">
+                                  <p:stCondLst>
+                                    <p:cond delay="0"/>
+                                  </p:stCondLst>
+                                  <p:childTnLst>
+                                    <p:set>
+                                      <p:cBhvr>
+                                        <p:cTn id="8" dur="1" fill="hold">
+                                          <p:stCondLst>
+                                            <p:cond delay="0"/>
+                                          </p:stCondLst>
+                                        </p:cTn>
+                                        <p:tgtEl>
+                                          <p:spTgt spid="11"/>
+                                        </p:tgtEl>
+                                        <p:attrNameLst>
+                                          <p:attrName>style.visibility</p:attrName>
+                                        </p:attrNameLst>
+                                      </p:cBhvr>
+                                      <p:to>
+                                        <p:strVal val="visible"/>
+                                      </p:to>
+                                    </p:set>
+                                  </p:childTnLst>
+                                </p:cTn>
+                              </p:par>
+                            </p:childTnLst>
+                          </p:cTn>
+                        </p:par>
+                      </p:childTnLst>
+                    </p:cTn>
+                  </p:par>
+                  <p:par>
+                    <p:cTn id="9" fill="hold">
+                      <p:stCondLst>
+                        <p:cond delay="indefinite"/>
+                      </p:stCondLst>
+                      <p:childTnLst>
+                        <p:par>
+                          <p:cTn id="10" fill="hold">
+                            <p:stCondLst>
+                              <p:cond delay="0"/>
+                            </p:stCondLst>
+                            <p:childTnLst>
+                              <p:par>
+                                <p:cTn id="11" presetID="1" presetClass="entr" presetSubtype="0" fill="hold" nodeType="clickEffect">
+                                  <p:stCondLst>
+                                    <p:cond delay="0"/>
+                                  </p:stCondLst>
+                                  <p:childTnLst>
+                                    <p:set>
+                                      <p:cBhvr>
+                                        <p:cTn id="12" dur="1" fill="hold">
+                                          <p:stCondLst>
+                                            <p:cond delay="0"/>
+                                          </p:stCondLst>
+                                        </p:cTn>
+                                        <p:tgtEl>
+                                          <p:spTgt spid="7"/>
+                                        </p:tgtEl>
+                                        <p:attrNameLst>
+                                          <p:attrName>style.visibility</p:attrName>
+                                        </p:attrNameLst>
+                                      </p:cBhvr>
+                                      <p:to>
+                                        <p:strVal val="visible"/>
+                                      </p:to>
+                                    </p:set>
+                                  </p:childTnLst>
+                                </p:cTn>
+                              </p:par>
+                              <p:par>
+                                <p:cTn id="13" presetID="1" presetClass="entr" presetSubtype="0" fill="hold" grpId="0" nodeType="withEffect">
+                                  <p:stCondLst>
+                                    <p:cond delay="0"/>
+                                  </p:stCondLst>
+                                  <p:childTnLst>
+                                    <p:set>
+                                      <p:cBhvr>
+                                        <p:cTn id="14" dur="1" fill="hold">
+                                          <p:stCondLst>
+                                            <p:cond delay="0"/>
+                                          </p:stCondLst>
+                                        </p:cTn>
+                                        <p:tgtEl>
+                                          <p:spTgt spid="8"/>
+                                        </p:tgtEl>
+                                        <p:attrNameLst>
+                                          <p:attrName>style.visibility</p:attrName>
+                                        </p:attrNameLst>
+                                      </p:cBhvr>
+                                      <p:to>
+                                        <p:strVal val="visible"/>
+                                      </p:to>
+                                    </p:set>
+                                  </p:childTnLst>
+                                </p:cTn>
+                              </p:par>
+                            </p:childTnLst>
+                          </p:cTn>
+                        </p:par>
+                      </p:childTnLst>
+                    </p:cTn>
+                  </p:par>
+                </p:childTnLst>
+              </p:cTn>
+              <p:prevCondLst>
+                <p:cond evt="onPrev" delay="0">
+                  <p:tgtEl>
+                    <p:sldTgt/>
+                  </p:tgtEl>
+                </p:cond>
+              </p:prevCondLst>
+              <p:nextCondLst>
+                <p:cond evt="onNext" delay="0">
+                  <p:tgtEl>
+                    <p:sldTgt/>
+                  </p:tgtEl>
+                </p:cond>
+              </p:nextCondLst>
+            </p:seq>
+          </p:childTnLst>
+        </p:cTn>
+      </p:par>
+    </p:tnLst>
+    <p:bldLst>
+      <p:bldP spid="8" grpId="0"/>
+      <p:bldP spid="11" grpId="0"/>
+    </p:bldLst>
+  </p:timing>
 </p:sld>
 </file>
 
@@ -13829,11 +14686,7 @@
             </a:r>
             <a:r>
               <a:rPr lang="en-GB" sz="2000" dirty="0" err="1"/>
-              <a:t>A</a:t>
-            </a:r>
-            <a:r>
-              <a:rPr lang="en-GB" sz="2000" dirty="0" err="1"/>
-              <a:t>ddMatchResultsServiceMapper</a:t>
+              <a:t>AddMatchResultsServiceMapper</a:t>
             </a:r>
             <a:r>
               <a:rPr lang="en-GB" sz="2000" dirty="0"/>
@@ -13844,49 +14697,19 @@
               <a:t>rmiServiceClient.getAddMatchResultsService</a:t>
             </a:r>
             <a:r>
-              <a:rPr lang="en-GB" sz="2000" dirty="0"/>
+              <a:rPr lang="en-GB" sz="2000" dirty="0" smtClean="0"/>
               <a:t>());</a:t>
             </a:r>
           </a:p>
-        </p:txBody>
-      </p:sp>
-      <p:sp>
-        <p:nvSpPr>
-          <p:cNvPr id="4" name="Pfeil nach oben 3"/>
-          <p:cNvSpPr/>
-          <p:nvPr/>
-        </p:nvSpPr>
-        <p:spPr>
-          <a:xfrm>
-            <a:off x="2855640" y="4005064"/>
-            <a:ext cx="792088" cy="1152128"/>
-          </a:xfrm>
-          <a:prstGeom prst="upArrow">
-            <a:avLst/>
-          </a:prstGeom>
-        </p:spPr>
-        <p:style>
-          <a:lnRef idx="2">
-            <a:schemeClr val="accent1">
-              <a:shade val="50000"/>
-            </a:schemeClr>
-          </a:lnRef>
-          <a:fillRef idx="1">
-            <a:schemeClr val="accent1"/>
-          </a:fillRef>
-          <a:effectRef idx="0">
-            <a:schemeClr val="accent1"/>
-          </a:effectRef>
-          <a:fontRef idx="minor">
-            <a:schemeClr val="lt1"/>
-          </a:fontRef>
-        </p:style>
-        <p:txBody>
-          <a:bodyPr rtlCol="0" anchor="ctr"/>
-          <a:lstStyle/>
-          <a:p>
-            <a:pPr algn="ctr"/>
-            <a:endParaRPr lang="en-GB"/>
+          <a:p>
+            <a:pPr marL="0" indent="0">
+              <a:buNone/>
+            </a:pPr>
+            <a:r>
+              <a:rPr lang="de-AT" sz="2000" dirty="0" smtClean="0"/>
+              <a:t>…</a:t>
+            </a:r>
+            <a:endParaRPr lang="en-GB" sz="2000" dirty="0"/>
           </a:p>
         </p:txBody>
       </p:sp>
@@ -13898,7 +14721,7 @@
         </p:nvSpPr>
         <p:spPr>
           <a:xfrm>
-            <a:off x="3863752" y="4581129"/>
+            <a:off x="6401814" y="3927986"/>
             <a:ext cx="5022144" cy="646331"/>
           </a:xfrm>
           <a:prstGeom prst="rect">
@@ -13934,6 +14757,39 @@
           </a:p>
         </p:txBody>
       </p:sp>
+      <p:cxnSp>
+        <p:nvCxnSpPr>
+          <p:cNvPr id="7" name="Gerade Verbindung mit Pfeil 6"/>
+          <p:cNvCxnSpPr/>
+          <p:nvPr/>
+        </p:nvCxnSpPr>
+        <p:spPr>
+          <a:xfrm flipH="1">
+            <a:off x="4234543" y="4251151"/>
+            <a:ext cx="2079171" cy="973992"/>
+          </a:xfrm>
+          <a:prstGeom prst="straightConnector1">
+            <a:avLst/>
+          </a:prstGeom>
+          <a:ln>
+            <a:tailEnd type="arrow"/>
+          </a:ln>
+        </p:spPr>
+        <p:style>
+          <a:lnRef idx="1">
+            <a:schemeClr val="accent1"/>
+          </a:lnRef>
+          <a:fillRef idx="0">
+            <a:schemeClr val="accent1"/>
+          </a:fillRef>
+          <a:effectRef idx="0">
+            <a:schemeClr val="accent1"/>
+          </a:effectRef>
+          <a:fontRef idx="minor">
+            <a:schemeClr val="tx1"/>
+          </a:fontRef>
+        </p:style>
+      </p:cxnSp>
     </p:spTree>
     <p:extLst>
       <p:ext uri="{BB962C8B-B14F-4D97-AF65-F5344CB8AC3E}">
@@ -13944,6 +14800,111 @@
   <p:clrMapOvr>
     <a:masterClrMapping/>
   </p:clrMapOvr>
+  <p:timing>
+    <p:tnLst>
+      <p:par>
+        <p:cTn id="1" dur="indefinite" restart="never" nodeType="tmRoot">
+          <p:childTnLst>
+            <p:seq concurrent="1" nextAc="seek">
+              <p:cTn id="2" dur="indefinite" nodeType="mainSeq">
+                <p:childTnLst>
+                  <p:par>
+                    <p:cTn id="3" fill="hold">
+                      <p:stCondLst>
+                        <p:cond delay="indefinite"/>
+                      </p:stCondLst>
+                      <p:childTnLst>
+                        <p:par>
+                          <p:cTn id="4" fill="hold">
+                            <p:stCondLst>
+                              <p:cond delay="0"/>
+                            </p:stCondLst>
+                            <p:childTnLst>
+                              <p:par>
+                                <p:cTn id="5" presetID="1" presetClass="entr" presetSubtype="0" fill="hold" nodeType="clickEffect">
+                                  <p:stCondLst>
+                                    <p:cond delay="0"/>
+                                  </p:stCondLst>
+                                  <p:childTnLst>
+                                    <p:set>
+                                      <p:cBhvr>
+                                        <p:cTn id="6" dur="1" fill="hold">
+                                          <p:stCondLst>
+                                            <p:cond delay="0"/>
+                                          </p:stCondLst>
+                                        </p:cTn>
+                                        <p:tgtEl>
+                                          <p:spTgt spid="7"/>
+                                        </p:tgtEl>
+                                        <p:attrNameLst>
+                                          <p:attrName>style.visibility</p:attrName>
+                                        </p:attrNameLst>
+                                      </p:cBhvr>
+                                      <p:to>
+                                        <p:strVal val="visible"/>
+                                      </p:to>
+                                    </p:set>
+                                  </p:childTnLst>
+                                </p:cTn>
+                              </p:par>
+                              <p:par>
+                                <p:cTn id="7" presetID="1" presetClass="entr" presetSubtype="0" fill="hold" grpId="0" nodeType="withEffect">
+                                  <p:stCondLst>
+                                    <p:cond delay="0"/>
+                                  </p:stCondLst>
+                                  <p:childTnLst>
+                                    <p:set>
+                                      <p:cBhvr>
+                                        <p:cTn id="8" dur="1" fill="hold">
+                                          <p:stCondLst>
+                                            <p:cond delay="0"/>
+                                          </p:stCondLst>
+                                        </p:cTn>
+                                        <p:tgtEl>
+                                          <p:spTgt spid="5"/>
+                                        </p:tgtEl>
+                                        <p:attrNameLst>
+                                          <p:attrName>style.visibility</p:attrName>
+                                        </p:attrNameLst>
+                                      </p:cBhvr>
+                                      <p:to>
+                                        <p:strVal val="visible"/>
+                                      </p:to>
+                                    </p:set>
+                                  </p:childTnLst>
+                                </p:cTn>
+                              </p:par>
+                            </p:childTnLst>
+                          </p:cTn>
+                        </p:par>
+                      </p:childTnLst>
+                    </p:cTn>
+                  </p:par>
+                </p:childTnLst>
+              </p:cTn>
+              <p:prevCondLst>
+                <p:cond evt="onPrev" delay="0">
+                  <p:tgtEl>
+                    <p:sldTgt/>
+                  </p:tgtEl>
+                </p:cond>
+              </p:prevCondLst>
+              <p:nextCondLst>
+                <p:cond evt="onNext" delay="0">
+                  <p:tgtEl>
+                    <p:sldTgt/>
+                  </p:tgtEl>
+                </p:cond>
+              </p:nextCondLst>
+            </p:seq>
+          </p:childTnLst>
+        </p:cTn>
+      </p:par>
+    </p:tnLst>
+    <p:bldLst>
+      <p:bldP spid="5" grpId="0"/>
+    </p:bldLst>
+  </p:timing>
 </p:sld>
 </file>
 
@@ -13990,12 +14951,12 @@
     </a:clrScheme>
     <a:fontScheme name="IntegralV7">
       <a:majorFont>
-        <a:latin typeface="Tw Cen MT Condensed" panose="020B0606020104020203"/>
+        <a:latin typeface="Tw Cen MT Condensed"/>
         <a:ea typeface=""/>
         <a:cs typeface=""/>
       </a:majorFont>
       <a:minorFont>
-        <a:latin typeface="Tw Cen MT" panose="020B0602020104020603"/>
+        <a:latin typeface="Tw Cen MT"/>
         <a:ea typeface=""/>
         <a:cs typeface=""/>
       </a:minorFont>
@@ -14145,7 +15106,7 @@
   <a:extraClrSchemeLst/>
   <a:extLst>
     <a:ext uri="{05A4C25C-085E-4340-85A3-A5531E510DB2}">
-      <thm15:themeFamily xmlns:thm15="http://schemas.microsoft.com/office/thememl/2012/main" name="Integral" id="{3577F8C9-A904-41D8-97D2-FD898F53F20E}" vid="{42448713-48CF-40FF-A256-E269CDCF5842}"/>
+      <thm15:themeFamily xmlns:thm15="http://schemas.microsoft.com/office/thememl/2012/main" xmlns="" name="Integral" id="{3577F8C9-A904-41D8-97D2-FD898F53F20E}" vid="{42448713-48CF-40FF-A256-E269CDCF5842}"/>
     </a:ext>
   </a:extLst>
 </a:theme>
@@ -14194,7 +15155,7 @@
     </a:clrScheme>
     <a:fontScheme name="Office">
       <a:majorFont>
-        <a:latin typeface="Calibri Light" panose="020F0302020204030204"/>
+        <a:latin typeface="Calibri Light"/>
         <a:ea typeface=""/>
         <a:cs typeface=""/>
         <a:font script="Jpan" typeface="ＭＳ ゴシック"/>
@@ -14229,7 +15190,7 @@
         <a:font script="Geor" typeface="Sylfaen"/>
       </a:majorFont>
       <a:minorFont>
-        <a:latin typeface="Calibri" panose="020F0502020204030204"/>
+        <a:latin typeface="Calibri"/>
         <a:ea typeface=""/>
         <a:cs typeface=""/>
         <a:font script="Jpan" typeface="ＭＳ ゴシック"/>
@@ -14406,7 +15367,7 @@
   <a:extraClrSchemeLst/>
   <a:extLst>
     <a:ext uri="{05A4C25C-085E-4340-85A3-A5531E510DB2}">
-      <thm15:themeFamily xmlns:thm15="http://schemas.microsoft.com/office/thememl/2012/main" name="Office Theme" id="{62F939B6-93AF-4DB8-9C6B-D6C7DFDC589F}" vid="{4A3C46E8-61CC-4603-A589-7422A47A8E4A}"/>
+      <thm15:themeFamily xmlns:thm15="http://schemas.microsoft.com/office/thememl/2012/main" xmlns="" name="Office Theme" id="{62F939B6-93AF-4DB8-9C6B-D6C7DFDC589F}" vid="{4A3C46E8-61CC-4603-A589-7422A47A8E4A}"/>
     </a:ext>
   </a:extLst>
 </a:theme>

--- a/Presentation/Presentation.pptx
+++ b/Presentation/Presentation.pptx
@@ -11300,7 +11300,7 @@
           <a:bodyPr/>
           <a:lstStyle/>
           <a:p>
-            <a:endParaRPr lang="de-AT"/>
+            <a:endParaRPr lang="de-AT" dirty="0"/>
           </a:p>
         </p:txBody>
       </p:sp>
@@ -11326,6 +11326,47 @@
           <a:prstGeom prst="rect">
             <a:avLst/>
           </a:prstGeom>
+        </p:spPr>
+      </p:pic>
+      <p:pic>
+        <p:nvPicPr>
+          <p:cNvPr id="1026" name="Picture 2" descr="C:\Users\luc\Documents\GitHub\SportsClubManager\Client\src\presentation\logo.jpg"/>
+          <p:cNvPicPr>
+            <a:picLocks noChangeAspect="1" noChangeArrowheads="1"/>
+          </p:cNvPicPr>
+          <p:nvPr/>
+        </p:nvPicPr>
+        <p:blipFill>
+          <a:blip r:embed="rId4">
+            <a:extLst>
+              <a:ext uri="{28A0092B-C50C-407E-A947-70E740481C1C}">
+                <a14:useLocalDpi xmlns:a14="http://schemas.microsoft.com/office/drawing/2010/main" val="0"/>
+              </a:ext>
+            </a:extLst>
+          </a:blip>
+          <a:srcRect/>
+          <a:stretch>
+            <a:fillRect/>
+          </a:stretch>
+        </p:blipFill>
+        <p:spPr bwMode="auto">
+          <a:xfrm>
+            <a:off x="3647207" y="2743353"/>
+            <a:ext cx="4833215" cy="2389756"/>
+          </a:xfrm>
+          <a:prstGeom prst="rect">
+            <a:avLst/>
+          </a:prstGeom>
+          <a:noFill/>
+          <a:extLst>
+            <a:ext uri="{909E8E84-426E-40DD-AFC4-6F175D3DCCD1}">
+              <a14:hiddenFill xmlns:a14="http://schemas.microsoft.com/office/drawing/2010/main">
+                <a:solidFill>
+                  <a:srgbClr val="FFFFFF"/>
+                </a:solidFill>
+              </a14:hiddenFill>
+            </a:ext>
+          </a:extLst>
         </p:spPr>
       </p:pic>
     </p:spTree>
@@ -11769,8 +11810,33 @@
             </a:pPr>
             <a:r>
               <a:rPr lang="de-AT" dirty="0" smtClean="0"/>
-              <a:t>Wiederverwendbare Forms</a:t>
-            </a:r>
+              <a:t>Wiederverwendbare </a:t>
+            </a:r>
+            <a:r>
+              <a:rPr lang="de-AT" dirty="0" smtClean="0"/>
+              <a:t>Forms</a:t>
+            </a:r>
+          </a:p>
+          <a:p>
+            <a:pPr>
+              <a:buFont typeface="Arial" panose="020B0604020202020204" pitchFamily="34" charset="0"/>
+              <a:buChar char="•"/>
+            </a:pPr>
+            <a:r>
+              <a:rPr lang="de-AT" dirty="0" smtClean="0"/>
+              <a:t>Unit Tests</a:t>
+            </a:r>
+          </a:p>
+          <a:p>
+            <a:pPr>
+              <a:buFont typeface="Arial" panose="020B0604020202020204" pitchFamily="34" charset="0"/>
+              <a:buChar char="•"/>
+            </a:pPr>
+            <a:r>
+              <a:rPr lang="de-AT" smtClean="0"/>
+              <a:t>Datenbank Testapplikation</a:t>
+            </a:r>
+            <a:endParaRPr lang="de-AT"/>
           </a:p>
         </p:txBody>
       </p:sp>

--- a/Presentation/Presentation.pptx
+++ b/Presentation/Presentation.pptx
@@ -222,7 +222,7 @@
   <p:cmAuthor id="1" name="Thomas Schwarz" initials="TS" lastIdx="1" clrIdx="0">
     <p:extLst>
       <p:ext uri="{19B8F6BF-5375-455C-9EA6-DF929625EA0E}">
-        <p15:presenceInfo xmlns:p15="http://schemas.microsoft.com/office/powerpoint/2012/main" xmlns="" userId="953c7d0488bacd35" providerId="Windows Live"/>
+        <p15:presenceInfo xmlns="" xmlns:p15="http://schemas.microsoft.com/office/powerpoint/2012/main" userId="953c7d0488bacd35" providerId="Windows Live"/>
       </p:ext>
     </p:extLst>
   </p:cmAuthor>
@@ -236,7 +236,7 @@
     <p:text>Bracht es diese Folie, das selbe steht auf Folie 30</p:text>
     <p:extLst>
       <p:ext uri="{C676402C-5697-4E1C-873F-D02D1690AC5C}">
-        <p15:threadingInfo xmlns:p15="http://schemas.microsoft.com/office/powerpoint/2012/main" xmlns="" timeZoneBias="-60"/>
+        <p15:threadingInfo xmlns="" xmlns:p15="http://schemas.microsoft.com/office/powerpoint/2012/main" timeZoneBias="-60"/>
       </p:ext>
     </p:extLst>
   </p:cm>
@@ -639,16 +639,11 @@
           <a:p>
             <a:r>
               <a:rPr lang="de-AT" dirty="0" smtClean="0"/>
-              <a:t>TODO: Animation einfügen</a:t>
-            </a:r>
-          </a:p>
-          <a:p>
-            <a:endParaRPr lang="de-AT" dirty="0" smtClean="0"/>
-          </a:p>
-          <a:p>
+              <a:t>Server </a:t>
+            </a:r>
             <a:r>
               <a:rPr lang="de-AT" dirty="0" smtClean="0"/>
-              <a:t>Server startet</a:t>
+              <a:t>startet</a:t>
             </a:r>
             <a:r>
               <a:rPr lang="de-AT" baseline="0" dirty="0" smtClean="0"/>
@@ -2318,7 +2313,7 @@
               <a:t>Runtime</a:t>
             </a:r>
             <a:r>
-              <a:rPr lang="de-AT" baseline="0" smtClean="0">
+              <a:rPr lang="de-AT" baseline="0" dirty="0" smtClean="0">
                 <a:sym typeface="Wingdings" pitchFamily="2" charset="2"/>
               </a:rPr>
               <a:t> Scenario)</a:t>
@@ -15106,7 +15101,7 @@
   <a:extraClrSchemeLst/>
   <a:extLst>
     <a:ext uri="{05A4C25C-085E-4340-85A3-A5531E510DB2}">
-      <thm15:themeFamily xmlns:thm15="http://schemas.microsoft.com/office/thememl/2012/main" xmlns="" name="Integral" id="{3577F8C9-A904-41D8-97D2-FD898F53F20E}" vid="{42448713-48CF-40FF-A256-E269CDCF5842}"/>
+      <thm15:themeFamily xmlns="" xmlns:thm15="http://schemas.microsoft.com/office/thememl/2012/main" name="Integral" id="{3577F8C9-A904-41D8-97D2-FD898F53F20E}" vid="{42448713-48CF-40FF-A256-E269CDCF5842}"/>
     </a:ext>
   </a:extLst>
 </a:theme>
@@ -15367,7 +15362,7 @@
   <a:extraClrSchemeLst/>
   <a:extLst>
     <a:ext uri="{05A4C25C-085E-4340-85A3-A5531E510DB2}">
-      <thm15:themeFamily xmlns:thm15="http://schemas.microsoft.com/office/thememl/2012/main" xmlns="" name="Office Theme" id="{62F939B6-93AF-4DB8-9C6B-D6C7DFDC589F}" vid="{4A3C46E8-61CC-4603-A589-7422A47A8E4A}"/>
+      <thm15:themeFamily xmlns="" xmlns:thm15="http://schemas.microsoft.com/office/thememl/2012/main" name="Office Theme" id="{62F939B6-93AF-4DB8-9C6B-D6C7DFDC589F}" vid="{4A3C46E8-61CC-4603-A589-7422A47A8E4A}"/>
     </a:ext>
   </a:extLst>
 </a:theme>

--- a/Presentation/Presentation.pptx
+++ b/Presentation/Presentation.pptx
@@ -5,8 +5,11 @@
     <p:sldMasterId id="2147483720" r:id="rId1"/>
   </p:sldMasterIdLst>
   <p:notesMasterIdLst>
-    <p:notesMasterId r:id="rId41"/>
+    <p:notesMasterId r:id="rId40"/>
   </p:notesMasterIdLst>
+  <p:handoutMasterIdLst>
+    <p:handoutMasterId r:id="rId41"/>
+  </p:handoutMasterIdLst>
   <p:sldIdLst>
     <p:sldId id="256" r:id="rId2"/>
     <p:sldId id="257" r:id="rId3"/>
@@ -37,16 +40,15 @@
     <p:sldId id="259" r:id="rId28"/>
     <p:sldId id="260" r:id="rId29"/>
     <p:sldId id="261" r:id="rId30"/>
-    <p:sldId id="262" r:id="rId31"/>
-    <p:sldId id="263" r:id="rId32"/>
-    <p:sldId id="264" r:id="rId33"/>
-    <p:sldId id="265" r:id="rId34"/>
-    <p:sldId id="266" r:id="rId35"/>
-    <p:sldId id="267" r:id="rId36"/>
-    <p:sldId id="298" r:id="rId37"/>
-    <p:sldId id="268" r:id="rId38"/>
-    <p:sldId id="269" r:id="rId39"/>
-    <p:sldId id="299" r:id="rId40"/>
+    <p:sldId id="263" r:id="rId31"/>
+    <p:sldId id="264" r:id="rId32"/>
+    <p:sldId id="265" r:id="rId33"/>
+    <p:sldId id="266" r:id="rId34"/>
+    <p:sldId id="267" r:id="rId35"/>
+    <p:sldId id="298" r:id="rId36"/>
+    <p:sldId id="268" r:id="rId37"/>
+    <p:sldId id="269" r:id="rId38"/>
+    <p:sldId id="299" r:id="rId39"/>
   </p:sldIdLst>
   <p:sldSz cx="12192000" cy="6858000"/>
   <p:notesSz cx="6858000" cy="9144000"/>
@@ -195,7 +197,6 @@
             <p14:sldId id="259"/>
             <p14:sldId id="260"/>
             <p14:sldId id="261"/>
-            <p14:sldId id="262"/>
             <p14:sldId id="263"/>
             <p14:sldId id="264"/>
             <p14:sldId id="265"/>
@@ -241,6 +242,171 @@
     </p:extLst>
   </p:cm>
 </p:cmLst>
+</file>
+
+<file path=ppt/handoutMasters/handoutMaster1.xml><?xml version="1.0" encoding="utf-8"?>
+<p:handoutMaster xmlns:a="http://schemas.openxmlformats.org/drawingml/2006/main" xmlns:r="http://schemas.openxmlformats.org/officeDocument/2006/relationships" xmlns:p="http://schemas.openxmlformats.org/presentationml/2006/main">
+  <p:cSld>
+    <p:bg>
+      <p:bgRef idx="1001">
+        <a:schemeClr val="bg1"/>
+      </p:bgRef>
+    </p:bg>
+    <p:spTree>
+      <p:nvGrpSpPr>
+        <p:cNvPr id="1" name=""/>
+        <p:cNvGrpSpPr/>
+        <p:nvPr/>
+      </p:nvGrpSpPr>
+      <p:grpSpPr>
+        <a:xfrm>
+          <a:off x="0" y="0"/>
+          <a:ext cx="0" cy="0"/>
+          <a:chOff x="0" y="0"/>
+          <a:chExt cx="0" cy="0"/>
+        </a:xfrm>
+      </p:grpSpPr>
+      <p:sp>
+        <p:nvSpPr>
+          <p:cNvPr id="2" name="Kopfzeilenplatzhalter 1"/>
+          <p:cNvSpPr>
+            <a:spLocks noGrp="1"/>
+          </p:cNvSpPr>
+          <p:nvPr>
+            <p:ph type="hdr" sz="quarter"/>
+          </p:nvPr>
+        </p:nvSpPr>
+        <p:spPr>
+          <a:xfrm>
+            <a:off x="0" y="0"/>
+            <a:ext cx="2971800" cy="457200"/>
+          </a:xfrm>
+          <a:prstGeom prst="rect">
+            <a:avLst/>
+          </a:prstGeom>
+        </p:spPr>
+        <p:txBody>
+          <a:bodyPr vert="horz" lIns="91440" tIns="45720" rIns="91440" bIns="45720" rtlCol="0"/>
+          <a:lstStyle>
+            <a:lvl1pPr algn="l">
+              <a:defRPr sz="1200"/>
+            </a:lvl1pPr>
+          </a:lstStyle>
+          <a:p>
+            <a:endParaRPr lang="de-AT"/>
+          </a:p>
+        </p:txBody>
+      </p:sp>
+      <p:sp>
+        <p:nvSpPr>
+          <p:cNvPr id="3" name="Datumsplatzhalter 2"/>
+          <p:cNvSpPr>
+            <a:spLocks noGrp="1"/>
+          </p:cNvSpPr>
+          <p:nvPr>
+            <p:ph type="dt" sz="quarter" idx="1"/>
+          </p:nvPr>
+        </p:nvSpPr>
+        <p:spPr>
+          <a:xfrm>
+            <a:off x="3884613" y="0"/>
+            <a:ext cx="2971800" cy="457200"/>
+          </a:xfrm>
+          <a:prstGeom prst="rect">
+            <a:avLst/>
+          </a:prstGeom>
+        </p:spPr>
+        <p:txBody>
+          <a:bodyPr vert="horz" lIns="91440" tIns="45720" rIns="91440" bIns="45720" rtlCol="0"/>
+          <a:lstStyle>
+            <a:lvl1pPr algn="r">
+              <a:defRPr sz="1200"/>
+            </a:lvl1pPr>
+          </a:lstStyle>
+          <a:p>
+            <a:fld id="{AE66B3EA-EF62-4186-8D2C-5E27ABD1F2C0}" type="datetimeFigureOut">
+              <a:rPr lang="de-AT" smtClean="0"/>
+              <a:t>09.01.2013</a:t>
+            </a:fld>
+            <a:endParaRPr lang="de-AT"/>
+          </a:p>
+        </p:txBody>
+      </p:sp>
+      <p:sp>
+        <p:nvSpPr>
+          <p:cNvPr id="4" name="Fußzeilenplatzhalter 3"/>
+          <p:cNvSpPr>
+            <a:spLocks noGrp="1"/>
+          </p:cNvSpPr>
+          <p:nvPr>
+            <p:ph type="ftr" sz="quarter" idx="2"/>
+          </p:nvPr>
+        </p:nvSpPr>
+        <p:spPr>
+          <a:xfrm>
+            <a:off x="0" y="8685213"/>
+            <a:ext cx="2971800" cy="457200"/>
+          </a:xfrm>
+          <a:prstGeom prst="rect">
+            <a:avLst/>
+          </a:prstGeom>
+        </p:spPr>
+        <p:txBody>
+          <a:bodyPr vert="horz" lIns="91440" tIns="45720" rIns="91440" bIns="45720" rtlCol="0" anchor="b"/>
+          <a:lstStyle>
+            <a:lvl1pPr algn="l">
+              <a:defRPr sz="1200"/>
+            </a:lvl1pPr>
+          </a:lstStyle>
+          <a:p>
+            <a:endParaRPr lang="de-AT"/>
+          </a:p>
+        </p:txBody>
+      </p:sp>
+      <p:sp>
+        <p:nvSpPr>
+          <p:cNvPr id="5" name="Foliennummernplatzhalter 4"/>
+          <p:cNvSpPr>
+            <a:spLocks noGrp="1"/>
+          </p:cNvSpPr>
+          <p:nvPr>
+            <p:ph type="sldNum" sz="quarter" idx="3"/>
+          </p:nvPr>
+        </p:nvSpPr>
+        <p:spPr>
+          <a:xfrm>
+            <a:off x="3884613" y="8685213"/>
+            <a:ext cx="2971800" cy="457200"/>
+          </a:xfrm>
+          <a:prstGeom prst="rect">
+            <a:avLst/>
+          </a:prstGeom>
+        </p:spPr>
+        <p:txBody>
+          <a:bodyPr vert="horz" lIns="91440" tIns="45720" rIns="91440" bIns="45720" rtlCol="0" anchor="b"/>
+          <a:lstStyle>
+            <a:lvl1pPr algn="r">
+              <a:defRPr sz="1200"/>
+            </a:lvl1pPr>
+          </a:lstStyle>
+          <a:p>
+            <a:fld id="{73383E43-09DF-4E49-AA59-2FA35DE63B4E}" type="slidenum">
+              <a:rPr lang="de-AT" smtClean="0"/>
+              <a:t>‹Nr.›</a:t>
+            </a:fld>
+            <a:endParaRPr lang="de-AT"/>
+          </a:p>
+        </p:txBody>
+      </p:sp>
+    </p:spTree>
+    <p:extLst>
+      <p:ext uri="{BB962C8B-B14F-4D97-AF65-F5344CB8AC3E}">
+        <p14:creationId xmlns:p14="http://schemas.microsoft.com/office/powerpoint/2010/main" val="417736191"/>
+      </p:ext>
+    </p:extLst>
+  </p:cSld>
+  <p:clrMap bg1="lt1" tx1="dk1" bg2="lt2" tx2="dk2" accent1="accent1" accent2="accent2" accent3="accent3" accent4="accent4" accent5="accent5" accent6="accent6" hlink="hlink" folHlink="folHlink"/>
+</p:handoutMaster>
 </file>
 
 <file path=ppt/notesMasters/notesMaster1.xml><?xml version="1.0" encoding="utf-8"?>
@@ -988,44 +1154,113 @@
           <a:bodyPr/>
           <a:lstStyle/>
           <a:p>
-            <a:r>
-              <a:rPr lang="de-AT" dirty="0" smtClean="0"/>
-              <a:t>TODO: Screenshot</a:t>
-            </a:r>
+            <a:pPr marL="171450" indent="-171450">
+              <a:buFontTx/>
+              <a:buChar char="-"/>
+            </a:pPr>
             <a:r>
               <a:rPr lang="de-AT" baseline="0" dirty="0" smtClean="0"/>
-              <a:t> </a:t>
+              <a:t>Die realisierten Funktionen entsprechen logischerweise den </a:t>
             </a:r>
             <a:r>
               <a:rPr lang="de-AT" baseline="0" dirty="0" err="1" smtClean="0"/>
-              <a:t>evt</a:t>
+              <a:t>UseCases</a:t>
             </a:r>
             <a:r>
               <a:rPr lang="de-AT" baseline="0" dirty="0" smtClean="0"/>
-              <a:t>. Noch ändern (kein leeres </a:t>
+              <a:t>, hier möchte ich nun aber noch kurz etwas näher darauf eingehen.</a:t>
+            </a:r>
+          </a:p>
+          <a:p>
+            <a:pPr marL="171450" indent="-171450">
+              <a:buFontTx/>
+              <a:buChar char="-"/>
+            </a:pPr>
+            <a:r>
+              <a:rPr lang="de-AT" baseline="0" dirty="0" smtClean="0"/>
+              <a:t>Nach dem Login gelangt der User auf den Hauptbildschirm, sobald er über die Navigationsmöglichkeiten auf einen </a:t>
             </a:r>
             <a:r>
               <a:rPr lang="de-AT" baseline="0" dirty="0" err="1" smtClean="0"/>
-              <a:t>feld</a:t>
+              <a:t>UseCase</a:t>
             </a:r>
             <a:r>
               <a:rPr lang="de-AT" baseline="0" dirty="0" smtClean="0"/>
-              <a:t>)</a:t>
-            </a:r>
-          </a:p>
-          <a:p>
-            <a:endParaRPr lang="de-AT" baseline="0" dirty="0" smtClean="0"/>
-          </a:p>
-          <a:p>
+              <a:t> zugreifen will, wird geprüft ob der am System angemeldete User auch über die </a:t>
+            </a:r>
+            <a:r>
+              <a:rPr lang="de-AT" baseline="0" dirty="0" err="1" smtClean="0"/>
+              <a:t>notwedigen</a:t>
+            </a:r>
             <a:r>
               <a:rPr lang="de-AT" baseline="0" dirty="0" smtClean="0"/>
-              <a:t>Wie hier ersichtlich ist, so sieht die letztendlich Umsetzung aus. </a:t>
-            </a:r>
-          </a:p>
-          <a:p>
+              <a:t> Berechtigungen für den Zugriff darauf verfügt.</a:t>
+            </a:r>
+          </a:p>
+          <a:p>
+            <a:pPr marL="171450" indent="-171450">
+              <a:buFontTx/>
+              <a:buChar char="-"/>
+            </a:pPr>
             <a:r>
               <a:rPr lang="de-AT" baseline="0" dirty="0" smtClean="0"/>
-              <a:t>Es gibt einen Member Tab und einen </a:t>
+              <a:t>Wie schon erwähnt der </a:t>
+            </a:r>
+            <a:r>
+              <a:rPr lang="de-AT" baseline="0" dirty="0" err="1" smtClean="0"/>
+              <a:t>MemberTab</a:t>
+            </a:r>
+            <a:r>
+              <a:rPr lang="de-AT" baseline="0" dirty="0" smtClean="0"/>
+              <a:t> beinhaltet </a:t>
+            </a:r>
+          </a:p>
+          <a:p>
+            <a:pPr marL="0" indent="0">
+              <a:buFontTx/>
+              <a:buNone/>
+            </a:pPr>
+            <a:r>
+              <a:rPr lang="de-AT" baseline="0" dirty="0" smtClean="0"/>
+              <a:t>	- Search Member ermöglicht die Suche und damit in Verbindung auch die Änderung der Mitgliedsdaten</a:t>
+            </a:r>
+          </a:p>
+          <a:p>
+            <a:r>
+              <a:rPr lang="de-AT" baseline="0" dirty="0" smtClean="0"/>
+              <a:t>	- Add New Member das anlegen eines neuen Vereinsmitglieds</a:t>
+            </a:r>
+          </a:p>
+          <a:p>
+            <a:r>
+              <a:rPr lang="de-AT" baseline="0" dirty="0" smtClean="0"/>
+              <a:t>	- Add </a:t>
+            </a:r>
+            <a:r>
+              <a:rPr lang="de-AT" baseline="0" dirty="0" err="1" smtClean="0"/>
+              <a:t>To</a:t>
+            </a:r>
+            <a:r>
+              <a:rPr lang="de-AT" baseline="0" dirty="0" smtClean="0"/>
+              <a:t> Team das </a:t>
+            </a:r>
+            <a:r>
+              <a:rPr lang="de-AT" baseline="0" dirty="0" err="1" smtClean="0"/>
+              <a:t>Hinzfügen</a:t>
+            </a:r>
+            <a:r>
+              <a:rPr lang="de-AT" baseline="0" dirty="0" smtClean="0"/>
+              <a:t> eines Mitglieds zu einem Team</a:t>
+            </a:r>
+          </a:p>
+          <a:p>
+            <a:pPr marL="171450" indent="-171450">
+              <a:buFontTx/>
+              <a:buChar char="-"/>
+            </a:pPr>
+            <a:r>
+              <a:rPr lang="de-AT" baseline="0" dirty="0" smtClean="0"/>
+              <a:t>Im Tab </a:t>
             </a:r>
             <a:r>
               <a:rPr lang="de-AT" baseline="0" dirty="0" err="1" smtClean="0"/>
@@ -1033,62 +1268,78 @@
             </a:r>
             <a:r>
               <a:rPr lang="de-AT" baseline="0" dirty="0" smtClean="0"/>
-              <a:t> Tab; diese fassen jeweils auf gewisse Art und Weise die Themenbereiche der Anwendungen zusammen</a:t>
-            </a:r>
-          </a:p>
-          <a:p>
+              <a:t> ist es möglich </a:t>
+            </a:r>
+          </a:p>
+          <a:p>
+            <a:pPr marL="628650" lvl="1" indent="-171450">
+              <a:buFontTx/>
+              <a:buChar char="-"/>
+            </a:pPr>
             <a:r>
               <a:rPr lang="de-AT" baseline="0" dirty="0" smtClean="0"/>
-              <a:t>Der </a:t>
+              <a:t>Einen Neuen Wettkampf anzulegen, hierbei müssen erst die generellen Daten zu </a:t>
             </a:r>
             <a:r>
               <a:rPr lang="de-AT" baseline="0" dirty="0" err="1" smtClean="0"/>
-              <a:t>MemberTab</a:t>
+              <a:t>ort</a:t>
             </a:r>
             <a:r>
               <a:rPr lang="de-AT" baseline="0" dirty="0" smtClean="0"/>
-              <a:t> beinhaltet hier z.B. </a:t>
-            </a:r>
-          </a:p>
-          <a:p>
+              <a:t>, zeit,… bestätigt werden bevor die Team </a:t>
+            </a:r>
+            <a:r>
+              <a:rPr lang="de-AT" baseline="0" dirty="0" err="1" smtClean="0"/>
+              <a:t>zuteilung</a:t>
+            </a:r>
             <a:r>
               <a:rPr lang="de-AT" baseline="0" dirty="0" smtClean="0"/>
-              <a:t>	- Search Member für die Mitgliedssuche</a:t>
-            </a:r>
-          </a:p>
-          <a:p>
+              <a:t> stattfindet.</a:t>
+            </a:r>
+          </a:p>
+          <a:p>
+            <a:pPr marL="628650" lvl="1" indent="-171450">
+              <a:buFontTx/>
+              <a:buChar char="-"/>
+            </a:pPr>
             <a:r>
               <a:rPr lang="de-AT" baseline="0" dirty="0" smtClean="0"/>
-              <a:t>	- Add New Member für das anlegen eines neuen Mitglieds</a:t>
-            </a:r>
-          </a:p>
-          <a:p>
+              <a:t>Des weiteren können Wettkampfresultate eingetragen und</a:t>
+            </a:r>
+          </a:p>
+          <a:p>
+            <a:pPr marL="628650" lvl="1" indent="-171450">
+              <a:buFontTx/>
+              <a:buChar char="-"/>
+            </a:pPr>
             <a:r>
               <a:rPr lang="de-AT" baseline="0" dirty="0" smtClean="0"/>
-              <a:t>	- Add </a:t>
+              <a:t>Wettkampf Teams festgelegt werden</a:t>
+            </a:r>
+          </a:p>
+          <a:p>
+            <a:pPr marL="628650" lvl="1" indent="-171450">
+              <a:buFontTx/>
+              <a:buChar char="-"/>
+            </a:pPr>
+            <a:r>
+              <a:rPr lang="de-AT" baseline="0" dirty="0" smtClean="0"/>
+              <a:t>Über </a:t>
             </a:r>
             <a:r>
               <a:rPr lang="de-AT" baseline="0" dirty="0" err="1" smtClean="0"/>
-              <a:t>To</a:t>
+              <a:t>ShowCompetition</a:t>
             </a:r>
             <a:r>
               <a:rPr lang="de-AT" baseline="0" dirty="0" smtClean="0"/>
-              <a:t> Team für das Hinzufügen eines Mitglieds zu einem Team</a:t>
-            </a:r>
-          </a:p>
-          <a:p>
-            <a:r>
-              <a:rPr lang="de-AT" baseline="0" dirty="0" smtClean="0"/>
-              <a:t>All jene </a:t>
-            </a:r>
-            <a:r>
-              <a:rPr lang="de-AT" baseline="0" dirty="0" err="1" smtClean="0"/>
-              <a:t>UseCases</a:t>
-            </a:r>
-            <a:r>
-              <a:rPr lang="de-AT" baseline="0" dirty="0" smtClean="0"/>
-              <a:t> also welche sich explizit auf Mitglieder beziehen</a:t>
-            </a:r>
+              <a:t> kann in eine Wettkampf Einsicht genommen werden.</a:t>
+            </a:r>
+          </a:p>
+          <a:p>
+            <a:endParaRPr lang="de-AT" baseline="0" dirty="0" smtClean="0"/>
+          </a:p>
+          <a:p>
+            <a:endParaRPr lang="de-AT" dirty="0"/>
           </a:p>
         </p:txBody>
       </p:sp>
@@ -1118,7 +1369,7 @@
     </p:spTree>
     <p:extLst>
       <p:ext uri="{BB962C8B-B14F-4D97-AF65-F5344CB8AC3E}">
-        <p14:creationId xmlns:p14="http://schemas.microsoft.com/office/powerpoint/2010/main" val="4059783237"/>
+        <p14:creationId xmlns:p14="http://schemas.microsoft.com/office/powerpoint/2010/main" val="4127827039"/>
       </p:ext>
     </p:extLst>
   </p:cSld>
@@ -1177,16 +1428,12 @@
               <a:buChar char="-"/>
             </a:pPr>
             <a:r>
+              <a:rPr lang="de-AT" dirty="0" smtClean="0"/>
+              <a:t>Die LDAP Authentifizierung</a:t>
+            </a:r>
+            <a:r>
               <a:rPr lang="de-AT" baseline="0" dirty="0" smtClean="0"/>
-              <a:t>Die realisierten Funktionen entsprechen logischerweise den </a:t>
-            </a:r>
-            <a:r>
-              <a:rPr lang="de-AT" baseline="0" dirty="0" err="1" smtClean="0"/>
-              <a:t>UseCases</a:t>
-            </a:r>
-            <a:r>
-              <a:rPr lang="de-AT" baseline="0" dirty="0" smtClean="0"/>
-              <a:t>, hier möchte ich nun aber noch kurz etwas näher darauf eingehen.</a:t>
+              <a:t> wurde erst nachträglich eingebaut</a:t>
             </a:r>
           </a:p>
           <a:p>
@@ -1196,23 +1443,15 @@
             </a:pPr>
             <a:r>
               <a:rPr lang="de-AT" baseline="0" dirty="0" smtClean="0"/>
-              <a:t>Nach dem Login gelangt der User auf den Hauptbildschirm, sobald er über die Navigationsmöglichkeiten auf einen </a:t>
+              <a:t>Ebenfalls eine Erweiterung stellt die Anbindung von </a:t>
             </a:r>
             <a:r>
               <a:rPr lang="de-AT" baseline="0" dirty="0" err="1" smtClean="0"/>
-              <a:t>UseCase</a:t>
+              <a:t>Corba</a:t>
             </a:r>
             <a:r>
               <a:rPr lang="de-AT" baseline="0" dirty="0" smtClean="0"/>
-              <a:t> zugreifen will, wird geprüft ob der am System angemeldete User auch über die </a:t>
-            </a:r>
-            <a:r>
-              <a:rPr lang="de-AT" baseline="0" dirty="0" err="1" smtClean="0"/>
-              <a:t>notwedigen</a:t>
-            </a:r>
-            <a:r>
-              <a:rPr lang="de-AT" baseline="0" dirty="0" smtClean="0"/>
-              <a:t> Berechtigungen für den Zugriff darauf verfügt.</a:t>
+              <a:t> dar welche in Java realisiert wurde und  u.a. die Wettkampfergebnisse ausgibt</a:t>
             </a:r>
           </a:p>
           <a:p>
@@ -1221,54 +1460,12 @@
               <a:buChar char="-"/>
             </a:pPr>
             <a:r>
+              <a:rPr lang="de-AT" dirty="0" smtClean="0"/>
+              <a:t>Gleiches gilt für die Wettkampfeinladungen</a:t>
+            </a:r>
+            <a:r>
               <a:rPr lang="de-AT" baseline="0" dirty="0" smtClean="0"/>
-              <a:t>Wie schon erwähnt der </a:t>
-            </a:r>
-            <a:r>
-              <a:rPr lang="de-AT" baseline="0" dirty="0" err="1" smtClean="0"/>
-              <a:t>MemberTab</a:t>
-            </a:r>
-            <a:r>
-              <a:rPr lang="de-AT" baseline="0" dirty="0" smtClean="0"/>
-              <a:t> beinhaltet </a:t>
-            </a:r>
-          </a:p>
-          <a:p>
-            <a:pPr marL="0" indent="0">
-              <a:buFontTx/>
-              <a:buNone/>
-            </a:pPr>
-            <a:r>
-              <a:rPr lang="de-AT" baseline="0" dirty="0" smtClean="0"/>
-              <a:t>	- Search Member ermöglicht die Suche und damit in Verbindung auch die Änderung der Mitgliedsdaten</a:t>
-            </a:r>
-          </a:p>
-          <a:p>
-            <a:r>
-              <a:rPr lang="de-AT" baseline="0" dirty="0" smtClean="0"/>
-              <a:t>	- Add New Member das anlegen eines neuen Vereinsmitglieds</a:t>
-            </a:r>
-          </a:p>
-          <a:p>
-            <a:r>
-              <a:rPr lang="de-AT" baseline="0" dirty="0" smtClean="0"/>
-              <a:t>	- Add </a:t>
-            </a:r>
-            <a:r>
-              <a:rPr lang="de-AT" baseline="0" dirty="0" err="1" smtClean="0"/>
-              <a:t>To</a:t>
-            </a:r>
-            <a:r>
-              <a:rPr lang="de-AT" baseline="0" dirty="0" smtClean="0"/>
-              <a:t> Team das </a:t>
-            </a:r>
-            <a:r>
-              <a:rPr lang="de-AT" baseline="0" dirty="0" err="1" smtClean="0"/>
-              <a:t>Hinzfügen</a:t>
-            </a:r>
-            <a:r>
-              <a:rPr lang="de-AT" baseline="0" dirty="0" smtClean="0"/>
-              <a:t> eines Mitglieds zu einem Team</a:t>
+              <a:t> welche bei Vorhandensein nach dem Login erscheinen sollten</a:t>
             </a:r>
           </a:p>
           <a:p>
@@ -1278,86 +1475,33 @@
             </a:pPr>
             <a:r>
               <a:rPr lang="de-AT" baseline="0" dirty="0" smtClean="0"/>
-              <a:t>Im Tab </a:t>
+              <a:t>Darüberhinaus gibt es eine </a:t>
             </a:r>
             <a:r>
               <a:rPr lang="de-AT" baseline="0" dirty="0" err="1" smtClean="0"/>
-              <a:t>Competition</a:t>
+              <a:t>WebServiceClient</a:t>
             </a:r>
             <a:r>
               <a:rPr lang="de-AT" baseline="0" dirty="0" smtClean="0"/>
-              <a:t> ist es möglich </a:t>
-            </a:r>
-          </a:p>
-          <a:p>
-            <a:pPr marL="628650" lvl="1" indent="-171450">
+              <a:t> Realisierung sowie</a:t>
+            </a:r>
+          </a:p>
+          <a:p>
+            <a:pPr marL="171450" indent="-171450">
               <a:buFontTx/>
               <a:buChar char="-"/>
             </a:pPr>
             <a:r>
               <a:rPr lang="de-AT" baseline="0" dirty="0" smtClean="0"/>
-              <a:t>Einen Neuen Wettkampf anzulegen, hierbei müssen erst die generellen Daten zu </a:t>
-            </a:r>
-            <a:r>
-              <a:rPr lang="de-AT" baseline="0" dirty="0" err="1" smtClean="0"/>
-              <a:t>ort</a:t>
-            </a:r>
-            <a:r>
-              <a:rPr lang="de-AT" baseline="0" dirty="0" smtClean="0"/>
-              <a:t>, zeit,… bestätigt werden bevor die Team </a:t>
-            </a:r>
-            <a:r>
-              <a:rPr lang="de-AT" baseline="0" dirty="0" err="1" smtClean="0"/>
-              <a:t>zuteilung</a:t>
-            </a:r>
-            <a:r>
-              <a:rPr lang="de-AT" baseline="0" dirty="0" smtClean="0"/>
-              <a:t> stattfindet.</a:t>
-            </a:r>
-          </a:p>
-          <a:p>
-            <a:pPr marL="628650" lvl="1" indent="-171450">
+              <a:t>Eine vom abgekoppelte JMS Umsetzung</a:t>
+            </a:r>
+          </a:p>
+          <a:p>
+            <a:pPr marL="171450" indent="-171450">
               <a:buFontTx/>
               <a:buChar char="-"/>
             </a:pPr>
-            <a:r>
-              <a:rPr lang="de-AT" baseline="0" dirty="0" smtClean="0"/>
-              <a:t>Des weiteren können Wettkampfresultate eingetragen und</a:t>
-            </a:r>
-          </a:p>
-          <a:p>
-            <a:pPr marL="628650" lvl="1" indent="-171450">
-              <a:buFontTx/>
-              <a:buChar char="-"/>
-            </a:pPr>
-            <a:r>
-              <a:rPr lang="de-AT" baseline="0" dirty="0" smtClean="0"/>
-              <a:t>Wettkampf Teams festgelegt werden</a:t>
-            </a:r>
-          </a:p>
-          <a:p>
-            <a:pPr marL="628650" lvl="1" indent="-171450">
-              <a:buFontTx/>
-              <a:buChar char="-"/>
-            </a:pPr>
-            <a:r>
-              <a:rPr lang="de-AT" baseline="0" dirty="0" smtClean="0"/>
-              <a:t>Über </a:t>
-            </a:r>
-            <a:r>
-              <a:rPr lang="de-AT" baseline="0" dirty="0" err="1" smtClean="0"/>
-              <a:t>ShowCompetition</a:t>
-            </a:r>
-            <a:r>
-              <a:rPr lang="de-AT" baseline="0" dirty="0" smtClean="0"/>
-              <a:t> kann in eine Wettkampf Einsicht genommen werden.</a:t>
-            </a:r>
-          </a:p>
-          <a:p>
             <a:endParaRPr lang="de-AT" baseline="0" dirty="0" smtClean="0"/>
-          </a:p>
-          <a:p>
-            <a:endParaRPr lang="de-AT" dirty="0"/>
           </a:p>
         </p:txBody>
       </p:sp>
@@ -1387,7 +1531,7 @@
     </p:spTree>
     <p:extLst>
       <p:ext uri="{BB962C8B-B14F-4D97-AF65-F5344CB8AC3E}">
-        <p14:creationId xmlns:p14="http://schemas.microsoft.com/office/powerpoint/2010/main" val="4127827039"/>
+        <p14:creationId xmlns:p14="http://schemas.microsoft.com/office/powerpoint/2010/main" val="2980439572"/>
       </p:ext>
     </p:extLst>
   </p:cSld>
@@ -1447,11 +1591,27 @@
             </a:pPr>
             <a:r>
               <a:rPr lang="de-AT" dirty="0" smtClean="0"/>
-              <a:t>Die LDAP Authentifizierung</a:t>
+              <a:t>Getestet</a:t>
             </a:r>
             <a:r>
               <a:rPr lang="de-AT" baseline="0" dirty="0" smtClean="0"/>
-              <a:t> wurde erst nachträglich eingebaut</a:t>
+              <a:t> wurde im Verlauf/Folge der Technologieanpassungen </a:t>
+            </a:r>
+            <a:r>
+              <a:rPr lang="de-AT" baseline="0" dirty="0" err="1" smtClean="0"/>
+              <a:t>Hautpsächlich</a:t>
+            </a:r>
+            <a:r>
+              <a:rPr lang="de-AT" baseline="0" dirty="0" smtClean="0"/>
+              <a:t> via </a:t>
+            </a:r>
+            <a:r>
+              <a:rPr lang="de-AT" baseline="0" dirty="0" err="1" smtClean="0"/>
+              <a:t>Try&amp;Error</a:t>
+            </a:r>
+            <a:r>
+              <a:rPr lang="de-AT" baseline="0" dirty="0" smtClean="0"/>
+              <a:t>.  </a:t>
             </a:r>
           </a:p>
           <a:p>
@@ -1461,15 +1621,7 @@
             </a:pPr>
             <a:r>
               <a:rPr lang="de-AT" baseline="0" dirty="0" smtClean="0"/>
-              <a:t>Ebenfalls eine Erweiterung stellt die Anbindung von </a:t>
-            </a:r>
-            <a:r>
-              <a:rPr lang="de-AT" baseline="0" dirty="0" err="1" smtClean="0"/>
-              <a:t>Corba</a:t>
-            </a:r>
-            <a:r>
-              <a:rPr lang="de-AT" baseline="0" dirty="0" smtClean="0"/>
-              <a:t> dar welche in Java realisiert wurde und  u.a. die Wettkampfergebnisse ausgibt</a:t>
+              <a:t>Dabei fanden sich in zum Teil natürlich schwächen bezüglich der Meldungen über Erfolg/Misserfolg an den User -&gt; wurden aber einfach und schnell behoben.</a:t>
             </a:r>
           </a:p>
           <a:p>
@@ -1478,12 +1630,8 @@
               <a:buChar char="-"/>
             </a:pPr>
             <a:r>
-              <a:rPr lang="de-AT" dirty="0" smtClean="0"/>
-              <a:t>Gleiches gilt für die Wettkampfeinladungen</a:t>
-            </a:r>
-            <a:r>
               <a:rPr lang="de-AT" baseline="0" dirty="0" smtClean="0"/>
-              <a:t> welche bei Vorhandensein nach dem Login erscheinen sollten</a:t>
+              <a:t>Größer Schwierigkeiten entstanden dabei eher bei erforderlichen Datenbankänderungen oder Änderungen welche sich durch mehrere Schichten zogen. Hierbei stellte sich die Entkoppelung über die Interfaces, zur einfacheren Anpassung an die Technologien als Nachteil heraus. Kleinere Veränderungen an den falschen stellen konnten sich so schnell durch diverse Schichten ziehen und die Fehlerbehebung gestaltete sich dadurch teilweise eher aufwändig.</a:t>
             </a:r>
           </a:p>
           <a:p>
@@ -1493,15 +1641,15 @@
             </a:pPr>
             <a:r>
               <a:rPr lang="de-AT" baseline="0" dirty="0" smtClean="0"/>
-              <a:t>Darüberhinaus gibt es eine </a:t>
+              <a:t>Zur Vermeidung von Codeverdoppelung wurden wiederverwendbare Forms erzeugt, was im Zuge der </a:t>
             </a:r>
             <a:r>
               <a:rPr lang="de-AT" baseline="0" dirty="0" err="1" smtClean="0"/>
-              <a:t>WebServiceClient</a:t>
+              <a:t>Test&amp;Refactor</a:t>
             </a:r>
             <a:r>
               <a:rPr lang="de-AT" baseline="0" dirty="0" smtClean="0"/>
-              <a:t> Realisierung sowie</a:t>
+              <a:t> Phasen von Vorteil war, aber auch gegenseitig allen Team Teilnehmern einen besseren Überblick gewährte</a:t>
             </a:r>
           </a:p>
           <a:p>
@@ -1511,7 +1659,15 @@
             </a:pPr>
             <a:r>
               <a:rPr lang="de-AT" baseline="0" dirty="0" smtClean="0"/>
-              <a:t>Eine vom abgekoppelte JMS Umsetzung</a:t>
+              <a:t>Unit Tests haben sich auf </a:t>
+            </a:r>
+            <a:r>
+              <a:rPr lang="de-AT" baseline="0" dirty="0" err="1" smtClean="0"/>
+              <a:t>jedenfall</a:t>
+            </a:r>
+            <a:r>
+              <a:rPr lang="de-AT" baseline="0" dirty="0" smtClean="0"/>
+              <a:t> bezahlt gemacht</a:t>
             </a:r>
           </a:p>
           <a:p>
@@ -1519,7 +1675,18 @@
               <a:buFontTx/>
               <a:buChar char="-"/>
             </a:pPr>
-            <a:endParaRPr lang="de-AT" baseline="0" dirty="0" smtClean="0"/>
+            <a:r>
+              <a:rPr lang="de-AT" baseline="0" dirty="0" smtClean="0"/>
+              <a:t>Mittels einer erstellten Applikation war es uns möglich grundlegenden Datenbank Funktionen, bzw. Statements auf </a:t>
+            </a:r>
+            <a:r>
+              <a:rPr lang="de-AT" baseline="0" smtClean="0"/>
+              <a:t>ihre Korrektheit </a:t>
+            </a:r>
+            <a:r>
+              <a:rPr lang="de-AT" baseline="0" dirty="0" smtClean="0"/>
+              <a:t>zu prüfen</a:t>
+            </a:r>
           </a:p>
         </p:txBody>
       </p:sp>
@@ -1549,7 +1716,7 @@
     </p:spTree>
     <p:extLst>
       <p:ext uri="{BB962C8B-B14F-4D97-AF65-F5344CB8AC3E}">
-        <p14:creationId xmlns:p14="http://schemas.microsoft.com/office/powerpoint/2010/main" val="2980439572"/>
+        <p14:creationId xmlns:p14="http://schemas.microsoft.com/office/powerpoint/2010/main" val="3443946927"/>
       </p:ext>
     </p:extLst>
   </p:cSld>
@@ -1603,72 +1770,15 @@
           <a:bodyPr/>
           <a:lstStyle/>
           <a:p>
-            <a:pPr marL="171450" indent="-171450">
-              <a:buFontTx/>
-              <a:buChar char="-"/>
-            </a:pPr>
             <a:r>
               <a:rPr lang="de-AT" dirty="0" smtClean="0"/>
-              <a:t>Getestet</a:t>
+              <a:t>Zeitmanagement</a:t>
             </a:r>
             <a:r>
               <a:rPr lang="de-AT" baseline="0" dirty="0" smtClean="0"/>
-              <a:t> wurde im Verlauf/Folge der Technologieanpassungen </a:t>
-            </a:r>
-            <a:r>
-              <a:rPr lang="de-AT" baseline="0" dirty="0" err="1" smtClean="0"/>
-              <a:t>Hautpsächlich</a:t>
-            </a:r>
-            <a:r>
-              <a:rPr lang="de-AT" baseline="0" dirty="0" smtClean="0"/>
-              <a:t> via </a:t>
-            </a:r>
-            <a:r>
-              <a:rPr lang="de-AT" baseline="0" dirty="0" err="1" smtClean="0"/>
-              <a:t>Try&amp;Error</a:t>
-            </a:r>
-            <a:r>
-              <a:rPr lang="de-AT" baseline="0" dirty="0" smtClean="0"/>
-              <a:t>.  </a:t>
-            </a:r>
-          </a:p>
-          <a:p>
-            <a:pPr marL="171450" indent="-171450">
-              <a:buFontTx/>
-              <a:buChar char="-"/>
-            </a:pPr>
-            <a:r>
-              <a:rPr lang="de-AT" baseline="0" dirty="0" smtClean="0"/>
-              <a:t>Dabei fanden sich in zum Teil natürlich schwächen bezüglich der Meldungen über Erfolg/Misserfolg an den User -&gt; wurden aber einfach und schnell behoben.</a:t>
-            </a:r>
-          </a:p>
-          <a:p>
-            <a:pPr marL="171450" indent="-171450">
-              <a:buFontTx/>
-              <a:buChar char="-"/>
-            </a:pPr>
-            <a:r>
-              <a:rPr lang="de-AT" baseline="0" dirty="0" smtClean="0"/>
-              <a:t>Größer Schwierigkeiten entstanden dabei eher bei erforderlichen Datenbankänderungen oder Änderungen welche sich durch mehrere Schichten zogen. Hierbei stellte sich die Entkoppelung über die Interfaces, zur einfacheren Anpassung an die Technologien als Nachteil heraus. Kleinere Veränderungen an den falschen stellen konnten sich so schnell durch diverse Schichten ziehen und die Fehlerbehebung gestaltete sich dadurch teilweise eher aufwändig.</a:t>
-            </a:r>
-          </a:p>
-          <a:p>
-            <a:pPr marL="171450" indent="-171450">
-              <a:buFontTx/>
-              <a:buChar char="-"/>
-            </a:pPr>
-            <a:r>
-              <a:rPr lang="de-AT" baseline="0" dirty="0" smtClean="0"/>
-              <a:t>Zur Vermeidung von Codeverdoppelung wurden wiederverwendbare Forms erzeugt, was im Zuge der </a:t>
-            </a:r>
-            <a:r>
-              <a:rPr lang="de-AT" baseline="0" dirty="0" err="1" smtClean="0"/>
-              <a:t>Test&amp;Refactor</a:t>
-            </a:r>
-            <a:r>
-              <a:rPr lang="de-AT" baseline="0" dirty="0" smtClean="0"/>
-              <a:t> Phasen von Vorteil war, aber auch gegenseitig allen Team Teilnehmern einen besseren Überblick gewährte</a:t>
-            </a:r>
+              <a:t> -&gt; genug Zeit für neue Technologien und Anpassung einplanen</a:t>
+            </a:r>
+            <a:endParaRPr lang="de-AT" dirty="0"/>
           </a:p>
         </p:txBody>
       </p:sp>
@@ -1687,9 +1797,9 @@
           <a:bodyPr/>
           <a:lstStyle/>
           <a:p>
-            <a:fld id="{5E424E5C-960A-40AF-91BF-B49DEF3D51D8}" type="slidenum">
+            <a:fld id="{C991D70F-D8B5-4D41-95B5-481C1B1D6FE8}" type="slidenum">
               <a:rPr lang="de-AT" smtClean="0"/>
-              <a:t>35</a:t>
+              <a:t>36</a:t>
             </a:fld>
             <a:endParaRPr lang="de-AT"/>
           </a:p>
@@ -1698,7 +1808,7 @@
     </p:spTree>
     <p:extLst>
       <p:ext uri="{BB962C8B-B14F-4D97-AF65-F5344CB8AC3E}">
-        <p14:creationId xmlns:p14="http://schemas.microsoft.com/office/powerpoint/2010/main" val="3443946927"/>
+        <p14:creationId xmlns:p14="http://schemas.microsoft.com/office/powerpoint/2010/main" val="3985963101"/>
       </p:ext>
     </p:extLst>
   </p:cSld>
@@ -2678,11 +2788,77 @@
           <a:p>
             <a:r>
               <a:rPr lang="de-AT" dirty="0" smtClean="0"/>
-              <a:t>Die implementierten</a:t>
+              <a:t>- Zur</a:t>
             </a:r>
             <a:r>
               <a:rPr lang="de-AT" baseline="0" dirty="0" smtClean="0"/>
-              <a:t> und an die verschiedenen Technologien Angepassten </a:t>
+              <a:t> grafischen Umsetzung des Projekts, entstand die Idee einen zentralen Einstiegspunkt zu schaffen über welchen auf all die angebotenen Funktionalitäten zugegriffen werden kann.</a:t>
+            </a:r>
+          </a:p>
+          <a:p>
+            <a:pPr marL="0" marR="0" indent="0" algn="l" defTabSz="914400" rtl="0" eaLnBrk="1" fontAlgn="auto" latinLnBrk="0" hangingPunct="1">
+              <a:lnSpc>
+                <a:spcPct val="100000"/>
+              </a:lnSpc>
+              <a:spcBef>
+                <a:spcPts val="0"/>
+              </a:spcBef>
+              <a:spcAft>
+                <a:spcPts val="0"/>
+              </a:spcAft>
+              <a:buClrTx/>
+              <a:buSzTx/>
+              <a:buFontTx/>
+              <a:buNone/>
+              <a:tabLst/>
+              <a:defRPr/>
+            </a:pPr>
+            <a:r>
+              <a:rPr lang="de-AT" baseline="0" dirty="0" smtClean="0"/>
+              <a:t>Auf diese Oberfläche sollte man nach dem Login Prozedere gelangen. </a:t>
+            </a:r>
+          </a:p>
+          <a:p>
+            <a:pPr marL="0" marR="0" indent="0" algn="l" defTabSz="914400" rtl="0" eaLnBrk="1" fontAlgn="auto" latinLnBrk="0" hangingPunct="1">
+              <a:lnSpc>
+                <a:spcPct val="100000"/>
+              </a:lnSpc>
+              <a:spcBef>
+                <a:spcPts val="0"/>
+              </a:spcBef>
+              <a:spcAft>
+                <a:spcPts val="0"/>
+              </a:spcAft>
+              <a:buClrTx/>
+              <a:buSzTx/>
+              <a:buFontTx/>
+              <a:buNone/>
+              <a:tabLst/>
+              <a:defRPr/>
+            </a:pPr>
+            <a:endParaRPr lang="de-AT" baseline="0" dirty="0" smtClean="0"/>
+          </a:p>
+          <a:p>
+            <a:pPr marL="0" marR="0" indent="0" algn="l" defTabSz="914400" rtl="0" eaLnBrk="1" fontAlgn="auto" latinLnBrk="0" hangingPunct="1">
+              <a:lnSpc>
+                <a:spcPct val="100000"/>
+              </a:lnSpc>
+              <a:spcBef>
+                <a:spcPts val="0"/>
+              </a:spcBef>
+              <a:spcAft>
+                <a:spcPts val="0"/>
+              </a:spcAft>
+              <a:buClrTx/>
+              <a:buSzTx/>
+              <a:buFontTx/>
+              <a:buNone/>
+              <a:tabLst/>
+              <a:defRPr/>
+            </a:pPr>
+            <a:r>
+              <a:rPr lang="de-AT" baseline="0" dirty="0" smtClean="0"/>
+              <a:t>- Im Sinne der Überschaubarkeit sollten Tabs entstehen, welche die </a:t>
             </a:r>
             <a:r>
               <a:rPr lang="de-AT" baseline="0" dirty="0" err="1" smtClean="0"/>
@@ -2690,9 +2866,30 @@
             </a:r>
             <a:r>
               <a:rPr lang="de-AT" baseline="0" dirty="0" smtClean="0"/>
-              <a:t> sind….</a:t>
-            </a:r>
-            <a:endParaRPr lang="de-AT" dirty="0"/>
+              <a:t> Thematisch (oder so</a:t>
+            </a:r>
+            <a:r>
+              <a:rPr lang="de-AT" baseline="0" dirty="0" smtClean="0">
+                <a:sym typeface="Wingdings" pitchFamily="2" charset="2"/>
+              </a:rPr>
+              <a:t>) zusammenfassen. </a:t>
+            </a:r>
+            <a:endParaRPr lang="de-AT" dirty="0" smtClean="0"/>
+          </a:p>
+          <a:p>
+            <a:r>
+              <a:rPr lang="de-AT" baseline="0" dirty="0" smtClean="0"/>
+              <a:t>Da zu beginn noch eher unklar war über welches Ausmaß sich die Erweiterungen erstrecken, wurde auch darauf geachtet für diese genügend Spielraum beizubehalten.</a:t>
+            </a:r>
+          </a:p>
+          <a:p>
+            <a:endParaRPr lang="de-AT" baseline="0" dirty="0" smtClean="0"/>
+          </a:p>
+          <a:p>
+            <a:r>
+              <a:rPr lang="de-AT" baseline="0" dirty="0" smtClean="0"/>
+              <a:t>- Teils aus Zeitgründen aber auch einfach aufgrund der Bedienbarkeit, galt es den Grundsatz „So simple wie möglich und so komplex wie nötig“ möglichst treu zu bleiben.</a:t>
+            </a:r>
           </a:p>
         </p:txBody>
       </p:sp>
@@ -2722,7 +2919,7 @@
     </p:spTree>
     <p:extLst>
       <p:ext uri="{BB962C8B-B14F-4D97-AF65-F5344CB8AC3E}">
-        <p14:creationId xmlns:p14="http://schemas.microsoft.com/office/powerpoint/2010/main" val="609961875"/>
+        <p14:creationId xmlns:p14="http://schemas.microsoft.com/office/powerpoint/2010/main" val="3540590640"/>
       </p:ext>
     </p:extLst>
   </p:cSld>
@@ -2778,77 +2975,96 @@
           <a:p>
             <a:r>
               <a:rPr lang="de-AT" dirty="0" smtClean="0"/>
-              <a:t>- Zur</a:t>
+              <a:t>TODO: Screenshot</a:t>
             </a:r>
             <a:r>
               <a:rPr lang="de-AT" baseline="0" dirty="0" smtClean="0"/>
-              <a:t> grafischen Umsetzung des Projekts, entstand die Idee einen zentralen Einstiegspunkt zu schaffen über welchen auf all die angebotenen Funktionalitäten zugegriffen werden kann.</a:t>
-            </a:r>
-          </a:p>
-          <a:p>
-            <a:pPr marL="0" marR="0" indent="0" algn="l" defTabSz="914400" rtl="0" eaLnBrk="1" fontAlgn="auto" latinLnBrk="0" hangingPunct="1">
-              <a:lnSpc>
-                <a:spcPct val="100000"/>
-              </a:lnSpc>
-              <a:spcBef>
-                <a:spcPts val="0"/>
-              </a:spcBef>
-              <a:spcAft>
-                <a:spcPts val="0"/>
-              </a:spcAft>
-              <a:buClrTx/>
-              <a:buSzTx/>
-              <a:buFontTx/>
-              <a:buNone/>
-              <a:tabLst/>
-              <a:defRPr/>
-            </a:pPr>
+              <a:t> </a:t>
+            </a:r>
+            <a:r>
+              <a:rPr lang="de-AT" baseline="0" dirty="0" err="1" smtClean="0"/>
+              <a:t>evt</a:t>
+            </a:r>
             <a:r>
               <a:rPr lang="de-AT" baseline="0" dirty="0" smtClean="0"/>
-              <a:t>Auf diese Oberfläche sollte man nach dem Login Prozedere gelangen. </a:t>
-            </a:r>
-          </a:p>
-          <a:p>
-            <a:pPr marL="0" marR="0" indent="0" algn="l" defTabSz="914400" rtl="0" eaLnBrk="1" fontAlgn="auto" latinLnBrk="0" hangingPunct="1">
-              <a:lnSpc>
-                <a:spcPct val="100000"/>
-              </a:lnSpc>
-              <a:spcBef>
-                <a:spcPts val="0"/>
-              </a:spcBef>
-              <a:spcAft>
-                <a:spcPts val="0"/>
-              </a:spcAft>
-              <a:buClrTx/>
-              <a:buSzTx/>
-              <a:buFontTx/>
-              <a:buNone/>
-              <a:tabLst/>
-              <a:defRPr/>
-            </a:pPr>
+              <a:t>. Noch ändern (kein leeres </a:t>
+            </a:r>
+            <a:r>
+              <a:rPr lang="de-AT" baseline="0" dirty="0" err="1" smtClean="0"/>
+              <a:t>feld</a:t>
+            </a:r>
+            <a:r>
+              <a:rPr lang="de-AT" baseline="0" dirty="0" smtClean="0"/>
+              <a:t>)</a:t>
+            </a:r>
+          </a:p>
+          <a:p>
             <a:endParaRPr lang="de-AT" baseline="0" dirty="0" smtClean="0"/>
           </a:p>
           <a:p>
-            <a:pPr marL="0" marR="0" indent="0" algn="l" defTabSz="914400" rtl="0" eaLnBrk="1" fontAlgn="auto" latinLnBrk="0" hangingPunct="1">
-              <a:lnSpc>
-                <a:spcPct val="100000"/>
-              </a:lnSpc>
-              <a:spcBef>
-                <a:spcPts val="0"/>
-              </a:spcBef>
-              <a:spcAft>
-                <a:spcPts val="0"/>
-              </a:spcAft>
-              <a:buClrTx/>
-              <a:buSzTx/>
-              <a:buFontTx/>
-              <a:buNone/>
-              <a:tabLst/>
-              <a:defRPr/>
-            </a:pPr>
             <a:r>
               <a:rPr lang="de-AT" baseline="0" dirty="0" smtClean="0"/>
-              <a:t>- Im Sinne der Überschaubarkeit sollten Tabs entstehen, welche die </a:t>
+              <a:t>Wie hier ersichtlich ist, so sieht die letztendlich Umsetzung aus. </a:t>
+            </a:r>
+          </a:p>
+          <a:p>
+            <a:r>
+              <a:rPr lang="de-AT" baseline="0" dirty="0" smtClean="0"/>
+              <a:t>Es gibt einen Member Tab und einen </a:t>
+            </a:r>
+            <a:r>
+              <a:rPr lang="de-AT" baseline="0" dirty="0" err="1" smtClean="0"/>
+              <a:t>Competition</a:t>
+            </a:r>
+            <a:r>
+              <a:rPr lang="de-AT" baseline="0" dirty="0" smtClean="0"/>
+              <a:t> Tab; diese fassen jeweils auf gewisse Art und Weise die Themenbereiche der Anwendungen zusammen</a:t>
+            </a:r>
+          </a:p>
+          <a:p>
+            <a:r>
+              <a:rPr lang="de-AT" baseline="0" dirty="0" smtClean="0"/>
+              <a:t>Der </a:t>
+            </a:r>
+            <a:r>
+              <a:rPr lang="de-AT" baseline="0" dirty="0" err="1" smtClean="0"/>
+              <a:t>MemberTab</a:t>
+            </a:r>
+            <a:r>
+              <a:rPr lang="de-AT" baseline="0" dirty="0" smtClean="0"/>
+              <a:t> beinhaltet hier z.B. </a:t>
+            </a:r>
+          </a:p>
+          <a:p>
+            <a:r>
+              <a:rPr lang="de-AT" baseline="0" dirty="0" smtClean="0"/>
+              <a:t>	- Search Member für die Mitgliedssuche</a:t>
+            </a:r>
+          </a:p>
+          <a:p>
+            <a:r>
+              <a:rPr lang="de-AT" baseline="0" dirty="0" smtClean="0"/>
+              <a:t>	- Add New Member für das anlegen eines neuen Mitglieds</a:t>
+            </a:r>
+          </a:p>
+          <a:p>
+            <a:r>
+              <a:rPr lang="de-AT" baseline="0" dirty="0" smtClean="0"/>
+              <a:t>	- Add </a:t>
+            </a:r>
+            <a:r>
+              <a:rPr lang="de-AT" baseline="0" dirty="0" err="1" smtClean="0"/>
+              <a:t>To</a:t>
+            </a:r>
+            <a:r>
+              <a:rPr lang="de-AT" baseline="0" dirty="0" smtClean="0"/>
+              <a:t> Team für das Hinzufügen eines Mitglieds zu einem Team</a:t>
+            </a:r>
+          </a:p>
+          <a:p>
+            <a:r>
+              <a:rPr lang="de-AT" baseline="0" dirty="0" smtClean="0"/>
+              <a:t>All jene </a:t>
             </a:r>
             <a:r>
               <a:rPr lang="de-AT" baseline="0" dirty="0" err="1" smtClean="0"/>
@@ -2856,29 +3072,7 @@
             </a:r>
             <a:r>
               <a:rPr lang="de-AT" baseline="0" dirty="0" smtClean="0"/>
-              <a:t> Thematisch (oder so</a:t>
-            </a:r>
-            <a:r>
-              <a:rPr lang="de-AT" baseline="0" dirty="0" smtClean="0">
-                <a:sym typeface="Wingdings" pitchFamily="2" charset="2"/>
-              </a:rPr>
-              <a:t>) zusammenfassen. </a:t>
-            </a:r>
-            <a:endParaRPr lang="de-AT" dirty="0" smtClean="0"/>
-          </a:p>
-          <a:p>
-            <a:r>
-              <a:rPr lang="de-AT" baseline="0" dirty="0" smtClean="0"/>
-              <a:t>Da zu beginn noch eher unklar war über welches Ausmaß sich die Erweiterungen erstrecken, wurde auch darauf geachtet für diese genügend Spielraum beizubehalten.</a:t>
-            </a:r>
-          </a:p>
-          <a:p>
-            <a:endParaRPr lang="de-AT" baseline="0" dirty="0" smtClean="0"/>
-          </a:p>
-          <a:p>
-            <a:r>
-              <a:rPr lang="de-AT" baseline="0" dirty="0" smtClean="0"/>
-              <a:t>- Teils aus Zeitgründen aber auch einfach aufgrund der Bedienbarkeit, galt es den Grundsatz „So simple wie möglich und so komplex wie nötig“ möglichst treu zu bleiben.</a:t>
+              <a:t> also welche sich explizit auf Mitglieder beziehen</a:t>
             </a:r>
           </a:p>
         </p:txBody>
@@ -2909,7 +3103,7 @@
     </p:spTree>
     <p:extLst>
       <p:ext uri="{BB962C8B-B14F-4D97-AF65-F5344CB8AC3E}">
-        <p14:creationId xmlns:p14="http://schemas.microsoft.com/office/powerpoint/2010/main" val="3540590640"/>
+        <p14:creationId xmlns:p14="http://schemas.microsoft.com/office/powerpoint/2010/main" val="4059783237"/>
       </p:ext>
     </p:extLst>
   </p:cSld>
@@ -10390,10 +10584,6 @@
               <a:buChar char="•"/>
             </a:pPr>
             <a:r>
-              <a:rPr lang="de-AT" dirty="0" smtClean="0"/>
-              <a:t>-&gt; </a:t>
-            </a:r>
-            <a:r>
               <a:rPr lang="de-AT" dirty="0" err="1" smtClean="0"/>
               <a:t>UseCase</a:t>
             </a:r>
@@ -10424,7 +10614,7 @@
             </a:pPr>
             <a:r>
               <a:rPr lang="de-AT" dirty="0" smtClean="0"/>
-              <a:t>-&gt; vereinfacht Technologie Anpassung</a:t>
+              <a:t>vereinfacht Technologie Anpassung</a:t>
             </a:r>
           </a:p>
           <a:p>
@@ -10450,6 +10640,13 @@
   <p:clrMapOvr>
     <a:masterClrMapping/>
   </p:clrMapOvr>
+  <p:timing>
+    <p:tnLst>
+      <p:par>
+        <p:cTn id="1" dur="indefinite" restart="never" nodeType="tmRoot"/>
+      </p:par>
+    </p:tnLst>
+  </p:timing>
 </p:sld>
 </file>
 
@@ -10761,6 +10958,13 @@
   <p:clrMapOvr>
     <a:masterClrMapping/>
   </p:clrMapOvr>
+  <p:timing>
+    <p:tnLst>
+      <p:par>
+        <p:cTn id="1" dur="indefinite" restart="never" nodeType="tmRoot"/>
+      </p:par>
+    </p:tnLst>
+  </p:timing>
 </p:sld>
 </file>
 
@@ -10949,206 +11153,6 @@
           <a:lstStyle/>
           <a:p>
             <a:r>
-              <a:rPr lang="de-AT" dirty="0" err="1" smtClean="0"/>
-              <a:t>UseCases</a:t>
-            </a:r>
-            <a:endParaRPr lang="de-AT" dirty="0"/>
-          </a:p>
-        </p:txBody>
-      </p:sp>
-      <p:sp>
-        <p:nvSpPr>
-          <p:cNvPr id="3" name="Inhaltsplatzhalter 2"/>
-          <p:cNvSpPr>
-            <a:spLocks noGrp="1"/>
-          </p:cNvSpPr>
-          <p:nvPr>
-            <p:ph idx="1"/>
-          </p:nvPr>
-        </p:nvSpPr>
-        <p:spPr/>
-        <p:txBody>
-          <a:bodyPr>
-            <a:noAutofit/>
-          </a:bodyPr>
-          <a:lstStyle/>
-          <a:p>
-            <a:pPr>
-              <a:buFont typeface="Arial" panose="020B0604020202020204" pitchFamily="34" charset="0"/>
-              <a:buChar char="•"/>
-            </a:pPr>
-            <a:r>
-              <a:rPr lang="de-AT" sz="2000" dirty="0" smtClean="0"/>
-              <a:t>Login</a:t>
-            </a:r>
-          </a:p>
-          <a:p>
-            <a:pPr>
-              <a:buFont typeface="Arial" panose="020B0604020202020204" pitchFamily="34" charset="0"/>
-              <a:buChar char="•"/>
-            </a:pPr>
-            <a:r>
-              <a:rPr lang="de-AT" sz="2000" dirty="0" smtClean="0"/>
-              <a:t>Berechtigungsprüfung</a:t>
-            </a:r>
-            <a:endParaRPr lang="de-AT" sz="2000" dirty="0"/>
-          </a:p>
-          <a:p>
-            <a:pPr>
-              <a:buFont typeface="Arial" panose="020B0604020202020204" pitchFamily="34" charset="0"/>
-              <a:buChar char="•"/>
-            </a:pPr>
-            <a:r>
-              <a:rPr lang="de-AT" sz="2000" dirty="0" smtClean="0"/>
-              <a:t>Einladungen</a:t>
-            </a:r>
-          </a:p>
-          <a:p>
-            <a:pPr>
-              <a:buFont typeface="Arial" panose="020B0604020202020204" pitchFamily="34" charset="0"/>
-              <a:buChar char="•"/>
-            </a:pPr>
-            <a:r>
-              <a:rPr lang="de-AT" sz="2000" dirty="0" smtClean="0"/>
-              <a:t>Mitgliederverwaltung</a:t>
-            </a:r>
-          </a:p>
-          <a:p>
-            <a:pPr lvl="1">
-              <a:buFont typeface="Arial" panose="020B0604020202020204" pitchFamily="34" charset="0"/>
-              <a:buChar char="•"/>
-            </a:pPr>
-            <a:r>
-              <a:rPr lang="de-AT" sz="1600" dirty="0" smtClean="0"/>
-              <a:t>Mitglied suchen/ ändern</a:t>
-            </a:r>
-          </a:p>
-          <a:p>
-            <a:pPr lvl="1">
-              <a:buFont typeface="Arial" panose="020B0604020202020204" pitchFamily="34" charset="0"/>
-              <a:buChar char="•"/>
-            </a:pPr>
-            <a:r>
-              <a:rPr lang="de-AT" sz="1600" dirty="0" smtClean="0"/>
-              <a:t>Neues Mitglied anlegen</a:t>
-            </a:r>
-          </a:p>
-          <a:p>
-            <a:pPr lvl="1">
-              <a:buFont typeface="Arial" panose="020B0604020202020204" pitchFamily="34" charset="0"/>
-              <a:buChar char="•"/>
-            </a:pPr>
-            <a:r>
-              <a:rPr lang="de-AT" sz="1600" dirty="0" smtClean="0"/>
-              <a:t>Mitglied zu einem Team hinzufügen</a:t>
-            </a:r>
-            <a:endParaRPr lang="de-AT" sz="2000" dirty="0" smtClean="0"/>
-          </a:p>
-          <a:p>
-            <a:pPr>
-              <a:buFont typeface="Arial" panose="020B0604020202020204" pitchFamily="34" charset="0"/>
-              <a:buChar char="•"/>
-            </a:pPr>
-            <a:r>
-              <a:rPr lang="de-AT" sz="2000" dirty="0" smtClean="0"/>
-              <a:t>Wettkampfverwaltung</a:t>
-            </a:r>
-          </a:p>
-          <a:p>
-            <a:pPr lvl="1">
-              <a:buFont typeface="Arial" panose="020B0604020202020204" pitchFamily="34" charset="0"/>
-              <a:buChar char="•"/>
-            </a:pPr>
-            <a:r>
-              <a:rPr lang="de-AT" sz="1600" dirty="0" smtClean="0"/>
-              <a:t>Neuen Wettkampf anlegen</a:t>
-            </a:r>
-          </a:p>
-          <a:p>
-            <a:pPr lvl="1">
-              <a:buFont typeface="Arial" panose="020B0604020202020204" pitchFamily="34" charset="0"/>
-              <a:buChar char="•"/>
-            </a:pPr>
-            <a:r>
-              <a:rPr lang="de-AT" sz="1600" dirty="0" smtClean="0"/>
-              <a:t>Wettkampf Team festlegen</a:t>
-            </a:r>
-          </a:p>
-          <a:p>
-            <a:pPr lvl="1">
-              <a:buFont typeface="Arial" panose="020B0604020202020204" pitchFamily="34" charset="0"/>
-              <a:buChar char="•"/>
-            </a:pPr>
-            <a:r>
-              <a:rPr lang="de-AT" sz="1600" dirty="0" smtClean="0"/>
-              <a:t>Wettkampf anzeigen</a:t>
-            </a:r>
-          </a:p>
-          <a:p>
-            <a:pPr lvl="1">
-              <a:buFont typeface="Arial" panose="020B0604020202020204" pitchFamily="34" charset="0"/>
-              <a:buChar char="•"/>
-            </a:pPr>
-            <a:r>
-              <a:rPr lang="de-AT" sz="1600" dirty="0" smtClean="0"/>
-              <a:t>Wettkampf Resultate eingeben</a:t>
-            </a:r>
-          </a:p>
-          <a:p>
-            <a:pPr>
-              <a:buFont typeface="Arial" panose="020B0604020202020204" pitchFamily="34" charset="0"/>
-              <a:buChar char="•"/>
-            </a:pPr>
-            <a:endParaRPr lang="de-AT" sz="2000" dirty="0"/>
-          </a:p>
-        </p:txBody>
-      </p:sp>
-    </p:spTree>
-    <p:extLst>
-      <p:ext uri="{BB962C8B-B14F-4D97-AF65-F5344CB8AC3E}">
-        <p14:creationId xmlns:p14="http://schemas.microsoft.com/office/powerpoint/2010/main" val="1699838500"/>
-      </p:ext>
-    </p:extLst>
-  </p:cSld>
-  <p:clrMapOvr>
-    <a:masterClrMapping/>
-  </p:clrMapOvr>
-</p:sld>
-</file>
-
-<file path=ppt/slides/slide31.xml><?xml version="1.0" encoding="utf-8"?>
-<p:sld xmlns:a="http://schemas.openxmlformats.org/drawingml/2006/main" xmlns:r="http://schemas.openxmlformats.org/officeDocument/2006/relationships" xmlns:p="http://schemas.openxmlformats.org/presentationml/2006/main">
-  <p:cSld>
-    <p:spTree>
-      <p:nvGrpSpPr>
-        <p:cNvPr id="1" name=""/>
-        <p:cNvGrpSpPr/>
-        <p:nvPr/>
-      </p:nvGrpSpPr>
-      <p:grpSpPr>
-        <a:xfrm>
-          <a:off x="0" y="0"/>
-          <a:ext cx="0" cy="0"/>
-          <a:chOff x="0" y="0"/>
-          <a:chExt cx="0" cy="0"/>
-        </a:xfrm>
-      </p:grpSpPr>
-      <p:sp>
-        <p:nvSpPr>
-          <p:cNvPr id="2" name="Titel 1"/>
-          <p:cNvSpPr>
-            <a:spLocks noGrp="1"/>
-          </p:cNvSpPr>
-          <p:nvPr>
-            <p:ph type="title"/>
-          </p:nvPr>
-        </p:nvSpPr>
-        <p:spPr/>
-        <p:txBody>
-          <a:bodyPr/>
-          <a:lstStyle/>
-          <a:p>
-            <a:r>
               <a:rPr lang="de-AT" dirty="0" smtClean="0"/>
               <a:t>Layout</a:t>
             </a:r>
@@ -11242,10 +11246,17 @@
   <p:clrMapOvr>
     <a:masterClrMapping/>
   </p:clrMapOvr>
+  <p:timing>
+    <p:tnLst>
+      <p:par>
+        <p:cTn id="1" dur="indefinite" restart="never" nodeType="tmRoot"/>
+      </p:par>
+    </p:tnLst>
+  </p:timing>
 </p:sld>
 </file>
 
-<file path=ppt/slides/slide32.xml><?xml version="1.0" encoding="utf-8"?>
+<file path=ppt/slides/slide31.xml><?xml version="1.0" encoding="utf-8"?>
 <p:sld xmlns:a="http://schemas.openxmlformats.org/drawingml/2006/main" xmlns:r="http://schemas.openxmlformats.org/officeDocument/2006/relationships" xmlns:p="http://schemas.openxmlformats.org/presentationml/2006/main">
   <p:cSld>
     <p:spTree>
@@ -11382,6 +11393,199 @@
 </p:sld>
 </file>
 
+<file path=ppt/slides/slide32.xml><?xml version="1.0" encoding="utf-8"?>
+<p:sld xmlns:a="http://schemas.openxmlformats.org/drawingml/2006/main" xmlns:r="http://schemas.openxmlformats.org/officeDocument/2006/relationships" xmlns:p="http://schemas.openxmlformats.org/presentationml/2006/main">
+  <p:cSld>
+    <p:spTree>
+      <p:nvGrpSpPr>
+        <p:cNvPr id="1" name=""/>
+        <p:cNvGrpSpPr/>
+        <p:nvPr/>
+      </p:nvGrpSpPr>
+      <p:grpSpPr>
+        <a:xfrm>
+          <a:off x="0" y="0"/>
+          <a:ext cx="0" cy="0"/>
+          <a:chOff x="0" y="0"/>
+          <a:chExt cx="0" cy="0"/>
+        </a:xfrm>
+      </p:grpSpPr>
+      <p:sp>
+        <p:nvSpPr>
+          <p:cNvPr id="2" name="Titel 1"/>
+          <p:cNvSpPr>
+            <a:spLocks noGrp="1"/>
+          </p:cNvSpPr>
+          <p:nvPr>
+            <p:ph type="title"/>
+          </p:nvPr>
+        </p:nvSpPr>
+        <p:spPr/>
+        <p:txBody>
+          <a:bodyPr/>
+          <a:lstStyle/>
+          <a:p>
+            <a:r>
+              <a:rPr lang="de-AT" dirty="0" smtClean="0"/>
+              <a:t>Grundlegende Funktionalitäten</a:t>
+            </a:r>
+            <a:endParaRPr lang="de-AT" dirty="0"/>
+          </a:p>
+        </p:txBody>
+      </p:sp>
+      <p:sp>
+        <p:nvSpPr>
+          <p:cNvPr id="3" name="Inhaltsplatzhalter 2"/>
+          <p:cNvSpPr>
+            <a:spLocks noGrp="1"/>
+          </p:cNvSpPr>
+          <p:nvPr>
+            <p:ph idx="1"/>
+          </p:nvPr>
+        </p:nvSpPr>
+        <p:spPr/>
+        <p:txBody>
+          <a:bodyPr>
+            <a:normAutofit/>
+          </a:bodyPr>
+          <a:lstStyle/>
+          <a:p>
+            <a:pPr marL="265176" lvl="1" indent="0">
+              <a:buNone/>
+            </a:pPr>
+            <a:r>
+              <a:rPr lang="de-AT" dirty="0" smtClean="0"/>
+              <a:t>Login</a:t>
+            </a:r>
+          </a:p>
+          <a:p>
+            <a:pPr marL="265176" lvl="1" indent="0">
+              <a:buNone/>
+            </a:pPr>
+            <a:r>
+              <a:rPr lang="de-AT" dirty="0" smtClean="0"/>
+              <a:t>Berechtigungsprüfung</a:t>
+            </a:r>
+          </a:p>
+          <a:p>
+            <a:pPr lvl="1"/>
+            <a:r>
+              <a:rPr lang="de-AT" dirty="0" smtClean="0"/>
+              <a:t>Mitglied </a:t>
+            </a:r>
+          </a:p>
+          <a:p>
+            <a:pPr lvl="2"/>
+            <a:r>
+              <a:rPr lang="de-AT" dirty="0"/>
+              <a:t>S</a:t>
+            </a:r>
+            <a:r>
+              <a:rPr lang="de-AT" dirty="0" smtClean="0"/>
+              <a:t>uchen</a:t>
+            </a:r>
+            <a:r>
+              <a:rPr lang="de-AT" dirty="0"/>
+              <a:t>/ Ä</a:t>
+            </a:r>
+            <a:r>
+              <a:rPr lang="de-AT" dirty="0" smtClean="0"/>
+              <a:t>ndern</a:t>
+            </a:r>
+          </a:p>
+          <a:p>
+            <a:pPr lvl="2"/>
+            <a:r>
+              <a:rPr lang="de-AT" dirty="0" smtClean="0"/>
+              <a:t>Neu anlegen</a:t>
+            </a:r>
+            <a:endParaRPr lang="de-AT" dirty="0"/>
+          </a:p>
+          <a:p>
+            <a:pPr lvl="2"/>
+            <a:r>
+              <a:rPr lang="de-AT" dirty="0"/>
+              <a:t>Z</a:t>
+            </a:r>
+            <a:r>
+              <a:rPr lang="de-AT" dirty="0" smtClean="0"/>
+              <a:t>u Team hinzufügen</a:t>
+            </a:r>
+          </a:p>
+          <a:p>
+            <a:pPr marL="1200150" lvl="2" indent="-285750"/>
+            <a:endParaRPr lang="de-AT" dirty="0" smtClean="0"/>
+          </a:p>
+          <a:p>
+            <a:pPr lvl="1"/>
+            <a:r>
+              <a:rPr lang="de-AT" dirty="0" smtClean="0"/>
+              <a:t>Wettkampf </a:t>
+            </a:r>
+          </a:p>
+          <a:p>
+            <a:pPr lvl="2"/>
+            <a:r>
+              <a:rPr lang="de-AT" dirty="0" smtClean="0"/>
+              <a:t>Neu anlegen</a:t>
+            </a:r>
+            <a:endParaRPr lang="de-AT" dirty="0"/>
+          </a:p>
+          <a:p>
+            <a:pPr lvl="2"/>
+            <a:r>
+              <a:rPr lang="de-AT" dirty="0"/>
+              <a:t>Resultate eingeben</a:t>
+            </a:r>
+          </a:p>
+          <a:p>
+            <a:pPr lvl="2"/>
+            <a:r>
+              <a:rPr lang="de-AT" dirty="0" smtClean="0"/>
+              <a:t>Team </a:t>
+            </a:r>
+            <a:r>
+              <a:rPr lang="de-AT" dirty="0"/>
+              <a:t>festlegen</a:t>
+            </a:r>
+          </a:p>
+          <a:p>
+            <a:pPr lvl="2"/>
+            <a:r>
+              <a:rPr lang="de-AT" dirty="0" smtClean="0"/>
+              <a:t>Anzeigen</a:t>
+            </a:r>
+            <a:endParaRPr lang="de-AT" dirty="0"/>
+          </a:p>
+          <a:p>
+            <a:pPr>
+              <a:buFont typeface="Arial" panose="020B0604020202020204" pitchFamily="34" charset="0"/>
+              <a:buChar char="•"/>
+            </a:pPr>
+            <a:endParaRPr lang="de-AT" dirty="0"/>
+          </a:p>
+        </p:txBody>
+      </p:sp>
+    </p:spTree>
+    <p:extLst>
+      <p:ext uri="{BB962C8B-B14F-4D97-AF65-F5344CB8AC3E}">
+        <p14:creationId xmlns:p14="http://schemas.microsoft.com/office/powerpoint/2010/main" val="1092315448"/>
+      </p:ext>
+    </p:extLst>
+  </p:cSld>
+  <p:clrMapOvr>
+    <a:masterClrMapping/>
+  </p:clrMapOvr>
+  <p:timing>
+    <p:tnLst>
+      <p:par>
+        <p:cTn id="1" dur="indefinite" restart="never" nodeType="tmRoot"/>
+      </p:par>
+    </p:tnLst>
+  </p:timing>
+</p:sld>
+</file>
+
 <file path=ppt/slides/slide33.xml><?xml version="1.0" encoding="utf-8"?>
 <p:sld xmlns:a="http://schemas.openxmlformats.org/drawingml/2006/main" xmlns:r="http://schemas.openxmlformats.org/officeDocument/2006/relationships" xmlns:p="http://schemas.openxmlformats.org/presentationml/2006/main">
   <p:cSld>
@@ -11416,7 +11620,7 @@
           <a:p>
             <a:r>
               <a:rPr lang="de-AT" dirty="0" smtClean="0"/>
-              <a:t>Grundlegende Funktionalitäten</a:t>
+              <a:t>Erweiterungen</a:t>
             </a:r>
             <a:endParaRPr lang="de-AT" dirty="0"/>
           </a:p>
@@ -11439,140 +11643,75 @@
           </a:bodyPr>
           <a:lstStyle/>
           <a:p>
-            <a:pPr marL="265176" lvl="1" indent="0">
-              <a:buNone/>
-            </a:pPr>
-            <a:r>
-              <a:rPr lang="de-AT" dirty="0" smtClean="0"/>
-              <a:t>Login</a:t>
-            </a:r>
-          </a:p>
-          <a:p>
-            <a:pPr marL="265176" lvl="1" indent="0">
-              <a:buNone/>
-            </a:pPr>
-            <a:r>
-              <a:rPr lang="de-AT" dirty="0" smtClean="0"/>
-              <a:t>Berechtigungsprüfung</a:t>
-            </a:r>
-          </a:p>
-          <a:p>
-            <a:pPr lvl="1"/>
-            <a:r>
-              <a:rPr lang="de-AT" dirty="0" smtClean="0"/>
-              <a:t>Mitglied </a:t>
-            </a:r>
-          </a:p>
-          <a:p>
-            <a:pPr lvl="2"/>
-            <a:r>
-              <a:rPr lang="de-AT" dirty="0"/>
-              <a:t>S</a:t>
-            </a:r>
-            <a:r>
-              <a:rPr lang="de-AT" dirty="0" smtClean="0"/>
-              <a:t>uchen</a:t>
-            </a:r>
-            <a:r>
-              <a:rPr lang="de-AT" dirty="0"/>
-              <a:t>/ Ä</a:t>
-            </a:r>
-            <a:r>
-              <a:rPr lang="de-AT" dirty="0" smtClean="0"/>
-              <a:t>ndern</a:t>
-            </a:r>
-          </a:p>
-          <a:p>
-            <a:pPr lvl="2"/>
-            <a:r>
-              <a:rPr lang="de-AT" dirty="0"/>
-              <a:t>A</a:t>
-            </a:r>
-            <a:r>
-              <a:rPr lang="de-AT" dirty="0" smtClean="0"/>
-              <a:t>nlegen</a:t>
-            </a:r>
-            <a:endParaRPr lang="de-AT" dirty="0"/>
-          </a:p>
-          <a:p>
-            <a:pPr lvl="2"/>
-            <a:r>
-              <a:rPr lang="de-AT" dirty="0"/>
-              <a:t>Z</a:t>
-            </a:r>
-            <a:r>
-              <a:rPr lang="de-AT" dirty="0" smtClean="0"/>
-              <a:t>u Team hinzufügen</a:t>
-            </a:r>
-          </a:p>
-          <a:p>
-            <a:pPr marL="1200150" lvl="2" indent="-285750"/>
-            <a:endParaRPr lang="de-AT" dirty="0" smtClean="0"/>
-          </a:p>
-          <a:p>
-            <a:pPr lvl="1"/>
-            <a:r>
-              <a:rPr lang="de-AT" dirty="0" smtClean="0"/>
-              <a:t>Wettkampf </a:t>
-            </a:r>
-          </a:p>
-          <a:p>
-            <a:pPr lvl="2"/>
-            <a:r>
-              <a:rPr lang="de-AT" dirty="0" smtClean="0"/>
-              <a:t>Anlegen</a:t>
-            </a:r>
-            <a:endParaRPr lang="de-AT" dirty="0"/>
-          </a:p>
-          <a:p>
-            <a:pPr lvl="2"/>
-            <a:r>
-              <a:rPr lang="de-AT" dirty="0"/>
-              <a:t>Resultate eingeben</a:t>
-            </a:r>
-          </a:p>
-          <a:p>
-            <a:pPr lvl="2"/>
-            <a:r>
-              <a:rPr lang="de-AT" dirty="0" smtClean="0"/>
-              <a:t>Team </a:t>
-            </a:r>
-            <a:r>
-              <a:rPr lang="de-AT" dirty="0"/>
-              <a:t>festlegen</a:t>
-            </a:r>
-          </a:p>
-          <a:p>
-            <a:pPr lvl="2"/>
-            <a:r>
-              <a:rPr lang="de-AT" dirty="0"/>
-              <a:t>A</a:t>
-            </a:r>
-            <a:r>
-              <a:rPr lang="de-AT" dirty="0" smtClean="0"/>
-              <a:t>nzeigen</a:t>
-            </a:r>
-            <a:endParaRPr lang="de-AT" dirty="0"/>
-          </a:p>
-          <a:p>
             <a:pPr>
               <a:buFont typeface="Arial" panose="020B0604020202020204" pitchFamily="34" charset="0"/>
               <a:buChar char="•"/>
             </a:pPr>
-            <a:endParaRPr lang="de-AT" dirty="0"/>
+            <a:r>
+              <a:rPr lang="de-AT" dirty="0" smtClean="0"/>
+              <a:t>Login</a:t>
+            </a:r>
+          </a:p>
+          <a:p>
+            <a:pPr>
+              <a:buFont typeface="Arial" panose="020B0604020202020204" pitchFamily="34" charset="0"/>
+              <a:buChar char="•"/>
+            </a:pPr>
+            <a:r>
+              <a:rPr lang="de-AT" dirty="0" err="1" smtClean="0"/>
+              <a:t>Corba</a:t>
+            </a:r>
+            <a:endParaRPr lang="de-AT" dirty="0" smtClean="0"/>
+          </a:p>
+          <a:p>
+            <a:pPr>
+              <a:buFont typeface="Arial" panose="020B0604020202020204" pitchFamily="34" charset="0"/>
+              <a:buChar char="•"/>
+            </a:pPr>
+            <a:r>
+              <a:rPr lang="de-AT" dirty="0" smtClean="0"/>
+              <a:t>Einladungen</a:t>
+            </a:r>
+          </a:p>
+          <a:p>
+            <a:pPr>
+              <a:buFont typeface="Arial" panose="020B0604020202020204" pitchFamily="34" charset="0"/>
+              <a:buChar char="•"/>
+            </a:pPr>
+            <a:r>
+              <a:rPr lang="de-AT" dirty="0" smtClean="0"/>
+              <a:t>Webservice</a:t>
+            </a:r>
+          </a:p>
+          <a:p>
+            <a:pPr>
+              <a:buFont typeface="Arial" panose="020B0604020202020204" pitchFamily="34" charset="0"/>
+              <a:buChar char="•"/>
+            </a:pPr>
+            <a:r>
+              <a:rPr lang="de-AT" dirty="0" smtClean="0"/>
+              <a:t>JMS</a:t>
+            </a:r>
           </a:p>
         </p:txBody>
       </p:sp>
     </p:spTree>
     <p:extLst>
       <p:ext uri="{BB962C8B-B14F-4D97-AF65-F5344CB8AC3E}">
-        <p14:creationId xmlns:p14="http://schemas.microsoft.com/office/powerpoint/2010/main" val="1092315448"/>
+        <p14:creationId xmlns:p14="http://schemas.microsoft.com/office/powerpoint/2010/main" val="3732497756"/>
       </p:ext>
     </p:extLst>
   </p:cSld>
   <p:clrMapOvr>
     <a:masterClrMapping/>
   </p:clrMapOvr>
+  <p:timing>
+    <p:tnLst>
+      <p:par>
+        <p:cTn id="1" dur="indefinite" restart="never" nodeType="tmRoot"/>
+      </p:par>
+    </p:tnLst>
+  </p:timing>
 </p:sld>
 </file>
 
@@ -11610,7 +11749,7 @@
           <a:p>
             <a:r>
               <a:rPr lang="de-AT" dirty="0" smtClean="0"/>
-              <a:t>Erweiterungen</a:t>
+              <a:t>Tests &amp; Probleme</a:t>
             </a:r>
             <a:endParaRPr lang="de-AT" dirty="0"/>
           </a:p>
@@ -11628,9 +11767,7 @@
         </p:nvSpPr>
         <p:spPr/>
         <p:txBody>
-          <a:bodyPr>
-            <a:normAutofit/>
-          </a:bodyPr>
+          <a:bodyPr/>
           <a:lstStyle/>
           <a:p>
             <a:pPr>
@@ -11638,9 +11775,22 @@
               <a:buChar char="•"/>
             </a:pPr>
             <a:r>
+              <a:rPr lang="de-AT" dirty="0" err="1" smtClean="0"/>
+              <a:t>Exception</a:t>
+            </a:r>
+            <a:r>
               <a:rPr lang="de-AT" dirty="0" smtClean="0"/>
-              <a:t>Login</a:t>
-            </a:r>
+              <a:t> </a:t>
+            </a:r>
+            <a:r>
+              <a:rPr lang="de-AT" dirty="0" err="1" smtClean="0"/>
+              <a:t>Handeling</a:t>
+            </a:r>
+            <a:r>
+              <a:rPr lang="de-AT" dirty="0" smtClean="0"/>
+              <a:t> verbessert</a:t>
+            </a:r>
+            <a:endParaRPr lang="de-AT" dirty="0"/>
           </a:p>
           <a:p>
             <a:pPr>
@@ -11648,10 +11798,19 @@
               <a:buChar char="•"/>
             </a:pPr>
             <a:r>
-              <a:rPr lang="de-AT" dirty="0" err="1" smtClean="0"/>
-              <a:t>Corba</a:t>
-            </a:r>
-            <a:endParaRPr lang="de-AT" dirty="0" smtClean="0"/>
+              <a:rPr lang="de-AT" dirty="0" smtClean="0"/>
+              <a:t>Aufwändig</a:t>
+            </a:r>
+          </a:p>
+          <a:p>
+            <a:pPr lvl="1">
+              <a:buFont typeface="Arial" panose="020B0604020202020204" pitchFamily="34" charset="0"/>
+              <a:buChar char="•"/>
+            </a:pPr>
+            <a:r>
+              <a:rPr lang="de-AT" dirty="0" smtClean="0"/>
+              <a:t>Fehler -&gt; mehrere Schichten</a:t>
+            </a:r>
           </a:p>
           <a:p>
             <a:pPr>
@@ -11660,7 +11819,7 @@
             </a:pPr>
             <a:r>
               <a:rPr lang="de-AT" dirty="0" smtClean="0"/>
-              <a:t>Einladungen</a:t>
+              <a:t>Wiederverwendbare Forms</a:t>
             </a:r>
           </a:p>
           <a:p>
@@ -11670,7 +11829,7 @@
             </a:pPr>
             <a:r>
               <a:rPr lang="de-AT" dirty="0" smtClean="0"/>
-              <a:t>Webservice</a:t>
+              <a:t>Unit Tests</a:t>
             </a:r>
           </a:p>
           <a:p>
@@ -11680,21 +11839,29 @@
             </a:pPr>
             <a:r>
               <a:rPr lang="de-AT" dirty="0" smtClean="0"/>
-              <a:t>JMS</a:t>
-            </a:r>
+              <a:t>Datenbank Testapplikation</a:t>
+            </a:r>
+            <a:endParaRPr lang="de-AT" dirty="0"/>
           </a:p>
         </p:txBody>
       </p:sp>
     </p:spTree>
     <p:extLst>
       <p:ext uri="{BB962C8B-B14F-4D97-AF65-F5344CB8AC3E}">
-        <p14:creationId xmlns:p14="http://schemas.microsoft.com/office/powerpoint/2010/main" val="3732497756"/>
+        <p14:creationId xmlns:p14="http://schemas.microsoft.com/office/powerpoint/2010/main" val="856229136"/>
       </p:ext>
     </p:extLst>
   </p:cSld>
   <p:clrMapOvr>
     <a:masterClrMapping/>
   </p:clrMapOvr>
+  <p:timing>
+    <p:tnLst>
+      <p:par>
+        <p:cTn id="1" dur="indefinite" restart="never" nodeType="tmRoot"/>
+      </p:par>
+    </p:tnLst>
+  </p:timing>
 </p:sld>
 </file>
 
@@ -11717,7 +11884,7 @@
       </p:grpSpPr>
       <p:sp>
         <p:nvSpPr>
-          <p:cNvPr id="2" name="Titel 1"/>
+          <p:cNvPr id="2" name="Title 1"/>
           <p:cNvSpPr>
             <a:spLocks noGrp="1"/>
           </p:cNvSpPr>
@@ -11731,35 +11898,8 @@
           <a:lstStyle/>
           <a:p>
             <a:r>
-              <a:rPr lang="de-AT" dirty="0" smtClean="0"/>
-              <a:t>Tests &amp; Probleme</a:t>
-            </a:r>
-            <a:endParaRPr lang="de-AT" dirty="0"/>
-          </a:p>
-        </p:txBody>
-      </p:sp>
-      <p:sp>
-        <p:nvSpPr>
-          <p:cNvPr id="3" name="Inhaltsplatzhalter 2"/>
-          <p:cNvSpPr>
-            <a:spLocks noGrp="1"/>
-          </p:cNvSpPr>
-          <p:nvPr>
-            <p:ph idx="1"/>
-          </p:nvPr>
-        </p:nvSpPr>
-        <p:spPr/>
-        <p:txBody>
-          <a:bodyPr/>
-          <a:lstStyle/>
-          <a:p>
-            <a:pPr>
-              <a:buFont typeface="Arial" panose="020B0604020202020204" pitchFamily="34" charset="0"/>
-              <a:buChar char="•"/>
-            </a:pPr>
-            <a:r>
               <a:rPr lang="de-AT" dirty="0" err="1" smtClean="0"/>
-              <a:t>Exception</a:t>
+              <a:t>Lessons</a:t>
             </a:r>
             <a:r>
               <a:rPr lang="de-AT" dirty="0" smtClean="0"/>
@@ -11767,83 +11907,39 @@
             </a:r>
             <a:r>
               <a:rPr lang="de-AT" dirty="0" err="1" smtClean="0"/>
-              <a:t>Handeling</a:t>
-            </a:r>
+              <a:t>Learned</a:t>
+            </a:r>
+            <a:endParaRPr lang="de-AT" dirty="0"/>
+          </a:p>
+        </p:txBody>
+      </p:sp>
+      <p:sp>
+        <p:nvSpPr>
+          <p:cNvPr id="3" name="Text Placeholder 2"/>
+          <p:cNvSpPr>
+            <a:spLocks noGrp="1"/>
+          </p:cNvSpPr>
+          <p:nvPr>
+            <p:ph type="body" idx="1"/>
+          </p:nvPr>
+        </p:nvSpPr>
+        <p:spPr/>
+        <p:txBody>
+          <a:bodyPr/>
+          <a:lstStyle/>
+          <a:p>
             <a:r>
               <a:rPr lang="de-AT" dirty="0" smtClean="0"/>
-              <a:t> verbessert</a:t>
+              <a:t>Das Ende</a:t>
             </a:r>
             <a:endParaRPr lang="de-AT" dirty="0"/>
-          </a:p>
-          <a:p>
-            <a:pPr>
-              <a:buFont typeface="Arial" panose="020B0604020202020204" pitchFamily="34" charset="0"/>
-              <a:buChar char="•"/>
-            </a:pPr>
-            <a:r>
-              <a:rPr lang="de-AT" dirty="0" smtClean="0"/>
-              <a:t>Aufwändig</a:t>
-            </a:r>
-          </a:p>
-          <a:p>
-            <a:pPr lvl="1">
-              <a:buFont typeface="Arial" panose="020B0604020202020204" pitchFamily="34" charset="0"/>
-              <a:buChar char="•"/>
-            </a:pPr>
-            <a:r>
-              <a:rPr lang="de-AT" dirty="0" smtClean="0"/>
-              <a:t>Fehler in </a:t>
-            </a:r>
-            <a:r>
-              <a:rPr lang="de-AT" dirty="0"/>
-              <a:t>Z</a:t>
-            </a:r>
-            <a:r>
-              <a:rPr lang="de-AT" dirty="0" smtClean="0"/>
-              <a:t>usammenhang mit div. Schichten</a:t>
-            </a:r>
-          </a:p>
-          <a:p>
-            <a:pPr>
-              <a:buFont typeface="Arial" panose="020B0604020202020204" pitchFamily="34" charset="0"/>
-              <a:buChar char="•"/>
-            </a:pPr>
-            <a:r>
-              <a:rPr lang="de-AT" dirty="0" smtClean="0"/>
-              <a:t>Wiederverwendbare </a:t>
-            </a:r>
-            <a:r>
-              <a:rPr lang="de-AT" dirty="0" smtClean="0"/>
-              <a:t>Forms</a:t>
-            </a:r>
-          </a:p>
-          <a:p>
-            <a:pPr>
-              <a:buFont typeface="Arial" panose="020B0604020202020204" pitchFamily="34" charset="0"/>
-              <a:buChar char="•"/>
-            </a:pPr>
-            <a:r>
-              <a:rPr lang="de-AT" dirty="0" smtClean="0"/>
-              <a:t>Unit Tests</a:t>
-            </a:r>
-          </a:p>
-          <a:p>
-            <a:pPr>
-              <a:buFont typeface="Arial" panose="020B0604020202020204" pitchFamily="34" charset="0"/>
-              <a:buChar char="•"/>
-            </a:pPr>
-            <a:r>
-              <a:rPr lang="de-AT" smtClean="0"/>
-              <a:t>Datenbank Testapplikation</a:t>
-            </a:r>
-            <a:endParaRPr lang="de-AT"/>
           </a:p>
         </p:txBody>
       </p:sp>
     </p:spTree>
     <p:extLst>
       <p:ext uri="{BB962C8B-B14F-4D97-AF65-F5344CB8AC3E}">
-        <p14:creationId xmlns:p14="http://schemas.microsoft.com/office/powerpoint/2010/main" val="856229136"/>
+        <p14:creationId xmlns:p14="http://schemas.microsoft.com/office/powerpoint/2010/main" val="476809469"/>
       </p:ext>
     </p:extLst>
   </p:cSld>
@@ -11872,7 +11968,7 @@
       </p:grpSpPr>
       <p:sp>
         <p:nvSpPr>
-          <p:cNvPr id="2" name="Title 1"/>
+          <p:cNvPr id="2" name="Titel 1"/>
           <p:cNvSpPr>
             <a:spLocks noGrp="1"/>
           </p:cNvSpPr>
@@ -11903,12 +11999,12 @@
       </p:sp>
       <p:sp>
         <p:nvSpPr>
-          <p:cNvPr id="3" name="Text Placeholder 2"/>
-          <p:cNvSpPr>
-            <a:spLocks noGrp="1"/>
-          </p:cNvSpPr>
-          <p:nvPr>
-            <p:ph type="body" idx="1"/>
+          <p:cNvPr id="3" name="Inhaltsplatzhalter 2"/>
+          <p:cNvSpPr>
+            <a:spLocks noGrp="1"/>
+          </p:cNvSpPr>
+          <p:nvPr>
+            <p:ph idx="1"/>
           </p:nvPr>
         </p:nvSpPr>
         <p:spPr/>
@@ -11916,9 +12012,47 @@
           <a:bodyPr/>
           <a:lstStyle/>
           <a:p>
+            <a:pPr>
+              <a:buFont typeface="Arial" panose="020B0604020202020204" pitchFamily="34" charset="0"/>
+              <a:buChar char="•"/>
+            </a:pPr>
             <a:r>
               <a:rPr lang="de-AT" dirty="0" smtClean="0"/>
-              <a:t>Das Ende</a:t>
+              <a:t>Technologien schließen sich gegenseitig aus</a:t>
+            </a:r>
+          </a:p>
+          <a:p>
+            <a:pPr>
+              <a:buFont typeface="Arial" panose="020B0604020202020204" pitchFamily="34" charset="0"/>
+              <a:buChar char="•"/>
+            </a:pPr>
+            <a:r>
+              <a:rPr lang="de-AT" dirty="0" smtClean="0"/>
+              <a:t>Genaue Analyse der Aufgabenstellung und abstecken was noch kommen kann</a:t>
+            </a:r>
+          </a:p>
+          <a:p>
+            <a:pPr>
+              <a:buFont typeface="Arial" panose="020B0604020202020204" pitchFamily="34" charset="0"/>
+              <a:buChar char="•"/>
+            </a:pPr>
+            <a:r>
+              <a:rPr lang="de-AT" dirty="0" smtClean="0"/>
+              <a:t>Zeitmanagement essentiell</a:t>
+            </a:r>
+          </a:p>
+          <a:p>
+            <a:pPr>
+              <a:buFont typeface="Arial" panose="020B0604020202020204" pitchFamily="34" charset="0"/>
+              <a:buChar char="•"/>
+            </a:pPr>
+            <a:r>
+              <a:rPr lang="de-AT" dirty="0" err="1" smtClean="0"/>
+              <a:t>Hibernate</a:t>
+            </a:r>
+            <a:r>
+              <a:rPr lang="de-AT" dirty="0" smtClean="0"/>
+              <a:t> -&gt; Technologie Anpassungen</a:t>
             </a:r>
             <a:endParaRPr lang="de-AT" dirty="0"/>
           </a:p>
@@ -11927,13 +12061,20 @@
     </p:spTree>
     <p:extLst>
       <p:ext uri="{BB962C8B-B14F-4D97-AF65-F5344CB8AC3E}">
-        <p14:creationId xmlns:p14="http://schemas.microsoft.com/office/powerpoint/2010/main" val="476809469"/>
+        <p14:creationId xmlns:p14="http://schemas.microsoft.com/office/powerpoint/2010/main" val="3386145516"/>
       </p:ext>
     </p:extLst>
   </p:cSld>
   <p:clrMapOvr>
     <a:masterClrMapping/>
   </p:clrMapOvr>
+  <p:timing>
+    <p:tnLst>
+      <p:par>
+        <p:cTn id="1" dur="indefinite" restart="never" nodeType="tmRoot"/>
+      </p:par>
+    </p:tnLst>
+  </p:timing>
 </p:sld>
 </file>
 
@@ -11970,16 +12111,8 @@
           <a:lstStyle/>
           <a:p>
             <a:r>
-              <a:rPr lang="de-AT" dirty="0" err="1" smtClean="0"/>
-              <a:t>Lessons</a:t>
-            </a:r>
-            <a:r>
               <a:rPr lang="de-AT" dirty="0" smtClean="0"/>
-              <a:t> </a:t>
-            </a:r>
-            <a:r>
-              <a:rPr lang="de-AT" dirty="0" err="1" smtClean="0"/>
-              <a:t>Learned</a:t>
+              <a:t>Zeit</a:t>
             </a:r>
             <a:endParaRPr lang="de-AT" dirty="0"/>
           </a:p>
@@ -12006,8 +12139,13 @@
             </a:pPr>
             <a:r>
               <a:rPr lang="de-AT" dirty="0" smtClean="0"/>
-              <a:t>Technologien schließen sich gegenseitig aus</a:t>
-            </a:r>
+              <a:t>8 </a:t>
+            </a:r>
+            <a:r>
+              <a:rPr lang="de-AT" dirty="0" err="1" smtClean="0"/>
+              <a:t>Timeboxen</a:t>
+            </a:r>
+            <a:endParaRPr lang="de-AT" dirty="0" smtClean="0"/>
           </a:p>
           <a:p>
             <a:pPr>
@@ -12016,7 +12154,7 @@
             </a:pPr>
             <a:r>
               <a:rPr lang="de-AT" dirty="0" smtClean="0"/>
-              <a:t>Genaue Analyse der Aufgabenstellung und abstecken was noch kommen kann</a:t>
+              <a:t>ca. 11 Wochen</a:t>
             </a:r>
           </a:p>
           <a:p>
@@ -12026,21 +12164,7 @@
             </a:pPr>
             <a:r>
               <a:rPr lang="de-AT" dirty="0" smtClean="0"/>
-              <a:t>Zeitmanagement essentiell</a:t>
-            </a:r>
-          </a:p>
-          <a:p>
-            <a:pPr>
-              <a:buFont typeface="Arial" panose="020B0604020202020204" pitchFamily="34" charset="0"/>
-              <a:buChar char="•"/>
-            </a:pPr>
-            <a:r>
-              <a:rPr lang="de-AT" dirty="0" err="1" smtClean="0"/>
-              <a:t>Hibernate</a:t>
-            </a:r>
-            <a:r>
-              <a:rPr lang="de-AT" dirty="0" smtClean="0"/>
-              <a:t> -&gt; Technologie Anpassungen</a:t>
+              <a:t>~ 600 h</a:t>
             </a:r>
             <a:endParaRPr lang="de-AT" dirty="0"/>
           </a:p>
@@ -12049,13 +12173,20 @@
     </p:spTree>
     <p:extLst>
       <p:ext uri="{BB962C8B-B14F-4D97-AF65-F5344CB8AC3E}">
-        <p14:creationId xmlns:p14="http://schemas.microsoft.com/office/powerpoint/2010/main" val="3386145516"/>
+        <p14:creationId xmlns:p14="http://schemas.microsoft.com/office/powerpoint/2010/main" val="1427317626"/>
       </p:ext>
     </p:extLst>
   </p:cSld>
   <p:clrMapOvr>
     <a:masterClrMapping/>
   </p:clrMapOvr>
+  <p:timing>
+    <p:tnLst>
+      <p:par>
+        <p:cTn id="1" dur="indefinite" restart="never" nodeType="tmRoot"/>
+      </p:par>
+    </p:tnLst>
+  </p:timing>
 </p:sld>
 </file>
 
@@ -12078,90 +12209,6 @@
       </p:grpSpPr>
       <p:sp>
         <p:nvSpPr>
-          <p:cNvPr id="2" name="Titel 1"/>
-          <p:cNvSpPr>
-            <a:spLocks noGrp="1"/>
-          </p:cNvSpPr>
-          <p:nvPr>
-            <p:ph type="title"/>
-          </p:nvPr>
-        </p:nvSpPr>
-        <p:spPr/>
-        <p:txBody>
-          <a:bodyPr/>
-          <a:lstStyle/>
-          <a:p>
-            <a:r>
-              <a:rPr lang="de-AT" dirty="0" smtClean="0"/>
-              <a:t>Zeitaufwand</a:t>
-            </a:r>
-            <a:endParaRPr lang="de-AT" dirty="0"/>
-          </a:p>
-        </p:txBody>
-      </p:sp>
-      <p:sp>
-        <p:nvSpPr>
-          <p:cNvPr id="3" name="Inhaltsplatzhalter 2"/>
-          <p:cNvSpPr>
-            <a:spLocks noGrp="1"/>
-          </p:cNvSpPr>
-          <p:nvPr>
-            <p:ph idx="1"/>
-          </p:nvPr>
-        </p:nvSpPr>
-        <p:spPr/>
-        <p:txBody>
-          <a:bodyPr/>
-          <a:lstStyle/>
-          <a:p>
-            <a:pPr>
-              <a:buFont typeface="Arial" panose="020B0604020202020204" pitchFamily="34" charset="0"/>
-              <a:buChar char="•"/>
-            </a:pPr>
-            <a:r>
-              <a:rPr lang="de-AT" dirty="0" smtClean="0"/>
-              <a:t>Viel </a:t>
-            </a:r>
-            <a:r>
-              <a:rPr lang="de-AT" dirty="0" err="1" smtClean="0"/>
-              <a:t>z‘viel</a:t>
-            </a:r>
-            <a:endParaRPr lang="de-AT" dirty="0"/>
-          </a:p>
-        </p:txBody>
-      </p:sp>
-    </p:spTree>
-    <p:extLst>
-      <p:ext uri="{BB962C8B-B14F-4D97-AF65-F5344CB8AC3E}">
-        <p14:creationId xmlns:p14="http://schemas.microsoft.com/office/powerpoint/2010/main" val="1427317626"/>
-      </p:ext>
-    </p:extLst>
-  </p:cSld>
-  <p:clrMapOvr>
-    <a:masterClrMapping/>
-  </p:clrMapOvr>
-</p:sld>
-</file>
-
-<file path=ppt/slides/slide39.xml><?xml version="1.0" encoding="utf-8"?>
-<p:sld xmlns:a="http://schemas.openxmlformats.org/drawingml/2006/main" xmlns:r="http://schemas.openxmlformats.org/officeDocument/2006/relationships" xmlns:p="http://schemas.openxmlformats.org/presentationml/2006/main">
-  <p:cSld>
-    <p:spTree>
-      <p:nvGrpSpPr>
-        <p:cNvPr id="1" name=""/>
-        <p:cNvGrpSpPr/>
-        <p:nvPr/>
-      </p:nvGrpSpPr>
-      <p:grpSpPr>
-        <a:xfrm>
-          <a:off x="0" y="0"/>
-          <a:ext cx="0" cy="0"/>
-          <a:chOff x="0" y="0"/>
-          <a:chExt cx="0" cy="0"/>
-        </a:xfrm>
-      </p:grpSpPr>
-      <p:sp>
-        <p:nvSpPr>
           <p:cNvPr id="4" name="Title 3"/>
           <p:cNvSpPr>
             <a:spLocks noGrp="1"/>
@@ -12230,6 +12277,13 @@
   <p:clrMapOvr>
     <a:masterClrMapping/>
   </p:clrMapOvr>
+  <p:timing>
+    <p:tnLst>
+      <p:par>
+        <p:cTn id="1" dur="indefinite" restart="never" nodeType="tmRoot"/>
+      </p:par>
+    </p:tnLst>
+  </p:timing>
 </p:sld>
 </file>
 
@@ -15437,4 +15491,289 @@
     </a:ext>
   </a:extLst>
 </a:theme>
+</file>
+
+<file path=ppt/theme/theme3.xml><?xml version="1.0" encoding="utf-8"?>
+<a:theme xmlns:a="http://schemas.openxmlformats.org/drawingml/2006/main" name="Larissa">
+  <a:themeElements>
+    <a:clrScheme name="Larissa">
+      <a:dk1>
+        <a:sysClr val="windowText" lastClr="000000"/>
+      </a:dk1>
+      <a:lt1>
+        <a:sysClr val="window" lastClr="FFFFFF"/>
+      </a:lt1>
+      <a:dk2>
+        <a:srgbClr val="1F497D"/>
+      </a:dk2>
+      <a:lt2>
+        <a:srgbClr val="EEECE1"/>
+      </a:lt2>
+      <a:accent1>
+        <a:srgbClr val="4F81BD"/>
+      </a:accent1>
+      <a:accent2>
+        <a:srgbClr val="C0504D"/>
+      </a:accent2>
+      <a:accent3>
+        <a:srgbClr val="9BBB59"/>
+      </a:accent3>
+      <a:accent4>
+        <a:srgbClr val="8064A2"/>
+      </a:accent4>
+      <a:accent5>
+        <a:srgbClr val="4BACC6"/>
+      </a:accent5>
+      <a:accent6>
+        <a:srgbClr val="F79646"/>
+      </a:accent6>
+      <a:hlink>
+        <a:srgbClr val="0000FF"/>
+      </a:hlink>
+      <a:folHlink>
+        <a:srgbClr val="800080"/>
+      </a:folHlink>
+    </a:clrScheme>
+    <a:fontScheme name="Larissa">
+      <a:majorFont>
+        <a:latin typeface="Calibri"/>
+        <a:ea typeface=""/>
+        <a:cs typeface=""/>
+        <a:font script="Jpan" typeface="ＭＳ Ｐゴシック"/>
+        <a:font script="Hang" typeface="맑은 고딕"/>
+        <a:font script="Hans" typeface="宋体"/>
+        <a:font script="Hant" typeface="新細明體"/>
+        <a:font script="Arab" typeface="Times New Roman"/>
+        <a:font script="Hebr" typeface="Times New Roman"/>
+        <a:font script="Thai" typeface="Angsana New"/>
+        <a:font script="Ethi" typeface="Nyala"/>
+        <a:font script="Beng" typeface="Vrinda"/>
+        <a:font script="Gujr" typeface="Shruti"/>
+        <a:font script="Khmr" typeface="MoolBoran"/>
+        <a:font script="Knda" typeface="Tunga"/>
+        <a:font script="Guru" typeface="Raavi"/>
+        <a:font script="Cans" typeface="Euphemia"/>
+        <a:font script="Cher" typeface="Plantagenet Cherokee"/>
+        <a:font script="Yiii" typeface="Microsoft Yi Baiti"/>
+        <a:font script="Tibt" typeface="Microsoft Himalaya"/>
+        <a:font script="Thaa" typeface="MV Boli"/>
+        <a:font script="Deva" typeface="Mangal"/>
+        <a:font script="Telu" typeface="Gautami"/>
+        <a:font script="Taml" typeface="Latha"/>
+        <a:font script="Syrc" typeface="Estrangelo Edessa"/>
+        <a:font script="Orya" typeface="Kalinga"/>
+        <a:font script="Mlym" typeface="Kartika"/>
+        <a:font script="Laoo" typeface="DokChampa"/>
+        <a:font script="Sinh" typeface="Iskoola Pota"/>
+        <a:font script="Mong" typeface="Mongolian Baiti"/>
+        <a:font script="Viet" typeface="Times New Roman"/>
+        <a:font script="Uigh" typeface="Microsoft Uighur"/>
+        <a:font script="Geor" typeface="Sylfaen"/>
+      </a:majorFont>
+      <a:minorFont>
+        <a:latin typeface="Calibri"/>
+        <a:ea typeface=""/>
+        <a:cs typeface=""/>
+        <a:font script="Jpan" typeface="ＭＳ Ｐゴシック"/>
+        <a:font script="Hang" typeface="맑은 고딕"/>
+        <a:font script="Hans" typeface="宋体"/>
+        <a:font script="Hant" typeface="新細明體"/>
+        <a:font script="Arab" typeface="Arial"/>
+        <a:font script="Hebr" typeface="Arial"/>
+        <a:font script="Thai" typeface="Cordia New"/>
+        <a:font script="Ethi" typeface="Nyala"/>
+        <a:font script="Beng" typeface="Vrinda"/>
+        <a:font script="Gujr" typeface="Shruti"/>
+        <a:font script="Khmr" typeface="DaunPenh"/>
+        <a:font script="Knda" typeface="Tunga"/>
+        <a:font script="Guru" typeface="Raavi"/>
+        <a:font script="Cans" typeface="Euphemia"/>
+        <a:font script="Cher" typeface="Plantagenet Cherokee"/>
+        <a:font script="Yiii" typeface="Microsoft Yi Baiti"/>
+        <a:font script="Tibt" typeface="Microsoft Himalaya"/>
+        <a:font script="Thaa" typeface="MV Boli"/>
+        <a:font script="Deva" typeface="Mangal"/>
+        <a:font script="Telu" typeface="Gautami"/>
+        <a:font script="Taml" typeface="Latha"/>
+        <a:font script="Syrc" typeface="Estrangelo Edessa"/>
+        <a:font script="Orya" typeface="Kalinga"/>
+        <a:font script="Mlym" typeface="Kartika"/>
+        <a:font script="Laoo" typeface="DokChampa"/>
+        <a:font script="Sinh" typeface="Iskoola Pota"/>
+        <a:font script="Mong" typeface="Mongolian Baiti"/>
+        <a:font script="Viet" typeface="Arial"/>
+        <a:font script="Uigh" typeface="Microsoft Uighur"/>
+        <a:font script="Geor" typeface="Sylfaen"/>
+      </a:minorFont>
+    </a:fontScheme>
+    <a:fmtScheme name="Larissa">
+      <a:fillStyleLst>
+        <a:solidFill>
+          <a:schemeClr val="phClr"/>
+        </a:solidFill>
+        <a:gradFill rotWithShape="1">
+          <a:gsLst>
+            <a:gs pos="0">
+              <a:schemeClr val="phClr">
+                <a:tint val="50000"/>
+                <a:satMod val="300000"/>
+              </a:schemeClr>
+            </a:gs>
+            <a:gs pos="35000">
+              <a:schemeClr val="phClr">
+                <a:tint val="37000"/>
+                <a:satMod val="300000"/>
+              </a:schemeClr>
+            </a:gs>
+            <a:gs pos="100000">
+              <a:schemeClr val="phClr">
+                <a:tint val="15000"/>
+                <a:satMod val="350000"/>
+              </a:schemeClr>
+            </a:gs>
+          </a:gsLst>
+          <a:lin ang="16200000" scaled="1"/>
+        </a:gradFill>
+        <a:gradFill rotWithShape="1">
+          <a:gsLst>
+            <a:gs pos="0">
+              <a:schemeClr val="phClr">
+                <a:shade val="51000"/>
+                <a:satMod val="130000"/>
+              </a:schemeClr>
+            </a:gs>
+            <a:gs pos="80000">
+              <a:schemeClr val="phClr">
+                <a:shade val="93000"/>
+                <a:satMod val="130000"/>
+              </a:schemeClr>
+            </a:gs>
+            <a:gs pos="100000">
+              <a:schemeClr val="phClr">
+                <a:shade val="94000"/>
+                <a:satMod val="135000"/>
+              </a:schemeClr>
+            </a:gs>
+          </a:gsLst>
+          <a:lin ang="16200000" scaled="0"/>
+        </a:gradFill>
+      </a:fillStyleLst>
+      <a:lnStyleLst>
+        <a:ln w="9525" cap="flat" cmpd="sng" algn="ctr">
+          <a:solidFill>
+            <a:schemeClr val="phClr">
+              <a:shade val="95000"/>
+              <a:satMod val="105000"/>
+            </a:schemeClr>
+          </a:solidFill>
+          <a:prstDash val="solid"/>
+        </a:ln>
+        <a:ln w="25400" cap="flat" cmpd="sng" algn="ctr">
+          <a:solidFill>
+            <a:schemeClr val="phClr"/>
+          </a:solidFill>
+          <a:prstDash val="solid"/>
+        </a:ln>
+        <a:ln w="38100" cap="flat" cmpd="sng" algn="ctr">
+          <a:solidFill>
+            <a:schemeClr val="phClr"/>
+          </a:solidFill>
+          <a:prstDash val="solid"/>
+        </a:ln>
+      </a:lnStyleLst>
+      <a:effectStyleLst>
+        <a:effectStyle>
+          <a:effectLst>
+            <a:outerShdw blurRad="40000" dist="20000" dir="5400000" rotWithShape="0">
+              <a:srgbClr val="000000">
+                <a:alpha val="38000"/>
+              </a:srgbClr>
+            </a:outerShdw>
+          </a:effectLst>
+        </a:effectStyle>
+        <a:effectStyle>
+          <a:effectLst>
+            <a:outerShdw blurRad="40000" dist="23000" dir="5400000" rotWithShape="0">
+              <a:srgbClr val="000000">
+                <a:alpha val="35000"/>
+              </a:srgbClr>
+            </a:outerShdw>
+          </a:effectLst>
+        </a:effectStyle>
+        <a:effectStyle>
+          <a:effectLst>
+            <a:outerShdw blurRad="40000" dist="23000" dir="5400000" rotWithShape="0">
+              <a:srgbClr val="000000">
+                <a:alpha val="35000"/>
+              </a:srgbClr>
+            </a:outerShdw>
+          </a:effectLst>
+          <a:scene3d>
+            <a:camera prst="orthographicFront">
+              <a:rot lat="0" lon="0" rev="0"/>
+            </a:camera>
+            <a:lightRig rig="threePt" dir="t">
+              <a:rot lat="0" lon="0" rev="1200000"/>
+            </a:lightRig>
+          </a:scene3d>
+          <a:sp3d>
+            <a:bevelT w="63500" h="25400"/>
+          </a:sp3d>
+        </a:effectStyle>
+      </a:effectStyleLst>
+      <a:bgFillStyleLst>
+        <a:solidFill>
+          <a:schemeClr val="phClr"/>
+        </a:solidFill>
+        <a:gradFill rotWithShape="1">
+          <a:gsLst>
+            <a:gs pos="0">
+              <a:schemeClr val="phClr">
+                <a:tint val="40000"/>
+                <a:satMod val="350000"/>
+              </a:schemeClr>
+            </a:gs>
+            <a:gs pos="40000">
+              <a:schemeClr val="phClr">
+                <a:tint val="45000"/>
+                <a:shade val="99000"/>
+                <a:satMod val="350000"/>
+              </a:schemeClr>
+            </a:gs>
+            <a:gs pos="100000">
+              <a:schemeClr val="phClr">
+                <a:shade val="20000"/>
+                <a:satMod val="255000"/>
+              </a:schemeClr>
+            </a:gs>
+          </a:gsLst>
+          <a:path path="circle">
+            <a:fillToRect l="50000" t="-80000" r="50000" b="180000"/>
+          </a:path>
+        </a:gradFill>
+        <a:gradFill rotWithShape="1">
+          <a:gsLst>
+            <a:gs pos="0">
+              <a:schemeClr val="phClr">
+                <a:tint val="80000"/>
+                <a:satMod val="300000"/>
+              </a:schemeClr>
+            </a:gs>
+            <a:gs pos="100000">
+              <a:schemeClr val="phClr">
+                <a:shade val="30000"/>
+                <a:satMod val="200000"/>
+              </a:schemeClr>
+            </a:gs>
+          </a:gsLst>
+          <a:path path="circle">
+            <a:fillToRect l="50000" t="50000" r="50000" b="50000"/>
+          </a:path>
+        </a:gradFill>
+      </a:bgFillStyleLst>
+    </a:fmtScheme>
+  </a:themeElements>
+  <a:objectDefaults/>
+  <a:extraClrSchemeLst/>
+</a:theme>
 </file>
--- a/Presentation/Presentation.pptx
+++ b/Presentation/Presentation.pptx
@@ -5,7 +5,7 @@
     <p:sldMasterId id="2147483720" r:id="rId1"/>
   </p:sldMasterIdLst>
   <p:notesMasterIdLst>
-    <p:notesMasterId r:id="rId41"/>
+    <p:notesMasterId r:id="rId48"/>
   </p:notesMasterIdLst>
   <p:sldIdLst>
     <p:sldId id="256" r:id="rId2"/>
@@ -26,27 +26,34 @@
     <p:sldId id="284" r:id="rId17"/>
     <p:sldId id="285" r:id="rId18"/>
     <p:sldId id="286" r:id="rId19"/>
-    <p:sldId id="292" r:id="rId20"/>
-    <p:sldId id="290" r:id="rId21"/>
-    <p:sldId id="291" r:id="rId22"/>
-    <p:sldId id="293" r:id="rId23"/>
-    <p:sldId id="294" r:id="rId24"/>
-    <p:sldId id="297" r:id="rId25"/>
-    <p:sldId id="296" r:id="rId26"/>
-    <p:sldId id="295" r:id="rId27"/>
-    <p:sldId id="259" r:id="rId28"/>
-    <p:sldId id="260" r:id="rId29"/>
-    <p:sldId id="261" r:id="rId30"/>
-    <p:sldId id="262" r:id="rId31"/>
-    <p:sldId id="263" r:id="rId32"/>
-    <p:sldId id="264" r:id="rId33"/>
-    <p:sldId id="265" r:id="rId34"/>
-    <p:sldId id="266" r:id="rId35"/>
-    <p:sldId id="267" r:id="rId36"/>
-    <p:sldId id="298" r:id="rId37"/>
-    <p:sldId id="268" r:id="rId38"/>
-    <p:sldId id="269" r:id="rId39"/>
-    <p:sldId id="299" r:id="rId40"/>
+    <p:sldId id="300" r:id="rId20"/>
+    <p:sldId id="301" r:id="rId21"/>
+    <p:sldId id="302" r:id="rId22"/>
+    <p:sldId id="303" r:id="rId23"/>
+    <p:sldId id="304" r:id="rId24"/>
+    <p:sldId id="305" r:id="rId25"/>
+    <p:sldId id="306" r:id="rId26"/>
+    <p:sldId id="292" r:id="rId27"/>
+    <p:sldId id="290" r:id="rId28"/>
+    <p:sldId id="291" r:id="rId29"/>
+    <p:sldId id="293" r:id="rId30"/>
+    <p:sldId id="294" r:id="rId31"/>
+    <p:sldId id="297" r:id="rId32"/>
+    <p:sldId id="296" r:id="rId33"/>
+    <p:sldId id="295" r:id="rId34"/>
+    <p:sldId id="259" r:id="rId35"/>
+    <p:sldId id="260" r:id="rId36"/>
+    <p:sldId id="261" r:id="rId37"/>
+    <p:sldId id="262" r:id="rId38"/>
+    <p:sldId id="263" r:id="rId39"/>
+    <p:sldId id="264" r:id="rId40"/>
+    <p:sldId id="265" r:id="rId41"/>
+    <p:sldId id="266" r:id="rId42"/>
+    <p:sldId id="267" r:id="rId43"/>
+    <p:sldId id="298" r:id="rId44"/>
+    <p:sldId id="268" r:id="rId45"/>
+    <p:sldId id="269" r:id="rId46"/>
+    <p:sldId id="299" r:id="rId47"/>
   </p:sldIdLst>
   <p:sldSz cx="12192000" cy="6858000"/>
   <p:notesSz cx="6858000" cy="9144000"/>
@@ -178,6 +185,17 @@
             <p14:sldId id="286"/>
           </p14:sldIdLst>
         </p14:section>
+        <p14:section name="Website" id="{75DF18E4-0E0E-4697-B872-C4D0EBE00BB7}">
+          <p14:sldIdLst>
+            <p14:sldId id="300"/>
+            <p14:sldId id="301"/>
+            <p14:sldId id="302"/>
+            <p14:sldId id="303"/>
+            <p14:sldId id="304"/>
+            <p14:sldId id="305"/>
+            <p14:sldId id="306"/>
+          </p14:sldIdLst>
+        </p14:section>
         <p14:section name="Corba und Webservices" id="{706E1401-3096-4ED3-881E-C533BDDE9386}">
           <p14:sldIdLst>
             <p14:sldId id="292"/>
@@ -222,7 +240,7 @@
   <p:cmAuthor id="1" name="Thomas Schwarz" initials="TS" lastIdx="1" clrIdx="0">
     <p:extLst>
       <p:ext uri="{19B8F6BF-5375-455C-9EA6-DF929625EA0E}">
-        <p15:presenceInfo xmlns="" xmlns:p15="http://schemas.microsoft.com/office/powerpoint/2012/main" userId="953c7d0488bacd35" providerId="Windows Live"/>
+        <p15:presenceInfo xmlns:p15="http://schemas.microsoft.com/office/powerpoint/2012/main" xmlns="" userId="953c7d0488bacd35" providerId="Windows Live"/>
       </p:ext>
     </p:extLst>
   </p:cmAuthor>
@@ -236,7 +254,7 @@
     <p:text>Bracht es diese Folie, das selbe steht auf Folie 30</p:text>
     <p:extLst>
       <p:ext uri="{C676402C-5697-4E1C-873F-D02D1690AC5C}">
-        <p15:threadingInfo xmlns="" xmlns:p15="http://schemas.microsoft.com/office/powerpoint/2012/main" timeZoneBias="-60"/>
+        <p15:threadingInfo xmlns:p15="http://schemas.microsoft.com/office/powerpoint/2012/main" xmlns="" timeZoneBias="-60"/>
       </p:ext>
     </p:extLst>
   </p:cm>
@@ -639,11 +657,7 @@
           <a:p>
             <a:r>
               <a:rPr lang="de-AT" dirty="0" smtClean="0"/>
-              <a:t>Server </a:t>
-            </a:r>
-            <a:r>
-              <a:rPr lang="de-AT" dirty="0" smtClean="0"/>
-              <a:t>startet</a:t>
+              <a:t>Server startet</a:t>
             </a:r>
             <a:r>
               <a:rPr lang="de-AT" baseline="0" dirty="0" smtClean="0"/>
@@ -1104,7 +1118,7 @@
           <a:p>
             <a:fld id="{5E424E5C-960A-40AF-91BF-B49DEF3D51D8}" type="slidenum">
               <a:rPr lang="de-AT" smtClean="0"/>
-              <a:t>32</a:t>
+              <a:t>39</a:t>
             </a:fld>
             <a:endParaRPr lang="de-AT"/>
           </a:p>
@@ -1373,7 +1387,7 @@
           <a:p>
             <a:fld id="{5E424E5C-960A-40AF-91BF-B49DEF3D51D8}" type="slidenum">
               <a:rPr lang="de-AT" smtClean="0"/>
-              <a:t>33</a:t>
+              <a:t>40</a:t>
             </a:fld>
             <a:endParaRPr lang="de-AT"/>
           </a:p>
@@ -1535,7 +1549,7 @@
           <a:p>
             <a:fld id="{5E424E5C-960A-40AF-91BF-B49DEF3D51D8}" type="slidenum">
               <a:rPr lang="de-AT" smtClean="0"/>
-              <a:t>34</a:t>
+              <a:t>41</a:t>
             </a:fld>
             <a:endParaRPr lang="de-AT"/>
           </a:p>
@@ -1684,7 +1698,7 @@
           <a:p>
             <a:fld id="{5E424E5C-960A-40AF-91BF-B49DEF3D51D8}" type="slidenum">
               <a:rPr lang="de-AT" smtClean="0"/>
-              <a:t>35</a:t>
+              <a:t>42</a:t>
             </a:fld>
             <a:endParaRPr lang="de-AT"/>
           </a:p>
@@ -2500,7 +2514,7 @@
           <a:p>
             <a:fld id="{5E424E5C-960A-40AF-91BF-B49DEF3D51D8}" type="slidenum">
               <a:rPr lang="de-AT" smtClean="0"/>
-              <a:t>28</a:t>
+              <a:t>35</a:t>
             </a:fld>
             <a:endParaRPr lang="de-AT"/>
           </a:p>
@@ -2608,7 +2622,7 @@
           <a:p>
             <a:fld id="{5E424E5C-960A-40AF-91BF-B49DEF3D51D8}" type="slidenum">
               <a:rPr lang="de-AT" smtClean="0"/>
-              <a:t>29</a:t>
+              <a:t>36</a:t>
             </a:fld>
             <a:endParaRPr lang="de-AT"/>
           </a:p>
@@ -2708,7 +2722,7 @@
           <a:p>
             <a:fld id="{5E424E5C-960A-40AF-91BF-B49DEF3D51D8}" type="slidenum">
               <a:rPr lang="de-AT" smtClean="0"/>
-              <a:t>30</a:t>
+              <a:t>37</a:t>
             </a:fld>
             <a:endParaRPr lang="de-AT"/>
           </a:p>
@@ -2895,7 +2909,7 @@
           <a:p>
             <a:fld id="{5E424E5C-960A-40AF-91BF-B49DEF3D51D8}" type="slidenum">
               <a:rPr lang="de-AT" smtClean="0"/>
-              <a:t>31</a:t>
+              <a:t>38</a:t>
             </a:fld>
             <a:endParaRPr lang="de-AT"/>
           </a:p>
@@ -7559,12 +7573,8 @@
           <a:lstStyle/>
           <a:p>
             <a:r>
-              <a:rPr lang="de-AT" dirty="0" err="1" smtClean="0"/>
-              <a:t>Corba</a:t>
-            </a:r>
-            <a:r>
               <a:rPr lang="de-AT" dirty="0" smtClean="0"/>
-              <a:t> vs. Webservice</a:t>
+              <a:t>Website</a:t>
             </a:r>
             <a:endParaRPr lang="de-AT" dirty="0"/>
           </a:p>
@@ -7572,7 +7582,7 @@
       </p:sp>
       <p:sp>
         <p:nvSpPr>
-          <p:cNvPr id="3" name="Content Placeholder 2"/>
+          <p:cNvPr id="3" name="Text Placeholder 2"/>
           <p:cNvSpPr>
             <a:spLocks noGrp="1"/>
           </p:cNvSpPr>
@@ -7587,19 +7597,20 @@
           <a:p>
             <a:r>
               <a:rPr lang="de-AT" dirty="0" smtClean="0"/>
-              <a:t>Beide Technologien bearbeiten das selbe Feld</a:t>
+              <a:t>Einleitung, Designentscheidung,</a:t>
             </a:r>
           </a:p>
           <a:p>
             <a:r>
               <a:rPr lang="de-AT" dirty="0" smtClean="0"/>
-              <a:t>Was ist besser?</a:t>
-            </a:r>
-          </a:p>
-          <a:p>
-            <a:pPr marL="0" indent="0">
-              <a:buNone/>
-            </a:pPr>
+              <a:t>Technologien,  Realisierung, </a:t>
+            </a:r>
+          </a:p>
+          <a:p>
+            <a:r>
+              <a:rPr lang="de-AT" dirty="0" smtClean="0"/>
+              <a:t>Kritik</a:t>
+            </a:r>
             <a:endParaRPr lang="de-AT" dirty="0"/>
           </a:p>
         </p:txBody>
@@ -7607,13 +7618,20 @@
     </p:spTree>
     <p:extLst>
       <p:ext uri="{BB962C8B-B14F-4D97-AF65-F5344CB8AC3E}">
-        <p14:creationId xmlns:p14="http://schemas.microsoft.com/office/powerpoint/2010/main" val="3473902407"/>
+        <p14:creationId xmlns:p14="http://schemas.microsoft.com/office/powerpoint/2010/main" val="1499907731"/>
       </p:ext>
     </p:extLst>
   </p:cSld>
   <p:clrMapOvr>
     <a:masterClrMapping/>
   </p:clrMapOvr>
+  <p:timing>
+    <p:tnLst>
+      <p:par>
+        <p:cTn id="1" dur="indefinite" restart="never" nodeType="tmRoot"/>
+      </p:par>
+    </p:tnLst>
+  </p:timing>
 </p:sld>
 </file>
 
@@ -7766,12 +7784,12 @@
       </p:grpSpPr>
       <p:sp>
         <p:nvSpPr>
-          <p:cNvPr id="5" name="Text Placeholder 4"/>
-          <p:cNvSpPr>
-            <a:spLocks noGrp="1"/>
-          </p:cNvSpPr>
-          <p:nvPr>
-            <p:ph type="body" idx="1"/>
+          <p:cNvPr id="2" name="Titel 1"/>
+          <p:cNvSpPr>
+            <a:spLocks noGrp="1"/>
+          </p:cNvSpPr>
+          <p:nvPr>
+            <p:ph type="title"/>
           </p:nvPr>
         </p:nvSpPr>
         <p:spPr/>
@@ -7780,303 +7798,21 @@
           <a:lstStyle/>
           <a:p>
             <a:r>
-              <a:rPr lang="de-AT" dirty="0" err="1" smtClean="0"/>
-              <a:t>Corba</a:t>
-            </a:r>
-            <a:r>
-              <a:rPr lang="de-AT" dirty="0" smtClean="0"/>
-              <a:t> </a:t>
-            </a:r>
-            <a:r>
-              <a:rPr lang="de-AT" dirty="0" smtClean="0">
-                <a:solidFill>
-                  <a:srgbClr val="FF0000"/>
-                </a:solidFill>
-              </a:rPr>
-              <a:t>IDL</a:t>
-            </a:r>
-            <a:endParaRPr lang="de-AT" dirty="0">
-              <a:solidFill>
-                <a:srgbClr val="FF0000"/>
-              </a:solidFill>
-            </a:endParaRPr>
-          </a:p>
-        </p:txBody>
-      </p:sp>
-      <p:sp>
-        <p:nvSpPr>
-          <p:cNvPr id="3" name="Content Placeholder 2"/>
-          <p:cNvSpPr>
-            <a:spLocks noGrp="1"/>
-          </p:cNvSpPr>
-          <p:nvPr>
-            <p:ph sz="half" idx="2"/>
-          </p:nvPr>
-        </p:nvSpPr>
-        <p:spPr/>
-        <p:txBody>
-          <a:bodyPr>
-            <a:normAutofit fontScale="70000" lnSpcReduction="20000"/>
-          </a:bodyPr>
-          <a:lstStyle/>
-          <a:p>
-            <a:pPr marL="0" indent="0">
-              <a:buNone/>
-            </a:pPr>
-            <a:r>
-              <a:rPr lang="de-AT" sz="2000" dirty="0" err="1" smtClean="0">
-                <a:solidFill>
-                  <a:srgbClr val="FF0000"/>
-                </a:solidFill>
-              </a:rPr>
-              <a:t>interface</a:t>
-            </a:r>
-            <a:r>
-              <a:rPr lang="de-AT" sz="2000" dirty="0" smtClean="0">
-                <a:solidFill>
-                  <a:srgbClr val="FF0000"/>
-                </a:solidFill>
-              </a:rPr>
-              <a:t> </a:t>
-            </a:r>
-            <a:r>
-              <a:rPr lang="de-AT" sz="2000" dirty="0" err="1" smtClean="0"/>
-              <a:t>MatchresultDataprovider</a:t>
-            </a:r>
-            <a:endParaRPr lang="de-AT" sz="2000" dirty="0" smtClean="0"/>
-          </a:p>
-          <a:p>
-            <a:pPr marL="0" indent="0">
-              <a:buNone/>
-            </a:pPr>
-            <a:r>
-              <a:rPr lang="de-AT" sz="2000" dirty="0" smtClean="0"/>
-              <a:t>       {</a:t>
-            </a:r>
-          </a:p>
-          <a:p>
-            <a:pPr marL="0" indent="0">
-              <a:buNone/>
-            </a:pPr>
-            <a:r>
-              <a:rPr lang="de-AT" sz="2000" dirty="0" smtClean="0"/>
-              <a:t>            </a:t>
-            </a:r>
-            <a:r>
-              <a:rPr lang="de-AT" sz="2000" dirty="0" err="1" smtClean="0"/>
-              <a:t>MatchresultListCorba</a:t>
-            </a:r>
-            <a:r>
-              <a:rPr lang="de-AT" sz="2000" dirty="0" smtClean="0"/>
-              <a:t> </a:t>
-            </a:r>
-            <a:r>
-              <a:rPr lang="de-AT" sz="2000" dirty="0" err="1" smtClean="0"/>
-              <a:t>getMatchresults</a:t>
-            </a:r>
-            <a:r>
-              <a:rPr lang="de-AT" sz="2000" dirty="0" smtClean="0"/>
-              <a:t>(</a:t>
-            </a:r>
-          </a:p>
-          <a:p>
-            <a:pPr marL="0" indent="0">
-              <a:buNone/>
-            </a:pPr>
-            <a:r>
-              <a:rPr lang="de-AT" sz="2000" dirty="0" smtClean="0"/>
-              <a:t>		</a:t>
-            </a:r>
-            <a:r>
-              <a:rPr lang="de-AT" sz="2000" dirty="0" smtClean="0">
-                <a:solidFill>
-                  <a:srgbClr val="FF0000"/>
-                </a:solidFill>
-              </a:rPr>
-              <a:t>in</a:t>
-            </a:r>
-            <a:r>
-              <a:rPr lang="de-AT" sz="2000" dirty="0" smtClean="0"/>
-              <a:t> </a:t>
-            </a:r>
-            <a:r>
-              <a:rPr lang="de-AT" sz="2000" dirty="0" err="1" smtClean="0"/>
-              <a:t>string</a:t>
-            </a:r>
-            <a:r>
-              <a:rPr lang="de-AT" sz="2000" dirty="0" smtClean="0"/>
-              <a:t> </a:t>
-            </a:r>
-            <a:r>
-              <a:rPr lang="de-AT" sz="2000" dirty="0" err="1" smtClean="0"/>
-              <a:t>typeOfSport</a:t>
-            </a:r>
-            <a:r>
-              <a:rPr lang="de-AT" sz="2000" dirty="0" smtClean="0"/>
-              <a:t>,</a:t>
-            </a:r>
-          </a:p>
-          <a:p>
-            <a:pPr marL="0" indent="0">
-              <a:buNone/>
-            </a:pPr>
-            <a:r>
-              <a:rPr lang="de-AT" sz="2000" dirty="0" smtClean="0"/>
-              <a:t>		</a:t>
-            </a:r>
-            <a:r>
-              <a:rPr lang="de-AT" sz="2000" dirty="0" smtClean="0">
-                <a:solidFill>
-                  <a:srgbClr val="FF0000"/>
-                </a:solidFill>
-              </a:rPr>
-              <a:t>in</a:t>
-            </a:r>
-            <a:r>
-              <a:rPr lang="de-AT" sz="2000" dirty="0" smtClean="0"/>
-              <a:t> </a:t>
-            </a:r>
-            <a:r>
-              <a:rPr lang="de-AT" sz="2000" dirty="0" err="1" smtClean="0"/>
-              <a:t>string</a:t>
-            </a:r>
-            <a:r>
-              <a:rPr lang="de-AT" sz="2000" dirty="0" smtClean="0"/>
-              <a:t> </a:t>
-            </a:r>
-            <a:r>
-              <a:rPr lang="de-AT" sz="2000" dirty="0" err="1" smtClean="0"/>
-              <a:t>league</a:t>
-            </a:r>
-            <a:r>
-              <a:rPr lang="de-AT" sz="2000" dirty="0" smtClean="0"/>
-              <a:t>,</a:t>
-            </a:r>
-          </a:p>
-          <a:p>
-            <a:pPr marL="0" indent="0">
-              <a:buNone/>
-            </a:pPr>
-            <a:r>
-              <a:rPr lang="de-AT" sz="2000" dirty="0" smtClean="0"/>
-              <a:t>		</a:t>
-            </a:r>
-            <a:r>
-              <a:rPr lang="de-AT" sz="2000" dirty="0" smtClean="0">
-                <a:solidFill>
-                  <a:srgbClr val="FF0000"/>
-                </a:solidFill>
-              </a:rPr>
-              <a:t>in</a:t>
-            </a:r>
-            <a:r>
-              <a:rPr lang="de-AT" sz="2000" dirty="0" smtClean="0"/>
-              <a:t> </a:t>
-            </a:r>
-            <a:r>
-              <a:rPr lang="de-AT" sz="2000" dirty="0" err="1" smtClean="0"/>
-              <a:t>string</a:t>
-            </a:r>
-            <a:r>
-              <a:rPr lang="de-AT" sz="2000" dirty="0" smtClean="0"/>
-              <a:t> </a:t>
-            </a:r>
-            <a:r>
-              <a:rPr lang="de-AT" sz="2000" dirty="0" err="1" smtClean="0"/>
-              <a:t>compdate</a:t>
-            </a:r>
-            <a:r>
-              <a:rPr lang="de-AT" sz="2000" dirty="0" smtClean="0"/>
-              <a:t>);</a:t>
-            </a:r>
-          </a:p>
-          <a:p>
-            <a:pPr marL="0" indent="0">
-              <a:buNone/>
-            </a:pPr>
-            <a:endParaRPr lang="de-AT" sz="2000" dirty="0" smtClean="0"/>
-          </a:p>
-          <a:p>
-            <a:pPr marL="0" indent="0">
-              <a:buNone/>
-            </a:pPr>
-            <a:r>
-              <a:rPr lang="de-AT" sz="2000" dirty="0" smtClean="0"/>
-              <a:t>         </a:t>
-            </a:r>
-            <a:r>
-              <a:rPr lang="de-AT" sz="2000" dirty="0" err="1" smtClean="0"/>
-              <a:t>boolean</a:t>
-            </a:r>
-            <a:r>
-              <a:rPr lang="de-AT" sz="2000" dirty="0" smtClean="0"/>
-              <a:t> </a:t>
-            </a:r>
-            <a:r>
-              <a:rPr lang="de-AT" sz="2000" dirty="0" err="1" smtClean="0"/>
-              <a:t>isMatchresultFinal</a:t>
-            </a:r>
-            <a:r>
-              <a:rPr lang="de-AT" sz="2000" dirty="0" smtClean="0"/>
-              <a:t>(</a:t>
-            </a:r>
-          </a:p>
-          <a:p>
-            <a:pPr marL="0" indent="0">
-              <a:buNone/>
-            </a:pPr>
-            <a:r>
-              <a:rPr lang="de-AT" sz="2000" dirty="0" smtClean="0"/>
-              <a:t>		</a:t>
-            </a:r>
-            <a:r>
-              <a:rPr lang="de-AT" sz="2000" dirty="0" smtClean="0">
-                <a:solidFill>
-                  <a:srgbClr val="FF0000"/>
-                </a:solidFill>
-              </a:rPr>
-              <a:t>in</a:t>
-            </a:r>
-            <a:r>
-              <a:rPr lang="de-AT" sz="2000" dirty="0" smtClean="0"/>
-              <a:t> </a:t>
-            </a:r>
-            <a:r>
-              <a:rPr lang="de-AT" sz="2000" dirty="0" err="1" smtClean="0"/>
-              <a:t>MatchresultCorba</a:t>
-            </a:r>
-            <a:r>
-              <a:rPr lang="de-AT" sz="2000" dirty="0" smtClean="0"/>
-              <a:t> </a:t>
-            </a:r>
-            <a:r>
-              <a:rPr lang="de-AT" sz="2000" dirty="0" err="1" smtClean="0"/>
-              <a:t>result</a:t>
-            </a:r>
-            <a:r>
-              <a:rPr lang="de-AT" sz="2000" dirty="0" smtClean="0"/>
-              <a:t>); </a:t>
-            </a:r>
-          </a:p>
-          <a:p>
-            <a:pPr marL="0" indent="0">
-              <a:buNone/>
-            </a:pPr>
-            <a:r>
-              <a:rPr lang="de-AT" sz="2000" dirty="0" smtClean="0"/>
-              <a:t>        };</a:t>
-            </a:r>
-          </a:p>
-        </p:txBody>
-      </p:sp>
-      <p:sp>
-        <p:nvSpPr>
-          <p:cNvPr id="6" name="Text Placeholder 5"/>
-          <p:cNvSpPr>
-            <a:spLocks noGrp="1"/>
-          </p:cNvSpPr>
-          <p:nvPr>
-            <p:ph type="body" sz="quarter" idx="3"/>
+              <a:rPr lang="de-DE" dirty="0"/>
+              <a:t>Einleitung</a:t>
+            </a:r>
+            <a:endParaRPr lang="de-DE" dirty="0"/>
+          </a:p>
+        </p:txBody>
+      </p:sp>
+      <p:sp>
+        <p:nvSpPr>
+          <p:cNvPr id="3" name="Inhaltsplatzhalter 2"/>
+          <p:cNvSpPr>
+            <a:spLocks noGrp="1"/>
+          </p:cNvSpPr>
+          <p:nvPr>
+            <p:ph idx="1"/>
           </p:nvPr>
         </p:nvSpPr>
         <p:spPr/>
@@ -8084,261 +7820,70 @@
           <a:bodyPr/>
           <a:lstStyle/>
           <a:p>
-            <a:r>
-              <a:rPr lang="de-AT" dirty="0" smtClean="0"/>
-              <a:t>Webservices</a:t>
-            </a:r>
-            <a:endParaRPr lang="de-AT" dirty="0"/>
-          </a:p>
-        </p:txBody>
-      </p:sp>
-      <p:sp>
-        <p:nvSpPr>
-          <p:cNvPr id="4" name="Content Placeholder 3"/>
-          <p:cNvSpPr>
-            <a:spLocks noGrp="1"/>
-          </p:cNvSpPr>
-          <p:nvPr>
-            <p:ph sz="quarter" idx="4"/>
-          </p:nvPr>
-        </p:nvSpPr>
-        <p:spPr/>
-        <p:txBody>
-          <a:bodyPr>
-            <a:normAutofit fontScale="85000" lnSpcReduction="10000"/>
-          </a:bodyPr>
-          <a:lstStyle/>
-          <a:p>
-            <a:pPr marL="0" indent="0">
-              <a:buNone/>
-            </a:pPr>
-            <a:r>
-              <a:rPr lang="en-US" sz="2000" dirty="0" smtClean="0">
-                <a:solidFill>
-                  <a:srgbClr val="FF0000"/>
-                </a:solidFill>
-              </a:rPr>
-              <a:t>@</a:t>
-            </a:r>
-            <a:r>
-              <a:rPr lang="en-US" sz="2000" dirty="0" err="1" smtClean="0">
-                <a:solidFill>
-                  <a:srgbClr val="FF0000"/>
-                </a:solidFill>
-              </a:rPr>
-              <a:t>WebService</a:t>
-            </a:r>
-            <a:r>
-              <a:rPr lang="en-US" sz="2000" dirty="0" smtClean="0">
-                <a:solidFill>
-                  <a:srgbClr val="FF0000"/>
-                </a:solidFill>
-              </a:rPr>
-              <a:t>(name = "</a:t>
-            </a:r>
-            <a:r>
-              <a:rPr lang="en-US" sz="2000" dirty="0" err="1" smtClean="0">
-                <a:solidFill>
-                  <a:srgbClr val="FF0000"/>
-                </a:solidFill>
-              </a:rPr>
-              <a:t>MatchSvc</a:t>
-            </a:r>
-            <a:r>
-              <a:rPr lang="en-US" sz="2000" dirty="0" smtClean="0">
-                <a:solidFill>
-                  <a:srgbClr val="FF0000"/>
-                </a:solidFill>
-              </a:rPr>
-              <a:t>")</a:t>
-            </a:r>
-          </a:p>
-          <a:p>
-            <a:pPr marL="0" indent="0">
-              <a:buNone/>
-            </a:pPr>
-            <a:r>
-              <a:rPr lang="en-US" sz="2000" dirty="0" smtClean="0"/>
-              <a:t>public class </a:t>
-            </a:r>
-            <a:r>
-              <a:rPr lang="en-US" sz="2000" dirty="0" err="1" smtClean="0"/>
-              <a:t>MatchService</a:t>
-            </a:r>
-            <a:endParaRPr lang="en-US" sz="2000" dirty="0" smtClean="0"/>
-          </a:p>
-          <a:p>
-            <a:pPr marL="0" indent="0">
-              <a:buNone/>
-            </a:pPr>
-            <a:r>
-              <a:rPr lang="en-US" sz="2000" dirty="0" smtClean="0"/>
-              <a:t>{</a:t>
-            </a:r>
-          </a:p>
-          <a:p>
-            <a:pPr marL="0" indent="0">
-              <a:buNone/>
-            </a:pPr>
-            <a:r>
-              <a:rPr lang="en-US" sz="2000" dirty="0" smtClean="0"/>
-              <a:t>    public </a:t>
-            </a:r>
-            <a:r>
-              <a:rPr lang="en-US" sz="2000" dirty="0" smtClean="0">
-                <a:solidFill>
-                  <a:srgbClr val="FF0000"/>
-                </a:solidFill>
-              </a:rPr>
-              <a:t>List&lt;</a:t>
-            </a:r>
-            <a:r>
-              <a:rPr lang="en-US" sz="2000" dirty="0" err="1" smtClean="0">
-                <a:solidFill>
-                  <a:srgbClr val="FF0000"/>
-                </a:solidFill>
-              </a:rPr>
-              <a:t>MatchresultWs</a:t>
-            </a:r>
-            <a:r>
-              <a:rPr lang="en-US" sz="2000" dirty="0" smtClean="0">
-                <a:solidFill>
-                  <a:srgbClr val="FF0000"/>
-                </a:solidFill>
-              </a:rPr>
-              <a:t>&gt; </a:t>
-            </a:r>
-            <a:r>
-              <a:rPr lang="en-US" sz="2000" dirty="0" err="1" smtClean="0"/>
-              <a:t>getMatches</a:t>
-            </a:r>
-            <a:r>
-              <a:rPr lang="en-US" sz="2000" dirty="0" smtClean="0"/>
-              <a:t>(</a:t>
-            </a:r>
-            <a:r>
-              <a:rPr lang="en-US" sz="2000" dirty="0" smtClean="0">
-                <a:solidFill>
-                  <a:srgbClr val="FF0000"/>
-                </a:solidFill>
-              </a:rPr>
-              <a:t>String</a:t>
-            </a:r>
-            <a:r>
-              <a:rPr lang="en-US" sz="2000" dirty="0" smtClean="0"/>
-              <a:t> </a:t>
-            </a:r>
-            <a:r>
-              <a:rPr lang="en-US" sz="2000" dirty="0" err="1" smtClean="0"/>
-              <a:t>competitiondate</a:t>
-            </a:r>
-            <a:r>
-              <a:rPr lang="en-US" sz="2000" dirty="0" smtClean="0"/>
-              <a:t>, </a:t>
-            </a:r>
-            <a:r>
-              <a:rPr lang="en-US" sz="2000" dirty="0" smtClean="0">
-                <a:solidFill>
-                  <a:srgbClr val="FF0000"/>
-                </a:solidFill>
-              </a:rPr>
-              <a:t>String</a:t>
-            </a:r>
-            <a:r>
-              <a:rPr lang="en-US" sz="2000" dirty="0" smtClean="0"/>
-              <a:t> league, </a:t>
-            </a:r>
-            <a:r>
-              <a:rPr lang="en-US" sz="2000" dirty="0" smtClean="0">
-                <a:solidFill>
-                  <a:srgbClr val="FF0000"/>
-                </a:solidFill>
-              </a:rPr>
-              <a:t>String</a:t>
-            </a:r>
-            <a:r>
-              <a:rPr lang="en-US" sz="2000" dirty="0" smtClean="0"/>
-              <a:t> </a:t>
-            </a:r>
-            <a:r>
-              <a:rPr lang="en-US" sz="2000" dirty="0" err="1" smtClean="0"/>
-              <a:t>typeOfSport</a:t>
-            </a:r>
-            <a:r>
-              <a:rPr lang="en-US" sz="2000" dirty="0" smtClean="0"/>
-              <a:t>)</a:t>
-            </a:r>
-          </a:p>
-          <a:p>
-            <a:pPr marL="0" indent="0">
-              <a:buNone/>
-            </a:pPr>
-            <a:r>
-              <a:rPr lang="en-US" sz="2000" dirty="0" smtClean="0"/>
-              <a:t>    {</a:t>
-            </a:r>
-          </a:p>
-          <a:p>
-            <a:pPr marL="0" indent="0">
-              <a:buNone/>
-            </a:pPr>
-            <a:r>
-              <a:rPr lang="en-US" sz="2000" dirty="0" smtClean="0"/>
-              <a:t>…</a:t>
-            </a:r>
-          </a:p>
-          <a:p>
-            <a:pPr marL="0" indent="0">
-              <a:buNone/>
-            </a:pPr>
-            <a:r>
-              <a:rPr lang="en-US" sz="2000" dirty="0"/>
-              <a:t> </a:t>
-            </a:r>
-            <a:r>
-              <a:rPr lang="en-US" sz="2000" dirty="0" smtClean="0"/>
-              <a:t>    }</a:t>
-            </a:r>
-          </a:p>
-          <a:p>
-            <a:pPr marL="0" indent="0">
-              <a:buNone/>
-            </a:pPr>
-            <a:r>
-              <a:rPr lang="en-US" sz="2000" dirty="0"/>
-              <a:t>}</a:t>
-            </a:r>
-            <a:endParaRPr lang="de-AT" sz="2000" dirty="0"/>
-          </a:p>
-        </p:txBody>
-      </p:sp>
-      <p:sp>
-        <p:nvSpPr>
-          <p:cNvPr id="2" name="Title 1"/>
-          <p:cNvSpPr>
-            <a:spLocks noGrp="1"/>
-          </p:cNvSpPr>
-          <p:nvPr>
-            <p:ph type="title"/>
-          </p:nvPr>
-        </p:nvSpPr>
-        <p:spPr/>
-        <p:txBody>
-          <a:bodyPr/>
-          <a:lstStyle/>
-          <a:p>
-            <a:r>
-              <a:rPr lang="de-AT" dirty="0" smtClean="0"/>
-              <a:t>Interfacedefinition</a:t>
-            </a:r>
-            <a:endParaRPr lang="de-AT" dirty="0"/>
+            <a:pPr>
+              <a:buFont typeface="Arial" pitchFamily="34" charset="0"/>
+              <a:buChar char="•"/>
+            </a:pPr>
+            <a:r>
+              <a:rPr lang="de-DE" dirty="0"/>
+              <a:t>Darstellung ohne FAT Client</a:t>
+            </a:r>
+          </a:p>
+          <a:p>
+            <a:pPr>
+              <a:buFont typeface="Arial" pitchFamily="34" charset="0"/>
+              <a:buChar char="•"/>
+            </a:pPr>
+            <a:r>
+              <a:rPr lang="de-DE" dirty="0"/>
+              <a:t>Browser Kompatibilität</a:t>
+            </a:r>
+          </a:p>
+          <a:p>
+            <a:pPr>
+              <a:buFont typeface="Arial" pitchFamily="34" charset="0"/>
+              <a:buChar char="•"/>
+            </a:pPr>
+            <a:r>
+              <a:rPr lang="de-DE" dirty="0"/>
+              <a:t>Technologien</a:t>
+            </a:r>
+          </a:p>
+          <a:p>
+            <a:pPr lvl="1"/>
+            <a:r>
+              <a:rPr lang="de-DE" dirty="0"/>
+              <a:t>JSP</a:t>
+            </a:r>
+          </a:p>
+          <a:p>
+            <a:pPr lvl="1"/>
+            <a:r>
+              <a:rPr lang="de-DE" dirty="0"/>
+              <a:t>EJB</a:t>
+            </a:r>
+          </a:p>
+          <a:p>
+            <a:pPr lvl="1"/>
+            <a:r>
+              <a:rPr lang="de-DE" dirty="0"/>
+              <a:t>HTML</a:t>
+            </a:r>
+          </a:p>
+          <a:p>
+            <a:pPr lvl="1"/>
+            <a:r>
+              <a:rPr lang="de-DE" dirty="0"/>
+              <a:t>CSS</a:t>
+            </a:r>
+            <a:endParaRPr lang="de-DE" dirty="0"/>
           </a:p>
         </p:txBody>
       </p:sp>
     </p:spTree>
     <p:extLst>
       <p:ext uri="{BB962C8B-B14F-4D97-AF65-F5344CB8AC3E}">
-        <p14:creationId xmlns:p14="http://schemas.microsoft.com/office/powerpoint/2010/main" val="534916974"/>
+        <p14:creationId xmlns:p14="http://schemas.microsoft.com/office/powerpoint/2010/main" val="2055732287"/>
       </p:ext>
     </p:extLst>
   </p:cSld>
@@ -8367,12 +7912,12 @@
       </p:grpSpPr>
       <p:sp>
         <p:nvSpPr>
-          <p:cNvPr id="5" name="Text Placeholder 4"/>
-          <p:cNvSpPr>
-            <a:spLocks noGrp="1"/>
-          </p:cNvSpPr>
-          <p:nvPr>
-            <p:ph type="body" idx="1"/>
+          <p:cNvPr id="2" name="Titel 1"/>
+          <p:cNvSpPr>
+            <a:spLocks noGrp="1"/>
+          </p:cNvSpPr>
+          <p:nvPr>
+            <p:ph type="title"/>
           </p:nvPr>
         </p:nvSpPr>
         <p:spPr/>
@@ -8381,229 +7926,20 @@
           <a:lstStyle/>
           <a:p>
             <a:r>
-              <a:rPr lang="de-AT" dirty="0" err="1" smtClean="0"/>
-              <a:t>Corba</a:t>
-            </a:r>
-            <a:r>
-              <a:rPr lang="de-AT" dirty="0" smtClean="0"/>
-              <a:t> </a:t>
-            </a:r>
-            <a:r>
-              <a:rPr lang="de-AT" dirty="0" smtClean="0">
-                <a:solidFill>
-                  <a:srgbClr val="FF0000"/>
-                </a:solidFill>
-              </a:rPr>
-              <a:t>IDL</a:t>
-            </a:r>
-            <a:endParaRPr lang="de-AT" dirty="0">
-              <a:solidFill>
-                <a:srgbClr val="FF0000"/>
-              </a:solidFill>
-            </a:endParaRPr>
-          </a:p>
-        </p:txBody>
-      </p:sp>
-      <p:sp>
-        <p:nvSpPr>
-          <p:cNvPr id="3" name="Content Placeholder 2"/>
-          <p:cNvSpPr>
-            <a:spLocks noGrp="1"/>
-          </p:cNvSpPr>
-          <p:nvPr>
-            <p:ph sz="half" idx="2"/>
-          </p:nvPr>
-        </p:nvSpPr>
-        <p:spPr/>
-        <p:txBody>
-          <a:bodyPr>
-            <a:normAutofit fontScale="85000" lnSpcReduction="20000"/>
-          </a:bodyPr>
-          <a:lstStyle/>
-          <a:p>
-            <a:pPr marL="0" indent="0">
-              <a:buNone/>
-            </a:pPr>
-            <a:r>
-              <a:rPr lang="de-AT" sz="2000" dirty="0" smtClean="0"/>
-              <a:t> </a:t>
-            </a:r>
-            <a:r>
-              <a:rPr lang="de-AT" sz="2000" dirty="0" err="1" smtClean="0">
-                <a:solidFill>
-                  <a:srgbClr val="FF0000"/>
-                </a:solidFill>
-              </a:rPr>
-              <a:t>struct</a:t>
-            </a:r>
-            <a:r>
-              <a:rPr lang="de-AT" sz="2000" dirty="0" smtClean="0">
-                <a:solidFill>
-                  <a:srgbClr val="FF0000"/>
-                </a:solidFill>
-              </a:rPr>
-              <a:t> </a:t>
-            </a:r>
-            <a:r>
-              <a:rPr lang="de-AT" sz="2000" dirty="0" err="1" smtClean="0"/>
-              <a:t>MatchresultCorba</a:t>
-            </a:r>
-            <a:endParaRPr lang="de-AT" sz="2000" dirty="0" smtClean="0"/>
-          </a:p>
-          <a:p>
-            <a:pPr marL="0" indent="0">
-              <a:buNone/>
-            </a:pPr>
-            <a:r>
-              <a:rPr lang="de-AT" sz="2000" dirty="0" smtClean="0"/>
-              <a:t>        {</a:t>
-            </a:r>
-          </a:p>
-          <a:p>
-            <a:pPr marL="0" indent="0">
-              <a:buNone/>
-            </a:pPr>
-            <a:r>
-              <a:rPr lang="de-AT" sz="2000" dirty="0" smtClean="0"/>
-              <a:t>            </a:t>
-            </a:r>
-            <a:r>
-              <a:rPr lang="de-AT" sz="2000" dirty="0" err="1" smtClean="0"/>
-              <a:t>long</a:t>
-            </a:r>
-            <a:r>
-              <a:rPr lang="de-AT" sz="2000" dirty="0" smtClean="0"/>
-              <a:t> </a:t>
-            </a:r>
-            <a:r>
-              <a:rPr lang="de-AT" sz="2000" dirty="0" err="1" smtClean="0"/>
-              <a:t>Id</a:t>
-            </a:r>
-            <a:r>
-              <a:rPr lang="de-AT" sz="2000" dirty="0" smtClean="0"/>
-              <a:t>;</a:t>
-            </a:r>
-          </a:p>
-          <a:p>
-            <a:pPr marL="0" indent="0">
-              <a:buNone/>
-            </a:pPr>
-            <a:r>
-              <a:rPr lang="de-AT" sz="2000" dirty="0" smtClean="0"/>
-              <a:t>            </a:t>
-            </a:r>
-            <a:r>
-              <a:rPr lang="de-AT" sz="2000" dirty="0" err="1" smtClean="0"/>
-              <a:t>string</a:t>
-            </a:r>
-            <a:r>
-              <a:rPr lang="de-AT" sz="2000" dirty="0" smtClean="0"/>
-              <a:t> Date;</a:t>
-            </a:r>
-          </a:p>
-          <a:p>
-            <a:pPr marL="0" indent="0">
-              <a:buNone/>
-            </a:pPr>
-            <a:r>
-              <a:rPr lang="de-AT" sz="2000" dirty="0" smtClean="0"/>
-              <a:t>            </a:t>
-            </a:r>
-            <a:r>
-              <a:rPr lang="de-AT" sz="2000" dirty="0" err="1" smtClean="0"/>
-              <a:t>string</a:t>
-            </a:r>
-            <a:r>
-              <a:rPr lang="de-AT" sz="2000" dirty="0" smtClean="0"/>
-              <a:t> </a:t>
-            </a:r>
-            <a:r>
-              <a:rPr lang="de-AT" sz="2000" dirty="0" err="1" smtClean="0"/>
-              <a:t>hometeam</a:t>
-            </a:r>
-            <a:r>
-              <a:rPr lang="de-AT" sz="2000" dirty="0" smtClean="0"/>
-              <a:t>;</a:t>
-            </a:r>
-          </a:p>
-          <a:p>
-            <a:pPr marL="0" indent="0">
-              <a:buNone/>
-            </a:pPr>
-            <a:r>
-              <a:rPr lang="de-AT" sz="2000" dirty="0" smtClean="0"/>
-              <a:t>            </a:t>
-            </a:r>
-            <a:r>
-              <a:rPr lang="de-AT" sz="2000" dirty="0" err="1" smtClean="0"/>
-              <a:t>string</a:t>
-            </a:r>
-            <a:r>
-              <a:rPr lang="de-AT" sz="2000" dirty="0" smtClean="0"/>
-              <a:t> </a:t>
-            </a:r>
-            <a:r>
-              <a:rPr lang="de-AT" sz="2000" dirty="0" err="1" smtClean="0"/>
-              <a:t>foreignteam</a:t>
-            </a:r>
-            <a:r>
-              <a:rPr lang="de-AT" sz="2000" dirty="0" smtClean="0"/>
-              <a:t>;</a:t>
-            </a:r>
-          </a:p>
-          <a:p>
-            <a:pPr marL="0" indent="0">
-              <a:buNone/>
-            </a:pPr>
-            <a:r>
-              <a:rPr lang="de-AT" sz="2000" dirty="0" smtClean="0"/>
-              <a:t>            double </a:t>
-            </a:r>
-            <a:r>
-              <a:rPr lang="de-AT" sz="2000" dirty="0" err="1" smtClean="0"/>
-              <a:t>pointsHometeam</a:t>
-            </a:r>
-            <a:r>
-              <a:rPr lang="de-AT" sz="2000" dirty="0" smtClean="0"/>
-              <a:t>;</a:t>
-            </a:r>
-          </a:p>
-          <a:p>
-            <a:pPr marL="0" indent="0">
-              <a:buNone/>
-            </a:pPr>
-            <a:r>
-              <a:rPr lang="de-AT" sz="2000" dirty="0" smtClean="0"/>
-              <a:t>            double </a:t>
-            </a:r>
-            <a:r>
-              <a:rPr lang="de-AT" sz="2000" dirty="0" err="1" smtClean="0"/>
-              <a:t>pointsForeignteam</a:t>
-            </a:r>
-            <a:r>
-              <a:rPr lang="de-AT" sz="2000" dirty="0" smtClean="0"/>
-              <a:t>;</a:t>
-            </a:r>
-          </a:p>
-          <a:p>
-            <a:pPr marL="0" indent="0">
-              <a:buNone/>
-            </a:pPr>
-            <a:r>
-              <a:rPr lang="de-AT" sz="2000" dirty="0" smtClean="0"/>
-              <a:t>        };</a:t>
-            </a:r>
-          </a:p>
-        </p:txBody>
-      </p:sp>
-      <p:sp>
-        <p:nvSpPr>
-          <p:cNvPr id="6" name="Text Placeholder 5"/>
-          <p:cNvSpPr>
-            <a:spLocks noGrp="1"/>
-          </p:cNvSpPr>
-          <p:nvPr>
-            <p:ph type="body" sz="quarter" idx="3"/>
+              <a:rPr lang="de-DE" dirty="0"/>
+              <a:t>Designentscheidung</a:t>
+            </a:r>
+          </a:p>
+        </p:txBody>
+      </p:sp>
+      <p:sp>
+        <p:nvSpPr>
+          <p:cNvPr id="3" name="Inhaltsplatzhalter 2"/>
+          <p:cNvSpPr>
+            <a:spLocks noGrp="1"/>
+          </p:cNvSpPr>
+          <p:nvPr>
+            <p:ph idx="1"/>
           </p:nvPr>
         </p:nvSpPr>
         <p:spPr/>
@@ -8611,364 +7947,58 @@
           <a:bodyPr/>
           <a:lstStyle/>
           <a:p>
-            <a:r>
-              <a:rPr lang="de-AT" dirty="0" smtClean="0"/>
-              <a:t>Webservices</a:t>
-            </a:r>
-            <a:endParaRPr lang="de-AT" dirty="0"/>
-          </a:p>
-        </p:txBody>
-      </p:sp>
-      <p:sp>
-        <p:nvSpPr>
-          <p:cNvPr id="4" name="Content Placeholder 3"/>
-          <p:cNvSpPr>
-            <a:spLocks noGrp="1"/>
-          </p:cNvSpPr>
-          <p:nvPr>
-            <p:ph sz="quarter" idx="4"/>
-          </p:nvPr>
-        </p:nvSpPr>
-        <p:spPr/>
-        <p:txBody>
-          <a:bodyPr>
-            <a:noAutofit/>
-          </a:bodyPr>
-          <a:lstStyle/>
-          <a:p>
-            <a:pPr marL="0" indent="0">
-              <a:buNone/>
-            </a:pPr>
-            <a:r>
-              <a:rPr lang="de-AT" sz="2000" dirty="0" smtClean="0">
-                <a:solidFill>
-                  <a:srgbClr val="FF0000"/>
-                </a:solidFill>
-              </a:rPr>
-              <a:t>@</a:t>
-            </a:r>
-            <a:r>
-              <a:rPr lang="de-AT" sz="2000" dirty="0" err="1" smtClean="0">
-                <a:solidFill>
-                  <a:srgbClr val="FF0000"/>
-                </a:solidFill>
-              </a:rPr>
-              <a:t>XmlType</a:t>
-            </a:r>
-            <a:r>
-              <a:rPr lang="de-AT" sz="2000" dirty="0" smtClean="0">
-                <a:solidFill>
-                  <a:srgbClr val="FF0000"/>
-                </a:solidFill>
-              </a:rPr>
-              <a:t>(</a:t>
-            </a:r>
-            <a:r>
-              <a:rPr lang="de-AT" sz="2000" dirty="0" err="1" smtClean="0">
-                <a:solidFill>
-                  <a:srgbClr val="FF0000"/>
-                </a:solidFill>
-              </a:rPr>
-              <a:t>propOrder</a:t>
-            </a:r>
-            <a:r>
-              <a:rPr lang="de-AT" sz="2000" dirty="0" smtClean="0">
-                <a:solidFill>
-                  <a:srgbClr val="FF0000"/>
-                </a:solidFill>
-              </a:rPr>
-              <a:t> = { "</a:t>
-            </a:r>
-            <a:r>
-              <a:rPr lang="de-AT" sz="2000" dirty="0" err="1" smtClean="0">
-                <a:solidFill>
-                  <a:srgbClr val="FF0000"/>
-                </a:solidFill>
-              </a:rPr>
-              <a:t>id</a:t>
-            </a:r>
-            <a:r>
-              <a:rPr lang="de-AT" sz="2000" dirty="0" smtClean="0">
-                <a:solidFill>
-                  <a:srgbClr val="FF0000"/>
-                </a:solidFill>
-              </a:rPr>
-              <a:t>", "</a:t>
-            </a:r>
-            <a:r>
-              <a:rPr lang="de-AT" sz="2000" dirty="0" err="1" smtClean="0">
-                <a:solidFill>
-                  <a:srgbClr val="FF0000"/>
-                </a:solidFill>
-              </a:rPr>
-              <a:t>date</a:t>
-            </a:r>
-            <a:r>
-              <a:rPr lang="de-AT" sz="2000" dirty="0" smtClean="0">
-                <a:solidFill>
-                  <a:srgbClr val="FF0000"/>
-                </a:solidFill>
-              </a:rPr>
-              <a:t>", …})</a:t>
-            </a:r>
-          </a:p>
-          <a:p>
-            <a:pPr marL="0" indent="0">
-              <a:buNone/>
-            </a:pPr>
-            <a:r>
-              <a:rPr lang="de-AT" sz="2000" dirty="0" err="1" smtClean="0"/>
-              <a:t>public</a:t>
-            </a:r>
-            <a:r>
-              <a:rPr lang="de-AT" sz="2000" dirty="0" smtClean="0"/>
-              <a:t> </a:t>
-            </a:r>
-            <a:r>
-              <a:rPr lang="de-AT" sz="2000" dirty="0" err="1" smtClean="0"/>
-              <a:t>class</a:t>
-            </a:r>
-            <a:r>
-              <a:rPr lang="de-AT" sz="2000" dirty="0" smtClean="0"/>
-              <a:t> </a:t>
-            </a:r>
-            <a:r>
-              <a:rPr lang="de-AT" sz="2000" dirty="0" err="1" smtClean="0"/>
-              <a:t>MatchresultWs</a:t>
-            </a:r>
-            <a:endParaRPr lang="de-AT" sz="2000" dirty="0" smtClean="0"/>
-          </a:p>
-          <a:p>
-            <a:pPr marL="0" indent="0">
-              <a:buNone/>
-            </a:pPr>
-            <a:r>
-              <a:rPr lang="de-AT" sz="2000" dirty="0" smtClean="0"/>
-              <a:t>{</a:t>
-            </a:r>
-          </a:p>
-          <a:p>
-            <a:pPr marL="0" indent="0">
-              <a:buNone/>
-            </a:pPr>
-            <a:r>
-              <a:rPr lang="de-AT" sz="2000" dirty="0" smtClean="0"/>
-              <a:t>…</a:t>
-            </a:r>
-          </a:p>
-          <a:p>
-            <a:pPr marL="0" indent="0">
-              <a:buNone/>
-            </a:pPr>
-            <a:endParaRPr lang="de-AT" sz="2000" dirty="0" smtClean="0"/>
-          </a:p>
-          <a:p>
-            <a:pPr marL="0" indent="0">
-              <a:buNone/>
-            </a:pPr>
-            <a:r>
-              <a:rPr lang="de-AT" sz="2000" dirty="0" smtClean="0">
-                <a:solidFill>
-                  <a:srgbClr val="FF0000"/>
-                </a:solidFill>
-              </a:rPr>
-              <a:t>    @</a:t>
-            </a:r>
-            <a:r>
-              <a:rPr lang="de-AT" sz="2000" dirty="0" err="1" smtClean="0">
-                <a:solidFill>
-                  <a:srgbClr val="FF0000"/>
-                </a:solidFill>
-              </a:rPr>
-              <a:t>XmlElement</a:t>
-            </a:r>
-            <a:r>
-              <a:rPr lang="de-AT" sz="2000" dirty="0" smtClean="0">
-                <a:solidFill>
-                  <a:srgbClr val="FF0000"/>
-                </a:solidFill>
-              </a:rPr>
-              <a:t>(</a:t>
-            </a:r>
-            <a:r>
-              <a:rPr lang="de-AT" sz="2000" dirty="0" err="1" smtClean="0">
-                <a:solidFill>
-                  <a:srgbClr val="FF0000"/>
-                </a:solidFill>
-              </a:rPr>
-              <a:t>name</a:t>
-            </a:r>
-            <a:r>
-              <a:rPr lang="de-AT" sz="2000" dirty="0" smtClean="0">
-                <a:solidFill>
-                  <a:srgbClr val="FF0000"/>
-                </a:solidFill>
-              </a:rPr>
-              <a:t> = "</a:t>
-            </a:r>
-            <a:r>
-              <a:rPr lang="de-AT" sz="2000" dirty="0" err="1" smtClean="0">
-                <a:solidFill>
-                  <a:srgbClr val="FF0000"/>
-                </a:solidFill>
-              </a:rPr>
-              <a:t>id</a:t>
-            </a:r>
-            <a:r>
-              <a:rPr lang="de-AT" sz="2000" dirty="0" smtClean="0">
-                <a:solidFill>
-                  <a:srgbClr val="FF0000"/>
-                </a:solidFill>
-              </a:rPr>
-              <a:t>", </a:t>
-            </a:r>
-            <a:r>
-              <a:rPr lang="de-AT" sz="2000" dirty="0" err="1" smtClean="0">
-                <a:solidFill>
-                  <a:srgbClr val="FF0000"/>
-                </a:solidFill>
-              </a:rPr>
-              <a:t>required</a:t>
-            </a:r>
-            <a:r>
-              <a:rPr lang="de-AT" sz="2000" dirty="0" smtClean="0">
-                <a:solidFill>
-                  <a:srgbClr val="FF0000"/>
-                </a:solidFill>
-              </a:rPr>
-              <a:t> = </a:t>
-            </a:r>
-            <a:r>
-              <a:rPr lang="de-AT" sz="2000" dirty="0" err="1" smtClean="0">
-                <a:solidFill>
-                  <a:srgbClr val="FF0000"/>
-                </a:solidFill>
-              </a:rPr>
-              <a:t>true</a:t>
-            </a:r>
-            <a:r>
-              <a:rPr lang="de-AT" sz="2000" dirty="0" smtClean="0">
-                <a:solidFill>
-                  <a:srgbClr val="FF0000"/>
-                </a:solidFill>
-              </a:rPr>
-              <a:t>)</a:t>
-            </a:r>
-          </a:p>
-          <a:p>
-            <a:pPr marL="0" indent="0">
-              <a:buNone/>
-            </a:pPr>
-            <a:r>
-              <a:rPr lang="de-AT" sz="2000" dirty="0" smtClean="0"/>
-              <a:t>    </a:t>
-            </a:r>
-            <a:r>
-              <a:rPr lang="de-AT" sz="2000" dirty="0" err="1" smtClean="0"/>
-              <a:t>public</a:t>
-            </a:r>
-            <a:r>
-              <a:rPr lang="de-AT" sz="2000" dirty="0" smtClean="0"/>
-              <a:t> </a:t>
-            </a:r>
-            <a:r>
-              <a:rPr lang="de-AT" sz="2000" dirty="0" err="1" smtClean="0"/>
-              <a:t>int</a:t>
-            </a:r>
-            <a:r>
-              <a:rPr lang="de-AT" sz="2000" dirty="0" smtClean="0"/>
-              <a:t> </a:t>
-            </a:r>
-            <a:r>
-              <a:rPr lang="de-AT" sz="2000" dirty="0" err="1" smtClean="0"/>
-              <a:t>getId</a:t>
-            </a:r>
-            <a:r>
-              <a:rPr lang="de-AT" sz="2000" dirty="0" smtClean="0"/>
-              <a:t>()</a:t>
-            </a:r>
-          </a:p>
-          <a:p>
-            <a:pPr marL="0" indent="0">
-              <a:buNone/>
-            </a:pPr>
-            <a:r>
-              <a:rPr lang="de-AT" sz="2000" dirty="0" smtClean="0"/>
-              <a:t>    {</a:t>
-            </a:r>
-          </a:p>
-          <a:p>
-            <a:pPr marL="0" indent="0">
-              <a:buNone/>
-            </a:pPr>
-            <a:r>
-              <a:rPr lang="de-AT" sz="2000" dirty="0" smtClean="0"/>
-              <a:t>        </a:t>
-            </a:r>
-            <a:r>
-              <a:rPr lang="de-AT" sz="2000" dirty="0" err="1" smtClean="0"/>
-              <a:t>return</a:t>
-            </a:r>
-            <a:r>
-              <a:rPr lang="de-AT" sz="2000" dirty="0" smtClean="0"/>
-              <a:t> </a:t>
-            </a:r>
-            <a:r>
-              <a:rPr lang="de-AT" sz="2000" dirty="0" err="1" smtClean="0"/>
-              <a:t>Id</a:t>
-            </a:r>
-            <a:r>
-              <a:rPr lang="de-AT" sz="2000" dirty="0" smtClean="0"/>
-              <a:t>;</a:t>
-            </a:r>
-          </a:p>
-          <a:p>
-            <a:pPr marL="0" indent="0">
-              <a:buNone/>
-            </a:pPr>
-            <a:r>
-              <a:rPr lang="de-AT" sz="2000" dirty="0" smtClean="0"/>
-              <a:t>    }</a:t>
-            </a:r>
-          </a:p>
-          <a:p>
-            <a:pPr marL="0" indent="0">
-              <a:buNone/>
-            </a:pPr>
-            <a:r>
-              <a:rPr lang="de-AT" sz="2000" dirty="0" smtClean="0"/>
-              <a:t>}</a:t>
-            </a:r>
-          </a:p>
-        </p:txBody>
-      </p:sp>
-      <p:sp>
-        <p:nvSpPr>
-          <p:cNvPr id="2" name="Title 1"/>
-          <p:cNvSpPr>
-            <a:spLocks noGrp="1"/>
-          </p:cNvSpPr>
-          <p:nvPr>
-            <p:ph type="title"/>
-          </p:nvPr>
-        </p:nvSpPr>
-        <p:spPr/>
-        <p:txBody>
-          <a:bodyPr/>
-          <a:lstStyle/>
-          <a:p>
-            <a:r>
-              <a:rPr lang="de-AT" dirty="0" smtClean="0"/>
-              <a:t>DTO Definition</a:t>
-            </a:r>
-            <a:endParaRPr lang="de-AT" dirty="0"/>
+            <a:pPr>
+              <a:buFont typeface="Arial" pitchFamily="34" charset="0"/>
+              <a:buChar char="•"/>
+            </a:pPr>
+            <a:r>
+              <a:rPr lang="de-DE" dirty="0"/>
+              <a:t>Übersichtlich</a:t>
+            </a:r>
+          </a:p>
+          <a:p>
+            <a:pPr>
+              <a:buFont typeface="Arial" pitchFamily="34" charset="0"/>
+              <a:buChar char="•"/>
+            </a:pPr>
+            <a:r>
+              <a:rPr lang="de-DE" dirty="0"/>
+              <a:t>Bedienerfreundlich</a:t>
+            </a:r>
+          </a:p>
+          <a:p>
+            <a:pPr>
+              <a:buFont typeface="Arial" pitchFamily="34" charset="0"/>
+              <a:buChar char="•"/>
+            </a:pPr>
+            <a:r>
+              <a:rPr lang="de-DE" dirty="0" smtClean="0"/>
+              <a:t>In </a:t>
+            </a:r>
+            <a:r>
+              <a:rPr lang="de-DE" dirty="0"/>
+              <a:t>jedem Browser darstellbar</a:t>
+            </a:r>
+          </a:p>
+          <a:p>
+            <a:pPr>
+              <a:buFont typeface="Arial" pitchFamily="34" charset="0"/>
+              <a:buChar char="•"/>
+            </a:pPr>
+            <a:r>
+              <a:rPr lang="de-DE" dirty="0"/>
+              <a:t>Funktionen unterstützen</a:t>
+            </a:r>
+          </a:p>
+          <a:p>
+            <a:endParaRPr lang="de-DE" dirty="0"/>
           </a:p>
         </p:txBody>
       </p:sp>
     </p:spTree>
     <p:extLst>
       <p:ext uri="{BB962C8B-B14F-4D97-AF65-F5344CB8AC3E}">
-        <p14:creationId xmlns:p14="http://schemas.microsoft.com/office/powerpoint/2010/main" val="285709205"/>
+        <p14:creationId xmlns:p14="http://schemas.microsoft.com/office/powerpoint/2010/main" val="476348151"/>
       </p:ext>
     </p:extLst>
   </p:cSld>
@@ -8997,12 +8027,12 @@
       </p:grpSpPr>
       <p:sp>
         <p:nvSpPr>
-          <p:cNvPr id="3" name="Text Placeholder 2"/>
-          <p:cNvSpPr>
-            <a:spLocks noGrp="1"/>
-          </p:cNvSpPr>
-          <p:nvPr>
-            <p:ph type="body" idx="1"/>
+          <p:cNvPr id="2" name="Titel 1"/>
+          <p:cNvSpPr>
+            <a:spLocks noGrp="1"/>
+          </p:cNvSpPr>
+          <p:nvPr>
+            <p:ph type="title"/>
           </p:nvPr>
         </p:nvSpPr>
         <p:spPr/>
@@ -9011,21 +8041,20 @@
           <a:lstStyle/>
           <a:p>
             <a:r>
-              <a:rPr lang="de-AT" dirty="0" err="1" smtClean="0"/>
-              <a:t>Corba</a:t>
-            </a:r>
-            <a:endParaRPr lang="de-AT" dirty="0"/>
-          </a:p>
-        </p:txBody>
-      </p:sp>
-      <p:sp>
-        <p:nvSpPr>
-          <p:cNvPr id="4" name="Content Placeholder 3"/>
-          <p:cNvSpPr>
-            <a:spLocks noGrp="1"/>
-          </p:cNvSpPr>
-          <p:nvPr>
-            <p:ph sz="half" idx="2"/>
+              <a:rPr lang="de-DE" dirty="0"/>
+              <a:t>Designentscheidung</a:t>
+            </a:r>
+          </a:p>
+        </p:txBody>
+      </p:sp>
+      <p:sp>
+        <p:nvSpPr>
+          <p:cNvPr id="3" name="Inhaltsplatzhalter 2"/>
+          <p:cNvSpPr>
+            <a:spLocks noGrp="1"/>
+          </p:cNvSpPr>
+          <p:nvPr>
+            <p:ph idx="1"/>
           </p:nvPr>
         </p:nvSpPr>
         <p:spPr/>
@@ -9034,98 +8063,17 @@
           <a:lstStyle/>
           <a:p>
             <a:r>
-              <a:rPr lang="de-AT" dirty="0" err="1" smtClean="0"/>
-              <a:t>Stubs</a:t>
-            </a:r>
-            <a:r>
-              <a:rPr lang="de-AT" dirty="0" smtClean="0"/>
-              <a:t> müssen erzeugt werden IDLJ</a:t>
-            </a:r>
-          </a:p>
-          <a:p>
-            <a:r>
-              <a:rPr lang="de-AT" dirty="0" smtClean="0"/>
-              <a:t>Implementierung der Logik per Vererbung</a:t>
-            </a:r>
-          </a:p>
-          <a:p>
-            <a:endParaRPr lang="de-AT" dirty="0"/>
-          </a:p>
-        </p:txBody>
-      </p:sp>
-      <p:sp>
-        <p:nvSpPr>
-          <p:cNvPr id="5" name="Text Placeholder 4"/>
-          <p:cNvSpPr>
-            <a:spLocks noGrp="1"/>
-          </p:cNvSpPr>
-          <p:nvPr>
-            <p:ph type="body" sz="quarter" idx="3"/>
-          </p:nvPr>
-        </p:nvSpPr>
-        <p:spPr/>
-        <p:txBody>
-          <a:bodyPr/>
-          <a:lstStyle/>
-          <a:p>
-            <a:r>
-              <a:rPr lang="de-AT" dirty="0" smtClean="0"/>
-              <a:t>Webservices</a:t>
-            </a:r>
-            <a:endParaRPr lang="de-AT" dirty="0"/>
-          </a:p>
-        </p:txBody>
-      </p:sp>
-      <p:sp>
-        <p:nvSpPr>
-          <p:cNvPr id="6" name="Content Placeholder 5"/>
-          <p:cNvSpPr>
-            <a:spLocks noGrp="1"/>
-          </p:cNvSpPr>
-          <p:nvPr>
-            <p:ph sz="quarter" idx="4"/>
-          </p:nvPr>
-        </p:nvSpPr>
-        <p:spPr/>
-        <p:txBody>
-          <a:bodyPr/>
-          <a:lstStyle/>
-          <a:p>
-            <a:r>
-              <a:rPr lang="de-AT" dirty="0" smtClean="0"/>
-              <a:t>Logik wird direkt in die Definition programmiert</a:t>
-            </a:r>
-            <a:endParaRPr lang="de-AT" dirty="0"/>
-          </a:p>
-        </p:txBody>
-      </p:sp>
-      <p:sp>
-        <p:nvSpPr>
-          <p:cNvPr id="2" name="Title 1"/>
-          <p:cNvSpPr>
-            <a:spLocks noGrp="1"/>
-          </p:cNvSpPr>
-          <p:nvPr>
-            <p:ph type="title"/>
-          </p:nvPr>
-        </p:nvSpPr>
-        <p:spPr/>
-        <p:txBody>
-          <a:bodyPr/>
-          <a:lstStyle/>
-          <a:p>
-            <a:r>
-              <a:rPr lang="de-AT" dirty="0" smtClean="0"/>
-              <a:t>Server-Implementierung</a:t>
-            </a:r>
-            <a:endParaRPr lang="de-AT" dirty="0"/>
+              <a:rPr lang="de-DE" dirty="0" smtClean="0"/>
+              <a:t>BILD</a:t>
+            </a:r>
+            <a:endParaRPr lang="de-DE" dirty="0"/>
           </a:p>
         </p:txBody>
       </p:sp>
     </p:spTree>
     <p:extLst>
       <p:ext uri="{BB962C8B-B14F-4D97-AF65-F5344CB8AC3E}">
-        <p14:creationId xmlns:p14="http://schemas.microsoft.com/office/powerpoint/2010/main" val="648403004"/>
+        <p14:creationId xmlns:p14="http://schemas.microsoft.com/office/powerpoint/2010/main" val="3826783334"/>
       </p:ext>
     </p:extLst>
   </p:cSld>
@@ -9154,12 +8102,12 @@
       </p:grpSpPr>
       <p:sp>
         <p:nvSpPr>
-          <p:cNvPr id="3" name="Text Placeholder 2"/>
-          <p:cNvSpPr>
-            <a:spLocks noGrp="1"/>
-          </p:cNvSpPr>
-          <p:nvPr>
-            <p:ph type="body" idx="1"/>
+          <p:cNvPr id="2" name="Titel 1"/>
+          <p:cNvSpPr>
+            <a:spLocks noGrp="1"/>
+          </p:cNvSpPr>
+          <p:nvPr>
+            <p:ph type="title"/>
           </p:nvPr>
         </p:nvSpPr>
         <p:spPr/>
@@ -9168,157 +8116,20 @@
           <a:lstStyle/>
           <a:p>
             <a:r>
-              <a:rPr lang="de-AT" dirty="0" err="1" smtClean="0"/>
-              <a:t>Corba</a:t>
-            </a:r>
-            <a:endParaRPr lang="de-AT" dirty="0"/>
-          </a:p>
-        </p:txBody>
-      </p:sp>
-      <p:sp>
-        <p:nvSpPr>
-          <p:cNvPr id="4" name="Content Placeholder 3"/>
-          <p:cNvSpPr>
-            <a:spLocks noGrp="1"/>
-          </p:cNvSpPr>
-          <p:nvPr>
-            <p:ph sz="half" idx="2"/>
-          </p:nvPr>
-        </p:nvSpPr>
-        <p:spPr/>
-        <p:txBody>
-          <a:bodyPr>
-            <a:normAutofit/>
-          </a:bodyPr>
-          <a:lstStyle/>
-          <a:p>
-            <a:pPr marL="0" indent="0">
-              <a:buNone/>
-            </a:pPr>
-            <a:r>
-              <a:rPr lang="de-AT" sz="2000" dirty="0" err="1" smtClean="0"/>
-              <a:t>Runtime.getRuntime</a:t>
-            </a:r>
-            <a:r>
-              <a:rPr lang="de-AT" sz="2000" dirty="0" smtClean="0"/>
-              <a:t>().</a:t>
-            </a:r>
-            <a:r>
-              <a:rPr lang="de-AT" sz="2000" dirty="0" err="1" smtClean="0"/>
-              <a:t>exec</a:t>
-            </a:r>
-            <a:r>
-              <a:rPr lang="de-AT" sz="2000" dirty="0" smtClean="0"/>
-              <a:t>("</a:t>
-            </a:r>
-            <a:r>
-              <a:rPr lang="de-AT" sz="2000" dirty="0" err="1" smtClean="0"/>
-              <a:t>orbd</a:t>
-            </a:r>
-            <a:r>
-              <a:rPr lang="de-AT" sz="2000" dirty="0" smtClean="0"/>
-              <a:t> -</a:t>
-            </a:r>
-            <a:r>
-              <a:rPr lang="de-AT" sz="2000" dirty="0" err="1" smtClean="0"/>
-              <a:t>ORBInitialPort</a:t>
-            </a:r>
-            <a:r>
-              <a:rPr lang="de-AT" sz="2000" dirty="0" smtClean="0"/>
-              <a:t> 2050");</a:t>
-            </a:r>
-          </a:p>
-          <a:p>
-            <a:pPr marL="0" indent="0">
-              <a:buNone/>
-            </a:pPr>
-            <a:r>
-              <a:rPr lang="de-AT" sz="2000" dirty="0" smtClean="0"/>
-              <a:t>String[] args1 = </a:t>
-            </a:r>
-            <a:r>
-              <a:rPr lang="de-AT" sz="2000" dirty="0" err="1" smtClean="0"/>
-              <a:t>new</a:t>
-            </a:r>
-            <a:r>
-              <a:rPr lang="de-AT" sz="2000" dirty="0" smtClean="0"/>
-              <a:t> String[] {"-</a:t>
-            </a:r>
-            <a:r>
-              <a:rPr lang="de-AT" sz="2000" dirty="0" err="1" smtClean="0"/>
-              <a:t>ORBInitialPort</a:t>
-            </a:r>
-            <a:r>
-              <a:rPr lang="de-AT" sz="2000" dirty="0" smtClean="0"/>
-              <a:t>", "2050"};</a:t>
-            </a:r>
-          </a:p>
-          <a:p>
-            <a:pPr marL="0" indent="0">
-              <a:buNone/>
-            </a:pPr>
-            <a:r>
-              <a:rPr lang="de-AT" sz="2000" dirty="0" smtClean="0"/>
-              <a:t>ORB </a:t>
-            </a:r>
-            <a:r>
-              <a:rPr lang="de-AT" sz="2000" dirty="0" err="1" smtClean="0"/>
-              <a:t>orb</a:t>
-            </a:r>
-            <a:r>
-              <a:rPr lang="de-AT" sz="2000" dirty="0" smtClean="0"/>
-              <a:t> = </a:t>
-            </a:r>
-            <a:r>
-              <a:rPr lang="de-AT" sz="2000" dirty="0" err="1" smtClean="0"/>
-              <a:t>ORB.init</a:t>
-            </a:r>
-            <a:r>
-              <a:rPr lang="de-AT" sz="2000" dirty="0" smtClean="0"/>
-              <a:t>(args1, null);</a:t>
-            </a:r>
-          </a:p>
-          <a:p>
-            <a:pPr marL="0" indent="0">
-              <a:buNone/>
-            </a:pPr>
-            <a:r>
-              <a:rPr lang="de-AT" sz="2000" dirty="0" smtClean="0"/>
-              <a:t>… </a:t>
-            </a:r>
-            <a:r>
-              <a:rPr lang="de-AT" sz="2000" dirty="0" err="1" smtClean="0"/>
-              <a:t>magic</a:t>
-            </a:r>
-            <a:r>
-              <a:rPr lang="de-AT" sz="2000" dirty="0" smtClean="0"/>
-              <a:t>…</a:t>
-            </a:r>
-          </a:p>
-          <a:p>
-            <a:pPr marL="0" indent="0">
-              <a:buNone/>
-            </a:pPr>
-            <a:r>
-              <a:rPr lang="de-AT" sz="2000" dirty="0" err="1" smtClean="0"/>
-              <a:t>orb.run</a:t>
-            </a:r>
-            <a:r>
-              <a:rPr lang="de-AT" sz="2000" dirty="0" smtClean="0"/>
-              <a:t>();</a:t>
-            </a:r>
-            <a:endParaRPr lang="de-AT" sz="2000" dirty="0"/>
-          </a:p>
-        </p:txBody>
-      </p:sp>
-      <p:sp>
-        <p:nvSpPr>
-          <p:cNvPr id="5" name="Text Placeholder 4"/>
-          <p:cNvSpPr>
-            <a:spLocks noGrp="1"/>
-          </p:cNvSpPr>
-          <p:nvPr>
-            <p:ph type="body" sz="quarter" idx="3"/>
+              <a:rPr lang="de-DE" dirty="0"/>
+              <a:t>Technologien</a:t>
+            </a:r>
+          </a:p>
+        </p:txBody>
+      </p:sp>
+      <p:sp>
+        <p:nvSpPr>
+          <p:cNvPr id="3" name="Inhaltsplatzhalter 2"/>
+          <p:cNvSpPr>
+            <a:spLocks noGrp="1"/>
+          </p:cNvSpPr>
+          <p:nvPr>
+            <p:ph idx="1"/>
           </p:nvPr>
         </p:nvSpPr>
         <p:spPr/>
@@ -9326,98 +8137,67 @@
           <a:bodyPr/>
           <a:lstStyle/>
           <a:p>
-            <a:r>
-              <a:rPr lang="de-AT" dirty="0" smtClean="0"/>
-              <a:t>Webservices</a:t>
-            </a:r>
-            <a:endParaRPr lang="de-AT" dirty="0"/>
-          </a:p>
-        </p:txBody>
-      </p:sp>
-      <p:sp>
-        <p:nvSpPr>
-          <p:cNvPr id="6" name="Content Placeholder 5"/>
-          <p:cNvSpPr>
-            <a:spLocks noGrp="1"/>
-          </p:cNvSpPr>
-          <p:nvPr>
-            <p:ph sz="quarter" idx="4"/>
-          </p:nvPr>
-        </p:nvSpPr>
-        <p:spPr/>
-        <p:txBody>
-          <a:bodyPr/>
-          <a:lstStyle/>
-          <a:p>
-            <a:r>
-              <a:rPr lang="en-US" dirty="0" err="1" smtClean="0"/>
-              <a:t>Endpoint.publish</a:t>
-            </a:r>
-            <a:r>
-              <a:rPr lang="en-US" dirty="0" smtClean="0"/>
-              <a:t>("http://localhost:8080/services", new </a:t>
-            </a:r>
-            <a:r>
-              <a:rPr lang="en-US" dirty="0" err="1" smtClean="0"/>
-              <a:t>MatchService</a:t>
-            </a:r>
-            <a:r>
-              <a:rPr lang="en-US" dirty="0" smtClean="0"/>
-              <a:t>())</a:t>
-            </a:r>
-          </a:p>
-          <a:p>
-            <a:r>
-              <a:rPr lang="en-US" dirty="0" err="1" smtClean="0"/>
-              <a:t>Veröffentlichung</a:t>
-            </a:r>
-            <a:r>
-              <a:rPr lang="en-US" dirty="0" smtClean="0"/>
-              <a:t> </a:t>
-            </a:r>
-            <a:r>
-              <a:rPr lang="en-US" dirty="0" err="1" smtClean="0"/>
-              <a:t>als</a:t>
-            </a:r>
-            <a:r>
-              <a:rPr lang="en-US" dirty="0" smtClean="0"/>
-              <a:t> .war</a:t>
-            </a:r>
-            <a:endParaRPr lang="de-AT" dirty="0"/>
-          </a:p>
-        </p:txBody>
-      </p:sp>
-      <p:sp>
-        <p:nvSpPr>
-          <p:cNvPr id="2" name="Title 1"/>
-          <p:cNvSpPr>
-            <a:spLocks noGrp="1"/>
-          </p:cNvSpPr>
-          <p:nvPr>
-            <p:ph type="title"/>
-          </p:nvPr>
-        </p:nvSpPr>
-        <p:spPr/>
-        <p:txBody>
-          <a:bodyPr/>
-          <a:lstStyle/>
-          <a:p>
-            <a:r>
-              <a:rPr lang="de-AT" dirty="0" smtClean="0"/>
-              <a:t>Server-</a:t>
-            </a:r>
-            <a:r>
-              <a:rPr lang="de-AT" dirty="0" err="1" smtClean="0"/>
-              <a:t>Deployment</a:t>
-            </a:r>
-            <a:endParaRPr lang="de-AT" dirty="0"/>
+            <a:pPr>
+              <a:buFont typeface="Arial" pitchFamily="34" charset="0"/>
+              <a:buChar char="•"/>
+            </a:pPr>
+            <a:r>
+              <a:rPr lang="de-DE" dirty="0"/>
+              <a:t>EJB</a:t>
+            </a:r>
+          </a:p>
+          <a:p>
+            <a:pPr lvl="1"/>
+            <a:r>
+              <a:rPr lang="de-DE" dirty="0"/>
+              <a:t>Austausch der Daten</a:t>
+            </a:r>
+          </a:p>
+          <a:p>
+            <a:pPr lvl="1"/>
+            <a:r>
+              <a:rPr lang="de-DE" dirty="0"/>
+              <a:t>Bearbeitung der eingaben/ausgaben</a:t>
+            </a:r>
+          </a:p>
+          <a:p>
+            <a:pPr>
+              <a:buFont typeface="Arial" pitchFamily="34" charset="0"/>
+              <a:buChar char="•"/>
+            </a:pPr>
+            <a:r>
+              <a:rPr lang="de-DE" dirty="0"/>
+              <a:t>JSP</a:t>
+            </a:r>
+          </a:p>
+          <a:p>
+            <a:pPr lvl="1"/>
+            <a:r>
+              <a:rPr lang="de-DE" dirty="0"/>
+              <a:t>Bearbeitung der Daten zur visuellen </a:t>
+            </a:r>
+            <a:r>
+              <a:rPr lang="de-DE" dirty="0" err="1"/>
+              <a:t>darstellung</a:t>
+            </a:r>
+            <a:endParaRPr lang="de-DE" dirty="0"/>
+          </a:p>
+          <a:p>
+            <a:pPr lvl="1"/>
+            <a:r>
+              <a:rPr lang="de-DE" dirty="0"/>
+              <a:t>Weiter delegieren</a:t>
+            </a:r>
+          </a:p>
+          <a:p>
+            <a:endParaRPr lang="de-DE" dirty="0"/>
           </a:p>
         </p:txBody>
       </p:sp>
     </p:spTree>
     <p:extLst>
       <p:ext uri="{BB962C8B-B14F-4D97-AF65-F5344CB8AC3E}">
-        <p14:creationId xmlns:p14="http://schemas.microsoft.com/office/powerpoint/2010/main" val="3247815555"/>
+        <p14:creationId xmlns:p14="http://schemas.microsoft.com/office/powerpoint/2010/main" val="983369168"/>
       </p:ext>
     </p:extLst>
   </p:cSld>
@@ -9446,12 +8226,12 @@
       </p:grpSpPr>
       <p:sp>
         <p:nvSpPr>
-          <p:cNvPr id="3" name="Text Placeholder 2"/>
-          <p:cNvSpPr>
-            <a:spLocks noGrp="1"/>
-          </p:cNvSpPr>
-          <p:nvPr>
-            <p:ph type="body" idx="1"/>
+          <p:cNvPr id="2" name="Titel 1"/>
+          <p:cNvSpPr>
+            <a:spLocks noGrp="1"/>
+          </p:cNvSpPr>
+          <p:nvPr>
+            <p:ph type="title"/>
           </p:nvPr>
         </p:nvSpPr>
         <p:spPr/>
@@ -9460,21 +8240,20 @@
           <a:lstStyle/>
           <a:p>
             <a:r>
-              <a:rPr lang="de-AT" dirty="0" err="1" smtClean="0"/>
-              <a:t>Corba</a:t>
-            </a:r>
-            <a:endParaRPr lang="de-AT" dirty="0"/>
-          </a:p>
-        </p:txBody>
-      </p:sp>
-      <p:sp>
-        <p:nvSpPr>
-          <p:cNvPr id="4" name="Content Placeholder 3"/>
-          <p:cNvSpPr>
-            <a:spLocks noGrp="1"/>
-          </p:cNvSpPr>
-          <p:nvPr>
-            <p:ph sz="half" idx="2"/>
+              <a:rPr lang="de-DE" dirty="0"/>
+              <a:t>Technologien</a:t>
+            </a:r>
+          </a:p>
+        </p:txBody>
+      </p:sp>
+      <p:sp>
+        <p:nvSpPr>
+          <p:cNvPr id="3" name="Inhaltsplatzhalter 2"/>
+          <p:cNvSpPr>
+            <a:spLocks noGrp="1"/>
+          </p:cNvSpPr>
+          <p:nvPr>
+            <p:ph idx="1"/>
           </p:nvPr>
         </p:nvSpPr>
         <p:spPr/>
@@ -9482,127 +8261,55 @@
           <a:bodyPr/>
           <a:lstStyle/>
           <a:p>
-            <a:r>
-              <a:rPr lang="de-AT" dirty="0" err="1" smtClean="0"/>
-              <a:t>Commandozeile</a:t>
-            </a:r>
-            <a:r>
-              <a:rPr lang="de-AT" dirty="0" smtClean="0"/>
-              <a:t> IDLJ …</a:t>
-            </a:r>
-          </a:p>
-          <a:p>
-            <a:r>
-              <a:rPr lang="de-AT" dirty="0" smtClean="0"/>
-              <a:t>Kein update möglich</a:t>
-            </a:r>
-            <a:endParaRPr lang="de-AT" dirty="0"/>
-          </a:p>
-        </p:txBody>
-      </p:sp>
-      <p:sp>
-        <p:nvSpPr>
-          <p:cNvPr id="5" name="Text Placeholder 4"/>
-          <p:cNvSpPr>
-            <a:spLocks noGrp="1"/>
-          </p:cNvSpPr>
-          <p:nvPr>
-            <p:ph type="body" sz="quarter" idx="3"/>
-          </p:nvPr>
-        </p:nvSpPr>
-        <p:spPr/>
-        <p:txBody>
-          <a:bodyPr/>
-          <a:lstStyle/>
-          <a:p>
-            <a:r>
-              <a:rPr lang="de-AT" dirty="0" smtClean="0"/>
-              <a:t>Webservices</a:t>
-            </a:r>
-            <a:endParaRPr lang="de-AT" dirty="0"/>
-          </a:p>
-        </p:txBody>
-      </p:sp>
-      <p:sp>
-        <p:nvSpPr>
-          <p:cNvPr id="6" name="Content Placeholder 5"/>
-          <p:cNvSpPr>
-            <a:spLocks noGrp="1"/>
-          </p:cNvSpPr>
-          <p:nvPr>
-            <p:ph sz="quarter" idx="4"/>
-          </p:nvPr>
-        </p:nvSpPr>
-        <p:spPr/>
-        <p:txBody>
-          <a:bodyPr/>
-          <a:lstStyle/>
-          <a:p>
-            <a:r>
-              <a:rPr lang="de-AT" dirty="0" smtClean="0"/>
-              <a:t>In </a:t>
-            </a:r>
-            <a:r>
-              <a:rPr lang="de-AT" dirty="0" err="1" smtClean="0"/>
-              <a:t>VisualStudio</a:t>
-            </a:r>
-            <a:r>
-              <a:rPr lang="de-AT" dirty="0" smtClean="0"/>
-              <a:t> „</a:t>
-            </a:r>
-            <a:r>
-              <a:rPr lang="de-AT" dirty="0" err="1" smtClean="0"/>
-              <a:t>AddServiceReference</a:t>
-            </a:r>
-            <a:r>
-              <a:rPr lang="de-AT" dirty="0" smtClean="0"/>
-              <a:t>“ und dann den Pfad eingeben</a:t>
-            </a:r>
-          </a:p>
-          <a:p>
-            <a:r>
-              <a:rPr lang="de-AT" dirty="0" smtClean="0"/>
-              <a:t>Update möglich</a:t>
-            </a:r>
-            <a:endParaRPr lang="de-AT" dirty="0"/>
-          </a:p>
-        </p:txBody>
-      </p:sp>
-      <p:sp>
-        <p:nvSpPr>
-          <p:cNvPr id="2" name="Title 1"/>
-          <p:cNvSpPr>
-            <a:spLocks noGrp="1"/>
-          </p:cNvSpPr>
-          <p:nvPr>
-            <p:ph type="title"/>
-          </p:nvPr>
-        </p:nvSpPr>
-        <p:spPr/>
-        <p:txBody>
-          <a:bodyPr/>
-          <a:lstStyle/>
-          <a:p>
-            <a:r>
-              <a:rPr lang="de-AT" dirty="0" smtClean="0"/>
-              <a:t>Client-</a:t>
-            </a:r>
-            <a:r>
-              <a:rPr lang="de-AT" dirty="0" err="1" smtClean="0"/>
-              <a:t>Stubs</a:t>
-            </a:r>
-            <a:r>
-              <a:rPr lang="de-AT" dirty="0" smtClean="0"/>
-              <a:t> erzeugen</a:t>
-            </a:r>
-            <a:endParaRPr lang="de-AT" dirty="0"/>
+            <a:pPr>
+              <a:buFont typeface="Arial" pitchFamily="34" charset="0"/>
+              <a:buChar char="•"/>
+            </a:pPr>
+            <a:r>
+              <a:rPr lang="de-DE" dirty="0"/>
+              <a:t>HTML</a:t>
+            </a:r>
+          </a:p>
+          <a:p>
+            <a:pPr lvl="1"/>
+            <a:r>
+              <a:rPr lang="de-DE" dirty="0"/>
+              <a:t>Formatierung</a:t>
+            </a:r>
+          </a:p>
+          <a:p>
+            <a:pPr lvl="1"/>
+            <a:r>
+              <a:rPr lang="de-DE" dirty="0"/>
+              <a:t>Darstellung</a:t>
+            </a:r>
+          </a:p>
+          <a:p>
+            <a:pPr>
+              <a:buFont typeface="Arial" pitchFamily="34" charset="0"/>
+              <a:buChar char="•"/>
+            </a:pPr>
+            <a:r>
+              <a:rPr lang="de-DE" dirty="0"/>
+              <a:t>CSS</a:t>
+            </a:r>
+          </a:p>
+          <a:p>
+            <a:pPr lvl="1"/>
+            <a:r>
+              <a:rPr lang="de-DE" dirty="0"/>
+              <a:t>Formatierung</a:t>
+            </a:r>
+          </a:p>
+          <a:p>
+            <a:endParaRPr lang="de-DE" dirty="0"/>
           </a:p>
         </p:txBody>
       </p:sp>
     </p:spTree>
     <p:extLst>
       <p:ext uri="{BB962C8B-B14F-4D97-AF65-F5344CB8AC3E}">
-        <p14:creationId xmlns:p14="http://schemas.microsoft.com/office/powerpoint/2010/main" val="2495302384"/>
+        <p14:creationId xmlns:p14="http://schemas.microsoft.com/office/powerpoint/2010/main" val="258482285"/>
       </p:ext>
     </p:extLst>
   </p:cSld>
@@ -9631,12 +8338,12 @@
       </p:grpSpPr>
       <p:sp>
         <p:nvSpPr>
-          <p:cNvPr id="3" name="Text Placeholder 2"/>
-          <p:cNvSpPr>
-            <a:spLocks noGrp="1"/>
-          </p:cNvSpPr>
-          <p:nvPr>
-            <p:ph type="body" idx="1"/>
+          <p:cNvPr id="2" name="Titel 1"/>
+          <p:cNvSpPr>
+            <a:spLocks noGrp="1"/>
+          </p:cNvSpPr>
+          <p:nvPr>
+            <p:ph type="title"/>
           </p:nvPr>
         </p:nvSpPr>
         <p:spPr/>
@@ -9645,229 +8352,20 @@
           <a:lstStyle/>
           <a:p>
             <a:r>
-              <a:rPr lang="de-AT" dirty="0" err="1" smtClean="0"/>
-              <a:t>Corba</a:t>
-            </a:r>
-            <a:endParaRPr lang="de-AT" dirty="0"/>
-          </a:p>
-        </p:txBody>
-      </p:sp>
-      <p:sp>
-        <p:nvSpPr>
-          <p:cNvPr id="4" name="Content Placeholder 3"/>
-          <p:cNvSpPr>
-            <a:spLocks noGrp="1"/>
-          </p:cNvSpPr>
-          <p:nvPr>
-            <p:ph sz="half" idx="2"/>
-          </p:nvPr>
-        </p:nvSpPr>
-        <p:spPr/>
-        <p:txBody>
-          <a:bodyPr>
-            <a:normAutofit fontScale="92500" lnSpcReduction="20000"/>
-          </a:bodyPr>
-          <a:lstStyle/>
-          <a:p>
-            <a:pPr marL="0" indent="0">
-              <a:buNone/>
-            </a:pPr>
-            <a:r>
-              <a:rPr lang="de-AT" sz="2000" dirty="0" smtClean="0"/>
-              <a:t>String[] args1 = </a:t>
-            </a:r>
-            <a:r>
-              <a:rPr lang="de-AT" sz="2000" dirty="0" err="1" smtClean="0"/>
-              <a:t>new</a:t>
-            </a:r>
-            <a:r>
-              <a:rPr lang="de-AT" sz="2000" dirty="0" smtClean="0"/>
-              <a:t> String[] {"-</a:t>
-            </a:r>
-            <a:r>
-              <a:rPr lang="de-AT" sz="2000" dirty="0" err="1" smtClean="0"/>
-              <a:t>ORBInitialPort</a:t>
-            </a:r>
-            <a:r>
-              <a:rPr lang="de-AT" sz="2000" dirty="0" smtClean="0"/>
-              <a:t>", "2050"};</a:t>
-            </a:r>
-          </a:p>
-          <a:p>
-            <a:pPr marL="0" indent="0">
-              <a:buNone/>
-            </a:pPr>
-            <a:r>
-              <a:rPr lang="de-AT" sz="2000" dirty="0" smtClean="0"/>
-              <a:t>ORB </a:t>
-            </a:r>
-            <a:r>
-              <a:rPr lang="de-AT" sz="2000" dirty="0" err="1" smtClean="0"/>
-              <a:t>orb</a:t>
-            </a:r>
-            <a:r>
-              <a:rPr lang="de-AT" sz="2000" dirty="0" smtClean="0"/>
-              <a:t> = </a:t>
-            </a:r>
-            <a:r>
-              <a:rPr lang="de-AT" sz="2000" dirty="0" err="1" smtClean="0"/>
-              <a:t>ORB.init</a:t>
-            </a:r>
-            <a:r>
-              <a:rPr lang="de-AT" sz="2000" dirty="0" smtClean="0"/>
-              <a:t>(args1, null);</a:t>
-            </a:r>
-          </a:p>
-          <a:p>
-            <a:pPr marL="0" indent="0">
-              <a:buNone/>
-            </a:pPr>
-            <a:r>
-              <a:rPr lang="de-AT" sz="2000" dirty="0" err="1" smtClean="0"/>
-              <a:t>org.omg.CORBA.Object</a:t>
-            </a:r>
-            <a:r>
-              <a:rPr lang="de-AT" sz="2000" dirty="0" smtClean="0"/>
-              <a:t> </a:t>
-            </a:r>
-            <a:r>
-              <a:rPr lang="de-AT" sz="2000" dirty="0" err="1" smtClean="0"/>
-              <a:t>objRef</a:t>
-            </a:r>
-            <a:r>
-              <a:rPr lang="de-AT" sz="2000" dirty="0" smtClean="0"/>
-              <a:t> = </a:t>
-            </a:r>
-            <a:r>
-              <a:rPr lang="de-AT" sz="2000" dirty="0" err="1" smtClean="0"/>
-              <a:t>orb.resolve_initial_references</a:t>
-            </a:r>
-            <a:r>
-              <a:rPr lang="de-AT" sz="2000" dirty="0" smtClean="0"/>
-              <a:t>("</a:t>
-            </a:r>
-            <a:r>
-              <a:rPr lang="de-AT" sz="2000" dirty="0" err="1" smtClean="0"/>
-              <a:t>NameService</a:t>
-            </a:r>
-            <a:r>
-              <a:rPr lang="de-AT" sz="2000" dirty="0" smtClean="0"/>
-              <a:t>");</a:t>
-            </a:r>
-          </a:p>
-          <a:p>
-            <a:pPr marL="0" indent="0">
-              <a:buNone/>
-            </a:pPr>
-            <a:r>
-              <a:rPr lang="de-AT" sz="2000" dirty="0" err="1" smtClean="0"/>
-              <a:t>NamingContextExt</a:t>
-            </a:r>
-            <a:r>
-              <a:rPr lang="de-AT" sz="2000" dirty="0" smtClean="0"/>
-              <a:t> </a:t>
-            </a:r>
-            <a:r>
-              <a:rPr lang="de-AT" sz="2000" dirty="0" err="1" smtClean="0"/>
-              <a:t>ncRef</a:t>
-            </a:r>
-            <a:r>
-              <a:rPr lang="de-AT" sz="2000" dirty="0" smtClean="0"/>
-              <a:t> = </a:t>
-            </a:r>
-            <a:r>
-              <a:rPr lang="de-AT" sz="2000" dirty="0" err="1" smtClean="0"/>
-              <a:t>NamingContextExtHelper.narrow</a:t>
-            </a:r>
-            <a:r>
-              <a:rPr lang="de-AT" sz="2000" dirty="0" smtClean="0"/>
-              <a:t>(</a:t>
-            </a:r>
-            <a:r>
-              <a:rPr lang="de-AT" sz="2000" dirty="0" err="1" smtClean="0"/>
-              <a:t>objRef</a:t>
-            </a:r>
-            <a:r>
-              <a:rPr lang="de-AT" sz="2000" dirty="0" smtClean="0"/>
-              <a:t>); </a:t>
-            </a:r>
-          </a:p>
-          <a:p>
-            <a:pPr marL="0" indent="0">
-              <a:buNone/>
-            </a:pPr>
-            <a:r>
-              <a:rPr lang="de-AT" sz="2000" dirty="0" err="1" smtClean="0">
-                <a:solidFill>
-                  <a:srgbClr val="FF0000"/>
-                </a:solidFill>
-              </a:rPr>
-              <a:t>MatchresultDataprovider</a:t>
-            </a:r>
-            <a:r>
-              <a:rPr lang="de-AT" sz="2000" dirty="0" smtClean="0">
-                <a:solidFill>
-                  <a:srgbClr val="FF0000"/>
-                </a:solidFill>
-              </a:rPr>
-              <a:t> </a:t>
-            </a:r>
-            <a:r>
-              <a:rPr lang="de-AT" sz="2000" dirty="0" err="1" smtClean="0">
-                <a:solidFill>
-                  <a:srgbClr val="FF0000"/>
-                </a:solidFill>
-              </a:rPr>
-              <a:t>matchresultDataprovider</a:t>
-            </a:r>
-            <a:r>
-              <a:rPr lang="de-AT" sz="2000" dirty="0" smtClean="0">
-                <a:solidFill>
-                  <a:srgbClr val="FF0000"/>
-                </a:solidFill>
-              </a:rPr>
-              <a:t> </a:t>
-            </a:r>
-            <a:r>
-              <a:rPr lang="de-AT" sz="2000" dirty="0" smtClean="0"/>
-              <a:t>= </a:t>
-            </a:r>
-            <a:r>
-              <a:rPr lang="de-AT" sz="2000" dirty="0" err="1" smtClean="0"/>
-              <a:t>MatchresultDataproviderHelper.narrow</a:t>
-            </a:r>
-            <a:r>
-              <a:rPr lang="de-AT" sz="2000" dirty="0" smtClean="0"/>
-              <a:t>(</a:t>
-            </a:r>
-            <a:r>
-              <a:rPr lang="de-AT" sz="2000" dirty="0" err="1" smtClean="0"/>
-              <a:t>ncRef.resolve_str</a:t>
-            </a:r>
-            <a:r>
-              <a:rPr lang="de-AT" sz="2000" dirty="0" smtClean="0"/>
-              <a:t>("</a:t>
-            </a:r>
-            <a:r>
-              <a:rPr lang="de-AT" sz="2000" dirty="0" err="1" smtClean="0"/>
-              <a:t>HelloObject</a:t>
-            </a:r>
-            <a:r>
-              <a:rPr lang="de-AT" sz="2000" dirty="0" smtClean="0"/>
-              <a:t>"));</a:t>
-            </a:r>
-            <a:endParaRPr lang="de-AT" sz="2000" dirty="0"/>
-          </a:p>
-        </p:txBody>
-      </p:sp>
-      <p:sp>
-        <p:nvSpPr>
-          <p:cNvPr id="5" name="Text Placeholder 4"/>
-          <p:cNvSpPr>
-            <a:spLocks noGrp="1"/>
-          </p:cNvSpPr>
-          <p:nvPr>
-            <p:ph type="body" sz="quarter" idx="3"/>
+              <a:rPr lang="de-DE" dirty="0"/>
+              <a:t>Realisierung</a:t>
+            </a:r>
+          </a:p>
+        </p:txBody>
+      </p:sp>
+      <p:sp>
+        <p:nvSpPr>
+          <p:cNvPr id="3" name="Inhaltsplatzhalter 2"/>
+          <p:cNvSpPr>
+            <a:spLocks noGrp="1"/>
+          </p:cNvSpPr>
+          <p:nvPr>
+            <p:ph idx="1"/>
           </p:nvPr>
         </p:nvSpPr>
         <p:spPr/>
@@ -9875,99 +8373,74 @@
           <a:bodyPr/>
           <a:lstStyle/>
           <a:p>
-            <a:r>
-              <a:rPr lang="de-AT" dirty="0" smtClean="0"/>
-              <a:t>Webservices</a:t>
-            </a:r>
-            <a:endParaRPr lang="de-AT" dirty="0"/>
-          </a:p>
-        </p:txBody>
-      </p:sp>
-      <p:sp>
-        <p:nvSpPr>
-          <p:cNvPr id="6" name="Content Placeholder 5"/>
-          <p:cNvSpPr>
-            <a:spLocks noGrp="1"/>
-          </p:cNvSpPr>
-          <p:nvPr>
-            <p:ph sz="quarter" idx="4"/>
-          </p:nvPr>
-        </p:nvSpPr>
-        <p:spPr/>
-        <p:txBody>
-          <a:bodyPr/>
-          <a:lstStyle/>
-          <a:p>
-            <a:pPr marL="0" indent="0">
-              <a:buNone/>
-            </a:pPr>
-            <a:r>
-              <a:rPr lang="de-AT" dirty="0" smtClean="0">
-                <a:solidFill>
-                  <a:srgbClr val="FF0000"/>
-                </a:solidFill>
-              </a:rPr>
-              <a:t>ServiceReference1.MatchSvcClient </a:t>
-            </a:r>
-            <a:r>
-              <a:rPr lang="de-AT" dirty="0" err="1" smtClean="0">
-                <a:solidFill>
-                  <a:srgbClr val="FF0000"/>
-                </a:solidFill>
-              </a:rPr>
-              <a:t>client</a:t>
-            </a:r>
-            <a:r>
-              <a:rPr lang="de-AT" dirty="0" smtClean="0">
-                <a:solidFill>
-                  <a:srgbClr val="FF0000"/>
-                </a:solidFill>
-              </a:rPr>
-              <a:t> </a:t>
-            </a:r>
-            <a:r>
-              <a:rPr lang="de-AT" dirty="0" smtClean="0"/>
-              <a:t>= </a:t>
-            </a:r>
-            <a:r>
-              <a:rPr lang="de-AT" dirty="0" err="1" smtClean="0"/>
-              <a:t>new</a:t>
-            </a:r>
-            <a:r>
-              <a:rPr lang="de-AT" dirty="0" smtClean="0"/>
-              <a:t> ServiceReference1.MatchSvcClient();</a:t>
-            </a:r>
-            <a:endParaRPr lang="de-AT" dirty="0"/>
-          </a:p>
-        </p:txBody>
-      </p:sp>
-      <p:sp>
-        <p:nvSpPr>
-          <p:cNvPr id="2" name="Title 1"/>
-          <p:cNvSpPr>
-            <a:spLocks noGrp="1"/>
-          </p:cNvSpPr>
-          <p:nvPr>
-            <p:ph type="title"/>
-          </p:nvPr>
-        </p:nvSpPr>
-        <p:spPr/>
-        <p:txBody>
-          <a:bodyPr/>
-          <a:lstStyle/>
-          <a:p>
-            <a:r>
-              <a:rPr lang="de-AT" dirty="0" smtClean="0"/>
-              <a:t>Client-Anbindung</a:t>
-            </a:r>
-            <a:endParaRPr lang="de-AT" dirty="0"/>
+            <a:pPr>
+              <a:buFont typeface="Arial" pitchFamily="34" charset="0"/>
+              <a:buChar char="•"/>
+            </a:pPr>
+            <a:r>
+              <a:rPr lang="de-DE" dirty="0"/>
+              <a:t>Mischung vieler Technologien</a:t>
+            </a:r>
+          </a:p>
+          <a:p>
+            <a:pPr>
+              <a:buFont typeface="Arial" pitchFamily="34" charset="0"/>
+              <a:buChar char="•"/>
+            </a:pPr>
+            <a:r>
+              <a:rPr lang="de-DE" dirty="0"/>
+              <a:t>Zusammengeführt zu einem Großen</a:t>
+            </a:r>
+          </a:p>
+          <a:p>
+            <a:pPr>
+              <a:buFont typeface="Arial" pitchFamily="34" charset="0"/>
+              <a:buChar char="•"/>
+            </a:pPr>
+            <a:r>
+              <a:rPr lang="de-DE" dirty="0"/>
+              <a:t>Vorhandene EJB Komponente verwendet</a:t>
+            </a:r>
+          </a:p>
+          <a:p>
+            <a:pPr>
+              <a:buFont typeface="Arial" pitchFamily="34" charset="0"/>
+              <a:buChar char="•"/>
+            </a:pPr>
+            <a:r>
+              <a:rPr lang="de-DE" dirty="0"/>
+              <a:t>JSP hinzugefügt</a:t>
+            </a:r>
+          </a:p>
+          <a:p>
+            <a:pPr>
+              <a:buFont typeface="Arial" pitchFamily="34" charset="0"/>
+              <a:buChar char="•"/>
+            </a:pPr>
+            <a:r>
+              <a:rPr lang="de-DE" dirty="0"/>
+              <a:t>HTML hinzugefügt</a:t>
+            </a:r>
+          </a:p>
+          <a:p>
+            <a:pPr>
+              <a:buFont typeface="Arial" pitchFamily="34" charset="0"/>
+              <a:buChar char="•"/>
+            </a:pPr>
+            <a:r>
+              <a:rPr lang="de-DE" dirty="0"/>
+              <a:t>Keine Änderung am bestehenden Code</a:t>
+            </a:r>
+          </a:p>
+          <a:p>
+            <a:endParaRPr lang="de-DE" dirty="0"/>
           </a:p>
         </p:txBody>
       </p:sp>
     </p:spTree>
     <p:extLst>
       <p:ext uri="{BB962C8B-B14F-4D97-AF65-F5344CB8AC3E}">
-        <p14:creationId xmlns:p14="http://schemas.microsoft.com/office/powerpoint/2010/main" val="4196813996"/>
+        <p14:creationId xmlns:p14="http://schemas.microsoft.com/office/powerpoint/2010/main" val="2209947020"/>
       </p:ext>
     </p:extLst>
   </p:cSld>
@@ -9996,12 +8469,12 @@
       </p:grpSpPr>
       <p:sp>
         <p:nvSpPr>
-          <p:cNvPr id="3" name="Text Placeholder 2"/>
-          <p:cNvSpPr>
-            <a:spLocks noGrp="1"/>
-          </p:cNvSpPr>
-          <p:nvPr>
-            <p:ph type="body" idx="1"/>
+          <p:cNvPr id="2" name="Title 1"/>
+          <p:cNvSpPr>
+            <a:spLocks noGrp="1"/>
+          </p:cNvSpPr>
+          <p:nvPr>
+            <p:ph type="title"/>
           </p:nvPr>
         </p:nvSpPr>
         <p:spPr/>
@@ -10013,18 +8486,22 @@
               <a:rPr lang="de-AT" dirty="0" err="1" smtClean="0"/>
               <a:t>Corba</a:t>
             </a:r>
+            <a:r>
+              <a:rPr lang="de-AT" dirty="0" smtClean="0"/>
+              <a:t> vs. Webservice</a:t>
+            </a:r>
             <a:endParaRPr lang="de-AT" dirty="0"/>
           </a:p>
         </p:txBody>
       </p:sp>
       <p:sp>
         <p:nvSpPr>
-          <p:cNvPr id="4" name="Content Placeholder 3"/>
-          <p:cNvSpPr>
-            <a:spLocks noGrp="1"/>
-          </p:cNvSpPr>
-          <p:nvPr>
-            <p:ph sz="half" idx="2"/>
+          <p:cNvPr id="3" name="Content Placeholder 2"/>
+          <p:cNvSpPr>
+            <a:spLocks noGrp="1"/>
+          </p:cNvSpPr>
+          <p:nvPr>
+            <p:ph type="body" idx="1"/>
           </p:nvPr>
         </p:nvSpPr>
         <p:spPr/>
@@ -10032,190 +8509,21 @@
           <a:bodyPr/>
           <a:lstStyle/>
           <a:p>
+            <a:r>
+              <a:rPr lang="de-AT" dirty="0" smtClean="0"/>
+              <a:t>Beide Technologien bearbeiten das selbe Feld</a:t>
+            </a:r>
+          </a:p>
+          <a:p>
+            <a:r>
+              <a:rPr lang="de-AT" dirty="0" smtClean="0"/>
+              <a:t>Was ist besser?</a:t>
+            </a:r>
+          </a:p>
+          <a:p>
             <a:pPr marL="0" indent="0">
               <a:buNone/>
             </a:pPr>
-            <a:r>
-              <a:rPr lang="de-AT" dirty="0" smtClean="0"/>
-              <a:t>+ Plattformunabhängig</a:t>
-            </a:r>
-          </a:p>
-          <a:p>
-            <a:pPr>
-              <a:buFontTx/>
-              <a:buChar char="-"/>
-            </a:pPr>
-            <a:r>
-              <a:rPr lang="de-AT" dirty="0" err="1" smtClean="0"/>
-              <a:t>Commandozeile</a:t>
-            </a:r>
-            <a:endParaRPr lang="de-AT" dirty="0" smtClean="0"/>
-          </a:p>
-          <a:p>
-            <a:pPr>
-              <a:buFontTx/>
-              <a:buChar char="-"/>
-            </a:pPr>
-            <a:r>
-              <a:rPr lang="de-AT" dirty="0" smtClean="0"/>
-              <a:t>IDL File und Syntax</a:t>
-            </a:r>
-            <a:endParaRPr lang="de-AT" dirty="0"/>
-          </a:p>
-        </p:txBody>
-      </p:sp>
-      <p:sp>
-        <p:nvSpPr>
-          <p:cNvPr id="5" name="Text Placeholder 4"/>
-          <p:cNvSpPr>
-            <a:spLocks noGrp="1"/>
-          </p:cNvSpPr>
-          <p:nvPr>
-            <p:ph type="body" sz="quarter" idx="3"/>
-          </p:nvPr>
-        </p:nvSpPr>
-        <p:spPr/>
-        <p:txBody>
-          <a:bodyPr/>
-          <a:lstStyle/>
-          <a:p>
-            <a:r>
-              <a:rPr lang="de-AT" dirty="0" smtClean="0"/>
-              <a:t>Webservices</a:t>
-            </a:r>
-            <a:endParaRPr lang="de-AT" dirty="0"/>
-          </a:p>
-        </p:txBody>
-      </p:sp>
-      <p:sp>
-        <p:nvSpPr>
-          <p:cNvPr id="6" name="Content Placeholder 5"/>
-          <p:cNvSpPr>
-            <a:spLocks noGrp="1"/>
-          </p:cNvSpPr>
-          <p:nvPr>
-            <p:ph sz="quarter" idx="4"/>
-          </p:nvPr>
-        </p:nvSpPr>
-        <p:spPr/>
-        <p:txBody>
-          <a:bodyPr>
-            <a:normAutofit lnSpcReduction="10000"/>
-          </a:bodyPr>
-          <a:lstStyle/>
-          <a:p>
-            <a:pPr marL="0" indent="0">
-              <a:buNone/>
-            </a:pPr>
-            <a:r>
-              <a:rPr lang="de-AT" dirty="0" smtClean="0"/>
-              <a:t>+ Kann alles was auch </a:t>
-            </a:r>
-            <a:r>
-              <a:rPr lang="de-AT" dirty="0" err="1" smtClean="0"/>
-              <a:t>Corba</a:t>
-            </a:r>
-            <a:r>
-              <a:rPr lang="de-AT" dirty="0" smtClean="0"/>
-              <a:t> kann</a:t>
-            </a:r>
-          </a:p>
-          <a:p>
-            <a:pPr marL="0" indent="0">
-              <a:buNone/>
-            </a:pPr>
-            <a:r>
-              <a:rPr lang="de-AT" dirty="0" smtClean="0"/>
-              <a:t>+ aktueller</a:t>
-            </a:r>
-          </a:p>
-          <a:p>
-            <a:pPr marL="0" indent="0">
-              <a:buNone/>
-            </a:pPr>
-            <a:r>
-              <a:rPr lang="de-AT" dirty="0" smtClean="0"/>
-              <a:t>+ Besseres </a:t>
-            </a:r>
-            <a:r>
-              <a:rPr lang="de-AT" dirty="0" err="1" smtClean="0"/>
-              <a:t>Tooling</a:t>
-            </a:r>
-            <a:r>
-              <a:rPr lang="de-AT" dirty="0" smtClean="0"/>
-              <a:t>, da kein IDL</a:t>
-            </a:r>
-          </a:p>
-          <a:p>
-            <a:pPr marL="0" indent="0">
-              <a:buNone/>
-            </a:pPr>
-            <a:r>
-              <a:rPr lang="de-AT" dirty="0" smtClean="0"/>
-              <a:t>+ Einfache Portierung von </a:t>
-            </a:r>
-            <a:r>
-              <a:rPr lang="de-AT" dirty="0" err="1" smtClean="0"/>
-              <a:t>Corba</a:t>
-            </a:r>
-            <a:endParaRPr lang="de-AT" dirty="0" smtClean="0"/>
-          </a:p>
-          <a:p>
-            <a:pPr>
-              <a:buFontTx/>
-              <a:buChar char="-"/>
-            </a:pPr>
-            <a:r>
-              <a:rPr lang="de-AT" dirty="0" smtClean="0"/>
-              <a:t>Braucht einen Webserver (</a:t>
-            </a:r>
-            <a:r>
-              <a:rPr lang="de-AT" dirty="0" err="1" smtClean="0"/>
-              <a:t>Glassfish</a:t>
-            </a:r>
-            <a:r>
-              <a:rPr lang="de-AT" dirty="0" smtClean="0"/>
-              <a:t>, IIS, usw.)</a:t>
-            </a:r>
-          </a:p>
-          <a:p>
-            <a:pPr>
-              <a:buFontTx/>
-              <a:buChar char="-"/>
-            </a:pPr>
-            <a:r>
-              <a:rPr lang="de-AT" dirty="0" smtClean="0"/>
-              <a:t>Für die Anbindung muss der Service aktiv sein</a:t>
-            </a:r>
-          </a:p>
-          <a:p>
-            <a:pPr>
-              <a:buFontTx/>
-              <a:buChar char="-"/>
-            </a:pPr>
-            <a:endParaRPr lang="de-AT" dirty="0"/>
-          </a:p>
-        </p:txBody>
-      </p:sp>
-      <p:sp>
-        <p:nvSpPr>
-          <p:cNvPr id="2" name="Title 1"/>
-          <p:cNvSpPr>
-            <a:spLocks noGrp="1"/>
-          </p:cNvSpPr>
-          <p:nvPr>
-            <p:ph type="title"/>
-          </p:nvPr>
-        </p:nvSpPr>
-        <p:spPr/>
-        <p:txBody>
-          <a:bodyPr/>
-          <a:lstStyle/>
-          <a:p>
-            <a:r>
-              <a:rPr lang="de-AT" dirty="0" smtClean="0"/>
-              <a:t>Fazit</a:t>
-            </a:r>
             <a:endParaRPr lang="de-AT" dirty="0"/>
           </a:p>
         </p:txBody>
@@ -10223,7 +8531,7 @@
     </p:spTree>
     <p:extLst>
       <p:ext uri="{BB962C8B-B14F-4D97-AF65-F5344CB8AC3E}">
-        <p14:creationId xmlns:p14="http://schemas.microsoft.com/office/powerpoint/2010/main" val="2744333271"/>
+        <p14:creationId xmlns:p14="http://schemas.microsoft.com/office/powerpoint/2010/main" val="3473902407"/>
       </p:ext>
     </p:extLst>
   </p:cSld>
@@ -10252,7 +8560,555 @@
       </p:grpSpPr>
       <p:sp>
         <p:nvSpPr>
-          <p:cNvPr id="2" name="Titel 1"/>
+          <p:cNvPr id="5" name="Text Placeholder 4"/>
+          <p:cNvSpPr>
+            <a:spLocks noGrp="1"/>
+          </p:cNvSpPr>
+          <p:nvPr>
+            <p:ph type="body" idx="1"/>
+          </p:nvPr>
+        </p:nvSpPr>
+        <p:spPr/>
+        <p:txBody>
+          <a:bodyPr/>
+          <a:lstStyle/>
+          <a:p>
+            <a:r>
+              <a:rPr lang="de-AT" dirty="0" err="1" smtClean="0"/>
+              <a:t>Corba</a:t>
+            </a:r>
+            <a:r>
+              <a:rPr lang="de-AT" dirty="0" smtClean="0"/>
+              <a:t> </a:t>
+            </a:r>
+            <a:r>
+              <a:rPr lang="de-AT" dirty="0" smtClean="0">
+                <a:solidFill>
+                  <a:srgbClr val="FF0000"/>
+                </a:solidFill>
+              </a:rPr>
+              <a:t>IDL</a:t>
+            </a:r>
+            <a:endParaRPr lang="de-AT" dirty="0">
+              <a:solidFill>
+                <a:srgbClr val="FF0000"/>
+              </a:solidFill>
+            </a:endParaRPr>
+          </a:p>
+        </p:txBody>
+      </p:sp>
+      <p:sp>
+        <p:nvSpPr>
+          <p:cNvPr id="3" name="Content Placeholder 2"/>
+          <p:cNvSpPr>
+            <a:spLocks noGrp="1"/>
+          </p:cNvSpPr>
+          <p:nvPr>
+            <p:ph sz="half" idx="2"/>
+          </p:nvPr>
+        </p:nvSpPr>
+        <p:spPr/>
+        <p:txBody>
+          <a:bodyPr>
+            <a:normAutofit fontScale="70000" lnSpcReduction="20000"/>
+          </a:bodyPr>
+          <a:lstStyle/>
+          <a:p>
+            <a:pPr marL="0" indent="0">
+              <a:buNone/>
+            </a:pPr>
+            <a:r>
+              <a:rPr lang="de-AT" sz="2000" dirty="0" err="1" smtClean="0">
+                <a:solidFill>
+                  <a:srgbClr val="FF0000"/>
+                </a:solidFill>
+              </a:rPr>
+              <a:t>interface</a:t>
+            </a:r>
+            <a:r>
+              <a:rPr lang="de-AT" sz="2000" dirty="0" smtClean="0">
+                <a:solidFill>
+                  <a:srgbClr val="FF0000"/>
+                </a:solidFill>
+              </a:rPr>
+              <a:t> </a:t>
+            </a:r>
+            <a:r>
+              <a:rPr lang="de-AT" sz="2000" dirty="0" err="1" smtClean="0"/>
+              <a:t>MatchresultDataprovider</a:t>
+            </a:r>
+            <a:endParaRPr lang="de-AT" sz="2000" dirty="0" smtClean="0"/>
+          </a:p>
+          <a:p>
+            <a:pPr marL="0" indent="0">
+              <a:buNone/>
+            </a:pPr>
+            <a:r>
+              <a:rPr lang="de-AT" sz="2000" dirty="0" smtClean="0"/>
+              <a:t>       {</a:t>
+            </a:r>
+          </a:p>
+          <a:p>
+            <a:pPr marL="0" indent="0">
+              <a:buNone/>
+            </a:pPr>
+            <a:r>
+              <a:rPr lang="de-AT" sz="2000" dirty="0" smtClean="0"/>
+              <a:t>            </a:t>
+            </a:r>
+            <a:r>
+              <a:rPr lang="de-AT" sz="2000" dirty="0" err="1" smtClean="0"/>
+              <a:t>MatchresultListCorba</a:t>
+            </a:r>
+            <a:r>
+              <a:rPr lang="de-AT" sz="2000" dirty="0" smtClean="0"/>
+              <a:t> </a:t>
+            </a:r>
+            <a:r>
+              <a:rPr lang="de-AT" sz="2000" dirty="0" err="1" smtClean="0"/>
+              <a:t>getMatchresults</a:t>
+            </a:r>
+            <a:r>
+              <a:rPr lang="de-AT" sz="2000" dirty="0" smtClean="0"/>
+              <a:t>(</a:t>
+            </a:r>
+          </a:p>
+          <a:p>
+            <a:pPr marL="0" indent="0">
+              <a:buNone/>
+            </a:pPr>
+            <a:r>
+              <a:rPr lang="de-AT" sz="2000" dirty="0" smtClean="0"/>
+              <a:t>		</a:t>
+            </a:r>
+            <a:r>
+              <a:rPr lang="de-AT" sz="2000" dirty="0" smtClean="0">
+                <a:solidFill>
+                  <a:srgbClr val="FF0000"/>
+                </a:solidFill>
+              </a:rPr>
+              <a:t>in</a:t>
+            </a:r>
+            <a:r>
+              <a:rPr lang="de-AT" sz="2000" dirty="0" smtClean="0"/>
+              <a:t> </a:t>
+            </a:r>
+            <a:r>
+              <a:rPr lang="de-AT" sz="2000" dirty="0" err="1" smtClean="0"/>
+              <a:t>string</a:t>
+            </a:r>
+            <a:r>
+              <a:rPr lang="de-AT" sz="2000" dirty="0" smtClean="0"/>
+              <a:t> </a:t>
+            </a:r>
+            <a:r>
+              <a:rPr lang="de-AT" sz="2000" dirty="0" err="1" smtClean="0"/>
+              <a:t>typeOfSport</a:t>
+            </a:r>
+            <a:r>
+              <a:rPr lang="de-AT" sz="2000" dirty="0" smtClean="0"/>
+              <a:t>,</a:t>
+            </a:r>
+          </a:p>
+          <a:p>
+            <a:pPr marL="0" indent="0">
+              <a:buNone/>
+            </a:pPr>
+            <a:r>
+              <a:rPr lang="de-AT" sz="2000" dirty="0" smtClean="0"/>
+              <a:t>		</a:t>
+            </a:r>
+            <a:r>
+              <a:rPr lang="de-AT" sz="2000" dirty="0" smtClean="0">
+                <a:solidFill>
+                  <a:srgbClr val="FF0000"/>
+                </a:solidFill>
+              </a:rPr>
+              <a:t>in</a:t>
+            </a:r>
+            <a:r>
+              <a:rPr lang="de-AT" sz="2000" dirty="0" smtClean="0"/>
+              <a:t> </a:t>
+            </a:r>
+            <a:r>
+              <a:rPr lang="de-AT" sz="2000" dirty="0" err="1" smtClean="0"/>
+              <a:t>string</a:t>
+            </a:r>
+            <a:r>
+              <a:rPr lang="de-AT" sz="2000" dirty="0" smtClean="0"/>
+              <a:t> </a:t>
+            </a:r>
+            <a:r>
+              <a:rPr lang="de-AT" sz="2000" dirty="0" err="1" smtClean="0"/>
+              <a:t>league</a:t>
+            </a:r>
+            <a:r>
+              <a:rPr lang="de-AT" sz="2000" dirty="0" smtClean="0"/>
+              <a:t>,</a:t>
+            </a:r>
+          </a:p>
+          <a:p>
+            <a:pPr marL="0" indent="0">
+              <a:buNone/>
+            </a:pPr>
+            <a:r>
+              <a:rPr lang="de-AT" sz="2000" dirty="0" smtClean="0"/>
+              <a:t>		</a:t>
+            </a:r>
+            <a:r>
+              <a:rPr lang="de-AT" sz="2000" dirty="0" smtClean="0">
+                <a:solidFill>
+                  <a:srgbClr val="FF0000"/>
+                </a:solidFill>
+              </a:rPr>
+              <a:t>in</a:t>
+            </a:r>
+            <a:r>
+              <a:rPr lang="de-AT" sz="2000" dirty="0" smtClean="0"/>
+              <a:t> </a:t>
+            </a:r>
+            <a:r>
+              <a:rPr lang="de-AT" sz="2000" dirty="0" err="1" smtClean="0"/>
+              <a:t>string</a:t>
+            </a:r>
+            <a:r>
+              <a:rPr lang="de-AT" sz="2000" dirty="0" smtClean="0"/>
+              <a:t> </a:t>
+            </a:r>
+            <a:r>
+              <a:rPr lang="de-AT" sz="2000" dirty="0" err="1" smtClean="0"/>
+              <a:t>compdate</a:t>
+            </a:r>
+            <a:r>
+              <a:rPr lang="de-AT" sz="2000" dirty="0" smtClean="0"/>
+              <a:t>);</a:t>
+            </a:r>
+          </a:p>
+          <a:p>
+            <a:pPr marL="0" indent="0">
+              <a:buNone/>
+            </a:pPr>
+            <a:endParaRPr lang="de-AT" sz="2000" dirty="0" smtClean="0"/>
+          </a:p>
+          <a:p>
+            <a:pPr marL="0" indent="0">
+              <a:buNone/>
+            </a:pPr>
+            <a:r>
+              <a:rPr lang="de-AT" sz="2000" dirty="0" smtClean="0"/>
+              <a:t>         </a:t>
+            </a:r>
+            <a:r>
+              <a:rPr lang="de-AT" sz="2000" dirty="0" err="1" smtClean="0"/>
+              <a:t>boolean</a:t>
+            </a:r>
+            <a:r>
+              <a:rPr lang="de-AT" sz="2000" dirty="0" smtClean="0"/>
+              <a:t> </a:t>
+            </a:r>
+            <a:r>
+              <a:rPr lang="de-AT" sz="2000" dirty="0" err="1" smtClean="0"/>
+              <a:t>isMatchresultFinal</a:t>
+            </a:r>
+            <a:r>
+              <a:rPr lang="de-AT" sz="2000" dirty="0" smtClean="0"/>
+              <a:t>(</a:t>
+            </a:r>
+          </a:p>
+          <a:p>
+            <a:pPr marL="0" indent="0">
+              <a:buNone/>
+            </a:pPr>
+            <a:r>
+              <a:rPr lang="de-AT" sz="2000" dirty="0" smtClean="0"/>
+              <a:t>		</a:t>
+            </a:r>
+            <a:r>
+              <a:rPr lang="de-AT" sz="2000" dirty="0" smtClean="0">
+                <a:solidFill>
+                  <a:srgbClr val="FF0000"/>
+                </a:solidFill>
+              </a:rPr>
+              <a:t>in</a:t>
+            </a:r>
+            <a:r>
+              <a:rPr lang="de-AT" sz="2000" dirty="0" smtClean="0"/>
+              <a:t> </a:t>
+            </a:r>
+            <a:r>
+              <a:rPr lang="de-AT" sz="2000" dirty="0" err="1" smtClean="0"/>
+              <a:t>MatchresultCorba</a:t>
+            </a:r>
+            <a:r>
+              <a:rPr lang="de-AT" sz="2000" dirty="0" smtClean="0"/>
+              <a:t> </a:t>
+            </a:r>
+            <a:r>
+              <a:rPr lang="de-AT" sz="2000" dirty="0" err="1" smtClean="0"/>
+              <a:t>result</a:t>
+            </a:r>
+            <a:r>
+              <a:rPr lang="de-AT" sz="2000" dirty="0" smtClean="0"/>
+              <a:t>); </a:t>
+            </a:r>
+          </a:p>
+          <a:p>
+            <a:pPr marL="0" indent="0">
+              <a:buNone/>
+            </a:pPr>
+            <a:r>
+              <a:rPr lang="de-AT" sz="2000" dirty="0" smtClean="0"/>
+              <a:t>        };</a:t>
+            </a:r>
+          </a:p>
+        </p:txBody>
+      </p:sp>
+      <p:sp>
+        <p:nvSpPr>
+          <p:cNvPr id="6" name="Text Placeholder 5"/>
+          <p:cNvSpPr>
+            <a:spLocks noGrp="1"/>
+          </p:cNvSpPr>
+          <p:nvPr>
+            <p:ph type="body" sz="quarter" idx="3"/>
+          </p:nvPr>
+        </p:nvSpPr>
+        <p:spPr/>
+        <p:txBody>
+          <a:bodyPr/>
+          <a:lstStyle/>
+          <a:p>
+            <a:r>
+              <a:rPr lang="de-AT" dirty="0" smtClean="0"/>
+              <a:t>Webservices</a:t>
+            </a:r>
+            <a:endParaRPr lang="de-AT" dirty="0"/>
+          </a:p>
+        </p:txBody>
+      </p:sp>
+      <p:sp>
+        <p:nvSpPr>
+          <p:cNvPr id="4" name="Content Placeholder 3"/>
+          <p:cNvSpPr>
+            <a:spLocks noGrp="1"/>
+          </p:cNvSpPr>
+          <p:nvPr>
+            <p:ph sz="quarter" idx="4"/>
+          </p:nvPr>
+        </p:nvSpPr>
+        <p:spPr/>
+        <p:txBody>
+          <a:bodyPr>
+            <a:normAutofit fontScale="85000" lnSpcReduction="10000"/>
+          </a:bodyPr>
+          <a:lstStyle/>
+          <a:p>
+            <a:pPr marL="0" indent="0">
+              <a:buNone/>
+            </a:pPr>
+            <a:r>
+              <a:rPr lang="en-US" sz="2000" dirty="0" smtClean="0">
+                <a:solidFill>
+                  <a:srgbClr val="FF0000"/>
+                </a:solidFill>
+              </a:rPr>
+              <a:t>@</a:t>
+            </a:r>
+            <a:r>
+              <a:rPr lang="en-US" sz="2000" dirty="0" err="1" smtClean="0">
+                <a:solidFill>
+                  <a:srgbClr val="FF0000"/>
+                </a:solidFill>
+              </a:rPr>
+              <a:t>WebService</a:t>
+            </a:r>
+            <a:r>
+              <a:rPr lang="en-US" sz="2000" dirty="0" smtClean="0">
+                <a:solidFill>
+                  <a:srgbClr val="FF0000"/>
+                </a:solidFill>
+              </a:rPr>
+              <a:t>(name = "</a:t>
+            </a:r>
+            <a:r>
+              <a:rPr lang="en-US" sz="2000" dirty="0" err="1" smtClean="0">
+                <a:solidFill>
+                  <a:srgbClr val="FF0000"/>
+                </a:solidFill>
+              </a:rPr>
+              <a:t>MatchSvc</a:t>
+            </a:r>
+            <a:r>
+              <a:rPr lang="en-US" sz="2000" dirty="0" smtClean="0">
+                <a:solidFill>
+                  <a:srgbClr val="FF0000"/>
+                </a:solidFill>
+              </a:rPr>
+              <a:t>")</a:t>
+            </a:r>
+          </a:p>
+          <a:p>
+            <a:pPr marL="0" indent="0">
+              <a:buNone/>
+            </a:pPr>
+            <a:r>
+              <a:rPr lang="en-US" sz="2000" dirty="0" smtClean="0"/>
+              <a:t>public class </a:t>
+            </a:r>
+            <a:r>
+              <a:rPr lang="en-US" sz="2000" dirty="0" err="1" smtClean="0"/>
+              <a:t>MatchService</a:t>
+            </a:r>
+            <a:endParaRPr lang="en-US" sz="2000" dirty="0" smtClean="0"/>
+          </a:p>
+          <a:p>
+            <a:pPr marL="0" indent="0">
+              <a:buNone/>
+            </a:pPr>
+            <a:r>
+              <a:rPr lang="en-US" sz="2000" dirty="0" smtClean="0"/>
+              <a:t>{</a:t>
+            </a:r>
+          </a:p>
+          <a:p>
+            <a:pPr marL="0" indent="0">
+              <a:buNone/>
+            </a:pPr>
+            <a:r>
+              <a:rPr lang="en-US" sz="2000" dirty="0" smtClean="0"/>
+              <a:t>    public </a:t>
+            </a:r>
+            <a:r>
+              <a:rPr lang="en-US" sz="2000" dirty="0" smtClean="0">
+                <a:solidFill>
+                  <a:srgbClr val="FF0000"/>
+                </a:solidFill>
+              </a:rPr>
+              <a:t>List&lt;</a:t>
+            </a:r>
+            <a:r>
+              <a:rPr lang="en-US" sz="2000" dirty="0" err="1" smtClean="0">
+                <a:solidFill>
+                  <a:srgbClr val="FF0000"/>
+                </a:solidFill>
+              </a:rPr>
+              <a:t>MatchresultWs</a:t>
+            </a:r>
+            <a:r>
+              <a:rPr lang="en-US" sz="2000" dirty="0" smtClean="0">
+                <a:solidFill>
+                  <a:srgbClr val="FF0000"/>
+                </a:solidFill>
+              </a:rPr>
+              <a:t>&gt; </a:t>
+            </a:r>
+            <a:r>
+              <a:rPr lang="en-US" sz="2000" dirty="0" err="1" smtClean="0"/>
+              <a:t>getMatches</a:t>
+            </a:r>
+            <a:r>
+              <a:rPr lang="en-US" sz="2000" dirty="0" smtClean="0"/>
+              <a:t>(</a:t>
+            </a:r>
+            <a:r>
+              <a:rPr lang="en-US" sz="2000" dirty="0" smtClean="0">
+                <a:solidFill>
+                  <a:srgbClr val="FF0000"/>
+                </a:solidFill>
+              </a:rPr>
+              <a:t>String</a:t>
+            </a:r>
+            <a:r>
+              <a:rPr lang="en-US" sz="2000" dirty="0" smtClean="0"/>
+              <a:t> </a:t>
+            </a:r>
+            <a:r>
+              <a:rPr lang="en-US" sz="2000" dirty="0" err="1" smtClean="0"/>
+              <a:t>competitiondate</a:t>
+            </a:r>
+            <a:r>
+              <a:rPr lang="en-US" sz="2000" dirty="0" smtClean="0"/>
+              <a:t>, </a:t>
+            </a:r>
+            <a:r>
+              <a:rPr lang="en-US" sz="2000" dirty="0" smtClean="0">
+                <a:solidFill>
+                  <a:srgbClr val="FF0000"/>
+                </a:solidFill>
+              </a:rPr>
+              <a:t>String</a:t>
+            </a:r>
+            <a:r>
+              <a:rPr lang="en-US" sz="2000" dirty="0" smtClean="0"/>
+              <a:t> league, </a:t>
+            </a:r>
+            <a:r>
+              <a:rPr lang="en-US" sz="2000" dirty="0" smtClean="0">
+                <a:solidFill>
+                  <a:srgbClr val="FF0000"/>
+                </a:solidFill>
+              </a:rPr>
+              <a:t>String</a:t>
+            </a:r>
+            <a:r>
+              <a:rPr lang="en-US" sz="2000" dirty="0" smtClean="0"/>
+              <a:t> </a:t>
+            </a:r>
+            <a:r>
+              <a:rPr lang="en-US" sz="2000" dirty="0" err="1" smtClean="0"/>
+              <a:t>typeOfSport</a:t>
+            </a:r>
+            <a:r>
+              <a:rPr lang="en-US" sz="2000" dirty="0" smtClean="0"/>
+              <a:t>)</a:t>
+            </a:r>
+          </a:p>
+          <a:p>
+            <a:pPr marL="0" indent="0">
+              <a:buNone/>
+            </a:pPr>
+            <a:r>
+              <a:rPr lang="en-US" sz="2000" dirty="0" smtClean="0"/>
+              <a:t>    {</a:t>
+            </a:r>
+          </a:p>
+          <a:p>
+            <a:pPr marL="0" indent="0">
+              <a:buNone/>
+            </a:pPr>
+            <a:r>
+              <a:rPr lang="en-US" sz="2000" dirty="0" smtClean="0"/>
+              <a:t>…</a:t>
+            </a:r>
+          </a:p>
+          <a:p>
+            <a:pPr marL="0" indent="0">
+              <a:buNone/>
+            </a:pPr>
+            <a:r>
+              <a:rPr lang="en-US" sz="2000" dirty="0"/>
+              <a:t> </a:t>
+            </a:r>
+            <a:r>
+              <a:rPr lang="en-US" sz="2000" dirty="0" smtClean="0"/>
+              <a:t>    }</a:t>
+            </a:r>
+          </a:p>
+          <a:p>
+            <a:pPr marL="0" indent="0">
+              <a:buNone/>
+            </a:pPr>
+            <a:r>
+              <a:rPr lang="en-US" sz="2000" dirty="0"/>
+              <a:t>}</a:t>
+            </a:r>
+            <a:endParaRPr lang="de-AT" sz="2000" dirty="0"/>
+          </a:p>
+        </p:txBody>
+      </p:sp>
+      <p:sp>
+        <p:nvSpPr>
+          <p:cNvPr id="2" name="Title 1"/>
           <p:cNvSpPr>
             <a:spLocks noGrp="1"/>
           </p:cNvSpPr>
@@ -10267,35 +9123,16 @@
           <a:p>
             <a:r>
               <a:rPr lang="de-AT" dirty="0" smtClean="0"/>
-              <a:t>GUI und Tests</a:t>
+              <a:t>Interfacedefinition</a:t>
             </a:r>
             <a:endParaRPr lang="de-AT" dirty="0"/>
-          </a:p>
-        </p:txBody>
-      </p:sp>
-      <p:sp>
-        <p:nvSpPr>
-          <p:cNvPr id="3" name="Textplatzhalter 2"/>
-          <p:cNvSpPr>
-            <a:spLocks noGrp="1"/>
-          </p:cNvSpPr>
-          <p:nvPr>
-            <p:ph type="body" idx="1"/>
-          </p:nvPr>
-        </p:nvSpPr>
-        <p:spPr/>
-        <p:txBody>
-          <a:bodyPr/>
-          <a:lstStyle/>
-          <a:p>
-            <a:endParaRPr lang="de-AT"/>
           </a:p>
         </p:txBody>
       </p:sp>
     </p:spTree>
     <p:extLst>
       <p:ext uri="{BB962C8B-B14F-4D97-AF65-F5344CB8AC3E}">
-        <p14:creationId xmlns:p14="http://schemas.microsoft.com/office/powerpoint/2010/main" val="791360354"/>
+        <p14:creationId xmlns:p14="http://schemas.microsoft.com/office/powerpoint/2010/main" val="534916974"/>
       </p:ext>
     </p:extLst>
   </p:cSld>
@@ -10324,7 +9161,584 @@
       </p:grpSpPr>
       <p:sp>
         <p:nvSpPr>
-          <p:cNvPr id="2" name="Titel 1"/>
+          <p:cNvPr id="5" name="Text Placeholder 4"/>
+          <p:cNvSpPr>
+            <a:spLocks noGrp="1"/>
+          </p:cNvSpPr>
+          <p:nvPr>
+            <p:ph type="body" idx="1"/>
+          </p:nvPr>
+        </p:nvSpPr>
+        <p:spPr/>
+        <p:txBody>
+          <a:bodyPr/>
+          <a:lstStyle/>
+          <a:p>
+            <a:r>
+              <a:rPr lang="de-AT" dirty="0" err="1" smtClean="0"/>
+              <a:t>Corba</a:t>
+            </a:r>
+            <a:r>
+              <a:rPr lang="de-AT" dirty="0" smtClean="0"/>
+              <a:t> </a:t>
+            </a:r>
+            <a:r>
+              <a:rPr lang="de-AT" dirty="0" smtClean="0">
+                <a:solidFill>
+                  <a:srgbClr val="FF0000"/>
+                </a:solidFill>
+              </a:rPr>
+              <a:t>IDL</a:t>
+            </a:r>
+            <a:endParaRPr lang="de-AT" dirty="0">
+              <a:solidFill>
+                <a:srgbClr val="FF0000"/>
+              </a:solidFill>
+            </a:endParaRPr>
+          </a:p>
+        </p:txBody>
+      </p:sp>
+      <p:sp>
+        <p:nvSpPr>
+          <p:cNvPr id="3" name="Content Placeholder 2"/>
+          <p:cNvSpPr>
+            <a:spLocks noGrp="1"/>
+          </p:cNvSpPr>
+          <p:nvPr>
+            <p:ph sz="half" idx="2"/>
+          </p:nvPr>
+        </p:nvSpPr>
+        <p:spPr/>
+        <p:txBody>
+          <a:bodyPr>
+            <a:normAutofit fontScale="85000" lnSpcReduction="20000"/>
+          </a:bodyPr>
+          <a:lstStyle/>
+          <a:p>
+            <a:pPr marL="0" indent="0">
+              <a:buNone/>
+            </a:pPr>
+            <a:r>
+              <a:rPr lang="de-AT" sz="2000" dirty="0" smtClean="0"/>
+              <a:t> </a:t>
+            </a:r>
+            <a:r>
+              <a:rPr lang="de-AT" sz="2000" dirty="0" err="1" smtClean="0">
+                <a:solidFill>
+                  <a:srgbClr val="FF0000"/>
+                </a:solidFill>
+              </a:rPr>
+              <a:t>struct</a:t>
+            </a:r>
+            <a:r>
+              <a:rPr lang="de-AT" sz="2000" dirty="0" smtClean="0">
+                <a:solidFill>
+                  <a:srgbClr val="FF0000"/>
+                </a:solidFill>
+              </a:rPr>
+              <a:t> </a:t>
+            </a:r>
+            <a:r>
+              <a:rPr lang="de-AT" sz="2000" dirty="0" err="1" smtClean="0"/>
+              <a:t>MatchresultCorba</a:t>
+            </a:r>
+            <a:endParaRPr lang="de-AT" sz="2000" dirty="0" smtClean="0"/>
+          </a:p>
+          <a:p>
+            <a:pPr marL="0" indent="0">
+              <a:buNone/>
+            </a:pPr>
+            <a:r>
+              <a:rPr lang="de-AT" sz="2000" dirty="0" smtClean="0"/>
+              <a:t>        {</a:t>
+            </a:r>
+          </a:p>
+          <a:p>
+            <a:pPr marL="0" indent="0">
+              <a:buNone/>
+            </a:pPr>
+            <a:r>
+              <a:rPr lang="de-AT" sz="2000" dirty="0" smtClean="0"/>
+              <a:t>            </a:t>
+            </a:r>
+            <a:r>
+              <a:rPr lang="de-AT" sz="2000" dirty="0" err="1" smtClean="0"/>
+              <a:t>long</a:t>
+            </a:r>
+            <a:r>
+              <a:rPr lang="de-AT" sz="2000" dirty="0" smtClean="0"/>
+              <a:t> </a:t>
+            </a:r>
+            <a:r>
+              <a:rPr lang="de-AT" sz="2000" dirty="0" err="1" smtClean="0"/>
+              <a:t>Id</a:t>
+            </a:r>
+            <a:r>
+              <a:rPr lang="de-AT" sz="2000" dirty="0" smtClean="0"/>
+              <a:t>;</a:t>
+            </a:r>
+          </a:p>
+          <a:p>
+            <a:pPr marL="0" indent="0">
+              <a:buNone/>
+            </a:pPr>
+            <a:r>
+              <a:rPr lang="de-AT" sz="2000" dirty="0" smtClean="0"/>
+              <a:t>            </a:t>
+            </a:r>
+            <a:r>
+              <a:rPr lang="de-AT" sz="2000" dirty="0" err="1" smtClean="0"/>
+              <a:t>string</a:t>
+            </a:r>
+            <a:r>
+              <a:rPr lang="de-AT" sz="2000" dirty="0" smtClean="0"/>
+              <a:t> Date;</a:t>
+            </a:r>
+          </a:p>
+          <a:p>
+            <a:pPr marL="0" indent="0">
+              <a:buNone/>
+            </a:pPr>
+            <a:r>
+              <a:rPr lang="de-AT" sz="2000" dirty="0" smtClean="0"/>
+              <a:t>            </a:t>
+            </a:r>
+            <a:r>
+              <a:rPr lang="de-AT" sz="2000" dirty="0" err="1" smtClean="0"/>
+              <a:t>string</a:t>
+            </a:r>
+            <a:r>
+              <a:rPr lang="de-AT" sz="2000" dirty="0" smtClean="0"/>
+              <a:t> </a:t>
+            </a:r>
+            <a:r>
+              <a:rPr lang="de-AT" sz="2000" dirty="0" err="1" smtClean="0"/>
+              <a:t>hometeam</a:t>
+            </a:r>
+            <a:r>
+              <a:rPr lang="de-AT" sz="2000" dirty="0" smtClean="0"/>
+              <a:t>;</a:t>
+            </a:r>
+          </a:p>
+          <a:p>
+            <a:pPr marL="0" indent="0">
+              <a:buNone/>
+            </a:pPr>
+            <a:r>
+              <a:rPr lang="de-AT" sz="2000" dirty="0" smtClean="0"/>
+              <a:t>            </a:t>
+            </a:r>
+            <a:r>
+              <a:rPr lang="de-AT" sz="2000" dirty="0" err="1" smtClean="0"/>
+              <a:t>string</a:t>
+            </a:r>
+            <a:r>
+              <a:rPr lang="de-AT" sz="2000" dirty="0" smtClean="0"/>
+              <a:t> </a:t>
+            </a:r>
+            <a:r>
+              <a:rPr lang="de-AT" sz="2000" dirty="0" err="1" smtClean="0"/>
+              <a:t>foreignteam</a:t>
+            </a:r>
+            <a:r>
+              <a:rPr lang="de-AT" sz="2000" dirty="0" smtClean="0"/>
+              <a:t>;</a:t>
+            </a:r>
+          </a:p>
+          <a:p>
+            <a:pPr marL="0" indent="0">
+              <a:buNone/>
+            </a:pPr>
+            <a:r>
+              <a:rPr lang="de-AT" sz="2000" dirty="0" smtClean="0"/>
+              <a:t>            double </a:t>
+            </a:r>
+            <a:r>
+              <a:rPr lang="de-AT" sz="2000" dirty="0" err="1" smtClean="0"/>
+              <a:t>pointsHometeam</a:t>
+            </a:r>
+            <a:r>
+              <a:rPr lang="de-AT" sz="2000" dirty="0" smtClean="0"/>
+              <a:t>;</a:t>
+            </a:r>
+          </a:p>
+          <a:p>
+            <a:pPr marL="0" indent="0">
+              <a:buNone/>
+            </a:pPr>
+            <a:r>
+              <a:rPr lang="de-AT" sz="2000" dirty="0" smtClean="0"/>
+              <a:t>            double </a:t>
+            </a:r>
+            <a:r>
+              <a:rPr lang="de-AT" sz="2000" dirty="0" err="1" smtClean="0"/>
+              <a:t>pointsForeignteam</a:t>
+            </a:r>
+            <a:r>
+              <a:rPr lang="de-AT" sz="2000" dirty="0" smtClean="0"/>
+              <a:t>;</a:t>
+            </a:r>
+          </a:p>
+          <a:p>
+            <a:pPr marL="0" indent="0">
+              <a:buNone/>
+            </a:pPr>
+            <a:r>
+              <a:rPr lang="de-AT" sz="2000" dirty="0" smtClean="0"/>
+              <a:t>        };</a:t>
+            </a:r>
+          </a:p>
+        </p:txBody>
+      </p:sp>
+      <p:sp>
+        <p:nvSpPr>
+          <p:cNvPr id="6" name="Text Placeholder 5"/>
+          <p:cNvSpPr>
+            <a:spLocks noGrp="1"/>
+          </p:cNvSpPr>
+          <p:nvPr>
+            <p:ph type="body" sz="quarter" idx="3"/>
+          </p:nvPr>
+        </p:nvSpPr>
+        <p:spPr/>
+        <p:txBody>
+          <a:bodyPr/>
+          <a:lstStyle/>
+          <a:p>
+            <a:r>
+              <a:rPr lang="de-AT" dirty="0" smtClean="0"/>
+              <a:t>Webservices</a:t>
+            </a:r>
+            <a:endParaRPr lang="de-AT" dirty="0"/>
+          </a:p>
+        </p:txBody>
+      </p:sp>
+      <p:sp>
+        <p:nvSpPr>
+          <p:cNvPr id="4" name="Content Placeholder 3"/>
+          <p:cNvSpPr>
+            <a:spLocks noGrp="1"/>
+          </p:cNvSpPr>
+          <p:nvPr>
+            <p:ph sz="quarter" idx="4"/>
+          </p:nvPr>
+        </p:nvSpPr>
+        <p:spPr/>
+        <p:txBody>
+          <a:bodyPr>
+            <a:noAutofit/>
+          </a:bodyPr>
+          <a:lstStyle/>
+          <a:p>
+            <a:pPr marL="0" indent="0">
+              <a:buNone/>
+            </a:pPr>
+            <a:r>
+              <a:rPr lang="de-AT" sz="2000" dirty="0" smtClean="0">
+                <a:solidFill>
+                  <a:srgbClr val="FF0000"/>
+                </a:solidFill>
+              </a:rPr>
+              <a:t>@</a:t>
+            </a:r>
+            <a:r>
+              <a:rPr lang="de-AT" sz="2000" dirty="0" err="1" smtClean="0">
+                <a:solidFill>
+                  <a:srgbClr val="FF0000"/>
+                </a:solidFill>
+              </a:rPr>
+              <a:t>XmlType</a:t>
+            </a:r>
+            <a:r>
+              <a:rPr lang="de-AT" sz="2000" dirty="0" smtClean="0">
+                <a:solidFill>
+                  <a:srgbClr val="FF0000"/>
+                </a:solidFill>
+              </a:rPr>
+              <a:t>(</a:t>
+            </a:r>
+            <a:r>
+              <a:rPr lang="de-AT" sz="2000" dirty="0" err="1" smtClean="0">
+                <a:solidFill>
+                  <a:srgbClr val="FF0000"/>
+                </a:solidFill>
+              </a:rPr>
+              <a:t>propOrder</a:t>
+            </a:r>
+            <a:r>
+              <a:rPr lang="de-AT" sz="2000" dirty="0" smtClean="0">
+                <a:solidFill>
+                  <a:srgbClr val="FF0000"/>
+                </a:solidFill>
+              </a:rPr>
+              <a:t> = { "</a:t>
+            </a:r>
+            <a:r>
+              <a:rPr lang="de-AT" sz="2000" dirty="0" err="1" smtClean="0">
+                <a:solidFill>
+                  <a:srgbClr val="FF0000"/>
+                </a:solidFill>
+              </a:rPr>
+              <a:t>id</a:t>
+            </a:r>
+            <a:r>
+              <a:rPr lang="de-AT" sz="2000" dirty="0" smtClean="0">
+                <a:solidFill>
+                  <a:srgbClr val="FF0000"/>
+                </a:solidFill>
+              </a:rPr>
+              <a:t>", "</a:t>
+            </a:r>
+            <a:r>
+              <a:rPr lang="de-AT" sz="2000" dirty="0" err="1" smtClean="0">
+                <a:solidFill>
+                  <a:srgbClr val="FF0000"/>
+                </a:solidFill>
+              </a:rPr>
+              <a:t>date</a:t>
+            </a:r>
+            <a:r>
+              <a:rPr lang="de-AT" sz="2000" dirty="0" smtClean="0">
+                <a:solidFill>
+                  <a:srgbClr val="FF0000"/>
+                </a:solidFill>
+              </a:rPr>
+              <a:t>", …})</a:t>
+            </a:r>
+          </a:p>
+          <a:p>
+            <a:pPr marL="0" indent="0">
+              <a:buNone/>
+            </a:pPr>
+            <a:r>
+              <a:rPr lang="de-AT" sz="2000" dirty="0" err="1" smtClean="0"/>
+              <a:t>public</a:t>
+            </a:r>
+            <a:r>
+              <a:rPr lang="de-AT" sz="2000" dirty="0" smtClean="0"/>
+              <a:t> </a:t>
+            </a:r>
+            <a:r>
+              <a:rPr lang="de-AT" sz="2000" dirty="0" err="1" smtClean="0"/>
+              <a:t>class</a:t>
+            </a:r>
+            <a:r>
+              <a:rPr lang="de-AT" sz="2000" dirty="0" smtClean="0"/>
+              <a:t> </a:t>
+            </a:r>
+            <a:r>
+              <a:rPr lang="de-AT" sz="2000" dirty="0" err="1" smtClean="0"/>
+              <a:t>MatchresultWs</a:t>
+            </a:r>
+            <a:endParaRPr lang="de-AT" sz="2000" dirty="0" smtClean="0"/>
+          </a:p>
+          <a:p>
+            <a:pPr marL="0" indent="0">
+              <a:buNone/>
+            </a:pPr>
+            <a:r>
+              <a:rPr lang="de-AT" sz="2000" dirty="0" smtClean="0"/>
+              <a:t>{</a:t>
+            </a:r>
+          </a:p>
+          <a:p>
+            <a:pPr marL="0" indent="0">
+              <a:buNone/>
+            </a:pPr>
+            <a:r>
+              <a:rPr lang="de-AT" sz="2000" dirty="0" smtClean="0"/>
+              <a:t>…</a:t>
+            </a:r>
+          </a:p>
+          <a:p>
+            <a:pPr marL="0" indent="0">
+              <a:buNone/>
+            </a:pPr>
+            <a:endParaRPr lang="de-AT" sz="2000" dirty="0" smtClean="0"/>
+          </a:p>
+          <a:p>
+            <a:pPr marL="0" indent="0">
+              <a:buNone/>
+            </a:pPr>
+            <a:r>
+              <a:rPr lang="de-AT" sz="2000" dirty="0" smtClean="0">
+                <a:solidFill>
+                  <a:srgbClr val="FF0000"/>
+                </a:solidFill>
+              </a:rPr>
+              <a:t>    @</a:t>
+            </a:r>
+            <a:r>
+              <a:rPr lang="de-AT" sz="2000" dirty="0" err="1" smtClean="0">
+                <a:solidFill>
+                  <a:srgbClr val="FF0000"/>
+                </a:solidFill>
+              </a:rPr>
+              <a:t>XmlElement</a:t>
+            </a:r>
+            <a:r>
+              <a:rPr lang="de-AT" sz="2000" dirty="0" smtClean="0">
+                <a:solidFill>
+                  <a:srgbClr val="FF0000"/>
+                </a:solidFill>
+              </a:rPr>
+              <a:t>(</a:t>
+            </a:r>
+            <a:r>
+              <a:rPr lang="de-AT" sz="2000" dirty="0" err="1" smtClean="0">
+                <a:solidFill>
+                  <a:srgbClr val="FF0000"/>
+                </a:solidFill>
+              </a:rPr>
+              <a:t>name</a:t>
+            </a:r>
+            <a:r>
+              <a:rPr lang="de-AT" sz="2000" dirty="0" smtClean="0">
+                <a:solidFill>
+                  <a:srgbClr val="FF0000"/>
+                </a:solidFill>
+              </a:rPr>
+              <a:t> = "</a:t>
+            </a:r>
+            <a:r>
+              <a:rPr lang="de-AT" sz="2000" dirty="0" err="1" smtClean="0">
+                <a:solidFill>
+                  <a:srgbClr val="FF0000"/>
+                </a:solidFill>
+              </a:rPr>
+              <a:t>id</a:t>
+            </a:r>
+            <a:r>
+              <a:rPr lang="de-AT" sz="2000" dirty="0" smtClean="0">
+                <a:solidFill>
+                  <a:srgbClr val="FF0000"/>
+                </a:solidFill>
+              </a:rPr>
+              <a:t>", </a:t>
+            </a:r>
+            <a:r>
+              <a:rPr lang="de-AT" sz="2000" dirty="0" err="1" smtClean="0">
+                <a:solidFill>
+                  <a:srgbClr val="FF0000"/>
+                </a:solidFill>
+              </a:rPr>
+              <a:t>required</a:t>
+            </a:r>
+            <a:r>
+              <a:rPr lang="de-AT" sz="2000" dirty="0" smtClean="0">
+                <a:solidFill>
+                  <a:srgbClr val="FF0000"/>
+                </a:solidFill>
+              </a:rPr>
+              <a:t> = </a:t>
+            </a:r>
+            <a:r>
+              <a:rPr lang="de-AT" sz="2000" dirty="0" err="1" smtClean="0">
+                <a:solidFill>
+                  <a:srgbClr val="FF0000"/>
+                </a:solidFill>
+              </a:rPr>
+              <a:t>true</a:t>
+            </a:r>
+            <a:r>
+              <a:rPr lang="de-AT" sz="2000" dirty="0" smtClean="0">
+                <a:solidFill>
+                  <a:srgbClr val="FF0000"/>
+                </a:solidFill>
+              </a:rPr>
+              <a:t>)</a:t>
+            </a:r>
+          </a:p>
+          <a:p>
+            <a:pPr marL="0" indent="0">
+              <a:buNone/>
+            </a:pPr>
+            <a:r>
+              <a:rPr lang="de-AT" sz="2000" dirty="0" smtClean="0"/>
+              <a:t>    </a:t>
+            </a:r>
+            <a:r>
+              <a:rPr lang="de-AT" sz="2000" dirty="0" err="1" smtClean="0"/>
+              <a:t>public</a:t>
+            </a:r>
+            <a:r>
+              <a:rPr lang="de-AT" sz="2000" dirty="0" smtClean="0"/>
+              <a:t> </a:t>
+            </a:r>
+            <a:r>
+              <a:rPr lang="de-AT" sz="2000" dirty="0" err="1" smtClean="0"/>
+              <a:t>int</a:t>
+            </a:r>
+            <a:r>
+              <a:rPr lang="de-AT" sz="2000" dirty="0" smtClean="0"/>
+              <a:t> </a:t>
+            </a:r>
+            <a:r>
+              <a:rPr lang="de-AT" sz="2000" dirty="0" err="1" smtClean="0"/>
+              <a:t>getId</a:t>
+            </a:r>
+            <a:r>
+              <a:rPr lang="de-AT" sz="2000" dirty="0" smtClean="0"/>
+              <a:t>()</a:t>
+            </a:r>
+          </a:p>
+          <a:p>
+            <a:pPr marL="0" indent="0">
+              <a:buNone/>
+            </a:pPr>
+            <a:r>
+              <a:rPr lang="de-AT" sz="2000" dirty="0" smtClean="0"/>
+              <a:t>    {</a:t>
+            </a:r>
+          </a:p>
+          <a:p>
+            <a:pPr marL="0" indent="0">
+              <a:buNone/>
+            </a:pPr>
+            <a:r>
+              <a:rPr lang="de-AT" sz="2000" dirty="0" smtClean="0"/>
+              <a:t>        </a:t>
+            </a:r>
+            <a:r>
+              <a:rPr lang="de-AT" sz="2000" dirty="0" err="1" smtClean="0"/>
+              <a:t>return</a:t>
+            </a:r>
+            <a:r>
+              <a:rPr lang="de-AT" sz="2000" dirty="0" smtClean="0"/>
+              <a:t> </a:t>
+            </a:r>
+            <a:r>
+              <a:rPr lang="de-AT" sz="2000" dirty="0" err="1" smtClean="0"/>
+              <a:t>Id</a:t>
+            </a:r>
+            <a:r>
+              <a:rPr lang="de-AT" sz="2000" dirty="0" smtClean="0"/>
+              <a:t>;</a:t>
+            </a:r>
+          </a:p>
+          <a:p>
+            <a:pPr marL="0" indent="0">
+              <a:buNone/>
+            </a:pPr>
+            <a:r>
+              <a:rPr lang="de-AT" sz="2000" dirty="0" smtClean="0"/>
+              <a:t>    }</a:t>
+            </a:r>
+          </a:p>
+          <a:p>
+            <a:pPr marL="0" indent="0">
+              <a:buNone/>
+            </a:pPr>
+            <a:r>
+              <a:rPr lang="de-AT" sz="2000" dirty="0" smtClean="0"/>
+              <a:t>}</a:t>
+            </a:r>
+          </a:p>
+        </p:txBody>
+      </p:sp>
+      <p:sp>
+        <p:nvSpPr>
+          <p:cNvPr id="2" name="Title 1"/>
           <p:cNvSpPr>
             <a:spLocks noGrp="1"/>
           </p:cNvSpPr>
@@ -10339,97 +9753,7 @@
           <a:p>
             <a:r>
               <a:rPr lang="de-AT" dirty="0" smtClean="0"/>
-              <a:t>Allgemeines zur Oberfläche</a:t>
-            </a:r>
-            <a:endParaRPr lang="de-AT" dirty="0"/>
-          </a:p>
-        </p:txBody>
-      </p:sp>
-      <p:sp>
-        <p:nvSpPr>
-          <p:cNvPr id="3" name="Inhaltsplatzhalter 2"/>
-          <p:cNvSpPr>
-            <a:spLocks noGrp="1"/>
-          </p:cNvSpPr>
-          <p:nvPr>
-            <p:ph idx="1"/>
-          </p:nvPr>
-        </p:nvSpPr>
-        <p:spPr/>
-        <p:txBody>
-          <a:bodyPr/>
-          <a:lstStyle/>
-          <a:p>
-            <a:pPr>
-              <a:buFont typeface="Arial" panose="020B0604020202020204" pitchFamily="34" charset="0"/>
-              <a:buChar char="•"/>
-            </a:pPr>
-            <a:r>
-              <a:rPr lang="de-AT" dirty="0" smtClean="0"/>
-              <a:t>Swing – GUI</a:t>
-            </a:r>
-          </a:p>
-          <a:p>
-            <a:pPr>
-              <a:buFont typeface="Arial" panose="020B0604020202020204" pitchFamily="34" charset="0"/>
-              <a:buChar char="•"/>
-            </a:pPr>
-            <a:r>
-              <a:rPr lang="de-AT" dirty="0" smtClean="0"/>
-              <a:t>möglichst wenig Logik</a:t>
-            </a:r>
-          </a:p>
-          <a:p>
-            <a:pPr lvl="1">
-              <a:buFont typeface="Arial" panose="020B0604020202020204" pitchFamily="34" charset="0"/>
-              <a:buChar char="•"/>
-            </a:pPr>
-            <a:r>
-              <a:rPr lang="de-AT" dirty="0" smtClean="0"/>
-              <a:t>-&gt; </a:t>
-            </a:r>
-            <a:r>
-              <a:rPr lang="de-AT" dirty="0" err="1" smtClean="0"/>
-              <a:t>UseCase</a:t>
-            </a:r>
-            <a:r>
-              <a:rPr lang="de-AT" dirty="0" smtClean="0"/>
-              <a:t> Controllern</a:t>
-            </a:r>
-          </a:p>
-          <a:p>
-            <a:pPr>
-              <a:buFont typeface="Arial" panose="020B0604020202020204" pitchFamily="34" charset="0"/>
-              <a:buChar char="•"/>
-            </a:pPr>
-            <a:r>
-              <a:rPr lang="de-AT" dirty="0" err="1" smtClean="0"/>
-              <a:t>IUseCaseControllerFactory</a:t>
-            </a:r>
-            <a:r>
-              <a:rPr lang="de-AT" dirty="0"/>
-              <a:t> </a:t>
-            </a:r>
-            <a:endParaRPr lang="de-AT" dirty="0" smtClean="0"/>
-          </a:p>
-          <a:p>
-            <a:pPr lvl="1">
-              <a:buFont typeface="Arial" panose="020B0604020202020204" pitchFamily="34" charset="0"/>
-              <a:buChar char="•"/>
-            </a:pPr>
-            <a:r>
-              <a:rPr lang="de-AT" dirty="0" smtClean="0"/>
-              <a:t>-&gt; vereinfacht Technologie Anpassung</a:t>
-            </a:r>
-          </a:p>
-          <a:p>
-            <a:pPr>
-              <a:buFont typeface="Arial" panose="020B0604020202020204" pitchFamily="34" charset="0"/>
-              <a:buChar char="•"/>
-            </a:pPr>
-            <a:r>
-              <a:rPr lang="de-AT" dirty="0" smtClean="0"/>
-              <a:t>Actions vermitteln</a:t>
+              <a:t>DTO Definition</a:t>
             </a:r>
             <a:endParaRPr lang="de-AT" dirty="0"/>
           </a:p>
@@ -10438,7 +9762,7 @@
     </p:spTree>
     <p:extLst>
       <p:ext uri="{BB962C8B-B14F-4D97-AF65-F5344CB8AC3E}">
-        <p14:creationId xmlns:p14="http://schemas.microsoft.com/office/powerpoint/2010/main" val="3047194823"/>
+        <p14:creationId xmlns:p14="http://schemas.microsoft.com/office/powerpoint/2010/main" val="285709205"/>
       </p:ext>
     </p:extLst>
   </p:cSld>
@@ -10467,7 +9791,111 @@
       </p:grpSpPr>
       <p:sp>
         <p:nvSpPr>
-          <p:cNvPr id="2" name="Titel 1"/>
+          <p:cNvPr id="3" name="Text Placeholder 2"/>
+          <p:cNvSpPr>
+            <a:spLocks noGrp="1"/>
+          </p:cNvSpPr>
+          <p:nvPr>
+            <p:ph type="body" idx="1"/>
+          </p:nvPr>
+        </p:nvSpPr>
+        <p:spPr/>
+        <p:txBody>
+          <a:bodyPr/>
+          <a:lstStyle/>
+          <a:p>
+            <a:r>
+              <a:rPr lang="de-AT" dirty="0" err="1" smtClean="0"/>
+              <a:t>Corba</a:t>
+            </a:r>
+            <a:endParaRPr lang="de-AT" dirty="0"/>
+          </a:p>
+        </p:txBody>
+      </p:sp>
+      <p:sp>
+        <p:nvSpPr>
+          <p:cNvPr id="4" name="Content Placeholder 3"/>
+          <p:cNvSpPr>
+            <a:spLocks noGrp="1"/>
+          </p:cNvSpPr>
+          <p:nvPr>
+            <p:ph sz="half" idx="2"/>
+          </p:nvPr>
+        </p:nvSpPr>
+        <p:spPr/>
+        <p:txBody>
+          <a:bodyPr/>
+          <a:lstStyle/>
+          <a:p>
+            <a:r>
+              <a:rPr lang="de-AT" dirty="0" err="1" smtClean="0"/>
+              <a:t>Stubs</a:t>
+            </a:r>
+            <a:r>
+              <a:rPr lang="de-AT" dirty="0" smtClean="0"/>
+              <a:t> müssen erzeugt werden IDLJ</a:t>
+            </a:r>
+          </a:p>
+          <a:p>
+            <a:r>
+              <a:rPr lang="de-AT" dirty="0" smtClean="0"/>
+              <a:t>Implementierung der Logik per Vererbung</a:t>
+            </a:r>
+          </a:p>
+          <a:p>
+            <a:endParaRPr lang="de-AT" dirty="0"/>
+          </a:p>
+        </p:txBody>
+      </p:sp>
+      <p:sp>
+        <p:nvSpPr>
+          <p:cNvPr id="5" name="Text Placeholder 4"/>
+          <p:cNvSpPr>
+            <a:spLocks noGrp="1"/>
+          </p:cNvSpPr>
+          <p:nvPr>
+            <p:ph type="body" sz="quarter" idx="3"/>
+          </p:nvPr>
+        </p:nvSpPr>
+        <p:spPr/>
+        <p:txBody>
+          <a:bodyPr/>
+          <a:lstStyle/>
+          <a:p>
+            <a:r>
+              <a:rPr lang="de-AT" dirty="0" smtClean="0"/>
+              <a:t>Webservices</a:t>
+            </a:r>
+            <a:endParaRPr lang="de-AT" dirty="0"/>
+          </a:p>
+        </p:txBody>
+      </p:sp>
+      <p:sp>
+        <p:nvSpPr>
+          <p:cNvPr id="6" name="Content Placeholder 5"/>
+          <p:cNvSpPr>
+            <a:spLocks noGrp="1"/>
+          </p:cNvSpPr>
+          <p:nvPr>
+            <p:ph sz="quarter" idx="4"/>
+          </p:nvPr>
+        </p:nvSpPr>
+        <p:spPr/>
+        <p:txBody>
+          <a:bodyPr/>
+          <a:lstStyle/>
+          <a:p>
+            <a:r>
+              <a:rPr lang="de-AT" dirty="0" smtClean="0"/>
+              <a:t>Logik wird direkt in die Definition programmiert</a:t>
+            </a:r>
+            <a:endParaRPr lang="de-AT" dirty="0"/>
+          </a:p>
+        </p:txBody>
+      </p:sp>
+      <p:sp>
+        <p:nvSpPr>
+          <p:cNvPr id="2" name="Title 1"/>
           <p:cNvSpPr>
             <a:spLocks noGrp="1"/>
           </p:cNvSpPr>
@@ -10477,279 +9905,21 @@
         </p:nvSpPr>
         <p:spPr/>
         <p:txBody>
-          <a:bodyPr>
-            <a:normAutofit/>
-          </a:bodyPr>
+          <a:bodyPr/>
           <a:lstStyle/>
           <a:p>
             <a:r>
               <a:rPr lang="de-AT" dirty="0" smtClean="0"/>
-              <a:t>Beispiel: </a:t>
-            </a:r>
-            <a:r>
-              <a:rPr lang="de-AT" dirty="0" err="1" smtClean="0"/>
-              <a:t>IUseCaseControllerFactory</a:t>
+              <a:t>Server-Implementierung</a:t>
             </a:r>
             <a:endParaRPr lang="de-AT" dirty="0"/>
-          </a:p>
-        </p:txBody>
-      </p:sp>
-      <p:sp>
-        <p:nvSpPr>
-          <p:cNvPr id="3" name="Inhaltsplatzhalter 2"/>
-          <p:cNvSpPr>
-            <a:spLocks noGrp="1"/>
-          </p:cNvSpPr>
-          <p:nvPr>
-            <p:ph idx="1"/>
-          </p:nvPr>
-        </p:nvSpPr>
-        <p:spPr/>
-        <p:txBody>
-          <a:bodyPr>
-            <a:noAutofit/>
-          </a:bodyPr>
-          <a:lstStyle/>
-          <a:p>
-            <a:pPr marL="0" indent="0">
-              <a:buNone/>
-            </a:pPr>
-            <a:r>
-              <a:rPr lang="de-AT" sz="2000" dirty="0" err="1">
-                <a:cs typeface="Consolas" pitchFamily="49" charset="0"/>
-              </a:rPr>
-              <a:t>public</a:t>
-            </a:r>
-            <a:r>
-              <a:rPr lang="de-AT" sz="2000" dirty="0">
-                <a:cs typeface="Consolas" pitchFamily="49" charset="0"/>
-              </a:rPr>
-              <a:t> </a:t>
-            </a:r>
-            <a:r>
-              <a:rPr lang="de-AT" sz="2000" dirty="0" err="1">
-                <a:cs typeface="Consolas" pitchFamily="49" charset="0"/>
-              </a:rPr>
-              <a:t>interface</a:t>
-            </a:r>
-            <a:r>
-              <a:rPr lang="de-AT" sz="2000" dirty="0">
-                <a:cs typeface="Consolas" pitchFamily="49" charset="0"/>
-              </a:rPr>
-              <a:t> </a:t>
-            </a:r>
-            <a:r>
-              <a:rPr lang="de-AT" sz="2000" dirty="0" err="1">
-                <a:cs typeface="Consolas" pitchFamily="49" charset="0"/>
-              </a:rPr>
-              <a:t>IUseCaseControllerFactory</a:t>
-            </a:r>
-            <a:endParaRPr lang="de-AT" sz="2000" dirty="0">
-              <a:cs typeface="Consolas" pitchFamily="49" charset="0"/>
-            </a:endParaRPr>
-          </a:p>
-          <a:p>
-            <a:pPr marL="0" indent="0">
-              <a:buNone/>
-            </a:pPr>
-            <a:r>
-              <a:rPr lang="de-AT" sz="2000" dirty="0">
-                <a:cs typeface="Consolas" pitchFamily="49" charset="0"/>
-              </a:rPr>
-              <a:t>{</a:t>
-            </a:r>
-          </a:p>
-          <a:p>
-            <a:pPr marL="0" indent="0">
-              <a:buNone/>
-            </a:pPr>
-            <a:r>
-              <a:rPr lang="de-AT" sz="2000" dirty="0">
-                <a:cs typeface="Consolas" pitchFamily="49" charset="0"/>
-              </a:rPr>
-              <a:t>    </a:t>
-            </a:r>
-            <a:r>
-              <a:rPr lang="de-AT" sz="2000" dirty="0" err="1">
-                <a:cs typeface="Consolas" pitchFamily="49" charset="0"/>
-              </a:rPr>
-              <a:t>IAddMatchResultsController</a:t>
-            </a:r>
-            <a:r>
-              <a:rPr lang="de-AT" sz="2000" dirty="0">
-                <a:cs typeface="Consolas" pitchFamily="49" charset="0"/>
-              </a:rPr>
-              <a:t> </a:t>
-            </a:r>
-            <a:r>
-              <a:rPr lang="de-AT" sz="2000" dirty="0" err="1">
-                <a:cs typeface="Consolas" pitchFamily="49" charset="0"/>
-              </a:rPr>
-              <a:t>getAddMatchResultsController</a:t>
-            </a:r>
-            <a:r>
-              <a:rPr lang="de-AT" sz="2000" dirty="0">
-                <a:cs typeface="Consolas" pitchFamily="49" charset="0"/>
-              </a:rPr>
-              <a:t>()</a:t>
-            </a:r>
-          </a:p>
-          <a:p>
-            <a:pPr marL="0" indent="0">
-              <a:buNone/>
-            </a:pPr>
-            <a:r>
-              <a:rPr lang="de-AT" sz="2000" dirty="0">
-                <a:cs typeface="Consolas" pitchFamily="49" charset="0"/>
-              </a:rPr>
-              <a:t>            </a:t>
-            </a:r>
-            <a:r>
-              <a:rPr lang="de-AT" sz="2000" dirty="0" err="1">
-                <a:cs typeface="Consolas" pitchFamily="49" charset="0"/>
-              </a:rPr>
-              <a:t>throws</a:t>
-            </a:r>
-            <a:r>
-              <a:rPr lang="de-AT" sz="2000" dirty="0">
-                <a:cs typeface="Consolas" pitchFamily="49" charset="0"/>
-              </a:rPr>
-              <a:t> </a:t>
-            </a:r>
-            <a:r>
-              <a:rPr lang="de-AT" sz="2000" dirty="0" err="1">
-                <a:cs typeface="Consolas" pitchFamily="49" charset="0"/>
-              </a:rPr>
-              <a:t>ServiceNotAvailableException</a:t>
-            </a:r>
-            <a:r>
-              <a:rPr lang="de-AT" sz="2000" dirty="0">
-                <a:cs typeface="Consolas" pitchFamily="49" charset="0"/>
-              </a:rPr>
-              <a:t>;</a:t>
-            </a:r>
-          </a:p>
-          <a:p>
-            <a:pPr marL="0" indent="0">
-              <a:buNone/>
-            </a:pPr>
-            <a:endParaRPr lang="de-AT" sz="2000" dirty="0">
-              <a:cs typeface="Consolas" pitchFamily="49" charset="0"/>
-            </a:endParaRPr>
-          </a:p>
-          <a:p>
-            <a:pPr marL="0" indent="0">
-              <a:buNone/>
-            </a:pPr>
-            <a:r>
-              <a:rPr lang="de-AT" sz="2000" dirty="0">
-                <a:cs typeface="Consolas" pitchFamily="49" charset="0"/>
-              </a:rPr>
-              <a:t>    </a:t>
-            </a:r>
-            <a:r>
-              <a:rPr lang="de-AT" sz="2000" dirty="0" err="1">
-                <a:cs typeface="Consolas" pitchFamily="49" charset="0"/>
-              </a:rPr>
-              <a:t>IChangeCompetitionTeamController</a:t>
-            </a:r>
-            <a:r>
-              <a:rPr lang="de-AT" sz="2000" dirty="0">
-                <a:cs typeface="Consolas" pitchFamily="49" charset="0"/>
-              </a:rPr>
-              <a:t> </a:t>
-            </a:r>
-            <a:r>
-              <a:rPr lang="de-AT" sz="2000" dirty="0" err="1">
-                <a:cs typeface="Consolas" pitchFamily="49" charset="0"/>
-              </a:rPr>
-              <a:t>getChangeCompetitionTeamController</a:t>
-            </a:r>
-            <a:r>
-              <a:rPr lang="de-AT" sz="2000" dirty="0">
-                <a:cs typeface="Consolas" pitchFamily="49" charset="0"/>
-              </a:rPr>
-              <a:t>()</a:t>
-            </a:r>
-          </a:p>
-          <a:p>
-            <a:pPr marL="0" indent="0">
-              <a:buNone/>
-            </a:pPr>
-            <a:r>
-              <a:rPr lang="de-AT" sz="2000" dirty="0">
-                <a:cs typeface="Consolas" pitchFamily="49" charset="0"/>
-              </a:rPr>
-              <a:t>            </a:t>
-            </a:r>
-            <a:r>
-              <a:rPr lang="de-AT" sz="2000" dirty="0" err="1">
-                <a:cs typeface="Consolas" pitchFamily="49" charset="0"/>
-              </a:rPr>
-              <a:t>throws</a:t>
-            </a:r>
-            <a:r>
-              <a:rPr lang="de-AT" sz="2000" dirty="0">
-                <a:cs typeface="Consolas" pitchFamily="49" charset="0"/>
-              </a:rPr>
-              <a:t> </a:t>
-            </a:r>
-            <a:r>
-              <a:rPr lang="de-AT" sz="2000" dirty="0" err="1">
-                <a:cs typeface="Consolas" pitchFamily="49" charset="0"/>
-              </a:rPr>
-              <a:t>ServiceNotAvailableException</a:t>
-            </a:r>
-            <a:r>
-              <a:rPr lang="de-AT" sz="2000" dirty="0" smtClean="0">
-                <a:cs typeface="Consolas" pitchFamily="49" charset="0"/>
-              </a:rPr>
-              <a:t>;</a:t>
-            </a:r>
-            <a:endParaRPr lang="de-AT" sz="2000" dirty="0">
-              <a:cs typeface="Consolas" pitchFamily="49" charset="0"/>
-            </a:endParaRPr>
-          </a:p>
-          <a:p>
-            <a:pPr marL="0" indent="0">
-              <a:buNone/>
-            </a:pPr>
-            <a:r>
-              <a:rPr lang="de-AT" sz="2000" dirty="0">
-                <a:cs typeface="Consolas" pitchFamily="49" charset="0"/>
-              </a:rPr>
-              <a:t>    </a:t>
-            </a:r>
-            <a:r>
-              <a:rPr lang="de-AT" sz="2000" dirty="0" smtClean="0">
-                <a:cs typeface="Consolas" pitchFamily="49" charset="0"/>
-              </a:rPr>
-              <a:t>…</a:t>
-            </a:r>
-            <a:endParaRPr lang="de-AT" sz="2000" dirty="0">
-              <a:cs typeface="Consolas" pitchFamily="49" charset="0"/>
-            </a:endParaRPr>
-          </a:p>
-          <a:p>
-            <a:pPr marL="0" indent="0">
-              <a:buNone/>
-            </a:pPr>
-            <a:r>
-              <a:rPr lang="de-AT" sz="2000" dirty="0" smtClean="0">
-                <a:cs typeface="Consolas" pitchFamily="49" charset="0"/>
-              </a:rPr>
-              <a:t>}</a:t>
-            </a:r>
-            <a:endParaRPr lang="de-AT" sz="2000" dirty="0">
-              <a:cs typeface="Consolas" pitchFamily="49" charset="0"/>
-            </a:endParaRPr>
           </a:p>
         </p:txBody>
       </p:sp>
     </p:spTree>
     <p:extLst>
       <p:ext uri="{BB962C8B-B14F-4D97-AF65-F5344CB8AC3E}">
-        <p14:creationId xmlns:p14="http://schemas.microsoft.com/office/powerpoint/2010/main" val="808798365"/>
+        <p14:creationId xmlns:p14="http://schemas.microsoft.com/office/powerpoint/2010/main" val="648403004"/>
       </p:ext>
     </p:extLst>
   </p:cSld>
@@ -10930,7 +10100,242 @@
       </p:grpSpPr>
       <p:sp>
         <p:nvSpPr>
-          <p:cNvPr id="2" name="Titel 1"/>
+          <p:cNvPr id="3" name="Text Placeholder 2"/>
+          <p:cNvSpPr>
+            <a:spLocks noGrp="1"/>
+          </p:cNvSpPr>
+          <p:nvPr>
+            <p:ph type="body" idx="1"/>
+          </p:nvPr>
+        </p:nvSpPr>
+        <p:spPr/>
+        <p:txBody>
+          <a:bodyPr/>
+          <a:lstStyle/>
+          <a:p>
+            <a:r>
+              <a:rPr lang="de-AT" dirty="0" err="1" smtClean="0"/>
+              <a:t>Corba</a:t>
+            </a:r>
+            <a:endParaRPr lang="de-AT" dirty="0"/>
+          </a:p>
+        </p:txBody>
+      </p:sp>
+      <p:sp>
+        <p:nvSpPr>
+          <p:cNvPr id="4" name="Content Placeholder 3"/>
+          <p:cNvSpPr>
+            <a:spLocks noGrp="1"/>
+          </p:cNvSpPr>
+          <p:nvPr>
+            <p:ph sz="half" idx="2"/>
+          </p:nvPr>
+        </p:nvSpPr>
+        <p:spPr/>
+        <p:txBody>
+          <a:bodyPr>
+            <a:normAutofit/>
+          </a:bodyPr>
+          <a:lstStyle/>
+          <a:p>
+            <a:pPr marL="0" indent="0">
+              <a:buNone/>
+            </a:pPr>
+            <a:r>
+              <a:rPr lang="de-AT" sz="2000" dirty="0" err="1" smtClean="0"/>
+              <a:t>Runtime.getRuntime</a:t>
+            </a:r>
+            <a:r>
+              <a:rPr lang="de-AT" sz="2000" dirty="0" smtClean="0"/>
+              <a:t>().</a:t>
+            </a:r>
+            <a:r>
+              <a:rPr lang="de-AT" sz="2000" dirty="0" err="1" smtClean="0"/>
+              <a:t>exec</a:t>
+            </a:r>
+            <a:r>
+              <a:rPr lang="de-AT" sz="2000" dirty="0" smtClean="0"/>
+              <a:t>("</a:t>
+            </a:r>
+            <a:r>
+              <a:rPr lang="de-AT" sz="2000" dirty="0" err="1" smtClean="0"/>
+              <a:t>orbd</a:t>
+            </a:r>
+            <a:r>
+              <a:rPr lang="de-AT" sz="2000" dirty="0" smtClean="0"/>
+              <a:t> -</a:t>
+            </a:r>
+            <a:r>
+              <a:rPr lang="de-AT" sz="2000" dirty="0" err="1" smtClean="0"/>
+              <a:t>ORBInitialPort</a:t>
+            </a:r>
+            <a:r>
+              <a:rPr lang="de-AT" sz="2000" dirty="0" smtClean="0"/>
+              <a:t> 2050");</a:t>
+            </a:r>
+          </a:p>
+          <a:p>
+            <a:pPr marL="0" indent="0">
+              <a:buNone/>
+            </a:pPr>
+            <a:r>
+              <a:rPr lang="de-AT" sz="2000" dirty="0" smtClean="0"/>
+              <a:t>String[] args1 = </a:t>
+            </a:r>
+            <a:r>
+              <a:rPr lang="de-AT" sz="2000" dirty="0" err="1" smtClean="0"/>
+              <a:t>new</a:t>
+            </a:r>
+            <a:r>
+              <a:rPr lang="de-AT" sz="2000" dirty="0" smtClean="0"/>
+              <a:t> String[] {"-</a:t>
+            </a:r>
+            <a:r>
+              <a:rPr lang="de-AT" sz="2000" dirty="0" err="1" smtClean="0"/>
+              <a:t>ORBInitialPort</a:t>
+            </a:r>
+            <a:r>
+              <a:rPr lang="de-AT" sz="2000" dirty="0" smtClean="0"/>
+              <a:t>", "2050"};</a:t>
+            </a:r>
+          </a:p>
+          <a:p>
+            <a:pPr marL="0" indent="0">
+              <a:buNone/>
+            </a:pPr>
+            <a:r>
+              <a:rPr lang="de-AT" sz="2000" dirty="0" smtClean="0"/>
+              <a:t>ORB </a:t>
+            </a:r>
+            <a:r>
+              <a:rPr lang="de-AT" sz="2000" dirty="0" err="1" smtClean="0"/>
+              <a:t>orb</a:t>
+            </a:r>
+            <a:r>
+              <a:rPr lang="de-AT" sz="2000" dirty="0" smtClean="0"/>
+              <a:t> = </a:t>
+            </a:r>
+            <a:r>
+              <a:rPr lang="de-AT" sz="2000" dirty="0" err="1" smtClean="0"/>
+              <a:t>ORB.init</a:t>
+            </a:r>
+            <a:r>
+              <a:rPr lang="de-AT" sz="2000" dirty="0" smtClean="0"/>
+              <a:t>(args1, null);</a:t>
+            </a:r>
+          </a:p>
+          <a:p>
+            <a:pPr marL="0" indent="0">
+              <a:buNone/>
+            </a:pPr>
+            <a:r>
+              <a:rPr lang="de-AT" sz="2000" dirty="0" smtClean="0"/>
+              <a:t>… </a:t>
+            </a:r>
+            <a:r>
+              <a:rPr lang="de-AT" sz="2000" dirty="0" err="1" smtClean="0"/>
+              <a:t>magic</a:t>
+            </a:r>
+            <a:r>
+              <a:rPr lang="de-AT" sz="2000" dirty="0" smtClean="0"/>
+              <a:t>…</a:t>
+            </a:r>
+          </a:p>
+          <a:p>
+            <a:pPr marL="0" indent="0">
+              <a:buNone/>
+            </a:pPr>
+            <a:r>
+              <a:rPr lang="de-AT" sz="2000" dirty="0" err="1" smtClean="0"/>
+              <a:t>orb.run</a:t>
+            </a:r>
+            <a:r>
+              <a:rPr lang="de-AT" sz="2000" dirty="0" smtClean="0"/>
+              <a:t>();</a:t>
+            </a:r>
+            <a:endParaRPr lang="de-AT" sz="2000" dirty="0"/>
+          </a:p>
+        </p:txBody>
+      </p:sp>
+      <p:sp>
+        <p:nvSpPr>
+          <p:cNvPr id="5" name="Text Placeholder 4"/>
+          <p:cNvSpPr>
+            <a:spLocks noGrp="1"/>
+          </p:cNvSpPr>
+          <p:nvPr>
+            <p:ph type="body" sz="quarter" idx="3"/>
+          </p:nvPr>
+        </p:nvSpPr>
+        <p:spPr/>
+        <p:txBody>
+          <a:bodyPr/>
+          <a:lstStyle/>
+          <a:p>
+            <a:r>
+              <a:rPr lang="de-AT" dirty="0" smtClean="0"/>
+              <a:t>Webservices</a:t>
+            </a:r>
+            <a:endParaRPr lang="de-AT" dirty="0"/>
+          </a:p>
+        </p:txBody>
+      </p:sp>
+      <p:sp>
+        <p:nvSpPr>
+          <p:cNvPr id="6" name="Content Placeholder 5"/>
+          <p:cNvSpPr>
+            <a:spLocks noGrp="1"/>
+          </p:cNvSpPr>
+          <p:nvPr>
+            <p:ph sz="quarter" idx="4"/>
+          </p:nvPr>
+        </p:nvSpPr>
+        <p:spPr/>
+        <p:txBody>
+          <a:bodyPr/>
+          <a:lstStyle/>
+          <a:p>
+            <a:r>
+              <a:rPr lang="en-US" dirty="0" err="1" smtClean="0"/>
+              <a:t>Endpoint.publish</a:t>
+            </a:r>
+            <a:r>
+              <a:rPr lang="en-US" dirty="0" smtClean="0"/>
+              <a:t>("http://localhost:8080/services", new </a:t>
+            </a:r>
+            <a:r>
+              <a:rPr lang="en-US" dirty="0" err="1" smtClean="0"/>
+              <a:t>MatchService</a:t>
+            </a:r>
+            <a:r>
+              <a:rPr lang="en-US" dirty="0" smtClean="0"/>
+              <a:t>())</a:t>
+            </a:r>
+          </a:p>
+          <a:p>
+            <a:r>
+              <a:rPr lang="en-US" dirty="0" err="1" smtClean="0"/>
+              <a:t>Veröffentlichung</a:t>
+            </a:r>
+            <a:r>
+              <a:rPr lang="en-US" dirty="0" smtClean="0"/>
+              <a:t> </a:t>
+            </a:r>
+            <a:r>
+              <a:rPr lang="en-US" dirty="0" err="1" smtClean="0"/>
+              <a:t>als</a:t>
+            </a:r>
+            <a:r>
+              <a:rPr lang="en-US" dirty="0" smtClean="0"/>
+              <a:t> .war</a:t>
+            </a:r>
+            <a:endParaRPr lang="de-AT" dirty="0"/>
+          </a:p>
+        </p:txBody>
+      </p:sp>
+      <p:sp>
+        <p:nvSpPr>
+          <p:cNvPr id="2" name="Title 1"/>
           <p:cNvSpPr>
             <a:spLocks noGrp="1"/>
           </p:cNvSpPr>
@@ -10944,164 +10349,21 @@
           <a:lstStyle/>
           <a:p>
             <a:r>
+              <a:rPr lang="de-AT" dirty="0" smtClean="0"/>
+              <a:t>Server-</a:t>
+            </a:r>
+            <a:r>
               <a:rPr lang="de-AT" dirty="0" err="1" smtClean="0"/>
-              <a:t>UseCases</a:t>
+              <a:t>Deployment</a:t>
             </a:r>
             <a:endParaRPr lang="de-AT" dirty="0"/>
-          </a:p>
-        </p:txBody>
-      </p:sp>
-      <p:sp>
-        <p:nvSpPr>
-          <p:cNvPr id="3" name="Inhaltsplatzhalter 2"/>
-          <p:cNvSpPr>
-            <a:spLocks noGrp="1"/>
-          </p:cNvSpPr>
-          <p:nvPr>
-            <p:ph idx="1"/>
-          </p:nvPr>
-        </p:nvSpPr>
-        <p:spPr/>
-        <p:txBody>
-          <a:bodyPr>
-            <a:noAutofit/>
-          </a:bodyPr>
-          <a:lstStyle/>
-          <a:p>
-            <a:pPr>
-              <a:buFont typeface="Arial" panose="020B0604020202020204" pitchFamily="34" charset="0"/>
-              <a:buChar char="•"/>
-            </a:pPr>
-            <a:r>
-              <a:rPr lang="de-AT" sz="2000" dirty="0" smtClean="0"/>
-              <a:t>Login</a:t>
-            </a:r>
-          </a:p>
-          <a:p>
-            <a:pPr>
-              <a:buFont typeface="Arial" panose="020B0604020202020204" pitchFamily="34" charset="0"/>
-              <a:buChar char="•"/>
-            </a:pPr>
-            <a:r>
-              <a:rPr lang="de-AT" sz="2000" dirty="0" smtClean="0"/>
-              <a:t>Berechtigungsprüfung</a:t>
-            </a:r>
-            <a:endParaRPr lang="de-AT" sz="2000" dirty="0"/>
-          </a:p>
-          <a:p>
-            <a:pPr>
-              <a:buFont typeface="Arial" panose="020B0604020202020204" pitchFamily="34" charset="0"/>
-              <a:buChar char="•"/>
-            </a:pPr>
-            <a:r>
-              <a:rPr lang="de-AT" sz="2000" dirty="0" smtClean="0"/>
-              <a:t>Einladungen</a:t>
-            </a:r>
-          </a:p>
-          <a:p>
-            <a:pPr>
-              <a:buFont typeface="Arial" panose="020B0604020202020204" pitchFamily="34" charset="0"/>
-              <a:buChar char="•"/>
-            </a:pPr>
-            <a:r>
-              <a:rPr lang="de-AT" sz="2000" dirty="0" smtClean="0"/>
-              <a:t>Mitgliederverwaltung</a:t>
-            </a:r>
-          </a:p>
-          <a:p>
-            <a:pPr lvl="1">
-              <a:buFont typeface="Arial" panose="020B0604020202020204" pitchFamily="34" charset="0"/>
-              <a:buChar char="•"/>
-            </a:pPr>
-            <a:r>
-              <a:rPr lang="de-AT" sz="1600" dirty="0" smtClean="0"/>
-              <a:t>Mitglied suchen/ ändern</a:t>
-            </a:r>
-          </a:p>
-          <a:p>
-            <a:pPr lvl="1">
-              <a:buFont typeface="Arial" panose="020B0604020202020204" pitchFamily="34" charset="0"/>
-              <a:buChar char="•"/>
-            </a:pPr>
-            <a:r>
-              <a:rPr lang="de-AT" sz="1600" dirty="0" smtClean="0"/>
-              <a:t>Neues Mitglied anlegen</a:t>
-            </a:r>
-          </a:p>
-          <a:p>
-            <a:pPr lvl="1">
-              <a:buFont typeface="Arial" panose="020B0604020202020204" pitchFamily="34" charset="0"/>
-              <a:buChar char="•"/>
-            </a:pPr>
-            <a:r>
-              <a:rPr lang="de-AT" sz="1600" dirty="0" smtClean="0"/>
-              <a:t>Mitglied zu einem Team hinzufügen</a:t>
-            </a:r>
-            <a:endParaRPr lang="de-AT" sz="2000" dirty="0" smtClean="0"/>
-          </a:p>
-          <a:p>
-            <a:pPr>
-              <a:buFont typeface="Arial" panose="020B0604020202020204" pitchFamily="34" charset="0"/>
-              <a:buChar char="•"/>
-            </a:pPr>
-            <a:r>
-              <a:rPr lang="de-AT" sz="2000" dirty="0" smtClean="0"/>
-              <a:t>Wettkampfverwaltung</a:t>
-            </a:r>
-          </a:p>
-          <a:p>
-            <a:pPr lvl="1">
-              <a:buFont typeface="Arial" panose="020B0604020202020204" pitchFamily="34" charset="0"/>
-              <a:buChar char="•"/>
-            </a:pPr>
-            <a:r>
-              <a:rPr lang="de-AT" sz="1600" dirty="0" smtClean="0"/>
-              <a:t>Neuen Wettkampf anlegen</a:t>
-            </a:r>
-          </a:p>
-          <a:p>
-            <a:pPr lvl="1">
-              <a:buFont typeface="Arial" panose="020B0604020202020204" pitchFamily="34" charset="0"/>
-              <a:buChar char="•"/>
-            </a:pPr>
-            <a:r>
-              <a:rPr lang="de-AT" sz="1600" dirty="0" smtClean="0"/>
-              <a:t>Wettkampf Team festlegen</a:t>
-            </a:r>
-          </a:p>
-          <a:p>
-            <a:pPr lvl="1">
-              <a:buFont typeface="Arial" panose="020B0604020202020204" pitchFamily="34" charset="0"/>
-              <a:buChar char="•"/>
-            </a:pPr>
-            <a:r>
-              <a:rPr lang="de-AT" sz="1600" dirty="0" smtClean="0"/>
-              <a:t>Wettkampf anzeigen</a:t>
-            </a:r>
-          </a:p>
-          <a:p>
-            <a:pPr lvl="1">
-              <a:buFont typeface="Arial" panose="020B0604020202020204" pitchFamily="34" charset="0"/>
-              <a:buChar char="•"/>
-            </a:pPr>
-            <a:r>
-              <a:rPr lang="de-AT" sz="1600" dirty="0" smtClean="0"/>
-              <a:t>Wettkampf Resultate eingeben</a:t>
-            </a:r>
-          </a:p>
-          <a:p>
-            <a:pPr>
-              <a:buFont typeface="Arial" panose="020B0604020202020204" pitchFamily="34" charset="0"/>
-              <a:buChar char="•"/>
-            </a:pPr>
-            <a:endParaRPr lang="de-AT" sz="2000" dirty="0"/>
           </a:p>
         </p:txBody>
       </p:sp>
     </p:spTree>
     <p:extLst>
       <p:ext uri="{BB962C8B-B14F-4D97-AF65-F5344CB8AC3E}">
-        <p14:creationId xmlns:p14="http://schemas.microsoft.com/office/powerpoint/2010/main" val="1699838500"/>
+        <p14:creationId xmlns:p14="http://schemas.microsoft.com/office/powerpoint/2010/main" val="3247815555"/>
       </p:ext>
     </p:extLst>
   </p:cSld>
@@ -11130,6 +10392,1538 @@
       </p:grpSpPr>
       <p:sp>
         <p:nvSpPr>
+          <p:cNvPr id="3" name="Text Placeholder 2"/>
+          <p:cNvSpPr>
+            <a:spLocks noGrp="1"/>
+          </p:cNvSpPr>
+          <p:nvPr>
+            <p:ph type="body" idx="1"/>
+          </p:nvPr>
+        </p:nvSpPr>
+        <p:spPr/>
+        <p:txBody>
+          <a:bodyPr/>
+          <a:lstStyle/>
+          <a:p>
+            <a:r>
+              <a:rPr lang="de-AT" dirty="0" err="1" smtClean="0"/>
+              <a:t>Corba</a:t>
+            </a:r>
+            <a:endParaRPr lang="de-AT" dirty="0"/>
+          </a:p>
+        </p:txBody>
+      </p:sp>
+      <p:sp>
+        <p:nvSpPr>
+          <p:cNvPr id="4" name="Content Placeholder 3"/>
+          <p:cNvSpPr>
+            <a:spLocks noGrp="1"/>
+          </p:cNvSpPr>
+          <p:nvPr>
+            <p:ph sz="half" idx="2"/>
+          </p:nvPr>
+        </p:nvSpPr>
+        <p:spPr/>
+        <p:txBody>
+          <a:bodyPr/>
+          <a:lstStyle/>
+          <a:p>
+            <a:r>
+              <a:rPr lang="de-AT" dirty="0" err="1" smtClean="0"/>
+              <a:t>Commandozeile</a:t>
+            </a:r>
+            <a:r>
+              <a:rPr lang="de-AT" dirty="0" smtClean="0"/>
+              <a:t> IDLJ …</a:t>
+            </a:r>
+          </a:p>
+          <a:p>
+            <a:r>
+              <a:rPr lang="de-AT" dirty="0" smtClean="0"/>
+              <a:t>Kein update möglich</a:t>
+            </a:r>
+            <a:endParaRPr lang="de-AT" dirty="0"/>
+          </a:p>
+        </p:txBody>
+      </p:sp>
+      <p:sp>
+        <p:nvSpPr>
+          <p:cNvPr id="5" name="Text Placeholder 4"/>
+          <p:cNvSpPr>
+            <a:spLocks noGrp="1"/>
+          </p:cNvSpPr>
+          <p:nvPr>
+            <p:ph type="body" sz="quarter" idx="3"/>
+          </p:nvPr>
+        </p:nvSpPr>
+        <p:spPr/>
+        <p:txBody>
+          <a:bodyPr/>
+          <a:lstStyle/>
+          <a:p>
+            <a:r>
+              <a:rPr lang="de-AT" dirty="0" smtClean="0"/>
+              <a:t>Webservices</a:t>
+            </a:r>
+            <a:endParaRPr lang="de-AT" dirty="0"/>
+          </a:p>
+        </p:txBody>
+      </p:sp>
+      <p:sp>
+        <p:nvSpPr>
+          <p:cNvPr id="6" name="Content Placeholder 5"/>
+          <p:cNvSpPr>
+            <a:spLocks noGrp="1"/>
+          </p:cNvSpPr>
+          <p:nvPr>
+            <p:ph sz="quarter" idx="4"/>
+          </p:nvPr>
+        </p:nvSpPr>
+        <p:spPr/>
+        <p:txBody>
+          <a:bodyPr/>
+          <a:lstStyle/>
+          <a:p>
+            <a:r>
+              <a:rPr lang="de-AT" dirty="0" smtClean="0"/>
+              <a:t>In </a:t>
+            </a:r>
+            <a:r>
+              <a:rPr lang="de-AT" dirty="0" err="1" smtClean="0"/>
+              <a:t>VisualStudio</a:t>
+            </a:r>
+            <a:r>
+              <a:rPr lang="de-AT" dirty="0" smtClean="0"/>
+              <a:t> „</a:t>
+            </a:r>
+            <a:r>
+              <a:rPr lang="de-AT" dirty="0" err="1" smtClean="0"/>
+              <a:t>AddServiceReference</a:t>
+            </a:r>
+            <a:r>
+              <a:rPr lang="de-AT" dirty="0" smtClean="0"/>
+              <a:t>“ und dann den Pfad eingeben</a:t>
+            </a:r>
+          </a:p>
+          <a:p>
+            <a:r>
+              <a:rPr lang="de-AT" dirty="0" smtClean="0"/>
+              <a:t>Update möglich</a:t>
+            </a:r>
+            <a:endParaRPr lang="de-AT" dirty="0"/>
+          </a:p>
+        </p:txBody>
+      </p:sp>
+      <p:sp>
+        <p:nvSpPr>
+          <p:cNvPr id="2" name="Title 1"/>
+          <p:cNvSpPr>
+            <a:spLocks noGrp="1"/>
+          </p:cNvSpPr>
+          <p:nvPr>
+            <p:ph type="title"/>
+          </p:nvPr>
+        </p:nvSpPr>
+        <p:spPr/>
+        <p:txBody>
+          <a:bodyPr/>
+          <a:lstStyle/>
+          <a:p>
+            <a:r>
+              <a:rPr lang="de-AT" dirty="0" smtClean="0"/>
+              <a:t>Client-</a:t>
+            </a:r>
+            <a:r>
+              <a:rPr lang="de-AT" dirty="0" err="1" smtClean="0"/>
+              <a:t>Stubs</a:t>
+            </a:r>
+            <a:r>
+              <a:rPr lang="de-AT" dirty="0" smtClean="0"/>
+              <a:t> erzeugen</a:t>
+            </a:r>
+            <a:endParaRPr lang="de-AT" dirty="0"/>
+          </a:p>
+        </p:txBody>
+      </p:sp>
+    </p:spTree>
+    <p:extLst>
+      <p:ext uri="{BB962C8B-B14F-4D97-AF65-F5344CB8AC3E}">
+        <p14:creationId xmlns:p14="http://schemas.microsoft.com/office/powerpoint/2010/main" val="2495302384"/>
+      </p:ext>
+    </p:extLst>
+  </p:cSld>
+  <p:clrMapOvr>
+    <a:masterClrMapping/>
+  </p:clrMapOvr>
+</p:sld>
+</file>
+
+<file path=ppt/slides/slide32.xml><?xml version="1.0" encoding="utf-8"?>
+<p:sld xmlns:a="http://schemas.openxmlformats.org/drawingml/2006/main" xmlns:r="http://schemas.openxmlformats.org/officeDocument/2006/relationships" xmlns:p="http://schemas.openxmlformats.org/presentationml/2006/main">
+  <p:cSld>
+    <p:spTree>
+      <p:nvGrpSpPr>
+        <p:cNvPr id="1" name=""/>
+        <p:cNvGrpSpPr/>
+        <p:nvPr/>
+      </p:nvGrpSpPr>
+      <p:grpSpPr>
+        <a:xfrm>
+          <a:off x="0" y="0"/>
+          <a:ext cx="0" cy="0"/>
+          <a:chOff x="0" y="0"/>
+          <a:chExt cx="0" cy="0"/>
+        </a:xfrm>
+      </p:grpSpPr>
+      <p:sp>
+        <p:nvSpPr>
+          <p:cNvPr id="3" name="Text Placeholder 2"/>
+          <p:cNvSpPr>
+            <a:spLocks noGrp="1"/>
+          </p:cNvSpPr>
+          <p:nvPr>
+            <p:ph type="body" idx="1"/>
+          </p:nvPr>
+        </p:nvSpPr>
+        <p:spPr/>
+        <p:txBody>
+          <a:bodyPr/>
+          <a:lstStyle/>
+          <a:p>
+            <a:r>
+              <a:rPr lang="de-AT" dirty="0" err="1" smtClean="0"/>
+              <a:t>Corba</a:t>
+            </a:r>
+            <a:endParaRPr lang="de-AT" dirty="0"/>
+          </a:p>
+        </p:txBody>
+      </p:sp>
+      <p:sp>
+        <p:nvSpPr>
+          <p:cNvPr id="4" name="Content Placeholder 3"/>
+          <p:cNvSpPr>
+            <a:spLocks noGrp="1"/>
+          </p:cNvSpPr>
+          <p:nvPr>
+            <p:ph sz="half" idx="2"/>
+          </p:nvPr>
+        </p:nvSpPr>
+        <p:spPr/>
+        <p:txBody>
+          <a:bodyPr>
+            <a:normAutofit fontScale="92500" lnSpcReduction="20000"/>
+          </a:bodyPr>
+          <a:lstStyle/>
+          <a:p>
+            <a:pPr marL="0" indent="0">
+              <a:buNone/>
+            </a:pPr>
+            <a:r>
+              <a:rPr lang="de-AT" sz="2000" dirty="0" smtClean="0"/>
+              <a:t>String[] args1 = </a:t>
+            </a:r>
+            <a:r>
+              <a:rPr lang="de-AT" sz="2000" dirty="0" err="1" smtClean="0"/>
+              <a:t>new</a:t>
+            </a:r>
+            <a:r>
+              <a:rPr lang="de-AT" sz="2000" dirty="0" smtClean="0"/>
+              <a:t> String[] {"-</a:t>
+            </a:r>
+            <a:r>
+              <a:rPr lang="de-AT" sz="2000" dirty="0" err="1" smtClean="0"/>
+              <a:t>ORBInitialPort</a:t>
+            </a:r>
+            <a:r>
+              <a:rPr lang="de-AT" sz="2000" dirty="0" smtClean="0"/>
+              <a:t>", "2050"};</a:t>
+            </a:r>
+          </a:p>
+          <a:p>
+            <a:pPr marL="0" indent="0">
+              <a:buNone/>
+            </a:pPr>
+            <a:r>
+              <a:rPr lang="de-AT" sz="2000" dirty="0" smtClean="0"/>
+              <a:t>ORB </a:t>
+            </a:r>
+            <a:r>
+              <a:rPr lang="de-AT" sz="2000" dirty="0" err="1" smtClean="0"/>
+              <a:t>orb</a:t>
+            </a:r>
+            <a:r>
+              <a:rPr lang="de-AT" sz="2000" dirty="0" smtClean="0"/>
+              <a:t> = </a:t>
+            </a:r>
+            <a:r>
+              <a:rPr lang="de-AT" sz="2000" dirty="0" err="1" smtClean="0"/>
+              <a:t>ORB.init</a:t>
+            </a:r>
+            <a:r>
+              <a:rPr lang="de-AT" sz="2000" dirty="0" smtClean="0"/>
+              <a:t>(args1, null);</a:t>
+            </a:r>
+          </a:p>
+          <a:p>
+            <a:pPr marL="0" indent="0">
+              <a:buNone/>
+            </a:pPr>
+            <a:r>
+              <a:rPr lang="de-AT" sz="2000" dirty="0" err="1" smtClean="0"/>
+              <a:t>org.omg.CORBA.Object</a:t>
+            </a:r>
+            <a:r>
+              <a:rPr lang="de-AT" sz="2000" dirty="0" smtClean="0"/>
+              <a:t> </a:t>
+            </a:r>
+            <a:r>
+              <a:rPr lang="de-AT" sz="2000" dirty="0" err="1" smtClean="0"/>
+              <a:t>objRef</a:t>
+            </a:r>
+            <a:r>
+              <a:rPr lang="de-AT" sz="2000" dirty="0" smtClean="0"/>
+              <a:t> = </a:t>
+            </a:r>
+            <a:r>
+              <a:rPr lang="de-AT" sz="2000" dirty="0" err="1" smtClean="0"/>
+              <a:t>orb.resolve_initial_references</a:t>
+            </a:r>
+            <a:r>
+              <a:rPr lang="de-AT" sz="2000" dirty="0" smtClean="0"/>
+              <a:t>("</a:t>
+            </a:r>
+            <a:r>
+              <a:rPr lang="de-AT" sz="2000" dirty="0" err="1" smtClean="0"/>
+              <a:t>NameService</a:t>
+            </a:r>
+            <a:r>
+              <a:rPr lang="de-AT" sz="2000" dirty="0" smtClean="0"/>
+              <a:t>");</a:t>
+            </a:r>
+          </a:p>
+          <a:p>
+            <a:pPr marL="0" indent="0">
+              <a:buNone/>
+            </a:pPr>
+            <a:r>
+              <a:rPr lang="de-AT" sz="2000" dirty="0" err="1" smtClean="0"/>
+              <a:t>NamingContextExt</a:t>
+            </a:r>
+            <a:r>
+              <a:rPr lang="de-AT" sz="2000" dirty="0" smtClean="0"/>
+              <a:t> </a:t>
+            </a:r>
+            <a:r>
+              <a:rPr lang="de-AT" sz="2000" dirty="0" err="1" smtClean="0"/>
+              <a:t>ncRef</a:t>
+            </a:r>
+            <a:r>
+              <a:rPr lang="de-AT" sz="2000" dirty="0" smtClean="0"/>
+              <a:t> = </a:t>
+            </a:r>
+            <a:r>
+              <a:rPr lang="de-AT" sz="2000" dirty="0" err="1" smtClean="0"/>
+              <a:t>NamingContextExtHelper.narrow</a:t>
+            </a:r>
+            <a:r>
+              <a:rPr lang="de-AT" sz="2000" dirty="0" smtClean="0"/>
+              <a:t>(</a:t>
+            </a:r>
+            <a:r>
+              <a:rPr lang="de-AT" sz="2000" dirty="0" err="1" smtClean="0"/>
+              <a:t>objRef</a:t>
+            </a:r>
+            <a:r>
+              <a:rPr lang="de-AT" sz="2000" dirty="0" smtClean="0"/>
+              <a:t>); </a:t>
+            </a:r>
+          </a:p>
+          <a:p>
+            <a:pPr marL="0" indent="0">
+              <a:buNone/>
+            </a:pPr>
+            <a:r>
+              <a:rPr lang="de-AT" sz="2000" dirty="0" err="1" smtClean="0">
+                <a:solidFill>
+                  <a:srgbClr val="FF0000"/>
+                </a:solidFill>
+              </a:rPr>
+              <a:t>MatchresultDataprovider</a:t>
+            </a:r>
+            <a:r>
+              <a:rPr lang="de-AT" sz="2000" dirty="0" smtClean="0">
+                <a:solidFill>
+                  <a:srgbClr val="FF0000"/>
+                </a:solidFill>
+              </a:rPr>
+              <a:t> </a:t>
+            </a:r>
+            <a:r>
+              <a:rPr lang="de-AT" sz="2000" dirty="0" err="1" smtClean="0">
+                <a:solidFill>
+                  <a:srgbClr val="FF0000"/>
+                </a:solidFill>
+              </a:rPr>
+              <a:t>matchresultDataprovider</a:t>
+            </a:r>
+            <a:r>
+              <a:rPr lang="de-AT" sz="2000" dirty="0" smtClean="0">
+                <a:solidFill>
+                  <a:srgbClr val="FF0000"/>
+                </a:solidFill>
+              </a:rPr>
+              <a:t> </a:t>
+            </a:r>
+            <a:r>
+              <a:rPr lang="de-AT" sz="2000" dirty="0" smtClean="0"/>
+              <a:t>= </a:t>
+            </a:r>
+            <a:r>
+              <a:rPr lang="de-AT" sz="2000" dirty="0" err="1" smtClean="0"/>
+              <a:t>MatchresultDataproviderHelper.narrow</a:t>
+            </a:r>
+            <a:r>
+              <a:rPr lang="de-AT" sz="2000" dirty="0" smtClean="0"/>
+              <a:t>(</a:t>
+            </a:r>
+            <a:r>
+              <a:rPr lang="de-AT" sz="2000" dirty="0" err="1" smtClean="0"/>
+              <a:t>ncRef.resolve_str</a:t>
+            </a:r>
+            <a:r>
+              <a:rPr lang="de-AT" sz="2000" dirty="0" smtClean="0"/>
+              <a:t>("</a:t>
+            </a:r>
+            <a:r>
+              <a:rPr lang="de-AT" sz="2000" dirty="0" err="1" smtClean="0"/>
+              <a:t>HelloObject</a:t>
+            </a:r>
+            <a:r>
+              <a:rPr lang="de-AT" sz="2000" dirty="0" smtClean="0"/>
+              <a:t>"));</a:t>
+            </a:r>
+            <a:endParaRPr lang="de-AT" sz="2000" dirty="0"/>
+          </a:p>
+        </p:txBody>
+      </p:sp>
+      <p:sp>
+        <p:nvSpPr>
+          <p:cNvPr id="5" name="Text Placeholder 4"/>
+          <p:cNvSpPr>
+            <a:spLocks noGrp="1"/>
+          </p:cNvSpPr>
+          <p:nvPr>
+            <p:ph type="body" sz="quarter" idx="3"/>
+          </p:nvPr>
+        </p:nvSpPr>
+        <p:spPr/>
+        <p:txBody>
+          <a:bodyPr/>
+          <a:lstStyle/>
+          <a:p>
+            <a:r>
+              <a:rPr lang="de-AT" dirty="0" smtClean="0"/>
+              <a:t>Webservices</a:t>
+            </a:r>
+            <a:endParaRPr lang="de-AT" dirty="0"/>
+          </a:p>
+        </p:txBody>
+      </p:sp>
+      <p:sp>
+        <p:nvSpPr>
+          <p:cNvPr id="6" name="Content Placeholder 5"/>
+          <p:cNvSpPr>
+            <a:spLocks noGrp="1"/>
+          </p:cNvSpPr>
+          <p:nvPr>
+            <p:ph sz="quarter" idx="4"/>
+          </p:nvPr>
+        </p:nvSpPr>
+        <p:spPr/>
+        <p:txBody>
+          <a:bodyPr/>
+          <a:lstStyle/>
+          <a:p>
+            <a:pPr marL="0" indent="0">
+              <a:buNone/>
+            </a:pPr>
+            <a:r>
+              <a:rPr lang="de-AT" dirty="0" smtClean="0">
+                <a:solidFill>
+                  <a:srgbClr val="FF0000"/>
+                </a:solidFill>
+              </a:rPr>
+              <a:t>ServiceReference1.MatchSvcClient </a:t>
+            </a:r>
+            <a:r>
+              <a:rPr lang="de-AT" dirty="0" err="1" smtClean="0">
+                <a:solidFill>
+                  <a:srgbClr val="FF0000"/>
+                </a:solidFill>
+              </a:rPr>
+              <a:t>client</a:t>
+            </a:r>
+            <a:r>
+              <a:rPr lang="de-AT" dirty="0" smtClean="0">
+                <a:solidFill>
+                  <a:srgbClr val="FF0000"/>
+                </a:solidFill>
+              </a:rPr>
+              <a:t> </a:t>
+            </a:r>
+            <a:r>
+              <a:rPr lang="de-AT" dirty="0" smtClean="0"/>
+              <a:t>= </a:t>
+            </a:r>
+            <a:r>
+              <a:rPr lang="de-AT" dirty="0" err="1" smtClean="0"/>
+              <a:t>new</a:t>
+            </a:r>
+            <a:r>
+              <a:rPr lang="de-AT" dirty="0" smtClean="0"/>
+              <a:t> ServiceReference1.MatchSvcClient();</a:t>
+            </a:r>
+            <a:endParaRPr lang="de-AT" dirty="0"/>
+          </a:p>
+        </p:txBody>
+      </p:sp>
+      <p:sp>
+        <p:nvSpPr>
+          <p:cNvPr id="2" name="Title 1"/>
+          <p:cNvSpPr>
+            <a:spLocks noGrp="1"/>
+          </p:cNvSpPr>
+          <p:nvPr>
+            <p:ph type="title"/>
+          </p:nvPr>
+        </p:nvSpPr>
+        <p:spPr/>
+        <p:txBody>
+          <a:bodyPr/>
+          <a:lstStyle/>
+          <a:p>
+            <a:r>
+              <a:rPr lang="de-AT" dirty="0" smtClean="0"/>
+              <a:t>Client-Anbindung</a:t>
+            </a:r>
+            <a:endParaRPr lang="de-AT" dirty="0"/>
+          </a:p>
+        </p:txBody>
+      </p:sp>
+    </p:spTree>
+    <p:extLst>
+      <p:ext uri="{BB962C8B-B14F-4D97-AF65-F5344CB8AC3E}">
+        <p14:creationId xmlns:p14="http://schemas.microsoft.com/office/powerpoint/2010/main" val="4196813996"/>
+      </p:ext>
+    </p:extLst>
+  </p:cSld>
+  <p:clrMapOvr>
+    <a:masterClrMapping/>
+  </p:clrMapOvr>
+</p:sld>
+</file>
+
+<file path=ppt/slides/slide33.xml><?xml version="1.0" encoding="utf-8"?>
+<p:sld xmlns:a="http://schemas.openxmlformats.org/drawingml/2006/main" xmlns:r="http://schemas.openxmlformats.org/officeDocument/2006/relationships" xmlns:p="http://schemas.openxmlformats.org/presentationml/2006/main">
+  <p:cSld>
+    <p:spTree>
+      <p:nvGrpSpPr>
+        <p:cNvPr id="1" name=""/>
+        <p:cNvGrpSpPr/>
+        <p:nvPr/>
+      </p:nvGrpSpPr>
+      <p:grpSpPr>
+        <a:xfrm>
+          <a:off x="0" y="0"/>
+          <a:ext cx="0" cy="0"/>
+          <a:chOff x="0" y="0"/>
+          <a:chExt cx="0" cy="0"/>
+        </a:xfrm>
+      </p:grpSpPr>
+      <p:sp>
+        <p:nvSpPr>
+          <p:cNvPr id="3" name="Text Placeholder 2"/>
+          <p:cNvSpPr>
+            <a:spLocks noGrp="1"/>
+          </p:cNvSpPr>
+          <p:nvPr>
+            <p:ph type="body" idx="1"/>
+          </p:nvPr>
+        </p:nvSpPr>
+        <p:spPr/>
+        <p:txBody>
+          <a:bodyPr/>
+          <a:lstStyle/>
+          <a:p>
+            <a:r>
+              <a:rPr lang="de-AT" dirty="0" err="1" smtClean="0"/>
+              <a:t>Corba</a:t>
+            </a:r>
+            <a:endParaRPr lang="de-AT" dirty="0"/>
+          </a:p>
+        </p:txBody>
+      </p:sp>
+      <p:sp>
+        <p:nvSpPr>
+          <p:cNvPr id="4" name="Content Placeholder 3"/>
+          <p:cNvSpPr>
+            <a:spLocks noGrp="1"/>
+          </p:cNvSpPr>
+          <p:nvPr>
+            <p:ph sz="half" idx="2"/>
+          </p:nvPr>
+        </p:nvSpPr>
+        <p:spPr/>
+        <p:txBody>
+          <a:bodyPr/>
+          <a:lstStyle/>
+          <a:p>
+            <a:pPr marL="0" indent="0">
+              <a:buNone/>
+            </a:pPr>
+            <a:r>
+              <a:rPr lang="de-AT" dirty="0" smtClean="0"/>
+              <a:t>+ Plattformunabhängig</a:t>
+            </a:r>
+          </a:p>
+          <a:p>
+            <a:pPr>
+              <a:buFontTx/>
+              <a:buChar char="-"/>
+            </a:pPr>
+            <a:r>
+              <a:rPr lang="de-AT" dirty="0" err="1" smtClean="0"/>
+              <a:t>Commandozeile</a:t>
+            </a:r>
+            <a:endParaRPr lang="de-AT" dirty="0" smtClean="0"/>
+          </a:p>
+          <a:p>
+            <a:pPr>
+              <a:buFontTx/>
+              <a:buChar char="-"/>
+            </a:pPr>
+            <a:r>
+              <a:rPr lang="de-AT" dirty="0" smtClean="0"/>
+              <a:t>IDL File und Syntax</a:t>
+            </a:r>
+            <a:endParaRPr lang="de-AT" dirty="0"/>
+          </a:p>
+        </p:txBody>
+      </p:sp>
+      <p:sp>
+        <p:nvSpPr>
+          <p:cNvPr id="5" name="Text Placeholder 4"/>
+          <p:cNvSpPr>
+            <a:spLocks noGrp="1"/>
+          </p:cNvSpPr>
+          <p:nvPr>
+            <p:ph type="body" sz="quarter" idx="3"/>
+          </p:nvPr>
+        </p:nvSpPr>
+        <p:spPr/>
+        <p:txBody>
+          <a:bodyPr/>
+          <a:lstStyle/>
+          <a:p>
+            <a:r>
+              <a:rPr lang="de-AT" dirty="0" smtClean="0"/>
+              <a:t>Webservices</a:t>
+            </a:r>
+            <a:endParaRPr lang="de-AT" dirty="0"/>
+          </a:p>
+        </p:txBody>
+      </p:sp>
+      <p:sp>
+        <p:nvSpPr>
+          <p:cNvPr id="6" name="Content Placeholder 5"/>
+          <p:cNvSpPr>
+            <a:spLocks noGrp="1"/>
+          </p:cNvSpPr>
+          <p:nvPr>
+            <p:ph sz="quarter" idx="4"/>
+          </p:nvPr>
+        </p:nvSpPr>
+        <p:spPr/>
+        <p:txBody>
+          <a:bodyPr>
+            <a:normAutofit lnSpcReduction="10000"/>
+          </a:bodyPr>
+          <a:lstStyle/>
+          <a:p>
+            <a:pPr marL="0" indent="0">
+              <a:buNone/>
+            </a:pPr>
+            <a:r>
+              <a:rPr lang="de-AT" dirty="0" smtClean="0"/>
+              <a:t>+ Kann alles was auch </a:t>
+            </a:r>
+            <a:r>
+              <a:rPr lang="de-AT" dirty="0" err="1" smtClean="0"/>
+              <a:t>Corba</a:t>
+            </a:r>
+            <a:r>
+              <a:rPr lang="de-AT" dirty="0" smtClean="0"/>
+              <a:t> kann</a:t>
+            </a:r>
+          </a:p>
+          <a:p>
+            <a:pPr marL="0" indent="0">
+              <a:buNone/>
+            </a:pPr>
+            <a:r>
+              <a:rPr lang="de-AT" dirty="0" smtClean="0"/>
+              <a:t>+ aktueller</a:t>
+            </a:r>
+          </a:p>
+          <a:p>
+            <a:pPr marL="0" indent="0">
+              <a:buNone/>
+            </a:pPr>
+            <a:r>
+              <a:rPr lang="de-AT" dirty="0" smtClean="0"/>
+              <a:t>+ Besseres </a:t>
+            </a:r>
+            <a:r>
+              <a:rPr lang="de-AT" dirty="0" err="1" smtClean="0"/>
+              <a:t>Tooling</a:t>
+            </a:r>
+            <a:r>
+              <a:rPr lang="de-AT" dirty="0" smtClean="0"/>
+              <a:t>, da kein IDL</a:t>
+            </a:r>
+          </a:p>
+          <a:p>
+            <a:pPr marL="0" indent="0">
+              <a:buNone/>
+            </a:pPr>
+            <a:r>
+              <a:rPr lang="de-AT" dirty="0" smtClean="0"/>
+              <a:t>+ Einfache Portierung von </a:t>
+            </a:r>
+            <a:r>
+              <a:rPr lang="de-AT" dirty="0" err="1" smtClean="0"/>
+              <a:t>Corba</a:t>
+            </a:r>
+            <a:endParaRPr lang="de-AT" dirty="0" smtClean="0"/>
+          </a:p>
+          <a:p>
+            <a:pPr>
+              <a:buFontTx/>
+              <a:buChar char="-"/>
+            </a:pPr>
+            <a:r>
+              <a:rPr lang="de-AT" dirty="0" smtClean="0"/>
+              <a:t>Braucht einen Webserver (</a:t>
+            </a:r>
+            <a:r>
+              <a:rPr lang="de-AT" dirty="0" err="1" smtClean="0"/>
+              <a:t>Glassfish</a:t>
+            </a:r>
+            <a:r>
+              <a:rPr lang="de-AT" dirty="0" smtClean="0"/>
+              <a:t>, IIS, usw.)</a:t>
+            </a:r>
+          </a:p>
+          <a:p>
+            <a:pPr>
+              <a:buFontTx/>
+              <a:buChar char="-"/>
+            </a:pPr>
+            <a:r>
+              <a:rPr lang="de-AT" dirty="0" smtClean="0"/>
+              <a:t>Für die Anbindung muss der Service aktiv sein</a:t>
+            </a:r>
+          </a:p>
+          <a:p>
+            <a:pPr>
+              <a:buFontTx/>
+              <a:buChar char="-"/>
+            </a:pPr>
+            <a:endParaRPr lang="de-AT" dirty="0"/>
+          </a:p>
+        </p:txBody>
+      </p:sp>
+      <p:sp>
+        <p:nvSpPr>
+          <p:cNvPr id="2" name="Title 1"/>
+          <p:cNvSpPr>
+            <a:spLocks noGrp="1"/>
+          </p:cNvSpPr>
+          <p:nvPr>
+            <p:ph type="title"/>
+          </p:nvPr>
+        </p:nvSpPr>
+        <p:spPr/>
+        <p:txBody>
+          <a:bodyPr/>
+          <a:lstStyle/>
+          <a:p>
+            <a:r>
+              <a:rPr lang="de-AT" dirty="0" smtClean="0"/>
+              <a:t>Fazit</a:t>
+            </a:r>
+            <a:endParaRPr lang="de-AT" dirty="0"/>
+          </a:p>
+        </p:txBody>
+      </p:sp>
+    </p:spTree>
+    <p:extLst>
+      <p:ext uri="{BB962C8B-B14F-4D97-AF65-F5344CB8AC3E}">
+        <p14:creationId xmlns:p14="http://schemas.microsoft.com/office/powerpoint/2010/main" val="2744333271"/>
+      </p:ext>
+    </p:extLst>
+  </p:cSld>
+  <p:clrMapOvr>
+    <a:masterClrMapping/>
+  </p:clrMapOvr>
+</p:sld>
+</file>
+
+<file path=ppt/slides/slide34.xml><?xml version="1.0" encoding="utf-8"?>
+<p:sld xmlns:a="http://schemas.openxmlformats.org/drawingml/2006/main" xmlns:r="http://schemas.openxmlformats.org/officeDocument/2006/relationships" xmlns:p="http://schemas.openxmlformats.org/presentationml/2006/main">
+  <p:cSld>
+    <p:spTree>
+      <p:nvGrpSpPr>
+        <p:cNvPr id="1" name=""/>
+        <p:cNvGrpSpPr/>
+        <p:nvPr/>
+      </p:nvGrpSpPr>
+      <p:grpSpPr>
+        <a:xfrm>
+          <a:off x="0" y="0"/>
+          <a:ext cx="0" cy="0"/>
+          <a:chOff x="0" y="0"/>
+          <a:chExt cx="0" cy="0"/>
+        </a:xfrm>
+      </p:grpSpPr>
+      <p:sp>
+        <p:nvSpPr>
+          <p:cNvPr id="2" name="Titel 1"/>
+          <p:cNvSpPr>
+            <a:spLocks noGrp="1"/>
+          </p:cNvSpPr>
+          <p:nvPr>
+            <p:ph type="title"/>
+          </p:nvPr>
+        </p:nvSpPr>
+        <p:spPr/>
+        <p:txBody>
+          <a:bodyPr/>
+          <a:lstStyle/>
+          <a:p>
+            <a:r>
+              <a:rPr lang="de-AT" dirty="0" smtClean="0"/>
+              <a:t>GUI und Tests</a:t>
+            </a:r>
+            <a:endParaRPr lang="de-AT" dirty="0"/>
+          </a:p>
+        </p:txBody>
+      </p:sp>
+      <p:sp>
+        <p:nvSpPr>
+          <p:cNvPr id="3" name="Textplatzhalter 2"/>
+          <p:cNvSpPr>
+            <a:spLocks noGrp="1"/>
+          </p:cNvSpPr>
+          <p:nvPr>
+            <p:ph type="body" idx="1"/>
+          </p:nvPr>
+        </p:nvSpPr>
+        <p:spPr/>
+        <p:txBody>
+          <a:bodyPr/>
+          <a:lstStyle/>
+          <a:p>
+            <a:endParaRPr lang="de-AT"/>
+          </a:p>
+        </p:txBody>
+      </p:sp>
+    </p:spTree>
+    <p:extLst>
+      <p:ext uri="{BB962C8B-B14F-4D97-AF65-F5344CB8AC3E}">
+        <p14:creationId xmlns:p14="http://schemas.microsoft.com/office/powerpoint/2010/main" val="791360354"/>
+      </p:ext>
+    </p:extLst>
+  </p:cSld>
+  <p:clrMapOvr>
+    <a:masterClrMapping/>
+  </p:clrMapOvr>
+</p:sld>
+</file>
+
+<file path=ppt/slides/slide35.xml><?xml version="1.0" encoding="utf-8"?>
+<p:sld xmlns:a="http://schemas.openxmlformats.org/drawingml/2006/main" xmlns:r="http://schemas.openxmlformats.org/officeDocument/2006/relationships" xmlns:p="http://schemas.openxmlformats.org/presentationml/2006/main">
+  <p:cSld>
+    <p:spTree>
+      <p:nvGrpSpPr>
+        <p:cNvPr id="1" name=""/>
+        <p:cNvGrpSpPr/>
+        <p:nvPr/>
+      </p:nvGrpSpPr>
+      <p:grpSpPr>
+        <a:xfrm>
+          <a:off x="0" y="0"/>
+          <a:ext cx="0" cy="0"/>
+          <a:chOff x="0" y="0"/>
+          <a:chExt cx="0" cy="0"/>
+        </a:xfrm>
+      </p:grpSpPr>
+      <p:sp>
+        <p:nvSpPr>
+          <p:cNvPr id="2" name="Titel 1"/>
+          <p:cNvSpPr>
+            <a:spLocks noGrp="1"/>
+          </p:cNvSpPr>
+          <p:nvPr>
+            <p:ph type="title"/>
+          </p:nvPr>
+        </p:nvSpPr>
+        <p:spPr/>
+        <p:txBody>
+          <a:bodyPr/>
+          <a:lstStyle/>
+          <a:p>
+            <a:r>
+              <a:rPr lang="de-AT" dirty="0" smtClean="0"/>
+              <a:t>Allgemeines zur Oberfläche</a:t>
+            </a:r>
+            <a:endParaRPr lang="de-AT" dirty="0"/>
+          </a:p>
+        </p:txBody>
+      </p:sp>
+      <p:sp>
+        <p:nvSpPr>
+          <p:cNvPr id="3" name="Inhaltsplatzhalter 2"/>
+          <p:cNvSpPr>
+            <a:spLocks noGrp="1"/>
+          </p:cNvSpPr>
+          <p:nvPr>
+            <p:ph idx="1"/>
+          </p:nvPr>
+        </p:nvSpPr>
+        <p:spPr/>
+        <p:txBody>
+          <a:bodyPr/>
+          <a:lstStyle/>
+          <a:p>
+            <a:pPr>
+              <a:buFont typeface="Arial" panose="020B0604020202020204" pitchFamily="34" charset="0"/>
+              <a:buChar char="•"/>
+            </a:pPr>
+            <a:r>
+              <a:rPr lang="de-AT" dirty="0" smtClean="0"/>
+              <a:t>Swing – GUI</a:t>
+            </a:r>
+          </a:p>
+          <a:p>
+            <a:pPr>
+              <a:buFont typeface="Arial" panose="020B0604020202020204" pitchFamily="34" charset="0"/>
+              <a:buChar char="•"/>
+            </a:pPr>
+            <a:r>
+              <a:rPr lang="de-AT" dirty="0" smtClean="0"/>
+              <a:t>möglichst wenig Logik</a:t>
+            </a:r>
+          </a:p>
+          <a:p>
+            <a:pPr lvl="1">
+              <a:buFont typeface="Arial" panose="020B0604020202020204" pitchFamily="34" charset="0"/>
+              <a:buChar char="•"/>
+            </a:pPr>
+            <a:r>
+              <a:rPr lang="de-AT" dirty="0" smtClean="0"/>
+              <a:t>-&gt; </a:t>
+            </a:r>
+            <a:r>
+              <a:rPr lang="de-AT" dirty="0" err="1" smtClean="0"/>
+              <a:t>UseCase</a:t>
+            </a:r>
+            <a:r>
+              <a:rPr lang="de-AT" dirty="0" smtClean="0"/>
+              <a:t> Controllern</a:t>
+            </a:r>
+          </a:p>
+          <a:p>
+            <a:pPr>
+              <a:buFont typeface="Arial" panose="020B0604020202020204" pitchFamily="34" charset="0"/>
+              <a:buChar char="•"/>
+            </a:pPr>
+            <a:r>
+              <a:rPr lang="de-AT" dirty="0" err="1" smtClean="0"/>
+              <a:t>IUseCaseControllerFactory</a:t>
+            </a:r>
+            <a:r>
+              <a:rPr lang="de-AT" dirty="0"/>
+              <a:t> </a:t>
+            </a:r>
+            <a:endParaRPr lang="de-AT" dirty="0" smtClean="0"/>
+          </a:p>
+          <a:p>
+            <a:pPr lvl="1">
+              <a:buFont typeface="Arial" panose="020B0604020202020204" pitchFamily="34" charset="0"/>
+              <a:buChar char="•"/>
+            </a:pPr>
+            <a:r>
+              <a:rPr lang="de-AT" dirty="0" smtClean="0"/>
+              <a:t>-&gt; vereinfacht Technologie Anpassung</a:t>
+            </a:r>
+          </a:p>
+          <a:p>
+            <a:pPr>
+              <a:buFont typeface="Arial" panose="020B0604020202020204" pitchFamily="34" charset="0"/>
+              <a:buChar char="•"/>
+            </a:pPr>
+            <a:r>
+              <a:rPr lang="de-AT" dirty="0" smtClean="0"/>
+              <a:t>Actions vermitteln</a:t>
+            </a:r>
+            <a:endParaRPr lang="de-AT" dirty="0"/>
+          </a:p>
+        </p:txBody>
+      </p:sp>
+    </p:spTree>
+    <p:extLst>
+      <p:ext uri="{BB962C8B-B14F-4D97-AF65-F5344CB8AC3E}">
+        <p14:creationId xmlns:p14="http://schemas.microsoft.com/office/powerpoint/2010/main" val="3047194823"/>
+      </p:ext>
+    </p:extLst>
+  </p:cSld>
+  <p:clrMapOvr>
+    <a:masterClrMapping/>
+  </p:clrMapOvr>
+</p:sld>
+</file>
+
+<file path=ppt/slides/slide36.xml><?xml version="1.0" encoding="utf-8"?>
+<p:sld xmlns:a="http://schemas.openxmlformats.org/drawingml/2006/main" xmlns:r="http://schemas.openxmlformats.org/officeDocument/2006/relationships" xmlns:p="http://schemas.openxmlformats.org/presentationml/2006/main">
+  <p:cSld>
+    <p:spTree>
+      <p:nvGrpSpPr>
+        <p:cNvPr id="1" name=""/>
+        <p:cNvGrpSpPr/>
+        <p:nvPr/>
+      </p:nvGrpSpPr>
+      <p:grpSpPr>
+        <a:xfrm>
+          <a:off x="0" y="0"/>
+          <a:ext cx="0" cy="0"/>
+          <a:chOff x="0" y="0"/>
+          <a:chExt cx="0" cy="0"/>
+        </a:xfrm>
+      </p:grpSpPr>
+      <p:sp>
+        <p:nvSpPr>
+          <p:cNvPr id="2" name="Titel 1"/>
+          <p:cNvSpPr>
+            <a:spLocks noGrp="1"/>
+          </p:cNvSpPr>
+          <p:nvPr>
+            <p:ph type="title"/>
+          </p:nvPr>
+        </p:nvSpPr>
+        <p:spPr/>
+        <p:txBody>
+          <a:bodyPr>
+            <a:normAutofit/>
+          </a:bodyPr>
+          <a:lstStyle/>
+          <a:p>
+            <a:r>
+              <a:rPr lang="de-AT" dirty="0" smtClean="0"/>
+              <a:t>Beispiel: </a:t>
+            </a:r>
+            <a:r>
+              <a:rPr lang="de-AT" dirty="0" err="1" smtClean="0"/>
+              <a:t>IUseCaseControllerFactory</a:t>
+            </a:r>
+            <a:endParaRPr lang="de-AT" dirty="0"/>
+          </a:p>
+        </p:txBody>
+      </p:sp>
+      <p:sp>
+        <p:nvSpPr>
+          <p:cNvPr id="3" name="Inhaltsplatzhalter 2"/>
+          <p:cNvSpPr>
+            <a:spLocks noGrp="1"/>
+          </p:cNvSpPr>
+          <p:nvPr>
+            <p:ph idx="1"/>
+          </p:nvPr>
+        </p:nvSpPr>
+        <p:spPr/>
+        <p:txBody>
+          <a:bodyPr>
+            <a:noAutofit/>
+          </a:bodyPr>
+          <a:lstStyle/>
+          <a:p>
+            <a:pPr marL="0" indent="0">
+              <a:buNone/>
+            </a:pPr>
+            <a:r>
+              <a:rPr lang="de-AT" sz="2000" dirty="0" err="1">
+                <a:cs typeface="Consolas" pitchFamily="49" charset="0"/>
+              </a:rPr>
+              <a:t>public</a:t>
+            </a:r>
+            <a:r>
+              <a:rPr lang="de-AT" sz="2000" dirty="0">
+                <a:cs typeface="Consolas" pitchFamily="49" charset="0"/>
+              </a:rPr>
+              <a:t> </a:t>
+            </a:r>
+            <a:r>
+              <a:rPr lang="de-AT" sz="2000" dirty="0" err="1">
+                <a:cs typeface="Consolas" pitchFamily="49" charset="0"/>
+              </a:rPr>
+              <a:t>interface</a:t>
+            </a:r>
+            <a:r>
+              <a:rPr lang="de-AT" sz="2000" dirty="0">
+                <a:cs typeface="Consolas" pitchFamily="49" charset="0"/>
+              </a:rPr>
+              <a:t> </a:t>
+            </a:r>
+            <a:r>
+              <a:rPr lang="de-AT" sz="2000" dirty="0" err="1">
+                <a:cs typeface="Consolas" pitchFamily="49" charset="0"/>
+              </a:rPr>
+              <a:t>IUseCaseControllerFactory</a:t>
+            </a:r>
+            <a:endParaRPr lang="de-AT" sz="2000" dirty="0">
+              <a:cs typeface="Consolas" pitchFamily="49" charset="0"/>
+            </a:endParaRPr>
+          </a:p>
+          <a:p>
+            <a:pPr marL="0" indent="0">
+              <a:buNone/>
+            </a:pPr>
+            <a:r>
+              <a:rPr lang="de-AT" sz="2000" dirty="0">
+                <a:cs typeface="Consolas" pitchFamily="49" charset="0"/>
+              </a:rPr>
+              <a:t>{</a:t>
+            </a:r>
+          </a:p>
+          <a:p>
+            <a:pPr marL="0" indent="0">
+              <a:buNone/>
+            </a:pPr>
+            <a:r>
+              <a:rPr lang="de-AT" sz="2000" dirty="0">
+                <a:cs typeface="Consolas" pitchFamily="49" charset="0"/>
+              </a:rPr>
+              <a:t>    </a:t>
+            </a:r>
+            <a:r>
+              <a:rPr lang="de-AT" sz="2000" dirty="0" err="1">
+                <a:cs typeface="Consolas" pitchFamily="49" charset="0"/>
+              </a:rPr>
+              <a:t>IAddMatchResultsController</a:t>
+            </a:r>
+            <a:r>
+              <a:rPr lang="de-AT" sz="2000" dirty="0">
+                <a:cs typeface="Consolas" pitchFamily="49" charset="0"/>
+              </a:rPr>
+              <a:t> </a:t>
+            </a:r>
+            <a:r>
+              <a:rPr lang="de-AT" sz="2000" dirty="0" err="1">
+                <a:cs typeface="Consolas" pitchFamily="49" charset="0"/>
+              </a:rPr>
+              <a:t>getAddMatchResultsController</a:t>
+            </a:r>
+            <a:r>
+              <a:rPr lang="de-AT" sz="2000" dirty="0">
+                <a:cs typeface="Consolas" pitchFamily="49" charset="0"/>
+              </a:rPr>
+              <a:t>()</a:t>
+            </a:r>
+          </a:p>
+          <a:p>
+            <a:pPr marL="0" indent="0">
+              <a:buNone/>
+            </a:pPr>
+            <a:r>
+              <a:rPr lang="de-AT" sz="2000" dirty="0">
+                <a:cs typeface="Consolas" pitchFamily="49" charset="0"/>
+              </a:rPr>
+              <a:t>            </a:t>
+            </a:r>
+            <a:r>
+              <a:rPr lang="de-AT" sz="2000" dirty="0" err="1">
+                <a:cs typeface="Consolas" pitchFamily="49" charset="0"/>
+              </a:rPr>
+              <a:t>throws</a:t>
+            </a:r>
+            <a:r>
+              <a:rPr lang="de-AT" sz="2000" dirty="0">
+                <a:cs typeface="Consolas" pitchFamily="49" charset="0"/>
+              </a:rPr>
+              <a:t> </a:t>
+            </a:r>
+            <a:r>
+              <a:rPr lang="de-AT" sz="2000" dirty="0" err="1">
+                <a:cs typeface="Consolas" pitchFamily="49" charset="0"/>
+              </a:rPr>
+              <a:t>ServiceNotAvailableException</a:t>
+            </a:r>
+            <a:r>
+              <a:rPr lang="de-AT" sz="2000" dirty="0">
+                <a:cs typeface="Consolas" pitchFamily="49" charset="0"/>
+              </a:rPr>
+              <a:t>;</a:t>
+            </a:r>
+          </a:p>
+          <a:p>
+            <a:pPr marL="0" indent="0">
+              <a:buNone/>
+            </a:pPr>
+            <a:endParaRPr lang="de-AT" sz="2000" dirty="0">
+              <a:cs typeface="Consolas" pitchFamily="49" charset="0"/>
+            </a:endParaRPr>
+          </a:p>
+          <a:p>
+            <a:pPr marL="0" indent="0">
+              <a:buNone/>
+            </a:pPr>
+            <a:r>
+              <a:rPr lang="de-AT" sz="2000" dirty="0">
+                <a:cs typeface="Consolas" pitchFamily="49" charset="0"/>
+              </a:rPr>
+              <a:t>    </a:t>
+            </a:r>
+            <a:r>
+              <a:rPr lang="de-AT" sz="2000" dirty="0" err="1">
+                <a:cs typeface="Consolas" pitchFamily="49" charset="0"/>
+              </a:rPr>
+              <a:t>IChangeCompetitionTeamController</a:t>
+            </a:r>
+            <a:r>
+              <a:rPr lang="de-AT" sz="2000" dirty="0">
+                <a:cs typeface="Consolas" pitchFamily="49" charset="0"/>
+              </a:rPr>
+              <a:t> </a:t>
+            </a:r>
+            <a:r>
+              <a:rPr lang="de-AT" sz="2000" dirty="0" err="1">
+                <a:cs typeface="Consolas" pitchFamily="49" charset="0"/>
+              </a:rPr>
+              <a:t>getChangeCompetitionTeamController</a:t>
+            </a:r>
+            <a:r>
+              <a:rPr lang="de-AT" sz="2000" dirty="0">
+                <a:cs typeface="Consolas" pitchFamily="49" charset="0"/>
+              </a:rPr>
+              <a:t>()</a:t>
+            </a:r>
+          </a:p>
+          <a:p>
+            <a:pPr marL="0" indent="0">
+              <a:buNone/>
+            </a:pPr>
+            <a:r>
+              <a:rPr lang="de-AT" sz="2000" dirty="0">
+                <a:cs typeface="Consolas" pitchFamily="49" charset="0"/>
+              </a:rPr>
+              <a:t>            </a:t>
+            </a:r>
+            <a:r>
+              <a:rPr lang="de-AT" sz="2000" dirty="0" err="1">
+                <a:cs typeface="Consolas" pitchFamily="49" charset="0"/>
+              </a:rPr>
+              <a:t>throws</a:t>
+            </a:r>
+            <a:r>
+              <a:rPr lang="de-AT" sz="2000" dirty="0">
+                <a:cs typeface="Consolas" pitchFamily="49" charset="0"/>
+              </a:rPr>
+              <a:t> </a:t>
+            </a:r>
+            <a:r>
+              <a:rPr lang="de-AT" sz="2000" dirty="0" err="1">
+                <a:cs typeface="Consolas" pitchFamily="49" charset="0"/>
+              </a:rPr>
+              <a:t>ServiceNotAvailableException</a:t>
+            </a:r>
+            <a:r>
+              <a:rPr lang="de-AT" sz="2000" dirty="0" smtClean="0">
+                <a:cs typeface="Consolas" pitchFamily="49" charset="0"/>
+              </a:rPr>
+              <a:t>;</a:t>
+            </a:r>
+            <a:endParaRPr lang="de-AT" sz="2000" dirty="0">
+              <a:cs typeface="Consolas" pitchFamily="49" charset="0"/>
+            </a:endParaRPr>
+          </a:p>
+          <a:p>
+            <a:pPr marL="0" indent="0">
+              <a:buNone/>
+            </a:pPr>
+            <a:r>
+              <a:rPr lang="de-AT" sz="2000" dirty="0">
+                <a:cs typeface="Consolas" pitchFamily="49" charset="0"/>
+              </a:rPr>
+              <a:t>    </a:t>
+            </a:r>
+            <a:r>
+              <a:rPr lang="de-AT" sz="2000" dirty="0" smtClean="0">
+                <a:cs typeface="Consolas" pitchFamily="49" charset="0"/>
+              </a:rPr>
+              <a:t>…</a:t>
+            </a:r>
+            <a:endParaRPr lang="de-AT" sz="2000" dirty="0">
+              <a:cs typeface="Consolas" pitchFamily="49" charset="0"/>
+            </a:endParaRPr>
+          </a:p>
+          <a:p>
+            <a:pPr marL="0" indent="0">
+              <a:buNone/>
+            </a:pPr>
+            <a:r>
+              <a:rPr lang="de-AT" sz="2000" dirty="0" smtClean="0">
+                <a:cs typeface="Consolas" pitchFamily="49" charset="0"/>
+              </a:rPr>
+              <a:t>}</a:t>
+            </a:r>
+            <a:endParaRPr lang="de-AT" sz="2000" dirty="0">
+              <a:cs typeface="Consolas" pitchFamily="49" charset="0"/>
+            </a:endParaRPr>
+          </a:p>
+        </p:txBody>
+      </p:sp>
+    </p:spTree>
+    <p:extLst>
+      <p:ext uri="{BB962C8B-B14F-4D97-AF65-F5344CB8AC3E}">
+        <p14:creationId xmlns:p14="http://schemas.microsoft.com/office/powerpoint/2010/main" val="808798365"/>
+      </p:ext>
+    </p:extLst>
+  </p:cSld>
+  <p:clrMapOvr>
+    <a:masterClrMapping/>
+  </p:clrMapOvr>
+</p:sld>
+</file>
+
+<file path=ppt/slides/slide37.xml><?xml version="1.0" encoding="utf-8"?>
+<p:sld xmlns:a="http://schemas.openxmlformats.org/drawingml/2006/main" xmlns:r="http://schemas.openxmlformats.org/officeDocument/2006/relationships" xmlns:p="http://schemas.openxmlformats.org/presentationml/2006/main">
+  <p:cSld>
+    <p:spTree>
+      <p:nvGrpSpPr>
+        <p:cNvPr id="1" name=""/>
+        <p:cNvGrpSpPr/>
+        <p:nvPr/>
+      </p:nvGrpSpPr>
+      <p:grpSpPr>
+        <a:xfrm>
+          <a:off x="0" y="0"/>
+          <a:ext cx="0" cy="0"/>
+          <a:chOff x="0" y="0"/>
+          <a:chExt cx="0" cy="0"/>
+        </a:xfrm>
+      </p:grpSpPr>
+      <p:sp>
+        <p:nvSpPr>
+          <p:cNvPr id="2" name="Titel 1"/>
+          <p:cNvSpPr>
+            <a:spLocks noGrp="1"/>
+          </p:cNvSpPr>
+          <p:nvPr>
+            <p:ph type="title"/>
+          </p:nvPr>
+        </p:nvSpPr>
+        <p:spPr/>
+        <p:txBody>
+          <a:bodyPr/>
+          <a:lstStyle/>
+          <a:p>
+            <a:r>
+              <a:rPr lang="de-AT" dirty="0" err="1" smtClean="0"/>
+              <a:t>UseCases</a:t>
+            </a:r>
+            <a:endParaRPr lang="de-AT" dirty="0"/>
+          </a:p>
+        </p:txBody>
+      </p:sp>
+      <p:sp>
+        <p:nvSpPr>
+          <p:cNvPr id="3" name="Inhaltsplatzhalter 2"/>
+          <p:cNvSpPr>
+            <a:spLocks noGrp="1"/>
+          </p:cNvSpPr>
+          <p:nvPr>
+            <p:ph idx="1"/>
+          </p:nvPr>
+        </p:nvSpPr>
+        <p:spPr/>
+        <p:txBody>
+          <a:bodyPr>
+            <a:noAutofit/>
+          </a:bodyPr>
+          <a:lstStyle/>
+          <a:p>
+            <a:pPr>
+              <a:buFont typeface="Arial" panose="020B0604020202020204" pitchFamily="34" charset="0"/>
+              <a:buChar char="•"/>
+            </a:pPr>
+            <a:r>
+              <a:rPr lang="de-AT" sz="2000" dirty="0" smtClean="0"/>
+              <a:t>Login</a:t>
+            </a:r>
+          </a:p>
+          <a:p>
+            <a:pPr>
+              <a:buFont typeface="Arial" panose="020B0604020202020204" pitchFamily="34" charset="0"/>
+              <a:buChar char="•"/>
+            </a:pPr>
+            <a:r>
+              <a:rPr lang="de-AT" sz="2000" dirty="0" smtClean="0"/>
+              <a:t>Berechtigungsprüfung</a:t>
+            </a:r>
+            <a:endParaRPr lang="de-AT" sz="2000" dirty="0"/>
+          </a:p>
+          <a:p>
+            <a:pPr>
+              <a:buFont typeface="Arial" panose="020B0604020202020204" pitchFamily="34" charset="0"/>
+              <a:buChar char="•"/>
+            </a:pPr>
+            <a:r>
+              <a:rPr lang="de-AT" sz="2000" dirty="0" smtClean="0"/>
+              <a:t>Einladungen</a:t>
+            </a:r>
+          </a:p>
+          <a:p>
+            <a:pPr>
+              <a:buFont typeface="Arial" panose="020B0604020202020204" pitchFamily="34" charset="0"/>
+              <a:buChar char="•"/>
+            </a:pPr>
+            <a:r>
+              <a:rPr lang="de-AT" sz="2000" dirty="0" smtClean="0"/>
+              <a:t>Mitgliederverwaltung</a:t>
+            </a:r>
+          </a:p>
+          <a:p>
+            <a:pPr lvl="1">
+              <a:buFont typeface="Arial" panose="020B0604020202020204" pitchFamily="34" charset="0"/>
+              <a:buChar char="•"/>
+            </a:pPr>
+            <a:r>
+              <a:rPr lang="de-AT" sz="1600" dirty="0" smtClean="0"/>
+              <a:t>Mitglied suchen/ ändern</a:t>
+            </a:r>
+          </a:p>
+          <a:p>
+            <a:pPr lvl="1">
+              <a:buFont typeface="Arial" panose="020B0604020202020204" pitchFamily="34" charset="0"/>
+              <a:buChar char="•"/>
+            </a:pPr>
+            <a:r>
+              <a:rPr lang="de-AT" sz="1600" dirty="0" smtClean="0"/>
+              <a:t>Neues Mitglied anlegen</a:t>
+            </a:r>
+          </a:p>
+          <a:p>
+            <a:pPr lvl="1">
+              <a:buFont typeface="Arial" panose="020B0604020202020204" pitchFamily="34" charset="0"/>
+              <a:buChar char="•"/>
+            </a:pPr>
+            <a:r>
+              <a:rPr lang="de-AT" sz="1600" dirty="0" smtClean="0"/>
+              <a:t>Mitglied zu einem Team hinzufügen</a:t>
+            </a:r>
+            <a:endParaRPr lang="de-AT" sz="2000" dirty="0" smtClean="0"/>
+          </a:p>
+          <a:p>
+            <a:pPr>
+              <a:buFont typeface="Arial" panose="020B0604020202020204" pitchFamily="34" charset="0"/>
+              <a:buChar char="•"/>
+            </a:pPr>
+            <a:r>
+              <a:rPr lang="de-AT" sz="2000" dirty="0" smtClean="0"/>
+              <a:t>Wettkampfverwaltung</a:t>
+            </a:r>
+          </a:p>
+          <a:p>
+            <a:pPr lvl="1">
+              <a:buFont typeface="Arial" panose="020B0604020202020204" pitchFamily="34" charset="0"/>
+              <a:buChar char="•"/>
+            </a:pPr>
+            <a:r>
+              <a:rPr lang="de-AT" sz="1600" dirty="0" smtClean="0"/>
+              <a:t>Neuen Wettkampf anlegen</a:t>
+            </a:r>
+          </a:p>
+          <a:p>
+            <a:pPr lvl="1">
+              <a:buFont typeface="Arial" panose="020B0604020202020204" pitchFamily="34" charset="0"/>
+              <a:buChar char="•"/>
+            </a:pPr>
+            <a:r>
+              <a:rPr lang="de-AT" sz="1600" dirty="0" smtClean="0"/>
+              <a:t>Wettkampf Team festlegen</a:t>
+            </a:r>
+          </a:p>
+          <a:p>
+            <a:pPr lvl="1">
+              <a:buFont typeface="Arial" panose="020B0604020202020204" pitchFamily="34" charset="0"/>
+              <a:buChar char="•"/>
+            </a:pPr>
+            <a:r>
+              <a:rPr lang="de-AT" sz="1600" dirty="0" smtClean="0"/>
+              <a:t>Wettkampf anzeigen</a:t>
+            </a:r>
+          </a:p>
+          <a:p>
+            <a:pPr lvl="1">
+              <a:buFont typeface="Arial" panose="020B0604020202020204" pitchFamily="34" charset="0"/>
+              <a:buChar char="•"/>
+            </a:pPr>
+            <a:r>
+              <a:rPr lang="de-AT" sz="1600" dirty="0" smtClean="0"/>
+              <a:t>Wettkampf Resultate eingeben</a:t>
+            </a:r>
+          </a:p>
+          <a:p>
+            <a:pPr>
+              <a:buFont typeface="Arial" panose="020B0604020202020204" pitchFamily="34" charset="0"/>
+              <a:buChar char="•"/>
+            </a:pPr>
+            <a:endParaRPr lang="de-AT" sz="2000" dirty="0"/>
+          </a:p>
+        </p:txBody>
+      </p:sp>
+    </p:spTree>
+    <p:extLst>
+      <p:ext uri="{BB962C8B-B14F-4D97-AF65-F5344CB8AC3E}">
+        <p14:creationId xmlns:p14="http://schemas.microsoft.com/office/powerpoint/2010/main" val="1699838500"/>
+      </p:ext>
+    </p:extLst>
+  </p:cSld>
+  <p:clrMapOvr>
+    <a:masterClrMapping/>
+  </p:clrMapOvr>
+</p:sld>
+</file>
+
+<file path=ppt/slides/slide38.xml><?xml version="1.0" encoding="utf-8"?>
+<p:sld xmlns:a="http://schemas.openxmlformats.org/drawingml/2006/main" xmlns:r="http://schemas.openxmlformats.org/officeDocument/2006/relationships" xmlns:p="http://schemas.openxmlformats.org/presentationml/2006/main">
+  <p:cSld>
+    <p:spTree>
+      <p:nvGrpSpPr>
+        <p:cNvPr id="1" name=""/>
+        <p:cNvGrpSpPr/>
+        <p:nvPr/>
+      </p:nvGrpSpPr>
+      <p:grpSpPr>
+        <a:xfrm>
+          <a:off x="0" y="0"/>
+          <a:ext cx="0" cy="0"/>
+          <a:chOff x="0" y="0"/>
+          <a:chExt cx="0" cy="0"/>
+        </a:xfrm>
+      </p:grpSpPr>
+      <p:sp>
+        <p:nvSpPr>
           <p:cNvPr id="2" name="Titel 1"/>
           <p:cNvSpPr>
             <a:spLocks noGrp="1"/>
@@ -11240,7 +12034,7 @@
 </p:sld>
 </file>
 
-<file path=ppt/slides/slide32.xml><?xml version="1.0" encoding="utf-8"?>
+<file path=ppt/slides/slide39.xml><?xml version="1.0" encoding="utf-8"?>
 <p:sld xmlns:a="http://schemas.openxmlformats.org/drawingml/2006/main" xmlns:r="http://schemas.openxmlformats.org/officeDocument/2006/relationships" xmlns:p="http://schemas.openxmlformats.org/presentationml/2006/main">
   <p:cSld>
     <p:spTree>
@@ -11336,832 +12130,6 @@
 </p:sld>
 </file>
 
-<file path=ppt/slides/slide33.xml><?xml version="1.0" encoding="utf-8"?>
-<p:sld xmlns:a="http://schemas.openxmlformats.org/drawingml/2006/main" xmlns:r="http://schemas.openxmlformats.org/officeDocument/2006/relationships" xmlns:p="http://schemas.openxmlformats.org/presentationml/2006/main">
-  <p:cSld>
-    <p:spTree>
-      <p:nvGrpSpPr>
-        <p:cNvPr id="1" name=""/>
-        <p:cNvGrpSpPr/>
-        <p:nvPr/>
-      </p:nvGrpSpPr>
-      <p:grpSpPr>
-        <a:xfrm>
-          <a:off x="0" y="0"/>
-          <a:ext cx="0" cy="0"/>
-          <a:chOff x="0" y="0"/>
-          <a:chExt cx="0" cy="0"/>
-        </a:xfrm>
-      </p:grpSpPr>
-      <p:sp>
-        <p:nvSpPr>
-          <p:cNvPr id="2" name="Titel 1"/>
-          <p:cNvSpPr>
-            <a:spLocks noGrp="1"/>
-          </p:cNvSpPr>
-          <p:nvPr>
-            <p:ph type="title"/>
-          </p:nvPr>
-        </p:nvSpPr>
-        <p:spPr/>
-        <p:txBody>
-          <a:bodyPr/>
-          <a:lstStyle/>
-          <a:p>
-            <a:r>
-              <a:rPr lang="de-AT" dirty="0" smtClean="0"/>
-              <a:t>Grundlegende Funktionalitäten</a:t>
-            </a:r>
-            <a:endParaRPr lang="de-AT" dirty="0"/>
-          </a:p>
-        </p:txBody>
-      </p:sp>
-      <p:sp>
-        <p:nvSpPr>
-          <p:cNvPr id="3" name="Inhaltsplatzhalter 2"/>
-          <p:cNvSpPr>
-            <a:spLocks noGrp="1"/>
-          </p:cNvSpPr>
-          <p:nvPr>
-            <p:ph idx="1"/>
-          </p:nvPr>
-        </p:nvSpPr>
-        <p:spPr/>
-        <p:txBody>
-          <a:bodyPr>
-            <a:normAutofit/>
-          </a:bodyPr>
-          <a:lstStyle/>
-          <a:p>
-            <a:pPr marL="265176" lvl="1" indent="0">
-              <a:buNone/>
-            </a:pPr>
-            <a:r>
-              <a:rPr lang="de-AT" dirty="0" smtClean="0"/>
-              <a:t>Login</a:t>
-            </a:r>
-          </a:p>
-          <a:p>
-            <a:pPr marL="265176" lvl="1" indent="0">
-              <a:buNone/>
-            </a:pPr>
-            <a:r>
-              <a:rPr lang="de-AT" dirty="0" smtClean="0"/>
-              <a:t>Berechtigungsprüfung</a:t>
-            </a:r>
-          </a:p>
-          <a:p>
-            <a:pPr lvl="1"/>
-            <a:r>
-              <a:rPr lang="de-AT" dirty="0" smtClean="0"/>
-              <a:t>Mitglied </a:t>
-            </a:r>
-          </a:p>
-          <a:p>
-            <a:pPr lvl="2"/>
-            <a:r>
-              <a:rPr lang="de-AT" dirty="0"/>
-              <a:t>S</a:t>
-            </a:r>
-            <a:r>
-              <a:rPr lang="de-AT" dirty="0" smtClean="0"/>
-              <a:t>uchen</a:t>
-            </a:r>
-            <a:r>
-              <a:rPr lang="de-AT" dirty="0"/>
-              <a:t>/ Ä</a:t>
-            </a:r>
-            <a:r>
-              <a:rPr lang="de-AT" dirty="0" smtClean="0"/>
-              <a:t>ndern</a:t>
-            </a:r>
-          </a:p>
-          <a:p>
-            <a:pPr lvl="2"/>
-            <a:r>
-              <a:rPr lang="de-AT" dirty="0"/>
-              <a:t>A</a:t>
-            </a:r>
-            <a:r>
-              <a:rPr lang="de-AT" dirty="0" smtClean="0"/>
-              <a:t>nlegen</a:t>
-            </a:r>
-            <a:endParaRPr lang="de-AT" dirty="0"/>
-          </a:p>
-          <a:p>
-            <a:pPr lvl="2"/>
-            <a:r>
-              <a:rPr lang="de-AT" dirty="0"/>
-              <a:t>Z</a:t>
-            </a:r>
-            <a:r>
-              <a:rPr lang="de-AT" dirty="0" smtClean="0"/>
-              <a:t>u Team hinzufügen</a:t>
-            </a:r>
-          </a:p>
-          <a:p>
-            <a:pPr marL="1200150" lvl="2" indent="-285750"/>
-            <a:endParaRPr lang="de-AT" dirty="0" smtClean="0"/>
-          </a:p>
-          <a:p>
-            <a:pPr lvl="1"/>
-            <a:r>
-              <a:rPr lang="de-AT" dirty="0" smtClean="0"/>
-              <a:t>Wettkampf </a:t>
-            </a:r>
-          </a:p>
-          <a:p>
-            <a:pPr lvl="2"/>
-            <a:r>
-              <a:rPr lang="de-AT" dirty="0" smtClean="0"/>
-              <a:t>Anlegen</a:t>
-            </a:r>
-            <a:endParaRPr lang="de-AT" dirty="0"/>
-          </a:p>
-          <a:p>
-            <a:pPr lvl="2"/>
-            <a:r>
-              <a:rPr lang="de-AT" dirty="0"/>
-              <a:t>Resultate eingeben</a:t>
-            </a:r>
-          </a:p>
-          <a:p>
-            <a:pPr lvl="2"/>
-            <a:r>
-              <a:rPr lang="de-AT" dirty="0" smtClean="0"/>
-              <a:t>Team </a:t>
-            </a:r>
-            <a:r>
-              <a:rPr lang="de-AT" dirty="0"/>
-              <a:t>festlegen</a:t>
-            </a:r>
-          </a:p>
-          <a:p>
-            <a:pPr lvl="2"/>
-            <a:r>
-              <a:rPr lang="de-AT" dirty="0"/>
-              <a:t>A</a:t>
-            </a:r>
-            <a:r>
-              <a:rPr lang="de-AT" dirty="0" smtClean="0"/>
-              <a:t>nzeigen</a:t>
-            </a:r>
-            <a:endParaRPr lang="de-AT" dirty="0"/>
-          </a:p>
-          <a:p>
-            <a:pPr>
-              <a:buFont typeface="Arial" panose="020B0604020202020204" pitchFamily="34" charset="0"/>
-              <a:buChar char="•"/>
-            </a:pPr>
-            <a:endParaRPr lang="de-AT" dirty="0"/>
-          </a:p>
-        </p:txBody>
-      </p:sp>
-    </p:spTree>
-    <p:extLst>
-      <p:ext uri="{BB962C8B-B14F-4D97-AF65-F5344CB8AC3E}">
-        <p14:creationId xmlns:p14="http://schemas.microsoft.com/office/powerpoint/2010/main" val="1092315448"/>
-      </p:ext>
-    </p:extLst>
-  </p:cSld>
-  <p:clrMapOvr>
-    <a:masterClrMapping/>
-  </p:clrMapOvr>
-</p:sld>
-</file>
-
-<file path=ppt/slides/slide34.xml><?xml version="1.0" encoding="utf-8"?>
-<p:sld xmlns:a="http://schemas.openxmlformats.org/drawingml/2006/main" xmlns:r="http://schemas.openxmlformats.org/officeDocument/2006/relationships" xmlns:p="http://schemas.openxmlformats.org/presentationml/2006/main">
-  <p:cSld>
-    <p:spTree>
-      <p:nvGrpSpPr>
-        <p:cNvPr id="1" name=""/>
-        <p:cNvGrpSpPr/>
-        <p:nvPr/>
-      </p:nvGrpSpPr>
-      <p:grpSpPr>
-        <a:xfrm>
-          <a:off x="0" y="0"/>
-          <a:ext cx="0" cy="0"/>
-          <a:chOff x="0" y="0"/>
-          <a:chExt cx="0" cy="0"/>
-        </a:xfrm>
-      </p:grpSpPr>
-      <p:sp>
-        <p:nvSpPr>
-          <p:cNvPr id="2" name="Titel 1"/>
-          <p:cNvSpPr>
-            <a:spLocks noGrp="1"/>
-          </p:cNvSpPr>
-          <p:nvPr>
-            <p:ph type="title"/>
-          </p:nvPr>
-        </p:nvSpPr>
-        <p:spPr/>
-        <p:txBody>
-          <a:bodyPr/>
-          <a:lstStyle/>
-          <a:p>
-            <a:r>
-              <a:rPr lang="de-AT" dirty="0" smtClean="0"/>
-              <a:t>Erweiterungen</a:t>
-            </a:r>
-            <a:endParaRPr lang="de-AT" dirty="0"/>
-          </a:p>
-        </p:txBody>
-      </p:sp>
-      <p:sp>
-        <p:nvSpPr>
-          <p:cNvPr id="3" name="Inhaltsplatzhalter 2"/>
-          <p:cNvSpPr>
-            <a:spLocks noGrp="1"/>
-          </p:cNvSpPr>
-          <p:nvPr>
-            <p:ph idx="1"/>
-          </p:nvPr>
-        </p:nvSpPr>
-        <p:spPr/>
-        <p:txBody>
-          <a:bodyPr>
-            <a:normAutofit/>
-          </a:bodyPr>
-          <a:lstStyle/>
-          <a:p>
-            <a:pPr>
-              <a:buFont typeface="Arial" panose="020B0604020202020204" pitchFamily="34" charset="0"/>
-              <a:buChar char="•"/>
-            </a:pPr>
-            <a:r>
-              <a:rPr lang="de-AT" dirty="0" smtClean="0"/>
-              <a:t>Login</a:t>
-            </a:r>
-          </a:p>
-          <a:p>
-            <a:pPr>
-              <a:buFont typeface="Arial" panose="020B0604020202020204" pitchFamily="34" charset="0"/>
-              <a:buChar char="•"/>
-            </a:pPr>
-            <a:r>
-              <a:rPr lang="de-AT" dirty="0" err="1" smtClean="0"/>
-              <a:t>Corba</a:t>
-            </a:r>
-            <a:endParaRPr lang="de-AT" dirty="0" smtClean="0"/>
-          </a:p>
-          <a:p>
-            <a:pPr>
-              <a:buFont typeface="Arial" panose="020B0604020202020204" pitchFamily="34" charset="0"/>
-              <a:buChar char="•"/>
-            </a:pPr>
-            <a:r>
-              <a:rPr lang="de-AT" dirty="0" smtClean="0"/>
-              <a:t>Einladungen</a:t>
-            </a:r>
-          </a:p>
-          <a:p>
-            <a:pPr>
-              <a:buFont typeface="Arial" panose="020B0604020202020204" pitchFamily="34" charset="0"/>
-              <a:buChar char="•"/>
-            </a:pPr>
-            <a:r>
-              <a:rPr lang="de-AT" dirty="0" smtClean="0"/>
-              <a:t>Webservice</a:t>
-            </a:r>
-          </a:p>
-          <a:p>
-            <a:pPr>
-              <a:buFont typeface="Arial" panose="020B0604020202020204" pitchFamily="34" charset="0"/>
-              <a:buChar char="•"/>
-            </a:pPr>
-            <a:r>
-              <a:rPr lang="de-AT" dirty="0" smtClean="0"/>
-              <a:t>JMS</a:t>
-            </a:r>
-          </a:p>
-        </p:txBody>
-      </p:sp>
-    </p:spTree>
-    <p:extLst>
-      <p:ext uri="{BB962C8B-B14F-4D97-AF65-F5344CB8AC3E}">
-        <p14:creationId xmlns:p14="http://schemas.microsoft.com/office/powerpoint/2010/main" val="3732497756"/>
-      </p:ext>
-    </p:extLst>
-  </p:cSld>
-  <p:clrMapOvr>
-    <a:masterClrMapping/>
-  </p:clrMapOvr>
-</p:sld>
-</file>
-
-<file path=ppt/slides/slide35.xml><?xml version="1.0" encoding="utf-8"?>
-<p:sld xmlns:a="http://schemas.openxmlformats.org/drawingml/2006/main" xmlns:r="http://schemas.openxmlformats.org/officeDocument/2006/relationships" xmlns:p="http://schemas.openxmlformats.org/presentationml/2006/main">
-  <p:cSld>
-    <p:spTree>
-      <p:nvGrpSpPr>
-        <p:cNvPr id="1" name=""/>
-        <p:cNvGrpSpPr/>
-        <p:nvPr/>
-      </p:nvGrpSpPr>
-      <p:grpSpPr>
-        <a:xfrm>
-          <a:off x="0" y="0"/>
-          <a:ext cx="0" cy="0"/>
-          <a:chOff x="0" y="0"/>
-          <a:chExt cx="0" cy="0"/>
-        </a:xfrm>
-      </p:grpSpPr>
-      <p:sp>
-        <p:nvSpPr>
-          <p:cNvPr id="2" name="Titel 1"/>
-          <p:cNvSpPr>
-            <a:spLocks noGrp="1"/>
-          </p:cNvSpPr>
-          <p:nvPr>
-            <p:ph type="title"/>
-          </p:nvPr>
-        </p:nvSpPr>
-        <p:spPr/>
-        <p:txBody>
-          <a:bodyPr/>
-          <a:lstStyle/>
-          <a:p>
-            <a:r>
-              <a:rPr lang="de-AT" dirty="0" smtClean="0"/>
-              <a:t>Tests &amp; Probleme</a:t>
-            </a:r>
-            <a:endParaRPr lang="de-AT" dirty="0"/>
-          </a:p>
-        </p:txBody>
-      </p:sp>
-      <p:sp>
-        <p:nvSpPr>
-          <p:cNvPr id="3" name="Inhaltsplatzhalter 2"/>
-          <p:cNvSpPr>
-            <a:spLocks noGrp="1"/>
-          </p:cNvSpPr>
-          <p:nvPr>
-            <p:ph idx="1"/>
-          </p:nvPr>
-        </p:nvSpPr>
-        <p:spPr/>
-        <p:txBody>
-          <a:bodyPr/>
-          <a:lstStyle/>
-          <a:p>
-            <a:pPr>
-              <a:buFont typeface="Arial" panose="020B0604020202020204" pitchFamily="34" charset="0"/>
-              <a:buChar char="•"/>
-            </a:pPr>
-            <a:r>
-              <a:rPr lang="de-AT" dirty="0" err="1" smtClean="0"/>
-              <a:t>Exception</a:t>
-            </a:r>
-            <a:r>
-              <a:rPr lang="de-AT" dirty="0" smtClean="0"/>
-              <a:t> </a:t>
-            </a:r>
-            <a:r>
-              <a:rPr lang="de-AT" dirty="0" err="1" smtClean="0"/>
-              <a:t>Handeling</a:t>
-            </a:r>
-            <a:r>
-              <a:rPr lang="de-AT" dirty="0" smtClean="0"/>
-              <a:t> verbessert</a:t>
-            </a:r>
-            <a:endParaRPr lang="de-AT" dirty="0"/>
-          </a:p>
-          <a:p>
-            <a:pPr>
-              <a:buFont typeface="Arial" panose="020B0604020202020204" pitchFamily="34" charset="0"/>
-              <a:buChar char="•"/>
-            </a:pPr>
-            <a:r>
-              <a:rPr lang="de-AT" dirty="0" smtClean="0"/>
-              <a:t>Aufwändig</a:t>
-            </a:r>
-          </a:p>
-          <a:p>
-            <a:pPr lvl="1">
-              <a:buFont typeface="Arial" panose="020B0604020202020204" pitchFamily="34" charset="0"/>
-              <a:buChar char="•"/>
-            </a:pPr>
-            <a:r>
-              <a:rPr lang="de-AT" dirty="0" smtClean="0"/>
-              <a:t>Fehler in </a:t>
-            </a:r>
-            <a:r>
-              <a:rPr lang="de-AT" dirty="0"/>
-              <a:t>Z</a:t>
-            </a:r>
-            <a:r>
-              <a:rPr lang="de-AT" dirty="0" smtClean="0"/>
-              <a:t>usammenhang mit div. Schichten</a:t>
-            </a:r>
-          </a:p>
-          <a:p>
-            <a:pPr>
-              <a:buFont typeface="Arial" panose="020B0604020202020204" pitchFamily="34" charset="0"/>
-              <a:buChar char="•"/>
-            </a:pPr>
-            <a:r>
-              <a:rPr lang="de-AT" dirty="0" smtClean="0"/>
-              <a:t>Wiederverwendbare Forms</a:t>
-            </a:r>
-          </a:p>
-        </p:txBody>
-      </p:sp>
-    </p:spTree>
-    <p:extLst>
-      <p:ext uri="{BB962C8B-B14F-4D97-AF65-F5344CB8AC3E}">
-        <p14:creationId xmlns:p14="http://schemas.microsoft.com/office/powerpoint/2010/main" val="856229136"/>
-      </p:ext>
-    </p:extLst>
-  </p:cSld>
-  <p:clrMapOvr>
-    <a:masterClrMapping/>
-  </p:clrMapOvr>
-</p:sld>
-</file>
-
-<file path=ppt/slides/slide36.xml><?xml version="1.0" encoding="utf-8"?>
-<p:sld xmlns:a="http://schemas.openxmlformats.org/drawingml/2006/main" xmlns:r="http://schemas.openxmlformats.org/officeDocument/2006/relationships" xmlns:p="http://schemas.openxmlformats.org/presentationml/2006/main">
-  <p:cSld>
-    <p:spTree>
-      <p:nvGrpSpPr>
-        <p:cNvPr id="1" name=""/>
-        <p:cNvGrpSpPr/>
-        <p:nvPr/>
-      </p:nvGrpSpPr>
-      <p:grpSpPr>
-        <a:xfrm>
-          <a:off x="0" y="0"/>
-          <a:ext cx="0" cy="0"/>
-          <a:chOff x="0" y="0"/>
-          <a:chExt cx="0" cy="0"/>
-        </a:xfrm>
-      </p:grpSpPr>
-      <p:sp>
-        <p:nvSpPr>
-          <p:cNvPr id="2" name="Title 1"/>
-          <p:cNvSpPr>
-            <a:spLocks noGrp="1"/>
-          </p:cNvSpPr>
-          <p:nvPr>
-            <p:ph type="title"/>
-          </p:nvPr>
-        </p:nvSpPr>
-        <p:spPr/>
-        <p:txBody>
-          <a:bodyPr/>
-          <a:lstStyle/>
-          <a:p>
-            <a:r>
-              <a:rPr lang="de-AT" dirty="0" err="1" smtClean="0"/>
-              <a:t>Lessons</a:t>
-            </a:r>
-            <a:r>
-              <a:rPr lang="de-AT" dirty="0" smtClean="0"/>
-              <a:t> </a:t>
-            </a:r>
-            <a:r>
-              <a:rPr lang="de-AT" dirty="0" err="1" smtClean="0"/>
-              <a:t>Learned</a:t>
-            </a:r>
-            <a:endParaRPr lang="de-AT" dirty="0"/>
-          </a:p>
-        </p:txBody>
-      </p:sp>
-      <p:sp>
-        <p:nvSpPr>
-          <p:cNvPr id="3" name="Text Placeholder 2"/>
-          <p:cNvSpPr>
-            <a:spLocks noGrp="1"/>
-          </p:cNvSpPr>
-          <p:nvPr>
-            <p:ph type="body" idx="1"/>
-          </p:nvPr>
-        </p:nvSpPr>
-        <p:spPr/>
-        <p:txBody>
-          <a:bodyPr/>
-          <a:lstStyle/>
-          <a:p>
-            <a:r>
-              <a:rPr lang="de-AT" dirty="0" smtClean="0"/>
-              <a:t>Das Ende</a:t>
-            </a:r>
-            <a:endParaRPr lang="de-AT" dirty="0"/>
-          </a:p>
-        </p:txBody>
-      </p:sp>
-    </p:spTree>
-    <p:extLst>
-      <p:ext uri="{BB962C8B-B14F-4D97-AF65-F5344CB8AC3E}">
-        <p14:creationId xmlns:p14="http://schemas.microsoft.com/office/powerpoint/2010/main" val="476809469"/>
-      </p:ext>
-    </p:extLst>
-  </p:cSld>
-  <p:clrMapOvr>
-    <a:masterClrMapping/>
-  </p:clrMapOvr>
-</p:sld>
-</file>
-
-<file path=ppt/slides/slide37.xml><?xml version="1.0" encoding="utf-8"?>
-<p:sld xmlns:a="http://schemas.openxmlformats.org/drawingml/2006/main" xmlns:r="http://schemas.openxmlformats.org/officeDocument/2006/relationships" xmlns:p="http://schemas.openxmlformats.org/presentationml/2006/main">
-  <p:cSld>
-    <p:spTree>
-      <p:nvGrpSpPr>
-        <p:cNvPr id="1" name=""/>
-        <p:cNvGrpSpPr/>
-        <p:nvPr/>
-      </p:nvGrpSpPr>
-      <p:grpSpPr>
-        <a:xfrm>
-          <a:off x="0" y="0"/>
-          <a:ext cx="0" cy="0"/>
-          <a:chOff x="0" y="0"/>
-          <a:chExt cx="0" cy="0"/>
-        </a:xfrm>
-      </p:grpSpPr>
-      <p:sp>
-        <p:nvSpPr>
-          <p:cNvPr id="2" name="Titel 1"/>
-          <p:cNvSpPr>
-            <a:spLocks noGrp="1"/>
-          </p:cNvSpPr>
-          <p:nvPr>
-            <p:ph type="title"/>
-          </p:nvPr>
-        </p:nvSpPr>
-        <p:spPr/>
-        <p:txBody>
-          <a:bodyPr/>
-          <a:lstStyle/>
-          <a:p>
-            <a:r>
-              <a:rPr lang="de-AT" dirty="0" err="1" smtClean="0"/>
-              <a:t>Lessons</a:t>
-            </a:r>
-            <a:r>
-              <a:rPr lang="de-AT" dirty="0" smtClean="0"/>
-              <a:t> </a:t>
-            </a:r>
-            <a:r>
-              <a:rPr lang="de-AT" dirty="0" err="1" smtClean="0"/>
-              <a:t>Learned</a:t>
-            </a:r>
-            <a:endParaRPr lang="de-AT" dirty="0"/>
-          </a:p>
-        </p:txBody>
-      </p:sp>
-      <p:sp>
-        <p:nvSpPr>
-          <p:cNvPr id="3" name="Inhaltsplatzhalter 2"/>
-          <p:cNvSpPr>
-            <a:spLocks noGrp="1"/>
-          </p:cNvSpPr>
-          <p:nvPr>
-            <p:ph idx="1"/>
-          </p:nvPr>
-        </p:nvSpPr>
-        <p:spPr/>
-        <p:txBody>
-          <a:bodyPr/>
-          <a:lstStyle/>
-          <a:p>
-            <a:pPr>
-              <a:buFont typeface="Arial" panose="020B0604020202020204" pitchFamily="34" charset="0"/>
-              <a:buChar char="•"/>
-            </a:pPr>
-            <a:r>
-              <a:rPr lang="de-AT" dirty="0" smtClean="0"/>
-              <a:t>Technologien schließen sich gegenseitig aus</a:t>
-            </a:r>
-          </a:p>
-          <a:p>
-            <a:pPr>
-              <a:buFont typeface="Arial" panose="020B0604020202020204" pitchFamily="34" charset="0"/>
-              <a:buChar char="•"/>
-            </a:pPr>
-            <a:r>
-              <a:rPr lang="de-AT" dirty="0" smtClean="0"/>
-              <a:t>Genaue Analyse der Aufgabenstellung und abstecken was noch kommen kann</a:t>
-            </a:r>
-          </a:p>
-          <a:p>
-            <a:pPr>
-              <a:buFont typeface="Arial" panose="020B0604020202020204" pitchFamily="34" charset="0"/>
-              <a:buChar char="•"/>
-            </a:pPr>
-            <a:r>
-              <a:rPr lang="de-AT" dirty="0" smtClean="0"/>
-              <a:t>Zeitmanagement essentiell</a:t>
-            </a:r>
-          </a:p>
-          <a:p>
-            <a:pPr>
-              <a:buFont typeface="Arial" panose="020B0604020202020204" pitchFamily="34" charset="0"/>
-              <a:buChar char="•"/>
-            </a:pPr>
-            <a:r>
-              <a:rPr lang="de-AT" dirty="0" err="1" smtClean="0"/>
-              <a:t>Hibernate</a:t>
-            </a:r>
-            <a:r>
-              <a:rPr lang="de-AT" dirty="0" smtClean="0"/>
-              <a:t> -&gt; Technologie Anpassungen</a:t>
-            </a:r>
-            <a:endParaRPr lang="de-AT" dirty="0"/>
-          </a:p>
-        </p:txBody>
-      </p:sp>
-    </p:spTree>
-    <p:extLst>
-      <p:ext uri="{BB962C8B-B14F-4D97-AF65-F5344CB8AC3E}">
-        <p14:creationId xmlns:p14="http://schemas.microsoft.com/office/powerpoint/2010/main" val="3386145516"/>
-      </p:ext>
-    </p:extLst>
-  </p:cSld>
-  <p:clrMapOvr>
-    <a:masterClrMapping/>
-  </p:clrMapOvr>
-</p:sld>
-</file>
-
-<file path=ppt/slides/slide38.xml><?xml version="1.0" encoding="utf-8"?>
-<p:sld xmlns:a="http://schemas.openxmlformats.org/drawingml/2006/main" xmlns:r="http://schemas.openxmlformats.org/officeDocument/2006/relationships" xmlns:p="http://schemas.openxmlformats.org/presentationml/2006/main">
-  <p:cSld>
-    <p:spTree>
-      <p:nvGrpSpPr>
-        <p:cNvPr id="1" name=""/>
-        <p:cNvGrpSpPr/>
-        <p:nvPr/>
-      </p:nvGrpSpPr>
-      <p:grpSpPr>
-        <a:xfrm>
-          <a:off x="0" y="0"/>
-          <a:ext cx="0" cy="0"/>
-          <a:chOff x="0" y="0"/>
-          <a:chExt cx="0" cy="0"/>
-        </a:xfrm>
-      </p:grpSpPr>
-      <p:sp>
-        <p:nvSpPr>
-          <p:cNvPr id="2" name="Titel 1"/>
-          <p:cNvSpPr>
-            <a:spLocks noGrp="1"/>
-          </p:cNvSpPr>
-          <p:nvPr>
-            <p:ph type="title"/>
-          </p:nvPr>
-        </p:nvSpPr>
-        <p:spPr/>
-        <p:txBody>
-          <a:bodyPr/>
-          <a:lstStyle/>
-          <a:p>
-            <a:r>
-              <a:rPr lang="de-AT" dirty="0" smtClean="0"/>
-              <a:t>Zeitaufwand</a:t>
-            </a:r>
-            <a:endParaRPr lang="de-AT" dirty="0"/>
-          </a:p>
-        </p:txBody>
-      </p:sp>
-      <p:sp>
-        <p:nvSpPr>
-          <p:cNvPr id="3" name="Inhaltsplatzhalter 2"/>
-          <p:cNvSpPr>
-            <a:spLocks noGrp="1"/>
-          </p:cNvSpPr>
-          <p:nvPr>
-            <p:ph idx="1"/>
-          </p:nvPr>
-        </p:nvSpPr>
-        <p:spPr/>
-        <p:txBody>
-          <a:bodyPr/>
-          <a:lstStyle/>
-          <a:p>
-            <a:pPr>
-              <a:buFont typeface="Arial" panose="020B0604020202020204" pitchFamily="34" charset="0"/>
-              <a:buChar char="•"/>
-            </a:pPr>
-            <a:r>
-              <a:rPr lang="de-AT" dirty="0" smtClean="0"/>
-              <a:t>Viel </a:t>
-            </a:r>
-            <a:r>
-              <a:rPr lang="de-AT" dirty="0" err="1" smtClean="0"/>
-              <a:t>z‘viel</a:t>
-            </a:r>
-            <a:endParaRPr lang="de-AT" dirty="0"/>
-          </a:p>
-        </p:txBody>
-      </p:sp>
-    </p:spTree>
-    <p:extLst>
-      <p:ext uri="{BB962C8B-B14F-4D97-AF65-F5344CB8AC3E}">
-        <p14:creationId xmlns:p14="http://schemas.microsoft.com/office/powerpoint/2010/main" val="1427317626"/>
-      </p:ext>
-    </p:extLst>
-  </p:cSld>
-  <p:clrMapOvr>
-    <a:masterClrMapping/>
-  </p:clrMapOvr>
-</p:sld>
-</file>
-
-<file path=ppt/slides/slide39.xml><?xml version="1.0" encoding="utf-8"?>
-<p:sld xmlns:a="http://schemas.openxmlformats.org/drawingml/2006/main" xmlns:r="http://schemas.openxmlformats.org/officeDocument/2006/relationships" xmlns:p="http://schemas.openxmlformats.org/presentationml/2006/main">
-  <p:cSld>
-    <p:spTree>
-      <p:nvGrpSpPr>
-        <p:cNvPr id="1" name=""/>
-        <p:cNvGrpSpPr/>
-        <p:nvPr/>
-      </p:nvGrpSpPr>
-      <p:grpSpPr>
-        <a:xfrm>
-          <a:off x="0" y="0"/>
-          <a:ext cx="0" cy="0"/>
-          <a:chOff x="0" y="0"/>
-          <a:chExt cx="0" cy="0"/>
-        </a:xfrm>
-      </p:grpSpPr>
-      <p:sp>
-        <p:nvSpPr>
-          <p:cNvPr id="4" name="Title 3"/>
-          <p:cNvSpPr>
-            <a:spLocks noGrp="1"/>
-          </p:cNvSpPr>
-          <p:nvPr>
-            <p:ph type="title"/>
-          </p:nvPr>
-        </p:nvSpPr>
-        <p:spPr/>
-        <p:txBody>
-          <a:bodyPr/>
-          <a:lstStyle/>
-          <a:p>
-            <a:r>
-              <a:rPr lang="de-AT" dirty="0" err="1" smtClean="0"/>
-              <a:t>ENDe</a:t>
-            </a:r>
-            <a:endParaRPr lang="de-AT" dirty="0"/>
-          </a:p>
-        </p:txBody>
-      </p:sp>
-      <p:sp>
-        <p:nvSpPr>
-          <p:cNvPr id="5" name="Content Placeholder 4"/>
-          <p:cNvSpPr>
-            <a:spLocks noGrp="1"/>
-          </p:cNvSpPr>
-          <p:nvPr>
-            <p:ph idx="1"/>
-          </p:nvPr>
-        </p:nvSpPr>
-        <p:spPr/>
-        <p:txBody>
-          <a:bodyPr/>
-          <a:lstStyle/>
-          <a:p>
-            <a:pPr>
-              <a:buFont typeface="Arial" panose="020B0604020202020204" pitchFamily="34" charset="0"/>
-              <a:buChar char="•"/>
-            </a:pPr>
-            <a:r>
-              <a:rPr lang="de-AT" dirty="0" smtClean="0"/>
-              <a:t>Noch Fragen?</a:t>
-            </a:r>
-          </a:p>
-          <a:p>
-            <a:pPr>
-              <a:buFont typeface="Arial" panose="020B0604020202020204" pitchFamily="34" charset="0"/>
-              <a:buChar char="•"/>
-            </a:pPr>
-            <a:r>
-              <a:rPr lang="de-AT" dirty="0" smtClean="0"/>
-              <a:t>Danke</a:t>
-            </a:r>
-            <a:endParaRPr lang="de-AT" dirty="0"/>
-          </a:p>
-        </p:txBody>
-      </p:sp>
-    </p:spTree>
-    <p:extLst>
-      <p:ext uri="{BB962C8B-B14F-4D97-AF65-F5344CB8AC3E}">
-        <p14:creationId xmlns:p14="http://schemas.microsoft.com/office/powerpoint/2010/main" val="3336475912"/>
-      </p:ext>
-    </p:extLst>
-  </p:cSld>
-  <p:clrMapOvr>
-    <a:masterClrMapping/>
-  </p:clrMapOvr>
-</p:sld>
-</file>
-
 <file path=ppt/slides/slide4.xml><?xml version="1.0" encoding="utf-8"?>
 <p:sld xmlns:a="http://schemas.openxmlformats.org/drawingml/2006/main" xmlns:r="http://schemas.openxmlformats.org/officeDocument/2006/relationships" xmlns:p="http://schemas.openxmlformats.org/presentationml/2006/main">
   <p:cSld>
@@ -12242,6 +12210,832 @@
       </p:par>
     </p:tnLst>
   </p:timing>
+</p:sld>
+</file>
+
+<file path=ppt/slides/slide40.xml><?xml version="1.0" encoding="utf-8"?>
+<p:sld xmlns:a="http://schemas.openxmlformats.org/drawingml/2006/main" xmlns:r="http://schemas.openxmlformats.org/officeDocument/2006/relationships" xmlns:p="http://schemas.openxmlformats.org/presentationml/2006/main">
+  <p:cSld>
+    <p:spTree>
+      <p:nvGrpSpPr>
+        <p:cNvPr id="1" name=""/>
+        <p:cNvGrpSpPr/>
+        <p:nvPr/>
+      </p:nvGrpSpPr>
+      <p:grpSpPr>
+        <a:xfrm>
+          <a:off x="0" y="0"/>
+          <a:ext cx="0" cy="0"/>
+          <a:chOff x="0" y="0"/>
+          <a:chExt cx="0" cy="0"/>
+        </a:xfrm>
+      </p:grpSpPr>
+      <p:sp>
+        <p:nvSpPr>
+          <p:cNvPr id="2" name="Titel 1"/>
+          <p:cNvSpPr>
+            <a:spLocks noGrp="1"/>
+          </p:cNvSpPr>
+          <p:nvPr>
+            <p:ph type="title"/>
+          </p:nvPr>
+        </p:nvSpPr>
+        <p:spPr/>
+        <p:txBody>
+          <a:bodyPr/>
+          <a:lstStyle/>
+          <a:p>
+            <a:r>
+              <a:rPr lang="de-AT" dirty="0" smtClean="0"/>
+              <a:t>Grundlegende Funktionalitäten</a:t>
+            </a:r>
+            <a:endParaRPr lang="de-AT" dirty="0"/>
+          </a:p>
+        </p:txBody>
+      </p:sp>
+      <p:sp>
+        <p:nvSpPr>
+          <p:cNvPr id="3" name="Inhaltsplatzhalter 2"/>
+          <p:cNvSpPr>
+            <a:spLocks noGrp="1"/>
+          </p:cNvSpPr>
+          <p:nvPr>
+            <p:ph idx="1"/>
+          </p:nvPr>
+        </p:nvSpPr>
+        <p:spPr/>
+        <p:txBody>
+          <a:bodyPr>
+            <a:normAutofit/>
+          </a:bodyPr>
+          <a:lstStyle/>
+          <a:p>
+            <a:pPr marL="265176" lvl="1" indent="0">
+              <a:buNone/>
+            </a:pPr>
+            <a:r>
+              <a:rPr lang="de-AT" dirty="0" smtClean="0"/>
+              <a:t>Login</a:t>
+            </a:r>
+          </a:p>
+          <a:p>
+            <a:pPr marL="265176" lvl="1" indent="0">
+              <a:buNone/>
+            </a:pPr>
+            <a:r>
+              <a:rPr lang="de-AT" dirty="0" smtClean="0"/>
+              <a:t>Berechtigungsprüfung</a:t>
+            </a:r>
+          </a:p>
+          <a:p>
+            <a:pPr lvl="1"/>
+            <a:r>
+              <a:rPr lang="de-AT" dirty="0" smtClean="0"/>
+              <a:t>Mitglied </a:t>
+            </a:r>
+          </a:p>
+          <a:p>
+            <a:pPr lvl="2"/>
+            <a:r>
+              <a:rPr lang="de-AT" dirty="0"/>
+              <a:t>S</a:t>
+            </a:r>
+            <a:r>
+              <a:rPr lang="de-AT" dirty="0" smtClean="0"/>
+              <a:t>uchen</a:t>
+            </a:r>
+            <a:r>
+              <a:rPr lang="de-AT" dirty="0"/>
+              <a:t>/ Ä</a:t>
+            </a:r>
+            <a:r>
+              <a:rPr lang="de-AT" dirty="0" smtClean="0"/>
+              <a:t>ndern</a:t>
+            </a:r>
+          </a:p>
+          <a:p>
+            <a:pPr lvl="2"/>
+            <a:r>
+              <a:rPr lang="de-AT" dirty="0"/>
+              <a:t>A</a:t>
+            </a:r>
+            <a:r>
+              <a:rPr lang="de-AT" dirty="0" smtClean="0"/>
+              <a:t>nlegen</a:t>
+            </a:r>
+            <a:endParaRPr lang="de-AT" dirty="0"/>
+          </a:p>
+          <a:p>
+            <a:pPr lvl="2"/>
+            <a:r>
+              <a:rPr lang="de-AT" dirty="0"/>
+              <a:t>Z</a:t>
+            </a:r>
+            <a:r>
+              <a:rPr lang="de-AT" dirty="0" smtClean="0"/>
+              <a:t>u Team hinzufügen</a:t>
+            </a:r>
+          </a:p>
+          <a:p>
+            <a:pPr marL="1200150" lvl="2" indent="-285750"/>
+            <a:endParaRPr lang="de-AT" dirty="0" smtClean="0"/>
+          </a:p>
+          <a:p>
+            <a:pPr lvl="1"/>
+            <a:r>
+              <a:rPr lang="de-AT" dirty="0" smtClean="0"/>
+              <a:t>Wettkampf </a:t>
+            </a:r>
+          </a:p>
+          <a:p>
+            <a:pPr lvl="2"/>
+            <a:r>
+              <a:rPr lang="de-AT" dirty="0" smtClean="0"/>
+              <a:t>Anlegen</a:t>
+            </a:r>
+            <a:endParaRPr lang="de-AT" dirty="0"/>
+          </a:p>
+          <a:p>
+            <a:pPr lvl="2"/>
+            <a:r>
+              <a:rPr lang="de-AT" dirty="0"/>
+              <a:t>Resultate eingeben</a:t>
+            </a:r>
+          </a:p>
+          <a:p>
+            <a:pPr lvl="2"/>
+            <a:r>
+              <a:rPr lang="de-AT" dirty="0" smtClean="0"/>
+              <a:t>Team </a:t>
+            </a:r>
+            <a:r>
+              <a:rPr lang="de-AT" dirty="0"/>
+              <a:t>festlegen</a:t>
+            </a:r>
+          </a:p>
+          <a:p>
+            <a:pPr lvl="2"/>
+            <a:r>
+              <a:rPr lang="de-AT" dirty="0"/>
+              <a:t>A</a:t>
+            </a:r>
+            <a:r>
+              <a:rPr lang="de-AT" dirty="0" smtClean="0"/>
+              <a:t>nzeigen</a:t>
+            </a:r>
+            <a:endParaRPr lang="de-AT" dirty="0"/>
+          </a:p>
+          <a:p>
+            <a:pPr>
+              <a:buFont typeface="Arial" panose="020B0604020202020204" pitchFamily="34" charset="0"/>
+              <a:buChar char="•"/>
+            </a:pPr>
+            <a:endParaRPr lang="de-AT" dirty="0"/>
+          </a:p>
+        </p:txBody>
+      </p:sp>
+    </p:spTree>
+    <p:extLst>
+      <p:ext uri="{BB962C8B-B14F-4D97-AF65-F5344CB8AC3E}">
+        <p14:creationId xmlns:p14="http://schemas.microsoft.com/office/powerpoint/2010/main" val="1092315448"/>
+      </p:ext>
+    </p:extLst>
+  </p:cSld>
+  <p:clrMapOvr>
+    <a:masterClrMapping/>
+  </p:clrMapOvr>
+</p:sld>
+</file>
+
+<file path=ppt/slides/slide41.xml><?xml version="1.0" encoding="utf-8"?>
+<p:sld xmlns:a="http://schemas.openxmlformats.org/drawingml/2006/main" xmlns:r="http://schemas.openxmlformats.org/officeDocument/2006/relationships" xmlns:p="http://schemas.openxmlformats.org/presentationml/2006/main">
+  <p:cSld>
+    <p:spTree>
+      <p:nvGrpSpPr>
+        <p:cNvPr id="1" name=""/>
+        <p:cNvGrpSpPr/>
+        <p:nvPr/>
+      </p:nvGrpSpPr>
+      <p:grpSpPr>
+        <a:xfrm>
+          <a:off x="0" y="0"/>
+          <a:ext cx="0" cy="0"/>
+          <a:chOff x="0" y="0"/>
+          <a:chExt cx="0" cy="0"/>
+        </a:xfrm>
+      </p:grpSpPr>
+      <p:sp>
+        <p:nvSpPr>
+          <p:cNvPr id="2" name="Titel 1"/>
+          <p:cNvSpPr>
+            <a:spLocks noGrp="1"/>
+          </p:cNvSpPr>
+          <p:nvPr>
+            <p:ph type="title"/>
+          </p:nvPr>
+        </p:nvSpPr>
+        <p:spPr/>
+        <p:txBody>
+          <a:bodyPr/>
+          <a:lstStyle/>
+          <a:p>
+            <a:r>
+              <a:rPr lang="de-AT" dirty="0" smtClean="0"/>
+              <a:t>Erweiterungen</a:t>
+            </a:r>
+            <a:endParaRPr lang="de-AT" dirty="0"/>
+          </a:p>
+        </p:txBody>
+      </p:sp>
+      <p:sp>
+        <p:nvSpPr>
+          <p:cNvPr id="3" name="Inhaltsplatzhalter 2"/>
+          <p:cNvSpPr>
+            <a:spLocks noGrp="1"/>
+          </p:cNvSpPr>
+          <p:nvPr>
+            <p:ph idx="1"/>
+          </p:nvPr>
+        </p:nvSpPr>
+        <p:spPr/>
+        <p:txBody>
+          <a:bodyPr>
+            <a:normAutofit/>
+          </a:bodyPr>
+          <a:lstStyle/>
+          <a:p>
+            <a:pPr>
+              <a:buFont typeface="Arial" panose="020B0604020202020204" pitchFamily="34" charset="0"/>
+              <a:buChar char="•"/>
+            </a:pPr>
+            <a:r>
+              <a:rPr lang="de-AT" dirty="0" smtClean="0"/>
+              <a:t>Login</a:t>
+            </a:r>
+          </a:p>
+          <a:p>
+            <a:pPr>
+              <a:buFont typeface="Arial" panose="020B0604020202020204" pitchFamily="34" charset="0"/>
+              <a:buChar char="•"/>
+            </a:pPr>
+            <a:r>
+              <a:rPr lang="de-AT" dirty="0" err="1" smtClean="0"/>
+              <a:t>Corba</a:t>
+            </a:r>
+            <a:endParaRPr lang="de-AT" dirty="0" smtClean="0"/>
+          </a:p>
+          <a:p>
+            <a:pPr>
+              <a:buFont typeface="Arial" panose="020B0604020202020204" pitchFamily="34" charset="0"/>
+              <a:buChar char="•"/>
+            </a:pPr>
+            <a:r>
+              <a:rPr lang="de-AT" dirty="0" smtClean="0"/>
+              <a:t>Einladungen</a:t>
+            </a:r>
+          </a:p>
+          <a:p>
+            <a:pPr>
+              <a:buFont typeface="Arial" panose="020B0604020202020204" pitchFamily="34" charset="0"/>
+              <a:buChar char="•"/>
+            </a:pPr>
+            <a:r>
+              <a:rPr lang="de-AT" dirty="0" smtClean="0"/>
+              <a:t>Webservice</a:t>
+            </a:r>
+          </a:p>
+          <a:p>
+            <a:pPr>
+              <a:buFont typeface="Arial" panose="020B0604020202020204" pitchFamily="34" charset="0"/>
+              <a:buChar char="•"/>
+            </a:pPr>
+            <a:r>
+              <a:rPr lang="de-AT" dirty="0" smtClean="0"/>
+              <a:t>JMS</a:t>
+            </a:r>
+          </a:p>
+        </p:txBody>
+      </p:sp>
+    </p:spTree>
+    <p:extLst>
+      <p:ext uri="{BB962C8B-B14F-4D97-AF65-F5344CB8AC3E}">
+        <p14:creationId xmlns:p14="http://schemas.microsoft.com/office/powerpoint/2010/main" val="3732497756"/>
+      </p:ext>
+    </p:extLst>
+  </p:cSld>
+  <p:clrMapOvr>
+    <a:masterClrMapping/>
+  </p:clrMapOvr>
+</p:sld>
+</file>
+
+<file path=ppt/slides/slide42.xml><?xml version="1.0" encoding="utf-8"?>
+<p:sld xmlns:a="http://schemas.openxmlformats.org/drawingml/2006/main" xmlns:r="http://schemas.openxmlformats.org/officeDocument/2006/relationships" xmlns:p="http://schemas.openxmlformats.org/presentationml/2006/main">
+  <p:cSld>
+    <p:spTree>
+      <p:nvGrpSpPr>
+        <p:cNvPr id="1" name=""/>
+        <p:cNvGrpSpPr/>
+        <p:nvPr/>
+      </p:nvGrpSpPr>
+      <p:grpSpPr>
+        <a:xfrm>
+          <a:off x="0" y="0"/>
+          <a:ext cx="0" cy="0"/>
+          <a:chOff x="0" y="0"/>
+          <a:chExt cx="0" cy="0"/>
+        </a:xfrm>
+      </p:grpSpPr>
+      <p:sp>
+        <p:nvSpPr>
+          <p:cNvPr id="2" name="Titel 1"/>
+          <p:cNvSpPr>
+            <a:spLocks noGrp="1"/>
+          </p:cNvSpPr>
+          <p:nvPr>
+            <p:ph type="title"/>
+          </p:nvPr>
+        </p:nvSpPr>
+        <p:spPr/>
+        <p:txBody>
+          <a:bodyPr/>
+          <a:lstStyle/>
+          <a:p>
+            <a:r>
+              <a:rPr lang="de-AT" dirty="0" smtClean="0"/>
+              <a:t>Tests &amp; Probleme</a:t>
+            </a:r>
+            <a:endParaRPr lang="de-AT" dirty="0"/>
+          </a:p>
+        </p:txBody>
+      </p:sp>
+      <p:sp>
+        <p:nvSpPr>
+          <p:cNvPr id="3" name="Inhaltsplatzhalter 2"/>
+          <p:cNvSpPr>
+            <a:spLocks noGrp="1"/>
+          </p:cNvSpPr>
+          <p:nvPr>
+            <p:ph idx="1"/>
+          </p:nvPr>
+        </p:nvSpPr>
+        <p:spPr/>
+        <p:txBody>
+          <a:bodyPr/>
+          <a:lstStyle/>
+          <a:p>
+            <a:pPr>
+              <a:buFont typeface="Arial" panose="020B0604020202020204" pitchFamily="34" charset="0"/>
+              <a:buChar char="•"/>
+            </a:pPr>
+            <a:r>
+              <a:rPr lang="de-AT" dirty="0" err="1" smtClean="0"/>
+              <a:t>Exception</a:t>
+            </a:r>
+            <a:r>
+              <a:rPr lang="de-AT" dirty="0" smtClean="0"/>
+              <a:t> </a:t>
+            </a:r>
+            <a:r>
+              <a:rPr lang="de-AT" dirty="0" err="1" smtClean="0"/>
+              <a:t>Handeling</a:t>
+            </a:r>
+            <a:r>
+              <a:rPr lang="de-AT" dirty="0" smtClean="0"/>
+              <a:t> verbessert</a:t>
+            </a:r>
+            <a:endParaRPr lang="de-AT" dirty="0"/>
+          </a:p>
+          <a:p>
+            <a:pPr>
+              <a:buFont typeface="Arial" panose="020B0604020202020204" pitchFamily="34" charset="0"/>
+              <a:buChar char="•"/>
+            </a:pPr>
+            <a:r>
+              <a:rPr lang="de-AT" dirty="0" smtClean="0"/>
+              <a:t>Aufwändig</a:t>
+            </a:r>
+          </a:p>
+          <a:p>
+            <a:pPr lvl="1">
+              <a:buFont typeface="Arial" panose="020B0604020202020204" pitchFamily="34" charset="0"/>
+              <a:buChar char="•"/>
+            </a:pPr>
+            <a:r>
+              <a:rPr lang="de-AT" dirty="0" smtClean="0"/>
+              <a:t>Fehler in </a:t>
+            </a:r>
+            <a:r>
+              <a:rPr lang="de-AT" dirty="0"/>
+              <a:t>Z</a:t>
+            </a:r>
+            <a:r>
+              <a:rPr lang="de-AT" dirty="0" smtClean="0"/>
+              <a:t>usammenhang mit div. Schichten</a:t>
+            </a:r>
+          </a:p>
+          <a:p>
+            <a:pPr>
+              <a:buFont typeface="Arial" panose="020B0604020202020204" pitchFamily="34" charset="0"/>
+              <a:buChar char="•"/>
+            </a:pPr>
+            <a:r>
+              <a:rPr lang="de-AT" dirty="0" smtClean="0"/>
+              <a:t>Wiederverwendbare Forms</a:t>
+            </a:r>
+          </a:p>
+        </p:txBody>
+      </p:sp>
+    </p:spTree>
+    <p:extLst>
+      <p:ext uri="{BB962C8B-B14F-4D97-AF65-F5344CB8AC3E}">
+        <p14:creationId xmlns:p14="http://schemas.microsoft.com/office/powerpoint/2010/main" val="856229136"/>
+      </p:ext>
+    </p:extLst>
+  </p:cSld>
+  <p:clrMapOvr>
+    <a:masterClrMapping/>
+  </p:clrMapOvr>
+</p:sld>
+</file>
+
+<file path=ppt/slides/slide43.xml><?xml version="1.0" encoding="utf-8"?>
+<p:sld xmlns:a="http://schemas.openxmlformats.org/drawingml/2006/main" xmlns:r="http://schemas.openxmlformats.org/officeDocument/2006/relationships" xmlns:p="http://schemas.openxmlformats.org/presentationml/2006/main">
+  <p:cSld>
+    <p:spTree>
+      <p:nvGrpSpPr>
+        <p:cNvPr id="1" name=""/>
+        <p:cNvGrpSpPr/>
+        <p:nvPr/>
+      </p:nvGrpSpPr>
+      <p:grpSpPr>
+        <a:xfrm>
+          <a:off x="0" y="0"/>
+          <a:ext cx="0" cy="0"/>
+          <a:chOff x="0" y="0"/>
+          <a:chExt cx="0" cy="0"/>
+        </a:xfrm>
+      </p:grpSpPr>
+      <p:sp>
+        <p:nvSpPr>
+          <p:cNvPr id="2" name="Title 1"/>
+          <p:cNvSpPr>
+            <a:spLocks noGrp="1"/>
+          </p:cNvSpPr>
+          <p:nvPr>
+            <p:ph type="title"/>
+          </p:nvPr>
+        </p:nvSpPr>
+        <p:spPr/>
+        <p:txBody>
+          <a:bodyPr/>
+          <a:lstStyle/>
+          <a:p>
+            <a:r>
+              <a:rPr lang="de-AT" dirty="0" err="1" smtClean="0"/>
+              <a:t>Lessons</a:t>
+            </a:r>
+            <a:r>
+              <a:rPr lang="de-AT" dirty="0" smtClean="0"/>
+              <a:t> </a:t>
+            </a:r>
+            <a:r>
+              <a:rPr lang="de-AT" dirty="0" err="1" smtClean="0"/>
+              <a:t>Learned</a:t>
+            </a:r>
+            <a:endParaRPr lang="de-AT" dirty="0"/>
+          </a:p>
+        </p:txBody>
+      </p:sp>
+      <p:sp>
+        <p:nvSpPr>
+          <p:cNvPr id="3" name="Text Placeholder 2"/>
+          <p:cNvSpPr>
+            <a:spLocks noGrp="1"/>
+          </p:cNvSpPr>
+          <p:nvPr>
+            <p:ph type="body" idx="1"/>
+          </p:nvPr>
+        </p:nvSpPr>
+        <p:spPr/>
+        <p:txBody>
+          <a:bodyPr/>
+          <a:lstStyle/>
+          <a:p>
+            <a:r>
+              <a:rPr lang="de-AT" dirty="0" smtClean="0"/>
+              <a:t>Das Ende</a:t>
+            </a:r>
+            <a:endParaRPr lang="de-AT" dirty="0"/>
+          </a:p>
+        </p:txBody>
+      </p:sp>
+    </p:spTree>
+    <p:extLst>
+      <p:ext uri="{BB962C8B-B14F-4D97-AF65-F5344CB8AC3E}">
+        <p14:creationId xmlns:p14="http://schemas.microsoft.com/office/powerpoint/2010/main" val="476809469"/>
+      </p:ext>
+    </p:extLst>
+  </p:cSld>
+  <p:clrMapOvr>
+    <a:masterClrMapping/>
+  </p:clrMapOvr>
+</p:sld>
+</file>
+
+<file path=ppt/slides/slide44.xml><?xml version="1.0" encoding="utf-8"?>
+<p:sld xmlns:a="http://schemas.openxmlformats.org/drawingml/2006/main" xmlns:r="http://schemas.openxmlformats.org/officeDocument/2006/relationships" xmlns:p="http://schemas.openxmlformats.org/presentationml/2006/main">
+  <p:cSld>
+    <p:spTree>
+      <p:nvGrpSpPr>
+        <p:cNvPr id="1" name=""/>
+        <p:cNvGrpSpPr/>
+        <p:nvPr/>
+      </p:nvGrpSpPr>
+      <p:grpSpPr>
+        <a:xfrm>
+          <a:off x="0" y="0"/>
+          <a:ext cx="0" cy="0"/>
+          <a:chOff x="0" y="0"/>
+          <a:chExt cx="0" cy="0"/>
+        </a:xfrm>
+      </p:grpSpPr>
+      <p:sp>
+        <p:nvSpPr>
+          <p:cNvPr id="2" name="Titel 1"/>
+          <p:cNvSpPr>
+            <a:spLocks noGrp="1"/>
+          </p:cNvSpPr>
+          <p:nvPr>
+            <p:ph type="title"/>
+          </p:nvPr>
+        </p:nvSpPr>
+        <p:spPr/>
+        <p:txBody>
+          <a:bodyPr/>
+          <a:lstStyle/>
+          <a:p>
+            <a:r>
+              <a:rPr lang="de-AT" dirty="0" err="1" smtClean="0"/>
+              <a:t>Lessons</a:t>
+            </a:r>
+            <a:r>
+              <a:rPr lang="de-AT" dirty="0" smtClean="0"/>
+              <a:t> </a:t>
+            </a:r>
+            <a:r>
+              <a:rPr lang="de-AT" dirty="0" err="1" smtClean="0"/>
+              <a:t>Learned</a:t>
+            </a:r>
+            <a:endParaRPr lang="de-AT" dirty="0"/>
+          </a:p>
+        </p:txBody>
+      </p:sp>
+      <p:sp>
+        <p:nvSpPr>
+          <p:cNvPr id="3" name="Inhaltsplatzhalter 2"/>
+          <p:cNvSpPr>
+            <a:spLocks noGrp="1"/>
+          </p:cNvSpPr>
+          <p:nvPr>
+            <p:ph idx="1"/>
+          </p:nvPr>
+        </p:nvSpPr>
+        <p:spPr/>
+        <p:txBody>
+          <a:bodyPr/>
+          <a:lstStyle/>
+          <a:p>
+            <a:pPr>
+              <a:buFont typeface="Arial" panose="020B0604020202020204" pitchFamily="34" charset="0"/>
+              <a:buChar char="•"/>
+            </a:pPr>
+            <a:r>
+              <a:rPr lang="de-AT" dirty="0" smtClean="0"/>
+              <a:t>Technologien schließen sich gegenseitig aus</a:t>
+            </a:r>
+          </a:p>
+          <a:p>
+            <a:pPr>
+              <a:buFont typeface="Arial" panose="020B0604020202020204" pitchFamily="34" charset="0"/>
+              <a:buChar char="•"/>
+            </a:pPr>
+            <a:r>
+              <a:rPr lang="de-AT" dirty="0" smtClean="0"/>
+              <a:t>Genaue Analyse der Aufgabenstellung und abstecken was noch kommen kann</a:t>
+            </a:r>
+          </a:p>
+          <a:p>
+            <a:pPr>
+              <a:buFont typeface="Arial" panose="020B0604020202020204" pitchFamily="34" charset="0"/>
+              <a:buChar char="•"/>
+            </a:pPr>
+            <a:r>
+              <a:rPr lang="de-AT" dirty="0" smtClean="0"/>
+              <a:t>Zeitmanagement essentiell</a:t>
+            </a:r>
+          </a:p>
+          <a:p>
+            <a:pPr>
+              <a:buFont typeface="Arial" panose="020B0604020202020204" pitchFamily="34" charset="0"/>
+              <a:buChar char="•"/>
+            </a:pPr>
+            <a:r>
+              <a:rPr lang="de-AT" dirty="0" err="1" smtClean="0"/>
+              <a:t>Hibernate</a:t>
+            </a:r>
+            <a:r>
+              <a:rPr lang="de-AT" dirty="0" smtClean="0"/>
+              <a:t> -&gt; Technologie Anpassungen</a:t>
+            </a:r>
+            <a:endParaRPr lang="de-AT" dirty="0"/>
+          </a:p>
+        </p:txBody>
+      </p:sp>
+    </p:spTree>
+    <p:extLst>
+      <p:ext uri="{BB962C8B-B14F-4D97-AF65-F5344CB8AC3E}">
+        <p14:creationId xmlns:p14="http://schemas.microsoft.com/office/powerpoint/2010/main" val="3386145516"/>
+      </p:ext>
+    </p:extLst>
+  </p:cSld>
+  <p:clrMapOvr>
+    <a:masterClrMapping/>
+  </p:clrMapOvr>
+</p:sld>
+</file>
+
+<file path=ppt/slides/slide45.xml><?xml version="1.0" encoding="utf-8"?>
+<p:sld xmlns:a="http://schemas.openxmlformats.org/drawingml/2006/main" xmlns:r="http://schemas.openxmlformats.org/officeDocument/2006/relationships" xmlns:p="http://schemas.openxmlformats.org/presentationml/2006/main">
+  <p:cSld>
+    <p:spTree>
+      <p:nvGrpSpPr>
+        <p:cNvPr id="1" name=""/>
+        <p:cNvGrpSpPr/>
+        <p:nvPr/>
+      </p:nvGrpSpPr>
+      <p:grpSpPr>
+        <a:xfrm>
+          <a:off x="0" y="0"/>
+          <a:ext cx="0" cy="0"/>
+          <a:chOff x="0" y="0"/>
+          <a:chExt cx="0" cy="0"/>
+        </a:xfrm>
+      </p:grpSpPr>
+      <p:sp>
+        <p:nvSpPr>
+          <p:cNvPr id="2" name="Titel 1"/>
+          <p:cNvSpPr>
+            <a:spLocks noGrp="1"/>
+          </p:cNvSpPr>
+          <p:nvPr>
+            <p:ph type="title"/>
+          </p:nvPr>
+        </p:nvSpPr>
+        <p:spPr/>
+        <p:txBody>
+          <a:bodyPr/>
+          <a:lstStyle/>
+          <a:p>
+            <a:r>
+              <a:rPr lang="de-AT" dirty="0" smtClean="0"/>
+              <a:t>Zeitaufwand</a:t>
+            </a:r>
+            <a:endParaRPr lang="de-AT" dirty="0"/>
+          </a:p>
+        </p:txBody>
+      </p:sp>
+      <p:sp>
+        <p:nvSpPr>
+          <p:cNvPr id="3" name="Inhaltsplatzhalter 2"/>
+          <p:cNvSpPr>
+            <a:spLocks noGrp="1"/>
+          </p:cNvSpPr>
+          <p:nvPr>
+            <p:ph idx="1"/>
+          </p:nvPr>
+        </p:nvSpPr>
+        <p:spPr/>
+        <p:txBody>
+          <a:bodyPr/>
+          <a:lstStyle/>
+          <a:p>
+            <a:pPr>
+              <a:buFont typeface="Arial" panose="020B0604020202020204" pitchFamily="34" charset="0"/>
+              <a:buChar char="•"/>
+            </a:pPr>
+            <a:r>
+              <a:rPr lang="de-AT" dirty="0" smtClean="0"/>
+              <a:t>Viel </a:t>
+            </a:r>
+            <a:r>
+              <a:rPr lang="de-AT" dirty="0" err="1" smtClean="0"/>
+              <a:t>z‘viel</a:t>
+            </a:r>
+            <a:endParaRPr lang="de-AT" dirty="0"/>
+          </a:p>
+        </p:txBody>
+      </p:sp>
+    </p:spTree>
+    <p:extLst>
+      <p:ext uri="{BB962C8B-B14F-4D97-AF65-F5344CB8AC3E}">
+        <p14:creationId xmlns:p14="http://schemas.microsoft.com/office/powerpoint/2010/main" val="1427317626"/>
+      </p:ext>
+    </p:extLst>
+  </p:cSld>
+  <p:clrMapOvr>
+    <a:masterClrMapping/>
+  </p:clrMapOvr>
+</p:sld>
+</file>
+
+<file path=ppt/slides/slide46.xml><?xml version="1.0" encoding="utf-8"?>
+<p:sld xmlns:a="http://schemas.openxmlformats.org/drawingml/2006/main" xmlns:r="http://schemas.openxmlformats.org/officeDocument/2006/relationships" xmlns:p="http://schemas.openxmlformats.org/presentationml/2006/main">
+  <p:cSld>
+    <p:spTree>
+      <p:nvGrpSpPr>
+        <p:cNvPr id="1" name=""/>
+        <p:cNvGrpSpPr/>
+        <p:nvPr/>
+      </p:nvGrpSpPr>
+      <p:grpSpPr>
+        <a:xfrm>
+          <a:off x="0" y="0"/>
+          <a:ext cx="0" cy="0"/>
+          <a:chOff x="0" y="0"/>
+          <a:chExt cx="0" cy="0"/>
+        </a:xfrm>
+      </p:grpSpPr>
+      <p:sp>
+        <p:nvSpPr>
+          <p:cNvPr id="4" name="Title 3"/>
+          <p:cNvSpPr>
+            <a:spLocks noGrp="1"/>
+          </p:cNvSpPr>
+          <p:nvPr>
+            <p:ph type="title"/>
+          </p:nvPr>
+        </p:nvSpPr>
+        <p:spPr/>
+        <p:txBody>
+          <a:bodyPr/>
+          <a:lstStyle/>
+          <a:p>
+            <a:r>
+              <a:rPr lang="de-AT" dirty="0" err="1" smtClean="0"/>
+              <a:t>ENDe</a:t>
+            </a:r>
+            <a:endParaRPr lang="de-AT" dirty="0"/>
+          </a:p>
+        </p:txBody>
+      </p:sp>
+      <p:sp>
+        <p:nvSpPr>
+          <p:cNvPr id="5" name="Content Placeholder 4"/>
+          <p:cNvSpPr>
+            <a:spLocks noGrp="1"/>
+          </p:cNvSpPr>
+          <p:nvPr>
+            <p:ph idx="1"/>
+          </p:nvPr>
+        </p:nvSpPr>
+        <p:spPr/>
+        <p:txBody>
+          <a:bodyPr/>
+          <a:lstStyle/>
+          <a:p>
+            <a:pPr>
+              <a:buFont typeface="Arial" panose="020B0604020202020204" pitchFamily="34" charset="0"/>
+              <a:buChar char="•"/>
+            </a:pPr>
+            <a:r>
+              <a:rPr lang="de-AT" dirty="0" smtClean="0"/>
+              <a:t>Noch Fragen?</a:t>
+            </a:r>
+          </a:p>
+          <a:p>
+            <a:pPr>
+              <a:buFont typeface="Arial" panose="020B0604020202020204" pitchFamily="34" charset="0"/>
+              <a:buChar char="•"/>
+            </a:pPr>
+            <a:r>
+              <a:rPr lang="de-AT" dirty="0" smtClean="0"/>
+              <a:t>Danke</a:t>
+            </a:r>
+            <a:endParaRPr lang="de-AT" dirty="0"/>
+          </a:p>
+        </p:txBody>
+      </p:sp>
+    </p:spTree>
+    <p:extLst>
+      <p:ext uri="{BB962C8B-B14F-4D97-AF65-F5344CB8AC3E}">
+        <p14:creationId xmlns:p14="http://schemas.microsoft.com/office/powerpoint/2010/main" val="3336475912"/>
+      </p:ext>
+    </p:extLst>
+  </p:cSld>
+  <p:clrMapOvr>
+    <a:masterClrMapping/>
+  </p:clrMapOvr>
 </p:sld>
 </file>
 
@@ -15101,7 +15895,7 @@
   <a:extraClrSchemeLst/>
   <a:extLst>
     <a:ext uri="{05A4C25C-085E-4340-85A3-A5531E510DB2}">
-      <thm15:themeFamily xmlns="" xmlns:thm15="http://schemas.microsoft.com/office/thememl/2012/main" name="Integral" id="{3577F8C9-A904-41D8-97D2-FD898F53F20E}" vid="{42448713-48CF-40FF-A256-E269CDCF5842}"/>
+      <thm15:themeFamily xmlns:thm15="http://schemas.microsoft.com/office/thememl/2012/main" xmlns="" name="Integral" id="{3577F8C9-A904-41D8-97D2-FD898F53F20E}" vid="{42448713-48CF-40FF-A256-E269CDCF5842}"/>
     </a:ext>
   </a:extLst>
 </a:theme>
@@ -15362,7 +16156,7 @@
   <a:extraClrSchemeLst/>
   <a:extLst>
     <a:ext uri="{05A4C25C-085E-4340-85A3-A5531E510DB2}">
-      <thm15:themeFamily xmlns="" xmlns:thm15="http://schemas.microsoft.com/office/thememl/2012/main" name="Office Theme" id="{62F939B6-93AF-4DB8-9C6B-D6C7DFDC589F}" vid="{4A3C46E8-61CC-4603-A589-7422A47A8E4A}"/>
+      <thm15:themeFamily xmlns:thm15="http://schemas.microsoft.com/office/thememl/2012/main" xmlns="" name="Office Theme" id="{62F939B6-93AF-4DB8-9C6B-D6C7DFDC589F}" vid="{4A3C46E8-61CC-4603-A589-7422A47A8E4A}"/>
     </a:ext>
   </a:extLst>
 </a:theme>

--- a/Presentation/Presentation.pptx
+++ b/Presentation/Presentation.pptx
@@ -5,11 +5,8 @@
     <p:sldMasterId id="2147483720" r:id="rId1"/>
   </p:sldMasterIdLst>
   <p:notesMasterIdLst>
-    <p:notesMasterId r:id="rId40"/>
+    <p:notesMasterId r:id="rId48"/>
   </p:notesMasterIdLst>
-  <p:handoutMasterIdLst>
-    <p:handoutMasterId r:id="rId41"/>
-  </p:handoutMasterIdLst>
   <p:sldIdLst>
     <p:sldId id="256" r:id="rId2"/>
     <p:sldId id="257" r:id="rId3"/>
@@ -29,26 +26,34 @@
     <p:sldId id="284" r:id="rId17"/>
     <p:sldId id="285" r:id="rId18"/>
     <p:sldId id="286" r:id="rId19"/>
-    <p:sldId id="292" r:id="rId20"/>
-    <p:sldId id="290" r:id="rId21"/>
-    <p:sldId id="291" r:id="rId22"/>
-    <p:sldId id="293" r:id="rId23"/>
-    <p:sldId id="294" r:id="rId24"/>
-    <p:sldId id="297" r:id="rId25"/>
-    <p:sldId id="296" r:id="rId26"/>
-    <p:sldId id="295" r:id="rId27"/>
-    <p:sldId id="259" r:id="rId28"/>
-    <p:sldId id="260" r:id="rId29"/>
-    <p:sldId id="261" r:id="rId30"/>
-    <p:sldId id="263" r:id="rId31"/>
-    <p:sldId id="264" r:id="rId32"/>
-    <p:sldId id="265" r:id="rId33"/>
-    <p:sldId id="266" r:id="rId34"/>
-    <p:sldId id="267" r:id="rId35"/>
-    <p:sldId id="298" r:id="rId36"/>
-    <p:sldId id="268" r:id="rId37"/>
-    <p:sldId id="269" r:id="rId38"/>
-    <p:sldId id="299" r:id="rId39"/>
+    <p:sldId id="300" r:id="rId20"/>
+    <p:sldId id="301" r:id="rId21"/>
+    <p:sldId id="302" r:id="rId22"/>
+    <p:sldId id="303" r:id="rId23"/>
+    <p:sldId id="304" r:id="rId24"/>
+    <p:sldId id="305" r:id="rId25"/>
+    <p:sldId id="306" r:id="rId26"/>
+    <p:sldId id="292" r:id="rId27"/>
+    <p:sldId id="290" r:id="rId28"/>
+    <p:sldId id="291" r:id="rId29"/>
+    <p:sldId id="293" r:id="rId30"/>
+    <p:sldId id="294" r:id="rId31"/>
+    <p:sldId id="297" r:id="rId32"/>
+    <p:sldId id="296" r:id="rId33"/>
+    <p:sldId id="295" r:id="rId34"/>
+    <p:sldId id="259" r:id="rId35"/>
+    <p:sldId id="260" r:id="rId36"/>
+    <p:sldId id="261" r:id="rId37"/>
+    <p:sldId id="263" r:id="rId38"/>
+    <p:sldId id="264" r:id="rId39"/>
+    <p:sldId id="265" r:id="rId40"/>
+    <p:sldId id="307" r:id="rId41"/>
+    <p:sldId id="266" r:id="rId42"/>
+    <p:sldId id="267" r:id="rId43"/>
+    <p:sldId id="298" r:id="rId44"/>
+    <p:sldId id="268" r:id="rId45"/>
+    <p:sldId id="269" r:id="rId46"/>
+    <p:sldId id="299" r:id="rId47"/>
   </p:sldIdLst>
   <p:sldSz cx="12192000" cy="6858000"/>
   <p:notesSz cx="6858000" cy="9144000"/>
@@ -180,6 +185,17 @@
             <p14:sldId id="286"/>
           </p14:sldIdLst>
         </p14:section>
+        <p14:section name="Website" id="{75DF18E4-0E0E-4697-B872-C4D0EBE00BB7}">
+          <p14:sldIdLst>
+            <p14:sldId id="300"/>
+            <p14:sldId id="301"/>
+            <p14:sldId id="302"/>
+            <p14:sldId id="303"/>
+            <p14:sldId id="304"/>
+            <p14:sldId id="305"/>
+            <p14:sldId id="306"/>
+          </p14:sldIdLst>
+        </p14:section>
         <p14:section name="Corba und Webservices" id="{706E1401-3096-4ED3-881E-C533BDDE9386}">
           <p14:sldIdLst>
             <p14:sldId id="292"/>
@@ -200,6 +216,7 @@
             <p14:sldId id="263"/>
             <p14:sldId id="264"/>
             <p14:sldId id="265"/>
+            <p14:sldId id="307"/>
             <p14:sldId id="266"/>
             <p14:sldId id="267"/>
           </p14:sldIdLst>
@@ -242,171 +259,6 @@
     </p:extLst>
   </p:cm>
 </p:cmLst>
-</file>
-
-<file path=ppt/handoutMasters/handoutMaster1.xml><?xml version="1.0" encoding="utf-8"?>
-<p:handoutMaster xmlns:a="http://schemas.openxmlformats.org/drawingml/2006/main" xmlns:r="http://schemas.openxmlformats.org/officeDocument/2006/relationships" xmlns:p="http://schemas.openxmlformats.org/presentationml/2006/main">
-  <p:cSld>
-    <p:bg>
-      <p:bgRef idx="1001">
-        <a:schemeClr val="bg1"/>
-      </p:bgRef>
-    </p:bg>
-    <p:spTree>
-      <p:nvGrpSpPr>
-        <p:cNvPr id="1" name=""/>
-        <p:cNvGrpSpPr/>
-        <p:nvPr/>
-      </p:nvGrpSpPr>
-      <p:grpSpPr>
-        <a:xfrm>
-          <a:off x="0" y="0"/>
-          <a:ext cx="0" cy="0"/>
-          <a:chOff x="0" y="0"/>
-          <a:chExt cx="0" cy="0"/>
-        </a:xfrm>
-      </p:grpSpPr>
-      <p:sp>
-        <p:nvSpPr>
-          <p:cNvPr id="2" name="Kopfzeilenplatzhalter 1"/>
-          <p:cNvSpPr>
-            <a:spLocks noGrp="1"/>
-          </p:cNvSpPr>
-          <p:nvPr>
-            <p:ph type="hdr" sz="quarter"/>
-          </p:nvPr>
-        </p:nvSpPr>
-        <p:spPr>
-          <a:xfrm>
-            <a:off x="0" y="0"/>
-            <a:ext cx="2971800" cy="457200"/>
-          </a:xfrm>
-          <a:prstGeom prst="rect">
-            <a:avLst/>
-          </a:prstGeom>
-        </p:spPr>
-        <p:txBody>
-          <a:bodyPr vert="horz" lIns="91440" tIns="45720" rIns="91440" bIns="45720" rtlCol="0"/>
-          <a:lstStyle>
-            <a:lvl1pPr algn="l">
-              <a:defRPr sz="1200"/>
-            </a:lvl1pPr>
-          </a:lstStyle>
-          <a:p>
-            <a:endParaRPr lang="de-AT"/>
-          </a:p>
-        </p:txBody>
-      </p:sp>
-      <p:sp>
-        <p:nvSpPr>
-          <p:cNvPr id="3" name="Datumsplatzhalter 2"/>
-          <p:cNvSpPr>
-            <a:spLocks noGrp="1"/>
-          </p:cNvSpPr>
-          <p:nvPr>
-            <p:ph type="dt" sz="quarter" idx="1"/>
-          </p:nvPr>
-        </p:nvSpPr>
-        <p:spPr>
-          <a:xfrm>
-            <a:off x="3884613" y="0"/>
-            <a:ext cx="2971800" cy="457200"/>
-          </a:xfrm>
-          <a:prstGeom prst="rect">
-            <a:avLst/>
-          </a:prstGeom>
-        </p:spPr>
-        <p:txBody>
-          <a:bodyPr vert="horz" lIns="91440" tIns="45720" rIns="91440" bIns="45720" rtlCol="0"/>
-          <a:lstStyle>
-            <a:lvl1pPr algn="r">
-              <a:defRPr sz="1200"/>
-            </a:lvl1pPr>
-          </a:lstStyle>
-          <a:p>
-            <a:fld id="{AE66B3EA-EF62-4186-8D2C-5E27ABD1F2C0}" type="datetimeFigureOut">
-              <a:rPr lang="de-AT" smtClean="0"/>
-              <a:t>09.01.2013</a:t>
-            </a:fld>
-            <a:endParaRPr lang="de-AT"/>
-          </a:p>
-        </p:txBody>
-      </p:sp>
-      <p:sp>
-        <p:nvSpPr>
-          <p:cNvPr id="4" name="Fußzeilenplatzhalter 3"/>
-          <p:cNvSpPr>
-            <a:spLocks noGrp="1"/>
-          </p:cNvSpPr>
-          <p:nvPr>
-            <p:ph type="ftr" sz="quarter" idx="2"/>
-          </p:nvPr>
-        </p:nvSpPr>
-        <p:spPr>
-          <a:xfrm>
-            <a:off x="0" y="8685213"/>
-            <a:ext cx="2971800" cy="457200"/>
-          </a:xfrm>
-          <a:prstGeom prst="rect">
-            <a:avLst/>
-          </a:prstGeom>
-        </p:spPr>
-        <p:txBody>
-          <a:bodyPr vert="horz" lIns="91440" tIns="45720" rIns="91440" bIns="45720" rtlCol="0" anchor="b"/>
-          <a:lstStyle>
-            <a:lvl1pPr algn="l">
-              <a:defRPr sz="1200"/>
-            </a:lvl1pPr>
-          </a:lstStyle>
-          <a:p>
-            <a:endParaRPr lang="de-AT"/>
-          </a:p>
-        </p:txBody>
-      </p:sp>
-      <p:sp>
-        <p:nvSpPr>
-          <p:cNvPr id="5" name="Foliennummernplatzhalter 4"/>
-          <p:cNvSpPr>
-            <a:spLocks noGrp="1"/>
-          </p:cNvSpPr>
-          <p:nvPr>
-            <p:ph type="sldNum" sz="quarter" idx="3"/>
-          </p:nvPr>
-        </p:nvSpPr>
-        <p:spPr>
-          <a:xfrm>
-            <a:off x="3884613" y="8685213"/>
-            <a:ext cx="2971800" cy="457200"/>
-          </a:xfrm>
-          <a:prstGeom prst="rect">
-            <a:avLst/>
-          </a:prstGeom>
-        </p:spPr>
-        <p:txBody>
-          <a:bodyPr vert="horz" lIns="91440" tIns="45720" rIns="91440" bIns="45720" rtlCol="0" anchor="b"/>
-          <a:lstStyle>
-            <a:lvl1pPr algn="r">
-              <a:defRPr sz="1200"/>
-            </a:lvl1pPr>
-          </a:lstStyle>
-          <a:p>
-            <a:fld id="{73383E43-09DF-4E49-AA59-2FA35DE63B4E}" type="slidenum">
-              <a:rPr lang="de-AT" smtClean="0"/>
-              <a:t>‹Nr.›</a:t>
-            </a:fld>
-            <a:endParaRPr lang="de-AT"/>
-          </a:p>
-        </p:txBody>
-      </p:sp>
-    </p:spTree>
-    <p:extLst>
-      <p:ext uri="{BB962C8B-B14F-4D97-AF65-F5344CB8AC3E}">
-        <p14:creationId xmlns:p14="http://schemas.microsoft.com/office/powerpoint/2010/main" val="417736191"/>
-      </p:ext>
-    </p:extLst>
-  </p:cSld>
-  <p:clrMap bg1="lt1" tx1="dk1" bg2="lt2" tx2="dk2" accent1="accent1" accent2="accent2" accent3="accent3" accent4="accent4" accent5="accent5" accent6="accent6" hlink="hlink" folHlink="folHlink"/>
-</p:handoutMaster>
 </file>
 
 <file path=ppt/notesMasters/notesMaster1.xml><?xml version="1.0" encoding="utf-8"?>
@@ -805,15 +657,6 @@
           <a:p>
             <a:r>
               <a:rPr lang="de-AT" dirty="0" smtClean="0"/>
-              <a:t>TODO: Animation einfügen</a:t>
-            </a:r>
-          </a:p>
-          <a:p>
-            <a:endParaRPr lang="de-AT" dirty="0" smtClean="0"/>
-          </a:p>
-          <a:p>
-            <a:r>
-              <a:rPr lang="de-AT" dirty="0" smtClean="0"/>
               <a:t>Server startet</a:t>
             </a:r>
             <a:r>
@@ -1360,7 +1203,7 @@
           <a:p>
             <a:fld id="{5E424E5C-960A-40AF-91BF-B49DEF3D51D8}" type="slidenum">
               <a:rPr lang="de-AT" smtClean="0"/>
-              <a:t>32</a:t>
+              <a:t>39</a:t>
             </a:fld>
             <a:endParaRPr lang="de-AT"/>
           </a:p>
@@ -1522,7 +1365,7 @@
           <a:p>
             <a:fld id="{5E424E5C-960A-40AF-91BF-B49DEF3D51D8}" type="slidenum">
               <a:rPr lang="de-AT" smtClean="0"/>
-              <a:t>33</a:t>
+              <a:t>41</a:t>
             </a:fld>
             <a:endParaRPr lang="de-AT"/>
           </a:p>
@@ -1677,16 +1520,15 @@
             </a:pPr>
             <a:r>
               <a:rPr lang="de-AT" baseline="0" dirty="0" smtClean="0"/>
-              <a:t>Mittels einer erstellten Applikation war es uns möglich grundlegenden Datenbank Funktionen, bzw. Statements auf </a:t>
-            </a:r>
-            <a:r>
-              <a:rPr lang="de-AT" baseline="0" smtClean="0"/>
-              <a:t>ihre Korrektheit </a:t>
-            </a:r>
-            <a:r>
-              <a:rPr lang="de-AT" baseline="0" dirty="0" smtClean="0"/>
-              <a:t>zu prüfen</a:t>
-            </a:r>
+              <a:t>Mittels einer erstellten Applikation war es uns möglich grundlegenden Datenbank Funktionen, bzw. Statements auf ihre Korrektheit zu prüfen</a:t>
+            </a:r>
+          </a:p>
+          <a:p>
+            <a:pPr marL="171450" indent="-171450">
+              <a:buFontTx/>
+              <a:buChar char="-"/>
+            </a:pPr>
+            <a:endParaRPr lang="de-AT" baseline="0" dirty="0" smtClean="0"/>
           </a:p>
         </p:txBody>
       </p:sp>
@@ -1707,7 +1549,7 @@
           <a:p>
             <a:fld id="{5E424E5C-960A-40AF-91BF-B49DEF3D51D8}" type="slidenum">
               <a:rPr lang="de-AT" smtClean="0"/>
-              <a:t>34</a:t>
+              <a:t>42</a:t>
             </a:fld>
             <a:endParaRPr lang="de-AT"/>
           </a:p>
@@ -1770,6 +1612,23 @@
           <a:bodyPr/>
           <a:lstStyle/>
           <a:p>
+            <a:pPr marL="0" marR="0" indent="0" algn="l" defTabSz="914400" rtl="0" eaLnBrk="1" fontAlgn="auto" latinLnBrk="0" hangingPunct="1">
+              <a:lnSpc>
+                <a:spcPct val="100000"/>
+              </a:lnSpc>
+              <a:spcBef>
+                <a:spcPts val="0"/>
+              </a:spcBef>
+              <a:spcAft>
+                <a:spcPts val="0"/>
+              </a:spcAft>
+              <a:buClrTx/>
+              <a:buSzTx/>
+              <a:buFontTx/>
+              <a:buNone/>
+              <a:tabLst/>
+              <a:defRPr/>
+            </a:pPr>
             <a:r>
               <a:rPr lang="de-AT" dirty="0" smtClean="0"/>
               <a:t>Zeitmanagement</a:t>
@@ -1778,6 +1637,9 @@
               <a:rPr lang="de-AT" baseline="0" dirty="0" smtClean="0"/>
               <a:t> -&gt; genug Zeit für neue Technologien und Anpassung einplanen</a:t>
             </a:r>
+            <a:endParaRPr lang="de-AT" dirty="0" smtClean="0"/>
+          </a:p>
+          <a:p>
             <a:endParaRPr lang="de-AT" dirty="0"/>
           </a:p>
         </p:txBody>
@@ -1799,7 +1661,7 @@
           <a:p>
             <a:fld id="{C991D70F-D8B5-4D41-95B5-481C1B1D6FE8}" type="slidenum">
               <a:rPr lang="de-AT" smtClean="0"/>
-              <a:t>36</a:t>
+              <a:t>44</a:t>
             </a:fld>
             <a:endParaRPr lang="de-AT"/>
           </a:p>
@@ -1808,7 +1670,7 @@
     </p:spTree>
     <p:extLst>
       <p:ext uri="{BB962C8B-B14F-4D97-AF65-F5344CB8AC3E}">
-        <p14:creationId xmlns:p14="http://schemas.microsoft.com/office/powerpoint/2010/main" val="3985963101"/>
+        <p14:creationId xmlns:p14="http://schemas.microsoft.com/office/powerpoint/2010/main" val="3940412349"/>
       </p:ext>
     </p:extLst>
   </p:cSld>
@@ -2428,7 +2290,7 @@
               <a:t>Runtime</a:t>
             </a:r>
             <a:r>
-              <a:rPr lang="de-AT" baseline="0" smtClean="0">
+              <a:rPr lang="de-AT" baseline="0" dirty="0" smtClean="0">
                 <a:sym typeface="Wingdings" pitchFamily="2" charset="2"/>
               </a:rPr>
               <a:t> Scenario)</a:t>
@@ -2615,7 +2477,7 @@
           <a:p>
             <a:fld id="{5E424E5C-960A-40AF-91BF-B49DEF3D51D8}" type="slidenum">
               <a:rPr lang="de-AT" smtClean="0"/>
-              <a:t>28</a:t>
+              <a:t>35</a:t>
             </a:fld>
             <a:endParaRPr lang="de-AT"/>
           </a:p>
@@ -2723,7 +2585,7 @@
           <a:p>
             <a:fld id="{5E424E5C-960A-40AF-91BF-B49DEF3D51D8}" type="slidenum">
               <a:rPr lang="de-AT" smtClean="0"/>
-              <a:t>29</a:t>
+              <a:t>36</a:t>
             </a:fld>
             <a:endParaRPr lang="de-AT"/>
           </a:p>
@@ -2910,7 +2772,7 @@
           <a:p>
             <a:fld id="{5E424E5C-960A-40AF-91BF-B49DEF3D51D8}" type="slidenum">
               <a:rPr lang="de-AT" smtClean="0"/>
-              <a:t>30</a:t>
+              <a:t>37</a:t>
             </a:fld>
             <a:endParaRPr lang="de-AT"/>
           </a:p>
@@ -3094,7 +2956,7 @@
           <a:p>
             <a:fld id="{5E424E5C-960A-40AF-91BF-B49DEF3D51D8}" type="slidenum">
               <a:rPr lang="de-AT" smtClean="0"/>
-              <a:t>31</a:t>
+              <a:t>38</a:t>
             </a:fld>
             <a:endParaRPr lang="de-AT"/>
           </a:p>
@@ -7758,12 +7620,8 @@
           <a:lstStyle/>
           <a:p>
             <a:r>
-              <a:rPr lang="de-AT" dirty="0" err="1" smtClean="0"/>
-              <a:t>Corba</a:t>
-            </a:r>
-            <a:r>
               <a:rPr lang="de-AT" dirty="0" smtClean="0"/>
-              <a:t> vs. Webservice</a:t>
+              <a:t>Website</a:t>
             </a:r>
             <a:endParaRPr lang="de-AT" dirty="0"/>
           </a:p>
@@ -7771,7 +7629,7 @@
       </p:sp>
       <p:sp>
         <p:nvSpPr>
-          <p:cNvPr id="3" name="Content Placeholder 2"/>
+          <p:cNvPr id="3" name="Text Placeholder 2"/>
           <p:cNvSpPr>
             <a:spLocks noGrp="1"/>
           </p:cNvSpPr>
@@ -7786,19 +7644,20 @@
           <a:p>
             <a:r>
               <a:rPr lang="de-AT" dirty="0" smtClean="0"/>
-              <a:t>Beide Technologien bearbeiten das selbe Feld</a:t>
+              <a:t>Einleitung, Designentscheidung,</a:t>
             </a:r>
           </a:p>
           <a:p>
             <a:r>
               <a:rPr lang="de-AT" dirty="0" smtClean="0"/>
-              <a:t>Was ist besser?</a:t>
-            </a:r>
-          </a:p>
-          <a:p>
-            <a:pPr marL="0" indent="0">
-              <a:buNone/>
-            </a:pPr>
+              <a:t>Technologien,  Realisierung, </a:t>
+            </a:r>
+          </a:p>
+          <a:p>
+            <a:r>
+              <a:rPr lang="de-AT" dirty="0" smtClean="0"/>
+              <a:t>Kritik</a:t>
+            </a:r>
             <a:endParaRPr lang="de-AT" dirty="0"/>
           </a:p>
         </p:txBody>
@@ -7806,13 +7665,20 @@
     </p:spTree>
     <p:extLst>
       <p:ext uri="{BB962C8B-B14F-4D97-AF65-F5344CB8AC3E}">
-        <p14:creationId xmlns:p14="http://schemas.microsoft.com/office/powerpoint/2010/main" val="3473902407"/>
+        <p14:creationId xmlns:p14="http://schemas.microsoft.com/office/powerpoint/2010/main" val="1499907731"/>
       </p:ext>
     </p:extLst>
   </p:cSld>
   <p:clrMapOvr>
     <a:masterClrMapping/>
   </p:clrMapOvr>
+  <p:timing>
+    <p:tnLst>
+      <p:par>
+        <p:cTn id="1" dur="indefinite" restart="never" nodeType="tmRoot"/>
+      </p:par>
+    </p:tnLst>
+  </p:timing>
 </p:sld>
 </file>
 
@@ -7965,12 +7831,12 @@
       </p:grpSpPr>
       <p:sp>
         <p:nvSpPr>
-          <p:cNvPr id="5" name="Text Placeholder 4"/>
-          <p:cNvSpPr>
-            <a:spLocks noGrp="1"/>
-          </p:cNvSpPr>
-          <p:nvPr>
-            <p:ph type="body" idx="1"/>
+          <p:cNvPr id="2" name="Titel 1"/>
+          <p:cNvSpPr>
+            <a:spLocks noGrp="1"/>
+          </p:cNvSpPr>
+          <p:nvPr>
+            <p:ph type="title"/>
           </p:nvPr>
         </p:nvSpPr>
         <p:spPr/>
@@ -7979,303 +7845,20 @@
           <a:lstStyle/>
           <a:p>
             <a:r>
-              <a:rPr lang="de-AT" dirty="0" err="1" smtClean="0"/>
-              <a:t>Corba</a:t>
-            </a:r>
-            <a:r>
-              <a:rPr lang="de-AT" dirty="0" smtClean="0"/>
-              <a:t> </a:t>
-            </a:r>
-            <a:r>
-              <a:rPr lang="de-AT" dirty="0" smtClean="0">
-                <a:solidFill>
-                  <a:srgbClr val="FF0000"/>
-                </a:solidFill>
-              </a:rPr>
-              <a:t>IDL</a:t>
-            </a:r>
-            <a:endParaRPr lang="de-AT" dirty="0">
-              <a:solidFill>
-                <a:srgbClr val="FF0000"/>
-              </a:solidFill>
-            </a:endParaRPr>
-          </a:p>
-        </p:txBody>
-      </p:sp>
-      <p:sp>
-        <p:nvSpPr>
-          <p:cNvPr id="3" name="Content Placeholder 2"/>
-          <p:cNvSpPr>
-            <a:spLocks noGrp="1"/>
-          </p:cNvSpPr>
-          <p:nvPr>
-            <p:ph sz="half" idx="2"/>
-          </p:nvPr>
-        </p:nvSpPr>
-        <p:spPr/>
-        <p:txBody>
-          <a:bodyPr>
-            <a:normAutofit fontScale="70000" lnSpcReduction="20000"/>
-          </a:bodyPr>
-          <a:lstStyle/>
-          <a:p>
-            <a:pPr marL="0" indent="0">
-              <a:buNone/>
-            </a:pPr>
-            <a:r>
-              <a:rPr lang="de-AT" sz="2000" dirty="0" err="1" smtClean="0">
-                <a:solidFill>
-                  <a:srgbClr val="FF0000"/>
-                </a:solidFill>
-              </a:rPr>
-              <a:t>interface</a:t>
-            </a:r>
-            <a:r>
-              <a:rPr lang="de-AT" sz="2000" dirty="0" smtClean="0">
-                <a:solidFill>
-                  <a:srgbClr val="FF0000"/>
-                </a:solidFill>
-              </a:rPr>
-              <a:t> </a:t>
-            </a:r>
-            <a:r>
-              <a:rPr lang="de-AT" sz="2000" dirty="0" err="1" smtClean="0"/>
-              <a:t>MatchresultDataprovider</a:t>
-            </a:r>
-            <a:endParaRPr lang="de-AT" sz="2000" dirty="0" smtClean="0"/>
-          </a:p>
-          <a:p>
-            <a:pPr marL="0" indent="0">
-              <a:buNone/>
-            </a:pPr>
-            <a:r>
-              <a:rPr lang="de-AT" sz="2000" dirty="0" smtClean="0"/>
-              <a:t>       {</a:t>
-            </a:r>
-          </a:p>
-          <a:p>
-            <a:pPr marL="0" indent="0">
-              <a:buNone/>
-            </a:pPr>
-            <a:r>
-              <a:rPr lang="de-AT" sz="2000" dirty="0" smtClean="0"/>
-              <a:t>            </a:t>
-            </a:r>
-            <a:r>
-              <a:rPr lang="de-AT" sz="2000" dirty="0" err="1" smtClean="0"/>
-              <a:t>MatchresultListCorba</a:t>
-            </a:r>
-            <a:r>
-              <a:rPr lang="de-AT" sz="2000" dirty="0" smtClean="0"/>
-              <a:t> </a:t>
-            </a:r>
-            <a:r>
-              <a:rPr lang="de-AT" sz="2000" dirty="0" err="1" smtClean="0"/>
-              <a:t>getMatchresults</a:t>
-            </a:r>
-            <a:r>
-              <a:rPr lang="de-AT" sz="2000" dirty="0" smtClean="0"/>
-              <a:t>(</a:t>
-            </a:r>
-          </a:p>
-          <a:p>
-            <a:pPr marL="0" indent="0">
-              <a:buNone/>
-            </a:pPr>
-            <a:r>
-              <a:rPr lang="de-AT" sz="2000" dirty="0" smtClean="0"/>
-              <a:t>		</a:t>
-            </a:r>
-            <a:r>
-              <a:rPr lang="de-AT" sz="2000" dirty="0" smtClean="0">
-                <a:solidFill>
-                  <a:srgbClr val="FF0000"/>
-                </a:solidFill>
-              </a:rPr>
-              <a:t>in</a:t>
-            </a:r>
-            <a:r>
-              <a:rPr lang="de-AT" sz="2000" dirty="0" smtClean="0"/>
-              <a:t> </a:t>
-            </a:r>
-            <a:r>
-              <a:rPr lang="de-AT" sz="2000" dirty="0" err="1" smtClean="0"/>
-              <a:t>string</a:t>
-            </a:r>
-            <a:r>
-              <a:rPr lang="de-AT" sz="2000" dirty="0" smtClean="0"/>
-              <a:t> </a:t>
-            </a:r>
-            <a:r>
-              <a:rPr lang="de-AT" sz="2000" dirty="0" err="1" smtClean="0"/>
-              <a:t>typeOfSport</a:t>
-            </a:r>
-            <a:r>
-              <a:rPr lang="de-AT" sz="2000" dirty="0" smtClean="0"/>
-              <a:t>,</a:t>
-            </a:r>
-          </a:p>
-          <a:p>
-            <a:pPr marL="0" indent="0">
-              <a:buNone/>
-            </a:pPr>
-            <a:r>
-              <a:rPr lang="de-AT" sz="2000" dirty="0" smtClean="0"/>
-              <a:t>		</a:t>
-            </a:r>
-            <a:r>
-              <a:rPr lang="de-AT" sz="2000" dirty="0" smtClean="0">
-                <a:solidFill>
-                  <a:srgbClr val="FF0000"/>
-                </a:solidFill>
-              </a:rPr>
-              <a:t>in</a:t>
-            </a:r>
-            <a:r>
-              <a:rPr lang="de-AT" sz="2000" dirty="0" smtClean="0"/>
-              <a:t> </a:t>
-            </a:r>
-            <a:r>
-              <a:rPr lang="de-AT" sz="2000" dirty="0" err="1" smtClean="0"/>
-              <a:t>string</a:t>
-            </a:r>
-            <a:r>
-              <a:rPr lang="de-AT" sz="2000" dirty="0" smtClean="0"/>
-              <a:t> </a:t>
-            </a:r>
-            <a:r>
-              <a:rPr lang="de-AT" sz="2000" dirty="0" err="1" smtClean="0"/>
-              <a:t>league</a:t>
-            </a:r>
-            <a:r>
-              <a:rPr lang="de-AT" sz="2000" dirty="0" smtClean="0"/>
-              <a:t>,</a:t>
-            </a:r>
-          </a:p>
-          <a:p>
-            <a:pPr marL="0" indent="0">
-              <a:buNone/>
-            </a:pPr>
-            <a:r>
-              <a:rPr lang="de-AT" sz="2000" dirty="0" smtClean="0"/>
-              <a:t>		</a:t>
-            </a:r>
-            <a:r>
-              <a:rPr lang="de-AT" sz="2000" dirty="0" smtClean="0">
-                <a:solidFill>
-                  <a:srgbClr val="FF0000"/>
-                </a:solidFill>
-              </a:rPr>
-              <a:t>in</a:t>
-            </a:r>
-            <a:r>
-              <a:rPr lang="de-AT" sz="2000" dirty="0" smtClean="0"/>
-              <a:t> </a:t>
-            </a:r>
-            <a:r>
-              <a:rPr lang="de-AT" sz="2000" dirty="0" err="1" smtClean="0"/>
-              <a:t>string</a:t>
-            </a:r>
-            <a:r>
-              <a:rPr lang="de-AT" sz="2000" dirty="0" smtClean="0"/>
-              <a:t> </a:t>
-            </a:r>
-            <a:r>
-              <a:rPr lang="de-AT" sz="2000" dirty="0" err="1" smtClean="0"/>
-              <a:t>compdate</a:t>
-            </a:r>
-            <a:r>
-              <a:rPr lang="de-AT" sz="2000" dirty="0" smtClean="0"/>
-              <a:t>);</a:t>
-            </a:r>
-          </a:p>
-          <a:p>
-            <a:pPr marL="0" indent="0">
-              <a:buNone/>
-            </a:pPr>
-            <a:endParaRPr lang="de-AT" sz="2000" dirty="0" smtClean="0"/>
-          </a:p>
-          <a:p>
-            <a:pPr marL="0" indent="0">
-              <a:buNone/>
-            </a:pPr>
-            <a:r>
-              <a:rPr lang="de-AT" sz="2000" dirty="0" smtClean="0"/>
-              <a:t>         </a:t>
-            </a:r>
-            <a:r>
-              <a:rPr lang="de-AT" sz="2000" dirty="0" err="1" smtClean="0"/>
-              <a:t>boolean</a:t>
-            </a:r>
-            <a:r>
-              <a:rPr lang="de-AT" sz="2000" dirty="0" smtClean="0"/>
-              <a:t> </a:t>
-            </a:r>
-            <a:r>
-              <a:rPr lang="de-AT" sz="2000" dirty="0" err="1" smtClean="0"/>
-              <a:t>isMatchresultFinal</a:t>
-            </a:r>
-            <a:r>
-              <a:rPr lang="de-AT" sz="2000" dirty="0" smtClean="0"/>
-              <a:t>(</a:t>
-            </a:r>
-          </a:p>
-          <a:p>
-            <a:pPr marL="0" indent="0">
-              <a:buNone/>
-            </a:pPr>
-            <a:r>
-              <a:rPr lang="de-AT" sz="2000" dirty="0" smtClean="0"/>
-              <a:t>		</a:t>
-            </a:r>
-            <a:r>
-              <a:rPr lang="de-AT" sz="2000" dirty="0" smtClean="0">
-                <a:solidFill>
-                  <a:srgbClr val="FF0000"/>
-                </a:solidFill>
-              </a:rPr>
-              <a:t>in</a:t>
-            </a:r>
-            <a:r>
-              <a:rPr lang="de-AT" sz="2000" dirty="0" smtClean="0"/>
-              <a:t> </a:t>
-            </a:r>
-            <a:r>
-              <a:rPr lang="de-AT" sz="2000" dirty="0" err="1" smtClean="0"/>
-              <a:t>MatchresultCorba</a:t>
-            </a:r>
-            <a:r>
-              <a:rPr lang="de-AT" sz="2000" dirty="0" smtClean="0"/>
-              <a:t> </a:t>
-            </a:r>
-            <a:r>
-              <a:rPr lang="de-AT" sz="2000" dirty="0" err="1" smtClean="0"/>
-              <a:t>result</a:t>
-            </a:r>
-            <a:r>
-              <a:rPr lang="de-AT" sz="2000" dirty="0" smtClean="0"/>
-              <a:t>); </a:t>
-            </a:r>
-          </a:p>
-          <a:p>
-            <a:pPr marL="0" indent="0">
-              <a:buNone/>
-            </a:pPr>
-            <a:r>
-              <a:rPr lang="de-AT" sz="2000" dirty="0" smtClean="0"/>
-              <a:t>        };</a:t>
-            </a:r>
-          </a:p>
-        </p:txBody>
-      </p:sp>
-      <p:sp>
-        <p:nvSpPr>
-          <p:cNvPr id="6" name="Text Placeholder 5"/>
-          <p:cNvSpPr>
-            <a:spLocks noGrp="1"/>
-          </p:cNvSpPr>
-          <p:nvPr>
-            <p:ph type="body" sz="quarter" idx="3"/>
+              <a:rPr lang="de-DE" dirty="0"/>
+              <a:t>Einleitung</a:t>
+            </a:r>
+          </a:p>
+        </p:txBody>
+      </p:sp>
+      <p:sp>
+        <p:nvSpPr>
+          <p:cNvPr id="3" name="Inhaltsplatzhalter 2"/>
+          <p:cNvSpPr>
+            <a:spLocks noGrp="1"/>
+          </p:cNvSpPr>
+          <p:nvPr>
+            <p:ph idx="1"/>
           </p:nvPr>
         </p:nvSpPr>
         <p:spPr/>
@@ -8283,261 +7866,69 @@
           <a:bodyPr/>
           <a:lstStyle/>
           <a:p>
-            <a:r>
-              <a:rPr lang="de-AT" dirty="0" smtClean="0"/>
-              <a:t>Webservices</a:t>
-            </a:r>
-            <a:endParaRPr lang="de-AT" dirty="0"/>
-          </a:p>
-        </p:txBody>
-      </p:sp>
-      <p:sp>
-        <p:nvSpPr>
-          <p:cNvPr id="4" name="Content Placeholder 3"/>
-          <p:cNvSpPr>
-            <a:spLocks noGrp="1"/>
-          </p:cNvSpPr>
-          <p:nvPr>
-            <p:ph sz="quarter" idx="4"/>
-          </p:nvPr>
-        </p:nvSpPr>
-        <p:spPr/>
-        <p:txBody>
-          <a:bodyPr>
-            <a:normAutofit fontScale="85000" lnSpcReduction="10000"/>
-          </a:bodyPr>
-          <a:lstStyle/>
-          <a:p>
-            <a:pPr marL="0" indent="0">
-              <a:buNone/>
-            </a:pPr>
-            <a:r>
-              <a:rPr lang="en-US" sz="2000" dirty="0" smtClean="0">
-                <a:solidFill>
-                  <a:srgbClr val="FF0000"/>
-                </a:solidFill>
-              </a:rPr>
-              <a:t>@</a:t>
-            </a:r>
-            <a:r>
-              <a:rPr lang="en-US" sz="2000" dirty="0" err="1" smtClean="0">
-                <a:solidFill>
-                  <a:srgbClr val="FF0000"/>
-                </a:solidFill>
-              </a:rPr>
-              <a:t>WebService</a:t>
-            </a:r>
-            <a:r>
-              <a:rPr lang="en-US" sz="2000" dirty="0" smtClean="0">
-                <a:solidFill>
-                  <a:srgbClr val="FF0000"/>
-                </a:solidFill>
-              </a:rPr>
-              <a:t>(name = "</a:t>
-            </a:r>
-            <a:r>
-              <a:rPr lang="en-US" sz="2000" dirty="0" err="1" smtClean="0">
-                <a:solidFill>
-                  <a:srgbClr val="FF0000"/>
-                </a:solidFill>
-              </a:rPr>
-              <a:t>MatchSvc</a:t>
-            </a:r>
-            <a:r>
-              <a:rPr lang="en-US" sz="2000" dirty="0" smtClean="0">
-                <a:solidFill>
-                  <a:srgbClr val="FF0000"/>
-                </a:solidFill>
-              </a:rPr>
-              <a:t>")</a:t>
-            </a:r>
-          </a:p>
-          <a:p>
-            <a:pPr marL="0" indent="0">
-              <a:buNone/>
-            </a:pPr>
-            <a:r>
-              <a:rPr lang="en-US" sz="2000" dirty="0" smtClean="0"/>
-              <a:t>public class </a:t>
-            </a:r>
-            <a:r>
-              <a:rPr lang="en-US" sz="2000" dirty="0" err="1" smtClean="0"/>
-              <a:t>MatchService</a:t>
-            </a:r>
-            <a:endParaRPr lang="en-US" sz="2000" dirty="0" smtClean="0"/>
-          </a:p>
-          <a:p>
-            <a:pPr marL="0" indent="0">
-              <a:buNone/>
-            </a:pPr>
-            <a:r>
-              <a:rPr lang="en-US" sz="2000" dirty="0" smtClean="0"/>
-              <a:t>{</a:t>
-            </a:r>
-          </a:p>
-          <a:p>
-            <a:pPr marL="0" indent="0">
-              <a:buNone/>
-            </a:pPr>
-            <a:r>
-              <a:rPr lang="en-US" sz="2000" dirty="0" smtClean="0"/>
-              <a:t>    public </a:t>
-            </a:r>
-            <a:r>
-              <a:rPr lang="en-US" sz="2000" dirty="0" smtClean="0">
-                <a:solidFill>
-                  <a:srgbClr val="FF0000"/>
-                </a:solidFill>
-              </a:rPr>
-              <a:t>List&lt;</a:t>
-            </a:r>
-            <a:r>
-              <a:rPr lang="en-US" sz="2000" dirty="0" err="1" smtClean="0">
-                <a:solidFill>
-                  <a:srgbClr val="FF0000"/>
-                </a:solidFill>
-              </a:rPr>
-              <a:t>MatchresultWs</a:t>
-            </a:r>
-            <a:r>
-              <a:rPr lang="en-US" sz="2000" dirty="0" smtClean="0">
-                <a:solidFill>
-                  <a:srgbClr val="FF0000"/>
-                </a:solidFill>
-              </a:rPr>
-              <a:t>&gt; </a:t>
-            </a:r>
-            <a:r>
-              <a:rPr lang="en-US" sz="2000" dirty="0" err="1" smtClean="0"/>
-              <a:t>getMatches</a:t>
-            </a:r>
-            <a:r>
-              <a:rPr lang="en-US" sz="2000" dirty="0" smtClean="0"/>
-              <a:t>(</a:t>
-            </a:r>
-            <a:r>
-              <a:rPr lang="en-US" sz="2000" dirty="0" smtClean="0">
-                <a:solidFill>
-                  <a:srgbClr val="FF0000"/>
-                </a:solidFill>
-              </a:rPr>
-              <a:t>String</a:t>
-            </a:r>
-            <a:r>
-              <a:rPr lang="en-US" sz="2000" dirty="0" smtClean="0"/>
-              <a:t> </a:t>
-            </a:r>
-            <a:r>
-              <a:rPr lang="en-US" sz="2000" dirty="0" err="1" smtClean="0"/>
-              <a:t>competitiondate</a:t>
-            </a:r>
-            <a:r>
-              <a:rPr lang="en-US" sz="2000" dirty="0" smtClean="0"/>
-              <a:t>, </a:t>
-            </a:r>
-            <a:r>
-              <a:rPr lang="en-US" sz="2000" dirty="0" smtClean="0">
-                <a:solidFill>
-                  <a:srgbClr val="FF0000"/>
-                </a:solidFill>
-              </a:rPr>
-              <a:t>String</a:t>
-            </a:r>
-            <a:r>
-              <a:rPr lang="en-US" sz="2000" dirty="0" smtClean="0"/>
-              <a:t> league, </a:t>
-            </a:r>
-            <a:r>
-              <a:rPr lang="en-US" sz="2000" dirty="0" smtClean="0">
-                <a:solidFill>
-                  <a:srgbClr val="FF0000"/>
-                </a:solidFill>
-              </a:rPr>
-              <a:t>String</a:t>
-            </a:r>
-            <a:r>
-              <a:rPr lang="en-US" sz="2000" dirty="0" smtClean="0"/>
-              <a:t> </a:t>
-            </a:r>
-            <a:r>
-              <a:rPr lang="en-US" sz="2000" dirty="0" err="1" smtClean="0"/>
-              <a:t>typeOfSport</a:t>
-            </a:r>
-            <a:r>
-              <a:rPr lang="en-US" sz="2000" dirty="0" smtClean="0"/>
-              <a:t>)</a:t>
-            </a:r>
-          </a:p>
-          <a:p>
-            <a:pPr marL="0" indent="0">
-              <a:buNone/>
-            </a:pPr>
-            <a:r>
-              <a:rPr lang="en-US" sz="2000" dirty="0" smtClean="0"/>
-              <a:t>    {</a:t>
-            </a:r>
-          </a:p>
-          <a:p>
-            <a:pPr marL="0" indent="0">
-              <a:buNone/>
-            </a:pPr>
-            <a:r>
-              <a:rPr lang="en-US" sz="2000" dirty="0" smtClean="0"/>
-              <a:t>…</a:t>
-            </a:r>
-          </a:p>
-          <a:p>
-            <a:pPr marL="0" indent="0">
-              <a:buNone/>
-            </a:pPr>
-            <a:r>
-              <a:rPr lang="en-US" sz="2000" dirty="0"/>
-              <a:t> </a:t>
-            </a:r>
-            <a:r>
-              <a:rPr lang="en-US" sz="2000" dirty="0" smtClean="0"/>
-              <a:t>    }</a:t>
-            </a:r>
-          </a:p>
-          <a:p>
-            <a:pPr marL="0" indent="0">
-              <a:buNone/>
-            </a:pPr>
-            <a:r>
-              <a:rPr lang="en-US" sz="2000" dirty="0"/>
-              <a:t>}</a:t>
-            </a:r>
-            <a:endParaRPr lang="de-AT" sz="2000" dirty="0"/>
-          </a:p>
-        </p:txBody>
-      </p:sp>
-      <p:sp>
-        <p:nvSpPr>
-          <p:cNvPr id="2" name="Title 1"/>
-          <p:cNvSpPr>
-            <a:spLocks noGrp="1"/>
-          </p:cNvSpPr>
-          <p:nvPr>
-            <p:ph type="title"/>
-          </p:nvPr>
-        </p:nvSpPr>
-        <p:spPr/>
-        <p:txBody>
-          <a:bodyPr/>
-          <a:lstStyle/>
-          <a:p>
-            <a:r>
-              <a:rPr lang="de-AT" dirty="0" smtClean="0"/>
-              <a:t>Interfacedefinition</a:t>
-            </a:r>
-            <a:endParaRPr lang="de-AT" dirty="0"/>
+            <a:pPr>
+              <a:buFont typeface="Arial" pitchFamily="34" charset="0"/>
+              <a:buChar char="•"/>
+            </a:pPr>
+            <a:r>
+              <a:rPr lang="de-DE" dirty="0"/>
+              <a:t>Darstellung ohne FAT Client</a:t>
+            </a:r>
+          </a:p>
+          <a:p>
+            <a:pPr>
+              <a:buFont typeface="Arial" pitchFamily="34" charset="0"/>
+              <a:buChar char="•"/>
+            </a:pPr>
+            <a:r>
+              <a:rPr lang="de-DE" dirty="0"/>
+              <a:t>Browser Kompatibilität</a:t>
+            </a:r>
+          </a:p>
+          <a:p>
+            <a:pPr>
+              <a:buFont typeface="Arial" pitchFamily="34" charset="0"/>
+              <a:buChar char="•"/>
+            </a:pPr>
+            <a:r>
+              <a:rPr lang="de-DE" dirty="0"/>
+              <a:t>Technologien</a:t>
+            </a:r>
+          </a:p>
+          <a:p>
+            <a:pPr lvl="1"/>
+            <a:r>
+              <a:rPr lang="de-DE" dirty="0"/>
+              <a:t>JSP</a:t>
+            </a:r>
+          </a:p>
+          <a:p>
+            <a:pPr lvl="1"/>
+            <a:r>
+              <a:rPr lang="de-DE" dirty="0"/>
+              <a:t>EJB</a:t>
+            </a:r>
+          </a:p>
+          <a:p>
+            <a:pPr lvl="1"/>
+            <a:r>
+              <a:rPr lang="de-DE" dirty="0"/>
+              <a:t>HTML</a:t>
+            </a:r>
+          </a:p>
+          <a:p>
+            <a:pPr lvl="1"/>
+            <a:r>
+              <a:rPr lang="de-DE" dirty="0"/>
+              <a:t>CSS</a:t>
+            </a:r>
           </a:p>
         </p:txBody>
       </p:sp>
     </p:spTree>
     <p:extLst>
       <p:ext uri="{BB962C8B-B14F-4D97-AF65-F5344CB8AC3E}">
-        <p14:creationId xmlns:p14="http://schemas.microsoft.com/office/powerpoint/2010/main" val="534916974"/>
+        <p14:creationId xmlns:p14="http://schemas.microsoft.com/office/powerpoint/2010/main" val="2055732287"/>
       </p:ext>
     </p:extLst>
   </p:cSld>
@@ -8566,12 +7957,12 @@
       </p:grpSpPr>
       <p:sp>
         <p:nvSpPr>
-          <p:cNvPr id="5" name="Text Placeholder 4"/>
-          <p:cNvSpPr>
-            <a:spLocks noGrp="1"/>
-          </p:cNvSpPr>
-          <p:nvPr>
-            <p:ph type="body" idx="1"/>
+          <p:cNvPr id="2" name="Titel 1"/>
+          <p:cNvSpPr>
+            <a:spLocks noGrp="1"/>
+          </p:cNvSpPr>
+          <p:nvPr>
+            <p:ph type="title"/>
           </p:nvPr>
         </p:nvSpPr>
         <p:spPr/>
@@ -8580,229 +7971,20 @@
           <a:lstStyle/>
           <a:p>
             <a:r>
-              <a:rPr lang="de-AT" dirty="0" err="1" smtClean="0"/>
-              <a:t>Corba</a:t>
-            </a:r>
-            <a:r>
-              <a:rPr lang="de-AT" dirty="0" smtClean="0"/>
-              <a:t> </a:t>
-            </a:r>
-            <a:r>
-              <a:rPr lang="de-AT" dirty="0" smtClean="0">
-                <a:solidFill>
-                  <a:srgbClr val="FF0000"/>
-                </a:solidFill>
-              </a:rPr>
-              <a:t>IDL</a:t>
-            </a:r>
-            <a:endParaRPr lang="de-AT" dirty="0">
-              <a:solidFill>
-                <a:srgbClr val="FF0000"/>
-              </a:solidFill>
-            </a:endParaRPr>
-          </a:p>
-        </p:txBody>
-      </p:sp>
-      <p:sp>
-        <p:nvSpPr>
-          <p:cNvPr id="3" name="Content Placeholder 2"/>
-          <p:cNvSpPr>
-            <a:spLocks noGrp="1"/>
-          </p:cNvSpPr>
-          <p:nvPr>
-            <p:ph sz="half" idx="2"/>
-          </p:nvPr>
-        </p:nvSpPr>
-        <p:spPr/>
-        <p:txBody>
-          <a:bodyPr>
-            <a:normAutofit fontScale="85000" lnSpcReduction="20000"/>
-          </a:bodyPr>
-          <a:lstStyle/>
-          <a:p>
-            <a:pPr marL="0" indent="0">
-              <a:buNone/>
-            </a:pPr>
-            <a:r>
-              <a:rPr lang="de-AT" sz="2000" dirty="0" smtClean="0"/>
-              <a:t> </a:t>
-            </a:r>
-            <a:r>
-              <a:rPr lang="de-AT" sz="2000" dirty="0" err="1" smtClean="0">
-                <a:solidFill>
-                  <a:srgbClr val="FF0000"/>
-                </a:solidFill>
-              </a:rPr>
-              <a:t>struct</a:t>
-            </a:r>
-            <a:r>
-              <a:rPr lang="de-AT" sz="2000" dirty="0" smtClean="0">
-                <a:solidFill>
-                  <a:srgbClr val="FF0000"/>
-                </a:solidFill>
-              </a:rPr>
-              <a:t> </a:t>
-            </a:r>
-            <a:r>
-              <a:rPr lang="de-AT" sz="2000" dirty="0" err="1" smtClean="0"/>
-              <a:t>MatchresultCorba</a:t>
-            </a:r>
-            <a:endParaRPr lang="de-AT" sz="2000" dirty="0" smtClean="0"/>
-          </a:p>
-          <a:p>
-            <a:pPr marL="0" indent="0">
-              <a:buNone/>
-            </a:pPr>
-            <a:r>
-              <a:rPr lang="de-AT" sz="2000" dirty="0" smtClean="0"/>
-              <a:t>        {</a:t>
-            </a:r>
-          </a:p>
-          <a:p>
-            <a:pPr marL="0" indent="0">
-              <a:buNone/>
-            </a:pPr>
-            <a:r>
-              <a:rPr lang="de-AT" sz="2000" dirty="0" smtClean="0"/>
-              <a:t>            </a:t>
-            </a:r>
-            <a:r>
-              <a:rPr lang="de-AT" sz="2000" dirty="0" err="1" smtClean="0"/>
-              <a:t>long</a:t>
-            </a:r>
-            <a:r>
-              <a:rPr lang="de-AT" sz="2000" dirty="0" smtClean="0"/>
-              <a:t> </a:t>
-            </a:r>
-            <a:r>
-              <a:rPr lang="de-AT" sz="2000" dirty="0" err="1" smtClean="0"/>
-              <a:t>Id</a:t>
-            </a:r>
-            <a:r>
-              <a:rPr lang="de-AT" sz="2000" dirty="0" smtClean="0"/>
-              <a:t>;</a:t>
-            </a:r>
-          </a:p>
-          <a:p>
-            <a:pPr marL="0" indent="0">
-              <a:buNone/>
-            </a:pPr>
-            <a:r>
-              <a:rPr lang="de-AT" sz="2000" dirty="0" smtClean="0"/>
-              <a:t>            </a:t>
-            </a:r>
-            <a:r>
-              <a:rPr lang="de-AT" sz="2000" dirty="0" err="1" smtClean="0"/>
-              <a:t>string</a:t>
-            </a:r>
-            <a:r>
-              <a:rPr lang="de-AT" sz="2000" dirty="0" smtClean="0"/>
-              <a:t> Date;</a:t>
-            </a:r>
-          </a:p>
-          <a:p>
-            <a:pPr marL="0" indent="0">
-              <a:buNone/>
-            </a:pPr>
-            <a:r>
-              <a:rPr lang="de-AT" sz="2000" dirty="0" smtClean="0"/>
-              <a:t>            </a:t>
-            </a:r>
-            <a:r>
-              <a:rPr lang="de-AT" sz="2000" dirty="0" err="1" smtClean="0"/>
-              <a:t>string</a:t>
-            </a:r>
-            <a:r>
-              <a:rPr lang="de-AT" sz="2000" dirty="0" smtClean="0"/>
-              <a:t> </a:t>
-            </a:r>
-            <a:r>
-              <a:rPr lang="de-AT" sz="2000" dirty="0" err="1" smtClean="0"/>
-              <a:t>hometeam</a:t>
-            </a:r>
-            <a:r>
-              <a:rPr lang="de-AT" sz="2000" dirty="0" smtClean="0"/>
-              <a:t>;</a:t>
-            </a:r>
-          </a:p>
-          <a:p>
-            <a:pPr marL="0" indent="0">
-              <a:buNone/>
-            </a:pPr>
-            <a:r>
-              <a:rPr lang="de-AT" sz="2000" dirty="0" smtClean="0"/>
-              <a:t>            </a:t>
-            </a:r>
-            <a:r>
-              <a:rPr lang="de-AT" sz="2000" dirty="0" err="1" smtClean="0"/>
-              <a:t>string</a:t>
-            </a:r>
-            <a:r>
-              <a:rPr lang="de-AT" sz="2000" dirty="0" smtClean="0"/>
-              <a:t> </a:t>
-            </a:r>
-            <a:r>
-              <a:rPr lang="de-AT" sz="2000" dirty="0" err="1" smtClean="0"/>
-              <a:t>foreignteam</a:t>
-            </a:r>
-            <a:r>
-              <a:rPr lang="de-AT" sz="2000" dirty="0" smtClean="0"/>
-              <a:t>;</a:t>
-            </a:r>
-          </a:p>
-          <a:p>
-            <a:pPr marL="0" indent="0">
-              <a:buNone/>
-            </a:pPr>
-            <a:r>
-              <a:rPr lang="de-AT" sz="2000" dirty="0" smtClean="0"/>
-              <a:t>            double </a:t>
-            </a:r>
-            <a:r>
-              <a:rPr lang="de-AT" sz="2000" dirty="0" err="1" smtClean="0"/>
-              <a:t>pointsHometeam</a:t>
-            </a:r>
-            <a:r>
-              <a:rPr lang="de-AT" sz="2000" dirty="0" smtClean="0"/>
-              <a:t>;</a:t>
-            </a:r>
-          </a:p>
-          <a:p>
-            <a:pPr marL="0" indent="0">
-              <a:buNone/>
-            </a:pPr>
-            <a:r>
-              <a:rPr lang="de-AT" sz="2000" dirty="0" smtClean="0"/>
-              <a:t>            double </a:t>
-            </a:r>
-            <a:r>
-              <a:rPr lang="de-AT" sz="2000" dirty="0" err="1" smtClean="0"/>
-              <a:t>pointsForeignteam</a:t>
-            </a:r>
-            <a:r>
-              <a:rPr lang="de-AT" sz="2000" dirty="0" smtClean="0"/>
-              <a:t>;</a:t>
-            </a:r>
-          </a:p>
-          <a:p>
-            <a:pPr marL="0" indent="0">
-              <a:buNone/>
-            </a:pPr>
-            <a:r>
-              <a:rPr lang="de-AT" sz="2000" dirty="0" smtClean="0"/>
-              <a:t>        };</a:t>
-            </a:r>
-          </a:p>
-        </p:txBody>
-      </p:sp>
-      <p:sp>
-        <p:nvSpPr>
-          <p:cNvPr id="6" name="Text Placeholder 5"/>
-          <p:cNvSpPr>
-            <a:spLocks noGrp="1"/>
-          </p:cNvSpPr>
-          <p:nvPr>
-            <p:ph type="body" sz="quarter" idx="3"/>
+              <a:rPr lang="de-DE" dirty="0"/>
+              <a:t>Designentscheidung</a:t>
+            </a:r>
+          </a:p>
+        </p:txBody>
+      </p:sp>
+      <p:sp>
+        <p:nvSpPr>
+          <p:cNvPr id="3" name="Inhaltsplatzhalter 2"/>
+          <p:cNvSpPr>
+            <a:spLocks noGrp="1"/>
+          </p:cNvSpPr>
+          <p:nvPr>
+            <p:ph idx="1"/>
           </p:nvPr>
         </p:nvSpPr>
         <p:spPr/>
@@ -8810,364 +7992,58 @@
           <a:bodyPr/>
           <a:lstStyle/>
           <a:p>
-            <a:r>
-              <a:rPr lang="de-AT" dirty="0" smtClean="0"/>
-              <a:t>Webservices</a:t>
-            </a:r>
-            <a:endParaRPr lang="de-AT" dirty="0"/>
-          </a:p>
-        </p:txBody>
-      </p:sp>
-      <p:sp>
-        <p:nvSpPr>
-          <p:cNvPr id="4" name="Content Placeholder 3"/>
-          <p:cNvSpPr>
-            <a:spLocks noGrp="1"/>
-          </p:cNvSpPr>
-          <p:nvPr>
-            <p:ph sz="quarter" idx="4"/>
-          </p:nvPr>
-        </p:nvSpPr>
-        <p:spPr/>
-        <p:txBody>
-          <a:bodyPr>
-            <a:noAutofit/>
-          </a:bodyPr>
-          <a:lstStyle/>
-          <a:p>
-            <a:pPr marL="0" indent="0">
-              <a:buNone/>
-            </a:pPr>
-            <a:r>
-              <a:rPr lang="de-AT" sz="2000" dirty="0" smtClean="0">
-                <a:solidFill>
-                  <a:srgbClr val="FF0000"/>
-                </a:solidFill>
-              </a:rPr>
-              <a:t>@</a:t>
-            </a:r>
-            <a:r>
-              <a:rPr lang="de-AT" sz="2000" dirty="0" err="1" smtClean="0">
-                <a:solidFill>
-                  <a:srgbClr val="FF0000"/>
-                </a:solidFill>
-              </a:rPr>
-              <a:t>XmlType</a:t>
-            </a:r>
-            <a:r>
-              <a:rPr lang="de-AT" sz="2000" dirty="0" smtClean="0">
-                <a:solidFill>
-                  <a:srgbClr val="FF0000"/>
-                </a:solidFill>
-              </a:rPr>
-              <a:t>(</a:t>
-            </a:r>
-            <a:r>
-              <a:rPr lang="de-AT" sz="2000" dirty="0" err="1" smtClean="0">
-                <a:solidFill>
-                  <a:srgbClr val="FF0000"/>
-                </a:solidFill>
-              </a:rPr>
-              <a:t>propOrder</a:t>
-            </a:r>
-            <a:r>
-              <a:rPr lang="de-AT" sz="2000" dirty="0" smtClean="0">
-                <a:solidFill>
-                  <a:srgbClr val="FF0000"/>
-                </a:solidFill>
-              </a:rPr>
-              <a:t> = { "</a:t>
-            </a:r>
-            <a:r>
-              <a:rPr lang="de-AT" sz="2000" dirty="0" err="1" smtClean="0">
-                <a:solidFill>
-                  <a:srgbClr val="FF0000"/>
-                </a:solidFill>
-              </a:rPr>
-              <a:t>id</a:t>
-            </a:r>
-            <a:r>
-              <a:rPr lang="de-AT" sz="2000" dirty="0" smtClean="0">
-                <a:solidFill>
-                  <a:srgbClr val="FF0000"/>
-                </a:solidFill>
-              </a:rPr>
-              <a:t>", "</a:t>
-            </a:r>
-            <a:r>
-              <a:rPr lang="de-AT" sz="2000" dirty="0" err="1" smtClean="0">
-                <a:solidFill>
-                  <a:srgbClr val="FF0000"/>
-                </a:solidFill>
-              </a:rPr>
-              <a:t>date</a:t>
-            </a:r>
-            <a:r>
-              <a:rPr lang="de-AT" sz="2000" dirty="0" smtClean="0">
-                <a:solidFill>
-                  <a:srgbClr val="FF0000"/>
-                </a:solidFill>
-              </a:rPr>
-              <a:t>", …})</a:t>
-            </a:r>
-          </a:p>
-          <a:p>
-            <a:pPr marL="0" indent="0">
-              <a:buNone/>
-            </a:pPr>
-            <a:r>
-              <a:rPr lang="de-AT" sz="2000" dirty="0" err="1" smtClean="0"/>
-              <a:t>public</a:t>
-            </a:r>
-            <a:r>
-              <a:rPr lang="de-AT" sz="2000" dirty="0" smtClean="0"/>
-              <a:t> </a:t>
-            </a:r>
-            <a:r>
-              <a:rPr lang="de-AT" sz="2000" dirty="0" err="1" smtClean="0"/>
-              <a:t>class</a:t>
-            </a:r>
-            <a:r>
-              <a:rPr lang="de-AT" sz="2000" dirty="0" smtClean="0"/>
-              <a:t> </a:t>
-            </a:r>
-            <a:r>
-              <a:rPr lang="de-AT" sz="2000" dirty="0" err="1" smtClean="0"/>
-              <a:t>MatchresultWs</a:t>
-            </a:r>
-            <a:endParaRPr lang="de-AT" sz="2000" dirty="0" smtClean="0"/>
-          </a:p>
-          <a:p>
-            <a:pPr marL="0" indent="0">
-              <a:buNone/>
-            </a:pPr>
-            <a:r>
-              <a:rPr lang="de-AT" sz="2000" dirty="0" smtClean="0"/>
-              <a:t>{</a:t>
-            </a:r>
-          </a:p>
-          <a:p>
-            <a:pPr marL="0" indent="0">
-              <a:buNone/>
-            </a:pPr>
-            <a:r>
-              <a:rPr lang="de-AT" sz="2000" dirty="0" smtClean="0"/>
-              <a:t>…</a:t>
-            </a:r>
-          </a:p>
-          <a:p>
-            <a:pPr marL="0" indent="0">
-              <a:buNone/>
-            </a:pPr>
-            <a:endParaRPr lang="de-AT" sz="2000" dirty="0" smtClean="0"/>
-          </a:p>
-          <a:p>
-            <a:pPr marL="0" indent="0">
-              <a:buNone/>
-            </a:pPr>
-            <a:r>
-              <a:rPr lang="de-AT" sz="2000" dirty="0" smtClean="0">
-                <a:solidFill>
-                  <a:srgbClr val="FF0000"/>
-                </a:solidFill>
-              </a:rPr>
-              <a:t>    @</a:t>
-            </a:r>
-            <a:r>
-              <a:rPr lang="de-AT" sz="2000" dirty="0" err="1" smtClean="0">
-                <a:solidFill>
-                  <a:srgbClr val="FF0000"/>
-                </a:solidFill>
-              </a:rPr>
-              <a:t>XmlElement</a:t>
-            </a:r>
-            <a:r>
-              <a:rPr lang="de-AT" sz="2000" dirty="0" smtClean="0">
-                <a:solidFill>
-                  <a:srgbClr val="FF0000"/>
-                </a:solidFill>
-              </a:rPr>
-              <a:t>(</a:t>
-            </a:r>
-            <a:r>
-              <a:rPr lang="de-AT" sz="2000" dirty="0" err="1" smtClean="0">
-                <a:solidFill>
-                  <a:srgbClr val="FF0000"/>
-                </a:solidFill>
-              </a:rPr>
-              <a:t>name</a:t>
-            </a:r>
-            <a:r>
-              <a:rPr lang="de-AT" sz="2000" dirty="0" smtClean="0">
-                <a:solidFill>
-                  <a:srgbClr val="FF0000"/>
-                </a:solidFill>
-              </a:rPr>
-              <a:t> = "</a:t>
-            </a:r>
-            <a:r>
-              <a:rPr lang="de-AT" sz="2000" dirty="0" err="1" smtClean="0">
-                <a:solidFill>
-                  <a:srgbClr val="FF0000"/>
-                </a:solidFill>
-              </a:rPr>
-              <a:t>id</a:t>
-            </a:r>
-            <a:r>
-              <a:rPr lang="de-AT" sz="2000" dirty="0" smtClean="0">
-                <a:solidFill>
-                  <a:srgbClr val="FF0000"/>
-                </a:solidFill>
-              </a:rPr>
-              <a:t>", </a:t>
-            </a:r>
-            <a:r>
-              <a:rPr lang="de-AT" sz="2000" dirty="0" err="1" smtClean="0">
-                <a:solidFill>
-                  <a:srgbClr val="FF0000"/>
-                </a:solidFill>
-              </a:rPr>
-              <a:t>required</a:t>
-            </a:r>
-            <a:r>
-              <a:rPr lang="de-AT" sz="2000" dirty="0" smtClean="0">
-                <a:solidFill>
-                  <a:srgbClr val="FF0000"/>
-                </a:solidFill>
-              </a:rPr>
-              <a:t> = </a:t>
-            </a:r>
-            <a:r>
-              <a:rPr lang="de-AT" sz="2000" dirty="0" err="1" smtClean="0">
-                <a:solidFill>
-                  <a:srgbClr val="FF0000"/>
-                </a:solidFill>
-              </a:rPr>
-              <a:t>true</a:t>
-            </a:r>
-            <a:r>
-              <a:rPr lang="de-AT" sz="2000" dirty="0" smtClean="0">
-                <a:solidFill>
-                  <a:srgbClr val="FF0000"/>
-                </a:solidFill>
-              </a:rPr>
-              <a:t>)</a:t>
-            </a:r>
-          </a:p>
-          <a:p>
-            <a:pPr marL="0" indent="0">
-              <a:buNone/>
-            </a:pPr>
-            <a:r>
-              <a:rPr lang="de-AT" sz="2000" dirty="0" smtClean="0"/>
-              <a:t>    </a:t>
-            </a:r>
-            <a:r>
-              <a:rPr lang="de-AT" sz="2000" dirty="0" err="1" smtClean="0"/>
-              <a:t>public</a:t>
-            </a:r>
-            <a:r>
-              <a:rPr lang="de-AT" sz="2000" dirty="0" smtClean="0"/>
-              <a:t> </a:t>
-            </a:r>
-            <a:r>
-              <a:rPr lang="de-AT" sz="2000" dirty="0" err="1" smtClean="0"/>
-              <a:t>int</a:t>
-            </a:r>
-            <a:r>
-              <a:rPr lang="de-AT" sz="2000" dirty="0" smtClean="0"/>
-              <a:t> </a:t>
-            </a:r>
-            <a:r>
-              <a:rPr lang="de-AT" sz="2000" dirty="0" err="1" smtClean="0"/>
-              <a:t>getId</a:t>
-            </a:r>
-            <a:r>
-              <a:rPr lang="de-AT" sz="2000" dirty="0" smtClean="0"/>
-              <a:t>()</a:t>
-            </a:r>
-          </a:p>
-          <a:p>
-            <a:pPr marL="0" indent="0">
-              <a:buNone/>
-            </a:pPr>
-            <a:r>
-              <a:rPr lang="de-AT" sz="2000" dirty="0" smtClean="0"/>
-              <a:t>    {</a:t>
-            </a:r>
-          </a:p>
-          <a:p>
-            <a:pPr marL="0" indent="0">
-              <a:buNone/>
-            </a:pPr>
-            <a:r>
-              <a:rPr lang="de-AT" sz="2000" dirty="0" smtClean="0"/>
-              <a:t>        </a:t>
-            </a:r>
-            <a:r>
-              <a:rPr lang="de-AT" sz="2000" dirty="0" err="1" smtClean="0"/>
-              <a:t>return</a:t>
-            </a:r>
-            <a:r>
-              <a:rPr lang="de-AT" sz="2000" dirty="0" smtClean="0"/>
-              <a:t> </a:t>
-            </a:r>
-            <a:r>
-              <a:rPr lang="de-AT" sz="2000" dirty="0" err="1" smtClean="0"/>
-              <a:t>Id</a:t>
-            </a:r>
-            <a:r>
-              <a:rPr lang="de-AT" sz="2000" dirty="0" smtClean="0"/>
-              <a:t>;</a:t>
-            </a:r>
-          </a:p>
-          <a:p>
-            <a:pPr marL="0" indent="0">
-              <a:buNone/>
-            </a:pPr>
-            <a:r>
-              <a:rPr lang="de-AT" sz="2000" dirty="0" smtClean="0"/>
-              <a:t>    }</a:t>
-            </a:r>
-          </a:p>
-          <a:p>
-            <a:pPr marL="0" indent="0">
-              <a:buNone/>
-            </a:pPr>
-            <a:r>
-              <a:rPr lang="de-AT" sz="2000" dirty="0" smtClean="0"/>
-              <a:t>}</a:t>
-            </a:r>
-          </a:p>
-        </p:txBody>
-      </p:sp>
-      <p:sp>
-        <p:nvSpPr>
-          <p:cNvPr id="2" name="Title 1"/>
-          <p:cNvSpPr>
-            <a:spLocks noGrp="1"/>
-          </p:cNvSpPr>
-          <p:nvPr>
-            <p:ph type="title"/>
-          </p:nvPr>
-        </p:nvSpPr>
-        <p:spPr/>
-        <p:txBody>
-          <a:bodyPr/>
-          <a:lstStyle/>
-          <a:p>
-            <a:r>
-              <a:rPr lang="de-AT" dirty="0" smtClean="0"/>
-              <a:t>DTO Definition</a:t>
-            </a:r>
-            <a:endParaRPr lang="de-AT" dirty="0"/>
+            <a:pPr>
+              <a:buFont typeface="Arial" pitchFamily="34" charset="0"/>
+              <a:buChar char="•"/>
+            </a:pPr>
+            <a:r>
+              <a:rPr lang="de-DE" dirty="0"/>
+              <a:t>Übersichtlich</a:t>
+            </a:r>
+          </a:p>
+          <a:p>
+            <a:pPr>
+              <a:buFont typeface="Arial" pitchFamily="34" charset="0"/>
+              <a:buChar char="•"/>
+            </a:pPr>
+            <a:r>
+              <a:rPr lang="de-DE" dirty="0"/>
+              <a:t>Bedienerfreundlich</a:t>
+            </a:r>
+          </a:p>
+          <a:p>
+            <a:pPr>
+              <a:buFont typeface="Arial" pitchFamily="34" charset="0"/>
+              <a:buChar char="•"/>
+            </a:pPr>
+            <a:r>
+              <a:rPr lang="de-DE" dirty="0" smtClean="0"/>
+              <a:t>In </a:t>
+            </a:r>
+            <a:r>
+              <a:rPr lang="de-DE" dirty="0"/>
+              <a:t>jedem Browser darstellbar</a:t>
+            </a:r>
+          </a:p>
+          <a:p>
+            <a:pPr>
+              <a:buFont typeface="Arial" pitchFamily="34" charset="0"/>
+              <a:buChar char="•"/>
+            </a:pPr>
+            <a:r>
+              <a:rPr lang="de-DE" dirty="0"/>
+              <a:t>Funktionen unterstützen</a:t>
+            </a:r>
+          </a:p>
+          <a:p>
+            <a:endParaRPr lang="de-DE" dirty="0"/>
           </a:p>
         </p:txBody>
       </p:sp>
     </p:spTree>
     <p:extLst>
       <p:ext uri="{BB962C8B-B14F-4D97-AF65-F5344CB8AC3E}">
-        <p14:creationId xmlns:p14="http://schemas.microsoft.com/office/powerpoint/2010/main" val="285709205"/>
+        <p14:creationId xmlns:p14="http://schemas.microsoft.com/office/powerpoint/2010/main" val="476348151"/>
       </p:ext>
     </p:extLst>
   </p:cSld>
@@ -9196,12 +8072,12 @@
       </p:grpSpPr>
       <p:sp>
         <p:nvSpPr>
-          <p:cNvPr id="3" name="Text Placeholder 2"/>
-          <p:cNvSpPr>
-            <a:spLocks noGrp="1"/>
-          </p:cNvSpPr>
-          <p:nvPr>
-            <p:ph type="body" idx="1"/>
+          <p:cNvPr id="2" name="Titel 1"/>
+          <p:cNvSpPr>
+            <a:spLocks noGrp="1"/>
+          </p:cNvSpPr>
+          <p:nvPr>
+            <p:ph type="title"/>
           </p:nvPr>
         </p:nvSpPr>
         <p:spPr/>
@@ -9210,21 +8086,20 @@
           <a:lstStyle/>
           <a:p>
             <a:r>
-              <a:rPr lang="de-AT" dirty="0" err="1" smtClean="0"/>
-              <a:t>Corba</a:t>
-            </a:r>
-            <a:endParaRPr lang="de-AT" dirty="0"/>
-          </a:p>
-        </p:txBody>
-      </p:sp>
-      <p:sp>
-        <p:nvSpPr>
-          <p:cNvPr id="4" name="Content Placeholder 3"/>
-          <p:cNvSpPr>
-            <a:spLocks noGrp="1"/>
-          </p:cNvSpPr>
-          <p:nvPr>
-            <p:ph sz="half" idx="2"/>
+              <a:rPr lang="de-DE" dirty="0"/>
+              <a:t>Designentscheidung</a:t>
+            </a:r>
+          </a:p>
+        </p:txBody>
+      </p:sp>
+      <p:sp>
+        <p:nvSpPr>
+          <p:cNvPr id="3" name="Inhaltsplatzhalter 2"/>
+          <p:cNvSpPr>
+            <a:spLocks noGrp="1"/>
+          </p:cNvSpPr>
+          <p:nvPr>
+            <p:ph idx="1"/>
           </p:nvPr>
         </p:nvSpPr>
         <p:spPr/>
@@ -9233,98 +8108,17 @@
           <a:lstStyle/>
           <a:p>
             <a:r>
-              <a:rPr lang="de-AT" dirty="0" err="1" smtClean="0"/>
-              <a:t>Stubs</a:t>
-            </a:r>
-            <a:r>
-              <a:rPr lang="de-AT" dirty="0" smtClean="0"/>
-              <a:t> müssen erzeugt werden IDLJ</a:t>
-            </a:r>
-          </a:p>
-          <a:p>
-            <a:r>
-              <a:rPr lang="de-AT" dirty="0" smtClean="0"/>
-              <a:t>Implementierung der Logik per Vererbung</a:t>
-            </a:r>
-          </a:p>
-          <a:p>
-            <a:endParaRPr lang="de-AT" dirty="0"/>
-          </a:p>
-        </p:txBody>
-      </p:sp>
-      <p:sp>
-        <p:nvSpPr>
-          <p:cNvPr id="5" name="Text Placeholder 4"/>
-          <p:cNvSpPr>
-            <a:spLocks noGrp="1"/>
-          </p:cNvSpPr>
-          <p:nvPr>
-            <p:ph type="body" sz="quarter" idx="3"/>
-          </p:nvPr>
-        </p:nvSpPr>
-        <p:spPr/>
-        <p:txBody>
-          <a:bodyPr/>
-          <a:lstStyle/>
-          <a:p>
-            <a:r>
-              <a:rPr lang="de-AT" dirty="0" smtClean="0"/>
-              <a:t>Webservices</a:t>
-            </a:r>
-            <a:endParaRPr lang="de-AT" dirty="0"/>
-          </a:p>
-        </p:txBody>
-      </p:sp>
-      <p:sp>
-        <p:nvSpPr>
-          <p:cNvPr id="6" name="Content Placeholder 5"/>
-          <p:cNvSpPr>
-            <a:spLocks noGrp="1"/>
-          </p:cNvSpPr>
-          <p:nvPr>
-            <p:ph sz="quarter" idx="4"/>
-          </p:nvPr>
-        </p:nvSpPr>
-        <p:spPr/>
-        <p:txBody>
-          <a:bodyPr/>
-          <a:lstStyle/>
-          <a:p>
-            <a:r>
-              <a:rPr lang="de-AT" dirty="0" smtClean="0"/>
-              <a:t>Logik wird direkt in die Definition programmiert</a:t>
-            </a:r>
-            <a:endParaRPr lang="de-AT" dirty="0"/>
-          </a:p>
-        </p:txBody>
-      </p:sp>
-      <p:sp>
-        <p:nvSpPr>
-          <p:cNvPr id="2" name="Title 1"/>
-          <p:cNvSpPr>
-            <a:spLocks noGrp="1"/>
-          </p:cNvSpPr>
-          <p:nvPr>
-            <p:ph type="title"/>
-          </p:nvPr>
-        </p:nvSpPr>
-        <p:spPr/>
-        <p:txBody>
-          <a:bodyPr/>
-          <a:lstStyle/>
-          <a:p>
-            <a:r>
-              <a:rPr lang="de-AT" dirty="0" smtClean="0"/>
-              <a:t>Server-Implementierung</a:t>
-            </a:r>
-            <a:endParaRPr lang="de-AT" dirty="0"/>
+              <a:rPr lang="de-DE" dirty="0" smtClean="0"/>
+              <a:t>BILD</a:t>
+            </a:r>
+            <a:endParaRPr lang="de-DE" dirty="0"/>
           </a:p>
         </p:txBody>
       </p:sp>
     </p:spTree>
     <p:extLst>
       <p:ext uri="{BB962C8B-B14F-4D97-AF65-F5344CB8AC3E}">
-        <p14:creationId xmlns:p14="http://schemas.microsoft.com/office/powerpoint/2010/main" val="648403004"/>
+        <p14:creationId xmlns:p14="http://schemas.microsoft.com/office/powerpoint/2010/main" val="3826783334"/>
       </p:ext>
     </p:extLst>
   </p:cSld>
@@ -9353,12 +8147,12 @@
       </p:grpSpPr>
       <p:sp>
         <p:nvSpPr>
-          <p:cNvPr id="3" name="Text Placeholder 2"/>
-          <p:cNvSpPr>
-            <a:spLocks noGrp="1"/>
-          </p:cNvSpPr>
-          <p:nvPr>
-            <p:ph type="body" idx="1"/>
+          <p:cNvPr id="2" name="Titel 1"/>
+          <p:cNvSpPr>
+            <a:spLocks noGrp="1"/>
+          </p:cNvSpPr>
+          <p:nvPr>
+            <p:ph type="title"/>
           </p:nvPr>
         </p:nvSpPr>
         <p:spPr/>
@@ -9367,157 +8161,20 @@
           <a:lstStyle/>
           <a:p>
             <a:r>
-              <a:rPr lang="de-AT" dirty="0" err="1" smtClean="0"/>
-              <a:t>Corba</a:t>
-            </a:r>
-            <a:endParaRPr lang="de-AT" dirty="0"/>
-          </a:p>
-        </p:txBody>
-      </p:sp>
-      <p:sp>
-        <p:nvSpPr>
-          <p:cNvPr id="4" name="Content Placeholder 3"/>
-          <p:cNvSpPr>
-            <a:spLocks noGrp="1"/>
-          </p:cNvSpPr>
-          <p:nvPr>
-            <p:ph sz="half" idx="2"/>
-          </p:nvPr>
-        </p:nvSpPr>
-        <p:spPr/>
-        <p:txBody>
-          <a:bodyPr>
-            <a:normAutofit/>
-          </a:bodyPr>
-          <a:lstStyle/>
-          <a:p>
-            <a:pPr marL="0" indent="0">
-              <a:buNone/>
-            </a:pPr>
-            <a:r>
-              <a:rPr lang="de-AT" sz="2000" dirty="0" err="1" smtClean="0"/>
-              <a:t>Runtime.getRuntime</a:t>
-            </a:r>
-            <a:r>
-              <a:rPr lang="de-AT" sz="2000" dirty="0" smtClean="0"/>
-              <a:t>().</a:t>
-            </a:r>
-            <a:r>
-              <a:rPr lang="de-AT" sz="2000" dirty="0" err="1" smtClean="0"/>
-              <a:t>exec</a:t>
-            </a:r>
-            <a:r>
-              <a:rPr lang="de-AT" sz="2000" dirty="0" smtClean="0"/>
-              <a:t>("</a:t>
-            </a:r>
-            <a:r>
-              <a:rPr lang="de-AT" sz="2000" dirty="0" err="1" smtClean="0"/>
-              <a:t>orbd</a:t>
-            </a:r>
-            <a:r>
-              <a:rPr lang="de-AT" sz="2000" dirty="0" smtClean="0"/>
-              <a:t> -</a:t>
-            </a:r>
-            <a:r>
-              <a:rPr lang="de-AT" sz="2000" dirty="0" err="1" smtClean="0"/>
-              <a:t>ORBInitialPort</a:t>
-            </a:r>
-            <a:r>
-              <a:rPr lang="de-AT" sz="2000" dirty="0" smtClean="0"/>
-              <a:t> 2050");</a:t>
-            </a:r>
-          </a:p>
-          <a:p>
-            <a:pPr marL="0" indent="0">
-              <a:buNone/>
-            </a:pPr>
-            <a:r>
-              <a:rPr lang="de-AT" sz="2000" dirty="0" smtClean="0"/>
-              <a:t>String[] args1 = </a:t>
-            </a:r>
-            <a:r>
-              <a:rPr lang="de-AT" sz="2000" dirty="0" err="1" smtClean="0"/>
-              <a:t>new</a:t>
-            </a:r>
-            <a:r>
-              <a:rPr lang="de-AT" sz="2000" dirty="0" smtClean="0"/>
-              <a:t> String[] {"-</a:t>
-            </a:r>
-            <a:r>
-              <a:rPr lang="de-AT" sz="2000" dirty="0" err="1" smtClean="0"/>
-              <a:t>ORBInitialPort</a:t>
-            </a:r>
-            <a:r>
-              <a:rPr lang="de-AT" sz="2000" dirty="0" smtClean="0"/>
-              <a:t>", "2050"};</a:t>
-            </a:r>
-          </a:p>
-          <a:p>
-            <a:pPr marL="0" indent="0">
-              <a:buNone/>
-            </a:pPr>
-            <a:r>
-              <a:rPr lang="de-AT" sz="2000" dirty="0" smtClean="0"/>
-              <a:t>ORB </a:t>
-            </a:r>
-            <a:r>
-              <a:rPr lang="de-AT" sz="2000" dirty="0" err="1" smtClean="0"/>
-              <a:t>orb</a:t>
-            </a:r>
-            <a:r>
-              <a:rPr lang="de-AT" sz="2000" dirty="0" smtClean="0"/>
-              <a:t> = </a:t>
-            </a:r>
-            <a:r>
-              <a:rPr lang="de-AT" sz="2000" dirty="0" err="1" smtClean="0"/>
-              <a:t>ORB.init</a:t>
-            </a:r>
-            <a:r>
-              <a:rPr lang="de-AT" sz="2000" dirty="0" smtClean="0"/>
-              <a:t>(args1, null);</a:t>
-            </a:r>
-          </a:p>
-          <a:p>
-            <a:pPr marL="0" indent="0">
-              <a:buNone/>
-            </a:pPr>
-            <a:r>
-              <a:rPr lang="de-AT" sz="2000" dirty="0" smtClean="0"/>
-              <a:t>… </a:t>
-            </a:r>
-            <a:r>
-              <a:rPr lang="de-AT" sz="2000" dirty="0" err="1" smtClean="0"/>
-              <a:t>magic</a:t>
-            </a:r>
-            <a:r>
-              <a:rPr lang="de-AT" sz="2000" dirty="0" smtClean="0"/>
-              <a:t>…</a:t>
-            </a:r>
-          </a:p>
-          <a:p>
-            <a:pPr marL="0" indent="0">
-              <a:buNone/>
-            </a:pPr>
-            <a:r>
-              <a:rPr lang="de-AT" sz="2000" dirty="0" err="1" smtClean="0"/>
-              <a:t>orb.run</a:t>
-            </a:r>
-            <a:r>
-              <a:rPr lang="de-AT" sz="2000" dirty="0" smtClean="0"/>
-              <a:t>();</a:t>
-            </a:r>
-            <a:endParaRPr lang="de-AT" sz="2000" dirty="0"/>
-          </a:p>
-        </p:txBody>
-      </p:sp>
-      <p:sp>
-        <p:nvSpPr>
-          <p:cNvPr id="5" name="Text Placeholder 4"/>
-          <p:cNvSpPr>
-            <a:spLocks noGrp="1"/>
-          </p:cNvSpPr>
-          <p:nvPr>
-            <p:ph type="body" sz="quarter" idx="3"/>
+              <a:rPr lang="de-DE" dirty="0"/>
+              <a:t>Technologien</a:t>
+            </a:r>
+          </a:p>
+        </p:txBody>
+      </p:sp>
+      <p:sp>
+        <p:nvSpPr>
+          <p:cNvPr id="3" name="Inhaltsplatzhalter 2"/>
+          <p:cNvSpPr>
+            <a:spLocks noGrp="1"/>
+          </p:cNvSpPr>
+          <p:nvPr>
+            <p:ph idx="1"/>
           </p:nvPr>
         </p:nvSpPr>
         <p:spPr/>
@@ -9525,98 +8182,67 @@
           <a:bodyPr/>
           <a:lstStyle/>
           <a:p>
-            <a:r>
-              <a:rPr lang="de-AT" dirty="0" smtClean="0"/>
-              <a:t>Webservices</a:t>
-            </a:r>
-            <a:endParaRPr lang="de-AT" dirty="0"/>
-          </a:p>
-        </p:txBody>
-      </p:sp>
-      <p:sp>
-        <p:nvSpPr>
-          <p:cNvPr id="6" name="Content Placeholder 5"/>
-          <p:cNvSpPr>
-            <a:spLocks noGrp="1"/>
-          </p:cNvSpPr>
-          <p:nvPr>
-            <p:ph sz="quarter" idx="4"/>
-          </p:nvPr>
-        </p:nvSpPr>
-        <p:spPr/>
-        <p:txBody>
-          <a:bodyPr/>
-          <a:lstStyle/>
-          <a:p>
-            <a:r>
-              <a:rPr lang="en-US" dirty="0" err="1" smtClean="0"/>
-              <a:t>Endpoint.publish</a:t>
-            </a:r>
-            <a:r>
-              <a:rPr lang="en-US" dirty="0" smtClean="0"/>
-              <a:t>("http://localhost:8080/services", new </a:t>
-            </a:r>
-            <a:r>
-              <a:rPr lang="en-US" dirty="0" err="1" smtClean="0"/>
-              <a:t>MatchService</a:t>
-            </a:r>
-            <a:r>
-              <a:rPr lang="en-US" dirty="0" smtClean="0"/>
-              <a:t>())</a:t>
-            </a:r>
-          </a:p>
-          <a:p>
-            <a:r>
-              <a:rPr lang="en-US" dirty="0" err="1" smtClean="0"/>
-              <a:t>Veröffentlichung</a:t>
-            </a:r>
-            <a:r>
-              <a:rPr lang="en-US" dirty="0" smtClean="0"/>
-              <a:t> </a:t>
-            </a:r>
-            <a:r>
-              <a:rPr lang="en-US" dirty="0" err="1" smtClean="0"/>
-              <a:t>als</a:t>
-            </a:r>
-            <a:r>
-              <a:rPr lang="en-US" dirty="0" smtClean="0"/>
-              <a:t> .war</a:t>
-            </a:r>
-            <a:endParaRPr lang="de-AT" dirty="0"/>
-          </a:p>
-        </p:txBody>
-      </p:sp>
-      <p:sp>
-        <p:nvSpPr>
-          <p:cNvPr id="2" name="Title 1"/>
-          <p:cNvSpPr>
-            <a:spLocks noGrp="1"/>
-          </p:cNvSpPr>
-          <p:nvPr>
-            <p:ph type="title"/>
-          </p:nvPr>
-        </p:nvSpPr>
-        <p:spPr/>
-        <p:txBody>
-          <a:bodyPr/>
-          <a:lstStyle/>
-          <a:p>
-            <a:r>
-              <a:rPr lang="de-AT" dirty="0" smtClean="0"/>
-              <a:t>Server-</a:t>
-            </a:r>
-            <a:r>
-              <a:rPr lang="de-AT" dirty="0" err="1" smtClean="0"/>
-              <a:t>Deployment</a:t>
-            </a:r>
-            <a:endParaRPr lang="de-AT" dirty="0"/>
+            <a:pPr>
+              <a:buFont typeface="Arial" pitchFamily="34" charset="0"/>
+              <a:buChar char="•"/>
+            </a:pPr>
+            <a:r>
+              <a:rPr lang="de-DE" dirty="0"/>
+              <a:t>EJB</a:t>
+            </a:r>
+          </a:p>
+          <a:p>
+            <a:pPr lvl="1"/>
+            <a:r>
+              <a:rPr lang="de-DE" dirty="0"/>
+              <a:t>Austausch der Daten</a:t>
+            </a:r>
+          </a:p>
+          <a:p>
+            <a:pPr lvl="1"/>
+            <a:r>
+              <a:rPr lang="de-DE" dirty="0"/>
+              <a:t>Bearbeitung der eingaben/ausgaben</a:t>
+            </a:r>
+          </a:p>
+          <a:p>
+            <a:pPr>
+              <a:buFont typeface="Arial" pitchFamily="34" charset="0"/>
+              <a:buChar char="•"/>
+            </a:pPr>
+            <a:r>
+              <a:rPr lang="de-DE" dirty="0"/>
+              <a:t>JSP</a:t>
+            </a:r>
+          </a:p>
+          <a:p>
+            <a:pPr lvl="1"/>
+            <a:r>
+              <a:rPr lang="de-DE" dirty="0"/>
+              <a:t>Bearbeitung der Daten zur visuellen </a:t>
+            </a:r>
+            <a:r>
+              <a:rPr lang="de-DE" dirty="0" err="1"/>
+              <a:t>darstellung</a:t>
+            </a:r>
+            <a:endParaRPr lang="de-DE" dirty="0"/>
+          </a:p>
+          <a:p>
+            <a:pPr lvl="1"/>
+            <a:r>
+              <a:rPr lang="de-DE" dirty="0"/>
+              <a:t>Weiter delegieren</a:t>
+            </a:r>
+          </a:p>
+          <a:p>
+            <a:endParaRPr lang="de-DE" dirty="0"/>
           </a:p>
         </p:txBody>
       </p:sp>
     </p:spTree>
     <p:extLst>
       <p:ext uri="{BB962C8B-B14F-4D97-AF65-F5344CB8AC3E}">
-        <p14:creationId xmlns:p14="http://schemas.microsoft.com/office/powerpoint/2010/main" val="3247815555"/>
+        <p14:creationId xmlns:p14="http://schemas.microsoft.com/office/powerpoint/2010/main" val="983369168"/>
       </p:ext>
     </p:extLst>
   </p:cSld>
@@ -9645,12 +8271,12 @@
       </p:grpSpPr>
       <p:sp>
         <p:nvSpPr>
-          <p:cNvPr id="3" name="Text Placeholder 2"/>
-          <p:cNvSpPr>
-            <a:spLocks noGrp="1"/>
-          </p:cNvSpPr>
-          <p:nvPr>
-            <p:ph type="body" idx="1"/>
+          <p:cNvPr id="2" name="Titel 1"/>
+          <p:cNvSpPr>
+            <a:spLocks noGrp="1"/>
+          </p:cNvSpPr>
+          <p:nvPr>
+            <p:ph type="title"/>
           </p:nvPr>
         </p:nvSpPr>
         <p:spPr/>
@@ -9659,21 +8285,20 @@
           <a:lstStyle/>
           <a:p>
             <a:r>
-              <a:rPr lang="de-AT" dirty="0" err="1" smtClean="0"/>
-              <a:t>Corba</a:t>
-            </a:r>
-            <a:endParaRPr lang="de-AT" dirty="0"/>
-          </a:p>
-        </p:txBody>
-      </p:sp>
-      <p:sp>
-        <p:nvSpPr>
-          <p:cNvPr id="4" name="Content Placeholder 3"/>
-          <p:cNvSpPr>
-            <a:spLocks noGrp="1"/>
-          </p:cNvSpPr>
-          <p:nvPr>
-            <p:ph sz="half" idx="2"/>
+              <a:rPr lang="de-DE" dirty="0"/>
+              <a:t>Technologien</a:t>
+            </a:r>
+          </a:p>
+        </p:txBody>
+      </p:sp>
+      <p:sp>
+        <p:nvSpPr>
+          <p:cNvPr id="3" name="Inhaltsplatzhalter 2"/>
+          <p:cNvSpPr>
+            <a:spLocks noGrp="1"/>
+          </p:cNvSpPr>
+          <p:nvPr>
+            <p:ph idx="1"/>
           </p:nvPr>
         </p:nvSpPr>
         <p:spPr/>
@@ -9681,127 +8306,55 @@
           <a:bodyPr/>
           <a:lstStyle/>
           <a:p>
-            <a:r>
-              <a:rPr lang="de-AT" dirty="0" err="1" smtClean="0"/>
-              <a:t>Commandozeile</a:t>
-            </a:r>
-            <a:r>
-              <a:rPr lang="de-AT" dirty="0" smtClean="0"/>
-              <a:t> IDLJ …</a:t>
-            </a:r>
-          </a:p>
-          <a:p>
-            <a:r>
-              <a:rPr lang="de-AT" dirty="0" smtClean="0"/>
-              <a:t>Kein update möglich</a:t>
-            </a:r>
-            <a:endParaRPr lang="de-AT" dirty="0"/>
-          </a:p>
-        </p:txBody>
-      </p:sp>
-      <p:sp>
-        <p:nvSpPr>
-          <p:cNvPr id="5" name="Text Placeholder 4"/>
-          <p:cNvSpPr>
-            <a:spLocks noGrp="1"/>
-          </p:cNvSpPr>
-          <p:nvPr>
-            <p:ph type="body" sz="quarter" idx="3"/>
-          </p:nvPr>
-        </p:nvSpPr>
-        <p:spPr/>
-        <p:txBody>
-          <a:bodyPr/>
-          <a:lstStyle/>
-          <a:p>
-            <a:r>
-              <a:rPr lang="de-AT" dirty="0" smtClean="0"/>
-              <a:t>Webservices</a:t>
-            </a:r>
-            <a:endParaRPr lang="de-AT" dirty="0"/>
-          </a:p>
-        </p:txBody>
-      </p:sp>
-      <p:sp>
-        <p:nvSpPr>
-          <p:cNvPr id="6" name="Content Placeholder 5"/>
-          <p:cNvSpPr>
-            <a:spLocks noGrp="1"/>
-          </p:cNvSpPr>
-          <p:nvPr>
-            <p:ph sz="quarter" idx="4"/>
-          </p:nvPr>
-        </p:nvSpPr>
-        <p:spPr/>
-        <p:txBody>
-          <a:bodyPr/>
-          <a:lstStyle/>
-          <a:p>
-            <a:r>
-              <a:rPr lang="de-AT" dirty="0" smtClean="0"/>
-              <a:t>In </a:t>
-            </a:r>
-            <a:r>
-              <a:rPr lang="de-AT" dirty="0" err="1" smtClean="0"/>
-              <a:t>VisualStudio</a:t>
-            </a:r>
-            <a:r>
-              <a:rPr lang="de-AT" dirty="0" smtClean="0"/>
-              <a:t> „</a:t>
-            </a:r>
-            <a:r>
-              <a:rPr lang="de-AT" dirty="0" err="1" smtClean="0"/>
-              <a:t>AddServiceReference</a:t>
-            </a:r>
-            <a:r>
-              <a:rPr lang="de-AT" dirty="0" smtClean="0"/>
-              <a:t>“ und dann den Pfad eingeben</a:t>
-            </a:r>
-          </a:p>
-          <a:p>
-            <a:r>
-              <a:rPr lang="de-AT" dirty="0" smtClean="0"/>
-              <a:t>Update möglich</a:t>
-            </a:r>
-            <a:endParaRPr lang="de-AT" dirty="0"/>
-          </a:p>
-        </p:txBody>
-      </p:sp>
-      <p:sp>
-        <p:nvSpPr>
-          <p:cNvPr id="2" name="Title 1"/>
-          <p:cNvSpPr>
-            <a:spLocks noGrp="1"/>
-          </p:cNvSpPr>
-          <p:nvPr>
-            <p:ph type="title"/>
-          </p:nvPr>
-        </p:nvSpPr>
-        <p:spPr/>
-        <p:txBody>
-          <a:bodyPr/>
-          <a:lstStyle/>
-          <a:p>
-            <a:r>
-              <a:rPr lang="de-AT" dirty="0" smtClean="0"/>
-              <a:t>Client-</a:t>
-            </a:r>
-            <a:r>
-              <a:rPr lang="de-AT" dirty="0" err="1" smtClean="0"/>
-              <a:t>Stubs</a:t>
-            </a:r>
-            <a:r>
-              <a:rPr lang="de-AT" dirty="0" smtClean="0"/>
-              <a:t> erzeugen</a:t>
-            </a:r>
-            <a:endParaRPr lang="de-AT" dirty="0"/>
+            <a:pPr>
+              <a:buFont typeface="Arial" pitchFamily="34" charset="0"/>
+              <a:buChar char="•"/>
+            </a:pPr>
+            <a:r>
+              <a:rPr lang="de-DE" dirty="0"/>
+              <a:t>HTML</a:t>
+            </a:r>
+          </a:p>
+          <a:p>
+            <a:pPr lvl="1"/>
+            <a:r>
+              <a:rPr lang="de-DE" dirty="0"/>
+              <a:t>Formatierung</a:t>
+            </a:r>
+          </a:p>
+          <a:p>
+            <a:pPr lvl="1"/>
+            <a:r>
+              <a:rPr lang="de-DE" dirty="0"/>
+              <a:t>Darstellung</a:t>
+            </a:r>
+          </a:p>
+          <a:p>
+            <a:pPr>
+              <a:buFont typeface="Arial" pitchFamily="34" charset="0"/>
+              <a:buChar char="•"/>
+            </a:pPr>
+            <a:r>
+              <a:rPr lang="de-DE" dirty="0"/>
+              <a:t>CSS</a:t>
+            </a:r>
+          </a:p>
+          <a:p>
+            <a:pPr lvl="1"/>
+            <a:r>
+              <a:rPr lang="de-DE" dirty="0"/>
+              <a:t>Formatierung</a:t>
+            </a:r>
+          </a:p>
+          <a:p>
+            <a:endParaRPr lang="de-DE" dirty="0"/>
           </a:p>
         </p:txBody>
       </p:sp>
     </p:spTree>
     <p:extLst>
       <p:ext uri="{BB962C8B-B14F-4D97-AF65-F5344CB8AC3E}">
-        <p14:creationId xmlns:p14="http://schemas.microsoft.com/office/powerpoint/2010/main" val="2495302384"/>
+        <p14:creationId xmlns:p14="http://schemas.microsoft.com/office/powerpoint/2010/main" val="258482285"/>
       </p:ext>
     </p:extLst>
   </p:cSld>
@@ -9830,12 +8383,12 @@
       </p:grpSpPr>
       <p:sp>
         <p:nvSpPr>
-          <p:cNvPr id="3" name="Text Placeholder 2"/>
-          <p:cNvSpPr>
-            <a:spLocks noGrp="1"/>
-          </p:cNvSpPr>
-          <p:nvPr>
-            <p:ph type="body" idx="1"/>
+          <p:cNvPr id="2" name="Titel 1"/>
+          <p:cNvSpPr>
+            <a:spLocks noGrp="1"/>
+          </p:cNvSpPr>
+          <p:nvPr>
+            <p:ph type="title"/>
           </p:nvPr>
         </p:nvSpPr>
         <p:spPr/>
@@ -9844,229 +8397,20 @@
           <a:lstStyle/>
           <a:p>
             <a:r>
-              <a:rPr lang="de-AT" dirty="0" err="1" smtClean="0"/>
-              <a:t>Corba</a:t>
-            </a:r>
-            <a:endParaRPr lang="de-AT" dirty="0"/>
-          </a:p>
-        </p:txBody>
-      </p:sp>
-      <p:sp>
-        <p:nvSpPr>
-          <p:cNvPr id="4" name="Content Placeholder 3"/>
-          <p:cNvSpPr>
-            <a:spLocks noGrp="1"/>
-          </p:cNvSpPr>
-          <p:nvPr>
-            <p:ph sz="half" idx="2"/>
-          </p:nvPr>
-        </p:nvSpPr>
-        <p:spPr/>
-        <p:txBody>
-          <a:bodyPr>
-            <a:normAutofit fontScale="92500" lnSpcReduction="20000"/>
-          </a:bodyPr>
-          <a:lstStyle/>
-          <a:p>
-            <a:pPr marL="0" indent="0">
-              <a:buNone/>
-            </a:pPr>
-            <a:r>
-              <a:rPr lang="de-AT" sz="2000" dirty="0" smtClean="0"/>
-              <a:t>String[] args1 = </a:t>
-            </a:r>
-            <a:r>
-              <a:rPr lang="de-AT" sz="2000" dirty="0" err="1" smtClean="0"/>
-              <a:t>new</a:t>
-            </a:r>
-            <a:r>
-              <a:rPr lang="de-AT" sz="2000" dirty="0" smtClean="0"/>
-              <a:t> String[] {"-</a:t>
-            </a:r>
-            <a:r>
-              <a:rPr lang="de-AT" sz="2000" dirty="0" err="1" smtClean="0"/>
-              <a:t>ORBInitialPort</a:t>
-            </a:r>
-            <a:r>
-              <a:rPr lang="de-AT" sz="2000" dirty="0" smtClean="0"/>
-              <a:t>", "2050"};</a:t>
-            </a:r>
-          </a:p>
-          <a:p>
-            <a:pPr marL="0" indent="0">
-              <a:buNone/>
-            </a:pPr>
-            <a:r>
-              <a:rPr lang="de-AT" sz="2000" dirty="0" smtClean="0"/>
-              <a:t>ORB </a:t>
-            </a:r>
-            <a:r>
-              <a:rPr lang="de-AT" sz="2000" dirty="0" err="1" smtClean="0"/>
-              <a:t>orb</a:t>
-            </a:r>
-            <a:r>
-              <a:rPr lang="de-AT" sz="2000" dirty="0" smtClean="0"/>
-              <a:t> = </a:t>
-            </a:r>
-            <a:r>
-              <a:rPr lang="de-AT" sz="2000" dirty="0" err="1" smtClean="0"/>
-              <a:t>ORB.init</a:t>
-            </a:r>
-            <a:r>
-              <a:rPr lang="de-AT" sz="2000" dirty="0" smtClean="0"/>
-              <a:t>(args1, null);</a:t>
-            </a:r>
-          </a:p>
-          <a:p>
-            <a:pPr marL="0" indent="0">
-              <a:buNone/>
-            </a:pPr>
-            <a:r>
-              <a:rPr lang="de-AT" sz="2000" dirty="0" err="1" smtClean="0"/>
-              <a:t>org.omg.CORBA.Object</a:t>
-            </a:r>
-            <a:r>
-              <a:rPr lang="de-AT" sz="2000" dirty="0" smtClean="0"/>
-              <a:t> </a:t>
-            </a:r>
-            <a:r>
-              <a:rPr lang="de-AT" sz="2000" dirty="0" err="1" smtClean="0"/>
-              <a:t>objRef</a:t>
-            </a:r>
-            <a:r>
-              <a:rPr lang="de-AT" sz="2000" dirty="0" smtClean="0"/>
-              <a:t> = </a:t>
-            </a:r>
-            <a:r>
-              <a:rPr lang="de-AT" sz="2000" dirty="0" err="1" smtClean="0"/>
-              <a:t>orb.resolve_initial_references</a:t>
-            </a:r>
-            <a:r>
-              <a:rPr lang="de-AT" sz="2000" dirty="0" smtClean="0"/>
-              <a:t>("</a:t>
-            </a:r>
-            <a:r>
-              <a:rPr lang="de-AT" sz="2000" dirty="0" err="1" smtClean="0"/>
-              <a:t>NameService</a:t>
-            </a:r>
-            <a:r>
-              <a:rPr lang="de-AT" sz="2000" dirty="0" smtClean="0"/>
-              <a:t>");</a:t>
-            </a:r>
-          </a:p>
-          <a:p>
-            <a:pPr marL="0" indent="0">
-              <a:buNone/>
-            </a:pPr>
-            <a:r>
-              <a:rPr lang="de-AT" sz="2000" dirty="0" err="1" smtClean="0"/>
-              <a:t>NamingContextExt</a:t>
-            </a:r>
-            <a:r>
-              <a:rPr lang="de-AT" sz="2000" dirty="0" smtClean="0"/>
-              <a:t> </a:t>
-            </a:r>
-            <a:r>
-              <a:rPr lang="de-AT" sz="2000" dirty="0" err="1" smtClean="0"/>
-              <a:t>ncRef</a:t>
-            </a:r>
-            <a:r>
-              <a:rPr lang="de-AT" sz="2000" dirty="0" smtClean="0"/>
-              <a:t> = </a:t>
-            </a:r>
-            <a:r>
-              <a:rPr lang="de-AT" sz="2000" dirty="0" err="1" smtClean="0"/>
-              <a:t>NamingContextExtHelper.narrow</a:t>
-            </a:r>
-            <a:r>
-              <a:rPr lang="de-AT" sz="2000" dirty="0" smtClean="0"/>
-              <a:t>(</a:t>
-            </a:r>
-            <a:r>
-              <a:rPr lang="de-AT" sz="2000" dirty="0" err="1" smtClean="0"/>
-              <a:t>objRef</a:t>
-            </a:r>
-            <a:r>
-              <a:rPr lang="de-AT" sz="2000" dirty="0" smtClean="0"/>
-              <a:t>); </a:t>
-            </a:r>
-          </a:p>
-          <a:p>
-            <a:pPr marL="0" indent="0">
-              <a:buNone/>
-            </a:pPr>
-            <a:r>
-              <a:rPr lang="de-AT" sz="2000" dirty="0" err="1" smtClean="0">
-                <a:solidFill>
-                  <a:srgbClr val="FF0000"/>
-                </a:solidFill>
-              </a:rPr>
-              <a:t>MatchresultDataprovider</a:t>
-            </a:r>
-            <a:r>
-              <a:rPr lang="de-AT" sz="2000" dirty="0" smtClean="0">
-                <a:solidFill>
-                  <a:srgbClr val="FF0000"/>
-                </a:solidFill>
-              </a:rPr>
-              <a:t> </a:t>
-            </a:r>
-            <a:r>
-              <a:rPr lang="de-AT" sz="2000" dirty="0" err="1" smtClean="0">
-                <a:solidFill>
-                  <a:srgbClr val="FF0000"/>
-                </a:solidFill>
-              </a:rPr>
-              <a:t>matchresultDataprovider</a:t>
-            </a:r>
-            <a:r>
-              <a:rPr lang="de-AT" sz="2000" dirty="0" smtClean="0">
-                <a:solidFill>
-                  <a:srgbClr val="FF0000"/>
-                </a:solidFill>
-              </a:rPr>
-              <a:t> </a:t>
-            </a:r>
-            <a:r>
-              <a:rPr lang="de-AT" sz="2000" dirty="0" smtClean="0"/>
-              <a:t>= </a:t>
-            </a:r>
-            <a:r>
-              <a:rPr lang="de-AT" sz="2000" dirty="0" err="1" smtClean="0"/>
-              <a:t>MatchresultDataproviderHelper.narrow</a:t>
-            </a:r>
-            <a:r>
-              <a:rPr lang="de-AT" sz="2000" dirty="0" smtClean="0"/>
-              <a:t>(</a:t>
-            </a:r>
-            <a:r>
-              <a:rPr lang="de-AT" sz="2000" dirty="0" err="1" smtClean="0"/>
-              <a:t>ncRef.resolve_str</a:t>
-            </a:r>
-            <a:r>
-              <a:rPr lang="de-AT" sz="2000" dirty="0" smtClean="0"/>
-              <a:t>("</a:t>
-            </a:r>
-            <a:r>
-              <a:rPr lang="de-AT" sz="2000" dirty="0" err="1" smtClean="0"/>
-              <a:t>HelloObject</a:t>
-            </a:r>
-            <a:r>
-              <a:rPr lang="de-AT" sz="2000" dirty="0" smtClean="0"/>
-              <a:t>"));</a:t>
-            </a:r>
-            <a:endParaRPr lang="de-AT" sz="2000" dirty="0"/>
-          </a:p>
-        </p:txBody>
-      </p:sp>
-      <p:sp>
-        <p:nvSpPr>
-          <p:cNvPr id="5" name="Text Placeholder 4"/>
-          <p:cNvSpPr>
-            <a:spLocks noGrp="1"/>
-          </p:cNvSpPr>
-          <p:nvPr>
-            <p:ph type="body" sz="quarter" idx="3"/>
+              <a:rPr lang="de-DE" dirty="0"/>
+              <a:t>Realisierung</a:t>
+            </a:r>
+          </a:p>
+        </p:txBody>
+      </p:sp>
+      <p:sp>
+        <p:nvSpPr>
+          <p:cNvPr id="3" name="Inhaltsplatzhalter 2"/>
+          <p:cNvSpPr>
+            <a:spLocks noGrp="1"/>
+          </p:cNvSpPr>
+          <p:nvPr>
+            <p:ph idx="1"/>
           </p:nvPr>
         </p:nvSpPr>
         <p:spPr/>
@@ -10074,99 +8418,74 @@
           <a:bodyPr/>
           <a:lstStyle/>
           <a:p>
-            <a:r>
-              <a:rPr lang="de-AT" dirty="0" smtClean="0"/>
-              <a:t>Webservices</a:t>
-            </a:r>
-            <a:endParaRPr lang="de-AT" dirty="0"/>
-          </a:p>
-        </p:txBody>
-      </p:sp>
-      <p:sp>
-        <p:nvSpPr>
-          <p:cNvPr id="6" name="Content Placeholder 5"/>
-          <p:cNvSpPr>
-            <a:spLocks noGrp="1"/>
-          </p:cNvSpPr>
-          <p:nvPr>
-            <p:ph sz="quarter" idx="4"/>
-          </p:nvPr>
-        </p:nvSpPr>
-        <p:spPr/>
-        <p:txBody>
-          <a:bodyPr/>
-          <a:lstStyle/>
-          <a:p>
-            <a:pPr marL="0" indent="0">
-              <a:buNone/>
-            </a:pPr>
-            <a:r>
-              <a:rPr lang="de-AT" dirty="0" smtClean="0">
-                <a:solidFill>
-                  <a:srgbClr val="FF0000"/>
-                </a:solidFill>
-              </a:rPr>
-              <a:t>ServiceReference1.MatchSvcClient </a:t>
-            </a:r>
-            <a:r>
-              <a:rPr lang="de-AT" dirty="0" err="1" smtClean="0">
-                <a:solidFill>
-                  <a:srgbClr val="FF0000"/>
-                </a:solidFill>
-              </a:rPr>
-              <a:t>client</a:t>
-            </a:r>
-            <a:r>
-              <a:rPr lang="de-AT" dirty="0" smtClean="0">
-                <a:solidFill>
-                  <a:srgbClr val="FF0000"/>
-                </a:solidFill>
-              </a:rPr>
-              <a:t> </a:t>
-            </a:r>
-            <a:r>
-              <a:rPr lang="de-AT" dirty="0" smtClean="0"/>
-              <a:t>= </a:t>
-            </a:r>
-            <a:r>
-              <a:rPr lang="de-AT" dirty="0" err="1" smtClean="0"/>
-              <a:t>new</a:t>
-            </a:r>
-            <a:r>
-              <a:rPr lang="de-AT" dirty="0" smtClean="0"/>
-              <a:t> ServiceReference1.MatchSvcClient();</a:t>
-            </a:r>
-            <a:endParaRPr lang="de-AT" dirty="0"/>
-          </a:p>
-        </p:txBody>
-      </p:sp>
-      <p:sp>
-        <p:nvSpPr>
-          <p:cNvPr id="2" name="Title 1"/>
-          <p:cNvSpPr>
-            <a:spLocks noGrp="1"/>
-          </p:cNvSpPr>
-          <p:nvPr>
-            <p:ph type="title"/>
-          </p:nvPr>
-        </p:nvSpPr>
-        <p:spPr/>
-        <p:txBody>
-          <a:bodyPr/>
-          <a:lstStyle/>
-          <a:p>
-            <a:r>
-              <a:rPr lang="de-AT" dirty="0" smtClean="0"/>
-              <a:t>Client-Anbindung</a:t>
-            </a:r>
-            <a:endParaRPr lang="de-AT" dirty="0"/>
+            <a:pPr>
+              <a:buFont typeface="Arial" pitchFamily="34" charset="0"/>
+              <a:buChar char="•"/>
+            </a:pPr>
+            <a:r>
+              <a:rPr lang="de-DE" dirty="0"/>
+              <a:t>Mischung vieler Technologien</a:t>
+            </a:r>
+          </a:p>
+          <a:p>
+            <a:pPr>
+              <a:buFont typeface="Arial" pitchFamily="34" charset="0"/>
+              <a:buChar char="•"/>
+            </a:pPr>
+            <a:r>
+              <a:rPr lang="de-DE" dirty="0"/>
+              <a:t>Zusammengeführt zu einem Großen</a:t>
+            </a:r>
+          </a:p>
+          <a:p>
+            <a:pPr>
+              <a:buFont typeface="Arial" pitchFamily="34" charset="0"/>
+              <a:buChar char="•"/>
+            </a:pPr>
+            <a:r>
+              <a:rPr lang="de-DE" dirty="0"/>
+              <a:t>Vorhandene EJB Komponente verwendet</a:t>
+            </a:r>
+          </a:p>
+          <a:p>
+            <a:pPr>
+              <a:buFont typeface="Arial" pitchFamily="34" charset="0"/>
+              <a:buChar char="•"/>
+            </a:pPr>
+            <a:r>
+              <a:rPr lang="de-DE" dirty="0"/>
+              <a:t>JSP hinzugefügt</a:t>
+            </a:r>
+          </a:p>
+          <a:p>
+            <a:pPr>
+              <a:buFont typeface="Arial" pitchFamily="34" charset="0"/>
+              <a:buChar char="•"/>
+            </a:pPr>
+            <a:r>
+              <a:rPr lang="de-DE" dirty="0"/>
+              <a:t>HTML hinzugefügt</a:t>
+            </a:r>
+          </a:p>
+          <a:p>
+            <a:pPr>
+              <a:buFont typeface="Arial" pitchFamily="34" charset="0"/>
+              <a:buChar char="•"/>
+            </a:pPr>
+            <a:r>
+              <a:rPr lang="de-DE" dirty="0"/>
+              <a:t>Keine Änderung am bestehenden Code</a:t>
+            </a:r>
+          </a:p>
+          <a:p>
+            <a:endParaRPr lang="de-DE" dirty="0"/>
           </a:p>
         </p:txBody>
       </p:sp>
     </p:spTree>
     <p:extLst>
       <p:ext uri="{BB962C8B-B14F-4D97-AF65-F5344CB8AC3E}">
-        <p14:creationId xmlns:p14="http://schemas.microsoft.com/office/powerpoint/2010/main" val="4196813996"/>
+        <p14:creationId xmlns:p14="http://schemas.microsoft.com/office/powerpoint/2010/main" val="2209947020"/>
       </p:ext>
     </p:extLst>
   </p:cSld>
@@ -10195,12 +8514,12 @@
       </p:grpSpPr>
       <p:sp>
         <p:nvSpPr>
-          <p:cNvPr id="3" name="Text Placeholder 2"/>
-          <p:cNvSpPr>
-            <a:spLocks noGrp="1"/>
-          </p:cNvSpPr>
-          <p:nvPr>
-            <p:ph type="body" idx="1"/>
+          <p:cNvPr id="2" name="Title 1"/>
+          <p:cNvSpPr>
+            <a:spLocks noGrp="1"/>
+          </p:cNvSpPr>
+          <p:nvPr>
+            <p:ph type="title"/>
           </p:nvPr>
         </p:nvSpPr>
         <p:spPr/>
@@ -10212,18 +8531,22 @@
               <a:rPr lang="de-AT" dirty="0" err="1" smtClean="0"/>
               <a:t>Corba</a:t>
             </a:r>
+            <a:r>
+              <a:rPr lang="de-AT" dirty="0" smtClean="0"/>
+              <a:t> vs. Webservice</a:t>
+            </a:r>
             <a:endParaRPr lang="de-AT" dirty="0"/>
           </a:p>
         </p:txBody>
       </p:sp>
       <p:sp>
         <p:nvSpPr>
-          <p:cNvPr id="4" name="Content Placeholder 3"/>
-          <p:cNvSpPr>
-            <a:spLocks noGrp="1"/>
-          </p:cNvSpPr>
-          <p:nvPr>
-            <p:ph sz="half" idx="2"/>
+          <p:cNvPr id="3" name="Content Placeholder 2"/>
+          <p:cNvSpPr>
+            <a:spLocks noGrp="1"/>
+          </p:cNvSpPr>
+          <p:nvPr>
+            <p:ph type="body" idx="1"/>
           </p:nvPr>
         </p:nvSpPr>
         <p:spPr/>
@@ -10231,190 +8554,21 @@
           <a:bodyPr/>
           <a:lstStyle/>
           <a:p>
+            <a:r>
+              <a:rPr lang="de-AT" dirty="0" smtClean="0"/>
+              <a:t>Beide Technologien bearbeiten das selbe Feld</a:t>
+            </a:r>
+          </a:p>
+          <a:p>
+            <a:r>
+              <a:rPr lang="de-AT" dirty="0" smtClean="0"/>
+              <a:t>Was ist besser?</a:t>
+            </a:r>
+          </a:p>
+          <a:p>
             <a:pPr marL="0" indent="0">
               <a:buNone/>
             </a:pPr>
-            <a:r>
-              <a:rPr lang="de-AT" dirty="0" smtClean="0"/>
-              <a:t>+ Plattformunabhängig</a:t>
-            </a:r>
-          </a:p>
-          <a:p>
-            <a:pPr>
-              <a:buFontTx/>
-              <a:buChar char="-"/>
-            </a:pPr>
-            <a:r>
-              <a:rPr lang="de-AT" dirty="0" err="1" smtClean="0"/>
-              <a:t>Commandozeile</a:t>
-            </a:r>
-            <a:endParaRPr lang="de-AT" dirty="0" smtClean="0"/>
-          </a:p>
-          <a:p>
-            <a:pPr>
-              <a:buFontTx/>
-              <a:buChar char="-"/>
-            </a:pPr>
-            <a:r>
-              <a:rPr lang="de-AT" dirty="0" smtClean="0"/>
-              <a:t>IDL File und Syntax</a:t>
-            </a:r>
-            <a:endParaRPr lang="de-AT" dirty="0"/>
-          </a:p>
-        </p:txBody>
-      </p:sp>
-      <p:sp>
-        <p:nvSpPr>
-          <p:cNvPr id="5" name="Text Placeholder 4"/>
-          <p:cNvSpPr>
-            <a:spLocks noGrp="1"/>
-          </p:cNvSpPr>
-          <p:nvPr>
-            <p:ph type="body" sz="quarter" idx="3"/>
-          </p:nvPr>
-        </p:nvSpPr>
-        <p:spPr/>
-        <p:txBody>
-          <a:bodyPr/>
-          <a:lstStyle/>
-          <a:p>
-            <a:r>
-              <a:rPr lang="de-AT" dirty="0" smtClean="0"/>
-              <a:t>Webservices</a:t>
-            </a:r>
-            <a:endParaRPr lang="de-AT" dirty="0"/>
-          </a:p>
-        </p:txBody>
-      </p:sp>
-      <p:sp>
-        <p:nvSpPr>
-          <p:cNvPr id="6" name="Content Placeholder 5"/>
-          <p:cNvSpPr>
-            <a:spLocks noGrp="1"/>
-          </p:cNvSpPr>
-          <p:nvPr>
-            <p:ph sz="quarter" idx="4"/>
-          </p:nvPr>
-        </p:nvSpPr>
-        <p:spPr/>
-        <p:txBody>
-          <a:bodyPr>
-            <a:normAutofit lnSpcReduction="10000"/>
-          </a:bodyPr>
-          <a:lstStyle/>
-          <a:p>
-            <a:pPr marL="0" indent="0">
-              <a:buNone/>
-            </a:pPr>
-            <a:r>
-              <a:rPr lang="de-AT" dirty="0" smtClean="0"/>
-              <a:t>+ Kann alles was auch </a:t>
-            </a:r>
-            <a:r>
-              <a:rPr lang="de-AT" dirty="0" err="1" smtClean="0"/>
-              <a:t>Corba</a:t>
-            </a:r>
-            <a:r>
-              <a:rPr lang="de-AT" dirty="0" smtClean="0"/>
-              <a:t> kann</a:t>
-            </a:r>
-          </a:p>
-          <a:p>
-            <a:pPr marL="0" indent="0">
-              <a:buNone/>
-            </a:pPr>
-            <a:r>
-              <a:rPr lang="de-AT" dirty="0" smtClean="0"/>
-              <a:t>+ aktueller</a:t>
-            </a:r>
-          </a:p>
-          <a:p>
-            <a:pPr marL="0" indent="0">
-              <a:buNone/>
-            </a:pPr>
-            <a:r>
-              <a:rPr lang="de-AT" dirty="0" smtClean="0"/>
-              <a:t>+ Besseres </a:t>
-            </a:r>
-            <a:r>
-              <a:rPr lang="de-AT" dirty="0" err="1" smtClean="0"/>
-              <a:t>Tooling</a:t>
-            </a:r>
-            <a:r>
-              <a:rPr lang="de-AT" dirty="0" smtClean="0"/>
-              <a:t>, da kein IDL</a:t>
-            </a:r>
-          </a:p>
-          <a:p>
-            <a:pPr marL="0" indent="0">
-              <a:buNone/>
-            </a:pPr>
-            <a:r>
-              <a:rPr lang="de-AT" dirty="0" smtClean="0"/>
-              <a:t>+ Einfache Portierung von </a:t>
-            </a:r>
-            <a:r>
-              <a:rPr lang="de-AT" dirty="0" err="1" smtClean="0"/>
-              <a:t>Corba</a:t>
-            </a:r>
-            <a:endParaRPr lang="de-AT" dirty="0" smtClean="0"/>
-          </a:p>
-          <a:p>
-            <a:pPr>
-              <a:buFontTx/>
-              <a:buChar char="-"/>
-            </a:pPr>
-            <a:r>
-              <a:rPr lang="de-AT" dirty="0" smtClean="0"/>
-              <a:t>Braucht einen Webserver (</a:t>
-            </a:r>
-            <a:r>
-              <a:rPr lang="de-AT" dirty="0" err="1" smtClean="0"/>
-              <a:t>Glassfish</a:t>
-            </a:r>
-            <a:r>
-              <a:rPr lang="de-AT" dirty="0" smtClean="0"/>
-              <a:t>, IIS, usw.)</a:t>
-            </a:r>
-          </a:p>
-          <a:p>
-            <a:pPr>
-              <a:buFontTx/>
-              <a:buChar char="-"/>
-            </a:pPr>
-            <a:r>
-              <a:rPr lang="de-AT" dirty="0" smtClean="0"/>
-              <a:t>Für die Anbindung muss der Service aktiv sein</a:t>
-            </a:r>
-          </a:p>
-          <a:p>
-            <a:pPr>
-              <a:buFontTx/>
-              <a:buChar char="-"/>
-            </a:pPr>
-            <a:endParaRPr lang="de-AT" dirty="0"/>
-          </a:p>
-        </p:txBody>
-      </p:sp>
-      <p:sp>
-        <p:nvSpPr>
-          <p:cNvPr id="2" name="Title 1"/>
-          <p:cNvSpPr>
-            <a:spLocks noGrp="1"/>
-          </p:cNvSpPr>
-          <p:nvPr>
-            <p:ph type="title"/>
-          </p:nvPr>
-        </p:nvSpPr>
-        <p:spPr/>
-        <p:txBody>
-          <a:bodyPr/>
-          <a:lstStyle/>
-          <a:p>
-            <a:r>
-              <a:rPr lang="de-AT" dirty="0" smtClean="0"/>
-              <a:t>Fazit</a:t>
-            </a:r>
             <a:endParaRPr lang="de-AT" dirty="0"/>
           </a:p>
         </p:txBody>
@@ -10422,7 +8576,7 @@
     </p:spTree>
     <p:extLst>
       <p:ext uri="{BB962C8B-B14F-4D97-AF65-F5344CB8AC3E}">
-        <p14:creationId xmlns:p14="http://schemas.microsoft.com/office/powerpoint/2010/main" val="2744333271"/>
+        <p14:creationId xmlns:p14="http://schemas.microsoft.com/office/powerpoint/2010/main" val="3473902407"/>
       </p:ext>
     </p:extLst>
   </p:cSld>
@@ -10451,7 +8605,555 @@
       </p:grpSpPr>
       <p:sp>
         <p:nvSpPr>
-          <p:cNvPr id="2" name="Titel 1"/>
+          <p:cNvPr id="5" name="Text Placeholder 4"/>
+          <p:cNvSpPr>
+            <a:spLocks noGrp="1"/>
+          </p:cNvSpPr>
+          <p:nvPr>
+            <p:ph type="body" idx="1"/>
+          </p:nvPr>
+        </p:nvSpPr>
+        <p:spPr/>
+        <p:txBody>
+          <a:bodyPr/>
+          <a:lstStyle/>
+          <a:p>
+            <a:r>
+              <a:rPr lang="de-AT" dirty="0" err="1" smtClean="0"/>
+              <a:t>Corba</a:t>
+            </a:r>
+            <a:r>
+              <a:rPr lang="de-AT" dirty="0" smtClean="0"/>
+              <a:t> </a:t>
+            </a:r>
+            <a:r>
+              <a:rPr lang="de-AT" dirty="0" smtClean="0">
+                <a:solidFill>
+                  <a:srgbClr val="FF0000"/>
+                </a:solidFill>
+              </a:rPr>
+              <a:t>IDL</a:t>
+            </a:r>
+            <a:endParaRPr lang="de-AT" dirty="0">
+              <a:solidFill>
+                <a:srgbClr val="FF0000"/>
+              </a:solidFill>
+            </a:endParaRPr>
+          </a:p>
+        </p:txBody>
+      </p:sp>
+      <p:sp>
+        <p:nvSpPr>
+          <p:cNvPr id="3" name="Content Placeholder 2"/>
+          <p:cNvSpPr>
+            <a:spLocks noGrp="1"/>
+          </p:cNvSpPr>
+          <p:nvPr>
+            <p:ph sz="half" idx="2"/>
+          </p:nvPr>
+        </p:nvSpPr>
+        <p:spPr/>
+        <p:txBody>
+          <a:bodyPr>
+            <a:normAutofit fontScale="70000" lnSpcReduction="20000"/>
+          </a:bodyPr>
+          <a:lstStyle/>
+          <a:p>
+            <a:pPr marL="0" indent="0">
+              <a:buNone/>
+            </a:pPr>
+            <a:r>
+              <a:rPr lang="de-AT" sz="2000" dirty="0" err="1" smtClean="0">
+                <a:solidFill>
+                  <a:srgbClr val="FF0000"/>
+                </a:solidFill>
+              </a:rPr>
+              <a:t>interface</a:t>
+            </a:r>
+            <a:r>
+              <a:rPr lang="de-AT" sz="2000" dirty="0" smtClean="0">
+                <a:solidFill>
+                  <a:srgbClr val="FF0000"/>
+                </a:solidFill>
+              </a:rPr>
+              <a:t> </a:t>
+            </a:r>
+            <a:r>
+              <a:rPr lang="de-AT" sz="2000" dirty="0" err="1" smtClean="0"/>
+              <a:t>MatchresultDataprovider</a:t>
+            </a:r>
+            <a:endParaRPr lang="de-AT" sz="2000" dirty="0" smtClean="0"/>
+          </a:p>
+          <a:p>
+            <a:pPr marL="0" indent="0">
+              <a:buNone/>
+            </a:pPr>
+            <a:r>
+              <a:rPr lang="de-AT" sz="2000" dirty="0" smtClean="0"/>
+              <a:t>       {</a:t>
+            </a:r>
+          </a:p>
+          <a:p>
+            <a:pPr marL="0" indent="0">
+              <a:buNone/>
+            </a:pPr>
+            <a:r>
+              <a:rPr lang="de-AT" sz="2000" dirty="0" smtClean="0"/>
+              <a:t>            </a:t>
+            </a:r>
+            <a:r>
+              <a:rPr lang="de-AT" sz="2000" dirty="0" err="1" smtClean="0"/>
+              <a:t>MatchresultListCorba</a:t>
+            </a:r>
+            <a:r>
+              <a:rPr lang="de-AT" sz="2000" dirty="0" smtClean="0"/>
+              <a:t> </a:t>
+            </a:r>
+            <a:r>
+              <a:rPr lang="de-AT" sz="2000" dirty="0" err="1" smtClean="0"/>
+              <a:t>getMatchresults</a:t>
+            </a:r>
+            <a:r>
+              <a:rPr lang="de-AT" sz="2000" dirty="0" smtClean="0"/>
+              <a:t>(</a:t>
+            </a:r>
+          </a:p>
+          <a:p>
+            <a:pPr marL="0" indent="0">
+              <a:buNone/>
+            </a:pPr>
+            <a:r>
+              <a:rPr lang="de-AT" sz="2000" dirty="0" smtClean="0"/>
+              <a:t>		</a:t>
+            </a:r>
+            <a:r>
+              <a:rPr lang="de-AT" sz="2000" dirty="0" smtClean="0">
+                <a:solidFill>
+                  <a:srgbClr val="FF0000"/>
+                </a:solidFill>
+              </a:rPr>
+              <a:t>in</a:t>
+            </a:r>
+            <a:r>
+              <a:rPr lang="de-AT" sz="2000" dirty="0" smtClean="0"/>
+              <a:t> </a:t>
+            </a:r>
+            <a:r>
+              <a:rPr lang="de-AT" sz="2000" dirty="0" err="1" smtClean="0"/>
+              <a:t>string</a:t>
+            </a:r>
+            <a:r>
+              <a:rPr lang="de-AT" sz="2000" dirty="0" smtClean="0"/>
+              <a:t> </a:t>
+            </a:r>
+            <a:r>
+              <a:rPr lang="de-AT" sz="2000" dirty="0" err="1" smtClean="0"/>
+              <a:t>typeOfSport</a:t>
+            </a:r>
+            <a:r>
+              <a:rPr lang="de-AT" sz="2000" dirty="0" smtClean="0"/>
+              <a:t>,</a:t>
+            </a:r>
+          </a:p>
+          <a:p>
+            <a:pPr marL="0" indent="0">
+              <a:buNone/>
+            </a:pPr>
+            <a:r>
+              <a:rPr lang="de-AT" sz="2000" dirty="0" smtClean="0"/>
+              <a:t>		</a:t>
+            </a:r>
+            <a:r>
+              <a:rPr lang="de-AT" sz="2000" dirty="0" smtClean="0">
+                <a:solidFill>
+                  <a:srgbClr val="FF0000"/>
+                </a:solidFill>
+              </a:rPr>
+              <a:t>in</a:t>
+            </a:r>
+            <a:r>
+              <a:rPr lang="de-AT" sz="2000" dirty="0" smtClean="0"/>
+              <a:t> </a:t>
+            </a:r>
+            <a:r>
+              <a:rPr lang="de-AT" sz="2000" dirty="0" err="1" smtClean="0"/>
+              <a:t>string</a:t>
+            </a:r>
+            <a:r>
+              <a:rPr lang="de-AT" sz="2000" dirty="0" smtClean="0"/>
+              <a:t> </a:t>
+            </a:r>
+            <a:r>
+              <a:rPr lang="de-AT" sz="2000" dirty="0" err="1" smtClean="0"/>
+              <a:t>league</a:t>
+            </a:r>
+            <a:r>
+              <a:rPr lang="de-AT" sz="2000" dirty="0" smtClean="0"/>
+              <a:t>,</a:t>
+            </a:r>
+          </a:p>
+          <a:p>
+            <a:pPr marL="0" indent="0">
+              <a:buNone/>
+            </a:pPr>
+            <a:r>
+              <a:rPr lang="de-AT" sz="2000" dirty="0" smtClean="0"/>
+              <a:t>		</a:t>
+            </a:r>
+            <a:r>
+              <a:rPr lang="de-AT" sz="2000" dirty="0" smtClean="0">
+                <a:solidFill>
+                  <a:srgbClr val="FF0000"/>
+                </a:solidFill>
+              </a:rPr>
+              <a:t>in</a:t>
+            </a:r>
+            <a:r>
+              <a:rPr lang="de-AT" sz="2000" dirty="0" smtClean="0"/>
+              <a:t> </a:t>
+            </a:r>
+            <a:r>
+              <a:rPr lang="de-AT" sz="2000" dirty="0" err="1" smtClean="0"/>
+              <a:t>string</a:t>
+            </a:r>
+            <a:r>
+              <a:rPr lang="de-AT" sz="2000" dirty="0" smtClean="0"/>
+              <a:t> </a:t>
+            </a:r>
+            <a:r>
+              <a:rPr lang="de-AT" sz="2000" dirty="0" err="1" smtClean="0"/>
+              <a:t>compdate</a:t>
+            </a:r>
+            <a:r>
+              <a:rPr lang="de-AT" sz="2000" dirty="0" smtClean="0"/>
+              <a:t>);</a:t>
+            </a:r>
+          </a:p>
+          <a:p>
+            <a:pPr marL="0" indent="0">
+              <a:buNone/>
+            </a:pPr>
+            <a:endParaRPr lang="de-AT" sz="2000" dirty="0" smtClean="0"/>
+          </a:p>
+          <a:p>
+            <a:pPr marL="0" indent="0">
+              <a:buNone/>
+            </a:pPr>
+            <a:r>
+              <a:rPr lang="de-AT" sz="2000" dirty="0" smtClean="0"/>
+              <a:t>         </a:t>
+            </a:r>
+            <a:r>
+              <a:rPr lang="de-AT" sz="2000" dirty="0" err="1" smtClean="0"/>
+              <a:t>boolean</a:t>
+            </a:r>
+            <a:r>
+              <a:rPr lang="de-AT" sz="2000" dirty="0" smtClean="0"/>
+              <a:t> </a:t>
+            </a:r>
+            <a:r>
+              <a:rPr lang="de-AT" sz="2000" dirty="0" err="1" smtClean="0"/>
+              <a:t>isMatchresultFinal</a:t>
+            </a:r>
+            <a:r>
+              <a:rPr lang="de-AT" sz="2000" dirty="0" smtClean="0"/>
+              <a:t>(</a:t>
+            </a:r>
+          </a:p>
+          <a:p>
+            <a:pPr marL="0" indent="0">
+              <a:buNone/>
+            </a:pPr>
+            <a:r>
+              <a:rPr lang="de-AT" sz="2000" dirty="0" smtClean="0"/>
+              <a:t>		</a:t>
+            </a:r>
+            <a:r>
+              <a:rPr lang="de-AT" sz="2000" dirty="0" smtClean="0">
+                <a:solidFill>
+                  <a:srgbClr val="FF0000"/>
+                </a:solidFill>
+              </a:rPr>
+              <a:t>in</a:t>
+            </a:r>
+            <a:r>
+              <a:rPr lang="de-AT" sz="2000" dirty="0" smtClean="0"/>
+              <a:t> </a:t>
+            </a:r>
+            <a:r>
+              <a:rPr lang="de-AT" sz="2000" dirty="0" err="1" smtClean="0"/>
+              <a:t>MatchresultCorba</a:t>
+            </a:r>
+            <a:r>
+              <a:rPr lang="de-AT" sz="2000" dirty="0" smtClean="0"/>
+              <a:t> </a:t>
+            </a:r>
+            <a:r>
+              <a:rPr lang="de-AT" sz="2000" dirty="0" err="1" smtClean="0"/>
+              <a:t>result</a:t>
+            </a:r>
+            <a:r>
+              <a:rPr lang="de-AT" sz="2000" dirty="0" smtClean="0"/>
+              <a:t>); </a:t>
+            </a:r>
+          </a:p>
+          <a:p>
+            <a:pPr marL="0" indent="0">
+              <a:buNone/>
+            </a:pPr>
+            <a:r>
+              <a:rPr lang="de-AT" sz="2000" dirty="0" smtClean="0"/>
+              <a:t>        };</a:t>
+            </a:r>
+          </a:p>
+        </p:txBody>
+      </p:sp>
+      <p:sp>
+        <p:nvSpPr>
+          <p:cNvPr id="6" name="Text Placeholder 5"/>
+          <p:cNvSpPr>
+            <a:spLocks noGrp="1"/>
+          </p:cNvSpPr>
+          <p:nvPr>
+            <p:ph type="body" sz="quarter" idx="3"/>
+          </p:nvPr>
+        </p:nvSpPr>
+        <p:spPr/>
+        <p:txBody>
+          <a:bodyPr/>
+          <a:lstStyle/>
+          <a:p>
+            <a:r>
+              <a:rPr lang="de-AT" dirty="0" smtClean="0"/>
+              <a:t>Webservices</a:t>
+            </a:r>
+            <a:endParaRPr lang="de-AT" dirty="0"/>
+          </a:p>
+        </p:txBody>
+      </p:sp>
+      <p:sp>
+        <p:nvSpPr>
+          <p:cNvPr id="4" name="Content Placeholder 3"/>
+          <p:cNvSpPr>
+            <a:spLocks noGrp="1"/>
+          </p:cNvSpPr>
+          <p:nvPr>
+            <p:ph sz="quarter" idx="4"/>
+          </p:nvPr>
+        </p:nvSpPr>
+        <p:spPr/>
+        <p:txBody>
+          <a:bodyPr>
+            <a:normAutofit fontScale="85000" lnSpcReduction="10000"/>
+          </a:bodyPr>
+          <a:lstStyle/>
+          <a:p>
+            <a:pPr marL="0" indent="0">
+              <a:buNone/>
+            </a:pPr>
+            <a:r>
+              <a:rPr lang="en-US" sz="2000" dirty="0" smtClean="0">
+                <a:solidFill>
+                  <a:srgbClr val="FF0000"/>
+                </a:solidFill>
+              </a:rPr>
+              <a:t>@</a:t>
+            </a:r>
+            <a:r>
+              <a:rPr lang="en-US" sz="2000" dirty="0" err="1" smtClean="0">
+                <a:solidFill>
+                  <a:srgbClr val="FF0000"/>
+                </a:solidFill>
+              </a:rPr>
+              <a:t>WebService</a:t>
+            </a:r>
+            <a:r>
+              <a:rPr lang="en-US" sz="2000" dirty="0" smtClean="0">
+                <a:solidFill>
+                  <a:srgbClr val="FF0000"/>
+                </a:solidFill>
+              </a:rPr>
+              <a:t>(name = "</a:t>
+            </a:r>
+            <a:r>
+              <a:rPr lang="en-US" sz="2000" dirty="0" err="1" smtClean="0">
+                <a:solidFill>
+                  <a:srgbClr val="FF0000"/>
+                </a:solidFill>
+              </a:rPr>
+              <a:t>MatchSvc</a:t>
+            </a:r>
+            <a:r>
+              <a:rPr lang="en-US" sz="2000" dirty="0" smtClean="0">
+                <a:solidFill>
+                  <a:srgbClr val="FF0000"/>
+                </a:solidFill>
+              </a:rPr>
+              <a:t>")</a:t>
+            </a:r>
+          </a:p>
+          <a:p>
+            <a:pPr marL="0" indent="0">
+              <a:buNone/>
+            </a:pPr>
+            <a:r>
+              <a:rPr lang="en-US" sz="2000" dirty="0" smtClean="0"/>
+              <a:t>public class </a:t>
+            </a:r>
+            <a:r>
+              <a:rPr lang="en-US" sz="2000" dirty="0" err="1" smtClean="0"/>
+              <a:t>MatchService</a:t>
+            </a:r>
+            <a:endParaRPr lang="en-US" sz="2000" dirty="0" smtClean="0"/>
+          </a:p>
+          <a:p>
+            <a:pPr marL="0" indent="0">
+              <a:buNone/>
+            </a:pPr>
+            <a:r>
+              <a:rPr lang="en-US" sz="2000" dirty="0" smtClean="0"/>
+              <a:t>{</a:t>
+            </a:r>
+          </a:p>
+          <a:p>
+            <a:pPr marL="0" indent="0">
+              <a:buNone/>
+            </a:pPr>
+            <a:r>
+              <a:rPr lang="en-US" sz="2000" dirty="0" smtClean="0"/>
+              <a:t>    public </a:t>
+            </a:r>
+            <a:r>
+              <a:rPr lang="en-US" sz="2000" dirty="0" smtClean="0">
+                <a:solidFill>
+                  <a:srgbClr val="FF0000"/>
+                </a:solidFill>
+              </a:rPr>
+              <a:t>List&lt;</a:t>
+            </a:r>
+            <a:r>
+              <a:rPr lang="en-US" sz="2000" dirty="0" err="1" smtClean="0">
+                <a:solidFill>
+                  <a:srgbClr val="FF0000"/>
+                </a:solidFill>
+              </a:rPr>
+              <a:t>MatchresultWs</a:t>
+            </a:r>
+            <a:r>
+              <a:rPr lang="en-US" sz="2000" dirty="0" smtClean="0">
+                <a:solidFill>
+                  <a:srgbClr val="FF0000"/>
+                </a:solidFill>
+              </a:rPr>
+              <a:t>&gt; </a:t>
+            </a:r>
+            <a:r>
+              <a:rPr lang="en-US" sz="2000" dirty="0" err="1" smtClean="0"/>
+              <a:t>getMatches</a:t>
+            </a:r>
+            <a:r>
+              <a:rPr lang="en-US" sz="2000" dirty="0" smtClean="0"/>
+              <a:t>(</a:t>
+            </a:r>
+            <a:r>
+              <a:rPr lang="en-US" sz="2000" dirty="0" smtClean="0">
+                <a:solidFill>
+                  <a:srgbClr val="FF0000"/>
+                </a:solidFill>
+              </a:rPr>
+              <a:t>String</a:t>
+            </a:r>
+            <a:r>
+              <a:rPr lang="en-US" sz="2000" dirty="0" smtClean="0"/>
+              <a:t> </a:t>
+            </a:r>
+            <a:r>
+              <a:rPr lang="en-US" sz="2000" dirty="0" err="1" smtClean="0"/>
+              <a:t>competitiondate</a:t>
+            </a:r>
+            <a:r>
+              <a:rPr lang="en-US" sz="2000" dirty="0" smtClean="0"/>
+              <a:t>, </a:t>
+            </a:r>
+            <a:r>
+              <a:rPr lang="en-US" sz="2000" dirty="0" smtClean="0">
+                <a:solidFill>
+                  <a:srgbClr val="FF0000"/>
+                </a:solidFill>
+              </a:rPr>
+              <a:t>String</a:t>
+            </a:r>
+            <a:r>
+              <a:rPr lang="en-US" sz="2000" dirty="0" smtClean="0"/>
+              <a:t> league, </a:t>
+            </a:r>
+            <a:r>
+              <a:rPr lang="en-US" sz="2000" dirty="0" smtClean="0">
+                <a:solidFill>
+                  <a:srgbClr val="FF0000"/>
+                </a:solidFill>
+              </a:rPr>
+              <a:t>String</a:t>
+            </a:r>
+            <a:r>
+              <a:rPr lang="en-US" sz="2000" dirty="0" smtClean="0"/>
+              <a:t> </a:t>
+            </a:r>
+            <a:r>
+              <a:rPr lang="en-US" sz="2000" dirty="0" err="1" smtClean="0"/>
+              <a:t>typeOfSport</a:t>
+            </a:r>
+            <a:r>
+              <a:rPr lang="en-US" sz="2000" dirty="0" smtClean="0"/>
+              <a:t>)</a:t>
+            </a:r>
+          </a:p>
+          <a:p>
+            <a:pPr marL="0" indent="0">
+              <a:buNone/>
+            </a:pPr>
+            <a:r>
+              <a:rPr lang="en-US" sz="2000" dirty="0" smtClean="0"/>
+              <a:t>    {</a:t>
+            </a:r>
+          </a:p>
+          <a:p>
+            <a:pPr marL="0" indent="0">
+              <a:buNone/>
+            </a:pPr>
+            <a:r>
+              <a:rPr lang="en-US" sz="2000" dirty="0" smtClean="0"/>
+              <a:t>…</a:t>
+            </a:r>
+          </a:p>
+          <a:p>
+            <a:pPr marL="0" indent="0">
+              <a:buNone/>
+            </a:pPr>
+            <a:r>
+              <a:rPr lang="en-US" sz="2000" dirty="0"/>
+              <a:t> </a:t>
+            </a:r>
+            <a:r>
+              <a:rPr lang="en-US" sz="2000" dirty="0" smtClean="0"/>
+              <a:t>    }</a:t>
+            </a:r>
+          </a:p>
+          <a:p>
+            <a:pPr marL="0" indent="0">
+              <a:buNone/>
+            </a:pPr>
+            <a:r>
+              <a:rPr lang="en-US" sz="2000" dirty="0"/>
+              <a:t>}</a:t>
+            </a:r>
+            <a:endParaRPr lang="de-AT" sz="2000" dirty="0"/>
+          </a:p>
+        </p:txBody>
+      </p:sp>
+      <p:sp>
+        <p:nvSpPr>
+          <p:cNvPr id="2" name="Title 1"/>
           <p:cNvSpPr>
             <a:spLocks noGrp="1"/>
           </p:cNvSpPr>
@@ -10466,35 +9168,16 @@
           <a:p>
             <a:r>
               <a:rPr lang="de-AT" dirty="0" smtClean="0"/>
-              <a:t>GUI und Tests</a:t>
+              <a:t>Interfacedefinition</a:t>
             </a:r>
             <a:endParaRPr lang="de-AT" dirty="0"/>
-          </a:p>
-        </p:txBody>
-      </p:sp>
-      <p:sp>
-        <p:nvSpPr>
-          <p:cNvPr id="3" name="Textplatzhalter 2"/>
-          <p:cNvSpPr>
-            <a:spLocks noGrp="1"/>
-          </p:cNvSpPr>
-          <p:nvPr>
-            <p:ph type="body" idx="1"/>
-          </p:nvPr>
-        </p:nvSpPr>
-        <p:spPr/>
-        <p:txBody>
-          <a:bodyPr/>
-          <a:lstStyle/>
-          <a:p>
-            <a:endParaRPr lang="de-AT"/>
           </a:p>
         </p:txBody>
       </p:sp>
     </p:spTree>
     <p:extLst>
       <p:ext uri="{BB962C8B-B14F-4D97-AF65-F5344CB8AC3E}">
-        <p14:creationId xmlns:p14="http://schemas.microsoft.com/office/powerpoint/2010/main" val="791360354"/>
+        <p14:creationId xmlns:p14="http://schemas.microsoft.com/office/powerpoint/2010/main" val="534916974"/>
       </p:ext>
     </p:extLst>
   </p:cSld>
@@ -10523,7 +9206,584 @@
       </p:grpSpPr>
       <p:sp>
         <p:nvSpPr>
-          <p:cNvPr id="2" name="Titel 1"/>
+          <p:cNvPr id="5" name="Text Placeholder 4"/>
+          <p:cNvSpPr>
+            <a:spLocks noGrp="1"/>
+          </p:cNvSpPr>
+          <p:nvPr>
+            <p:ph type="body" idx="1"/>
+          </p:nvPr>
+        </p:nvSpPr>
+        <p:spPr/>
+        <p:txBody>
+          <a:bodyPr/>
+          <a:lstStyle/>
+          <a:p>
+            <a:r>
+              <a:rPr lang="de-AT" dirty="0" err="1" smtClean="0"/>
+              <a:t>Corba</a:t>
+            </a:r>
+            <a:r>
+              <a:rPr lang="de-AT" dirty="0" smtClean="0"/>
+              <a:t> </a:t>
+            </a:r>
+            <a:r>
+              <a:rPr lang="de-AT" dirty="0" smtClean="0">
+                <a:solidFill>
+                  <a:srgbClr val="FF0000"/>
+                </a:solidFill>
+              </a:rPr>
+              <a:t>IDL</a:t>
+            </a:r>
+            <a:endParaRPr lang="de-AT" dirty="0">
+              <a:solidFill>
+                <a:srgbClr val="FF0000"/>
+              </a:solidFill>
+            </a:endParaRPr>
+          </a:p>
+        </p:txBody>
+      </p:sp>
+      <p:sp>
+        <p:nvSpPr>
+          <p:cNvPr id="3" name="Content Placeholder 2"/>
+          <p:cNvSpPr>
+            <a:spLocks noGrp="1"/>
+          </p:cNvSpPr>
+          <p:nvPr>
+            <p:ph sz="half" idx="2"/>
+          </p:nvPr>
+        </p:nvSpPr>
+        <p:spPr/>
+        <p:txBody>
+          <a:bodyPr>
+            <a:normAutofit fontScale="85000" lnSpcReduction="20000"/>
+          </a:bodyPr>
+          <a:lstStyle/>
+          <a:p>
+            <a:pPr marL="0" indent="0">
+              <a:buNone/>
+            </a:pPr>
+            <a:r>
+              <a:rPr lang="de-AT" sz="2000" dirty="0" smtClean="0"/>
+              <a:t> </a:t>
+            </a:r>
+            <a:r>
+              <a:rPr lang="de-AT" sz="2000" dirty="0" err="1" smtClean="0">
+                <a:solidFill>
+                  <a:srgbClr val="FF0000"/>
+                </a:solidFill>
+              </a:rPr>
+              <a:t>struct</a:t>
+            </a:r>
+            <a:r>
+              <a:rPr lang="de-AT" sz="2000" dirty="0" smtClean="0">
+                <a:solidFill>
+                  <a:srgbClr val="FF0000"/>
+                </a:solidFill>
+              </a:rPr>
+              <a:t> </a:t>
+            </a:r>
+            <a:r>
+              <a:rPr lang="de-AT" sz="2000" dirty="0" err="1" smtClean="0"/>
+              <a:t>MatchresultCorba</a:t>
+            </a:r>
+            <a:endParaRPr lang="de-AT" sz="2000" dirty="0" smtClean="0"/>
+          </a:p>
+          <a:p>
+            <a:pPr marL="0" indent="0">
+              <a:buNone/>
+            </a:pPr>
+            <a:r>
+              <a:rPr lang="de-AT" sz="2000" dirty="0" smtClean="0"/>
+              <a:t>        {</a:t>
+            </a:r>
+          </a:p>
+          <a:p>
+            <a:pPr marL="0" indent="0">
+              <a:buNone/>
+            </a:pPr>
+            <a:r>
+              <a:rPr lang="de-AT" sz="2000" dirty="0" smtClean="0"/>
+              <a:t>            </a:t>
+            </a:r>
+            <a:r>
+              <a:rPr lang="de-AT" sz="2000" dirty="0" err="1" smtClean="0"/>
+              <a:t>long</a:t>
+            </a:r>
+            <a:r>
+              <a:rPr lang="de-AT" sz="2000" dirty="0" smtClean="0"/>
+              <a:t> </a:t>
+            </a:r>
+            <a:r>
+              <a:rPr lang="de-AT" sz="2000" dirty="0" err="1" smtClean="0"/>
+              <a:t>Id</a:t>
+            </a:r>
+            <a:r>
+              <a:rPr lang="de-AT" sz="2000" dirty="0" smtClean="0"/>
+              <a:t>;</a:t>
+            </a:r>
+          </a:p>
+          <a:p>
+            <a:pPr marL="0" indent="0">
+              <a:buNone/>
+            </a:pPr>
+            <a:r>
+              <a:rPr lang="de-AT" sz="2000" dirty="0" smtClean="0"/>
+              <a:t>            </a:t>
+            </a:r>
+            <a:r>
+              <a:rPr lang="de-AT" sz="2000" dirty="0" err="1" smtClean="0"/>
+              <a:t>string</a:t>
+            </a:r>
+            <a:r>
+              <a:rPr lang="de-AT" sz="2000" dirty="0" smtClean="0"/>
+              <a:t> Date;</a:t>
+            </a:r>
+          </a:p>
+          <a:p>
+            <a:pPr marL="0" indent="0">
+              <a:buNone/>
+            </a:pPr>
+            <a:r>
+              <a:rPr lang="de-AT" sz="2000" dirty="0" smtClean="0"/>
+              <a:t>            </a:t>
+            </a:r>
+            <a:r>
+              <a:rPr lang="de-AT" sz="2000" dirty="0" err="1" smtClean="0"/>
+              <a:t>string</a:t>
+            </a:r>
+            <a:r>
+              <a:rPr lang="de-AT" sz="2000" dirty="0" smtClean="0"/>
+              <a:t> </a:t>
+            </a:r>
+            <a:r>
+              <a:rPr lang="de-AT" sz="2000" dirty="0" err="1" smtClean="0"/>
+              <a:t>hometeam</a:t>
+            </a:r>
+            <a:r>
+              <a:rPr lang="de-AT" sz="2000" dirty="0" smtClean="0"/>
+              <a:t>;</a:t>
+            </a:r>
+          </a:p>
+          <a:p>
+            <a:pPr marL="0" indent="0">
+              <a:buNone/>
+            </a:pPr>
+            <a:r>
+              <a:rPr lang="de-AT" sz="2000" dirty="0" smtClean="0"/>
+              <a:t>            </a:t>
+            </a:r>
+            <a:r>
+              <a:rPr lang="de-AT" sz="2000" dirty="0" err="1" smtClean="0"/>
+              <a:t>string</a:t>
+            </a:r>
+            <a:r>
+              <a:rPr lang="de-AT" sz="2000" dirty="0" smtClean="0"/>
+              <a:t> </a:t>
+            </a:r>
+            <a:r>
+              <a:rPr lang="de-AT" sz="2000" dirty="0" err="1" smtClean="0"/>
+              <a:t>foreignteam</a:t>
+            </a:r>
+            <a:r>
+              <a:rPr lang="de-AT" sz="2000" dirty="0" smtClean="0"/>
+              <a:t>;</a:t>
+            </a:r>
+          </a:p>
+          <a:p>
+            <a:pPr marL="0" indent="0">
+              <a:buNone/>
+            </a:pPr>
+            <a:r>
+              <a:rPr lang="de-AT" sz="2000" dirty="0" smtClean="0"/>
+              <a:t>            double </a:t>
+            </a:r>
+            <a:r>
+              <a:rPr lang="de-AT" sz="2000" dirty="0" err="1" smtClean="0"/>
+              <a:t>pointsHometeam</a:t>
+            </a:r>
+            <a:r>
+              <a:rPr lang="de-AT" sz="2000" dirty="0" smtClean="0"/>
+              <a:t>;</a:t>
+            </a:r>
+          </a:p>
+          <a:p>
+            <a:pPr marL="0" indent="0">
+              <a:buNone/>
+            </a:pPr>
+            <a:r>
+              <a:rPr lang="de-AT" sz="2000" dirty="0" smtClean="0"/>
+              <a:t>            double </a:t>
+            </a:r>
+            <a:r>
+              <a:rPr lang="de-AT" sz="2000" dirty="0" err="1" smtClean="0"/>
+              <a:t>pointsForeignteam</a:t>
+            </a:r>
+            <a:r>
+              <a:rPr lang="de-AT" sz="2000" dirty="0" smtClean="0"/>
+              <a:t>;</a:t>
+            </a:r>
+          </a:p>
+          <a:p>
+            <a:pPr marL="0" indent="0">
+              <a:buNone/>
+            </a:pPr>
+            <a:r>
+              <a:rPr lang="de-AT" sz="2000" dirty="0" smtClean="0"/>
+              <a:t>        };</a:t>
+            </a:r>
+          </a:p>
+        </p:txBody>
+      </p:sp>
+      <p:sp>
+        <p:nvSpPr>
+          <p:cNvPr id="6" name="Text Placeholder 5"/>
+          <p:cNvSpPr>
+            <a:spLocks noGrp="1"/>
+          </p:cNvSpPr>
+          <p:nvPr>
+            <p:ph type="body" sz="quarter" idx="3"/>
+          </p:nvPr>
+        </p:nvSpPr>
+        <p:spPr/>
+        <p:txBody>
+          <a:bodyPr/>
+          <a:lstStyle/>
+          <a:p>
+            <a:r>
+              <a:rPr lang="de-AT" dirty="0" smtClean="0"/>
+              <a:t>Webservices</a:t>
+            </a:r>
+            <a:endParaRPr lang="de-AT" dirty="0"/>
+          </a:p>
+        </p:txBody>
+      </p:sp>
+      <p:sp>
+        <p:nvSpPr>
+          <p:cNvPr id="4" name="Content Placeholder 3"/>
+          <p:cNvSpPr>
+            <a:spLocks noGrp="1"/>
+          </p:cNvSpPr>
+          <p:nvPr>
+            <p:ph sz="quarter" idx="4"/>
+          </p:nvPr>
+        </p:nvSpPr>
+        <p:spPr/>
+        <p:txBody>
+          <a:bodyPr>
+            <a:noAutofit/>
+          </a:bodyPr>
+          <a:lstStyle/>
+          <a:p>
+            <a:pPr marL="0" indent="0">
+              <a:buNone/>
+            </a:pPr>
+            <a:r>
+              <a:rPr lang="de-AT" sz="2000" dirty="0" smtClean="0">
+                <a:solidFill>
+                  <a:srgbClr val="FF0000"/>
+                </a:solidFill>
+              </a:rPr>
+              <a:t>@</a:t>
+            </a:r>
+            <a:r>
+              <a:rPr lang="de-AT" sz="2000" dirty="0" err="1" smtClean="0">
+                <a:solidFill>
+                  <a:srgbClr val="FF0000"/>
+                </a:solidFill>
+              </a:rPr>
+              <a:t>XmlType</a:t>
+            </a:r>
+            <a:r>
+              <a:rPr lang="de-AT" sz="2000" dirty="0" smtClean="0">
+                <a:solidFill>
+                  <a:srgbClr val="FF0000"/>
+                </a:solidFill>
+              </a:rPr>
+              <a:t>(</a:t>
+            </a:r>
+            <a:r>
+              <a:rPr lang="de-AT" sz="2000" dirty="0" err="1" smtClean="0">
+                <a:solidFill>
+                  <a:srgbClr val="FF0000"/>
+                </a:solidFill>
+              </a:rPr>
+              <a:t>propOrder</a:t>
+            </a:r>
+            <a:r>
+              <a:rPr lang="de-AT" sz="2000" dirty="0" smtClean="0">
+                <a:solidFill>
+                  <a:srgbClr val="FF0000"/>
+                </a:solidFill>
+              </a:rPr>
+              <a:t> = { "</a:t>
+            </a:r>
+            <a:r>
+              <a:rPr lang="de-AT" sz="2000" dirty="0" err="1" smtClean="0">
+                <a:solidFill>
+                  <a:srgbClr val="FF0000"/>
+                </a:solidFill>
+              </a:rPr>
+              <a:t>id</a:t>
+            </a:r>
+            <a:r>
+              <a:rPr lang="de-AT" sz="2000" dirty="0" smtClean="0">
+                <a:solidFill>
+                  <a:srgbClr val="FF0000"/>
+                </a:solidFill>
+              </a:rPr>
+              <a:t>", "</a:t>
+            </a:r>
+            <a:r>
+              <a:rPr lang="de-AT" sz="2000" dirty="0" err="1" smtClean="0">
+                <a:solidFill>
+                  <a:srgbClr val="FF0000"/>
+                </a:solidFill>
+              </a:rPr>
+              <a:t>date</a:t>
+            </a:r>
+            <a:r>
+              <a:rPr lang="de-AT" sz="2000" dirty="0" smtClean="0">
+                <a:solidFill>
+                  <a:srgbClr val="FF0000"/>
+                </a:solidFill>
+              </a:rPr>
+              <a:t>", …})</a:t>
+            </a:r>
+          </a:p>
+          <a:p>
+            <a:pPr marL="0" indent="0">
+              <a:buNone/>
+            </a:pPr>
+            <a:r>
+              <a:rPr lang="de-AT" sz="2000" dirty="0" err="1" smtClean="0"/>
+              <a:t>public</a:t>
+            </a:r>
+            <a:r>
+              <a:rPr lang="de-AT" sz="2000" dirty="0" smtClean="0"/>
+              <a:t> </a:t>
+            </a:r>
+            <a:r>
+              <a:rPr lang="de-AT" sz="2000" dirty="0" err="1" smtClean="0"/>
+              <a:t>class</a:t>
+            </a:r>
+            <a:r>
+              <a:rPr lang="de-AT" sz="2000" dirty="0" smtClean="0"/>
+              <a:t> </a:t>
+            </a:r>
+            <a:r>
+              <a:rPr lang="de-AT" sz="2000" dirty="0" err="1" smtClean="0"/>
+              <a:t>MatchresultWs</a:t>
+            </a:r>
+            <a:endParaRPr lang="de-AT" sz="2000" dirty="0" smtClean="0"/>
+          </a:p>
+          <a:p>
+            <a:pPr marL="0" indent="0">
+              <a:buNone/>
+            </a:pPr>
+            <a:r>
+              <a:rPr lang="de-AT" sz="2000" dirty="0" smtClean="0"/>
+              <a:t>{</a:t>
+            </a:r>
+          </a:p>
+          <a:p>
+            <a:pPr marL="0" indent="0">
+              <a:buNone/>
+            </a:pPr>
+            <a:r>
+              <a:rPr lang="de-AT" sz="2000" dirty="0" smtClean="0"/>
+              <a:t>…</a:t>
+            </a:r>
+          </a:p>
+          <a:p>
+            <a:pPr marL="0" indent="0">
+              <a:buNone/>
+            </a:pPr>
+            <a:endParaRPr lang="de-AT" sz="2000" dirty="0" smtClean="0"/>
+          </a:p>
+          <a:p>
+            <a:pPr marL="0" indent="0">
+              <a:buNone/>
+            </a:pPr>
+            <a:r>
+              <a:rPr lang="de-AT" sz="2000" dirty="0" smtClean="0">
+                <a:solidFill>
+                  <a:srgbClr val="FF0000"/>
+                </a:solidFill>
+              </a:rPr>
+              <a:t>    @</a:t>
+            </a:r>
+            <a:r>
+              <a:rPr lang="de-AT" sz="2000" dirty="0" err="1" smtClean="0">
+                <a:solidFill>
+                  <a:srgbClr val="FF0000"/>
+                </a:solidFill>
+              </a:rPr>
+              <a:t>XmlElement</a:t>
+            </a:r>
+            <a:r>
+              <a:rPr lang="de-AT" sz="2000" dirty="0" smtClean="0">
+                <a:solidFill>
+                  <a:srgbClr val="FF0000"/>
+                </a:solidFill>
+              </a:rPr>
+              <a:t>(</a:t>
+            </a:r>
+            <a:r>
+              <a:rPr lang="de-AT" sz="2000" dirty="0" err="1" smtClean="0">
+                <a:solidFill>
+                  <a:srgbClr val="FF0000"/>
+                </a:solidFill>
+              </a:rPr>
+              <a:t>name</a:t>
+            </a:r>
+            <a:r>
+              <a:rPr lang="de-AT" sz="2000" dirty="0" smtClean="0">
+                <a:solidFill>
+                  <a:srgbClr val="FF0000"/>
+                </a:solidFill>
+              </a:rPr>
+              <a:t> = "</a:t>
+            </a:r>
+            <a:r>
+              <a:rPr lang="de-AT" sz="2000" dirty="0" err="1" smtClean="0">
+                <a:solidFill>
+                  <a:srgbClr val="FF0000"/>
+                </a:solidFill>
+              </a:rPr>
+              <a:t>id</a:t>
+            </a:r>
+            <a:r>
+              <a:rPr lang="de-AT" sz="2000" dirty="0" smtClean="0">
+                <a:solidFill>
+                  <a:srgbClr val="FF0000"/>
+                </a:solidFill>
+              </a:rPr>
+              <a:t>", </a:t>
+            </a:r>
+            <a:r>
+              <a:rPr lang="de-AT" sz="2000" dirty="0" err="1" smtClean="0">
+                <a:solidFill>
+                  <a:srgbClr val="FF0000"/>
+                </a:solidFill>
+              </a:rPr>
+              <a:t>required</a:t>
+            </a:r>
+            <a:r>
+              <a:rPr lang="de-AT" sz="2000" dirty="0" smtClean="0">
+                <a:solidFill>
+                  <a:srgbClr val="FF0000"/>
+                </a:solidFill>
+              </a:rPr>
+              <a:t> = </a:t>
+            </a:r>
+            <a:r>
+              <a:rPr lang="de-AT" sz="2000" dirty="0" err="1" smtClean="0">
+                <a:solidFill>
+                  <a:srgbClr val="FF0000"/>
+                </a:solidFill>
+              </a:rPr>
+              <a:t>true</a:t>
+            </a:r>
+            <a:r>
+              <a:rPr lang="de-AT" sz="2000" dirty="0" smtClean="0">
+                <a:solidFill>
+                  <a:srgbClr val="FF0000"/>
+                </a:solidFill>
+              </a:rPr>
+              <a:t>)</a:t>
+            </a:r>
+          </a:p>
+          <a:p>
+            <a:pPr marL="0" indent="0">
+              <a:buNone/>
+            </a:pPr>
+            <a:r>
+              <a:rPr lang="de-AT" sz="2000" dirty="0" smtClean="0"/>
+              <a:t>    </a:t>
+            </a:r>
+            <a:r>
+              <a:rPr lang="de-AT" sz="2000" dirty="0" err="1" smtClean="0"/>
+              <a:t>public</a:t>
+            </a:r>
+            <a:r>
+              <a:rPr lang="de-AT" sz="2000" dirty="0" smtClean="0"/>
+              <a:t> </a:t>
+            </a:r>
+            <a:r>
+              <a:rPr lang="de-AT" sz="2000" dirty="0" err="1" smtClean="0"/>
+              <a:t>int</a:t>
+            </a:r>
+            <a:r>
+              <a:rPr lang="de-AT" sz="2000" dirty="0" smtClean="0"/>
+              <a:t> </a:t>
+            </a:r>
+            <a:r>
+              <a:rPr lang="de-AT" sz="2000" dirty="0" err="1" smtClean="0"/>
+              <a:t>getId</a:t>
+            </a:r>
+            <a:r>
+              <a:rPr lang="de-AT" sz="2000" dirty="0" smtClean="0"/>
+              <a:t>()</a:t>
+            </a:r>
+          </a:p>
+          <a:p>
+            <a:pPr marL="0" indent="0">
+              <a:buNone/>
+            </a:pPr>
+            <a:r>
+              <a:rPr lang="de-AT" sz="2000" dirty="0" smtClean="0"/>
+              <a:t>    {</a:t>
+            </a:r>
+          </a:p>
+          <a:p>
+            <a:pPr marL="0" indent="0">
+              <a:buNone/>
+            </a:pPr>
+            <a:r>
+              <a:rPr lang="de-AT" sz="2000" dirty="0" smtClean="0"/>
+              <a:t>        </a:t>
+            </a:r>
+            <a:r>
+              <a:rPr lang="de-AT" sz="2000" dirty="0" err="1" smtClean="0"/>
+              <a:t>return</a:t>
+            </a:r>
+            <a:r>
+              <a:rPr lang="de-AT" sz="2000" dirty="0" smtClean="0"/>
+              <a:t> </a:t>
+            </a:r>
+            <a:r>
+              <a:rPr lang="de-AT" sz="2000" dirty="0" err="1" smtClean="0"/>
+              <a:t>Id</a:t>
+            </a:r>
+            <a:r>
+              <a:rPr lang="de-AT" sz="2000" dirty="0" smtClean="0"/>
+              <a:t>;</a:t>
+            </a:r>
+          </a:p>
+          <a:p>
+            <a:pPr marL="0" indent="0">
+              <a:buNone/>
+            </a:pPr>
+            <a:r>
+              <a:rPr lang="de-AT" sz="2000" dirty="0" smtClean="0"/>
+              <a:t>    }</a:t>
+            </a:r>
+          </a:p>
+          <a:p>
+            <a:pPr marL="0" indent="0">
+              <a:buNone/>
+            </a:pPr>
+            <a:r>
+              <a:rPr lang="de-AT" sz="2000" dirty="0" smtClean="0"/>
+              <a:t>}</a:t>
+            </a:r>
+          </a:p>
+        </p:txBody>
+      </p:sp>
+      <p:sp>
+        <p:nvSpPr>
+          <p:cNvPr id="2" name="Title 1"/>
           <p:cNvSpPr>
             <a:spLocks noGrp="1"/>
           </p:cNvSpPr>
@@ -10538,93 +9798,7 @@
           <a:p>
             <a:r>
               <a:rPr lang="de-AT" dirty="0" smtClean="0"/>
-              <a:t>Allgemeines zur Oberfläche</a:t>
-            </a:r>
-            <a:endParaRPr lang="de-AT" dirty="0"/>
-          </a:p>
-        </p:txBody>
-      </p:sp>
-      <p:sp>
-        <p:nvSpPr>
-          <p:cNvPr id="3" name="Inhaltsplatzhalter 2"/>
-          <p:cNvSpPr>
-            <a:spLocks noGrp="1"/>
-          </p:cNvSpPr>
-          <p:nvPr>
-            <p:ph idx="1"/>
-          </p:nvPr>
-        </p:nvSpPr>
-        <p:spPr/>
-        <p:txBody>
-          <a:bodyPr/>
-          <a:lstStyle/>
-          <a:p>
-            <a:pPr>
-              <a:buFont typeface="Arial" panose="020B0604020202020204" pitchFamily="34" charset="0"/>
-              <a:buChar char="•"/>
-            </a:pPr>
-            <a:r>
-              <a:rPr lang="de-AT" dirty="0" smtClean="0"/>
-              <a:t>Swing – GUI</a:t>
-            </a:r>
-          </a:p>
-          <a:p>
-            <a:pPr>
-              <a:buFont typeface="Arial" panose="020B0604020202020204" pitchFamily="34" charset="0"/>
-              <a:buChar char="•"/>
-            </a:pPr>
-            <a:r>
-              <a:rPr lang="de-AT" dirty="0" smtClean="0"/>
-              <a:t>möglichst wenig Logik</a:t>
-            </a:r>
-          </a:p>
-          <a:p>
-            <a:pPr lvl="1">
-              <a:buFont typeface="Arial" panose="020B0604020202020204" pitchFamily="34" charset="0"/>
-              <a:buChar char="•"/>
-            </a:pPr>
-            <a:r>
-              <a:rPr lang="de-AT" dirty="0" err="1" smtClean="0"/>
-              <a:t>UseCase</a:t>
-            </a:r>
-            <a:r>
-              <a:rPr lang="de-AT" dirty="0" smtClean="0"/>
-              <a:t> Controllern</a:t>
-            </a:r>
-          </a:p>
-          <a:p>
-            <a:pPr>
-              <a:buFont typeface="Arial" panose="020B0604020202020204" pitchFamily="34" charset="0"/>
-              <a:buChar char="•"/>
-            </a:pPr>
-            <a:r>
-              <a:rPr lang="de-AT" dirty="0" err="1" smtClean="0"/>
-              <a:t>IUseCaseControllerFactory</a:t>
-            </a:r>
-            <a:r>
-              <a:rPr lang="de-AT" dirty="0"/>
-              <a:t> </a:t>
-            </a:r>
-            <a:endParaRPr lang="de-AT" dirty="0" smtClean="0"/>
-          </a:p>
-          <a:p>
-            <a:pPr lvl="1">
-              <a:buFont typeface="Arial" panose="020B0604020202020204" pitchFamily="34" charset="0"/>
-              <a:buChar char="•"/>
-            </a:pPr>
-            <a:r>
-              <a:rPr lang="de-AT" dirty="0" smtClean="0"/>
-              <a:t>vereinfacht Technologie Anpassung</a:t>
-            </a:r>
-          </a:p>
-          <a:p>
-            <a:pPr>
-              <a:buFont typeface="Arial" panose="020B0604020202020204" pitchFamily="34" charset="0"/>
-              <a:buChar char="•"/>
-            </a:pPr>
-            <a:r>
-              <a:rPr lang="de-AT" dirty="0" smtClean="0"/>
-              <a:t>Actions vermitteln</a:t>
+              <a:t>DTO Definition</a:t>
             </a:r>
             <a:endParaRPr lang="de-AT" dirty="0"/>
           </a:p>
@@ -10633,20 +9807,13 @@
     </p:spTree>
     <p:extLst>
       <p:ext uri="{BB962C8B-B14F-4D97-AF65-F5344CB8AC3E}">
-        <p14:creationId xmlns:p14="http://schemas.microsoft.com/office/powerpoint/2010/main" val="3047194823"/>
+        <p14:creationId xmlns:p14="http://schemas.microsoft.com/office/powerpoint/2010/main" val="285709205"/>
       </p:ext>
     </p:extLst>
   </p:cSld>
   <p:clrMapOvr>
     <a:masterClrMapping/>
   </p:clrMapOvr>
-  <p:timing>
-    <p:tnLst>
-      <p:par>
-        <p:cTn id="1" dur="indefinite" restart="never" nodeType="tmRoot"/>
-      </p:par>
-    </p:tnLst>
-  </p:timing>
 </p:sld>
 </file>
 
@@ -10669,7 +9836,111 @@
       </p:grpSpPr>
       <p:sp>
         <p:nvSpPr>
-          <p:cNvPr id="2" name="Titel 1"/>
+          <p:cNvPr id="3" name="Text Placeholder 2"/>
+          <p:cNvSpPr>
+            <a:spLocks noGrp="1"/>
+          </p:cNvSpPr>
+          <p:nvPr>
+            <p:ph type="body" idx="1"/>
+          </p:nvPr>
+        </p:nvSpPr>
+        <p:spPr/>
+        <p:txBody>
+          <a:bodyPr/>
+          <a:lstStyle/>
+          <a:p>
+            <a:r>
+              <a:rPr lang="de-AT" dirty="0" err="1" smtClean="0"/>
+              <a:t>Corba</a:t>
+            </a:r>
+            <a:endParaRPr lang="de-AT" dirty="0"/>
+          </a:p>
+        </p:txBody>
+      </p:sp>
+      <p:sp>
+        <p:nvSpPr>
+          <p:cNvPr id="4" name="Content Placeholder 3"/>
+          <p:cNvSpPr>
+            <a:spLocks noGrp="1"/>
+          </p:cNvSpPr>
+          <p:nvPr>
+            <p:ph sz="half" idx="2"/>
+          </p:nvPr>
+        </p:nvSpPr>
+        <p:spPr/>
+        <p:txBody>
+          <a:bodyPr/>
+          <a:lstStyle/>
+          <a:p>
+            <a:r>
+              <a:rPr lang="de-AT" dirty="0" err="1" smtClean="0"/>
+              <a:t>Stubs</a:t>
+            </a:r>
+            <a:r>
+              <a:rPr lang="de-AT" dirty="0" smtClean="0"/>
+              <a:t> müssen erzeugt werden IDLJ</a:t>
+            </a:r>
+          </a:p>
+          <a:p>
+            <a:r>
+              <a:rPr lang="de-AT" dirty="0" smtClean="0"/>
+              <a:t>Implementierung der Logik per Vererbung</a:t>
+            </a:r>
+          </a:p>
+          <a:p>
+            <a:endParaRPr lang="de-AT" dirty="0"/>
+          </a:p>
+        </p:txBody>
+      </p:sp>
+      <p:sp>
+        <p:nvSpPr>
+          <p:cNvPr id="5" name="Text Placeholder 4"/>
+          <p:cNvSpPr>
+            <a:spLocks noGrp="1"/>
+          </p:cNvSpPr>
+          <p:nvPr>
+            <p:ph type="body" sz="quarter" idx="3"/>
+          </p:nvPr>
+        </p:nvSpPr>
+        <p:spPr/>
+        <p:txBody>
+          <a:bodyPr/>
+          <a:lstStyle/>
+          <a:p>
+            <a:r>
+              <a:rPr lang="de-AT" dirty="0" smtClean="0"/>
+              <a:t>Webservices</a:t>
+            </a:r>
+            <a:endParaRPr lang="de-AT" dirty="0"/>
+          </a:p>
+        </p:txBody>
+      </p:sp>
+      <p:sp>
+        <p:nvSpPr>
+          <p:cNvPr id="6" name="Content Placeholder 5"/>
+          <p:cNvSpPr>
+            <a:spLocks noGrp="1"/>
+          </p:cNvSpPr>
+          <p:nvPr>
+            <p:ph sz="quarter" idx="4"/>
+          </p:nvPr>
+        </p:nvSpPr>
+        <p:spPr/>
+        <p:txBody>
+          <a:bodyPr/>
+          <a:lstStyle/>
+          <a:p>
+            <a:r>
+              <a:rPr lang="de-AT" dirty="0" smtClean="0"/>
+              <a:t>Logik wird direkt in die Definition programmiert</a:t>
+            </a:r>
+            <a:endParaRPr lang="de-AT" dirty="0"/>
+          </a:p>
+        </p:txBody>
+      </p:sp>
+      <p:sp>
+        <p:nvSpPr>
+          <p:cNvPr id="2" name="Title 1"/>
           <p:cNvSpPr>
             <a:spLocks noGrp="1"/>
           </p:cNvSpPr>
@@ -10679,292 +9950,27 @@
         </p:nvSpPr>
         <p:spPr/>
         <p:txBody>
-          <a:bodyPr>
-            <a:normAutofit/>
-          </a:bodyPr>
+          <a:bodyPr/>
           <a:lstStyle/>
           <a:p>
             <a:r>
               <a:rPr lang="de-AT" dirty="0" smtClean="0"/>
-              <a:t>Beispiel: </a:t>
-            </a:r>
-            <a:r>
-              <a:rPr lang="de-AT" dirty="0" err="1" smtClean="0"/>
-              <a:t>IUseCaseControllerFactory</a:t>
+              <a:t>Server-Implementierung</a:t>
             </a:r>
             <a:endParaRPr lang="de-AT" dirty="0"/>
-          </a:p>
-        </p:txBody>
-      </p:sp>
-      <p:sp>
-        <p:nvSpPr>
-          <p:cNvPr id="3" name="Inhaltsplatzhalter 2"/>
-          <p:cNvSpPr>
-            <a:spLocks noGrp="1"/>
-          </p:cNvSpPr>
-          <p:nvPr>
-            <p:ph idx="1"/>
-          </p:nvPr>
-        </p:nvSpPr>
-        <p:spPr/>
-        <p:txBody>
-          <a:bodyPr>
-            <a:noAutofit/>
-          </a:bodyPr>
-          <a:lstStyle/>
-          <a:p>
-            <a:pPr marL="0" indent="0">
-              <a:buNone/>
-            </a:pPr>
-            <a:r>
-              <a:rPr lang="de-AT" sz="2000" dirty="0" err="1">
-                <a:cs typeface="Consolas" pitchFamily="49" charset="0"/>
-              </a:rPr>
-              <a:t>public</a:t>
-            </a:r>
-            <a:r>
-              <a:rPr lang="de-AT" sz="2000" dirty="0">
-                <a:cs typeface="Consolas" pitchFamily="49" charset="0"/>
-              </a:rPr>
-              <a:t> </a:t>
-            </a:r>
-            <a:r>
-              <a:rPr lang="de-AT" sz="2000" dirty="0" err="1">
-                <a:cs typeface="Consolas" pitchFamily="49" charset="0"/>
-              </a:rPr>
-              <a:t>interface</a:t>
-            </a:r>
-            <a:r>
-              <a:rPr lang="de-AT" sz="2000" dirty="0">
-                <a:cs typeface="Consolas" pitchFamily="49" charset="0"/>
-              </a:rPr>
-              <a:t> </a:t>
-            </a:r>
-            <a:r>
-              <a:rPr lang="de-AT" sz="2000" dirty="0" err="1">
-                <a:cs typeface="Consolas" pitchFamily="49" charset="0"/>
-              </a:rPr>
-              <a:t>IUseCaseControllerFactory</a:t>
-            </a:r>
-            <a:endParaRPr lang="de-AT" sz="2000" dirty="0">
-              <a:cs typeface="Consolas" pitchFamily="49" charset="0"/>
-            </a:endParaRPr>
-          </a:p>
-          <a:p>
-            <a:pPr marL="0" indent="0">
-              <a:buNone/>
-            </a:pPr>
-            <a:r>
-              <a:rPr lang="de-AT" sz="2000" dirty="0">
-                <a:cs typeface="Consolas" pitchFamily="49" charset="0"/>
-              </a:rPr>
-              <a:t>{</a:t>
-            </a:r>
-          </a:p>
-          <a:p>
-            <a:pPr marL="0" indent="0">
-              <a:buNone/>
-            </a:pPr>
-            <a:r>
-              <a:rPr lang="de-AT" sz="2000" dirty="0">
-                <a:cs typeface="Consolas" pitchFamily="49" charset="0"/>
-              </a:rPr>
-              <a:t>    </a:t>
-            </a:r>
-            <a:r>
-              <a:rPr lang="de-AT" sz="2000" dirty="0" err="1">
-                <a:cs typeface="Consolas" pitchFamily="49" charset="0"/>
-              </a:rPr>
-              <a:t>IAddMatchResultsController</a:t>
-            </a:r>
-            <a:r>
-              <a:rPr lang="de-AT" sz="2000" dirty="0">
-                <a:cs typeface="Consolas" pitchFamily="49" charset="0"/>
-              </a:rPr>
-              <a:t> </a:t>
-            </a:r>
-            <a:r>
-              <a:rPr lang="de-AT" sz="2000" dirty="0" err="1">
-                <a:cs typeface="Consolas" pitchFamily="49" charset="0"/>
-              </a:rPr>
-              <a:t>getAddMatchResultsController</a:t>
-            </a:r>
-            <a:r>
-              <a:rPr lang="de-AT" sz="2000" dirty="0">
-                <a:cs typeface="Consolas" pitchFamily="49" charset="0"/>
-              </a:rPr>
-              <a:t>()</a:t>
-            </a:r>
-          </a:p>
-          <a:p>
-            <a:pPr marL="0" indent="0">
-              <a:buNone/>
-            </a:pPr>
-            <a:r>
-              <a:rPr lang="de-AT" sz="2000" dirty="0">
-                <a:cs typeface="Consolas" pitchFamily="49" charset="0"/>
-              </a:rPr>
-              <a:t>            </a:t>
-            </a:r>
-            <a:r>
-              <a:rPr lang="de-AT" sz="2000" dirty="0" err="1">
-                <a:cs typeface="Consolas" pitchFamily="49" charset="0"/>
-              </a:rPr>
-              <a:t>throws</a:t>
-            </a:r>
-            <a:r>
-              <a:rPr lang="de-AT" sz="2000" dirty="0">
-                <a:cs typeface="Consolas" pitchFamily="49" charset="0"/>
-              </a:rPr>
-              <a:t> </a:t>
-            </a:r>
-            <a:r>
-              <a:rPr lang="de-AT" sz="2000" dirty="0" err="1">
-                <a:cs typeface="Consolas" pitchFamily="49" charset="0"/>
-              </a:rPr>
-              <a:t>ServiceNotAvailableException</a:t>
-            </a:r>
-            <a:r>
-              <a:rPr lang="de-AT" sz="2000" dirty="0">
-                <a:cs typeface="Consolas" pitchFamily="49" charset="0"/>
-              </a:rPr>
-              <a:t>;</a:t>
-            </a:r>
-          </a:p>
-          <a:p>
-            <a:pPr marL="0" indent="0">
-              <a:buNone/>
-            </a:pPr>
-            <a:endParaRPr lang="de-AT" sz="2000" dirty="0">
-              <a:cs typeface="Consolas" pitchFamily="49" charset="0"/>
-            </a:endParaRPr>
-          </a:p>
-          <a:p>
-            <a:pPr marL="0" indent="0">
-              <a:buNone/>
-            </a:pPr>
-            <a:r>
-              <a:rPr lang="de-AT" sz="2000" dirty="0">
-                <a:cs typeface="Consolas" pitchFamily="49" charset="0"/>
-              </a:rPr>
-              <a:t>    </a:t>
-            </a:r>
-            <a:r>
-              <a:rPr lang="de-AT" sz="2000" dirty="0" err="1">
-                <a:cs typeface="Consolas" pitchFamily="49" charset="0"/>
-              </a:rPr>
-              <a:t>IChangeCompetitionTeamController</a:t>
-            </a:r>
-            <a:r>
-              <a:rPr lang="de-AT" sz="2000" dirty="0">
-                <a:cs typeface="Consolas" pitchFamily="49" charset="0"/>
-              </a:rPr>
-              <a:t> </a:t>
-            </a:r>
-            <a:r>
-              <a:rPr lang="de-AT" sz="2000" dirty="0" err="1">
-                <a:cs typeface="Consolas" pitchFamily="49" charset="0"/>
-              </a:rPr>
-              <a:t>getChangeCompetitionTeamController</a:t>
-            </a:r>
-            <a:r>
-              <a:rPr lang="de-AT" sz="2000" dirty="0">
-                <a:cs typeface="Consolas" pitchFamily="49" charset="0"/>
-              </a:rPr>
-              <a:t>()</a:t>
-            </a:r>
-          </a:p>
-          <a:p>
-            <a:pPr marL="0" indent="0">
-              <a:buNone/>
-            </a:pPr>
-            <a:r>
-              <a:rPr lang="de-AT" sz="2000" dirty="0">
-                <a:cs typeface="Consolas" pitchFamily="49" charset="0"/>
-              </a:rPr>
-              <a:t>            </a:t>
-            </a:r>
-            <a:r>
-              <a:rPr lang="de-AT" sz="2000" dirty="0" err="1">
-                <a:cs typeface="Consolas" pitchFamily="49" charset="0"/>
-              </a:rPr>
-              <a:t>throws</a:t>
-            </a:r>
-            <a:r>
-              <a:rPr lang="de-AT" sz="2000" dirty="0">
-                <a:cs typeface="Consolas" pitchFamily="49" charset="0"/>
-              </a:rPr>
-              <a:t> </a:t>
-            </a:r>
-            <a:r>
-              <a:rPr lang="de-AT" sz="2000" dirty="0" err="1">
-                <a:cs typeface="Consolas" pitchFamily="49" charset="0"/>
-              </a:rPr>
-              <a:t>ServiceNotAvailableException</a:t>
-            </a:r>
-            <a:r>
-              <a:rPr lang="de-AT" sz="2000" dirty="0" smtClean="0">
-                <a:cs typeface="Consolas" pitchFamily="49" charset="0"/>
-              </a:rPr>
-              <a:t>;</a:t>
-            </a:r>
-            <a:endParaRPr lang="de-AT" sz="2000" dirty="0">
-              <a:cs typeface="Consolas" pitchFamily="49" charset="0"/>
-            </a:endParaRPr>
-          </a:p>
-          <a:p>
-            <a:pPr marL="0" indent="0">
-              <a:buNone/>
-            </a:pPr>
-            <a:r>
-              <a:rPr lang="de-AT" sz="2000" dirty="0">
-                <a:cs typeface="Consolas" pitchFamily="49" charset="0"/>
-              </a:rPr>
-              <a:t>    </a:t>
-            </a:r>
-            <a:r>
-              <a:rPr lang="de-AT" sz="2000" dirty="0" smtClean="0">
-                <a:cs typeface="Consolas" pitchFamily="49" charset="0"/>
-              </a:rPr>
-              <a:t>…</a:t>
-            </a:r>
-            <a:endParaRPr lang="de-AT" sz="2000" dirty="0">
-              <a:cs typeface="Consolas" pitchFamily="49" charset="0"/>
-            </a:endParaRPr>
-          </a:p>
-          <a:p>
-            <a:pPr marL="0" indent="0">
-              <a:buNone/>
-            </a:pPr>
-            <a:r>
-              <a:rPr lang="de-AT" sz="2000" dirty="0" smtClean="0">
-                <a:cs typeface="Consolas" pitchFamily="49" charset="0"/>
-              </a:rPr>
-              <a:t>}</a:t>
-            </a:r>
-            <a:endParaRPr lang="de-AT" sz="2000" dirty="0">
-              <a:cs typeface="Consolas" pitchFamily="49" charset="0"/>
-            </a:endParaRPr>
           </a:p>
         </p:txBody>
       </p:sp>
     </p:spTree>
     <p:extLst>
       <p:ext uri="{BB962C8B-B14F-4D97-AF65-F5344CB8AC3E}">
-        <p14:creationId xmlns:p14="http://schemas.microsoft.com/office/powerpoint/2010/main" val="808798365"/>
+        <p14:creationId xmlns:p14="http://schemas.microsoft.com/office/powerpoint/2010/main" val="648403004"/>
       </p:ext>
     </p:extLst>
   </p:cSld>
   <p:clrMapOvr>
     <a:masterClrMapping/>
   </p:clrMapOvr>
-  <p:timing>
-    <p:tnLst>
-      <p:par>
-        <p:cTn id="1" dur="indefinite" restart="never" nodeType="tmRoot"/>
-      </p:par>
-    </p:tnLst>
-  </p:timing>
 </p:sld>
 </file>
 
@@ -11139,7 +10145,242 @@
       </p:grpSpPr>
       <p:sp>
         <p:nvSpPr>
-          <p:cNvPr id="2" name="Titel 1"/>
+          <p:cNvPr id="3" name="Text Placeholder 2"/>
+          <p:cNvSpPr>
+            <a:spLocks noGrp="1"/>
+          </p:cNvSpPr>
+          <p:nvPr>
+            <p:ph type="body" idx="1"/>
+          </p:nvPr>
+        </p:nvSpPr>
+        <p:spPr/>
+        <p:txBody>
+          <a:bodyPr/>
+          <a:lstStyle/>
+          <a:p>
+            <a:r>
+              <a:rPr lang="de-AT" dirty="0" err="1" smtClean="0"/>
+              <a:t>Corba</a:t>
+            </a:r>
+            <a:endParaRPr lang="de-AT" dirty="0"/>
+          </a:p>
+        </p:txBody>
+      </p:sp>
+      <p:sp>
+        <p:nvSpPr>
+          <p:cNvPr id="4" name="Content Placeholder 3"/>
+          <p:cNvSpPr>
+            <a:spLocks noGrp="1"/>
+          </p:cNvSpPr>
+          <p:nvPr>
+            <p:ph sz="half" idx="2"/>
+          </p:nvPr>
+        </p:nvSpPr>
+        <p:spPr/>
+        <p:txBody>
+          <a:bodyPr>
+            <a:normAutofit/>
+          </a:bodyPr>
+          <a:lstStyle/>
+          <a:p>
+            <a:pPr marL="0" indent="0">
+              <a:buNone/>
+            </a:pPr>
+            <a:r>
+              <a:rPr lang="de-AT" sz="2000" dirty="0" err="1" smtClean="0"/>
+              <a:t>Runtime.getRuntime</a:t>
+            </a:r>
+            <a:r>
+              <a:rPr lang="de-AT" sz="2000" dirty="0" smtClean="0"/>
+              <a:t>().</a:t>
+            </a:r>
+            <a:r>
+              <a:rPr lang="de-AT" sz="2000" dirty="0" err="1" smtClean="0"/>
+              <a:t>exec</a:t>
+            </a:r>
+            <a:r>
+              <a:rPr lang="de-AT" sz="2000" dirty="0" smtClean="0"/>
+              <a:t>("</a:t>
+            </a:r>
+            <a:r>
+              <a:rPr lang="de-AT" sz="2000" dirty="0" err="1" smtClean="0"/>
+              <a:t>orbd</a:t>
+            </a:r>
+            <a:r>
+              <a:rPr lang="de-AT" sz="2000" dirty="0" smtClean="0"/>
+              <a:t> -</a:t>
+            </a:r>
+            <a:r>
+              <a:rPr lang="de-AT" sz="2000" dirty="0" err="1" smtClean="0"/>
+              <a:t>ORBInitialPort</a:t>
+            </a:r>
+            <a:r>
+              <a:rPr lang="de-AT" sz="2000" dirty="0" smtClean="0"/>
+              <a:t> 2050");</a:t>
+            </a:r>
+          </a:p>
+          <a:p>
+            <a:pPr marL="0" indent="0">
+              <a:buNone/>
+            </a:pPr>
+            <a:r>
+              <a:rPr lang="de-AT" sz="2000" dirty="0" smtClean="0"/>
+              <a:t>String[] args1 = </a:t>
+            </a:r>
+            <a:r>
+              <a:rPr lang="de-AT" sz="2000" dirty="0" err="1" smtClean="0"/>
+              <a:t>new</a:t>
+            </a:r>
+            <a:r>
+              <a:rPr lang="de-AT" sz="2000" dirty="0" smtClean="0"/>
+              <a:t> String[] {"-</a:t>
+            </a:r>
+            <a:r>
+              <a:rPr lang="de-AT" sz="2000" dirty="0" err="1" smtClean="0"/>
+              <a:t>ORBInitialPort</a:t>
+            </a:r>
+            <a:r>
+              <a:rPr lang="de-AT" sz="2000" dirty="0" smtClean="0"/>
+              <a:t>", "2050"};</a:t>
+            </a:r>
+          </a:p>
+          <a:p>
+            <a:pPr marL="0" indent="0">
+              <a:buNone/>
+            </a:pPr>
+            <a:r>
+              <a:rPr lang="de-AT" sz="2000" dirty="0" smtClean="0"/>
+              <a:t>ORB </a:t>
+            </a:r>
+            <a:r>
+              <a:rPr lang="de-AT" sz="2000" dirty="0" err="1" smtClean="0"/>
+              <a:t>orb</a:t>
+            </a:r>
+            <a:r>
+              <a:rPr lang="de-AT" sz="2000" dirty="0" smtClean="0"/>
+              <a:t> = </a:t>
+            </a:r>
+            <a:r>
+              <a:rPr lang="de-AT" sz="2000" dirty="0" err="1" smtClean="0"/>
+              <a:t>ORB.init</a:t>
+            </a:r>
+            <a:r>
+              <a:rPr lang="de-AT" sz="2000" dirty="0" smtClean="0"/>
+              <a:t>(args1, null);</a:t>
+            </a:r>
+          </a:p>
+          <a:p>
+            <a:pPr marL="0" indent="0">
+              <a:buNone/>
+            </a:pPr>
+            <a:r>
+              <a:rPr lang="de-AT" sz="2000" dirty="0" smtClean="0"/>
+              <a:t>… </a:t>
+            </a:r>
+            <a:r>
+              <a:rPr lang="de-AT" sz="2000" dirty="0" err="1" smtClean="0"/>
+              <a:t>magic</a:t>
+            </a:r>
+            <a:r>
+              <a:rPr lang="de-AT" sz="2000" dirty="0" smtClean="0"/>
+              <a:t>…</a:t>
+            </a:r>
+          </a:p>
+          <a:p>
+            <a:pPr marL="0" indent="0">
+              <a:buNone/>
+            </a:pPr>
+            <a:r>
+              <a:rPr lang="de-AT" sz="2000" dirty="0" err="1" smtClean="0"/>
+              <a:t>orb.run</a:t>
+            </a:r>
+            <a:r>
+              <a:rPr lang="de-AT" sz="2000" dirty="0" smtClean="0"/>
+              <a:t>();</a:t>
+            </a:r>
+            <a:endParaRPr lang="de-AT" sz="2000" dirty="0"/>
+          </a:p>
+        </p:txBody>
+      </p:sp>
+      <p:sp>
+        <p:nvSpPr>
+          <p:cNvPr id="5" name="Text Placeholder 4"/>
+          <p:cNvSpPr>
+            <a:spLocks noGrp="1"/>
+          </p:cNvSpPr>
+          <p:nvPr>
+            <p:ph type="body" sz="quarter" idx="3"/>
+          </p:nvPr>
+        </p:nvSpPr>
+        <p:spPr/>
+        <p:txBody>
+          <a:bodyPr/>
+          <a:lstStyle/>
+          <a:p>
+            <a:r>
+              <a:rPr lang="de-AT" dirty="0" smtClean="0"/>
+              <a:t>Webservices</a:t>
+            </a:r>
+            <a:endParaRPr lang="de-AT" dirty="0"/>
+          </a:p>
+        </p:txBody>
+      </p:sp>
+      <p:sp>
+        <p:nvSpPr>
+          <p:cNvPr id="6" name="Content Placeholder 5"/>
+          <p:cNvSpPr>
+            <a:spLocks noGrp="1"/>
+          </p:cNvSpPr>
+          <p:nvPr>
+            <p:ph sz="quarter" idx="4"/>
+          </p:nvPr>
+        </p:nvSpPr>
+        <p:spPr/>
+        <p:txBody>
+          <a:bodyPr/>
+          <a:lstStyle/>
+          <a:p>
+            <a:r>
+              <a:rPr lang="en-US" dirty="0" err="1" smtClean="0"/>
+              <a:t>Endpoint.publish</a:t>
+            </a:r>
+            <a:r>
+              <a:rPr lang="en-US" dirty="0" smtClean="0"/>
+              <a:t>("http://localhost:8080/services", new </a:t>
+            </a:r>
+            <a:r>
+              <a:rPr lang="en-US" dirty="0" err="1" smtClean="0"/>
+              <a:t>MatchService</a:t>
+            </a:r>
+            <a:r>
+              <a:rPr lang="en-US" dirty="0" smtClean="0"/>
+              <a:t>())</a:t>
+            </a:r>
+          </a:p>
+          <a:p>
+            <a:r>
+              <a:rPr lang="en-US" dirty="0" err="1" smtClean="0"/>
+              <a:t>Veröffentlichung</a:t>
+            </a:r>
+            <a:r>
+              <a:rPr lang="en-US" dirty="0" smtClean="0"/>
+              <a:t> </a:t>
+            </a:r>
+            <a:r>
+              <a:rPr lang="en-US" dirty="0" err="1" smtClean="0"/>
+              <a:t>als</a:t>
+            </a:r>
+            <a:r>
+              <a:rPr lang="en-US" dirty="0" smtClean="0"/>
+              <a:t> .war</a:t>
+            </a:r>
+            <a:endParaRPr lang="de-AT" dirty="0"/>
+          </a:p>
+        </p:txBody>
+      </p:sp>
+      <p:sp>
+        <p:nvSpPr>
+          <p:cNvPr id="2" name="Title 1"/>
           <p:cNvSpPr>
             <a:spLocks noGrp="1"/>
           </p:cNvSpPr>
@@ -11154,105 +10395,26 @@
           <a:p>
             <a:r>
               <a:rPr lang="de-AT" dirty="0" smtClean="0"/>
-              <a:t>Layout</a:t>
+              <a:t>Server-</a:t>
+            </a:r>
+            <a:r>
+              <a:rPr lang="de-AT" dirty="0" err="1" smtClean="0"/>
+              <a:t>Deployment</a:t>
             </a:r>
             <a:endParaRPr lang="de-AT" dirty="0"/>
-          </a:p>
-        </p:txBody>
-      </p:sp>
-      <p:sp>
-        <p:nvSpPr>
-          <p:cNvPr id="3" name="Inhaltsplatzhalter 2"/>
-          <p:cNvSpPr>
-            <a:spLocks noGrp="1"/>
-          </p:cNvSpPr>
-          <p:nvPr>
-            <p:ph idx="1"/>
-          </p:nvPr>
-        </p:nvSpPr>
-        <p:spPr/>
-        <p:txBody>
-          <a:bodyPr/>
-          <a:lstStyle/>
-          <a:p>
-            <a:pPr>
-              <a:buFont typeface="Arial" panose="020B0604020202020204" pitchFamily="34" charset="0"/>
-              <a:buChar char="•"/>
-            </a:pPr>
-            <a:r>
-              <a:rPr lang="de-AT" dirty="0" smtClean="0"/>
-              <a:t>Basis Einstiegspunkt</a:t>
-            </a:r>
-          </a:p>
-          <a:p>
-            <a:pPr>
-              <a:buFont typeface="Arial" panose="020B0604020202020204" pitchFamily="34" charset="0"/>
-              <a:buChar char="•"/>
-            </a:pPr>
-            <a:r>
-              <a:rPr lang="de-AT" dirty="0" smtClean="0"/>
-              <a:t>Grob Navigation über Tabs</a:t>
-            </a:r>
-          </a:p>
-          <a:p>
-            <a:pPr lvl="1">
-              <a:buFont typeface="Arial" panose="020B0604020202020204" pitchFamily="34" charset="0"/>
-              <a:buChar char="•"/>
-            </a:pPr>
-            <a:r>
-              <a:rPr lang="de-AT" dirty="0" smtClean="0"/>
-              <a:t>Erweiterbarkeit</a:t>
-            </a:r>
-            <a:endParaRPr lang="de-AT" dirty="0"/>
-          </a:p>
-          <a:p>
-            <a:pPr lvl="1">
-              <a:buFont typeface="Arial" panose="020B0604020202020204" pitchFamily="34" charset="0"/>
-              <a:buChar char="•"/>
-            </a:pPr>
-            <a:r>
-              <a:rPr lang="de-AT" dirty="0" smtClean="0"/>
-              <a:t>Übersichtlichkeit</a:t>
-            </a:r>
-          </a:p>
-          <a:p>
-            <a:pPr>
-              <a:buFont typeface="Arial" panose="020B0604020202020204" pitchFamily="34" charset="0"/>
-              <a:buChar char="•"/>
-            </a:pPr>
-            <a:r>
-              <a:rPr lang="de-AT" i="1" dirty="0" smtClean="0"/>
-              <a:t>KISS - Keep </a:t>
-            </a:r>
-            <a:r>
-              <a:rPr lang="de-AT" i="1" dirty="0" err="1" smtClean="0"/>
-              <a:t>it</a:t>
-            </a:r>
-            <a:r>
-              <a:rPr lang="de-AT" i="1" dirty="0" smtClean="0"/>
-              <a:t> simple</a:t>
-            </a:r>
-            <a:endParaRPr lang="de-AT" i="1" dirty="0"/>
           </a:p>
         </p:txBody>
       </p:sp>
     </p:spTree>
     <p:extLst>
       <p:ext uri="{BB962C8B-B14F-4D97-AF65-F5344CB8AC3E}">
-        <p14:creationId xmlns:p14="http://schemas.microsoft.com/office/powerpoint/2010/main" val="3188585542"/>
+        <p14:creationId xmlns:p14="http://schemas.microsoft.com/office/powerpoint/2010/main" val="3247815555"/>
       </p:ext>
     </p:extLst>
   </p:cSld>
   <p:clrMapOvr>
     <a:masterClrMapping/>
   </p:clrMapOvr>
-  <p:timing>
-    <p:tnLst>
-      <p:par>
-        <p:cTn id="1" dur="indefinite" restart="never" nodeType="tmRoot"/>
-      </p:par>
-    </p:tnLst>
-  </p:timing>
 </p:sld>
 </file>
 
@@ -11275,6 +10437,1471 @@
       </p:grpSpPr>
       <p:sp>
         <p:nvSpPr>
+          <p:cNvPr id="3" name="Text Placeholder 2"/>
+          <p:cNvSpPr>
+            <a:spLocks noGrp="1"/>
+          </p:cNvSpPr>
+          <p:nvPr>
+            <p:ph type="body" idx="1"/>
+          </p:nvPr>
+        </p:nvSpPr>
+        <p:spPr/>
+        <p:txBody>
+          <a:bodyPr/>
+          <a:lstStyle/>
+          <a:p>
+            <a:r>
+              <a:rPr lang="de-AT" dirty="0" err="1" smtClean="0"/>
+              <a:t>Corba</a:t>
+            </a:r>
+            <a:endParaRPr lang="de-AT" dirty="0"/>
+          </a:p>
+        </p:txBody>
+      </p:sp>
+      <p:sp>
+        <p:nvSpPr>
+          <p:cNvPr id="4" name="Content Placeholder 3"/>
+          <p:cNvSpPr>
+            <a:spLocks noGrp="1"/>
+          </p:cNvSpPr>
+          <p:nvPr>
+            <p:ph sz="half" idx="2"/>
+          </p:nvPr>
+        </p:nvSpPr>
+        <p:spPr/>
+        <p:txBody>
+          <a:bodyPr/>
+          <a:lstStyle/>
+          <a:p>
+            <a:r>
+              <a:rPr lang="de-AT" dirty="0" err="1" smtClean="0"/>
+              <a:t>Commandozeile</a:t>
+            </a:r>
+            <a:r>
+              <a:rPr lang="de-AT" dirty="0" smtClean="0"/>
+              <a:t> IDLJ …</a:t>
+            </a:r>
+          </a:p>
+          <a:p>
+            <a:r>
+              <a:rPr lang="de-AT" dirty="0" smtClean="0"/>
+              <a:t>Kein update möglich</a:t>
+            </a:r>
+            <a:endParaRPr lang="de-AT" dirty="0"/>
+          </a:p>
+        </p:txBody>
+      </p:sp>
+      <p:sp>
+        <p:nvSpPr>
+          <p:cNvPr id="5" name="Text Placeholder 4"/>
+          <p:cNvSpPr>
+            <a:spLocks noGrp="1"/>
+          </p:cNvSpPr>
+          <p:nvPr>
+            <p:ph type="body" sz="quarter" idx="3"/>
+          </p:nvPr>
+        </p:nvSpPr>
+        <p:spPr/>
+        <p:txBody>
+          <a:bodyPr/>
+          <a:lstStyle/>
+          <a:p>
+            <a:r>
+              <a:rPr lang="de-AT" dirty="0" smtClean="0"/>
+              <a:t>Webservices</a:t>
+            </a:r>
+            <a:endParaRPr lang="de-AT" dirty="0"/>
+          </a:p>
+        </p:txBody>
+      </p:sp>
+      <p:sp>
+        <p:nvSpPr>
+          <p:cNvPr id="6" name="Content Placeholder 5"/>
+          <p:cNvSpPr>
+            <a:spLocks noGrp="1"/>
+          </p:cNvSpPr>
+          <p:nvPr>
+            <p:ph sz="quarter" idx="4"/>
+          </p:nvPr>
+        </p:nvSpPr>
+        <p:spPr/>
+        <p:txBody>
+          <a:bodyPr/>
+          <a:lstStyle/>
+          <a:p>
+            <a:r>
+              <a:rPr lang="de-AT" dirty="0" smtClean="0"/>
+              <a:t>In </a:t>
+            </a:r>
+            <a:r>
+              <a:rPr lang="de-AT" dirty="0" err="1" smtClean="0"/>
+              <a:t>VisualStudio</a:t>
+            </a:r>
+            <a:r>
+              <a:rPr lang="de-AT" dirty="0" smtClean="0"/>
+              <a:t> „</a:t>
+            </a:r>
+            <a:r>
+              <a:rPr lang="de-AT" dirty="0" err="1" smtClean="0"/>
+              <a:t>AddServiceReference</a:t>
+            </a:r>
+            <a:r>
+              <a:rPr lang="de-AT" dirty="0" smtClean="0"/>
+              <a:t>“ und dann den Pfad eingeben</a:t>
+            </a:r>
+          </a:p>
+          <a:p>
+            <a:r>
+              <a:rPr lang="de-AT" dirty="0" smtClean="0"/>
+              <a:t>Update möglich</a:t>
+            </a:r>
+            <a:endParaRPr lang="de-AT" dirty="0"/>
+          </a:p>
+        </p:txBody>
+      </p:sp>
+      <p:sp>
+        <p:nvSpPr>
+          <p:cNvPr id="2" name="Title 1"/>
+          <p:cNvSpPr>
+            <a:spLocks noGrp="1"/>
+          </p:cNvSpPr>
+          <p:nvPr>
+            <p:ph type="title"/>
+          </p:nvPr>
+        </p:nvSpPr>
+        <p:spPr/>
+        <p:txBody>
+          <a:bodyPr/>
+          <a:lstStyle/>
+          <a:p>
+            <a:r>
+              <a:rPr lang="de-AT" dirty="0" smtClean="0"/>
+              <a:t>Client-</a:t>
+            </a:r>
+            <a:r>
+              <a:rPr lang="de-AT" dirty="0" err="1" smtClean="0"/>
+              <a:t>Stubs</a:t>
+            </a:r>
+            <a:r>
+              <a:rPr lang="de-AT" dirty="0" smtClean="0"/>
+              <a:t> erzeugen</a:t>
+            </a:r>
+            <a:endParaRPr lang="de-AT" dirty="0"/>
+          </a:p>
+        </p:txBody>
+      </p:sp>
+    </p:spTree>
+    <p:extLst>
+      <p:ext uri="{BB962C8B-B14F-4D97-AF65-F5344CB8AC3E}">
+        <p14:creationId xmlns:p14="http://schemas.microsoft.com/office/powerpoint/2010/main" val="2495302384"/>
+      </p:ext>
+    </p:extLst>
+  </p:cSld>
+  <p:clrMapOvr>
+    <a:masterClrMapping/>
+  </p:clrMapOvr>
+</p:sld>
+</file>
+
+<file path=ppt/slides/slide32.xml><?xml version="1.0" encoding="utf-8"?>
+<p:sld xmlns:a="http://schemas.openxmlformats.org/drawingml/2006/main" xmlns:r="http://schemas.openxmlformats.org/officeDocument/2006/relationships" xmlns:p="http://schemas.openxmlformats.org/presentationml/2006/main">
+  <p:cSld>
+    <p:spTree>
+      <p:nvGrpSpPr>
+        <p:cNvPr id="1" name=""/>
+        <p:cNvGrpSpPr/>
+        <p:nvPr/>
+      </p:nvGrpSpPr>
+      <p:grpSpPr>
+        <a:xfrm>
+          <a:off x="0" y="0"/>
+          <a:ext cx="0" cy="0"/>
+          <a:chOff x="0" y="0"/>
+          <a:chExt cx="0" cy="0"/>
+        </a:xfrm>
+      </p:grpSpPr>
+      <p:sp>
+        <p:nvSpPr>
+          <p:cNvPr id="3" name="Text Placeholder 2"/>
+          <p:cNvSpPr>
+            <a:spLocks noGrp="1"/>
+          </p:cNvSpPr>
+          <p:nvPr>
+            <p:ph type="body" idx="1"/>
+          </p:nvPr>
+        </p:nvSpPr>
+        <p:spPr/>
+        <p:txBody>
+          <a:bodyPr/>
+          <a:lstStyle/>
+          <a:p>
+            <a:r>
+              <a:rPr lang="de-AT" dirty="0" err="1" smtClean="0"/>
+              <a:t>Corba</a:t>
+            </a:r>
+            <a:endParaRPr lang="de-AT" dirty="0"/>
+          </a:p>
+        </p:txBody>
+      </p:sp>
+      <p:sp>
+        <p:nvSpPr>
+          <p:cNvPr id="4" name="Content Placeholder 3"/>
+          <p:cNvSpPr>
+            <a:spLocks noGrp="1"/>
+          </p:cNvSpPr>
+          <p:nvPr>
+            <p:ph sz="half" idx="2"/>
+          </p:nvPr>
+        </p:nvSpPr>
+        <p:spPr/>
+        <p:txBody>
+          <a:bodyPr>
+            <a:normAutofit fontScale="92500" lnSpcReduction="20000"/>
+          </a:bodyPr>
+          <a:lstStyle/>
+          <a:p>
+            <a:pPr marL="0" indent="0">
+              <a:buNone/>
+            </a:pPr>
+            <a:r>
+              <a:rPr lang="de-AT" sz="2000" dirty="0" smtClean="0"/>
+              <a:t>String[] args1 = </a:t>
+            </a:r>
+            <a:r>
+              <a:rPr lang="de-AT" sz="2000" dirty="0" err="1" smtClean="0"/>
+              <a:t>new</a:t>
+            </a:r>
+            <a:r>
+              <a:rPr lang="de-AT" sz="2000" dirty="0" smtClean="0"/>
+              <a:t> String[] {"-</a:t>
+            </a:r>
+            <a:r>
+              <a:rPr lang="de-AT" sz="2000" dirty="0" err="1" smtClean="0"/>
+              <a:t>ORBInitialPort</a:t>
+            </a:r>
+            <a:r>
+              <a:rPr lang="de-AT" sz="2000" dirty="0" smtClean="0"/>
+              <a:t>", "2050"};</a:t>
+            </a:r>
+          </a:p>
+          <a:p>
+            <a:pPr marL="0" indent="0">
+              <a:buNone/>
+            </a:pPr>
+            <a:r>
+              <a:rPr lang="de-AT" sz="2000" dirty="0" smtClean="0"/>
+              <a:t>ORB </a:t>
+            </a:r>
+            <a:r>
+              <a:rPr lang="de-AT" sz="2000" dirty="0" err="1" smtClean="0"/>
+              <a:t>orb</a:t>
+            </a:r>
+            <a:r>
+              <a:rPr lang="de-AT" sz="2000" dirty="0" smtClean="0"/>
+              <a:t> = </a:t>
+            </a:r>
+            <a:r>
+              <a:rPr lang="de-AT" sz="2000" dirty="0" err="1" smtClean="0"/>
+              <a:t>ORB.init</a:t>
+            </a:r>
+            <a:r>
+              <a:rPr lang="de-AT" sz="2000" dirty="0" smtClean="0"/>
+              <a:t>(args1, null);</a:t>
+            </a:r>
+          </a:p>
+          <a:p>
+            <a:pPr marL="0" indent="0">
+              <a:buNone/>
+            </a:pPr>
+            <a:r>
+              <a:rPr lang="de-AT" sz="2000" dirty="0" err="1" smtClean="0"/>
+              <a:t>org.omg.CORBA.Object</a:t>
+            </a:r>
+            <a:r>
+              <a:rPr lang="de-AT" sz="2000" dirty="0" smtClean="0"/>
+              <a:t> </a:t>
+            </a:r>
+            <a:r>
+              <a:rPr lang="de-AT" sz="2000" dirty="0" err="1" smtClean="0"/>
+              <a:t>objRef</a:t>
+            </a:r>
+            <a:r>
+              <a:rPr lang="de-AT" sz="2000" dirty="0" smtClean="0"/>
+              <a:t> = </a:t>
+            </a:r>
+            <a:r>
+              <a:rPr lang="de-AT" sz="2000" dirty="0" err="1" smtClean="0"/>
+              <a:t>orb.resolve_initial_references</a:t>
+            </a:r>
+            <a:r>
+              <a:rPr lang="de-AT" sz="2000" dirty="0" smtClean="0"/>
+              <a:t>("</a:t>
+            </a:r>
+            <a:r>
+              <a:rPr lang="de-AT" sz="2000" dirty="0" err="1" smtClean="0"/>
+              <a:t>NameService</a:t>
+            </a:r>
+            <a:r>
+              <a:rPr lang="de-AT" sz="2000" dirty="0" smtClean="0"/>
+              <a:t>");</a:t>
+            </a:r>
+          </a:p>
+          <a:p>
+            <a:pPr marL="0" indent="0">
+              <a:buNone/>
+            </a:pPr>
+            <a:r>
+              <a:rPr lang="de-AT" sz="2000" dirty="0" err="1" smtClean="0"/>
+              <a:t>NamingContextExt</a:t>
+            </a:r>
+            <a:r>
+              <a:rPr lang="de-AT" sz="2000" dirty="0" smtClean="0"/>
+              <a:t> </a:t>
+            </a:r>
+            <a:r>
+              <a:rPr lang="de-AT" sz="2000" dirty="0" err="1" smtClean="0"/>
+              <a:t>ncRef</a:t>
+            </a:r>
+            <a:r>
+              <a:rPr lang="de-AT" sz="2000" dirty="0" smtClean="0"/>
+              <a:t> = </a:t>
+            </a:r>
+            <a:r>
+              <a:rPr lang="de-AT" sz="2000" dirty="0" err="1" smtClean="0"/>
+              <a:t>NamingContextExtHelper.narrow</a:t>
+            </a:r>
+            <a:r>
+              <a:rPr lang="de-AT" sz="2000" dirty="0" smtClean="0"/>
+              <a:t>(</a:t>
+            </a:r>
+            <a:r>
+              <a:rPr lang="de-AT" sz="2000" dirty="0" err="1" smtClean="0"/>
+              <a:t>objRef</a:t>
+            </a:r>
+            <a:r>
+              <a:rPr lang="de-AT" sz="2000" dirty="0" smtClean="0"/>
+              <a:t>); </a:t>
+            </a:r>
+          </a:p>
+          <a:p>
+            <a:pPr marL="0" indent="0">
+              <a:buNone/>
+            </a:pPr>
+            <a:r>
+              <a:rPr lang="de-AT" sz="2000" dirty="0" err="1" smtClean="0">
+                <a:solidFill>
+                  <a:srgbClr val="FF0000"/>
+                </a:solidFill>
+              </a:rPr>
+              <a:t>MatchresultDataprovider</a:t>
+            </a:r>
+            <a:r>
+              <a:rPr lang="de-AT" sz="2000" dirty="0" smtClean="0">
+                <a:solidFill>
+                  <a:srgbClr val="FF0000"/>
+                </a:solidFill>
+              </a:rPr>
+              <a:t> </a:t>
+            </a:r>
+            <a:r>
+              <a:rPr lang="de-AT" sz="2000" dirty="0" err="1" smtClean="0">
+                <a:solidFill>
+                  <a:srgbClr val="FF0000"/>
+                </a:solidFill>
+              </a:rPr>
+              <a:t>matchresultDataprovider</a:t>
+            </a:r>
+            <a:r>
+              <a:rPr lang="de-AT" sz="2000" dirty="0" smtClean="0">
+                <a:solidFill>
+                  <a:srgbClr val="FF0000"/>
+                </a:solidFill>
+              </a:rPr>
+              <a:t> </a:t>
+            </a:r>
+            <a:r>
+              <a:rPr lang="de-AT" sz="2000" dirty="0" smtClean="0"/>
+              <a:t>= </a:t>
+            </a:r>
+            <a:r>
+              <a:rPr lang="de-AT" sz="2000" dirty="0" err="1" smtClean="0"/>
+              <a:t>MatchresultDataproviderHelper.narrow</a:t>
+            </a:r>
+            <a:r>
+              <a:rPr lang="de-AT" sz="2000" dirty="0" smtClean="0"/>
+              <a:t>(</a:t>
+            </a:r>
+            <a:r>
+              <a:rPr lang="de-AT" sz="2000" dirty="0" err="1" smtClean="0"/>
+              <a:t>ncRef.resolve_str</a:t>
+            </a:r>
+            <a:r>
+              <a:rPr lang="de-AT" sz="2000" dirty="0" smtClean="0"/>
+              <a:t>("</a:t>
+            </a:r>
+            <a:r>
+              <a:rPr lang="de-AT" sz="2000" dirty="0" err="1" smtClean="0"/>
+              <a:t>HelloObject</a:t>
+            </a:r>
+            <a:r>
+              <a:rPr lang="de-AT" sz="2000" dirty="0" smtClean="0"/>
+              <a:t>"));</a:t>
+            </a:r>
+            <a:endParaRPr lang="de-AT" sz="2000" dirty="0"/>
+          </a:p>
+        </p:txBody>
+      </p:sp>
+      <p:sp>
+        <p:nvSpPr>
+          <p:cNvPr id="5" name="Text Placeholder 4"/>
+          <p:cNvSpPr>
+            <a:spLocks noGrp="1"/>
+          </p:cNvSpPr>
+          <p:nvPr>
+            <p:ph type="body" sz="quarter" idx="3"/>
+          </p:nvPr>
+        </p:nvSpPr>
+        <p:spPr/>
+        <p:txBody>
+          <a:bodyPr/>
+          <a:lstStyle/>
+          <a:p>
+            <a:r>
+              <a:rPr lang="de-AT" dirty="0" smtClean="0"/>
+              <a:t>Webservices</a:t>
+            </a:r>
+            <a:endParaRPr lang="de-AT" dirty="0"/>
+          </a:p>
+        </p:txBody>
+      </p:sp>
+      <p:sp>
+        <p:nvSpPr>
+          <p:cNvPr id="6" name="Content Placeholder 5"/>
+          <p:cNvSpPr>
+            <a:spLocks noGrp="1"/>
+          </p:cNvSpPr>
+          <p:nvPr>
+            <p:ph sz="quarter" idx="4"/>
+          </p:nvPr>
+        </p:nvSpPr>
+        <p:spPr/>
+        <p:txBody>
+          <a:bodyPr/>
+          <a:lstStyle/>
+          <a:p>
+            <a:pPr marL="0" indent="0">
+              <a:buNone/>
+            </a:pPr>
+            <a:r>
+              <a:rPr lang="de-AT" dirty="0" smtClean="0">
+                <a:solidFill>
+                  <a:srgbClr val="FF0000"/>
+                </a:solidFill>
+              </a:rPr>
+              <a:t>ServiceReference1.MatchSvcClient </a:t>
+            </a:r>
+            <a:r>
+              <a:rPr lang="de-AT" dirty="0" err="1" smtClean="0">
+                <a:solidFill>
+                  <a:srgbClr val="FF0000"/>
+                </a:solidFill>
+              </a:rPr>
+              <a:t>client</a:t>
+            </a:r>
+            <a:r>
+              <a:rPr lang="de-AT" dirty="0" smtClean="0">
+                <a:solidFill>
+                  <a:srgbClr val="FF0000"/>
+                </a:solidFill>
+              </a:rPr>
+              <a:t> </a:t>
+            </a:r>
+            <a:r>
+              <a:rPr lang="de-AT" dirty="0" smtClean="0"/>
+              <a:t>= </a:t>
+            </a:r>
+            <a:r>
+              <a:rPr lang="de-AT" dirty="0" err="1" smtClean="0"/>
+              <a:t>new</a:t>
+            </a:r>
+            <a:r>
+              <a:rPr lang="de-AT" dirty="0" smtClean="0"/>
+              <a:t> ServiceReference1.MatchSvcClient();</a:t>
+            </a:r>
+            <a:endParaRPr lang="de-AT" dirty="0"/>
+          </a:p>
+        </p:txBody>
+      </p:sp>
+      <p:sp>
+        <p:nvSpPr>
+          <p:cNvPr id="2" name="Title 1"/>
+          <p:cNvSpPr>
+            <a:spLocks noGrp="1"/>
+          </p:cNvSpPr>
+          <p:nvPr>
+            <p:ph type="title"/>
+          </p:nvPr>
+        </p:nvSpPr>
+        <p:spPr/>
+        <p:txBody>
+          <a:bodyPr/>
+          <a:lstStyle/>
+          <a:p>
+            <a:r>
+              <a:rPr lang="de-AT" dirty="0" smtClean="0"/>
+              <a:t>Client-Anbindung</a:t>
+            </a:r>
+            <a:endParaRPr lang="de-AT" dirty="0"/>
+          </a:p>
+        </p:txBody>
+      </p:sp>
+    </p:spTree>
+    <p:extLst>
+      <p:ext uri="{BB962C8B-B14F-4D97-AF65-F5344CB8AC3E}">
+        <p14:creationId xmlns:p14="http://schemas.microsoft.com/office/powerpoint/2010/main" val="4196813996"/>
+      </p:ext>
+    </p:extLst>
+  </p:cSld>
+  <p:clrMapOvr>
+    <a:masterClrMapping/>
+  </p:clrMapOvr>
+</p:sld>
+</file>
+
+<file path=ppt/slides/slide33.xml><?xml version="1.0" encoding="utf-8"?>
+<p:sld xmlns:a="http://schemas.openxmlformats.org/drawingml/2006/main" xmlns:r="http://schemas.openxmlformats.org/officeDocument/2006/relationships" xmlns:p="http://schemas.openxmlformats.org/presentationml/2006/main">
+  <p:cSld>
+    <p:spTree>
+      <p:nvGrpSpPr>
+        <p:cNvPr id="1" name=""/>
+        <p:cNvGrpSpPr/>
+        <p:nvPr/>
+      </p:nvGrpSpPr>
+      <p:grpSpPr>
+        <a:xfrm>
+          <a:off x="0" y="0"/>
+          <a:ext cx="0" cy="0"/>
+          <a:chOff x="0" y="0"/>
+          <a:chExt cx="0" cy="0"/>
+        </a:xfrm>
+      </p:grpSpPr>
+      <p:sp>
+        <p:nvSpPr>
+          <p:cNvPr id="3" name="Text Placeholder 2"/>
+          <p:cNvSpPr>
+            <a:spLocks noGrp="1"/>
+          </p:cNvSpPr>
+          <p:nvPr>
+            <p:ph type="body" idx="1"/>
+          </p:nvPr>
+        </p:nvSpPr>
+        <p:spPr/>
+        <p:txBody>
+          <a:bodyPr/>
+          <a:lstStyle/>
+          <a:p>
+            <a:r>
+              <a:rPr lang="de-AT" dirty="0" err="1" smtClean="0"/>
+              <a:t>Corba</a:t>
+            </a:r>
+            <a:endParaRPr lang="de-AT" dirty="0"/>
+          </a:p>
+        </p:txBody>
+      </p:sp>
+      <p:sp>
+        <p:nvSpPr>
+          <p:cNvPr id="4" name="Content Placeholder 3"/>
+          <p:cNvSpPr>
+            <a:spLocks noGrp="1"/>
+          </p:cNvSpPr>
+          <p:nvPr>
+            <p:ph sz="half" idx="2"/>
+          </p:nvPr>
+        </p:nvSpPr>
+        <p:spPr/>
+        <p:txBody>
+          <a:bodyPr/>
+          <a:lstStyle/>
+          <a:p>
+            <a:pPr marL="0" indent="0">
+              <a:buNone/>
+            </a:pPr>
+            <a:r>
+              <a:rPr lang="de-AT" dirty="0" smtClean="0"/>
+              <a:t>+ Plattformunabhängig</a:t>
+            </a:r>
+          </a:p>
+          <a:p>
+            <a:pPr>
+              <a:buFontTx/>
+              <a:buChar char="-"/>
+            </a:pPr>
+            <a:r>
+              <a:rPr lang="de-AT" dirty="0" err="1" smtClean="0"/>
+              <a:t>Commandozeile</a:t>
+            </a:r>
+            <a:endParaRPr lang="de-AT" dirty="0" smtClean="0"/>
+          </a:p>
+          <a:p>
+            <a:pPr>
+              <a:buFontTx/>
+              <a:buChar char="-"/>
+            </a:pPr>
+            <a:r>
+              <a:rPr lang="de-AT" dirty="0" smtClean="0"/>
+              <a:t>IDL File und Syntax</a:t>
+            </a:r>
+            <a:endParaRPr lang="de-AT" dirty="0"/>
+          </a:p>
+        </p:txBody>
+      </p:sp>
+      <p:sp>
+        <p:nvSpPr>
+          <p:cNvPr id="5" name="Text Placeholder 4"/>
+          <p:cNvSpPr>
+            <a:spLocks noGrp="1"/>
+          </p:cNvSpPr>
+          <p:nvPr>
+            <p:ph type="body" sz="quarter" idx="3"/>
+          </p:nvPr>
+        </p:nvSpPr>
+        <p:spPr/>
+        <p:txBody>
+          <a:bodyPr/>
+          <a:lstStyle/>
+          <a:p>
+            <a:r>
+              <a:rPr lang="de-AT" dirty="0" smtClean="0"/>
+              <a:t>Webservices</a:t>
+            </a:r>
+            <a:endParaRPr lang="de-AT" dirty="0"/>
+          </a:p>
+        </p:txBody>
+      </p:sp>
+      <p:sp>
+        <p:nvSpPr>
+          <p:cNvPr id="6" name="Content Placeholder 5"/>
+          <p:cNvSpPr>
+            <a:spLocks noGrp="1"/>
+          </p:cNvSpPr>
+          <p:nvPr>
+            <p:ph sz="quarter" idx="4"/>
+          </p:nvPr>
+        </p:nvSpPr>
+        <p:spPr/>
+        <p:txBody>
+          <a:bodyPr>
+            <a:normAutofit lnSpcReduction="10000"/>
+          </a:bodyPr>
+          <a:lstStyle/>
+          <a:p>
+            <a:pPr marL="0" indent="0">
+              <a:buNone/>
+            </a:pPr>
+            <a:r>
+              <a:rPr lang="de-AT" dirty="0" smtClean="0"/>
+              <a:t>+ Kann alles was auch </a:t>
+            </a:r>
+            <a:r>
+              <a:rPr lang="de-AT" dirty="0" err="1" smtClean="0"/>
+              <a:t>Corba</a:t>
+            </a:r>
+            <a:r>
+              <a:rPr lang="de-AT" dirty="0" smtClean="0"/>
+              <a:t> kann</a:t>
+            </a:r>
+          </a:p>
+          <a:p>
+            <a:pPr marL="0" indent="0">
+              <a:buNone/>
+            </a:pPr>
+            <a:r>
+              <a:rPr lang="de-AT" dirty="0" smtClean="0"/>
+              <a:t>+ aktueller</a:t>
+            </a:r>
+          </a:p>
+          <a:p>
+            <a:pPr marL="0" indent="0">
+              <a:buNone/>
+            </a:pPr>
+            <a:r>
+              <a:rPr lang="de-AT" dirty="0" smtClean="0"/>
+              <a:t>+ Besseres </a:t>
+            </a:r>
+            <a:r>
+              <a:rPr lang="de-AT" dirty="0" err="1" smtClean="0"/>
+              <a:t>Tooling</a:t>
+            </a:r>
+            <a:r>
+              <a:rPr lang="de-AT" dirty="0" smtClean="0"/>
+              <a:t>, da kein IDL</a:t>
+            </a:r>
+          </a:p>
+          <a:p>
+            <a:pPr marL="0" indent="0">
+              <a:buNone/>
+            </a:pPr>
+            <a:r>
+              <a:rPr lang="de-AT" dirty="0" smtClean="0"/>
+              <a:t>+ Einfache Portierung von </a:t>
+            </a:r>
+            <a:r>
+              <a:rPr lang="de-AT" dirty="0" err="1" smtClean="0"/>
+              <a:t>Corba</a:t>
+            </a:r>
+            <a:endParaRPr lang="de-AT" dirty="0" smtClean="0"/>
+          </a:p>
+          <a:p>
+            <a:pPr>
+              <a:buFontTx/>
+              <a:buChar char="-"/>
+            </a:pPr>
+            <a:r>
+              <a:rPr lang="de-AT" dirty="0" smtClean="0"/>
+              <a:t>Braucht einen Webserver (</a:t>
+            </a:r>
+            <a:r>
+              <a:rPr lang="de-AT" dirty="0" err="1" smtClean="0"/>
+              <a:t>Glassfish</a:t>
+            </a:r>
+            <a:r>
+              <a:rPr lang="de-AT" dirty="0" smtClean="0"/>
+              <a:t>, IIS, usw.)</a:t>
+            </a:r>
+          </a:p>
+          <a:p>
+            <a:pPr>
+              <a:buFontTx/>
+              <a:buChar char="-"/>
+            </a:pPr>
+            <a:r>
+              <a:rPr lang="de-AT" dirty="0" smtClean="0"/>
+              <a:t>Für die Anbindung muss der Service aktiv sein</a:t>
+            </a:r>
+          </a:p>
+          <a:p>
+            <a:pPr>
+              <a:buFontTx/>
+              <a:buChar char="-"/>
+            </a:pPr>
+            <a:endParaRPr lang="de-AT" dirty="0"/>
+          </a:p>
+        </p:txBody>
+      </p:sp>
+      <p:sp>
+        <p:nvSpPr>
+          <p:cNvPr id="2" name="Title 1"/>
+          <p:cNvSpPr>
+            <a:spLocks noGrp="1"/>
+          </p:cNvSpPr>
+          <p:nvPr>
+            <p:ph type="title"/>
+          </p:nvPr>
+        </p:nvSpPr>
+        <p:spPr/>
+        <p:txBody>
+          <a:bodyPr/>
+          <a:lstStyle/>
+          <a:p>
+            <a:r>
+              <a:rPr lang="de-AT" dirty="0" smtClean="0"/>
+              <a:t>Fazit</a:t>
+            </a:r>
+            <a:endParaRPr lang="de-AT" dirty="0"/>
+          </a:p>
+        </p:txBody>
+      </p:sp>
+    </p:spTree>
+    <p:extLst>
+      <p:ext uri="{BB962C8B-B14F-4D97-AF65-F5344CB8AC3E}">
+        <p14:creationId xmlns:p14="http://schemas.microsoft.com/office/powerpoint/2010/main" val="2744333271"/>
+      </p:ext>
+    </p:extLst>
+  </p:cSld>
+  <p:clrMapOvr>
+    <a:masterClrMapping/>
+  </p:clrMapOvr>
+</p:sld>
+</file>
+
+<file path=ppt/slides/slide34.xml><?xml version="1.0" encoding="utf-8"?>
+<p:sld xmlns:a="http://schemas.openxmlformats.org/drawingml/2006/main" xmlns:r="http://schemas.openxmlformats.org/officeDocument/2006/relationships" xmlns:p="http://schemas.openxmlformats.org/presentationml/2006/main">
+  <p:cSld>
+    <p:spTree>
+      <p:nvGrpSpPr>
+        <p:cNvPr id="1" name=""/>
+        <p:cNvGrpSpPr/>
+        <p:nvPr/>
+      </p:nvGrpSpPr>
+      <p:grpSpPr>
+        <a:xfrm>
+          <a:off x="0" y="0"/>
+          <a:ext cx="0" cy="0"/>
+          <a:chOff x="0" y="0"/>
+          <a:chExt cx="0" cy="0"/>
+        </a:xfrm>
+      </p:grpSpPr>
+      <p:sp>
+        <p:nvSpPr>
+          <p:cNvPr id="2" name="Titel 1"/>
+          <p:cNvSpPr>
+            <a:spLocks noGrp="1"/>
+          </p:cNvSpPr>
+          <p:nvPr>
+            <p:ph type="title"/>
+          </p:nvPr>
+        </p:nvSpPr>
+        <p:spPr/>
+        <p:txBody>
+          <a:bodyPr/>
+          <a:lstStyle/>
+          <a:p>
+            <a:r>
+              <a:rPr lang="de-AT" dirty="0" smtClean="0"/>
+              <a:t>GUI und Tests</a:t>
+            </a:r>
+            <a:endParaRPr lang="de-AT" dirty="0"/>
+          </a:p>
+        </p:txBody>
+      </p:sp>
+      <p:sp>
+        <p:nvSpPr>
+          <p:cNvPr id="3" name="Textplatzhalter 2"/>
+          <p:cNvSpPr>
+            <a:spLocks noGrp="1"/>
+          </p:cNvSpPr>
+          <p:nvPr>
+            <p:ph type="body" idx="1"/>
+          </p:nvPr>
+        </p:nvSpPr>
+        <p:spPr/>
+        <p:txBody>
+          <a:bodyPr/>
+          <a:lstStyle/>
+          <a:p>
+            <a:endParaRPr lang="de-AT"/>
+          </a:p>
+        </p:txBody>
+      </p:sp>
+    </p:spTree>
+    <p:extLst>
+      <p:ext uri="{BB962C8B-B14F-4D97-AF65-F5344CB8AC3E}">
+        <p14:creationId xmlns:p14="http://schemas.microsoft.com/office/powerpoint/2010/main" val="791360354"/>
+      </p:ext>
+    </p:extLst>
+  </p:cSld>
+  <p:clrMapOvr>
+    <a:masterClrMapping/>
+  </p:clrMapOvr>
+</p:sld>
+</file>
+
+<file path=ppt/slides/slide35.xml><?xml version="1.0" encoding="utf-8"?>
+<p:sld xmlns:a="http://schemas.openxmlformats.org/drawingml/2006/main" xmlns:r="http://schemas.openxmlformats.org/officeDocument/2006/relationships" xmlns:p="http://schemas.openxmlformats.org/presentationml/2006/main">
+  <p:cSld>
+    <p:spTree>
+      <p:nvGrpSpPr>
+        <p:cNvPr id="1" name=""/>
+        <p:cNvGrpSpPr/>
+        <p:nvPr/>
+      </p:nvGrpSpPr>
+      <p:grpSpPr>
+        <a:xfrm>
+          <a:off x="0" y="0"/>
+          <a:ext cx="0" cy="0"/>
+          <a:chOff x="0" y="0"/>
+          <a:chExt cx="0" cy="0"/>
+        </a:xfrm>
+      </p:grpSpPr>
+      <p:sp>
+        <p:nvSpPr>
+          <p:cNvPr id="2" name="Titel 1"/>
+          <p:cNvSpPr>
+            <a:spLocks noGrp="1"/>
+          </p:cNvSpPr>
+          <p:nvPr>
+            <p:ph type="title"/>
+          </p:nvPr>
+        </p:nvSpPr>
+        <p:spPr/>
+        <p:txBody>
+          <a:bodyPr/>
+          <a:lstStyle/>
+          <a:p>
+            <a:r>
+              <a:rPr lang="de-AT" dirty="0" smtClean="0"/>
+              <a:t>Allgemeines zur Oberfläche</a:t>
+            </a:r>
+            <a:endParaRPr lang="de-AT" dirty="0"/>
+          </a:p>
+        </p:txBody>
+      </p:sp>
+      <p:sp>
+        <p:nvSpPr>
+          <p:cNvPr id="3" name="Inhaltsplatzhalter 2"/>
+          <p:cNvSpPr>
+            <a:spLocks noGrp="1"/>
+          </p:cNvSpPr>
+          <p:nvPr>
+            <p:ph idx="1"/>
+          </p:nvPr>
+        </p:nvSpPr>
+        <p:spPr/>
+        <p:txBody>
+          <a:bodyPr/>
+          <a:lstStyle/>
+          <a:p>
+            <a:pPr>
+              <a:buFont typeface="Arial" panose="020B0604020202020204" pitchFamily="34" charset="0"/>
+              <a:buChar char="•"/>
+            </a:pPr>
+            <a:r>
+              <a:rPr lang="de-AT" dirty="0" smtClean="0"/>
+              <a:t>Swing – GUI</a:t>
+            </a:r>
+          </a:p>
+          <a:p>
+            <a:pPr>
+              <a:buFont typeface="Arial" panose="020B0604020202020204" pitchFamily="34" charset="0"/>
+              <a:buChar char="•"/>
+            </a:pPr>
+            <a:r>
+              <a:rPr lang="de-AT" dirty="0" smtClean="0"/>
+              <a:t>möglichst wenig Logik</a:t>
+            </a:r>
+          </a:p>
+          <a:p>
+            <a:pPr lvl="1">
+              <a:buFont typeface="Arial" panose="020B0604020202020204" pitchFamily="34" charset="0"/>
+              <a:buChar char="•"/>
+            </a:pPr>
+            <a:r>
+              <a:rPr lang="de-AT" dirty="0" smtClean="0"/>
+              <a:t>-&gt; </a:t>
+            </a:r>
+            <a:r>
+              <a:rPr lang="de-AT" dirty="0" err="1" smtClean="0"/>
+              <a:t>UseCase</a:t>
+            </a:r>
+            <a:r>
+              <a:rPr lang="de-AT" dirty="0" smtClean="0"/>
+              <a:t> Controllern</a:t>
+            </a:r>
+          </a:p>
+          <a:p>
+            <a:pPr>
+              <a:buFont typeface="Arial" panose="020B0604020202020204" pitchFamily="34" charset="0"/>
+              <a:buChar char="•"/>
+            </a:pPr>
+            <a:r>
+              <a:rPr lang="de-AT" dirty="0" err="1" smtClean="0"/>
+              <a:t>IUseCaseControllerFactory</a:t>
+            </a:r>
+            <a:r>
+              <a:rPr lang="de-AT" dirty="0"/>
+              <a:t> </a:t>
+            </a:r>
+            <a:endParaRPr lang="de-AT" dirty="0" smtClean="0"/>
+          </a:p>
+          <a:p>
+            <a:pPr lvl="1">
+              <a:buFont typeface="Arial" panose="020B0604020202020204" pitchFamily="34" charset="0"/>
+              <a:buChar char="•"/>
+            </a:pPr>
+            <a:r>
+              <a:rPr lang="de-AT" dirty="0" smtClean="0"/>
+              <a:t>-&gt; vereinfacht Technologie Anpassung</a:t>
+            </a:r>
+          </a:p>
+          <a:p>
+            <a:pPr>
+              <a:buFont typeface="Arial" panose="020B0604020202020204" pitchFamily="34" charset="0"/>
+              <a:buChar char="•"/>
+            </a:pPr>
+            <a:r>
+              <a:rPr lang="de-AT" dirty="0" smtClean="0"/>
+              <a:t>Actions vermitteln</a:t>
+            </a:r>
+            <a:endParaRPr lang="de-AT" dirty="0"/>
+          </a:p>
+        </p:txBody>
+      </p:sp>
+    </p:spTree>
+    <p:extLst>
+      <p:ext uri="{BB962C8B-B14F-4D97-AF65-F5344CB8AC3E}">
+        <p14:creationId xmlns:p14="http://schemas.microsoft.com/office/powerpoint/2010/main" val="3047194823"/>
+      </p:ext>
+    </p:extLst>
+  </p:cSld>
+  <p:clrMapOvr>
+    <a:masterClrMapping/>
+  </p:clrMapOvr>
+</p:sld>
+</file>
+
+<file path=ppt/slides/slide36.xml><?xml version="1.0" encoding="utf-8"?>
+<p:sld xmlns:a="http://schemas.openxmlformats.org/drawingml/2006/main" xmlns:r="http://schemas.openxmlformats.org/officeDocument/2006/relationships" xmlns:p="http://schemas.openxmlformats.org/presentationml/2006/main">
+  <p:cSld>
+    <p:spTree>
+      <p:nvGrpSpPr>
+        <p:cNvPr id="1" name=""/>
+        <p:cNvGrpSpPr/>
+        <p:nvPr/>
+      </p:nvGrpSpPr>
+      <p:grpSpPr>
+        <a:xfrm>
+          <a:off x="0" y="0"/>
+          <a:ext cx="0" cy="0"/>
+          <a:chOff x="0" y="0"/>
+          <a:chExt cx="0" cy="0"/>
+        </a:xfrm>
+      </p:grpSpPr>
+      <p:sp>
+        <p:nvSpPr>
+          <p:cNvPr id="2" name="Titel 1"/>
+          <p:cNvSpPr>
+            <a:spLocks noGrp="1"/>
+          </p:cNvSpPr>
+          <p:nvPr>
+            <p:ph type="title"/>
+          </p:nvPr>
+        </p:nvSpPr>
+        <p:spPr/>
+        <p:txBody>
+          <a:bodyPr>
+            <a:normAutofit/>
+          </a:bodyPr>
+          <a:lstStyle/>
+          <a:p>
+            <a:r>
+              <a:rPr lang="de-AT" dirty="0" err="1" smtClean="0"/>
+              <a:t>UseCase</a:t>
+            </a:r>
+            <a:r>
+              <a:rPr lang="de-AT" smtClean="0"/>
+              <a:t> Controller </a:t>
+            </a:r>
+            <a:r>
+              <a:rPr lang="de-AT" dirty="0" smtClean="0"/>
+              <a:t>Factory</a:t>
+            </a:r>
+            <a:endParaRPr lang="de-AT" dirty="0"/>
+          </a:p>
+        </p:txBody>
+      </p:sp>
+      <p:sp>
+        <p:nvSpPr>
+          <p:cNvPr id="3" name="Inhaltsplatzhalter 2"/>
+          <p:cNvSpPr>
+            <a:spLocks noGrp="1"/>
+          </p:cNvSpPr>
+          <p:nvPr>
+            <p:ph idx="1"/>
+          </p:nvPr>
+        </p:nvSpPr>
+        <p:spPr/>
+        <p:txBody>
+          <a:bodyPr>
+            <a:noAutofit/>
+          </a:bodyPr>
+          <a:lstStyle/>
+          <a:p>
+            <a:pPr marL="0" indent="0">
+              <a:buNone/>
+            </a:pPr>
+            <a:r>
+              <a:rPr lang="de-AT" sz="2000" dirty="0" err="1">
+                <a:cs typeface="Consolas" pitchFamily="49" charset="0"/>
+              </a:rPr>
+              <a:t>public</a:t>
+            </a:r>
+            <a:r>
+              <a:rPr lang="de-AT" sz="2000" dirty="0">
+                <a:cs typeface="Consolas" pitchFamily="49" charset="0"/>
+              </a:rPr>
+              <a:t> </a:t>
+            </a:r>
+            <a:r>
+              <a:rPr lang="de-AT" sz="2000" dirty="0" err="1">
+                <a:cs typeface="Consolas" pitchFamily="49" charset="0"/>
+              </a:rPr>
+              <a:t>interface</a:t>
+            </a:r>
+            <a:r>
+              <a:rPr lang="de-AT" sz="2000" dirty="0">
+                <a:cs typeface="Consolas" pitchFamily="49" charset="0"/>
+              </a:rPr>
+              <a:t> </a:t>
+            </a:r>
+            <a:r>
+              <a:rPr lang="de-AT" sz="2000" dirty="0" err="1">
+                <a:cs typeface="Consolas" pitchFamily="49" charset="0"/>
+              </a:rPr>
+              <a:t>IUseCaseControllerFactory</a:t>
+            </a:r>
+            <a:endParaRPr lang="de-AT" sz="2000" dirty="0">
+              <a:cs typeface="Consolas" pitchFamily="49" charset="0"/>
+            </a:endParaRPr>
+          </a:p>
+          <a:p>
+            <a:pPr marL="0" indent="0">
+              <a:buNone/>
+            </a:pPr>
+            <a:r>
+              <a:rPr lang="de-AT" sz="2000" dirty="0">
+                <a:cs typeface="Consolas" pitchFamily="49" charset="0"/>
+              </a:rPr>
+              <a:t>{</a:t>
+            </a:r>
+          </a:p>
+          <a:p>
+            <a:pPr marL="0" indent="0">
+              <a:buNone/>
+            </a:pPr>
+            <a:r>
+              <a:rPr lang="de-AT" sz="2000" dirty="0">
+                <a:cs typeface="Consolas" pitchFamily="49" charset="0"/>
+              </a:rPr>
+              <a:t>    </a:t>
+            </a:r>
+            <a:r>
+              <a:rPr lang="de-AT" sz="2000" dirty="0" err="1">
+                <a:cs typeface="Consolas" pitchFamily="49" charset="0"/>
+              </a:rPr>
+              <a:t>IAddMatchResultsController</a:t>
+            </a:r>
+            <a:r>
+              <a:rPr lang="de-AT" sz="2000" dirty="0">
+                <a:cs typeface="Consolas" pitchFamily="49" charset="0"/>
+              </a:rPr>
+              <a:t> </a:t>
+            </a:r>
+            <a:r>
+              <a:rPr lang="de-AT" sz="2000" dirty="0" err="1">
+                <a:cs typeface="Consolas" pitchFamily="49" charset="0"/>
+              </a:rPr>
+              <a:t>getAddMatchResultsController</a:t>
+            </a:r>
+            <a:r>
+              <a:rPr lang="de-AT" sz="2000" dirty="0">
+                <a:cs typeface="Consolas" pitchFamily="49" charset="0"/>
+              </a:rPr>
+              <a:t>()</a:t>
+            </a:r>
+          </a:p>
+          <a:p>
+            <a:pPr marL="0" indent="0">
+              <a:buNone/>
+            </a:pPr>
+            <a:r>
+              <a:rPr lang="de-AT" sz="2000" dirty="0">
+                <a:cs typeface="Consolas" pitchFamily="49" charset="0"/>
+              </a:rPr>
+              <a:t>            </a:t>
+            </a:r>
+            <a:r>
+              <a:rPr lang="de-AT" sz="2000" dirty="0" err="1">
+                <a:cs typeface="Consolas" pitchFamily="49" charset="0"/>
+              </a:rPr>
+              <a:t>throws</a:t>
+            </a:r>
+            <a:r>
+              <a:rPr lang="de-AT" sz="2000" dirty="0">
+                <a:cs typeface="Consolas" pitchFamily="49" charset="0"/>
+              </a:rPr>
+              <a:t> </a:t>
+            </a:r>
+            <a:r>
+              <a:rPr lang="de-AT" sz="2000" dirty="0" err="1">
+                <a:cs typeface="Consolas" pitchFamily="49" charset="0"/>
+              </a:rPr>
+              <a:t>ServiceNotAvailableException</a:t>
+            </a:r>
+            <a:r>
+              <a:rPr lang="de-AT" sz="2000" dirty="0">
+                <a:cs typeface="Consolas" pitchFamily="49" charset="0"/>
+              </a:rPr>
+              <a:t>;</a:t>
+            </a:r>
+          </a:p>
+          <a:p>
+            <a:pPr marL="0" indent="0">
+              <a:buNone/>
+            </a:pPr>
+            <a:endParaRPr lang="de-AT" sz="2000" dirty="0">
+              <a:cs typeface="Consolas" pitchFamily="49" charset="0"/>
+            </a:endParaRPr>
+          </a:p>
+          <a:p>
+            <a:pPr marL="0" indent="0">
+              <a:buNone/>
+            </a:pPr>
+            <a:r>
+              <a:rPr lang="de-AT" sz="2000" dirty="0">
+                <a:cs typeface="Consolas" pitchFamily="49" charset="0"/>
+              </a:rPr>
+              <a:t>    </a:t>
+            </a:r>
+            <a:r>
+              <a:rPr lang="de-AT" sz="2000" dirty="0" err="1">
+                <a:cs typeface="Consolas" pitchFamily="49" charset="0"/>
+              </a:rPr>
+              <a:t>IChangeCompetitionTeamController</a:t>
+            </a:r>
+            <a:r>
+              <a:rPr lang="de-AT" sz="2000" dirty="0">
+                <a:cs typeface="Consolas" pitchFamily="49" charset="0"/>
+              </a:rPr>
+              <a:t> </a:t>
+            </a:r>
+            <a:r>
+              <a:rPr lang="de-AT" sz="2000" dirty="0" err="1">
+                <a:cs typeface="Consolas" pitchFamily="49" charset="0"/>
+              </a:rPr>
+              <a:t>getChangeCompetitionTeamController</a:t>
+            </a:r>
+            <a:r>
+              <a:rPr lang="de-AT" sz="2000" dirty="0">
+                <a:cs typeface="Consolas" pitchFamily="49" charset="0"/>
+              </a:rPr>
+              <a:t>()</a:t>
+            </a:r>
+          </a:p>
+          <a:p>
+            <a:pPr marL="0" indent="0">
+              <a:buNone/>
+            </a:pPr>
+            <a:r>
+              <a:rPr lang="de-AT" sz="2000" dirty="0">
+                <a:cs typeface="Consolas" pitchFamily="49" charset="0"/>
+              </a:rPr>
+              <a:t>            </a:t>
+            </a:r>
+            <a:r>
+              <a:rPr lang="de-AT" sz="2000" dirty="0" err="1">
+                <a:cs typeface="Consolas" pitchFamily="49" charset="0"/>
+              </a:rPr>
+              <a:t>throws</a:t>
+            </a:r>
+            <a:r>
+              <a:rPr lang="de-AT" sz="2000" dirty="0">
+                <a:cs typeface="Consolas" pitchFamily="49" charset="0"/>
+              </a:rPr>
+              <a:t> </a:t>
+            </a:r>
+            <a:r>
+              <a:rPr lang="de-AT" sz="2000" dirty="0" err="1">
+                <a:cs typeface="Consolas" pitchFamily="49" charset="0"/>
+              </a:rPr>
+              <a:t>ServiceNotAvailableException</a:t>
+            </a:r>
+            <a:r>
+              <a:rPr lang="de-AT" sz="2000" dirty="0" smtClean="0">
+                <a:cs typeface="Consolas" pitchFamily="49" charset="0"/>
+              </a:rPr>
+              <a:t>;</a:t>
+            </a:r>
+            <a:endParaRPr lang="de-AT" sz="2000" dirty="0">
+              <a:cs typeface="Consolas" pitchFamily="49" charset="0"/>
+            </a:endParaRPr>
+          </a:p>
+          <a:p>
+            <a:pPr marL="0" indent="0">
+              <a:buNone/>
+            </a:pPr>
+            <a:r>
+              <a:rPr lang="de-AT" sz="2000" dirty="0">
+                <a:cs typeface="Consolas" pitchFamily="49" charset="0"/>
+              </a:rPr>
+              <a:t>    </a:t>
+            </a:r>
+            <a:r>
+              <a:rPr lang="de-AT" sz="2000" dirty="0" smtClean="0">
+                <a:cs typeface="Consolas" pitchFamily="49" charset="0"/>
+              </a:rPr>
+              <a:t>…</a:t>
+            </a:r>
+            <a:endParaRPr lang="de-AT" sz="2000" dirty="0">
+              <a:cs typeface="Consolas" pitchFamily="49" charset="0"/>
+            </a:endParaRPr>
+          </a:p>
+          <a:p>
+            <a:pPr marL="0" indent="0">
+              <a:buNone/>
+            </a:pPr>
+            <a:r>
+              <a:rPr lang="de-AT" sz="2000" dirty="0" smtClean="0">
+                <a:cs typeface="Consolas" pitchFamily="49" charset="0"/>
+              </a:rPr>
+              <a:t>}</a:t>
+            </a:r>
+            <a:endParaRPr lang="de-AT" sz="2000" dirty="0">
+              <a:cs typeface="Consolas" pitchFamily="49" charset="0"/>
+            </a:endParaRPr>
+          </a:p>
+        </p:txBody>
+      </p:sp>
+    </p:spTree>
+    <p:extLst>
+      <p:ext uri="{BB962C8B-B14F-4D97-AF65-F5344CB8AC3E}">
+        <p14:creationId xmlns:p14="http://schemas.microsoft.com/office/powerpoint/2010/main" val="808798365"/>
+      </p:ext>
+    </p:extLst>
+  </p:cSld>
+  <p:clrMapOvr>
+    <a:masterClrMapping/>
+  </p:clrMapOvr>
+</p:sld>
+</file>
+
+<file path=ppt/slides/slide37.xml><?xml version="1.0" encoding="utf-8"?>
+<p:sld xmlns:a="http://schemas.openxmlformats.org/drawingml/2006/main" xmlns:r="http://schemas.openxmlformats.org/officeDocument/2006/relationships" xmlns:p="http://schemas.openxmlformats.org/presentationml/2006/main">
+  <p:cSld>
+    <p:spTree>
+      <p:nvGrpSpPr>
+        <p:cNvPr id="1" name=""/>
+        <p:cNvGrpSpPr/>
+        <p:nvPr/>
+      </p:nvGrpSpPr>
+      <p:grpSpPr>
+        <a:xfrm>
+          <a:off x="0" y="0"/>
+          <a:ext cx="0" cy="0"/>
+          <a:chOff x="0" y="0"/>
+          <a:chExt cx="0" cy="0"/>
+        </a:xfrm>
+      </p:grpSpPr>
+      <p:sp>
+        <p:nvSpPr>
+          <p:cNvPr id="2" name="Titel 1"/>
+          <p:cNvSpPr>
+            <a:spLocks noGrp="1"/>
+          </p:cNvSpPr>
+          <p:nvPr>
+            <p:ph type="title"/>
+          </p:nvPr>
+        </p:nvSpPr>
+        <p:spPr/>
+        <p:txBody>
+          <a:bodyPr/>
+          <a:lstStyle/>
+          <a:p>
+            <a:r>
+              <a:rPr lang="de-AT" dirty="0" smtClean="0"/>
+              <a:t>Layout</a:t>
+            </a:r>
+            <a:endParaRPr lang="de-AT" dirty="0"/>
+          </a:p>
+        </p:txBody>
+      </p:sp>
+      <p:sp>
+        <p:nvSpPr>
+          <p:cNvPr id="3" name="Inhaltsplatzhalter 2"/>
+          <p:cNvSpPr>
+            <a:spLocks noGrp="1"/>
+          </p:cNvSpPr>
+          <p:nvPr>
+            <p:ph idx="1"/>
+          </p:nvPr>
+        </p:nvSpPr>
+        <p:spPr/>
+        <p:txBody>
+          <a:bodyPr/>
+          <a:lstStyle/>
+          <a:p>
+            <a:pPr>
+              <a:buFont typeface="Arial" panose="020B0604020202020204" pitchFamily="34" charset="0"/>
+              <a:buChar char="•"/>
+            </a:pPr>
+            <a:r>
+              <a:rPr lang="de-AT" dirty="0" smtClean="0"/>
+              <a:t>Basis Einstiegspunkt</a:t>
+            </a:r>
+          </a:p>
+          <a:p>
+            <a:pPr>
+              <a:buFont typeface="Arial" panose="020B0604020202020204" pitchFamily="34" charset="0"/>
+              <a:buChar char="•"/>
+            </a:pPr>
+            <a:r>
+              <a:rPr lang="de-AT" dirty="0" smtClean="0"/>
+              <a:t>Grob Navigation über Tabs</a:t>
+            </a:r>
+          </a:p>
+          <a:p>
+            <a:pPr lvl="1">
+              <a:buFont typeface="Arial" panose="020B0604020202020204" pitchFamily="34" charset="0"/>
+              <a:buChar char="•"/>
+            </a:pPr>
+            <a:r>
+              <a:rPr lang="de-AT" dirty="0" smtClean="0"/>
+              <a:t>Erweiterbarkeit</a:t>
+            </a:r>
+            <a:endParaRPr lang="de-AT" dirty="0"/>
+          </a:p>
+          <a:p>
+            <a:pPr lvl="1">
+              <a:buFont typeface="Arial" panose="020B0604020202020204" pitchFamily="34" charset="0"/>
+              <a:buChar char="•"/>
+            </a:pPr>
+            <a:r>
+              <a:rPr lang="de-AT" dirty="0" smtClean="0"/>
+              <a:t>Übersichtlichkeit</a:t>
+            </a:r>
+          </a:p>
+          <a:p>
+            <a:pPr>
+              <a:buFont typeface="Arial" panose="020B0604020202020204" pitchFamily="34" charset="0"/>
+              <a:buChar char="•"/>
+            </a:pPr>
+            <a:r>
+              <a:rPr lang="de-AT" i="1" dirty="0" smtClean="0"/>
+              <a:t>KISS - Keep </a:t>
+            </a:r>
+            <a:r>
+              <a:rPr lang="de-AT" i="1" dirty="0" err="1" smtClean="0"/>
+              <a:t>it</a:t>
+            </a:r>
+            <a:r>
+              <a:rPr lang="de-AT" i="1" dirty="0" smtClean="0"/>
+              <a:t> simple</a:t>
+            </a:r>
+            <a:endParaRPr lang="de-AT" i="1" dirty="0"/>
+          </a:p>
+        </p:txBody>
+      </p:sp>
+    </p:spTree>
+    <p:extLst>
+      <p:ext uri="{BB962C8B-B14F-4D97-AF65-F5344CB8AC3E}">
+        <p14:creationId xmlns:p14="http://schemas.microsoft.com/office/powerpoint/2010/main" val="3188585542"/>
+      </p:ext>
+    </p:extLst>
+  </p:cSld>
+  <p:clrMapOvr>
+    <a:masterClrMapping/>
+  </p:clrMapOvr>
+</p:sld>
+</file>
+
+<file path=ppt/slides/slide38.xml><?xml version="1.0" encoding="utf-8"?>
+<p:sld xmlns:a="http://schemas.openxmlformats.org/drawingml/2006/main" xmlns:r="http://schemas.openxmlformats.org/officeDocument/2006/relationships" xmlns:p="http://schemas.openxmlformats.org/presentationml/2006/main">
+  <p:cSld>
+    <p:spTree>
+      <p:nvGrpSpPr>
+        <p:cNvPr id="1" name=""/>
+        <p:cNvGrpSpPr/>
+        <p:nvPr/>
+      </p:nvGrpSpPr>
+      <p:grpSpPr>
+        <a:xfrm>
+          <a:off x="0" y="0"/>
+          <a:ext cx="0" cy="0"/>
+          <a:chOff x="0" y="0"/>
+          <a:chExt cx="0" cy="0"/>
+        </a:xfrm>
+      </p:grpSpPr>
+      <p:sp>
+        <p:nvSpPr>
           <p:cNvPr id="2" name="Titel 1"/>
           <p:cNvSpPr>
             <a:spLocks noGrp="1"/>
@@ -11317,7 +11944,7 @@
       </p:sp>
       <p:pic>
         <p:nvPicPr>
-          <p:cNvPr id="4" name="Picture 3"/>
+          <p:cNvPr id="5" name="Picture 3"/>
           <p:cNvPicPr>
             <a:picLocks noChangeAspect="1"/>
           </p:cNvPicPr>
@@ -11341,7 +11968,7 @@
       </p:pic>
       <p:pic>
         <p:nvPicPr>
-          <p:cNvPr id="1026" name="Picture 2" descr="C:\Users\luc\Documents\GitHub\SportsClubManager\Client\src\presentation\logo.jpg"/>
+          <p:cNvPr id="6" name="Picture 2" descr="C:\Users\luc\Documents\GitHub\SportsClubManager\Client\src\presentation\logo.jpg"/>
           <p:cNvPicPr>
             <a:picLocks noChangeAspect="1" noChangeArrowheads="1"/>
           </p:cNvPicPr>
@@ -11393,7 +12020,7 @@
 </p:sld>
 </file>
 
-<file path=ppt/slides/slide32.xml><?xml version="1.0" encoding="utf-8"?>
+<file path=ppt/slides/slide39.xml><?xml version="1.0" encoding="utf-8"?>
 <p:sld xmlns:a="http://schemas.openxmlformats.org/drawingml/2006/main" xmlns:r="http://schemas.openxmlformats.org/officeDocument/2006/relationships" xmlns:p="http://schemas.openxmlformats.org/presentationml/2006/main">
   <p:cSld>
     <p:spTree>
@@ -11454,7 +12081,7 @@
               <a:buNone/>
             </a:pPr>
             <a:r>
-              <a:rPr lang="de-AT" dirty="0" smtClean="0"/>
+              <a:rPr lang="de-AT" dirty="0"/>
               <a:t>Login</a:t>
             </a:r>
           </a:p>
@@ -11463,14 +12090,14 @@
               <a:buNone/>
             </a:pPr>
             <a:r>
-              <a:rPr lang="de-AT" dirty="0" smtClean="0"/>
+              <a:rPr lang="de-AT" dirty="0"/>
               <a:t>Berechtigungsprüfung</a:t>
             </a:r>
           </a:p>
           <a:p>
             <a:pPr lvl="1"/>
             <a:r>
-              <a:rPr lang="de-AT" dirty="0" smtClean="0"/>
+              <a:rPr lang="de-AT" dirty="0"/>
               <a:t>Mitglied </a:t>
             </a:r>
           </a:p>
@@ -11478,58 +12105,40 @@
             <a:pPr lvl="2"/>
             <a:r>
               <a:rPr lang="de-AT" dirty="0"/>
-              <a:t>S</a:t>
-            </a:r>
-            <a:r>
-              <a:rPr lang="de-AT" dirty="0" smtClean="0"/>
-              <a:t>uchen</a:t>
-            </a:r>
+              <a:t>Suchen/ Ändern</a:t>
+            </a:r>
+          </a:p>
+          <a:p>
+            <a:pPr lvl="2"/>
             <a:r>
               <a:rPr lang="de-AT" dirty="0"/>
-              <a:t>/ Ä</a:t>
-            </a:r>
-            <a:r>
-              <a:rPr lang="de-AT" dirty="0" smtClean="0"/>
-              <a:t>ndern</a:t>
+              <a:t>Neu anlegen</a:t>
             </a:r>
           </a:p>
           <a:p>
             <a:pPr lvl="2"/>
             <a:r>
-              <a:rPr lang="de-AT" dirty="0" smtClean="0"/>
+              <a:rPr lang="de-AT" dirty="0"/>
+              <a:t>Zu Team hinzufügen</a:t>
+            </a:r>
+          </a:p>
+          <a:p>
+            <a:pPr marL="1200150" lvl="2" indent="-285750"/>
+            <a:endParaRPr lang="de-AT" dirty="0"/>
+          </a:p>
+          <a:p>
+            <a:pPr lvl="1"/>
+            <a:r>
+              <a:rPr lang="de-AT" dirty="0"/>
+              <a:t>Wettkampf </a:t>
+            </a:r>
+          </a:p>
+          <a:p>
+            <a:pPr lvl="2"/>
+            <a:r>
+              <a:rPr lang="de-AT" dirty="0"/>
               <a:t>Neu anlegen</a:t>
             </a:r>
-            <a:endParaRPr lang="de-AT" dirty="0"/>
-          </a:p>
-          <a:p>
-            <a:pPr lvl="2"/>
-            <a:r>
-              <a:rPr lang="de-AT" dirty="0"/>
-              <a:t>Z</a:t>
-            </a:r>
-            <a:r>
-              <a:rPr lang="de-AT" dirty="0" smtClean="0"/>
-              <a:t>u Team hinzufügen</a:t>
-            </a:r>
-          </a:p>
-          <a:p>
-            <a:pPr marL="1200150" lvl="2" indent="-285750"/>
-            <a:endParaRPr lang="de-AT" dirty="0" smtClean="0"/>
-          </a:p>
-          <a:p>
-            <a:pPr lvl="1"/>
-            <a:r>
-              <a:rPr lang="de-AT" dirty="0" smtClean="0"/>
-              <a:t>Wettkampf </a:t>
-            </a:r>
-          </a:p>
-          <a:p>
-            <a:pPr lvl="2"/>
-            <a:r>
-              <a:rPr lang="de-AT" dirty="0" smtClean="0"/>
-              <a:t>Neu anlegen</a:t>
-            </a:r>
-            <a:endParaRPr lang="de-AT" dirty="0"/>
           </a:p>
           <a:p>
             <a:pPr lvl="2"/>
@@ -11541,12 +12150,8 @@
           <a:p>
             <a:pPr lvl="2"/>
             <a:r>
-              <a:rPr lang="de-AT" dirty="0" smtClean="0"/>
-              <a:t>Team </a:t>
-            </a:r>
-            <a:r>
               <a:rPr lang="de-AT" dirty="0"/>
-              <a:t>festlegen</a:t>
+              <a:t>Team festlegen</a:t>
             </a:r>
           </a:p>
           <a:p>
@@ -11555,13 +12160,6 @@
               <a:rPr lang="de-AT" dirty="0" smtClean="0"/>
               <a:t>Anzeigen</a:t>
             </a:r>
-            <a:endParaRPr lang="de-AT" dirty="0"/>
-          </a:p>
-          <a:p>
-            <a:pPr>
-              <a:buFont typeface="Arial" panose="020B0604020202020204" pitchFamily="34" charset="0"/>
-              <a:buChar char="•"/>
-            </a:pPr>
             <a:endParaRPr lang="de-AT" dirty="0"/>
           </a:p>
         </p:txBody>
@@ -11576,714 +12174,6 @@
   <p:clrMapOvr>
     <a:masterClrMapping/>
   </p:clrMapOvr>
-  <p:timing>
-    <p:tnLst>
-      <p:par>
-        <p:cTn id="1" dur="indefinite" restart="never" nodeType="tmRoot"/>
-      </p:par>
-    </p:tnLst>
-  </p:timing>
-</p:sld>
-</file>
-
-<file path=ppt/slides/slide33.xml><?xml version="1.0" encoding="utf-8"?>
-<p:sld xmlns:a="http://schemas.openxmlformats.org/drawingml/2006/main" xmlns:r="http://schemas.openxmlformats.org/officeDocument/2006/relationships" xmlns:p="http://schemas.openxmlformats.org/presentationml/2006/main">
-  <p:cSld>
-    <p:spTree>
-      <p:nvGrpSpPr>
-        <p:cNvPr id="1" name=""/>
-        <p:cNvGrpSpPr/>
-        <p:nvPr/>
-      </p:nvGrpSpPr>
-      <p:grpSpPr>
-        <a:xfrm>
-          <a:off x="0" y="0"/>
-          <a:ext cx="0" cy="0"/>
-          <a:chOff x="0" y="0"/>
-          <a:chExt cx="0" cy="0"/>
-        </a:xfrm>
-      </p:grpSpPr>
-      <p:sp>
-        <p:nvSpPr>
-          <p:cNvPr id="2" name="Titel 1"/>
-          <p:cNvSpPr>
-            <a:spLocks noGrp="1"/>
-          </p:cNvSpPr>
-          <p:nvPr>
-            <p:ph type="title"/>
-          </p:nvPr>
-        </p:nvSpPr>
-        <p:spPr/>
-        <p:txBody>
-          <a:bodyPr/>
-          <a:lstStyle/>
-          <a:p>
-            <a:r>
-              <a:rPr lang="de-AT" dirty="0" smtClean="0"/>
-              <a:t>Erweiterungen</a:t>
-            </a:r>
-            <a:endParaRPr lang="de-AT" dirty="0"/>
-          </a:p>
-        </p:txBody>
-      </p:sp>
-      <p:sp>
-        <p:nvSpPr>
-          <p:cNvPr id="3" name="Inhaltsplatzhalter 2"/>
-          <p:cNvSpPr>
-            <a:spLocks noGrp="1"/>
-          </p:cNvSpPr>
-          <p:nvPr>
-            <p:ph idx="1"/>
-          </p:nvPr>
-        </p:nvSpPr>
-        <p:spPr/>
-        <p:txBody>
-          <a:bodyPr>
-            <a:normAutofit/>
-          </a:bodyPr>
-          <a:lstStyle/>
-          <a:p>
-            <a:pPr>
-              <a:buFont typeface="Arial" panose="020B0604020202020204" pitchFamily="34" charset="0"/>
-              <a:buChar char="•"/>
-            </a:pPr>
-            <a:r>
-              <a:rPr lang="de-AT" dirty="0" smtClean="0"/>
-              <a:t>Login</a:t>
-            </a:r>
-          </a:p>
-          <a:p>
-            <a:pPr>
-              <a:buFont typeface="Arial" panose="020B0604020202020204" pitchFamily="34" charset="0"/>
-              <a:buChar char="•"/>
-            </a:pPr>
-            <a:r>
-              <a:rPr lang="de-AT" dirty="0" err="1" smtClean="0"/>
-              <a:t>Corba</a:t>
-            </a:r>
-            <a:endParaRPr lang="de-AT" dirty="0" smtClean="0"/>
-          </a:p>
-          <a:p>
-            <a:pPr>
-              <a:buFont typeface="Arial" panose="020B0604020202020204" pitchFamily="34" charset="0"/>
-              <a:buChar char="•"/>
-            </a:pPr>
-            <a:r>
-              <a:rPr lang="de-AT" dirty="0" smtClean="0"/>
-              <a:t>Einladungen</a:t>
-            </a:r>
-          </a:p>
-          <a:p>
-            <a:pPr>
-              <a:buFont typeface="Arial" panose="020B0604020202020204" pitchFamily="34" charset="0"/>
-              <a:buChar char="•"/>
-            </a:pPr>
-            <a:r>
-              <a:rPr lang="de-AT" dirty="0" smtClean="0"/>
-              <a:t>Webservice</a:t>
-            </a:r>
-          </a:p>
-          <a:p>
-            <a:pPr>
-              <a:buFont typeface="Arial" panose="020B0604020202020204" pitchFamily="34" charset="0"/>
-              <a:buChar char="•"/>
-            </a:pPr>
-            <a:r>
-              <a:rPr lang="de-AT" dirty="0" smtClean="0"/>
-              <a:t>JMS</a:t>
-            </a:r>
-          </a:p>
-        </p:txBody>
-      </p:sp>
-    </p:spTree>
-    <p:extLst>
-      <p:ext uri="{BB962C8B-B14F-4D97-AF65-F5344CB8AC3E}">
-        <p14:creationId xmlns:p14="http://schemas.microsoft.com/office/powerpoint/2010/main" val="3732497756"/>
-      </p:ext>
-    </p:extLst>
-  </p:cSld>
-  <p:clrMapOvr>
-    <a:masterClrMapping/>
-  </p:clrMapOvr>
-  <p:timing>
-    <p:tnLst>
-      <p:par>
-        <p:cTn id="1" dur="indefinite" restart="never" nodeType="tmRoot"/>
-      </p:par>
-    </p:tnLst>
-  </p:timing>
-</p:sld>
-</file>
-
-<file path=ppt/slides/slide34.xml><?xml version="1.0" encoding="utf-8"?>
-<p:sld xmlns:a="http://schemas.openxmlformats.org/drawingml/2006/main" xmlns:r="http://schemas.openxmlformats.org/officeDocument/2006/relationships" xmlns:p="http://schemas.openxmlformats.org/presentationml/2006/main">
-  <p:cSld>
-    <p:spTree>
-      <p:nvGrpSpPr>
-        <p:cNvPr id="1" name=""/>
-        <p:cNvGrpSpPr/>
-        <p:nvPr/>
-      </p:nvGrpSpPr>
-      <p:grpSpPr>
-        <a:xfrm>
-          <a:off x="0" y="0"/>
-          <a:ext cx="0" cy="0"/>
-          <a:chOff x="0" y="0"/>
-          <a:chExt cx="0" cy="0"/>
-        </a:xfrm>
-      </p:grpSpPr>
-      <p:sp>
-        <p:nvSpPr>
-          <p:cNvPr id="2" name="Titel 1"/>
-          <p:cNvSpPr>
-            <a:spLocks noGrp="1"/>
-          </p:cNvSpPr>
-          <p:nvPr>
-            <p:ph type="title"/>
-          </p:nvPr>
-        </p:nvSpPr>
-        <p:spPr/>
-        <p:txBody>
-          <a:bodyPr/>
-          <a:lstStyle/>
-          <a:p>
-            <a:r>
-              <a:rPr lang="de-AT" dirty="0" smtClean="0"/>
-              <a:t>Tests &amp; Probleme</a:t>
-            </a:r>
-            <a:endParaRPr lang="de-AT" dirty="0"/>
-          </a:p>
-        </p:txBody>
-      </p:sp>
-      <p:sp>
-        <p:nvSpPr>
-          <p:cNvPr id="3" name="Inhaltsplatzhalter 2"/>
-          <p:cNvSpPr>
-            <a:spLocks noGrp="1"/>
-          </p:cNvSpPr>
-          <p:nvPr>
-            <p:ph idx="1"/>
-          </p:nvPr>
-        </p:nvSpPr>
-        <p:spPr/>
-        <p:txBody>
-          <a:bodyPr/>
-          <a:lstStyle/>
-          <a:p>
-            <a:pPr>
-              <a:buFont typeface="Arial" panose="020B0604020202020204" pitchFamily="34" charset="0"/>
-              <a:buChar char="•"/>
-            </a:pPr>
-            <a:r>
-              <a:rPr lang="de-AT" dirty="0" err="1" smtClean="0"/>
-              <a:t>Exception</a:t>
-            </a:r>
-            <a:r>
-              <a:rPr lang="de-AT" dirty="0" smtClean="0"/>
-              <a:t> </a:t>
-            </a:r>
-            <a:r>
-              <a:rPr lang="de-AT" dirty="0" err="1" smtClean="0"/>
-              <a:t>Handeling</a:t>
-            </a:r>
-            <a:r>
-              <a:rPr lang="de-AT" dirty="0" smtClean="0"/>
-              <a:t> verbessert</a:t>
-            </a:r>
-            <a:endParaRPr lang="de-AT" dirty="0"/>
-          </a:p>
-          <a:p>
-            <a:pPr>
-              <a:buFont typeface="Arial" panose="020B0604020202020204" pitchFamily="34" charset="0"/>
-              <a:buChar char="•"/>
-            </a:pPr>
-            <a:r>
-              <a:rPr lang="de-AT" dirty="0" smtClean="0"/>
-              <a:t>Aufwändig</a:t>
-            </a:r>
-          </a:p>
-          <a:p>
-            <a:pPr lvl="1">
-              <a:buFont typeface="Arial" panose="020B0604020202020204" pitchFamily="34" charset="0"/>
-              <a:buChar char="•"/>
-            </a:pPr>
-            <a:r>
-              <a:rPr lang="de-AT" dirty="0" smtClean="0"/>
-              <a:t>Fehler -&gt; mehrere Schichten</a:t>
-            </a:r>
-          </a:p>
-          <a:p>
-            <a:pPr>
-              <a:buFont typeface="Arial" panose="020B0604020202020204" pitchFamily="34" charset="0"/>
-              <a:buChar char="•"/>
-            </a:pPr>
-            <a:r>
-              <a:rPr lang="de-AT" dirty="0" smtClean="0"/>
-              <a:t>Wiederverwendbare Forms</a:t>
-            </a:r>
-          </a:p>
-          <a:p>
-            <a:pPr>
-              <a:buFont typeface="Arial" panose="020B0604020202020204" pitchFamily="34" charset="0"/>
-              <a:buChar char="•"/>
-            </a:pPr>
-            <a:r>
-              <a:rPr lang="de-AT" dirty="0" smtClean="0"/>
-              <a:t>Unit Tests</a:t>
-            </a:r>
-          </a:p>
-          <a:p>
-            <a:pPr>
-              <a:buFont typeface="Arial" panose="020B0604020202020204" pitchFamily="34" charset="0"/>
-              <a:buChar char="•"/>
-            </a:pPr>
-            <a:r>
-              <a:rPr lang="de-AT" dirty="0" smtClean="0"/>
-              <a:t>Datenbank Testapplikation</a:t>
-            </a:r>
-            <a:endParaRPr lang="de-AT" dirty="0"/>
-          </a:p>
-        </p:txBody>
-      </p:sp>
-    </p:spTree>
-    <p:extLst>
-      <p:ext uri="{BB962C8B-B14F-4D97-AF65-F5344CB8AC3E}">
-        <p14:creationId xmlns:p14="http://schemas.microsoft.com/office/powerpoint/2010/main" val="856229136"/>
-      </p:ext>
-    </p:extLst>
-  </p:cSld>
-  <p:clrMapOvr>
-    <a:masterClrMapping/>
-  </p:clrMapOvr>
-  <p:timing>
-    <p:tnLst>
-      <p:par>
-        <p:cTn id="1" dur="indefinite" restart="never" nodeType="tmRoot"/>
-      </p:par>
-    </p:tnLst>
-  </p:timing>
-</p:sld>
-</file>
-
-<file path=ppt/slides/slide35.xml><?xml version="1.0" encoding="utf-8"?>
-<p:sld xmlns:a="http://schemas.openxmlformats.org/drawingml/2006/main" xmlns:r="http://schemas.openxmlformats.org/officeDocument/2006/relationships" xmlns:p="http://schemas.openxmlformats.org/presentationml/2006/main">
-  <p:cSld>
-    <p:spTree>
-      <p:nvGrpSpPr>
-        <p:cNvPr id="1" name=""/>
-        <p:cNvGrpSpPr/>
-        <p:nvPr/>
-      </p:nvGrpSpPr>
-      <p:grpSpPr>
-        <a:xfrm>
-          <a:off x="0" y="0"/>
-          <a:ext cx="0" cy="0"/>
-          <a:chOff x="0" y="0"/>
-          <a:chExt cx="0" cy="0"/>
-        </a:xfrm>
-      </p:grpSpPr>
-      <p:sp>
-        <p:nvSpPr>
-          <p:cNvPr id="2" name="Title 1"/>
-          <p:cNvSpPr>
-            <a:spLocks noGrp="1"/>
-          </p:cNvSpPr>
-          <p:nvPr>
-            <p:ph type="title"/>
-          </p:nvPr>
-        </p:nvSpPr>
-        <p:spPr/>
-        <p:txBody>
-          <a:bodyPr/>
-          <a:lstStyle/>
-          <a:p>
-            <a:r>
-              <a:rPr lang="de-AT" dirty="0" err="1" smtClean="0"/>
-              <a:t>Lessons</a:t>
-            </a:r>
-            <a:r>
-              <a:rPr lang="de-AT" dirty="0" smtClean="0"/>
-              <a:t> </a:t>
-            </a:r>
-            <a:r>
-              <a:rPr lang="de-AT" dirty="0" err="1" smtClean="0"/>
-              <a:t>Learned</a:t>
-            </a:r>
-            <a:endParaRPr lang="de-AT" dirty="0"/>
-          </a:p>
-        </p:txBody>
-      </p:sp>
-      <p:sp>
-        <p:nvSpPr>
-          <p:cNvPr id="3" name="Text Placeholder 2"/>
-          <p:cNvSpPr>
-            <a:spLocks noGrp="1"/>
-          </p:cNvSpPr>
-          <p:nvPr>
-            <p:ph type="body" idx="1"/>
-          </p:nvPr>
-        </p:nvSpPr>
-        <p:spPr/>
-        <p:txBody>
-          <a:bodyPr/>
-          <a:lstStyle/>
-          <a:p>
-            <a:r>
-              <a:rPr lang="de-AT" dirty="0" smtClean="0"/>
-              <a:t>Das Ende</a:t>
-            </a:r>
-            <a:endParaRPr lang="de-AT" dirty="0"/>
-          </a:p>
-        </p:txBody>
-      </p:sp>
-    </p:spTree>
-    <p:extLst>
-      <p:ext uri="{BB962C8B-B14F-4D97-AF65-F5344CB8AC3E}">
-        <p14:creationId xmlns:p14="http://schemas.microsoft.com/office/powerpoint/2010/main" val="476809469"/>
-      </p:ext>
-    </p:extLst>
-  </p:cSld>
-  <p:clrMapOvr>
-    <a:masterClrMapping/>
-  </p:clrMapOvr>
-</p:sld>
-</file>
-
-<file path=ppt/slides/slide36.xml><?xml version="1.0" encoding="utf-8"?>
-<p:sld xmlns:a="http://schemas.openxmlformats.org/drawingml/2006/main" xmlns:r="http://schemas.openxmlformats.org/officeDocument/2006/relationships" xmlns:p="http://schemas.openxmlformats.org/presentationml/2006/main">
-  <p:cSld>
-    <p:spTree>
-      <p:nvGrpSpPr>
-        <p:cNvPr id="1" name=""/>
-        <p:cNvGrpSpPr/>
-        <p:nvPr/>
-      </p:nvGrpSpPr>
-      <p:grpSpPr>
-        <a:xfrm>
-          <a:off x="0" y="0"/>
-          <a:ext cx="0" cy="0"/>
-          <a:chOff x="0" y="0"/>
-          <a:chExt cx="0" cy="0"/>
-        </a:xfrm>
-      </p:grpSpPr>
-      <p:sp>
-        <p:nvSpPr>
-          <p:cNvPr id="2" name="Titel 1"/>
-          <p:cNvSpPr>
-            <a:spLocks noGrp="1"/>
-          </p:cNvSpPr>
-          <p:nvPr>
-            <p:ph type="title"/>
-          </p:nvPr>
-        </p:nvSpPr>
-        <p:spPr/>
-        <p:txBody>
-          <a:bodyPr/>
-          <a:lstStyle/>
-          <a:p>
-            <a:r>
-              <a:rPr lang="de-AT" dirty="0" err="1" smtClean="0"/>
-              <a:t>Lessons</a:t>
-            </a:r>
-            <a:r>
-              <a:rPr lang="de-AT" dirty="0" smtClean="0"/>
-              <a:t> </a:t>
-            </a:r>
-            <a:r>
-              <a:rPr lang="de-AT" dirty="0" err="1" smtClean="0"/>
-              <a:t>Learned</a:t>
-            </a:r>
-            <a:endParaRPr lang="de-AT" dirty="0"/>
-          </a:p>
-        </p:txBody>
-      </p:sp>
-      <p:sp>
-        <p:nvSpPr>
-          <p:cNvPr id="3" name="Inhaltsplatzhalter 2"/>
-          <p:cNvSpPr>
-            <a:spLocks noGrp="1"/>
-          </p:cNvSpPr>
-          <p:nvPr>
-            <p:ph idx="1"/>
-          </p:nvPr>
-        </p:nvSpPr>
-        <p:spPr/>
-        <p:txBody>
-          <a:bodyPr/>
-          <a:lstStyle/>
-          <a:p>
-            <a:pPr>
-              <a:buFont typeface="Arial" panose="020B0604020202020204" pitchFamily="34" charset="0"/>
-              <a:buChar char="•"/>
-            </a:pPr>
-            <a:r>
-              <a:rPr lang="de-AT" dirty="0" smtClean="0"/>
-              <a:t>Technologien schließen sich gegenseitig aus</a:t>
-            </a:r>
-          </a:p>
-          <a:p>
-            <a:pPr>
-              <a:buFont typeface="Arial" panose="020B0604020202020204" pitchFamily="34" charset="0"/>
-              <a:buChar char="•"/>
-            </a:pPr>
-            <a:r>
-              <a:rPr lang="de-AT" dirty="0" smtClean="0"/>
-              <a:t>Genaue Analyse der Aufgabenstellung und abstecken was noch kommen kann</a:t>
-            </a:r>
-          </a:p>
-          <a:p>
-            <a:pPr>
-              <a:buFont typeface="Arial" panose="020B0604020202020204" pitchFamily="34" charset="0"/>
-              <a:buChar char="•"/>
-            </a:pPr>
-            <a:r>
-              <a:rPr lang="de-AT" dirty="0" smtClean="0"/>
-              <a:t>Zeitmanagement essentiell</a:t>
-            </a:r>
-          </a:p>
-          <a:p>
-            <a:pPr>
-              <a:buFont typeface="Arial" panose="020B0604020202020204" pitchFamily="34" charset="0"/>
-              <a:buChar char="•"/>
-            </a:pPr>
-            <a:r>
-              <a:rPr lang="de-AT" dirty="0" err="1" smtClean="0"/>
-              <a:t>Hibernate</a:t>
-            </a:r>
-            <a:r>
-              <a:rPr lang="de-AT" dirty="0" smtClean="0"/>
-              <a:t> -&gt; Technologie Anpassungen</a:t>
-            </a:r>
-            <a:endParaRPr lang="de-AT" dirty="0"/>
-          </a:p>
-        </p:txBody>
-      </p:sp>
-    </p:spTree>
-    <p:extLst>
-      <p:ext uri="{BB962C8B-B14F-4D97-AF65-F5344CB8AC3E}">
-        <p14:creationId xmlns:p14="http://schemas.microsoft.com/office/powerpoint/2010/main" val="3386145516"/>
-      </p:ext>
-    </p:extLst>
-  </p:cSld>
-  <p:clrMapOvr>
-    <a:masterClrMapping/>
-  </p:clrMapOvr>
-  <p:timing>
-    <p:tnLst>
-      <p:par>
-        <p:cTn id="1" dur="indefinite" restart="never" nodeType="tmRoot"/>
-      </p:par>
-    </p:tnLst>
-  </p:timing>
-</p:sld>
-</file>
-
-<file path=ppt/slides/slide37.xml><?xml version="1.0" encoding="utf-8"?>
-<p:sld xmlns:a="http://schemas.openxmlformats.org/drawingml/2006/main" xmlns:r="http://schemas.openxmlformats.org/officeDocument/2006/relationships" xmlns:p="http://schemas.openxmlformats.org/presentationml/2006/main">
-  <p:cSld>
-    <p:spTree>
-      <p:nvGrpSpPr>
-        <p:cNvPr id="1" name=""/>
-        <p:cNvGrpSpPr/>
-        <p:nvPr/>
-      </p:nvGrpSpPr>
-      <p:grpSpPr>
-        <a:xfrm>
-          <a:off x="0" y="0"/>
-          <a:ext cx="0" cy="0"/>
-          <a:chOff x="0" y="0"/>
-          <a:chExt cx="0" cy="0"/>
-        </a:xfrm>
-      </p:grpSpPr>
-      <p:sp>
-        <p:nvSpPr>
-          <p:cNvPr id="2" name="Titel 1"/>
-          <p:cNvSpPr>
-            <a:spLocks noGrp="1"/>
-          </p:cNvSpPr>
-          <p:nvPr>
-            <p:ph type="title"/>
-          </p:nvPr>
-        </p:nvSpPr>
-        <p:spPr/>
-        <p:txBody>
-          <a:bodyPr/>
-          <a:lstStyle/>
-          <a:p>
-            <a:r>
-              <a:rPr lang="de-AT" dirty="0" smtClean="0"/>
-              <a:t>Zeit</a:t>
-            </a:r>
-            <a:endParaRPr lang="de-AT" dirty="0"/>
-          </a:p>
-        </p:txBody>
-      </p:sp>
-      <p:sp>
-        <p:nvSpPr>
-          <p:cNvPr id="3" name="Inhaltsplatzhalter 2"/>
-          <p:cNvSpPr>
-            <a:spLocks noGrp="1"/>
-          </p:cNvSpPr>
-          <p:nvPr>
-            <p:ph idx="1"/>
-          </p:nvPr>
-        </p:nvSpPr>
-        <p:spPr/>
-        <p:txBody>
-          <a:bodyPr/>
-          <a:lstStyle/>
-          <a:p>
-            <a:pPr>
-              <a:buFont typeface="Arial" panose="020B0604020202020204" pitchFamily="34" charset="0"/>
-              <a:buChar char="•"/>
-            </a:pPr>
-            <a:r>
-              <a:rPr lang="de-AT" dirty="0" smtClean="0"/>
-              <a:t>8 </a:t>
-            </a:r>
-            <a:r>
-              <a:rPr lang="de-AT" dirty="0" err="1" smtClean="0"/>
-              <a:t>Timeboxen</a:t>
-            </a:r>
-            <a:endParaRPr lang="de-AT" dirty="0" smtClean="0"/>
-          </a:p>
-          <a:p>
-            <a:pPr>
-              <a:buFont typeface="Arial" panose="020B0604020202020204" pitchFamily="34" charset="0"/>
-              <a:buChar char="•"/>
-            </a:pPr>
-            <a:r>
-              <a:rPr lang="de-AT" dirty="0" smtClean="0"/>
-              <a:t>ca. 11 Wochen</a:t>
-            </a:r>
-          </a:p>
-          <a:p>
-            <a:pPr>
-              <a:buFont typeface="Arial" panose="020B0604020202020204" pitchFamily="34" charset="0"/>
-              <a:buChar char="•"/>
-            </a:pPr>
-            <a:r>
-              <a:rPr lang="de-AT" dirty="0" smtClean="0"/>
-              <a:t>~ 600 h</a:t>
-            </a:r>
-            <a:endParaRPr lang="de-AT" dirty="0"/>
-          </a:p>
-        </p:txBody>
-      </p:sp>
-    </p:spTree>
-    <p:extLst>
-      <p:ext uri="{BB962C8B-B14F-4D97-AF65-F5344CB8AC3E}">
-        <p14:creationId xmlns:p14="http://schemas.microsoft.com/office/powerpoint/2010/main" val="1427317626"/>
-      </p:ext>
-    </p:extLst>
-  </p:cSld>
-  <p:clrMapOvr>
-    <a:masterClrMapping/>
-  </p:clrMapOvr>
-  <p:timing>
-    <p:tnLst>
-      <p:par>
-        <p:cTn id="1" dur="indefinite" restart="never" nodeType="tmRoot"/>
-      </p:par>
-    </p:tnLst>
-  </p:timing>
-</p:sld>
-</file>
-
-<file path=ppt/slides/slide38.xml><?xml version="1.0" encoding="utf-8"?>
-<p:sld xmlns:a="http://schemas.openxmlformats.org/drawingml/2006/main" xmlns:r="http://schemas.openxmlformats.org/officeDocument/2006/relationships" xmlns:p="http://schemas.openxmlformats.org/presentationml/2006/main">
-  <p:cSld>
-    <p:spTree>
-      <p:nvGrpSpPr>
-        <p:cNvPr id="1" name=""/>
-        <p:cNvGrpSpPr/>
-        <p:nvPr/>
-      </p:nvGrpSpPr>
-      <p:grpSpPr>
-        <a:xfrm>
-          <a:off x="0" y="0"/>
-          <a:ext cx="0" cy="0"/>
-          <a:chOff x="0" y="0"/>
-          <a:chExt cx="0" cy="0"/>
-        </a:xfrm>
-      </p:grpSpPr>
-      <p:sp>
-        <p:nvSpPr>
-          <p:cNvPr id="4" name="Title 3"/>
-          <p:cNvSpPr>
-            <a:spLocks noGrp="1"/>
-          </p:cNvSpPr>
-          <p:nvPr>
-            <p:ph type="title"/>
-          </p:nvPr>
-        </p:nvSpPr>
-        <p:spPr/>
-        <p:txBody>
-          <a:bodyPr/>
-          <a:lstStyle/>
-          <a:p>
-            <a:r>
-              <a:rPr lang="de-AT" dirty="0" err="1" smtClean="0"/>
-              <a:t>ENDe</a:t>
-            </a:r>
-            <a:endParaRPr lang="de-AT" dirty="0"/>
-          </a:p>
-        </p:txBody>
-      </p:sp>
-      <p:sp>
-        <p:nvSpPr>
-          <p:cNvPr id="5" name="Content Placeholder 4"/>
-          <p:cNvSpPr>
-            <a:spLocks noGrp="1"/>
-          </p:cNvSpPr>
-          <p:nvPr>
-            <p:ph idx="1"/>
-          </p:nvPr>
-        </p:nvSpPr>
-        <p:spPr/>
-        <p:txBody>
-          <a:bodyPr/>
-          <a:lstStyle/>
-          <a:p>
-            <a:pPr>
-              <a:buFont typeface="Arial" panose="020B0604020202020204" pitchFamily="34" charset="0"/>
-              <a:buChar char="•"/>
-            </a:pPr>
-            <a:r>
-              <a:rPr lang="de-AT" dirty="0" smtClean="0"/>
-              <a:t>Noch Fragen?</a:t>
-            </a:r>
-          </a:p>
-          <a:p>
-            <a:pPr>
-              <a:buFont typeface="Arial" panose="020B0604020202020204" pitchFamily="34" charset="0"/>
-              <a:buChar char="•"/>
-            </a:pPr>
-            <a:r>
-              <a:rPr lang="de-AT" dirty="0" smtClean="0"/>
-              <a:t>Danke</a:t>
-            </a:r>
-            <a:endParaRPr lang="de-AT" dirty="0"/>
-          </a:p>
-        </p:txBody>
-      </p:sp>
-    </p:spTree>
-    <p:extLst>
-      <p:ext uri="{BB962C8B-B14F-4D97-AF65-F5344CB8AC3E}">
-        <p14:creationId xmlns:p14="http://schemas.microsoft.com/office/powerpoint/2010/main" val="3336475912"/>
-      </p:ext>
-    </p:extLst>
-  </p:cSld>
-  <p:clrMapOvr>
-    <a:masterClrMapping/>
-  </p:clrMapOvr>
-  <p:timing>
-    <p:tnLst>
-      <p:par>
-        <p:cTn id="1" dur="indefinite" restart="never" nodeType="tmRoot"/>
-      </p:par>
-    </p:tnLst>
-  </p:timing>
 </p:sld>
 </file>
 
@@ -12367,6 +12257,771 @@
       </p:par>
     </p:tnLst>
   </p:timing>
+</p:sld>
+</file>
+
+<file path=ppt/slides/slide40.xml><?xml version="1.0" encoding="utf-8"?>
+<p:sld xmlns:a="http://schemas.openxmlformats.org/drawingml/2006/main" xmlns:r="http://schemas.openxmlformats.org/officeDocument/2006/relationships" xmlns:p="http://schemas.openxmlformats.org/presentationml/2006/main">
+  <p:cSld>
+    <p:spTree>
+      <p:nvGrpSpPr>
+        <p:cNvPr id="1" name=""/>
+        <p:cNvGrpSpPr/>
+        <p:nvPr/>
+      </p:nvGrpSpPr>
+      <p:grpSpPr>
+        <a:xfrm>
+          <a:off x="0" y="0"/>
+          <a:ext cx="0" cy="0"/>
+          <a:chOff x="0" y="0"/>
+          <a:chExt cx="0" cy="0"/>
+        </a:xfrm>
+      </p:grpSpPr>
+      <p:sp>
+        <p:nvSpPr>
+          <p:cNvPr id="2" name="Titel 1"/>
+          <p:cNvSpPr>
+            <a:spLocks noGrp="1"/>
+          </p:cNvSpPr>
+          <p:nvPr>
+            <p:ph type="title"/>
+          </p:nvPr>
+        </p:nvSpPr>
+        <p:spPr/>
+        <p:txBody>
+          <a:bodyPr/>
+          <a:lstStyle/>
+          <a:p>
+            <a:r>
+              <a:rPr lang="de-AT" dirty="0" smtClean="0"/>
+              <a:t>Beispiel: Mitglied Suchen/Ändern</a:t>
+            </a:r>
+            <a:endParaRPr lang="de-AT" dirty="0"/>
+          </a:p>
+        </p:txBody>
+      </p:sp>
+      <p:pic>
+        <p:nvPicPr>
+          <p:cNvPr id="1026" name="Picture 2" descr="C:\Users\luc\Pictures\09.01.13 14_51-Bildschirmkopie.png"/>
+          <p:cNvPicPr>
+            <a:picLocks noGrp="1" noChangeAspect="1" noChangeArrowheads="1"/>
+          </p:cNvPicPr>
+          <p:nvPr>
+            <p:ph idx="1"/>
+          </p:nvPr>
+        </p:nvPicPr>
+        <p:blipFill>
+          <a:blip r:embed="rId2">
+            <a:extLst>
+              <a:ext uri="{28A0092B-C50C-407E-A947-70E740481C1C}">
+                <a14:useLocalDpi xmlns:a14="http://schemas.microsoft.com/office/drawing/2010/main" val="0"/>
+              </a:ext>
+            </a:extLst>
+          </a:blip>
+          <a:srcRect/>
+          <a:stretch>
+            <a:fillRect/>
+          </a:stretch>
+        </p:blipFill>
+        <p:spPr bwMode="auto">
+          <a:xfrm>
+            <a:off x="2467514" y="1892300"/>
+            <a:ext cx="7297942" cy="4416425"/>
+          </a:xfrm>
+          <a:prstGeom prst="rect">
+            <a:avLst/>
+          </a:prstGeom>
+          <a:noFill/>
+          <a:extLst>
+            <a:ext uri="{909E8E84-426E-40DD-AFC4-6F175D3DCCD1}">
+              <a14:hiddenFill xmlns:a14="http://schemas.microsoft.com/office/drawing/2010/main">
+                <a:solidFill>
+                  <a:srgbClr val="FFFFFF"/>
+                </a:solidFill>
+              </a14:hiddenFill>
+            </a:ext>
+          </a:extLst>
+        </p:spPr>
+      </p:pic>
+    </p:spTree>
+    <p:extLst>
+      <p:ext uri="{BB962C8B-B14F-4D97-AF65-F5344CB8AC3E}">
+        <p14:creationId xmlns:p14="http://schemas.microsoft.com/office/powerpoint/2010/main" val="3884441439"/>
+      </p:ext>
+    </p:extLst>
+  </p:cSld>
+  <p:clrMapOvr>
+    <a:masterClrMapping/>
+  </p:clrMapOvr>
+  <p:timing>
+    <p:tnLst>
+      <p:par>
+        <p:cTn id="1" dur="indefinite" restart="never" nodeType="tmRoot"/>
+      </p:par>
+    </p:tnLst>
+  </p:timing>
+</p:sld>
+</file>
+
+<file path=ppt/slides/slide41.xml><?xml version="1.0" encoding="utf-8"?>
+<p:sld xmlns:a="http://schemas.openxmlformats.org/drawingml/2006/main" xmlns:r="http://schemas.openxmlformats.org/officeDocument/2006/relationships" xmlns:p="http://schemas.openxmlformats.org/presentationml/2006/main">
+  <p:cSld>
+    <p:spTree>
+      <p:nvGrpSpPr>
+        <p:cNvPr id="1" name=""/>
+        <p:cNvGrpSpPr/>
+        <p:nvPr/>
+      </p:nvGrpSpPr>
+      <p:grpSpPr>
+        <a:xfrm>
+          <a:off x="0" y="0"/>
+          <a:ext cx="0" cy="0"/>
+          <a:chOff x="0" y="0"/>
+          <a:chExt cx="0" cy="0"/>
+        </a:xfrm>
+      </p:grpSpPr>
+      <p:sp>
+        <p:nvSpPr>
+          <p:cNvPr id="2" name="Titel 1"/>
+          <p:cNvSpPr>
+            <a:spLocks noGrp="1"/>
+          </p:cNvSpPr>
+          <p:nvPr>
+            <p:ph type="title"/>
+          </p:nvPr>
+        </p:nvSpPr>
+        <p:spPr/>
+        <p:txBody>
+          <a:bodyPr/>
+          <a:lstStyle/>
+          <a:p>
+            <a:r>
+              <a:rPr lang="de-AT" dirty="0" smtClean="0"/>
+              <a:t>Erweiterungen</a:t>
+            </a:r>
+            <a:endParaRPr lang="de-AT" dirty="0"/>
+          </a:p>
+        </p:txBody>
+      </p:sp>
+      <p:sp>
+        <p:nvSpPr>
+          <p:cNvPr id="3" name="Inhaltsplatzhalter 2"/>
+          <p:cNvSpPr>
+            <a:spLocks noGrp="1"/>
+          </p:cNvSpPr>
+          <p:nvPr>
+            <p:ph idx="1"/>
+          </p:nvPr>
+        </p:nvSpPr>
+        <p:spPr/>
+        <p:txBody>
+          <a:bodyPr>
+            <a:normAutofit/>
+          </a:bodyPr>
+          <a:lstStyle/>
+          <a:p>
+            <a:pPr>
+              <a:buFont typeface="Arial" panose="020B0604020202020204" pitchFamily="34" charset="0"/>
+              <a:buChar char="•"/>
+            </a:pPr>
+            <a:r>
+              <a:rPr lang="de-AT" dirty="0" smtClean="0"/>
+              <a:t>Login</a:t>
+            </a:r>
+          </a:p>
+          <a:p>
+            <a:pPr>
+              <a:buFont typeface="Arial" panose="020B0604020202020204" pitchFamily="34" charset="0"/>
+              <a:buChar char="•"/>
+            </a:pPr>
+            <a:r>
+              <a:rPr lang="de-AT" dirty="0" err="1" smtClean="0"/>
+              <a:t>Corba</a:t>
+            </a:r>
+            <a:endParaRPr lang="de-AT" dirty="0" smtClean="0"/>
+          </a:p>
+          <a:p>
+            <a:pPr>
+              <a:buFont typeface="Arial" panose="020B0604020202020204" pitchFamily="34" charset="0"/>
+              <a:buChar char="•"/>
+            </a:pPr>
+            <a:r>
+              <a:rPr lang="de-AT" dirty="0" smtClean="0"/>
+              <a:t>Einladungen</a:t>
+            </a:r>
+          </a:p>
+          <a:p>
+            <a:pPr>
+              <a:buFont typeface="Arial" panose="020B0604020202020204" pitchFamily="34" charset="0"/>
+              <a:buChar char="•"/>
+            </a:pPr>
+            <a:r>
+              <a:rPr lang="de-AT" dirty="0" smtClean="0"/>
+              <a:t>Webservice</a:t>
+            </a:r>
+          </a:p>
+          <a:p>
+            <a:pPr>
+              <a:buFont typeface="Arial" panose="020B0604020202020204" pitchFamily="34" charset="0"/>
+              <a:buChar char="•"/>
+            </a:pPr>
+            <a:r>
+              <a:rPr lang="de-AT" dirty="0" smtClean="0"/>
+              <a:t>JMS</a:t>
+            </a:r>
+          </a:p>
+        </p:txBody>
+      </p:sp>
+    </p:spTree>
+    <p:extLst>
+      <p:ext uri="{BB962C8B-B14F-4D97-AF65-F5344CB8AC3E}">
+        <p14:creationId xmlns:p14="http://schemas.microsoft.com/office/powerpoint/2010/main" val="3732497756"/>
+      </p:ext>
+    </p:extLst>
+  </p:cSld>
+  <p:clrMapOvr>
+    <a:masterClrMapping/>
+  </p:clrMapOvr>
+</p:sld>
+</file>
+
+<file path=ppt/slides/slide42.xml><?xml version="1.0" encoding="utf-8"?>
+<p:sld xmlns:a="http://schemas.openxmlformats.org/drawingml/2006/main" xmlns:r="http://schemas.openxmlformats.org/officeDocument/2006/relationships" xmlns:p="http://schemas.openxmlformats.org/presentationml/2006/main">
+  <p:cSld>
+    <p:spTree>
+      <p:nvGrpSpPr>
+        <p:cNvPr id="1" name=""/>
+        <p:cNvGrpSpPr/>
+        <p:nvPr/>
+      </p:nvGrpSpPr>
+      <p:grpSpPr>
+        <a:xfrm>
+          <a:off x="0" y="0"/>
+          <a:ext cx="0" cy="0"/>
+          <a:chOff x="0" y="0"/>
+          <a:chExt cx="0" cy="0"/>
+        </a:xfrm>
+      </p:grpSpPr>
+      <p:sp>
+        <p:nvSpPr>
+          <p:cNvPr id="2" name="Titel 1"/>
+          <p:cNvSpPr>
+            <a:spLocks noGrp="1"/>
+          </p:cNvSpPr>
+          <p:nvPr>
+            <p:ph type="title"/>
+          </p:nvPr>
+        </p:nvSpPr>
+        <p:spPr/>
+        <p:txBody>
+          <a:bodyPr/>
+          <a:lstStyle/>
+          <a:p>
+            <a:r>
+              <a:rPr lang="de-AT" dirty="0" smtClean="0"/>
+              <a:t>Tests &amp; Probleme</a:t>
+            </a:r>
+            <a:endParaRPr lang="de-AT" dirty="0"/>
+          </a:p>
+        </p:txBody>
+      </p:sp>
+      <p:sp>
+        <p:nvSpPr>
+          <p:cNvPr id="3" name="Inhaltsplatzhalter 2"/>
+          <p:cNvSpPr>
+            <a:spLocks noGrp="1"/>
+          </p:cNvSpPr>
+          <p:nvPr>
+            <p:ph idx="1"/>
+          </p:nvPr>
+        </p:nvSpPr>
+        <p:spPr/>
+        <p:txBody>
+          <a:bodyPr/>
+          <a:lstStyle/>
+          <a:p>
+            <a:pPr>
+              <a:buFont typeface="Arial" panose="020B0604020202020204" pitchFamily="34" charset="0"/>
+              <a:buChar char="•"/>
+            </a:pPr>
+            <a:r>
+              <a:rPr lang="de-AT" dirty="0" err="1"/>
+              <a:t>Exception</a:t>
+            </a:r>
+            <a:r>
+              <a:rPr lang="de-AT" dirty="0"/>
+              <a:t> </a:t>
+            </a:r>
+            <a:r>
+              <a:rPr lang="de-AT" dirty="0" err="1"/>
+              <a:t>Handeling</a:t>
+            </a:r>
+            <a:r>
+              <a:rPr lang="de-AT" dirty="0"/>
+              <a:t> verbessert</a:t>
+            </a:r>
+          </a:p>
+          <a:p>
+            <a:pPr>
+              <a:buFont typeface="Arial" panose="020B0604020202020204" pitchFamily="34" charset="0"/>
+              <a:buChar char="•"/>
+            </a:pPr>
+            <a:r>
+              <a:rPr lang="de-AT" dirty="0"/>
+              <a:t>Aufwändig</a:t>
+            </a:r>
+          </a:p>
+          <a:p>
+            <a:pPr lvl="1">
+              <a:buFont typeface="Arial" panose="020B0604020202020204" pitchFamily="34" charset="0"/>
+              <a:buChar char="•"/>
+            </a:pPr>
+            <a:r>
+              <a:rPr lang="de-AT" dirty="0"/>
+              <a:t>Fehler -&gt; mehrere Schichten</a:t>
+            </a:r>
+          </a:p>
+          <a:p>
+            <a:pPr>
+              <a:buFont typeface="Arial" panose="020B0604020202020204" pitchFamily="34" charset="0"/>
+              <a:buChar char="•"/>
+            </a:pPr>
+            <a:r>
+              <a:rPr lang="de-AT" dirty="0"/>
+              <a:t>Wiederverwendbare Forms</a:t>
+            </a:r>
+          </a:p>
+          <a:p>
+            <a:pPr>
+              <a:buFont typeface="Arial" panose="020B0604020202020204" pitchFamily="34" charset="0"/>
+              <a:buChar char="•"/>
+            </a:pPr>
+            <a:r>
+              <a:rPr lang="de-AT" dirty="0"/>
+              <a:t>Unit Tests</a:t>
+            </a:r>
+          </a:p>
+          <a:p>
+            <a:pPr>
+              <a:buFont typeface="Arial" panose="020B0604020202020204" pitchFamily="34" charset="0"/>
+              <a:buChar char="•"/>
+            </a:pPr>
+            <a:r>
+              <a:rPr lang="de-AT" dirty="0"/>
+              <a:t>Datenbank Testapplikation</a:t>
+            </a:r>
+          </a:p>
+        </p:txBody>
+      </p:sp>
+    </p:spTree>
+    <p:extLst>
+      <p:ext uri="{BB962C8B-B14F-4D97-AF65-F5344CB8AC3E}">
+        <p14:creationId xmlns:p14="http://schemas.microsoft.com/office/powerpoint/2010/main" val="856229136"/>
+      </p:ext>
+    </p:extLst>
+  </p:cSld>
+  <p:clrMapOvr>
+    <a:masterClrMapping/>
+  </p:clrMapOvr>
+</p:sld>
+</file>
+
+<file path=ppt/slides/slide43.xml><?xml version="1.0" encoding="utf-8"?>
+<p:sld xmlns:a="http://schemas.openxmlformats.org/drawingml/2006/main" xmlns:r="http://schemas.openxmlformats.org/officeDocument/2006/relationships" xmlns:p="http://schemas.openxmlformats.org/presentationml/2006/main">
+  <p:cSld>
+    <p:spTree>
+      <p:nvGrpSpPr>
+        <p:cNvPr id="1" name=""/>
+        <p:cNvGrpSpPr/>
+        <p:nvPr/>
+      </p:nvGrpSpPr>
+      <p:grpSpPr>
+        <a:xfrm>
+          <a:off x="0" y="0"/>
+          <a:ext cx="0" cy="0"/>
+          <a:chOff x="0" y="0"/>
+          <a:chExt cx="0" cy="0"/>
+        </a:xfrm>
+      </p:grpSpPr>
+      <p:sp>
+        <p:nvSpPr>
+          <p:cNvPr id="2" name="Title 1"/>
+          <p:cNvSpPr>
+            <a:spLocks noGrp="1"/>
+          </p:cNvSpPr>
+          <p:nvPr>
+            <p:ph type="title"/>
+          </p:nvPr>
+        </p:nvSpPr>
+        <p:spPr/>
+        <p:txBody>
+          <a:bodyPr/>
+          <a:lstStyle/>
+          <a:p>
+            <a:r>
+              <a:rPr lang="de-AT" dirty="0" err="1" smtClean="0"/>
+              <a:t>Lessons</a:t>
+            </a:r>
+            <a:r>
+              <a:rPr lang="de-AT" dirty="0" smtClean="0"/>
+              <a:t> </a:t>
+            </a:r>
+            <a:r>
+              <a:rPr lang="de-AT" dirty="0" err="1" smtClean="0"/>
+              <a:t>Learned</a:t>
+            </a:r>
+            <a:endParaRPr lang="de-AT" dirty="0"/>
+          </a:p>
+        </p:txBody>
+      </p:sp>
+      <p:sp>
+        <p:nvSpPr>
+          <p:cNvPr id="3" name="Text Placeholder 2"/>
+          <p:cNvSpPr>
+            <a:spLocks noGrp="1"/>
+          </p:cNvSpPr>
+          <p:nvPr>
+            <p:ph type="body" idx="1"/>
+          </p:nvPr>
+        </p:nvSpPr>
+        <p:spPr/>
+        <p:txBody>
+          <a:bodyPr/>
+          <a:lstStyle/>
+          <a:p>
+            <a:r>
+              <a:rPr lang="de-AT" dirty="0" smtClean="0"/>
+              <a:t>Das Ende</a:t>
+            </a:r>
+            <a:endParaRPr lang="de-AT" dirty="0"/>
+          </a:p>
+        </p:txBody>
+      </p:sp>
+    </p:spTree>
+    <p:extLst>
+      <p:ext uri="{BB962C8B-B14F-4D97-AF65-F5344CB8AC3E}">
+        <p14:creationId xmlns:p14="http://schemas.microsoft.com/office/powerpoint/2010/main" val="476809469"/>
+      </p:ext>
+    </p:extLst>
+  </p:cSld>
+  <p:clrMapOvr>
+    <a:masterClrMapping/>
+  </p:clrMapOvr>
+</p:sld>
+</file>
+
+<file path=ppt/slides/slide44.xml><?xml version="1.0" encoding="utf-8"?>
+<p:sld xmlns:a="http://schemas.openxmlformats.org/drawingml/2006/main" xmlns:r="http://schemas.openxmlformats.org/officeDocument/2006/relationships" xmlns:p="http://schemas.openxmlformats.org/presentationml/2006/main">
+  <p:cSld>
+    <p:spTree>
+      <p:nvGrpSpPr>
+        <p:cNvPr id="1" name=""/>
+        <p:cNvGrpSpPr/>
+        <p:nvPr/>
+      </p:nvGrpSpPr>
+      <p:grpSpPr>
+        <a:xfrm>
+          <a:off x="0" y="0"/>
+          <a:ext cx="0" cy="0"/>
+          <a:chOff x="0" y="0"/>
+          <a:chExt cx="0" cy="0"/>
+        </a:xfrm>
+      </p:grpSpPr>
+      <p:sp>
+        <p:nvSpPr>
+          <p:cNvPr id="2" name="Titel 1"/>
+          <p:cNvSpPr>
+            <a:spLocks noGrp="1"/>
+          </p:cNvSpPr>
+          <p:nvPr>
+            <p:ph type="title"/>
+          </p:nvPr>
+        </p:nvSpPr>
+        <p:spPr/>
+        <p:txBody>
+          <a:bodyPr/>
+          <a:lstStyle/>
+          <a:p>
+            <a:r>
+              <a:rPr lang="de-AT" dirty="0" err="1" smtClean="0"/>
+              <a:t>Lessons</a:t>
+            </a:r>
+            <a:r>
+              <a:rPr lang="de-AT" dirty="0" smtClean="0"/>
+              <a:t> </a:t>
+            </a:r>
+            <a:r>
+              <a:rPr lang="de-AT" dirty="0" err="1" smtClean="0"/>
+              <a:t>Learned</a:t>
+            </a:r>
+            <a:endParaRPr lang="de-AT" dirty="0"/>
+          </a:p>
+        </p:txBody>
+      </p:sp>
+      <p:sp>
+        <p:nvSpPr>
+          <p:cNvPr id="3" name="Inhaltsplatzhalter 2"/>
+          <p:cNvSpPr>
+            <a:spLocks noGrp="1"/>
+          </p:cNvSpPr>
+          <p:nvPr>
+            <p:ph idx="1"/>
+          </p:nvPr>
+        </p:nvSpPr>
+        <p:spPr/>
+        <p:txBody>
+          <a:bodyPr/>
+          <a:lstStyle/>
+          <a:p>
+            <a:pPr>
+              <a:buFont typeface="Arial" panose="020B0604020202020204" pitchFamily="34" charset="0"/>
+              <a:buChar char="•"/>
+            </a:pPr>
+            <a:r>
+              <a:rPr lang="de-AT" dirty="0"/>
+              <a:t>Technologien schließen sich gegenseitig aus</a:t>
+            </a:r>
+          </a:p>
+          <a:p>
+            <a:pPr>
+              <a:buFont typeface="Arial" panose="020B0604020202020204" pitchFamily="34" charset="0"/>
+              <a:buChar char="•"/>
+            </a:pPr>
+            <a:r>
+              <a:rPr lang="de-AT" dirty="0"/>
+              <a:t>Genaue Analyse der Aufgabenstellung und abstecken was noch kommen kann</a:t>
+            </a:r>
+          </a:p>
+          <a:p>
+            <a:pPr>
+              <a:buFont typeface="Arial" panose="020B0604020202020204" pitchFamily="34" charset="0"/>
+              <a:buChar char="•"/>
+            </a:pPr>
+            <a:r>
+              <a:rPr lang="de-AT" dirty="0"/>
+              <a:t>Zeitmanagement essentiell</a:t>
+            </a:r>
+          </a:p>
+          <a:p>
+            <a:pPr>
+              <a:buFont typeface="Arial" panose="020B0604020202020204" pitchFamily="34" charset="0"/>
+              <a:buChar char="•"/>
+            </a:pPr>
+            <a:r>
+              <a:rPr lang="de-AT" dirty="0" err="1"/>
+              <a:t>Hibernate</a:t>
+            </a:r>
+            <a:r>
+              <a:rPr lang="de-AT" dirty="0"/>
+              <a:t> -&gt; Technologie Anpassungen</a:t>
+            </a:r>
+          </a:p>
+        </p:txBody>
+      </p:sp>
+    </p:spTree>
+    <p:extLst>
+      <p:ext uri="{BB962C8B-B14F-4D97-AF65-F5344CB8AC3E}">
+        <p14:creationId xmlns:p14="http://schemas.microsoft.com/office/powerpoint/2010/main" val="3386145516"/>
+      </p:ext>
+    </p:extLst>
+  </p:cSld>
+  <p:clrMapOvr>
+    <a:masterClrMapping/>
+  </p:clrMapOvr>
+</p:sld>
+</file>
+
+<file path=ppt/slides/slide45.xml><?xml version="1.0" encoding="utf-8"?>
+<p:sld xmlns:a="http://schemas.openxmlformats.org/drawingml/2006/main" xmlns:r="http://schemas.openxmlformats.org/officeDocument/2006/relationships" xmlns:p="http://schemas.openxmlformats.org/presentationml/2006/main">
+  <p:cSld>
+    <p:spTree>
+      <p:nvGrpSpPr>
+        <p:cNvPr id="1" name=""/>
+        <p:cNvGrpSpPr/>
+        <p:nvPr/>
+      </p:nvGrpSpPr>
+      <p:grpSpPr>
+        <a:xfrm>
+          <a:off x="0" y="0"/>
+          <a:ext cx="0" cy="0"/>
+          <a:chOff x="0" y="0"/>
+          <a:chExt cx="0" cy="0"/>
+        </a:xfrm>
+      </p:grpSpPr>
+      <p:sp>
+        <p:nvSpPr>
+          <p:cNvPr id="2" name="Titel 1"/>
+          <p:cNvSpPr>
+            <a:spLocks noGrp="1"/>
+          </p:cNvSpPr>
+          <p:nvPr>
+            <p:ph type="title"/>
+          </p:nvPr>
+        </p:nvSpPr>
+        <p:spPr/>
+        <p:txBody>
+          <a:bodyPr/>
+          <a:lstStyle/>
+          <a:p>
+            <a:r>
+              <a:rPr lang="de-AT" dirty="0" smtClean="0"/>
+              <a:t>Zeit</a:t>
+            </a:r>
+            <a:endParaRPr lang="de-AT" dirty="0"/>
+          </a:p>
+        </p:txBody>
+      </p:sp>
+      <p:sp>
+        <p:nvSpPr>
+          <p:cNvPr id="3" name="Inhaltsplatzhalter 2"/>
+          <p:cNvSpPr>
+            <a:spLocks noGrp="1"/>
+          </p:cNvSpPr>
+          <p:nvPr>
+            <p:ph idx="1"/>
+          </p:nvPr>
+        </p:nvSpPr>
+        <p:spPr/>
+        <p:txBody>
+          <a:bodyPr/>
+          <a:lstStyle/>
+          <a:p>
+            <a:pPr>
+              <a:buFont typeface="Arial" panose="020B0604020202020204" pitchFamily="34" charset="0"/>
+              <a:buChar char="•"/>
+            </a:pPr>
+            <a:r>
+              <a:rPr lang="de-AT" dirty="0"/>
+              <a:t>8 </a:t>
+            </a:r>
+            <a:r>
+              <a:rPr lang="de-AT" dirty="0" err="1"/>
+              <a:t>Timeboxen</a:t>
+            </a:r>
+            <a:endParaRPr lang="de-AT" dirty="0"/>
+          </a:p>
+          <a:p>
+            <a:pPr>
+              <a:buFont typeface="Arial" panose="020B0604020202020204" pitchFamily="34" charset="0"/>
+              <a:buChar char="•"/>
+            </a:pPr>
+            <a:r>
+              <a:rPr lang="de-AT" dirty="0"/>
+              <a:t>ca. 11 Wochen</a:t>
+            </a:r>
+          </a:p>
+          <a:p>
+            <a:pPr>
+              <a:buFont typeface="Arial" panose="020B0604020202020204" pitchFamily="34" charset="0"/>
+              <a:buChar char="•"/>
+            </a:pPr>
+            <a:r>
+              <a:rPr lang="de-AT" dirty="0"/>
+              <a:t>~ 600 h</a:t>
+            </a:r>
+          </a:p>
+        </p:txBody>
+      </p:sp>
+    </p:spTree>
+    <p:extLst>
+      <p:ext uri="{BB962C8B-B14F-4D97-AF65-F5344CB8AC3E}">
+        <p14:creationId xmlns:p14="http://schemas.microsoft.com/office/powerpoint/2010/main" val="1427317626"/>
+      </p:ext>
+    </p:extLst>
+  </p:cSld>
+  <p:clrMapOvr>
+    <a:masterClrMapping/>
+  </p:clrMapOvr>
+</p:sld>
+</file>
+
+<file path=ppt/slides/slide46.xml><?xml version="1.0" encoding="utf-8"?>
+<p:sld xmlns:a="http://schemas.openxmlformats.org/drawingml/2006/main" xmlns:r="http://schemas.openxmlformats.org/officeDocument/2006/relationships" xmlns:p="http://schemas.openxmlformats.org/presentationml/2006/main">
+  <p:cSld>
+    <p:spTree>
+      <p:nvGrpSpPr>
+        <p:cNvPr id="1" name=""/>
+        <p:cNvGrpSpPr/>
+        <p:nvPr/>
+      </p:nvGrpSpPr>
+      <p:grpSpPr>
+        <a:xfrm>
+          <a:off x="0" y="0"/>
+          <a:ext cx="0" cy="0"/>
+          <a:chOff x="0" y="0"/>
+          <a:chExt cx="0" cy="0"/>
+        </a:xfrm>
+      </p:grpSpPr>
+      <p:sp>
+        <p:nvSpPr>
+          <p:cNvPr id="4" name="Title 3"/>
+          <p:cNvSpPr>
+            <a:spLocks noGrp="1"/>
+          </p:cNvSpPr>
+          <p:nvPr>
+            <p:ph type="title"/>
+          </p:nvPr>
+        </p:nvSpPr>
+        <p:spPr/>
+        <p:txBody>
+          <a:bodyPr/>
+          <a:lstStyle/>
+          <a:p>
+            <a:r>
+              <a:rPr lang="de-AT" dirty="0" err="1" smtClean="0"/>
+              <a:t>ENDe</a:t>
+            </a:r>
+            <a:endParaRPr lang="de-AT" dirty="0"/>
+          </a:p>
+        </p:txBody>
+      </p:sp>
+      <p:sp>
+        <p:nvSpPr>
+          <p:cNvPr id="5" name="Content Placeholder 4"/>
+          <p:cNvSpPr>
+            <a:spLocks noGrp="1"/>
+          </p:cNvSpPr>
+          <p:nvPr>
+            <p:ph idx="1"/>
+          </p:nvPr>
+        </p:nvSpPr>
+        <p:spPr/>
+        <p:txBody>
+          <a:bodyPr/>
+          <a:lstStyle/>
+          <a:p>
+            <a:pPr>
+              <a:buFont typeface="Arial" panose="020B0604020202020204" pitchFamily="34" charset="0"/>
+              <a:buChar char="•"/>
+            </a:pPr>
+            <a:r>
+              <a:rPr lang="de-AT" dirty="0" smtClean="0"/>
+              <a:t>Noch Fragen?</a:t>
+            </a:r>
+          </a:p>
+          <a:p>
+            <a:pPr>
+              <a:buFont typeface="Arial" panose="020B0604020202020204" pitchFamily="34" charset="0"/>
+              <a:buChar char="•"/>
+            </a:pPr>
+            <a:r>
+              <a:rPr lang="de-AT" dirty="0" smtClean="0"/>
+              <a:t>Danke</a:t>
+            </a:r>
+            <a:endParaRPr lang="de-AT" dirty="0"/>
+          </a:p>
+        </p:txBody>
+      </p:sp>
+    </p:spTree>
+    <p:extLst>
+      <p:ext uri="{BB962C8B-B14F-4D97-AF65-F5344CB8AC3E}">
+        <p14:creationId xmlns:p14="http://schemas.microsoft.com/office/powerpoint/2010/main" val="3336475912"/>
+      </p:ext>
+    </p:extLst>
+  </p:cSld>
+  <p:clrMapOvr>
+    <a:masterClrMapping/>
+  </p:clrMapOvr>
 </p:sld>
 </file>
 
@@ -15491,289 +16146,4 @@
     </a:ext>
   </a:extLst>
 </a:theme>
-</file>
-
-<file path=ppt/theme/theme3.xml><?xml version="1.0" encoding="utf-8"?>
-<a:theme xmlns:a="http://schemas.openxmlformats.org/drawingml/2006/main" name="Larissa">
-  <a:themeElements>
-    <a:clrScheme name="Larissa">
-      <a:dk1>
-        <a:sysClr val="windowText" lastClr="000000"/>
-      </a:dk1>
-      <a:lt1>
-        <a:sysClr val="window" lastClr="FFFFFF"/>
-      </a:lt1>
-      <a:dk2>
-        <a:srgbClr val="1F497D"/>
-      </a:dk2>
-      <a:lt2>
-        <a:srgbClr val="EEECE1"/>
-      </a:lt2>
-      <a:accent1>
-        <a:srgbClr val="4F81BD"/>
-      </a:accent1>
-      <a:accent2>
-        <a:srgbClr val="C0504D"/>
-      </a:accent2>
-      <a:accent3>
-        <a:srgbClr val="9BBB59"/>
-      </a:accent3>
-      <a:accent4>
-        <a:srgbClr val="8064A2"/>
-      </a:accent4>
-      <a:accent5>
-        <a:srgbClr val="4BACC6"/>
-      </a:accent5>
-      <a:accent6>
-        <a:srgbClr val="F79646"/>
-      </a:accent6>
-      <a:hlink>
-        <a:srgbClr val="0000FF"/>
-      </a:hlink>
-      <a:folHlink>
-        <a:srgbClr val="800080"/>
-      </a:folHlink>
-    </a:clrScheme>
-    <a:fontScheme name="Larissa">
-      <a:majorFont>
-        <a:latin typeface="Calibri"/>
-        <a:ea typeface=""/>
-        <a:cs typeface=""/>
-        <a:font script="Jpan" typeface="ＭＳ Ｐゴシック"/>
-        <a:font script="Hang" typeface="맑은 고딕"/>
-        <a:font script="Hans" typeface="宋体"/>
-        <a:font script="Hant" typeface="新細明體"/>
-        <a:font script="Arab" typeface="Times New Roman"/>
-        <a:font script="Hebr" typeface="Times New Roman"/>
-        <a:font script="Thai" typeface="Angsana New"/>
-        <a:font script="Ethi" typeface="Nyala"/>
-        <a:font script="Beng" typeface="Vrinda"/>
-        <a:font script="Gujr" typeface="Shruti"/>
-        <a:font script="Khmr" typeface="MoolBoran"/>
-        <a:font script="Knda" typeface="Tunga"/>
-        <a:font script="Guru" typeface="Raavi"/>
-        <a:font script="Cans" typeface="Euphemia"/>
-        <a:font script="Cher" typeface="Plantagenet Cherokee"/>
-        <a:font script="Yiii" typeface="Microsoft Yi Baiti"/>
-        <a:font script="Tibt" typeface="Microsoft Himalaya"/>
-        <a:font script="Thaa" typeface="MV Boli"/>
-        <a:font script="Deva" typeface="Mangal"/>
-        <a:font script="Telu" typeface="Gautami"/>
-        <a:font script="Taml" typeface="Latha"/>
-        <a:font script="Syrc" typeface="Estrangelo Edessa"/>
-        <a:font script="Orya" typeface="Kalinga"/>
-        <a:font script="Mlym" typeface="Kartika"/>
-        <a:font script="Laoo" typeface="DokChampa"/>
-        <a:font script="Sinh" typeface="Iskoola Pota"/>
-        <a:font script="Mong" typeface="Mongolian Baiti"/>
-        <a:font script="Viet" typeface="Times New Roman"/>
-        <a:font script="Uigh" typeface="Microsoft Uighur"/>
-        <a:font script="Geor" typeface="Sylfaen"/>
-      </a:majorFont>
-      <a:minorFont>
-        <a:latin typeface="Calibri"/>
-        <a:ea typeface=""/>
-        <a:cs typeface=""/>
-        <a:font script="Jpan" typeface="ＭＳ Ｐゴシック"/>
-        <a:font script="Hang" typeface="맑은 고딕"/>
-        <a:font script="Hans" typeface="宋体"/>
-        <a:font script="Hant" typeface="新細明體"/>
-        <a:font script="Arab" typeface="Arial"/>
-        <a:font script="Hebr" typeface="Arial"/>
-        <a:font script="Thai" typeface="Cordia New"/>
-        <a:font script="Ethi" typeface="Nyala"/>
-        <a:font script="Beng" typeface="Vrinda"/>
-        <a:font script="Gujr" typeface="Shruti"/>
-        <a:font script="Khmr" typeface="DaunPenh"/>
-        <a:font script="Knda" typeface="Tunga"/>
-        <a:font script="Guru" typeface="Raavi"/>
-        <a:font script="Cans" typeface="Euphemia"/>
-        <a:font script="Cher" typeface="Plantagenet Cherokee"/>
-        <a:font script="Yiii" typeface="Microsoft Yi Baiti"/>
-        <a:font script="Tibt" typeface="Microsoft Himalaya"/>
-        <a:font script="Thaa" typeface="MV Boli"/>
-        <a:font script="Deva" typeface="Mangal"/>
-        <a:font script="Telu" typeface="Gautami"/>
-        <a:font script="Taml" typeface="Latha"/>
-        <a:font script="Syrc" typeface="Estrangelo Edessa"/>
-        <a:font script="Orya" typeface="Kalinga"/>
-        <a:font script="Mlym" typeface="Kartika"/>
-        <a:font script="Laoo" typeface="DokChampa"/>
-        <a:font script="Sinh" typeface="Iskoola Pota"/>
-        <a:font script="Mong" typeface="Mongolian Baiti"/>
-        <a:font script="Viet" typeface="Arial"/>
-        <a:font script="Uigh" typeface="Microsoft Uighur"/>
-        <a:font script="Geor" typeface="Sylfaen"/>
-      </a:minorFont>
-    </a:fontScheme>
-    <a:fmtScheme name="Larissa">
-      <a:fillStyleLst>
-        <a:solidFill>
-          <a:schemeClr val="phClr"/>
-        </a:solidFill>
-        <a:gradFill rotWithShape="1">
-          <a:gsLst>
-            <a:gs pos="0">
-              <a:schemeClr val="phClr">
-                <a:tint val="50000"/>
-                <a:satMod val="300000"/>
-              </a:schemeClr>
-            </a:gs>
-            <a:gs pos="35000">
-              <a:schemeClr val="phClr">
-                <a:tint val="37000"/>
-                <a:satMod val="300000"/>
-              </a:schemeClr>
-            </a:gs>
-            <a:gs pos="100000">
-              <a:schemeClr val="phClr">
-                <a:tint val="15000"/>
-                <a:satMod val="350000"/>
-              </a:schemeClr>
-            </a:gs>
-          </a:gsLst>
-          <a:lin ang="16200000" scaled="1"/>
-        </a:gradFill>
-        <a:gradFill rotWithShape="1">
-          <a:gsLst>
-            <a:gs pos="0">
-              <a:schemeClr val="phClr">
-                <a:shade val="51000"/>
-                <a:satMod val="130000"/>
-              </a:schemeClr>
-            </a:gs>
-            <a:gs pos="80000">
-              <a:schemeClr val="phClr">
-                <a:shade val="93000"/>
-                <a:satMod val="130000"/>
-              </a:schemeClr>
-            </a:gs>
-            <a:gs pos="100000">
-              <a:schemeClr val="phClr">
-                <a:shade val="94000"/>
-                <a:satMod val="135000"/>
-              </a:schemeClr>
-            </a:gs>
-          </a:gsLst>
-          <a:lin ang="16200000" scaled="0"/>
-        </a:gradFill>
-      </a:fillStyleLst>
-      <a:lnStyleLst>
-        <a:ln w="9525" cap="flat" cmpd="sng" algn="ctr">
-          <a:solidFill>
-            <a:schemeClr val="phClr">
-              <a:shade val="95000"/>
-              <a:satMod val="105000"/>
-            </a:schemeClr>
-          </a:solidFill>
-          <a:prstDash val="solid"/>
-        </a:ln>
-        <a:ln w="25400" cap="flat" cmpd="sng" algn="ctr">
-          <a:solidFill>
-            <a:schemeClr val="phClr"/>
-          </a:solidFill>
-          <a:prstDash val="solid"/>
-        </a:ln>
-        <a:ln w="38100" cap="flat" cmpd="sng" algn="ctr">
-          <a:solidFill>
-            <a:schemeClr val="phClr"/>
-          </a:solidFill>
-          <a:prstDash val="solid"/>
-        </a:ln>
-      </a:lnStyleLst>
-      <a:effectStyleLst>
-        <a:effectStyle>
-          <a:effectLst>
-            <a:outerShdw blurRad="40000" dist="20000" dir="5400000" rotWithShape="0">
-              <a:srgbClr val="000000">
-                <a:alpha val="38000"/>
-              </a:srgbClr>
-            </a:outerShdw>
-          </a:effectLst>
-        </a:effectStyle>
-        <a:effectStyle>
-          <a:effectLst>
-            <a:outerShdw blurRad="40000" dist="23000" dir="5400000" rotWithShape="0">
-              <a:srgbClr val="000000">
-                <a:alpha val="35000"/>
-              </a:srgbClr>
-            </a:outerShdw>
-          </a:effectLst>
-        </a:effectStyle>
-        <a:effectStyle>
-          <a:effectLst>
-            <a:outerShdw blurRad="40000" dist="23000" dir="5400000" rotWithShape="0">
-              <a:srgbClr val="000000">
-                <a:alpha val="35000"/>
-              </a:srgbClr>
-            </a:outerShdw>
-          </a:effectLst>
-          <a:scene3d>
-            <a:camera prst="orthographicFront">
-              <a:rot lat="0" lon="0" rev="0"/>
-            </a:camera>
-            <a:lightRig rig="threePt" dir="t">
-              <a:rot lat="0" lon="0" rev="1200000"/>
-            </a:lightRig>
-          </a:scene3d>
-          <a:sp3d>
-            <a:bevelT w="63500" h="25400"/>
-          </a:sp3d>
-        </a:effectStyle>
-      </a:effectStyleLst>
-      <a:bgFillStyleLst>
-        <a:solidFill>
-          <a:schemeClr val="phClr"/>
-        </a:solidFill>
-        <a:gradFill rotWithShape="1">
-          <a:gsLst>
-            <a:gs pos="0">
-              <a:schemeClr val="phClr">
-                <a:tint val="40000"/>
-                <a:satMod val="350000"/>
-              </a:schemeClr>
-            </a:gs>
-            <a:gs pos="40000">
-              <a:schemeClr val="phClr">
-                <a:tint val="45000"/>
-                <a:shade val="99000"/>
-                <a:satMod val="350000"/>
-              </a:schemeClr>
-            </a:gs>
-            <a:gs pos="100000">
-              <a:schemeClr val="phClr">
-                <a:shade val="20000"/>
-                <a:satMod val="255000"/>
-              </a:schemeClr>
-            </a:gs>
-          </a:gsLst>
-          <a:path path="circle">
-            <a:fillToRect l="50000" t="-80000" r="50000" b="180000"/>
-          </a:path>
-        </a:gradFill>
-        <a:gradFill rotWithShape="1">
-          <a:gsLst>
-            <a:gs pos="0">
-              <a:schemeClr val="phClr">
-                <a:tint val="80000"/>
-                <a:satMod val="300000"/>
-              </a:schemeClr>
-            </a:gs>
-            <a:gs pos="100000">
-              <a:schemeClr val="phClr">
-                <a:shade val="30000"/>
-                <a:satMod val="200000"/>
-              </a:schemeClr>
-            </a:gs>
-          </a:gsLst>
-          <a:path path="circle">
-            <a:fillToRect l="50000" t="50000" r="50000" b="50000"/>
-          </a:path>
-        </a:gradFill>
-      </a:bgFillStyleLst>
-    </a:fmtScheme>
-  </a:themeElements>
-  <a:objectDefaults/>
-  <a:extraClrSchemeLst/>
-</a:theme>
 </file>
--- a/Presentation/Presentation.pptx
+++ b/Presentation/Presentation.pptx
@@ -5,7 +5,7 @@
     <p:sldMasterId id="2147483720" r:id="rId1"/>
   </p:sldMasterIdLst>
   <p:notesMasterIdLst>
-    <p:notesMasterId r:id="rId48"/>
+    <p:notesMasterId r:id="rId50"/>
   </p:notesMasterIdLst>
   <p:sldIdLst>
     <p:sldId id="256" r:id="rId2"/>
@@ -48,12 +48,14 @@
     <p:sldId id="264" r:id="rId39"/>
     <p:sldId id="265" r:id="rId40"/>
     <p:sldId id="307" r:id="rId41"/>
-    <p:sldId id="266" r:id="rId42"/>
-    <p:sldId id="267" r:id="rId43"/>
-    <p:sldId id="298" r:id="rId44"/>
-    <p:sldId id="268" r:id="rId45"/>
-    <p:sldId id="269" r:id="rId46"/>
-    <p:sldId id="299" r:id="rId47"/>
+    <p:sldId id="309" r:id="rId42"/>
+    <p:sldId id="310" r:id="rId43"/>
+    <p:sldId id="266" r:id="rId44"/>
+    <p:sldId id="267" r:id="rId45"/>
+    <p:sldId id="298" r:id="rId46"/>
+    <p:sldId id="268" r:id="rId47"/>
+    <p:sldId id="269" r:id="rId48"/>
+    <p:sldId id="299" r:id="rId49"/>
   </p:sldIdLst>
   <p:sldSz cx="12192000" cy="6858000"/>
   <p:notesSz cx="6858000" cy="9144000"/>
@@ -217,6 +219,8 @@
             <p14:sldId id="264"/>
             <p14:sldId id="265"/>
             <p14:sldId id="307"/>
+            <p14:sldId id="309"/>
+            <p14:sldId id="310"/>
             <p14:sldId id="266"/>
             <p14:sldId id="267"/>
           </p14:sldIdLst>
@@ -1294,7 +1298,7 @@
             </a:r>
             <a:r>
               <a:rPr lang="de-AT" baseline="0" dirty="0" smtClean="0"/>
-              <a:t> dar welche in Java realisiert wurde und  u.a. die Wettkampfergebnisse ausgibt</a:t>
+              <a:t> dar welche in Java realisiert wurde und  u.a. die Wettkampfergebnisse ausgibt, eigenes Projekt -&gt; eig. Nichts mit dem zu tun</a:t>
             </a:r>
           </a:p>
           <a:p>
@@ -1336,7 +1340,31 @@
             </a:pPr>
             <a:r>
               <a:rPr lang="de-AT" baseline="0" dirty="0" smtClean="0"/>
-              <a:t>Eine vom abgekoppelte JMS Umsetzung</a:t>
+              <a:t>Eine vom abgekoppelte JMS Umsetzung -&gt; </a:t>
+            </a:r>
+            <a:r>
+              <a:rPr lang="de-AT" baseline="0" dirty="0" err="1" smtClean="0"/>
+              <a:t>einbindung</a:t>
+            </a:r>
+            <a:r>
+              <a:rPr lang="de-AT" baseline="0" dirty="0" smtClean="0"/>
+              <a:t> nicht </a:t>
+            </a:r>
+            <a:r>
+              <a:rPr lang="de-AT" baseline="0" dirty="0" err="1" smtClean="0"/>
+              <a:t>möglcih</a:t>
+            </a:r>
+            <a:r>
+              <a:rPr lang="de-AT" baseline="0" dirty="0" smtClean="0"/>
+              <a:t> -&gt; </a:t>
+            </a:r>
+            <a:r>
+              <a:rPr lang="de-AT" baseline="0" dirty="0" err="1" smtClean="0"/>
+              <a:t>probleme</a:t>
+            </a:r>
+            <a:r>
+              <a:rPr lang="de-AT" baseline="0" dirty="0" smtClean="0"/>
+              <a:t> gegenseitig blockiert</a:t>
             </a:r>
           </a:p>
           <a:p>
@@ -1365,7 +1393,7 @@
           <a:p>
             <a:fld id="{5E424E5C-960A-40AF-91BF-B49DEF3D51D8}" type="slidenum">
               <a:rPr lang="de-AT" smtClean="0"/>
-              <a:t>41</a:t>
+              <a:t>43</a:t>
             </a:fld>
             <a:endParaRPr lang="de-AT"/>
           </a:p>
@@ -1549,7 +1577,7 @@
           <a:p>
             <a:fld id="{5E424E5C-960A-40AF-91BF-B49DEF3D51D8}" type="slidenum">
               <a:rPr lang="de-AT" smtClean="0"/>
-              <a:t>42</a:t>
+              <a:t>44</a:t>
             </a:fld>
             <a:endParaRPr lang="de-AT"/>
           </a:p>
@@ -1631,6 +1659,50 @@
             </a:pPr>
             <a:r>
               <a:rPr lang="de-AT" dirty="0" smtClean="0"/>
+              <a:t>Analyse + Aufteilung</a:t>
+            </a:r>
+            <a:r>
+              <a:rPr lang="de-AT" baseline="0" dirty="0" smtClean="0"/>
+              <a:t> </a:t>
+            </a:r>
+            <a:r>
+              <a:rPr lang="de-AT" dirty="0" smtClean="0"/>
+              <a:t>Aufgabenstellung -&gt;</a:t>
+            </a:r>
+            <a:r>
+              <a:rPr lang="de-AT" baseline="0" dirty="0" smtClean="0"/>
+              <a:t> </a:t>
+            </a:r>
+            <a:r>
+              <a:rPr lang="de-AT" baseline="0" dirty="0" err="1" smtClean="0"/>
+              <a:t>gemeinsammer</a:t>
+            </a:r>
+            <a:r>
+              <a:rPr lang="de-AT" baseline="0" dirty="0" smtClean="0"/>
+              <a:t> Wissenstand</a:t>
+            </a:r>
+            <a:endParaRPr lang="de-AT" dirty="0" smtClean="0"/>
+          </a:p>
+          <a:p>
+            <a:pPr marL="0" marR="0" indent="0" algn="l" defTabSz="914400" rtl="0" eaLnBrk="1" fontAlgn="auto" latinLnBrk="0" hangingPunct="1">
+              <a:lnSpc>
+                <a:spcPct val="100000"/>
+              </a:lnSpc>
+              <a:spcBef>
+                <a:spcPts val="0"/>
+              </a:spcBef>
+              <a:spcAft>
+                <a:spcPts val="0"/>
+              </a:spcAft>
+              <a:buClrTx/>
+              <a:buSzTx/>
+              <a:buFontTx/>
+              <a:buNone/>
+              <a:tabLst/>
+              <a:defRPr/>
+            </a:pPr>
+            <a:r>
+              <a:rPr lang="de-AT" dirty="0" smtClean="0"/>
               <a:t>Zeitmanagement</a:t>
             </a:r>
             <a:r>
@@ -1661,7 +1733,7 @@
           <a:p>
             <a:fld id="{C991D70F-D8B5-4D41-95B5-481C1B1D6FE8}" type="slidenum">
               <a:rPr lang="de-AT" smtClean="0"/>
-              <a:t>44</a:t>
+              <a:t>46</a:t>
             </a:fld>
             <a:endParaRPr lang="de-AT"/>
           </a:p>
@@ -2834,32 +2906,6 @@
         <p:txBody>
           <a:bodyPr/>
           <a:lstStyle/>
-          <a:p>
-            <a:r>
-              <a:rPr lang="de-AT" dirty="0" smtClean="0"/>
-              <a:t>TODO: Screenshot</a:t>
-            </a:r>
-            <a:r>
-              <a:rPr lang="de-AT" baseline="0" dirty="0" smtClean="0"/>
-              <a:t> </a:t>
-            </a:r>
-            <a:r>
-              <a:rPr lang="de-AT" baseline="0" dirty="0" err="1" smtClean="0"/>
-              <a:t>evt</a:t>
-            </a:r>
-            <a:r>
-              <a:rPr lang="de-AT" baseline="0" dirty="0" smtClean="0"/>
-              <a:t>. Noch ändern (kein leeres </a:t>
-            </a:r>
-            <a:r>
-              <a:rPr lang="de-AT" baseline="0" dirty="0" err="1" smtClean="0"/>
-              <a:t>feld</a:t>
-            </a:r>
-            <a:r>
-              <a:rPr lang="de-AT" baseline="0" dirty="0" smtClean="0"/>
-              <a:t>)</a:t>
-            </a:r>
-          </a:p>
           <a:p>
             <a:endParaRPr lang="de-AT" baseline="0" dirty="0" smtClean="0"/>
           </a:p>
@@ -11377,7 +11423,7 @@
             </a:pPr>
             <a:r>
               <a:rPr lang="de-AT" dirty="0" smtClean="0"/>
-              <a:t>-&gt; </a:t>
+              <a:t> </a:t>
             </a:r>
             <a:r>
               <a:rPr lang="de-AT" dirty="0" err="1" smtClean="0"/>
@@ -11410,7 +11456,7 @@
             </a:pPr>
             <a:r>
               <a:rPr lang="de-AT" dirty="0" smtClean="0"/>
-              <a:t>-&gt; vereinfacht Technologie Anpassung</a:t>
+              <a:t>vereinfacht Technologie Anpassung</a:t>
             </a:r>
           </a:p>
           <a:p>
@@ -12294,7 +12340,7 @@
           <a:p>
             <a:r>
               <a:rPr lang="de-AT" dirty="0" smtClean="0"/>
-              <a:t>Beispiel: Mitglied Suchen/Ändern</a:t>
+              <a:t>Mitglied Suchen/Ändern</a:t>
             </a:r>
             <a:endParaRPr lang="de-AT" dirty="0"/>
           </a:p>
@@ -12302,7 +12348,7 @@
       </p:sp>
       <p:pic>
         <p:nvPicPr>
-          <p:cNvPr id="1026" name="Picture 2" descr="C:\Users\luc\Pictures\09.01.13 14_51-Bildschirmkopie.png"/>
+          <p:cNvPr id="2060" name="Picture 12" descr="C:\Users\luc\Desktop\SearchChange.png"/>
           <p:cNvPicPr>
             <a:picLocks noGrp="1" noChangeAspect="1" noChangeArrowheads="1"/>
           </p:cNvPicPr>
@@ -12325,8 +12371,8 @@
         </p:blipFill>
         <p:spPr bwMode="auto">
           <a:xfrm>
-            <a:off x="2467514" y="1892300"/>
-            <a:ext cx="7297942" cy="4416425"/>
+            <a:off x="2416287" y="1835347"/>
+            <a:ext cx="7005505" cy="4750647"/>
           </a:xfrm>
           <a:prstGeom prst="rect">
             <a:avLst/>
@@ -12397,7 +12443,7 @@
           <a:p>
             <a:r>
               <a:rPr lang="de-AT" dirty="0" smtClean="0"/>
-              <a:t>Erweiterungen</a:t>
+              <a:t>Observer Solution</a:t>
             </a:r>
             <a:endParaRPr lang="de-AT" dirty="0"/>
           </a:p>
@@ -12413,75 +12459,620 @@
             <p:ph idx="1"/>
           </p:nvPr>
         </p:nvSpPr>
-        <p:spPr/>
+        <p:spPr>
+          <a:xfrm>
+            <a:off x="838202" y="1944547"/>
+            <a:ext cx="10528137" cy="4734045"/>
+          </a:xfrm>
+        </p:spPr>
+        <p:txBody>
+          <a:bodyPr>
+            <a:noAutofit/>
+          </a:bodyPr>
+          <a:lstStyle/>
+          <a:p>
+            <a:pPr marL="0" indent="0">
+              <a:buNone/>
+            </a:pPr>
+            <a:r>
+              <a:rPr lang="en-US" sz="1400" dirty="0"/>
+              <a:t>public class </a:t>
+            </a:r>
+            <a:r>
+              <a:rPr lang="en-US" sz="1400" dirty="0" err="1" smtClean="0"/>
+              <a:t>MembershipDataPanel</a:t>
+            </a:r>
+            <a:r>
+              <a:rPr lang="en-US" sz="1400" dirty="0" smtClean="0"/>
+              <a:t>  </a:t>
+            </a:r>
+            <a:r>
+              <a:rPr lang="en-US" sz="1400" dirty="0"/>
+              <a:t>extends </a:t>
+            </a:r>
+            <a:r>
+              <a:rPr lang="en-US" sz="1400" dirty="0" err="1" smtClean="0"/>
+              <a:t>JPanel</a:t>
+            </a:r>
+            <a:r>
+              <a:rPr lang="en-US" sz="1400" dirty="0" smtClean="0"/>
+              <a:t>  implements </a:t>
+            </a:r>
+            <a:r>
+              <a:rPr lang="en-US" sz="1400" dirty="0" err="1"/>
+              <a:t>SelectedSportsValue</a:t>
+            </a:r>
+            <a:r>
+              <a:rPr lang="en-US" sz="1400" dirty="0"/>
+              <a:t>, </a:t>
+            </a:r>
+            <a:r>
+              <a:rPr lang="en-US" sz="1400" dirty="0" err="1"/>
+              <a:t>SelectedPlayerTeamsValue</a:t>
+            </a:r>
+            <a:r>
+              <a:rPr lang="en-US" sz="1400" dirty="0"/>
+              <a:t>, </a:t>
+            </a:r>
+            <a:r>
+              <a:rPr lang="en-US" sz="1400" dirty="0" err="1"/>
+              <a:t>SelectTrainerTeamsValue</a:t>
+            </a:r>
+            <a:r>
+              <a:rPr lang="en-US" sz="1400" dirty="0"/>
+              <a:t> </a:t>
+            </a:r>
+            <a:r>
+              <a:rPr lang="en-US" sz="1400" dirty="0" smtClean="0"/>
+              <a:t>{</a:t>
+            </a:r>
+          </a:p>
+          <a:p>
+            <a:pPr marL="0" indent="0">
+              <a:buNone/>
+            </a:pPr>
+            <a:r>
+              <a:rPr lang="en-US" sz="1400" dirty="0" smtClean="0"/>
+              <a:t>	private </a:t>
+            </a:r>
+            <a:r>
+              <a:rPr lang="en-US" sz="1400" dirty="0"/>
+              <a:t>void </a:t>
+            </a:r>
+            <a:r>
+              <a:rPr lang="en-US" sz="1400" dirty="0" err="1" smtClean="0"/>
+              <a:t>btnAddSportActionPerformed</a:t>
+            </a:r>
+            <a:r>
+              <a:rPr lang="en-US" sz="1400" dirty="0" smtClean="0"/>
+              <a:t>(</a:t>
+            </a:r>
+            <a:r>
+              <a:rPr lang="en-US" sz="1400" dirty="0" err="1" smtClean="0"/>
+              <a:t>ActionEvent</a:t>
+            </a:r>
+            <a:r>
+              <a:rPr lang="en-US" sz="1400" dirty="0" smtClean="0"/>
+              <a:t> </a:t>
+            </a:r>
+            <a:r>
+              <a:rPr lang="en-US" sz="1400" dirty="0" err="1"/>
+              <a:t>evt</a:t>
+            </a:r>
+            <a:r>
+              <a:rPr lang="en-US" sz="1400" dirty="0"/>
+              <a:t>) </a:t>
+            </a:r>
+            <a:r>
+              <a:rPr lang="en-US" sz="1400" dirty="0" smtClean="0"/>
+              <a:t>{</a:t>
+            </a:r>
+          </a:p>
+          <a:p>
+            <a:pPr marL="0" indent="0">
+              <a:buNone/>
+            </a:pPr>
+            <a:r>
+              <a:rPr lang="en-US" sz="1400" dirty="0"/>
+              <a:t>	</a:t>
+            </a:r>
+            <a:r>
+              <a:rPr lang="en-US" sz="1400" dirty="0" smtClean="0"/>
+              <a:t>	</a:t>
+            </a:r>
+            <a:r>
+              <a:rPr lang="en-US" sz="1400" dirty="0" err="1" smtClean="0"/>
+              <a:t>SelectSportsHelper</a:t>
+            </a:r>
+            <a:r>
+              <a:rPr lang="en-US" sz="1400" dirty="0" smtClean="0"/>
+              <a:t> helper = </a:t>
+            </a:r>
+            <a:r>
+              <a:rPr lang="en-US" sz="1400" dirty="0"/>
+              <a:t>new </a:t>
+            </a:r>
+            <a:r>
+              <a:rPr lang="en-US" sz="1400" dirty="0" err="1" smtClean="0"/>
+              <a:t>SelectSportsHelper</a:t>
+            </a:r>
+            <a:r>
+              <a:rPr lang="en-US" sz="1400" dirty="0" smtClean="0"/>
+              <a:t>(</a:t>
+            </a:r>
+            <a:r>
+              <a:rPr lang="en-US" sz="1400" dirty="0" err="1" smtClean="0"/>
+              <a:t>controller.getAllSports</a:t>
+            </a:r>
+            <a:r>
+              <a:rPr lang="en-US" sz="1400" dirty="0"/>
+              <a:t>(), </a:t>
+            </a:r>
+            <a:r>
+              <a:rPr lang="en-US" sz="1400" dirty="0" err="1"/>
+              <a:t>selectedSports</a:t>
+            </a:r>
+            <a:r>
+              <a:rPr lang="en-US" sz="1400" dirty="0"/>
+              <a:t>, this</a:t>
+            </a:r>
+            <a:r>
+              <a:rPr lang="en-US" sz="1400" dirty="0" smtClean="0"/>
+              <a:t>);       </a:t>
+            </a:r>
+          </a:p>
+          <a:p>
+            <a:pPr marL="0" indent="0">
+              <a:lnSpc>
+                <a:spcPct val="100000"/>
+              </a:lnSpc>
+              <a:spcBef>
+                <a:spcPts val="0"/>
+              </a:spcBef>
+              <a:spcAft>
+                <a:spcPts val="0"/>
+              </a:spcAft>
+              <a:buNone/>
+            </a:pPr>
+            <a:r>
+              <a:rPr lang="en-US" sz="1400" dirty="0" smtClean="0"/>
+              <a:t>	}</a:t>
+            </a:r>
+          </a:p>
+          <a:p>
+            <a:pPr marL="0" indent="0">
+              <a:lnSpc>
+                <a:spcPct val="100000"/>
+              </a:lnSpc>
+              <a:spcBef>
+                <a:spcPts val="0"/>
+              </a:spcBef>
+              <a:spcAft>
+                <a:spcPts val="0"/>
+              </a:spcAft>
+              <a:buNone/>
+            </a:pPr>
+            <a:r>
+              <a:rPr lang="en-US" sz="1400" dirty="0"/>
+              <a:t>}</a:t>
+            </a:r>
+          </a:p>
+          <a:p>
+            <a:pPr marL="0" indent="0">
+              <a:buNone/>
+            </a:pPr>
+            <a:r>
+              <a:rPr lang="en-US" sz="1400" dirty="0" smtClean="0"/>
+              <a:t>public </a:t>
+            </a:r>
+            <a:r>
+              <a:rPr lang="en-US" sz="1400" dirty="0"/>
+              <a:t>class </a:t>
+            </a:r>
+            <a:r>
+              <a:rPr lang="en-US" sz="1400" dirty="0" err="1" smtClean="0"/>
+              <a:t>SelectSportsHelper</a:t>
+            </a:r>
+            <a:r>
+              <a:rPr lang="en-US" sz="1400" dirty="0" smtClean="0"/>
+              <a:t> {</a:t>
+            </a:r>
+          </a:p>
+          <a:p>
+            <a:pPr marL="0" indent="0">
+              <a:buNone/>
+            </a:pPr>
+            <a:r>
+              <a:rPr lang="en-US" sz="1400" dirty="0"/>
+              <a:t>	</a:t>
+            </a:r>
+            <a:r>
+              <a:rPr lang="en-US" sz="1400" dirty="0" smtClean="0"/>
+              <a:t>private void </a:t>
+            </a:r>
+            <a:r>
+              <a:rPr lang="en-US" sz="1400" dirty="0" err="1" smtClean="0"/>
+              <a:t>btnAddSports</a:t>
+            </a:r>
+            <a:r>
+              <a:rPr lang="en-US" sz="1400" dirty="0" smtClean="0"/>
+              <a:t>(</a:t>
+            </a:r>
+            <a:r>
+              <a:rPr lang="en-US" sz="1400" dirty="0" err="1" smtClean="0"/>
+              <a:t>ActionEvent</a:t>
+            </a:r>
+            <a:r>
+              <a:rPr lang="en-US" sz="1400" dirty="0" smtClean="0"/>
+              <a:t> </a:t>
+            </a:r>
+            <a:r>
+              <a:rPr lang="en-US" sz="1400" dirty="0" err="1" smtClean="0"/>
+              <a:t>evt</a:t>
+            </a:r>
+            <a:r>
+              <a:rPr lang="en-US" sz="1400" dirty="0" smtClean="0"/>
+              <a:t>){…</a:t>
+            </a:r>
+          </a:p>
+          <a:p>
+            <a:pPr marL="0" lvl="1" indent="0">
+              <a:spcBef>
+                <a:spcPts val="1200"/>
+              </a:spcBef>
+              <a:spcAft>
+                <a:spcPts val="200"/>
+              </a:spcAft>
+              <a:buClrTx/>
+              <a:buNone/>
+            </a:pPr>
+            <a:r>
+              <a:rPr lang="de-AT" sz="1400" dirty="0" smtClean="0"/>
+              <a:t>		</a:t>
+            </a:r>
+            <a:r>
+              <a:rPr lang="de-AT" sz="1400" dirty="0" err="1" smtClean="0"/>
+              <a:t>selectedSportsValue.sportSelected</a:t>
+            </a:r>
+            <a:r>
+              <a:rPr lang="de-AT" sz="1400" dirty="0" smtClean="0"/>
+              <a:t>(</a:t>
+            </a:r>
+            <a:r>
+              <a:rPr lang="de-AT" sz="1400" dirty="0" err="1" smtClean="0"/>
+              <a:t>selSports</a:t>
+            </a:r>
+            <a:r>
+              <a:rPr lang="de-AT" sz="1400" dirty="0" smtClean="0"/>
+              <a:t>);</a:t>
+            </a:r>
+            <a:endParaRPr lang="en-US" sz="1400" dirty="0" smtClean="0"/>
+          </a:p>
+          <a:p>
+            <a:pPr marL="0" indent="0">
+              <a:lnSpc>
+                <a:spcPct val="100000"/>
+              </a:lnSpc>
+              <a:spcBef>
+                <a:spcPts val="0"/>
+              </a:spcBef>
+              <a:spcAft>
+                <a:spcPts val="0"/>
+              </a:spcAft>
+              <a:buNone/>
+            </a:pPr>
+            <a:r>
+              <a:rPr lang="en-US" sz="1400" dirty="0" smtClean="0"/>
+              <a:t>	}</a:t>
+            </a:r>
+            <a:endParaRPr lang="de-AT" sz="1400" dirty="0" smtClean="0"/>
+          </a:p>
+          <a:p>
+            <a:pPr marL="0" indent="0">
+              <a:lnSpc>
+                <a:spcPct val="100000"/>
+              </a:lnSpc>
+              <a:spcBef>
+                <a:spcPts val="0"/>
+              </a:spcBef>
+              <a:spcAft>
+                <a:spcPts val="0"/>
+              </a:spcAft>
+              <a:buNone/>
+            </a:pPr>
+            <a:r>
+              <a:rPr lang="de-AT" sz="1400" dirty="0" smtClean="0"/>
+              <a:t>}</a:t>
+            </a:r>
+          </a:p>
+          <a:p>
+            <a:pPr marL="0" indent="0">
+              <a:buNone/>
+            </a:pPr>
+            <a:r>
+              <a:rPr lang="de-AT" sz="1400" dirty="0" err="1"/>
+              <a:t>public</a:t>
+            </a:r>
+            <a:r>
+              <a:rPr lang="de-AT" sz="1400" dirty="0"/>
+              <a:t> </a:t>
+            </a:r>
+            <a:r>
+              <a:rPr lang="de-AT" sz="1400" dirty="0" err="1"/>
+              <a:t>interface</a:t>
+            </a:r>
+            <a:r>
+              <a:rPr lang="de-AT" sz="1400" dirty="0"/>
+              <a:t> </a:t>
+            </a:r>
+            <a:r>
+              <a:rPr lang="de-AT" sz="1400" dirty="0" err="1"/>
+              <a:t>SelectedSportsValue</a:t>
+            </a:r>
+            <a:r>
+              <a:rPr lang="de-AT" sz="1400" dirty="0"/>
+              <a:t> </a:t>
+            </a:r>
+            <a:r>
+              <a:rPr lang="de-AT" sz="1400" dirty="0" smtClean="0"/>
+              <a:t>{</a:t>
+            </a:r>
+            <a:endParaRPr lang="de-AT" sz="1400" dirty="0"/>
+          </a:p>
+          <a:p>
+            <a:pPr marL="0" indent="0">
+              <a:buNone/>
+            </a:pPr>
+            <a:r>
+              <a:rPr lang="de-AT" sz="1400" dirty="0"/>
+              <a:t>    </a:t>
+            </a:r>
+            <a:r>
+              <a:rPr lang="de-AT" sz="1400" dirty="0" err="1"/>
+              <a:t>void</a:t>
+            </a:r>
+            <a:r>
+              <a:rPr lang="de-AT" sz="1400" dirty="0"/>
+              <a:t> </a:t>
+            </a:r>
+            <a:r>
+              <a:rPr lang="de-AT" sz="1400" dirty="0" err="1"/>
+              <a:t>sportSelected</a:t>
+            </a:r>
+            <a:r>
+              <a:rPr lang="de-AT" sz="1400" dirty="0"/>
+              <a:t>(List&lt;</a:t>
+            </a:r>
+            <a:r>
+              <a:rPr lang="de-AT" sz="1400" dirty="0" err="1"/>
+              <a:t>ITypeOfSportDto</a:t>
+            </a:r>
+            <a:r>
+              <a:rPr lang="de-AT" sz="1400" dirty="0"/>
+              <a:t>&gt; </a:t>
+            </a:r>
+            <a:r>
+              <a:rPr lang="de-AT" sz="1400" dirty="0" err="1"/>
+              <a:t>sport</a:t>
+            </a:r>
+            <a:r>
+              <a:rPr lang="de-AT" sz="1400" dirty="0"/>
+              <a:t>);</a:t>
+            </a:r>
+          </a:p>
+          <a:p>
+            <a:pPr marL="0" indent="0">
+              <a:buNone/>
+            </a:pPr>
+            <a:r>
+              <a:rPr lang="de-AT" sz="1400" dirty="0"/>
+              <a:t>    List&lt;</a:t>
+            </a:r>
+            <a:r>
+              <a:rPr lang="de-AT" sz="1400" dirty="0" err="1"/>
+              <a:t>IClubTeamDto</a:t>
+            </a:r>
+            <a:r>
+              <a:rPr lang="de-AT" sz="1400" dirty="0"/>
+              <a:t>&gt; </a:t>
+            </a:r>
+            <a:r>
+              <a:rPr lang="de-AT" sz="1400" dirty="0" err="1"/>
+              <a:t>getClubTeamsBySport</a:t>
+            </a:r>
+            <a:r>
+              <a:rPr lang="de-AT" sz="1400" dirty="0"/>
+              <a:t>(</a:t>
+            </a:r>
+            <a:r>
+              <a:rPr lang="de-AT" sz="1400" dirty="0" err="1"/>
+              <a:t>ITypeOfSportDto</a:t>
+            </a:r>
+            <a:r>
+              <a:rPr lang="de-AT" sz="1400" dirty="0"/>
+              <a:t> </a:t>
+            </a:r>
+            <a:r>
+              <a:rPr lang="de-AT" sz="1400" dirty="0" err="1"/>
+              <a:t>sport</a:t>
+            </a:r>
+            <a:r>
+              <a:rPr lang="de-AT" sz="1400" dirty="0"/>
+              <a:t>);</a:t>
+            </a:r>
+          </a:p>
+          <a:p>
+            <a:pPr marL="0" indent="0">
+              <a:buNone/>
+            </a:pPr>
+            <a:r>
+              <a:rPr lang="de-AT" sz="1400" dirty="0"/>
+              <a:t>}</a:t>
+            </a:r>
+          </a:p>
+          <a:p>
+            <a:pPr marL="0" indent="0">
+              <a:buNone/>
+            </a:pPr>
+            <a:endParaRPr lang="de-AT" sz="1300" dirty="0" smtClean="0"/>
+          </a:p>
+        </p:txBody>
+      </p:sp>
+      <p:sp>
+        <p:nvSpPr>
+          <p:cNvPr id="4" name="Inhaltsplatzhalter 3"/>
+          <p:cNvSpPr>
+            <a:spLocks noGrp="1"/>
+          </p:cNvSpPr>
+          <p:nvPr>
+            <p:ph sz="half" idx="4294967295"/>
+          </p:nvPr>
+        </p:nvSpPr>
+        <p:spPr>
+          <a:xfrm>
+            <a:off x="7364413" y="2309813"/>
+            <a:ext cx="4827587" cy="4022725"/>
+          </a:xfrm>
+        </p:spPr>
         <p:txBody>
           <a:bodyPr>
             <a:normAutofit/>
           </a:bodyPr>
           <a:lstStyle/>
           <a:p>
-            <a:pPr>
-              <a:buFont typeface="Arial" panose="020B0604020202020204" pitchFamily="34" charset="0"/>
-              <a:buChar char="•"/>
-            </a:pPr>
-            <a:r>
-              <a:rPr lang="de-AT" dirty="0" smtClean="0"/>
-              <a:t>Login</a:t>
-            </a:r>
-          </a:p>
-          <a:p>
-            <a:pPr>
-              <a:buFont typeface="Arial" panose="020B0604020202020204" pitchFamily="34" charset="0"/>
-              <a:buChar char="•"/>
-            </a:pPr>
-            <a:r>
-              <a:rPr lang="de-AT" dirty="0" err="1" smtClean="0"/>
-              <a:t>Corba</a:t>
-            </a:r>
+            <a:pPr marL="0" indent="0">
+              <a:buNone/>
+            </a:pPr>
             <a:endParaRPr lang="de-AT" dirty="0" smtClean="0"/>
           </a:p>
           <a:p>
-            <a:pPr>
-              <a:buFont typeface="Arial" panose="020B0604020202020204" pitchFamily="34" charset="0"/>
-              <a:buChar char="•"/>
-            </a:pPr>
-            <a:r>
-              <a:rPr lang="de-AT" dirty="0" smtClean="0"/>
-              <a:t>Einladungen</a:t>
-            </a:r>
-          </a:p>
-          <a:p>
-            <a:pPr>
-              <a:buFont typeface="Arial" panose="020B0604020202020204" pitchFamily="34" charset="0"/>
-              <a:buChar char="•"/>
-            </a:pPr>
-            <a:r>
-              <a:rPr lang="de-AT" dirty="0" smtClean="0"/>
-              <a:t>Webservice</a:t>
-            </a:r>
-          </a:p>
-          <a:p>
-            <a:pPr>
-              <a:buFont typeface="Arial" panose="020B0604020202020204" pitchFamily="34" charset="0"/>
-              <a:buChar char="•"/>
-            </a:pPr>
-            <a:r>
-              <a:rPr lang="de-AT" dirty="0" smtClean="0"/>
-              <a:t>JMS</a:t>
-            </a:r>
-          </a:p>
-        </p:txBody>
-      </p:sp>
+            <a:pPr marL="0" indent="0">
+              <a:buNone/>
+            </a:pPr>
+            <a:endParaRPr lang="de-AT" dirty="0"/>
+          </a:p>
+          <a:p>
+            <a:pPr marL="0" indent="0">
+              <a:buNone/>
+            </a:pPr>
+            <a:endParaRPr lang="de-AT" dirty="0" smtClean="0"/>
+          </a:p>
+          <a:p>
+            <a:pPr marL="0" indent="0">
+              <a:buNone/>
+            </a:pPr>
+            <a:endParaRPr lang="de-AT" dirty="0"/>
+          </a:p>
+          <a:p>
+            <a:pPr marL="0" indent="0">
+              <a:buNone/>
+            </a:pPr>
+            <a:endParaRPr lang="de-AT" dirty="0" smtClean="0"/>
+          </a:p>
+          <a:p>
+            <a:pPr marL="0" indent="0">
+              <a:buNone/>
+            </a:pPr>
+            <a:endParaRPr lang="de-AT" dirty="0"/>
+          </a:p>
+          <a:p>
+            <a:pPr marL="0" indent="0">
+              <a:buNone/>
+            </a:pPr>
+            <a:endParaRPr lang="de-AT" dirty="0" smtClean="0"/>
+          </a:p>
+          <a:p>
+            <a:pPr marL="0" indent="0">
+              <a:buNone/>
+            </a:pPr>
+            <a:endParaRPr lang="de-AT" sz="2400" dirty="0" smtClean="0"/>
+          </a:p>
+          <a:p>
+            <a:endParaRPr lang="de-AT" dirty="0"/>
+          </a:p>
+        </p:txBody>
+      </p:sp>
+      <p:pic>
+        <p:nvPicPr>
+          <p:cNvPr id="3075" name="Picture 3"/>
+          <p:cNvPicPr>
+            <a:picLocks noChangeAspect="1" noChangeArrowheads="1"/>
+          </p:cNvPicPr>
+          <p:nvPr/>
+        </p:nvPicPr>
+        <p:blipFill>
+          <a:blip r:embed="rId2">
+            <a:extLst>
+              <a:ext uri="{28A0092B-C50C-407E-A947-70E740481C1C}">
+                <a14:useLocalDpi xmlns:a14="http://schemas.microsoft.com/office/drawing/2010/main" val="0"/>
+              </a:ext>
+            </a:extLst>
+          </a:blip>
+          <a:srcRect/>
+          <a:stretch>
+            <a:fillRect/>
+          </a:stretch>
+        </p:blipFill>
+        <p:spPr bwMode="auto">
+          <a:xfrm>
+            <a:off x="8562614" y="3188826"/>
+            <a:ext cx="3143250" cy="3200400"/>
+          </a:xfrm>
+          <a:prstGeom prst="rect">
+            <a:avLst/>
+          </a:prstGeom>
+          <a:noFill/>
+          <a:ln>
+            <a:noFill/>
+          </a:ln>
+          <a:effectLst/>
+          <a:extLst>
+            <a:ext uri="{909E8E84-426E-40DD-AFC4-6F175D3DCCD1}">
+              <a14:hiddenFill xmlns:a14="http://schemas.microsoft.com/office/drawing/2010/main">
+                <a:solidFill>
+                  <a:schemeClr val="accent1"/>
+                </a:solidFill>
+              </a14:hiddenFill>
+            </a:ext>
+            <a:ext uri="{91240B29-F687-4F45-9708-019B960494DF}">
+              <a14:hiddenLine xmlns:a14="http://schemas.microsoft.com/office/drawing/2010/main" w="9525">
+                <a:solidFill>
+                  <a:schemeClr val="tx1"/>
+                </a:solidFill>
+                <a:miter lim="800000"/>
+                <a:headEnd/>
+                <a:tailEnd/>
+              </a14:hiddenLine>
+            </a:ext>
+            <a:ext uri="{AF507438-7753-43E0-B8FC-AC1667EBCBE1}">
+              <a14:hiddenEffects xmlns:a14="http://schemas.microsoft.com/office/drawing/2010/main">
+                <a:effectLst>
+                  <a:outerShdw dist="35921" dir="2700000" algn="ctr" rotWithShape="0">
+                    <a:schemeClr val="bg2"/>
+                  </a:outerShdw>
+                </a:effectLst>
+              </a14:hiddenEffects>
+            </a:ext>
+          </a:extLst>
+        </p:spPr>
+      </p:pic>
     </p:spTree>
     <p:extLst>
       <p:ext uri="{BB962C8B-B14F-4D97-AF65-F5344CB8AC3E}">
-        <p14:creationId xmlns:p14="http://schemas.microsoft.com/office/powerpoint/2010/main" val="3732497756"/>
+        <p14:creationId xmlns:p14="http://schemas.microsoft.com/office/powerpoint/2010/main" val="332312375"/>
       </p:ext>
     </p:extLst>
   </p:cSld>
   <p:clrMapOvr>
     <a:masterClrMapping/>
   </p:clrMapOvr>
+  <p:timing>
+    <p:tnLst>
+      <p:par>
+        <p:cTn id="1" dur="indefinite" restart="never" nodeType="tmRoot"/>
+      </p:par>
+    </p:tnLst>
+  </p:timing>
 </p:sld>
 </file>
 
@@ -12504,7 +13095,7 @@
       </p:grpSpPr>
       <p:sp>
         <p:nvSpPr>
-          <p:cNvPr id="2" name="Titel 1"/>
+          <p:cNvPr id="4" name="Titel 3"/>
           <p:cNvSpPr>
             <a:spLocks noGrp="1"/>
           </p:cNvSpPr>
@@ -12519,104 +13110,59 @@
           <a:p>
             <a:r>
               <a:rPr lang="de-AT" dirty="0" smtClean="0"/>
-              <a:t>Tests &amp; Probleme</a:t>
+              <a:t>Wettkampf anlegen</a:t>
             </a:r>
             <a:endParaRPr lang="de-AT" dirty="0"/>
           </a:p>
         </p:txBody>
       </p:sp>
-      <p:sp>
-        <p:nvSpPr>
-          <p:cNvPr id="3" name="Inhaltsplatzhalter 2"/>
-          <p:cNvSpPr>
-            <a:spLocks noGrp="1"/>
-          </p:cNvSpPr>
+      <p:pic>
+        <p:nvPicPr>
+          <p:cNvPr id="4101" name="Picture 5" descr="C:\Users\luc\Desktop\CreateCompetition.png"/>
+          <p:cNvPicPr>
+            <a:picLocks noGrp="1" noChangeAspect="1" noChangeArrowheads="1"/>
+          </p:cNvPicPr>
           <p:nvPr>
             <p:ph idx="1"/>
           </p:nvPr>
-        </p:nvSpPr>
-        <p:spPr/>
-        <p:txBody>
-          <a:bodyPr/>
-          <a:lstStyle/>
-          <a:p>
-            <a:pPr>
-              <a:buFont typeface="Arial" panose="020B0604020202020204" pitchFamily="34" charset="0"/>
-              <a:buChar char="•"/>
-            </a:pPr>
-            <a:r>
-              <a:rPr lang="de-AT" dirty="0" err="1"/>
-              <a:t>Exception</a:t>
-            </a:r>
-            <a:r>
-              <a:rPr lang="de-AT" dirty="0"/>
-              <a:t> </a:t>
-            </a:r>
-            <a:r>
-              <a:rPr lang="de-AT" dirty="0" err="1"/>
-              <a:t>Handeling</a:t>
-            </a:r>
-            <a:r>
-              <a:rPr lang="de-AT" dirty="0"/>
-              <a:t> verbessert</a:t>
-            </a:r>
-          </a:p>
-          <a:p>
-            <a:pPr>
-              <a:buFont typeface="Arial" panose="020B0604020202020204" pitchFamily="34" charset="0"/>
-              <a:buChar char="•"/>
-            </a:pPr>
-            <a:r>
-              <a:rPr lang="de-AT" dirty="0"/>
-              <a:t>Aufwändig</a:t>
-            </a:r>
-          </a:p>
-          <a:p>
-            <a:pPr lvl="1">
-              <a:buFont typeface="Arial" panose="020B0604020202020204" pitchFamily="34" charset="0"/>
-              <a:buChar char="•"/>
-            </a:pPr>
-            <a:r>
-              <a:rPr lang="de-AT" dirty="0"/>
-              <a:t>Fehler -&gt; mehrere Schichten</a:t>
-            </a:r>
-          </a:p>
-          <a:p>
-            <a:pPr>
-              <a:buFont typeface="Arial" panose="020B0604020202020204" pitchFamily="34" charset="0"/>
-              <a:buChar char="•"/>
-            </a:pPr>
-            <a:r>
-              <a:rPr lang="de-AT" dirty="0"/>
-              <a:t>Wiederverwendbare Forms</a:t>
-            </a:r>
-          </a:p>
-          <a:p>
-            <a:pPr>
-              <a:buFont typeface="Arial" panose="020B0604020202020204" pitchFamily="34" charset="0"/>
-              <a:buChar char="•"/>
-            </a:pPr>
-            <a:r>
-              <a:rPr lang="de-AT" dirty="0"/>
-              <a:t>Unit Tests</a:t>
-            </a:r>
-          </a:p>
-          <a:p>
-            <a:pPr>
-              <a:buFont typeface="Arial" panose="020B0604020202020204" pitchFamily="34" charset="0"/>
-              <a:buChar char="•"/>
-            </a:pPr>
-            <a:r>
-              <a:rPr lang="de-AT" dirty="0"/>
-              <a:t>Datenbank Testapplikation</a:t>
-            </a:r>
-          </a:p>
-        </p:txBody>
-      </p:sp>
+        </p:nvPicPr>
+        <p:blipFill>
+          <a:blip r:embed="rId2">
+            <a:extLst>
+              <a:ext uri="{28A0092B-C50C-407E-A947-70E740481C1C}">
+                <a14:useLocalDpi xmlns:a14="http://schemas.microsoft.com/office/drawing/2010/main" val="0"/>
+              </a:ext>
+            </a:extLst>
+          </a:blip>
+          <a:srcRect/>
+          <a:stretch>
+            <a:fillRect/>
+          </a:stretch>
+        </p:blipFill>
+        <p:spPr bwMode="auto">
+          <a:xfrm>
+            <a:off x="2677883" y="2286000"/>
+            <a:ext cx="6226633" cy="4022725"/>
+          </a:xfrm>
+          <a:prstGeom prst="rect">
+            <a:avLst/>
+          </a:prstGeom>
+          <a:noFill/>
+          <a:extLst>
+            <a:ext uri="{909E8E84-426E-40DD-AFC4-6F175D3DCCD1}">
+              <a14:hiddenFill xmlns:a14="http://schemas.microsoft.com/office/drawing/2010/main">
+                <a:solidFill>
+                  <a:srgbClr val="FFFFFF"/>
+                </a:solidFill>
+              </a14:hiddenFill>
+            </a:ext>
+          </a:extLst>
+        </p:spPr>
+      </p:pic>
     </p:spTree>
     <p:extLst>
       <p:ext uri="{BB962C8B-B14F-4D97-AF65-F5344CB8AC3E}">
-        <p14:creationId xmlns:p14="http://schemas.microsoft.com/office/powerpoint/2010/main" val="856229136"/>
+        <p14:creationId xmlns:p14="http://schemas.microsoft.com/office/powerpoint/2010/main" val="1123659033"/>
       </p:ext>
     </p:extLst>
   </p:cSld>
@@ -12645,7 +13191,7 @@
       </p:grpSpPr>
       <p:sp>
         <p:nvSpPr>
-          <p:cNvPr id="2" name="Title 1"/>
+          <p:cNvPr id="2" name="Titel 1"/>
           <p:cNvSpPr>
             <a:spLocks noGrp="1"/>
           </p:cNvSpPr>
@@ -12659,54 +13205,138 @@
           <a:lstStyle/>
           <a:p>
             <a:r>
+              <a:rPr lang="de-AT" dirty="0" smtClean="0"/>
+              <a:t>Erweiterungen</a:t>
+            </a:r>
+            <a:endParaRPr lang="de-AT" dirty="0"/>
+          </a:p>
+        </p:txBody>
+      </p:sp>
+      <p:sp>
+        <p:nvSpPr>
+          <p:cNvPr id="3" name="Inhaltsplatzhalter 2"/>
+          <p:cNvSpPr>
+            <a:spLocks noGrp="1"/>
+          </p:cNvSpPr>
+          <p:nvPr>
+            <p:ph idx="1"/>
+          </p:nvPr>
+        </p:nvSpPr>
+        <p:spPr/>
+        <p:txBody>
+          <a:bodyPr>
+            <a:normAutofit/>
+          </a:bodyPr>
+          <a:lstStyle/>
+          <a:p>
+            <a:pPr>
+              <a:buFont typeface="Arial" panose="020B0604020202020204" pitchFamily="34" charset="0"/>
+              <a:buChar char="•"/>
+            </a:pPr>
+            <a:r>
+              <a:rPr lang="de-AT" dirty="0" smtClean="0"/>
+              <a:t>Wöchentliche Anpassungen:</a:t>
+            </a:r>
+          </a:p>
+          <a:p>
+            <a:pPr lvl="1">
+              <a:buFont typeface="Arial" panose="020B0604020202020204" pitchFamily="34" charset="0"/>
+              <a:buChar char="•"/>
+            </a:pPr>
+            <a:r>
+              <a:rPr lang="de-AT" dirty="0"/>
+              <a:t>Mitglied zu Team hinzufügen</a:t>
+            </a:r>
+          </a:p>
+          <a:p>
+            <a:pPr lvl="1">
+              <a:buFont typeface="Arial" panose="020B0604020202020204" pitchFamily="34" charset="0"/>
+              <a:buChar char="•"/>
+            </a:pPr>
+            <a:r>
+              <a:rPr lang="de-AT" dirty="0" smtClean="0"/>
+              <a:t>Login mit LDAP, Zugriffserlaubnis?</a:t>
+            </a:r>
+          </a:p>
+          <a:p>
+            <a:pPr lvl="1">
+              <a:buFont typeface="Arial" panose="020B0604020202020204" pitchFamily="34" charset="0"/>
+              <a:buChar char="•"/>
+            </a:pPr>
+            <a:r>
+              <a:rPr lang="de-AT" dirty="0" smtClean="0"/>
+              <a:t>EJB</a:t>
+            </a:r>
+          </a:p>
+          <a:p>
+            <a:pPr lvl="1">
+              <a:buFont typeface="Arial" panose="020B0604020202020204" pitchFamily="34" charset="0"/>
+              <a:buChar char="•"/>
+            </a:pPr>
+            <a:endParaRPr lang="de-AT" dirty="0" smtClean="0"/>
+          </a:p>
+          <a:p>
+            <a:pPr lvl="1">
+              <a:buFont typeface="Arial" panose="020B0604020202020204" pitchFamily="34" charset="0"/>
+              <a:buChar char="•"/>
+            </a:pPr>
+            <a:r>
+              <a:rPr lang="de-AT" dirty="0" smtClean="0"/>
+              <a:t>Wettkampfergebnisse (</a:t>
+            </a:r>
+            <a:r>
               <a:rPr lang="de-AT" dirty="0" err="1" smtClean="0"/>
-              <a:t>Lessons</a:t>
+              <a:t>Corba</a:t>
             </a:r>
             <a:r>
               <a:rPr lang="de-AT" dirty="0" smtClean="0"/>
-              <a:t> </a:t>
-            </a:r>
+              <a:t>)</a:t>
+            </a:r>
+          </a:p>
+          <a:p>
+            <a:pPr lvl="1">
+              <a:buFont typeface="Arial" panose="020B0604020202020204" pitchFamily="34" charset="0"/>
+              <a:buChar char="•"/>
+            </a:pPr>
+            <a:r>
+              <a:rPr lang="de-AT" dirty="0"/>
+              <a:t>Einladungen </a:t>
+            </a:r>
+            <a:r>
+              <a:rPr lang="de-AT" dirty="0" smtClean="0"/>
+              <a:t>JMS</a:t>
+            </a:r>
+          </a:p>
+          <a:p>
+            <a:pPr lvl="1">
+              <a:buFont typeface="Arial" panose="020B0604020202020204" pitchFamily="34" charset="0"/>
+              <a:buChar char="•"/>
+            </a:pPr>
             <a:r>
               <a:rPr lang="de-AT" dirty="0" err="1" smtClean="0"/>
-              <a:t>Learned</a:t>
-            </a:r>
-            <a:endParaRPr lang="de-AT" dirty="0"/>
-          </a:p>
-        </p:txBody>
-      </p:sp>
-      <p:sp>
-        <p:nvSpPr>
-          <p:cNvPr id="3" name="Text Placeholder 2"/>
-          <p:cNvSpPr>
-            <a:spLocks noGrp="1"/>
-          </p:cNvSpPr>
-          <p:nvPr>
-            <p:ph type="body" idx="1"/>
-          </p:nvPr>
-        </p:nvSpPr>
-        <p:spPr/>
-        <p:txBody>
-          <a:bodyPr/>
-          <a:lstStyle/>
-          <a:p>
-            <a:r>
-              <a:rPr lang="de-AT" dirty="0" smtClean="0"/>
-              <a:t>Das Ende</a:t>
-            </a:r>
-            <a:endParaRPr lang="de-AT" dirty="0"/>
+              <a:t>WebClient</a:t>
+            </a:r>
+            <a:endParaRPr lang="de-AT" dirty="0" smtClean="0"/>
           </a:p>
         </p:txBody>
       </p:sp>
     </p:spTree>
     <p:extLst>
       <p:ext uri="{BB962C8B-B14F-4D97-AF65-F5344CB8AC3E}">
-        <p14:creationId xmlns:p14="http://schemas.microsoft.com/office/powerpoint/2010/main" val="476809469"/>
+        <p14:creationId xmlns:p14="http://schemas.microsoft.com/office/powerpoint/2010/main" val="3732497756"/>
       </p:ext>
     </p:extLst>
   </p:cSld>
   <p:clrMapOvr>
     <a:masterClrMapping/>
   </p:clrMapOvr>
+  <p:timing>
+    <p:tnLst>
+      <p:par>
+        <p:cTn id="1" dur="indefinite" restart="never" nodeType="tmRoot"/>
+      </p:par>
+    </p:tnLst>
+  </p:timing>
 </p:sld>
 </file>
 
@@ -12743,16 +13373,8 @@
           <a:lstStyle/>
           <a:p>
             <a:r>
-              <a:rPr lang="de-AT" dirty="0" err="1" smtClean="0"/>
-              <a:t>Lessons</a:t>
-            </a:r>
-            <a:r>
               <a:rPr lang="de-AT" dirty="0" smtClean="0"/>
-              <a:t> </a:t>
-            </a:r>
-            <a:r>
-              <a:rPr lang="de-AT" dirty="0" err="1" smtClean="0"/>
-              <a:t>Learned</a:t>
+              <a:t>Tests &amp; Probleme</a:t>
             </a:r>
             <a:endParaRPr lang="de-AT" dirty="0"/>
           </a:p>
@@ -12778,8 +13400,8 @@
               <a:buChar char="•"/>
             </a:pPr>
             <a:r>
-              <a:rPr lang="de-AT" dirty="0"/>
-              <a:t>Technologien schließen sich gegenseitig aus</a:t>
+              <a:rPr lang="de-AT" dirty="0" smtClean="0"/>
+              <a:t>Kompatibilität</a:t>
             </a:r>
           </a:p>
           <a:p>
@@ -12788,8 +13410,20 @@
               <a:buChar char="•"/>
             </a:pPr>
             <a:r>
+              <a:rPr lang="de-AT" dirty="0" err="1" smtClean="0"/>
+              <a:t>Exception</a:t>
+            </a:r>
+            <a:r>
+              <a:rPr lang="de-AT" dirty="0" smtClean="0"/>
+              <a:t> </a:t>
+            </a:r>
+            <a:r>
+              <a:rPr lang="de-AT" dirty="0" err="1"/>
+              <a:t>Handeling</a:t>
+            </a:r>
+            <a:r>
               <a:rPr lang="de-AT" dirty="0"/>
-              <a:t>Genaue Analyse der Aufgabenstellung und abstecken was noch kommen kann</a:t>
+              <a:t> verbessert</a:t>
             </a:r>
           </a:p>
           <a:p>
@@ -12799,7 +13433,17 @@
             </a:pPr>
             <a:r>
               <a:rPr lang="de-AT" dirty="0"/>
-              <a:t>Zeitmanagement essentiell</a:t>
+              <a:t>Aufwändig</a:t>
+            </a:r>
+          </a:p>
+          <a:p>
+            <a:pPr lvl="1">
+              <a:buFont typeface="Arial" panose="020B0604020202020204" pitchFamily="34" charset="0"/>
+              <a:buChar char="•"/>
+            </a:pPr>
+            <a:r>
+              <a:rPr lang="de-AT" dirty="0"/>
+              <a:t>Fehler -&gt; mehrere Schichten</a:t>
             </a:r>
           </a:p>
           <a:p>
@@ -12808,12 +13452,28 @@
               <a:buChar char="•"/>
             </a:pPr>
             <a:r>
-              <a:rPr lang="de-AT" dirty="0" err="1"/>
-              <a:t>Hibernate</a:t>
-            </a:r>
-            <a:r>
               <a:rPr lang="de-AT" dirty="0"/>
-              <a:t> -&gt; Technologie Anpassungen</a:t>
+              <a:t>Wiederverwendbare Forms</a:t>
+            </a:r>
+          </a:p>
+          <a:p>
+            <a:pPr>
+              <a:buFont typeface="Arial" panose="020B0604020202020204" pitchFamily="34" charset="0"/>
+              <a:buChar char="•"/>
+            </a:pPr>
+            <a:r>
+              <a:rPr lang="de-AT" dirty="0"/>
+              <a:t>Unit Tests</a:t>
+            </a:r>
+          </a:p>
+          <a:p>
+            <a:pPr>
+              <a:buFont typeface="Arial" panose="020B0604020202020204" pitchFamily="34" charset="0"/>
+              <a:buChar char="•"/>
+            </a:pPr>
+            <a:r>
+              <a:rPr lang="de-AT" dirty="0"/>
+              <a:t>Datenbank Testapplikation</a:t>
             </a:r>
           </a:p>
         </p:txBody>
@@ -12821,13 +13481,20 @@
     </p:spTree>
     <p:extLst>
       <p:ext uri="{BB962C8B-B14F-4D97-AF65-F5344CB8AC3E}">
-        <p14:creationId xmlns:p14="http://schemas.microsoft.com/office/powerpoint/2010/main" val="3386145516"/>
+        <p14:creationId xmlns:p14="http://schemas.microsoft.com/office/powerpoint/2010/main" val="856229136"/>
       </p:ext>
     </p:extLst>
   </p:cSld>
   <p:clrMapOvr>
     <a:masterClrMapping/>
   </p:clrMapOvr>
+  <p:timing>
+    <p:tnLst>
+      <p:par>
+        <p:cTn id="1" dur="indefinite" restart="never" nodeType="tmRoot"/>
+      </p:par>
+    </p:tnLst>
+  </p:timing>
 </p:sld>
 </file>
 
@@ -12850,6 +13517,233 @@
       </p:grpSpPr>
       <p:sp>
         <p:nvSpPr>
+          <p:cNvPr id="2" name="Title 1"/>
+          <p:cNvSpPr>
+            <a:spLocks noGrp="1"/>
+          </p:cNvSpPr>
+          <p:nvPr>
+            <p:ph type="title"/>
+          </p:nvPr>
+        </p:nvSpPr>
+        <p:spPr/>
+        <p:txBody>
+          <a:bodyPr/>
+          <a:lstStyle/>
+          <a:p>
+            <a:r>
+              <a:rPr lang="de-AT" dirty="0" err="1" smtClean="0"/>
+              <a:t>Lessons</a:t>
+            </a:r>
+            <a:r>
+              <a:rPr lang="de-AT" dirty="0" smtClean="0"/>
+              <a:t> </a:t>
+            </a:r>
+            <a:r>
+              <a:rPr lang="de-AT" dirty="0" err="1" smtClean="0"/>
+              <a:t>Learned</a:t>
+            </a:r>
+            <a:endParaRPr lang="de-AT" dirty="0"/>
+          </a:p>
+        </p:txBody>
+      </p:sp>
+      <p:sp>
+        <p:nvSpPr>
+          <p:cNvPr id="3" name="Text Placeholder 2"/>
+          <p:cNvSpPr>
+            <a:spLocks noGrp="1"/>
+          </p:cNvSpPr>
+          <p:nvPr>
+            <p:ph type="body" idx="1"/>
+          </p:nvPr>
+        </p:nvSpPr>
+        <p:spPr/>
+        <p:txBody>
+          <a:bodyPr/>
+          <a:lstStyle/>
+          <a:p>
+            <a:r>
+              <a:rPr lang="de-AT" dirty="0" smtClean="0"/>
+              <a:t>Das Ende</a:t>
+            </a:r>
+            <a:endParaRPr lang="de-AT" dirty="0"/>
+          </a:p>
+        </p:txBody>
+      </p:sp>
+    </p:spTree>
+    <p:extLst>
+      <p:ext uri="{BB962C8B-B14F-4D97-AF65-F5344CB8AC3E}">
+        <p14:creationId xmlns:p14="http://schemas.microsoft.com/office/powerpoint/2010/main" val="476809469"/>
+      </p:ext>
+    </p:extLst>
+  </p:cSld>
+  <p:clrMapOvr>
+    <a:masterClrMapping/>
+  </p:clrMapOvr>
+</p:sld>
+</file>
+
+<file path=ppt/slides/slide46.xml><?xml version="1.0" encoding="utf-8"?>
+<p:sld xmlns:a="http://schemas.openxmlformats.org/drawingml/2006/main" xmlns:r="http://schemas.openxmlformats.org/officeDocument/2006/relationships" xmlns:p="http://schemas.openxmlformats.org/presentationml/2006/main">
+  <p:cSld>
+    <p:spTree>
+      <p:nvGrpSpPr>
+        <p:cNvPr id="1" name=""/>
+        <p:cNvGrpSpPr/>
+        <p:nvPr/>
+      </p:nvGrpSpPr>
+      <p:grpSpPr>
+        <a:xfrm>
+          <a:off x="0" y="0"/>
+          <a:ext cx="0" cy="0"/>
+          <a:chOff x="0" y="0"/>
+          <a:chExt cx="0" cy="0"/>
+        </a:xfrm>
+      </p:grpSpPr>
+      <p:sp>
+        <p:nvSpPr>
+          <p:cNvPr id="2" name="Titel 1"/>
+          <p:cNvSpPr>
+            <a:spLocks noGrp="1"/>
+          </p:cNvSpPr>
+          <p:nvPr>
+            <p:ph type="title"/>
+          </p:nvPr>
+        </p:nvSpPr>
+        <p:spPr/>
+        <p:txBody>
+          <a:bodyPr/>
+          <a:lstStyle/>
+          <a:p>
+            <a:r>
+              <a:rPr lang="de-AT" dirty="0" err="1" smtClean="0"/>
+              <a:t>Lessons</a:t>
+            </a:r>
+            <a:r>
+              <a:rPr lang="de-AT" dirty="0" smtClean="0"/>
+              <a:t> </a:t>
+            </a:r>
+            <a:r>
+              <a:rPr lang="de-AT" dirty="0" err="1" smtClean="0"/>
+              <a:t>Learned</a:t>
+            </a:r>
+            <a:endParaRPr lang="de-AT" dirty="0"/>
+          </a:p>
+        </p:txBody>
+      </p:sp>
+      <p:sp>
+        <p:nvSpPr>
+          <p:cNvPr id="3" name="Inhaltsplatzhalter 2"/>
+          <p:cNvSpPr>
+            <a:spLocks noGrp="1"/>
+          </p:cNvSpPr>
+          <p:nvPr>
+            <p:ph idx="1"/>
+          </p:nvPr>
+        </p:nvSpPr>
+        <p:spPr/>
+        <p:txBody>
+          <a:bodyPr/>
+          <a:lstStyle/>
+          <a:p>
+            <a:pPr>
+              <a:buFont typeface="Arial" panose="020B0604020202020204" pitchFamily="34" charset="0"/>
+              <a:buChar char="•"/>
+            </a:pPr>
+            <a:r>
+              <a:rPr lang="de-AT" dirty="0" smtClean="0"/>
+              <a:t>Analyse und genaue Aufteilung </a:t>
+            </a:r>
+            <a:r>
+              <a:rPr lang="de-AT" dirty="0"/>
+              <a:t>der </a:t>
+            </a:r>
+            <a:r>
+              <a:rPr lang="de-AT" dirty="0" smtClean="0"/>
+              <a:t>Aufgabenstellung</a:t>
+            </a:r>
+          </a:p>
+          <a:p>
+            <a:pPr>
+              <a:buFont typeface="Arial" panose="020B0604020202020204" pitchFamily="34" charset="0"/>
+              <a:buChar char="•"/>
+            </a:pPr>
+            <a:r>
+              <a:rPr lang="de-AT" dirty="0" smtClean="0"/>
+              <a:t>Konflikte </a:t>
+            </a:r>
+            <a:r>
+              <a:rPr lang="de-AT" smtClean="0"/>
+              <a:t>durch </a:t>
+            </a:r>
+            <a:r>
+              <a:rPr lang="de-AT" smtClean="0"/>
+              <a:t>verschiedene Technologien</a:t>
+            </a:r>
+            <a:endParaRPr lang="de-AT" dirty="0"/>
+          </a:p>
+          <a:p>
+            <a:pPr>
+              <a:buFont typeface="Arial" panose="020B0604020202020204" pitchFamily="34" charset="0"/>
+              <a:buChar char="•"/>
+            </a:pPr>
+            <a:r>
+              <a:rPr lang="de-AT" dirty="0" err="1" smtClean="0"/>
+              <a:t>Hibernate</a:t>
+            </a:r>
+            <a:r>
+              <a:rPr lang="de-AT" dirty="0" smtClean="0"/>
+              <a:t> vs. </a:t>
+            </a:r>
+            <a:r>
+              <a:rPr lang="de-AT" dirty="0"/>
+              <a:t>Technologie Anpassungen</a:t>
+            </a:r>
+          </a:p>
+          <a:p>
+            <a:pPr>
+              <a:buFont typeface="Arial" panose="020B0604020202020204" pitchFamily="34" charset="0"/>
+              <a:buChar char="•"/>
+            </a:pPr>
+            <a:r>
+              <a:rPr lang="de-AT" dirty="0" smtClean="0"/>
+              <a:t>Zeitmanagement essentiell</a:t>
+            </a:r>
+            <a:endParaRPr lang="de-AT" dirty="0"/>
+          </a:p>
+        </p:txBody>
+      </p:sp>
+    </p:spTree>
+    <p:extLst>
+      <p:ext uri="{BB962C8B-B14F-4D97-AF65-F5344CB8AC3E}">
+        <p14:creationId xmlns:p14="http://schemas.microsoft.com/office/powerpoint/2010/main" val="3386145516"/>
+      </p:ext>
+    </p:extLst>
+  </p:cSld>
+  <p:clrMapOvr>
+    <a:masterClrMapping/>
+  </p:clrMapOvr>
+</p:sld>
+</file>
+
+<file path=ppt/slides/slide47.xml><?xml version="1.0" encoding="utf-8"?>
+<p:sld xmlns:a="http://schemas.openxmlformats.org/drawingml/2006/main" xmlns:r="http://schemas.openxmlformats.org/officeDocument/2006/relationships" xmlns:p="http://schemas.openxmlformats.org/presentationml/2006/main">
+  <p:cSld>
+    <p:spTree>
+      <p:nvGrpSpPr>
+        <p:cNvPr id="1" name=""/>
+        <p:cNvGrpSpPr/>
+        <p:nvPr/>
+      </p:nvGrpSpPr>
+      <p:grpSpPr>
+        <a:xfrm>
+          <a:off x="0" y="0"/>
+          <a:ext cx="0" cy="0"/>
+          <a:chOff x="0" y="0"/>
+          <a:chExt cx="0" cy="0"/>
+        </a:xfrm>
+      </p:grpSpPr>
+      <p:sp>
+        <p:nvSpPr>
           <p:cNvPr id="2" name="Titel 1"/>
           <p:cNvSpPr>
             <a:spLocks noGrp="1"/>
@@ -12935,7 +13829,7 @@
 </p:sld>
 </file>
 
-<file path=ppt/slides/slide46.xml><?xml version="1.0" encoding="utf-8"?>
+<file path=ppt/slides/slide48.xml><?xml version="1.0" encoding="utf-8"?>
 <p:sld xmlns:a="http://schemas.openxmlformats.org/drawingml/2006/main" xmlns:r="http://schemas.openxmlformats.org/officeDocument/2006/relationships" xmlns:p="http://schemas.openxmlformats.org/presentationml/2006/main">
   <p:cSld>
     <p:spTree>

--- a/Presentation/Presentation.pptx
+++ b/Presentation/Presentation.pptx
@@ -257,6 +257,20 @@
         </p14:section>
       </p14:sectionLst>
     </p:ext>
+    <p:ext uri="{EFAFB233-063F-42B5-8137-9DF3F51BA10A}">
+      <p15:sldGuideLst xmlns:p15="http://schemas.microsoft.com/office/powerpoint/2012/main">
+        <p15:guide id="1" orient="horz" pos="2160">
+          <p15:clr>
+            <a:srgbClr val="A4A3A4"/>
+          </p15:clr>
+        </p15:guide>
+        <p15:guide id="2" pos="3840">
+          <p15:clr>
+            <a:srgbClr val="A4A3A4"/>
+          </p15:clr>
+        </p15:guide>
+      </p15:sldGuideLst>
+    </p:ext>
   </p:extLst>
 </p:presentation>
 </file>
@@ -266,7 +280,7 @@
   <p:cmAuthor id="1" name="Thomas Schwarz" initials="TS" lastIdx="1" clrIdx="0">
     <p:extLst>
       <p:ext uri="{19B8F6BF-5375-455C-9EA6-DF929625EA0E}">
-        <p15:presenceInfo xmlns="" xmlns:p15="http://schemas.microsoft.com/office/powerpoint/2012/main" userId="953c7d0488bacd35" providerId="Windows Live"/>
+        <p15:presenceInfo xmlns:p15="http://schemas.microsoft.com/office/powerpoint/2012/main" userId="953c7d0488bacd35" providerId="Windows Live"/>
       </p:ext>
     </p:extLst>
   </p:cmAuthor>
@@ -280,7 +294,7 @@
     <p:text>Bracht es diese Folie, das selbe steht auf Folie 30</p:text>
     <p:extLst>
       <p:ext uri="{C676402C-5697-4E1C-873F-D02D1690AC5C}">
-        <p15:threadingInfo xmlns="" xmlns:p15="http://schemas.microsoft.com/office/powerpoint/2012/main" timeZoneBias="-60"/>
+        <p15:threadingInfo xmlns:p15="http://schemas.microsoft.com/office/powerpoint/2012/main" timeZoneBias="-60"/>
       </p:ext>
     </p:extLst>
   </p:cm>
@@ -369,7 +383,7 @@
           <a:p>
             <a:fld id="{F14DAFB3-BC7C-4D71-BEA2-61DC8643D36F}" type="datetimeFigureOut">
               <a:rPr lang="de-AT" smtClean="0"/>
-              <a:t>09.01.13</a:t>
+              <a:t>10.01.2013</a:t>
             </a:fld>
             <a:endParaRPr lang="de-AT"/>
           </a:p>
@@ -528,7 +542,7 @@
           <a:p>
             <a:fld id="{C991D70F-D8B5-4D41-95B5-481C1B1D6FE8}" type="slidenum">
               <a:rPr lang="de-AT" smtClean="0"/>
-              <a:t>‹Nr.›</a:t>
+              <a:t>‹#›</a:t>
             </a:fld>
             <a:endParaRPr lang="de-AT"/>
           </a:p>
@@ -3094,14 +3108,14 @@
           <a:effectLst/>
           <a:extLst>
             <a:ext uri="{909E8E84-426E-40dd-AFC4-6F175D3DCCD1}">
-              <a14:hiddenFill xmlns:a14="http://schemas.microsoft.com/office/drawing/2010/main">
+              <a14:hiddenFill xmlns:a14="http://schemas.microsoft.com/office/drawing/2010/main" xmlns="">
                 <a:solidFill>
                   <a:schemeClr val="accent1"/>
                 </a:solidFill>
               </a14:hiddenFill>
             </a:ext>
             <a:ext uri="{91240B29-F687-4f45-9708-019B960494DF}">
-              <a14:hiddenLine xmlns:a14="http://schemas.microsoft.com/office/drawing/2010/main" w="9525">
+              <a14:hiddenLine xmlns:a14="http://schemas.microsoft.com/office/drawing/2010/main" xmlns="" w="9525">
                 <a:solidFill>
                   <a:schemeClr val="tx1"/>
                 </a:solidFill>
@@ -3111,7 +3125,7 @@
               </a14:hiddenLine>
             </a:ext>
             <a:ext uri="{AF507438-7753-43e0-B8FC-AC1667EBCBE1}">
-              <a14:hiddenEffects xmlns:a14="http://schemas.microsoft.com/office/drawing/2010/main">
+              <a14:hiddenEffects xmlns:a14="http://schemas.microsoft.com/office/drawing/2010/main" xmlns="">
                 <a:effectLst>
                   <a:outerShdw dist="35921" dir="2700000" algn="ctr" rotWithShape="0">
                     <a:schemeClr val="bg2"/>
@@ -3250,7 +3264,7 @@
           <a:p>
             <a:fld id="{C3405601-7AC4-4944-8EBF-FFE45A8F4815}" type="datetimeFigureOut">
               <a:rPr lang="de-AT" smtClean="0"/>
-              <a:t>09.01.13</a:t>
+              <a:t>10.01.2013</a:t>
             </a:fld>
             <a:endParaRPr lang="de-AT"/>
           </a:p>
@@ -3292,7 +3306,7 @@
           <a:p>
             <a:fld id="{B0D0DE89-C507-497D-9025-51747C6C45ED}" type="slidenum">
               <a:rPr lang="de-AT" smtClean="0"/>
-              <a:t>‹Nr.›</a:t>
+              <a:t>‹#›</a:t>
             </a:fld>
             <a:endParaRPr lang="de-AT"/>
           </a:p>
@@ -3455,7 +3469,7 @@
           <a:p>
             <a:fld id="{C3405601-7AC4-4944-8EBF-FFE45A8F4815}" type="datetimeFigureOut">
               <a:rPr lang="de-AT" smtClean="0"/>
-              <a:t>09.01.13</a:t>
+              <a:t>10.01.2013</a:t>
             </a:fld>
             <a:endParaRPr lang="de-AT"/>
           </a:p>
@@ -3497,7 +3511,7 @@
           <a:p>
             <a:fld id="{B0D0DE89-C507-497D-9025-51747C6C45ED}" type="slidenum">
               <a:rPr lang="de-AT" smtClean="0"/>
-              <a:t>‹Nr.›</a:t>
+              <a:t>‹#›</a:t>
             </a:fld>
             <a:endParaRPr lang="de-AT"/>
           </a:p>
@@ -3635,7 +3649,7 @@
           <a:p>
             <a:fld id="{C3405601-7AC4-4944-8EBF-FFE45A8F4815}" type="datetimeFigureOut">
               <a:rPr lang="de-AT" smtClean="0"/>
-              <a:t>09.01.13</a:t>
+              <a:t>10.01.2013</a:t>
             </a:fld>
             <a:endParaRPr lang="de-AT"/>
           </a:p>
@@ -3677,7 +3691,7 @@
           <a:p>
             <a:fld id="{B0D0DE89-C507-497D-9025-51747C6C45ED}" type="slidenum">
               <a:rPr lang="de-AT" smtClean="0"/>
-              <a:t>‹Nr.›</a:t>
+              <a:t>‹#›</a:t>
             </a:fld>
             <a:endParaRPr lang="de-AT"/>
           </a:p>
@@ -3840,7 +3854,7 @@
           <a:p>
             <a:fld id="{C3405601-7AC4-4944-8EBF-FFE45A8F4815}" type="datetimeFigureOut">
               <a:rPr lang="de-AT" smtClean="0"/>
-              <a:t>09.01.13</a:t>
+              <a:t>10.01.2013</a:t>
             </a:fld>
             <a:endParaRPr lang="de-AT"/>
           </a:p>
@@ -3882,7 +3896,7 @@
           <a:p>
             <a:fld id="{B0D0DE89-C507-497D-9025-51747C6C45ED}" type="slidenum">
               <a:rPr lang="de-AT" smtClean="0"/>
-              <a:t>‹Nr.›</a:t>
+              <a:t>‹#›</a:t>
             </a:fld>
             <a:endParaRPr lang="de-AT"/>
           </a:p>
@@ -3961,14 +3975,14 @@
           <a:effectLst/>
           <a:extLst>
             <a:ext uri="{909E8E84-426E-40dd-AFC4-6F175D3DCCD1}">
-              <a14:hiddenFill xmlns:a14="http://schemas.microsoft.com/office/drawing/2010/main">
+              <a14:hiddenFill xmlns:a14="http://schemas.microsoft.com/office/drawing/2010/main" xmlns="">
                 <a:solidFill>
                   <a:schemeClr val="accent1"/>
                 </a:solidFill>
               </a14:hiddenFill>
             </a:ext>
             <a:ext uri="{91240B29-F687-4f45-9708-019B960494DF}">
-              <a14:hiddenLine xmlns:a14="http://schemas.microsoft.com/office/drawing/2010/main" w="9525">
+              <a14:hiddenLine xmlns:a14="http://schemas.microsoft.com/office/drawing/2010/main" xmlns="" w="9525">
                 <a:solidFill>
                   <a:schemeClr val="tx1"/>
                 </a:solidFill>
@@ -3978,7 +3992,7 @@
               </a14:hiddenLine>
             </a:ext>
             <a:ext uri="{AF507438-7753-43e0-B8FC-AC1667EBCBE1}">
-              <a14:hiddenEffects xmlns:a14="http://schemas.microsoft.com/office/drawing/2010/main">
+              <a14:hiddenEffects xmlns:a14="http://schemas.microsoft.com/office/drawing/2010/main" xmlns="">
                 <a:effectLst>
                   <a:outerShdw dist="35921" dir="2700000" algn="ctr" rotWithShape="0">
                     <a:schemeClr val="bg2"/>
@@ -4168,7 +4182,7 @@
           <a:p>
             <a:fld id="{C3405601-7AC4-4944-8EBF-FFE45A8F4815}" type="datetimeFigureOut">
               <a:rPr lang="de-AT" smtClean="0"/>
-              <a:t>09.01.13</a:t>
+              <a:t>10.01.2013</a:t>
             </a:fld>
             <a:endParaRPr lang="de-AT"/>
           </a:p>
@@ -4210,7 +4224,7 @@
           <a:p>
             <a:fld id="{B0D0DE89-C507-497D-9025-51747C6C45ED}" type="slidenum">
               <a:rPr lang="de-AT" smtClean="0"/>
-              <a:t>‹Nr.›</a:t>
+              <a:t>‹#›</a:t>
             </a:fld>
             <a:endParaRPr lang="de-AT"/>
           </a:p>
@@ -4435,7 +4449,7 @@
           <a:p>
             <a:fld id="{C3405601-7AC4-4944-8EBF-FFE45A8F4815}" type="datetimeFigureOut">
               <a:rPr lang="de-AT" smtClean="0"/>
-              <a:t>09.01.13</a:t>
+              <a:t>10.01.2013</a:t>
             </a:fld>
             <a:endParaRPr lang="de-AT"/>
           </a:p>
@@ -4477,7 +4491,7 @@
           <a:p>
             <a:fld id="{B0D0DE89-C507-497D-9025-51747C6C45ED}" type="slidenum">
               <a:rPr lang="de-AT" smtClean="0"/>
-              <a:t>‹Nr.›</a:t>
+              <a:t>‹#›</a:t>
             </a:fld>
             <a:endParaRPr lang="de-AT"/>
           </a:p>
@@ -4811,7 +4825,7 @@
           <a:p>
             <a:fld id="{C3405601-7AC4-4944-8EBF-FFE45A8F4815}" type="datetimeFigureOut">
               <a:rPr lang="de-AT" smtClean="0"/>
-              <a:t>09.01.13</a:t>
+              <a:t>10.01.2013</a:t>
             </a:fld>
             <a:endParaRPr lang="de-AT"/>
           </a:p>
@@ -4853,7 +4867,7 @@
           <a:p>
             <a:fld id="{B0D0DE89-C507-497D-9025-51747C6C45ED}" type="slidenum">
               <a:rPr lang="de-AT" smtClean="0"/>
-              <a:t>‹Nr.›</a:t>
+              <a:t>‹#›</a:t>
             </a:fld>
             <a:endParaRPr lang="de-AT"/>
           </a:p>
@@ -4952,7 +4966,7 @@
           <a:p>
             <a:fld id="{C3405601-7AC4-4944-8EBF-FFE45A8F4815}" type="datetimeFigureOut">
               <a:rPr lang="de-AT" smtClean="0"/>
-              <a:t>09.01.13</a:t>
+              <a:t>10.01.2013</a:t>
             </a:fld>
             <a:endParaRPr lang="de-AT"/>
           </a:p>
@@ -4994,7 +5008,7 @@
           <a:p>
             <a:fld id="{B0D0DE89-C507-497D-9025-51747C6C45ED}" type="slidenum">
               <a:rPr lang="de-AT" smtClean="0"/>
-              <a:t>‹Nr.›</a:t>
+              <a:t>‹#›</a:t>
             </a:fld>
             <a:endParaRPr lang="de-AT"/>
           </a:p>
@@ -5047,7 +5061,7 @@
           <a:p>
             <a:fld id="{C3405601-7AC4-4944-8EBF-FFE45A8F4815}" type="datetimeFigureOut">
               <a:rPr lang="de-AT" smtClean="0"/>
-              <a:t>09.01.13</a:t>
+              <a:t>10.01.2013</a:t>
             </a:fld>
             <a:endParaRPr lang="de-AT"/>
           </a:p>
@@ -5089,7 +5103,7 @@
           <a:p>
             <a:fld id="{B0D0DE89-C507-497D-9025-51747C6C45ED}" type="slidenum">
               <a:rPr lang="de-AT" smtClean="0"/>
-              <a:t>‹Nr.›</a:t>
+              <a:t>‹#›</a:t>
             </a:fld>
             <a:endParaRPr lang="de-AT"/>
           </a:p>
@@ -5300,7 +5314,7 @@
           <a:p>
             <a:fld id="{C3405601-7AC4-4944-8EBF-FFE45A8F4815}" type="datetimeFigureOut">
               <a:rPr lang="de-AT" smtClean="0"/>
-              <a:t>09.01.13</a:t>
+              <a:t>10.01.2013</a:t>
             </a:fld>
             <a:endParaRPr lang="de-AT"/>
           </a:p>
@@ -5342,7 +5356,7 @@
           <a:p>
             <a:fld id="{B0D0DE89-C507-497D-9025-51747C6C45ED}" type="slidenum">
               <a:rPr lang="de-AT" smtClean="0"/>
-              <a:t>‹Nr.›</a:t>
+              <a:t>‹#›</a:t>
             </a:fld>
             <a:endParaRPr lang="de-AT"/>
           </a:p>
@@ -5624,7 +5638,7 @@
           <a:p>
             <a:fld id="{C3405601-7AC4-4944-8EBF-FFE45A8F4815}" type="datetimeFigureOut">
               <a:rPr lang="de-AT" smtClean="0"/>
-              <a:t>09.01.13</a:t>
+              <a:t>10.01.2013</a:t>
             </a:fld>
             <a:endParaRPr lang="de-AT"/>
           </a:p>
@@ -5666,7 +5680,7 @@
           <a:p>
             <a:fld id="{B0D0DE89-C507-497D-9025-51747C6C45ED}" type="slidenum">
               <a:rPr lang="de-AT" smtClean="0"/>
-              <a:t>‹Nr.›</a:t>
+              <a:t>‹#›</a:t>
             </a:fld>
             <a:endParaRPr lang="de-AT"/>
           </a:p>
@@ -5874,7 +5888,7 @@
           <a:p>
             <a:fld id="{C3405601-7AC4-4944-8EBF-FFE45A8F4815}" type="datetimeFigureOut">
               <a:rPr lang="de-AT" smtClean="0"/>
-              <a:t>09.01.13</a:t>
+              <a:t>10.01.2013</a:t>
             </a:fld>
             <a:endParaRPr lang="de-AT"/>
           </a:p>
@@ -5956,7 +5970,7 @@
           <a:p>
             <a:fld id="{B0D0DE89-C507-497D-9025-51747C6C45ED}" type="slidenum">
               <a:rPr lang="de-AT" smtClean="0"/>
-              <a:t>‹Nr.›</a:t>
+              <a:t>‹#›</a:t>
             </a:fld>
             <a:endParaRPr lang="de-AT"/>
           </a:p>
@@ -6467,7 +6481,11 @@
           <a:p>
             <a:r>
               <a:rPr lang="de-DE" dirty="0" smtClean="0"/>
-              <a:t>Bewerbe</a:t>
+              <a:t>Wettb</a:t>
+            </a:r>
+            <a:r>
+              <a:rPr lang="de-DE" dirty="0" smtClean="0"/>
+              <a:t>ewerbe</a:t>
             </a:r>
             <a:endParaRPr lang="de-DE" dirty="0"/>
           </a:p>
@@ -6511,7 +6529,7 @@
   <p:timing>
     <p:tnLst>
       <p:par>
-        <p:cTn xmlns:p14="http://schemas.microsoft.com/office/powerpoint/2010/main" id="1" dur="indefinite" restart="never" nodeType="tmRoot"/>
+        <p:cTn id="1" dur="indefinite" restart="never" nodeType="tmRoot"/>
       </p:par>
     </p:tnLst>
   </p:timing>
@@ -6573,6 +6591,10 @@
           <a:bodyPr/>
           <a:lstStyle/>
           <a:p>
+            <a:pPr>
+              <a:buFont typeface="Arial" panose="020B0604020202020204" pitchFamily="34" charset="0"/>
+              <a:buChar char="•"/>
+            </a:pPr>
             <a:r>
               <a:rPr lang="de-DE" dirty="0" smtClean="0"/>
               <a:t>Mittels Java </a:t>
@@ -6587,6 +6609,10 @@
             </a:r>
           </a:p>
           <a:p>
+            <a:pPr>
+              <a:buFont typeface="Arial" panose="020B0604020202020204" pitchFamily="34" charset="0"/>
+              <a:buChar char="•"/>
+            </a:pPr>
             <a:r>
               <a:rPr lang="de-DE" dirty="0" err="1" smtClean="0"/>
               <a:t>Annotations</a:t>
@@ -6594,6 +6620,10 @@
             <a:endParaRPr lang="de-DE" dirty="0" smtClean="0"/>
           </a:p>
           <a:p>
+            <a:pPr>
+              <a:buFont typeface="Arial" panose="020B0604020202020204" pitchFamily="34" charset="0"/>
+              <a:buChar char="•"/>
+            </a:pPr>
             <a:r>
               <a:rPr lang="de-DE" dirty="0" smtClean="0"/>
               <a:t>Datenbank </a:t>
@@ -6605,19 +6635,18 @@
             <a:endParaRPr lang="de-DE" dirty="0" smtClean="0"/>
           </a:p>
           <a:p>
+            <a:pPr>
+              <a:buFont typeface="Arial" panose="020B0604020202020204" pitchFamily="34" charset="0"/>
+              <a:buChar char="•"/>
+            </a:pPr>
             <a:r>
               <a:rPr lang="de-DE" dirty="0" err="1" smtClean="0"/>
               <a:t>Fetch</a:t>
             </a:r>
             <a:r>
               <a:rPr lang="de-DE" dirty="0" smtClean="0"/>
-              <a:t> und </a:t>
-            </a:r>
-            <a:r>
-              <a:rPr lang="de-DE" smtClean="0"/>
-              <a:t>Save generisch</a:t>
-            </a:r>
-            <a:endParaRPr lang="de-DE" dirty="0" smtClean="0"/>
+              <a:t> und Save generisch</a:t>
+            </a:r>
           </a:p>
         </p:txBody>
       </p:sp>
@@ -6686,52 +6715,81 @@
         </p:nvSpPr>
         <p:spPr/>
         <p:txBody>
-          <a:bodyPr/>
-          <a:lstStyle/>
-          <a:p>
-            <a:r>
-              <a:rPr lang="de-DE" dirty="0" err="1" smtClean="0"/>
+          <a:bodyPr>
+            <a:normAutofit/>
+          </a:bodyPr>
+          <a:lstStyle/>
+          <a:p>
+            <a:pPr>
+              <a:buFont typeface="Arial" panose="020B0604020202020204" pitchFamily="34" charset="0"/>
+              <a:buChar char="•"/>
+            </a:pPr>
+            <a:r>
+              <a:rPr lang="de-DE" sz="2000" dirty="0" err="1" smtClean="0"/>
               <a:t>Hibernate</a:t>
             </a:r>
             <a:r>
-              <a:rPr lang="de-DE" dirty="0" smtClean="0"/>
-              <a:t> in Verbindung mit EJB</a:t>
-            </a:r>
-          </a:p>
-          <a:p>
-            <a:pPr lvl="1"/>
-            <a:r>
-              <a:rPr lang="de-DE" dirty="0" smtClean="0"/>
+              <a:rPr lang="de-DE" sz="2000" dirty="0" smtClean="0"/>
+              <a:t> in Verbindung mit </a:t>
+            </a:r>
+            <a:r>
+              <a:rPr lang="de-DE" sz="2000" dirty="0" smtClean="0"/>
+              <a:t>EJB</a:t>
+            </a:r>
+          </a:p>
+          <a:p>
+            <a:pPr lvl="1">
+              <a:buFont typeface="Arial" panose="020B0604020202020204" pitchFamily="34" charset="0"/>
+              <a:buChar char="•"/>
+            </a:pPr>
+            <a:r>
+              <a:rPr lang="de-DE" sz="1600" dirty="0" smtClean="0"/>
               <a:t>Libraries</a:t>
             </a:r>
-          </a:p>
-          <a:p>
-            <a:pPr lvl="1"/>
-            <a:r>
-              <a:rPr lang="de-DE" dirty="0" smtClean="0"/>
+            <a:endParaRPr lang="de-DE" sz="1600" dirty="0"/>
+          </a:p>
+          <a:p>
+            <a:pPr lvl="1">
+              <a:buFont typeface="Arial" panose="020B0604020202020204" pitchFamily="34" charset="0"/>
+              <a:buChar char="•"/>
+            </a:pPr>
+            <a:r>
+              <a:rPr lang="de-DE" sz="1600" dirty="0" smtClean="0"/>
               <a:t>Version</a:t>
             </a:r>
-          </a:p>
-          <a:p>
-            <a:r>
-              <a:rPr lang="de-DE" dirty="0" err="1" smtClean="0"/>
+            <a:endParaRPr lang="de-DE" sz="1600" dirty="0" smtClean="0"/>
+          </a:p>
+          <a:p>
+            <a:pPr>
+              <a:buFont typeface="Arial" panose="020B0604020202020204" pitchFamily="34" charset="0"/>
+              <a:buChar char="•"/>
+            </a:pPr>
+            <a:r>
+              <a:rPr lang="de-DE" sz="2000" dirty="0" err="1" smtClean="0"/>
               <a:t>Persitenzschicht</a:t>
             </a:r>
             <a:r>
-              <a:rPr lang="de-DE" dirty="0" smtClean="0"/>
+              <a:rPr lang="de-DE" sz="2000" dirty="0" smtClean="0"/>
               <a:t> auf DTOs </a:t>
             </a:r>
             <a:r>
-              <a:rPr lang="de-DE" dirty="0" err="1" smtClean="0"/>
+              <a:rPr lang="de-DE" sz="2000" dirty="0" err="1" smtClean="0"/>
               <a:t>mappen</a:t>
             </a:r>
-            <a:endParaRPr lang="de-DE" dirty="0" smtClean="0"/>
-          </a:p>
-          <a:p>
-            <a:pPr lvl="1"/>
-            <a:r>
-              <a:rPr lang="de-DE" dirty="0" smtClean="0"/>
-              <a:t>Redundante Daten</a:t>
+            <a:endParaRPr lang="de-DE" sz="2000" dirty="0"/>
+          </a:p>
+          <a:p>
+            <a:pPr lvl="1">
+              <a:buFont typeface="Arial" panose="020B0604020202020204" pitchFamily="34" charset="0"/>
+              <a:buChar char="•"/>
+            </a:pPr>
+            <a:r>
+              <a:rPr lang="de-DE" sz="1600" dirty="0" smtClean="0"/>
+              <a:t>Redundante </a:t>
+            </a:r>
+            <a:r>
+              <a:rPr lang="de-DE" sz="1600" dirty="0" smtClean="0"/>
+              <a:t>Daten</a:t>
             </a:r>
           </a:p>
         </p:txBody>
@@ -6825,7 +6883,7 @@
   <p:timing>
     <p:tnLst>
       <p:par>
-        <p:cTn xmlns:p14="http://schemas.microsoft.com/office/powerpoint/2010/main" id="1" dur="indefinite" restart="never" nodeType="tmRoot"/>
+        <p:cTn id="1" dur="indefinite" restart="never" nodeType="tmRoot"/>
       </p:par>
     </p:tnLst>
   </p:timing>
@@ -7151,7 +7209,7 @@
   <p:timing>
     <p:tnLst>
       <p:par>
-        <p:cTn xmlns:p14="http://schemas.microsoft.com/office/powerpoint/2010/main" id="1" dur="indefinite" restart="never" nodeType="tmRoot">
+        <p:cTn id="1" dur="indefinite" restart="never" nodeType="tmRoot">
           <p:childTnLst>
             <p:seq concurrent="1" nextAc="seek">
               <p:cTn id="2" dur="indefinite" nodeType="mainSeq">
@@ -7672,7 +7730,7 @@
   <p:timing>
     <p:tnLst>
       <p:par>
-        <p:cTn xmlns:p14="http://schemas.microsoft.com/office/powerpoint/2010/main" id="1" dur="indefinite" restart="never" nodeType="tmRoot"/>
+        <p:cTn id="1" dur="indefinite" restart="never" nodeType="tmRoot"/>
       </p:par>
     </p:tnLst>
   </p:timing>
@@ -8122,7 +8180,7 @@
   <p:timing>
     <p:tnLst>
       <p:par>
-        <p:cTn xmlns:p14="http://schemas.microsoft.com/office/powerpoint/2010/main" id="1" dur="indefinite" restart="never" nodeType="tmRoot">
+        <p:cTn id="1" dur="indefinite" restart="never" nodeType="tmRoot">
           <p:childTnLst>
             <p:seq concurrent="1" nextAc="seek">
               <p:cTn id="2" dur="indefinite" nodeType="mainSeq">
@@ -8949,7 +9007,7 @@
   <p:timing>
     <p:tnLst>
       <p:par>
-        <p:cTn xmlns:p14="http://schemas.microsoft.com/office/powerpoint/2010/main" id="1" dur="indefinite" restart="never" nodeType="tmRoot">
+        <p:cTn id="1" dur="indefinite" restart="never" nodeType="tmRoot">
           <p:childTnLst>
             <p:seq concurrent="1" nextAc="seek">
               <p:cTn id="2" dur="indefinite" nodeType="mainSeq">
@@ -9385,7 +9443,7 @@
   <p:timing>
     <p:tnLst>
       <p:par>
-        <p:cTn xmlns:p14="http://schemas.microsoft.com/office/powerpoint/2010/main" id="1" dur="indefinite" restart="never" nodeType="tmRoot">
+        <p:cTn id="1" dur="indefinite" restart="never" nodeType="tmRoot">
           <p:childTnLst>
             <p:seq concurrent="1" nextAc="seek">
               <p:cTn id="2" dur="indefinite" nodeType="mainSeq">
@@ -9686,7 +9744,7 @@
   <p:timing>
     <p:tnLst>
       <p:par>
-        <p:cTn xmlns:p14="http://schemas.microsoft.com/office/powerpoint/2010/main" id="1" dur="indefinite" restart="never" nodeType="tmRoot"/>
+        <p:cTn id="1" dur="indefinite" restart="never" nodeType="tmRoot"/>
       </p:par>
     </p:tnLst>
   </p:timing>
@@ -9966,7 +10024,7 @@
   <p:timing>
     <p:tnLst>
       <p:par>
-        <p:cTn xmlns:p14="http://schemas.microsoft.com/office/powerpoint/2010/main" id="1" dur="indefinite" restart="never" nodeType="tmRoot"/>
+        <p:cTn id="1" dur="indefinite" restart="never" nodeType="tmRoot"/>
       </p:par>
     </p:tnLst>
   </p:timing>
@@ -10054,7 +10112,7 @@
   <p:timing>
     <p:tnLst>
       <p:par>
-        <p:cTn xmlns:p14="http://schemas.microsoft.com/office/powerpoint/2010/main" id="1" dur="indefinite" restart="never" nodeType="tmRoot"/>
+        <p:cTn id="1" dur="indefinite" restart="never" nodeType="tmRoot"/>
       </p:par>
     </p:tnLst>
   </p:timing>
@@ -10930,7 +10988,7 @@
   <p:timing>
     <p:tnLst>
       <p:par>
-        <p:cTn xmlns:p14="http://schemas.microsoft.com/office/powerpoint/2010/main" id="1" dur="indefinite" restart="never" nodeType="tmRoot"/>
+        <p:cTn id="1" dur="indefinite" restart="never" nodeType="tmRoot"/>
       </p:par>
     </p:tnLst>
   </p:timing>
@@ -11171,23 +11229,14 @@
               <a:buChar char="•"/>
             </a:pPr>
             <a:r>
-              <a:rPr lang="de-AT" dirty="0" smtClean="0"/>
-              <a:t>JMS</a:t>
-            </a:r>
-          </a:p>
-          <a:p>
-            <a:pPr>
-              <a:buFont typeface="Arial" panose="020B0604020202020204" pitchFamily="34" charset="0"/>
-              <a:buChar char="•"/>
-            </a:pPr>
-            <a:r>
               <a:rPr lang="de-AT" dirty="0" err="1" smtClean="0"/>
               <a:t>Corba</a:t>
             </a:r>
             <a:r>
               <a:rPr lang="de-AT" dirty="0" smtClean="0"/>
-              <a:t> und Webservices</a:t>
-            </a:r>
+              <a:t> vs. Webservices</a:t>
+            </a:r>
+            <a:endParaRPr lang="de-AT" dirty="0" smtClean="0"/>
           </a:p>
           <a:p>
             <a:pPr>
@@ -14484,7 +14533,11 @@
           <a:bodyPr/>
           <a:lstStyle/>
           <a:p>
-            <a:endParaRPr lang="de-AT"/>
+            <a:r>
+              <a:rPr lang="de-AT" dirty="0" smtClean="0"/>
+              <a:t>Die unendliche Geschichte</a:t>
+            </a:r>
+            <a:endParaRPr lang="de-AT" dirty="0"/>
           </a:p>
         </p:txBody>
       </p:sp>
@@ -15069,7 +15122,11 @@
             </a:r>
             <a:r>
               <a:rPr lang="de-AT" i="1" dirty="0" smtClean="0"/>
-              <a:t> simple</a:t>
+              <a:t> </a:t>
+            </a:r>
+            <a:r>
+              <a:rPr lang="de-AT" i="1" dirty="0" smtClean="0"/>
+              <a:t>simple stupid</a:t>
             </a:r>
             <a:endParaRPr lang="de-AT" i="1" dirty="0"/>
           </a:p>
@@ -15203,7 +15260,7 @@
           <a:noFill/>
           <a:extLst>
             <a:ext uri="{909E8E84-426E-40dd-AFC4-6F175D3DCCD1}">
-              <a14:hiddenFill xmlns:a14="http://schemas.microsoft.com/office/drawing/2010/main">
+              <a14:hiddenFill xmlns:a14="http://schemas.microsoft.com/office/drawing/2010/main" xmlns="">
                 <a:solidFill>
                   <a:srgbClr val="FFFFFF"/>
                 </a:solidFill>
@@ -15456,7 +15513,7 @@
           <a:noFill/>
           <a:extLst>
             <a:ext uri="{909E8E84-426E-40dd-AFC4-6F175D3DCCD1}">
-              <a14:hiddenFill xmlns:a14="http://schemas.microsoft.com/office/drawing/2010/main">
+              <a14:hiddenFill xmlns:a14="http://schemas.microsoft.com/office/drawing/2010/main" xmlns="">
                 <a:solidFill>
                   <a:srgbClr val="FFFFFF"/>
                 </a:solidFill>
@@ -15478,7 +15535,7 @@
   <p:timing>
     <p:tnLst>
       <p:par>
-        <p:cTn xmlns:p14="http://schemas.microsoft.com/office/powerpoint/2010/main" id="1" dur="indefinite" restart="never" nodeType="tmRoot"/>
+        <p:cTn id="1" dur="indefinite" restart="never" nodeType="tmRoot"/>
       </p:par>
     </p:tnLst>
   </p:timing>
@@ -15540,24 +15597,40 @@
           <a:bodyPr/>
           <a:lstStyle/>
           <a:p>
+            <a:pPr>
+              <a:buFont typeface="Arial" panose="020B0604020202020204" pitchFamily="34" charset="0"/>
+              <a:buChar char="•"/>
+            </a:pPr>
             <a:r>
               <a:rPr lang="de-DE" dirty="0" smtClean="0"/>
               <a:t>Freies DBMS</a:t>
             </a:r>
           </a:p>
           <a:p>
+            <a:pPr>
+              <a:buFont typeface="Arial" panose="020B0604020202020204" pitchFamily="34" charset="0"/>
+              <a:buChar char="•"/>
+            </a:pPr>
             <a:r>
               <a:rPr lang="de-DE" dirty="0" smtClean="0"/>
               <a:t>Ausreichend für kleine Projekte</a:t>
             </a:r>
           </a:p>
           <a:p>
+            <a:pPr>
+              <a:buFont typeface="Arial" panose="020B0604020202020204" pitchFamily="34" charset="0"/>
+              <a:buChar char="•"/>
+            </a:pPr>
             <a:r>
               <a:rPr lang="de-DE" dirty="0" smtClean="0"/>
               <a:t>Schnelles Aufsetzen</a:t>
             </a:r>
           </a:p>
           <a:p>
+            <a:pPr>
+              <a:buFont typeface="Arial" panose="020B0604020202020204" pitchFamily="34" charset="0"/>
+              <a:buChar char="•"/>
+            </a:pPr>
             <a:r>
               <a:rPr lang="de-DE" dirty="0" smtClean="0"/>
               <a:t>Via </a:t>
@@ -16210,14 +16283,14 @@
           <a:effectLst/>
           <a:extLst>
             <a:ext uri="{909E8E84-426E-40dd-AFC4-6F175D3DCCD1}">
-              <a14:hiddenFill xmlns:a14="http://schemas.microsoft.com/office/drawing/2010/main">
+              <a14:hiddenFill xmlns:a14="http://schemas.microsoft.com/office/drawing/2010/main" xmlns="">
                 <a:solidFill>
                   <a:schemeClr val="accent1"/>
                 </a:solidFill>
               </a14:hiddenFill>
             </a:ext>
             <a:ext uri="{91240B29-F687-4f45-9708-019B960494DF}">
-              <a14:hiddenLine xmlns:a14="http://schemas.microsoft.com/office/drawing/2010/main" w="9525">
+              <a14:hiddenLine xmlns:a14="http://schemas.microsoft.com/office/drawing/2010/main" xmlns="" w="9525">
                 <a:solidFill>
                   <a:schemeClr val="tx1"/>
                 </a:solidFill>
@@ -16227,7 +16300,7 @@
               </a14:hiddenLine>
             </a:ext>
             <a:ext uri="{AF507438-7753-43e0-B8FC-AC1667EBCBE1}">
-              <a14:hiddenEffects xmlns:a14="http://schemas.microsoft.com/office/drawing/2010/main">
+              <a14:hiddenEffects xmlns:a14="http://schemas.microsoft.com/office/drawing/2010/main" xmlns="">
                 <a:effectLst>
                   <a:outerShdw dist="35921" dir="2700000" algn="ctr" rotWithShape="0">
                     <a:schemeClr val="bg2"/>
@@ -16251,7 +16324,7 @@
   <p:timing>
     <p:tnLst>
       <p:par>
-        <p:cTn xmlns:p14="http://schemas.microsoft.com/office/powerpoint/2010/main" id="1" dur="indefinite" restart="never" nodeType="tmRoot"/>
+        <p:cTn id="1" dur="indefinite" restart="never" nodeType="tmRoot"/>
       </p:par>
     </p:tnLst>
   </p:timing>
@@ -16332,7 +16405,7 @@
           <a:noFill/>
           <a:extLst>
             <a:ext uri="{909E8E84-426E-40dd-AFC4-6F175D3DCCD1}">
-              <a14:hiddenFill xmlns:a14="http://schemas.microsoft.com/office/drawing/2010/main">
+              <a14:hiddenFill xmlns:a14="http://schemas.microsoft.com/office/drawing/2010/main" xmlns="">
                 <a:solidFill>
                   <a:srgbClr val="FFFFFF"/>
                 </a:solidFill>
@@ -16515,7 +16588,7 @@
   <p:timing>
     <p:tnLst>
       <p:par>
-        <p:cTn xmlns:p14="http://schemas.microsoft.com/office/powerpoint/2010/main" id="1" dur="indefinite" restart="never" nodeType="tmRoot"/>
+        <p:cTn id="1" dur="indefinite" restart="never" nodeType="tmRoot"/>
       </p:par>
     </p:tnLst>
   </p:timing>
@@ -16673,7 +16746,7 @@
   <p:timing>
     <p:tnLst>
       <p:par>
-        <p:cTn xmlns:p14="http://schemas.microsoft.com/office/powerpoint/2010/main" id="1" dur="indefinite" restart="never" nodeType="tmRoot"/>
+        <p:cTn id="1" dur="indefinite" restart="never" nodeType="tmRoot"/>
       </p:par>
     </p:tnLst>
   </p:timing>
@@ -17152,6 +17225,10 @@
           <a:bodyPr/>
           <a:lstStyle/>
           <a:p>
+            <a:pPr>
+              <a:buFont typeface="Arial" panose="020B0604020202020204" pitchFamily="34" charset="0"/>
+              <a:buChar char="•"/>
+            </a:pPr>
             <a:r>
               <a:rPr lang="de-DE" dirty="0" smtClean="0"/>
               <a:t>Freies </a:t>
@@ -17166,12 +17243,20 @@
             </a:r>
           </a:p>
           <a:p>
+            <a:pPr>
+              <a:buFont typeface="Arial" panose="020B0604020202020204" pitchFamily="34" charset="0"/>
+              <a:buChar char="•"/>
+            </a:pPr>
             <a:r>
               <a:rPr lang="de-DE" dirty="0" smtClean="0"/>
               <a:t>Caching</a:t>
             </a:r>
           </a:p>
           <a:p>
+            <a:pPr>
+              <a:buFont typeface="Arial" panose="020B0604020202020204" pitchFamily="34" charset="0"/>
+              <a:buChar char="•"/>
+            </a:pPr>
             <a:r>
               <a:rPr lang="de-DE" dirty="0" smtClean="0"/>
               <a:t>Transaktions-Verwaltung integriert</a:t>
@@ -17192,7 +17277,7 @@
   <p:timing>
     <p:tnLst>
       <p:par>
-        <p:cTn xmlns:p14="http://schemas.microsoft.com/office/powerpoint/2010/main" id="1" dur="indefinite" restart="never" nodeType="tmRoot"/>
+        <p:cTn id="1" dur="indefinite" restart="never" nodeType="tmRoot"/>
       </p:par>
     </p:tnLst>
   </p:timing>
@@ -17250,7 +17335,7 @@
           </p:nvPr>
         </p:nvPicPr>
         <p:blipFill>
-          <a:blip r:embed="rId2">
+          <a:blip r:embed="rId2" cstate="print">
             <a:extLst>
               <a:ext uri="{28A0092B-C50C-407E-A947-70E740481C1C}">
                 <a14:useLocalDpi xmlns:a14="http://schemas.microsoft.com/office/drawing/2010/main" val="0"/>
@@ -17262,7 +17347,12 @@
             <a:fillRect/>
           </a:stretch>
         </p:blipFill>
-        <p:spPr/>
+        <p:spPr>
+          <a:xfrm>
+            <a:off x="190500" y="1625600"/>
+            <a:ext cx="10553701" cy="4683760"/>
+          </a:xfrm>
+        </p:spPr>
       </p:pic>
     </p:spTree>
     <p:extLst>
@@ -17277,7 +17367,7 @@
   <p:timing>
     <p:tnLst>
       <p:par>
-        <p:cTn xmlns:p14="http://schemas.microsoft.com/office/powerpoint/2010/main" id="1" dur="indefinite" restart="never" nodeType="tmRoot"/>
+        <p:cTn id="1" dur="indefinite" restart="never" nodeType="tmRoot"/>
       </p:par>
     </p:tnLst>
   </p:timing>
@@ -17362,7 +17452,7 @@
   <p:timing>
     <p:tnLst>
       <p:par>
-        <p:cTn xmlns:p14="http://schemas.microsoft.com/office/powerpoint/2010/main" id="1" dur="indefinite" restart="never" nodeType="tmRoot"/>
+        <p:cTn id="1" dur="indefinite" restart="never" nodeType="tmRoot"/>
       </p:par>
     </p:tnLst>
   </p:timing>
@@ -17447,7 +17537,7 @@
   <p:timing>
     <p:tnLst>
       <p:par>
-        <p:cTn xmlns:p14="http://schemas.microsoft.com/office/powerpoint/2010/main" id="1" dur="indefinite" restart="never" nodeType="tmRoot"/>
+        <p:cTn id="1" dur="indefinite" restart="never" nodeType="tmRoot"/>
       </p:par>
     </p:tnLst>
   </p:timing>
@@ -17652,7 +17742,7 @@
   <a:extraClrSchemeLst/>
   <a:extLst>
     <a:ext uri="{05A4C25C-085E-4340-85A3-A5531E510DB2}">
-      <thm15:themeFamily xmlns="" xmlns:thm15="http://schemas.microsoft.com/office/thememl/2012/main" name="Integral" id="{3577F8C9-A904-41D8-97D2-FD898F53F20E}" vid="{42448713-48CF-40FF-A256-E269CDCF5842}"/>
+      <thm15:themeFamily xmlns:thm15="http://schemas.microsoft.com/office/thememl/2012/main" name="Integral" id="{3577F8C9-A904-41D8-97D2-FD898F53F20E}" vid="{42448713-48CF-40FF-A256-E269CDCF5842}"/>
     </a:ext>
   </a:extLst>
 </a:theme>
@@ -17913,7 +18003,7 @@
   <a:extraClrSchemeLst/>
   <a:extLst>
     <a:ext uri="{05A4C25C-085E-4340-85A3-A5531E510DB2}">
-      <thm15:themeFamily xmlns="" xmlns:thm15="http://schemas.microsoft.com/office/thememl/2012/main" name="Office Theme" id="{62F939B6-93AF-4DB8-9C6B-D6C7DFDC589F}" vid="{4A3C46E8-61CC-4603-A589-7422A47A8E4A}"/>
+      <thm15:themeFamily xmlns:thm15="http://schemas.microsoft.com/office/thememl/2012/main" name="Office Theme" id="{62F939B6-93AF-4DB8-9C6B-D6C7DFDC589F}" vid="{4A3C46E8-61CC-4603-A589-7422A47A8E4A}"/>
     </a:ext>
   </a:extLst>
 </a:theme>

--- a/Presentation/Presentation.pptx
+++ b/Presentation/Presentation.pptx
@@ -5,7 +5,7 @@
     <p:sldMasterId id="2147483720" r:id="rId1"/>
   </p:sldMasterIdLst>
   <p:notesMasterIdLst>
-    <p:notesMasterId r:id="rId59"/>
+    <p:notesMasterId r:id="rId62"/>
   </p:notesMasterIdLst>
   <p:sldIdLst>
     <p:sldId id="256" r:id="rId2"/>
@@ -39,32 +39,35 @@
     <p:sldId id="301" r:id="rId30"/>
     <p:sldId id="302" r:id="rId31"/>
     <p:sldId id="303" r:id="rId32"/>
-    <p:sldId id="304" r:id="rId33"/>
-    <p:sldId id="305" r:id="rId34"/>
-    <p:sldId id="306" r:id="rId35"/>
-    <p:sldId id="292" r:id="rId36"/>
-    <p:sldId id="290" r:id="rId37"/>
-    <p:sldId id="291" r:id="rId38"/>
-    <p:sldId id="293" r:id="rId39"/>
-    <p:sldId id="294" r:id="rId40"/>
-    <p:sldId id="297" r:id="rId41"/>
-    <p:sldId id="296" r:id="rId42"/>
-    <p:sldId id="295" r:id="rId43"/>
-    <p:sldId id="259" r:id="rId44"/>
-    <p:sldId id="260" r:id="rId45"/>
-    <p:sldId id="261" r:id="rId46"/>
-    <p:sldId id="263" r:id="rId47"/>
-    <p:sldId id="264" r:id="rId48"/>
-    <p:sldId id="265" r:id="rId49"/>
-    <p:sldId id="307" r:id="rId50"/>
-    <p:sldId id="309" r:id="rId51"/>
-    <p:sldId id="310" r:id="rId52"/>
-    <p:sldId id="266" r:id="rId53"/>
-    <p:sldId id="267" r:id="rId54"/>
-    <p:sldId id="298" r:id="rId55"/>
-    <p:sldId id="268" r:id="rId56"/>
-    <p:sldId id="269" r:id="rId57"/>
-    <p:sldId id="299" r:id="rId58"/>
+    <p:sldId id="320" r:id="rId33"/>
+    <p:sldId id="321" r:id="rId34"/>
+    <p:sldId id="322" r:id="rId35"/>
+    <p:sldId id="304" r:id="rId36"/>
+    <p:sldId id="305" r:id="rId37"/>
+    <p:sldId id="306" r:id="rId38"/>
+    <p:sldId id="292" r:id="rId39"/>
+    <p:sldId id="290" r:id="rId40"/>
+    <p:sldId id="291" r:id="rId41"/>
+    <p:sldId id="293" r:id="rId42"/>
+    <p:sldId id="294" r:id="rId43"/>
+    <p:sldId id="297" r:id="rId44"/>
+    <p:sldId id="296" r:id="rId45"/>
+    <p:sldId id="295" r:id="rId46"/>
+    <p:sldId id="259" r:id="rId47"/>
+    <p:sldId id="260" r:id="rId48"/>
+    <p:sldId id="261" r:id="rId49"/>
+    <p:sldId id="263" r:id="rId50"/>
+    <p:sldId id="264" r:id="rId51"/>
+    <p:sldId id="265" r:id="rId52"/>
+    <p:sldId id="307" r:id="rId53"/>
+    <p:sldId id="309" r:id="rId54"/>
+    <p:sldId id="310" r:id="rId55"/>
+    <p:sldId id="266" r:id="rId56"/>
+    <p:sldId id="267" r:id="rId57"/>
+    <p:sldId id="298" r:id="rId58"/>
+    <p:sldId id="268" r:id="rId59"/>
+    <p:sldId id="269" r:id="rId60"/>
+    <p:sldId id="299" r:id="rId61"/>
   </p:sldIdLst>
   <p:sldSz cx="12192000" cy="6858000"/>
   <p:notesSz cx="6858000" cy="9144000"/>
@@ -215,6 +218,9 @@
             <p14:sldId id="301"/>
             <p14:sldId id="302"/>
             <p14:sldId id="303"/>
+            <p14:sldId id="320"/>
+            <p14:sldId id="321"/>
+            <p14:sldId id="322"/>
             <p14:sldId id="304"/>
             <p14:sldId id="305"/>
             <p14:sldId id="306"/>
@@ -1243,7 +1249,7 @@
           <a:p>
             <a:fld id="{5E424E5C-960A-40AF-91BF-B49DEF3D51D8}" type="slidenum">
               <a:rPr lang="de-AT" smtClean="0"/>
-              <a:t>48</a:t>
+              <a:t>51</a:t>
             </a:fld>
             <a:endParaRPr lang="de-AT"/>
           </a:p>
@@ -1429,7 +1435,7 @@
           <a:p>
             <a:fld id="{5E424E5C-960A-40AF-91BF-B49DEF3D51D8}" type="slidenum">
               <a:rPr lang="de-AT" smtClean="0"/>
-              <a:t>52</a:t>
+              <a:t>55</a:t>
             </a:fld>
             <a:endParaRPr lang="de-AT"/>
           </a:p>
@@ -1613,7 +1619,7 @@
           <a:p>
             <a:fld id="{5E424E5C-960A-40AF-91BF-B49DEF3D51D8}" type="slidenum">
               <a:rPr lang="de-AT" smtClean="0"/>
-              <a:t>53</a:t>
+              <a:t>56</a:t>
             </a:fld>
             <a:endParaRPr lang="de-AT"/>
           </a:p>
@@ -1769,7 +1775,7 @@
           <a:p>
             <a:fld id="{C991D70F-D8B5-4D41-95B5-481C1B1D6FE8}" type="slidenum">
               <a:rPr lang="de-AT" smtClean="0"/>
-              <a:t>55</a:t>
+              <a:t>58</a:t>
             </a:fld>
             <a:endParaRPr lang="de-AT"/>
           </a:p>
@@ -2585,7 +2591,7 @@
           <a:p>
             <a:fld id="{5E424E5C-960A-40AF-91BF-B49DEF3D51D8}" type="slidenum">
               <a:rPr lang="de-AT" smtClean="0"/>
-              <a:t>44</a:t>
+              <a:t>47</a:t>
             </a:fld>
             <a:endParaRPr lang="de-AT"/>
           </a:p>
@@ -2693,7 +2699,7 @@
           <a:p>
             <a:fld id="{5E424E5C-960A-40AF-91BF-B49DEF3D51D8}" type="slidenum">
               <a:rPr lang="de-AT" smtClean="0"/>
-              <a:t>45</a:t>
+              <a:t>48</a:t>
             </a:fld>
             <a:endParaRPr lang="de-AT"/>
           </a:p>
@@ -2880,7 +2886,7 @@
           <a:p>
             <a:fld id="{5E424E5C-960A-40AF-91BF-B49DEF3D51D8}" type="slidenum">
               <a:rPr lang="de-AT" smtClean="0"/>
-              <a:t>46</a:t>
+              <a:t>49</a:t>
             </a:fld>
             <a:endParaRPr lang="de-AT"/>
           </a:p>
@@ -3038,7 +3044,7 @@
           <a:p>
             <a:fld id="{5E424E5C-960A-40AF-91BF-B49DEF3D51D8}" type="slidenum">
               <a:rPr lang="de-AT" smtClean="0"/>
-              <a:t>47</a:t>
+              <a:t>50</a:t>
             </a:fld>
             <a:endParaRPr lang="de-AT"/>
           </a:p>
@@ -3107,15 +3113,15 @@
           </a:ln>
           <a:effectLst/>
           <a:extLst>
-            <a:ext uri="{909E8E84-426E-40dd-AFC4-6F175D3DCCD1}">
-              <a14:hiddenFill xmlns:a14="http://schemas.microsoft.com/office/drawing/2010/main" xmlns="">
+            <a:ext uri="{909E8E84-426E-40DD-AFC4-6F175D3DCCD1}">
+              <a14:hiddenFill xmlns:a14="http://schemas.microsoft.com/office/drawing/2010/main">
                 <a:solidFill>
                   <a:schemeClr val="accent1"/>
                 </a:solidFill>
               </a14:hiddenFill>
             </a:ext>
-            <a:ext uri="{91240B29-F687-4f45-9708-019B960494DF}">
-              <a14:hiddenLine xmlns:a14="http://schemas.microsoft.com/office/drawing/2010/main" xmlns="" w="9525">
+            <a:ext uri="{91240B29-F687-4F45-9708-019B960494DF}">
+              <a14:hiddenLine xmlns:a14="http://schemas.microsoft.com/office/drawing/2010/main" w="9525">
                 <a:solidFill>
                   <a:schemeClr val="tx1"/>
                 </a:solidFill>
@@ -3124,8 +3130,8 @@
                 <a:tailEnd/>
               </a14:hiddenLine>
             </a:ext>
-            <a:ext uri="{AF507438-7753-43e0-B8FC-AC1667EBCBE1}">
-              <a14:hiddenEffects xmlns:a14="http://schemas.microsoft.com/office/drawing/2010/main" xmlns="">
+            <a:ext uri="{AF507438-7753-43E0-B8FC-AC1667EBCBE1}">
+              <a14:hiddenEffects xmlns:a14="http://schemas.microsoft.com/office/drawing/2010/main">
                 <a:effectLst>
                   <a:outerShdw dist="35921" dir="2700000" algn="ctr" rotWithShape="0">
                     <a:schemeClr val="bg2"/>
@@ -3974,15 +3980,15 @@
           </a:ln>
           <a:effectLst/>
           <a:extLst>
-            <a:ext uri="{909E8E84-426E-40dd-AFC4-6F175D3DCCD1}">
-              <a14:hiddenFill xmlns:a14="http://schemas.microsoft.com/office/drawing/2010/main" xmlns="">
+            <a:ext uri="{909E8E84-426E-40DD-AFC4-6F175D3DCCD1}">
+              <a14:hiddenFill xmlns:a14="http://schemas.microsoft.com/office/drawing/2010/main">
                 <a:solidFill>
                   <a:schemeClr val="accent1"/>
                 </a:solidFill>
               </a14:hiddenFill>
             </a:ext>
-            <a:ext uri="{91240B29-F687-4f45-9708-019B960494DF}">
-              <a14:hiddenLine xmlns:a14="http://schemas.microsoft.com/office/drawing/2010/main" xmlns="" w="9525">
+            <a:ext uri="{91240B29-F687-4F45-9708-019B960494DF}">
+              <a14:hiddenLine xmlns:a14="http://schemas.microsoft.com/office/drawing/2010/main" w="9525">
                 <a:solidFill>
                   <a:schemeClr val="tx1"/>
                 </a:solidFill>
@@ -3991,8 +3997,8 @@
                 <a:tailEnd/>
               </a14:hiddenLine>
             </a:ext>
-            <a:ext uri="{AF507438-7753-43e0-B8FC-AC1667EBCBE1}">
-              <a14:hiddenEffects xmlns:a14="http://schemas.microsoft.com/office/drawing/2010/main" xmlns="">
+            <a:ext uri="{AF507438-7753-43E0-B8FC-AC1667EBCBE1}">
+              <a14:hiddenEffects xmlns:a14="http://schemas.microsoft.com/office/drawing/2010/main">
                 <a:effectLst>
                   <a:outerShdw dist="35921" dir="2700000" algn="ctr" rotWithShape="0">
                     <a:schemeClr val="bg2"/>
@@ -6444,6 +6450,13 @@
   <p:clrMapOvr>
     <a:masterClrMapping/>
   </p:clrMapOvr>
+  <p:timing>
+    <p:tnLst>
+      <p:par>
+        <p:cTn id="1" dur="indefinite" restart="never" nodeType="tmRoot"/>
+      </p:par>
+    </p:tnLst>
+  </p:timing>
 </p:sld>
 </file>
 
@@ -6481,11 +6494,7 @@
           <a:p>
             <a:r>
               <a:rPr lang="de-DE" dirty="0" smtClean="0"/>
-              <a:t>Wettb</a:t>
-            </a:r>
-            <a:r>
-              <a:rPr lang="de-DE" dirty="0" smtClean="0"/>
-              <a:t>ewerbe</a:t>
+              <a:t>Wettbewerbe</a:t>
             </a:r>
             <a:endParaRPr lang="de-DE" dirty="0"/>
           </a:p>
@@ -6660,6 +6669,13 @@
   <p:clrMapOvr>
     <a:masterClrMapping/>
   </p:clrMapOvr>
+  <p:timing>
+    <p:tnLst>
+      <p:par>
+        <p:cTn id="1" dur="indefinite" restart="never" nodeType="tmRoot"/>
+      </p:par>
+    </p:tnLst>
+  </p:timing>
 </p:sld>
 </file>
 
@@ -6730,11 +6746,7 @@
             </a:r>
             <a:r>
               <a:rPr lang="de-DE" sz="2000" dirty="0" smtClean="0"/>
-              <a:t> in Verbindung mit </a:t>
-            </a:r>
-            <a:r>
-              <a:rPr lang="de-DE" sz="2000" dirty="0" smtClean="0"/>
-              <a:t>EJB</a:t>
+              <a:t> in Verbindung mit EJB</a:t>
             </a:r>
           </a:p>
           <a:p>
@@ -6757,7 +6769,6 @@
               <a:rPr lang="de-DE" sz="1600" dirty="0" smtClean="0"/>
               <a:t>Version</a:t>
             </a:r>
-            <a:endParaRPr lang="de-DE" sz="1600" dirty="0" smtClean="0"/>
           </a:p>
           <a:p>
             <a:pPr>
@@ -6785,11 +6796,7 @@
             </a:pPr>
             <a:r>
               <a:rPr lang="de-DE" sz="1600" dirty="0" smtClean="0"/>
-              <a:t>Redundante </a:t>
-            </a:r>
-            <a:r>
-              <a:rPr lang="de-DE" sz="1600" dirty="0" smtClean="0"/>
-              <a:t>Daten</a:t>
+              <a:t>Redundante Daten</a:t>
             </a:r>
           </a:p>
         </p:txBody>
@@ -6804,6 +6811,13 @@
   <p:clrMapOvr>
     <a:masterClrMapping/>
   </p:clrMapOvr>
+  <p:timing>
+    <p:tnLst>
+      <p:par>
+        <p:cTn id="1" dur="indefinite" restart="never" nodeType="tmRoot"/>
+      </p:par>
+    </p:tnLst>
+  </p:timing>
 </p:sld>
 </file>
 
@@ -9878,6 +9892,13 @@
   <p:clrMapOvr>
     <a:masterClrMapping/>
   </p:clrMapOvr>
+  <p:timing>
+    <p:tnLst>
+      <p:par>
+        <p:cTn id="1" dur="indefinite" restart="never" nodeType="tmRoot"/>
+      </p:par>
+    </p:tnLst>
+  </p:timing>
 </p:sld>
 </file>
 
@@ -10226,6 +10247,13 @@
   <p:clrMapOvr>
     <a:masterClrMapping/>
   </p:clrMapOvr>
+  <p:timing>
+    <p:tnLst>
+      <p:par>
+        <p:cTn id="1" dur="indefinite" restart="never" nodeType="tmRoot"/>
+      </p:par>
+    </p:tnLst>
+  </p:timing>
 </p:sld>
 </file>
 
@@ -10351,6 +10379,13 @@
   <p:clrMapOvr>
     <a:masterClrMapping/>
   </p:clrMapOvr>
+  <p:timing>
+    <p:tnLst>
+      <p:par>
+        <p:cTn id="1" dur="indefinite" restart="never" nodeType="tmRoot"/>
+      </p:par>
+    </p:tnLst>
+  </p:timing>
 </p:sld>
 </file>
 
@@ -10538,6 +10573,13 @@
   <p:clrMapOvr>
     <a:masterClrMapping/>
   </p:clrMapOvr>
+  <p:timing>
+    <p:tnLst>
+      <p:par>
+        <p:cTn id="1" dur="indefinite" restart="never" nodeType="tmRoot"/>
+      </p:par>
+    </p:tnLst>
+  </p:timing>
 </p:sld>
 </file>
 
@@ -10596,54 +10638,51 @@
           <a:bodyPr/>
           <a:lstStyle/>
           <a:p>
-            <a:r>
-              <a:rPr lang="de-DE" dirty="0" smtClean="0"/>
-              <a:t>Hier </a:t>
-            </a:r>
-            <a:r>
-              <a:rPr lang="de-DE" dirty="0" err="1" smtClean="0"/>
-              <a:t>grafik</a:t>
-            </a:r>
-            <a:r>
-              <a:rPr lang="de-DE" dirty="0" smtClean="0"/>
-              <a:t> (muss </a:t>
-            </a:r>
-            <a:r>
-              <a:rPr lang="de-DE" dirty="0" err="1" smtClean="0"/>
-              <a:t>no</a:t>
-            </a:r>
-            <a:r>
-              <a:rPr lang="de-DE" dirty="0" smtClean="0"/>
-              <a:t> </a:t>
-            </a:r>
-            <a:r>
-              <a:rPr lang="de-DE" dirty="0" err="1" smtClean="0"/>
-              <a:t>luga</a:t>
-            </a:r>
-            <a:r>
-              <a:rPr lang="de-DE" dirty="0" smtClean="0"/>
-              <a:t> das i se </a:t>
-            </a:r>
-            <a:r>
-              <a:rPr lang="de-DE" dirty="0" err="1" smtClean="0"/>
-              <a:t>schö</a:t>
-            </a:r>
-            <a:r>
-              <a:rPr lang="de-DE" dirty="0" smtClean="0"/>
-              <a:t> lesbar </a:t>
-            </a:r>
-            <a:r>
-              <a:rPr lang="de-DE" dirty="0" err="1" smtClean="0"/>
-              <a:t>herbring</a:t>
-            </a:r>
-            <a:r>
-              <a:rPr lang="de-DE" dirty="0" smtClean="0"/>
-              <a:t>)</a:t>
-            </a:r>
             <a:endParaRPr lang="de-DE" dirty="0"/>
           </a:p>
         </p:txBody>
       </p:sp>
+      <p:pic>
+        <p:nvPicPr>
+          <p:cNvPr id="1026" name="Picture 2" descr="C:\Users\EnjoX\Documents\GitHub\Final\SportsClubManager\Presentation\EJB\EJB.jpg"/>
+          <p:cNvPicPr>
+            <a:picLocks noChangeAspect="1" noChangeArrowheads="1"/>
+          </p:cNvPicPr>
+          <p:nvPr/>
+        </p:nvPicPr>
+        <p:blipFill>
+          <a:blip r:embed="rId2">
+            <a:extLst>
+              <a:ext uri="{28A0092B-C50C-407E-A947-70E740481C1C}">
+                <a14:useLocalDpi xmlns:a14="http://schemas.microsoft.com/office/drawing/2010/main" val="0"/>
+              </a:ext>
+            </a:extLst>
+          </a:blip>
+          <a:srcRect/>
+          <a:stretch>
+            <a:fillRect/>
+          </a:stretch>
+        </p:blipFill>
+        <p:spPr bwMode="auto">
+          <a:xfrm>
+            <a:off x="805520" y="2175642"/>
+            <a:ext cx="9978094" cy="4508938"/>
+          </a:xfrm>
+          <a:prstGeom prst="rect">
+            <a:avLst/>
+          </a:prstGeom>
+          <a:noFill/>
+          <a:extLst>
+            <a:ext uri="{909E8E84-426E-40DD-AFC4-6F175D3DCCD1}">
+              <a14:hiddenFill xmlns:a14="http://schemas.microsoft.com/office/drawing/2010/main">
+                <a:solidFill>
+                  <a:srgbClr val="FFFFFF"/>
+                </a:solidFill>
+              </a14:hiddenFill>
+            </a:ext>
+          </a:extLst>
+        </p:spPr>
+      </p:pic>
     </p:spTree>
     <p:extLst>
       <p:ext uri="{BB962C8B-B14F-4D97-AF65-F5344CB8AC3E}">
@@ -10654,6 +10693,13 @@
   <p:clrMapOvr>
     <a:masterClrMapping/>
   </p:clrMapOvr>
+  <p:timing>
+    <p:tnLst>
+      <p:par>
+        <p:cTn id="1" dur="indefinite" restart="never" nodeType="tmRoot"/>
+      </p:par>
+    </p:tnLst>
+  </p:timing>
 </p:sld>
 </file>
 
@@ -10765,6 +10811,13 @@
   <p:clrMapOvr>
     <a:masterClrMapping/>
   </p:clrMapOvr>
+  <p:timing>
+    <p:tnLst>
+      <p:par>
+        <p:cTn id="1" dur="indefinite" restart="never" nodeType="tmRoot"/>
+      </p:par>
+    </p:tnLst>
+  </p:timing>
 </p:sld>
 </file>
 
@@ -10829,7 +10882,11 @@
             </a:pPr>
             <a:r>
               <a:rPr lang="de-DE" dirty="0" smtClean="0"/>
-              <a:t>einfache Technik</a:t>
+              <a:t>einfache </a:t>
+            </a:r>
+            <a:r>
+              <a:rPr lang="de-DE" dirty="0" smtClean="0"/>
+              <a:t>Technik</a:t>
             </a:r>
           </a:p>
           <a:p>
@@ -10839,17 +10896,11 @@
             </a:pPr>
             <a:r>
               <a:rPr lang="de-DE" dirty="0" smtClean="0"/>
-              <a:t>Veraltet</a:t>
-            </a:r>
-          </a:p>
-          <a:p>
-            <a:pPr>
-              <a:buFont typeface="Arial" panose="020B0604020202020204" pitchFamily="34" charset="0"/>
-              <a:buChar char="•"/>
-            </a:pPr>
+              <a:t>Factory </a:t>
+            </a:r>
             <a:r>
               <a:rPr lang="de-DE" dirty="0" smtClean="0"/>
-              <a:t>Factory funktioniert nicht</a:t>
+              <a:t>funktioniert nicht</a:t>
             </a:r>
           </a:p>
           <a:p>
@@ -10897,6 +10948,13 @@
   <p:clrMapOvr>
     <a:masterClrMapping/>
   </p:clrMapOvr>
+  <p:timing>
+    <p:tnLst>
+      <p:par>
+        <p:cTn id="1" dur="indefinite" restart="never" nodeType="tmRoot"/>
+      </p:par>
+    </p:tnLst>
+  </p:timing>
 </p:sld>
 </file>
 
@@ -11118,6 +11176,13 @@
   <p:clrMapOvr>
     <a:masterClrMapping/>
   </p:clrMapOvr>
+  <p:timing>
+    <p:tnLst>
+      <p:par>
+        <p:cTn id="1" dur="indefinite" restart="never" nodeType="tmRoot"/>
+      </p:par>
+    </p:tnLst>
+  </p:timing>
 </p:sld>
 </file>
 
@@ -11236,7 +11301,6 @@
               <a:rPr lang="de-AT" dirty="0" smtClean="0"/>
               <a:t> vs. Webservices</a:t>
             </a:r>
-            <a:endParaRPr lang="de-AT" dirty="0" smtClean="0"/>
           </a:p>
           <a:p>
             <a:pPr>
@@ -11261,6 +11325,13 @@
   <p:clrMapOvr>
     <a:masterClrMapping/>
   </p:clrMapOvr>
+  <p:timing>
+    <p:tnLst>
+      <p:par>
+        <p:cTn id="1" dur="indefinite" restart="never" nodeType="tmRoot"/>
+      </p:par>
+    </p:tnLst>
+  </p:timing>
 </p:sld>
 </file>
 
@@ -11376,6 +11447,13 @@
   <p:clrMapOvr>
     <a:masterClrMapping/>
   </p:clrMapOvr>
+  <p:timing>
+    <p:tnLst>
+      <p:par>
+        <p:cTn id="1" dur="indefinite" restart="never" nodeType="tmRoot"/>
+      </p:par>
+    </p:tnLst>
+  </p:timing>
 </p:sld>
 </file>
 
@@ -11418,29 +11496,49 @@
           </a:p>
         </p:txBody>
       </p:sp>
-      <p:sp>
-        <p:nvSpPr>
-          <p:cNvPr id="3" name="Inhaltsplatzhalter 2"/>
-          <p:cNvSpPr>
-            <a:spLocks noGrp="1"/>
-          </p:cNvSpPr>
+      <p:pic>
+        <p:nvPicPr>
+          <p:cNvPr id="1026" name="Picture 2" descr="C:\Users\EnjoX\Downloads\09.01.13 15_46-Bildschirmkopie 2.png"/>
+          <p:cNvPicPr>
+            <a:picLocks noGrp="1" noChangeAspect="1" noChangeArrowheads="1"/>
+          </p:cNvPicPr>
           <p:nvPr>
             <p:ph idx="1"/>
           </p:nvPr>
-        </p:nvSpPr>
-        <p:spPr/>
-        <p:txBody>
-          <a:bodyPr/>
-          <a:lstStyle/>
-          <a:p>
-            <a:r>
-              <a:rPr lang="de-DE" dirty="0" smtClean="0"/>
-              <a:t>BILD</a:t>
-            </a:r>
-            <a:endParaRPr lang="de-DE" dirty="0"/>
-          </a:p>
-        </p:txBody>
-      </p:sp>
+        </p:nvPicPr>
+        <p:blipFill>
+          <a:blip r:embed="rId2">
+            <a:extLst>
+              <a:ext uri="{28A0092B-C50C-407E-A947-70E740481C1C}">
+                <a14:useLocalDpi xmlns:a14="http://schemas.microsoft.com/office/drawing/2010/main" val="0"/>
+              </a:ext>
+            </a:extLst>
+          </a:blip>
+          <a:srcRect/>
+          <a:stretch>
+            <a:fillRect/>
+          </a:stretch>
+        </p:blipFill>
+        <p:spPr bwMode="auto">
+          <a:xfrm>
+            <a:off x="838200" y="2619385"/>
+            <a:ext cx="9906000" cy="3355954"/>
+          </a:xfrm>
+          <a:prstGeom prst="rect">
+            <a:avLst/>
+          </a:prstGeom>
+          <a:noFill/>
+          <a:extLst>
+            <a:ext uri="{909E8E84-426E-40DD-AFC4-6F175D3DCCD1}">
+              <a14:hiddenFill xmlns:a14="http://schemas.microsoft.com/office/drawing/2010/main">
+                <a:solidFill>
+                  <a:srgbClr val="FFFFFF"/>
+                </a:solidFill>
+              </a14:hiddenFill>
+            </a:ext>
+          </a:extLst>
+        </p:spPr>
+      </p:pic>
     </p:spTree>
     <p:extLst>
       <p:ext uri="{BB962C8B-B14F-4D97-AF65-F5344CB8AC3E}">
@@ -11451,6 +11549,13 @@
   <p:clrMapOvr>
     <a:masterClrMapping/>
   </p:clrMapOvr>
+  <p:timing>
+    <p:tnLst>
+      <p:par>
+        <p:cTn id="1" dur="indefinite" restart="never" nodeType="tmRoot"/>
+      </p:par>
+    </p:tnLst>
+  </p:timing>
 </p:sld>
 </file>
 
@@ -11487,94 +11592,73 @@
           <a:lstStyle/>
           <a:p>
             <a:r>
-              <a:rPr lang="de-DE" dirty="0"/>
-              <a:t>Technologien</a:t>
-            </a:r>
-          </a:p>
-        </p:txBody>
-      </p:sp>
-      <p:sp>
-        <p:nvSpPr>
-          <p:cNvPr id="3" name="Inhaltsplatzhalter 2"/>
-          <p:cNvSpPr>
-            <a:spLocks noGrp="1"/>
-          </p:cNvSpPr>
+              <a:rPr lang="de-DE" dirty="0" smtClean="0"/>
+              <a:t>Designentscheidung</a:t>
+            </a:r>
+            <a:endParaRPr lang="de-DE" dirty="0"/>
+          </a:p>
+        </p:txBody>
+      </p:sp>
+      <p:pic>
+        <p:nvPicPr>
+          <p:cNvPr id="2050" name="Picture 2" descr="C:\Users\EnjoX\Downloads\09.01.13 15_46-Bildschirmkopie.png"/>
+          <p:cNvPicPr>
+            <a:picLocks noGrp="1" noChangeAspect="1" noChangeArrowheads="1"/>
+          </p:cNvPicPr>
           <p:nvPr>
             <p:ph idx="1"/>
           </p:nvPr>
-        </p:nvSpPr>
-        <p:spPr/>
-        <p:txBody>
-          <a:bodyPr/>
-          <a:lstStyle/>
-          <a:p>
-            <a:pPr>
-              <a:buFont typeface="Arial" pitchFamily="34" charset="0"/>
-              <a:buChar char="•"/>
-            </a:pPr>
-            <a:r>
-              <a:rPr lang="de-DE" dirty="0"/>
-              <a:t>EJB</a:t>
-            </a:r>
-          </a:p>
-          <a:p>
-            <a:pPr lvl="1"/>
-            <a:r>
-              <a:rPr lang="de-DE" dirty="0"/>
-              <a:t>Austausch der Daten</a:t>
-            </a:r>
-          </a:p>
-          <a:p>
-            <a:pPr lvl="1"/>
-            <a:r>
-              <a:rPr lang="de-DE" dirty="0"/>
-              <a:t>Bearbeitung der eingaben/ausgaben</a:t>
-            </a:r>
-          </a:p>
-          <a:p>
-            <a:pPr>
-              <a:buFont typeface="Arial" pitchFamily="34" charset="0"/>
-              <a:buChar char="•"/>
-            </a:pPr>
-            <a:r>
-              <a:rPr lang="de-DE" dirty="0"/>
-              <a:t>JSP</a:t>
-            </a:r>
-          </a:p>
-          <a:p>
-            <a:pPr lvl="1"/>
-            <a:r>
-              <a:rPr lang="de-DE" dirty="0"/>
-              <a:t>Bearbeitung der Daten zur visuellen </a:t>
-            </a:r>
-            <a:r>
-              <a:rPr lang="de-DE" dirty="0" err="1"/>
-              <a:t>darstellung</a:t>
-            </a:r>
-            <a:endParaRPr lang="de-DE" dirty="0"/>
-          </a:p>
-          <a:p>
-            <a:pPr lvl="1"/>
-            <a:r>
-              <a:rPr lang="de-DE" dirty="0"/>
-              <a:t>Weiter delegieren</a:t>
-            </a:r>
-          </a:p>
-          <a:p>
-            <a:endParaRPr lang="de-DE" dirty="0"/>
-          </a:p>
-        </p:txBody>
-      </p:sp>
+        </p:nvPicPr>
+        <p:blipFill>
+          <a:blip r:embed="rId2">
+            <a:extLst>
+              <a:ext uri="{28A0092B-C50C-407E-A947-70E740481C1C}">
+                <a14:useLocalDpi xmlns:a14="http://schemas.microsoft.com/office/drawing/2010/main" val="0"/>
+              </a:ext>
+            </a:extLst>
+          </a:blip>
+          <a:srcRect/>
+          <a:stretch>
+            <a:fillRect/>
+          </a:stretch>
+        </p:blipFill>
+        <p:spPr bwMode="auto">
+          <a:xfrm>
+            <a:off x="838200" y="2691276"/>
+            <a:ext cx="9906000" cy="3212173"/>
+          </a:xfrm>
+          <a:prstGeom prst="rect">
+            <a:avLst/>
+          </a:prstGeom>
+          <a:noFill/>
+          <a:extLst>
+            <a:ext uri="{909E8E84-426E-40DD-AFC4-6F175D3DCCD1}">
+              <a14:hiddenFill xmlns:a14="http://schemas.microsoft.com/office/drawing/2010/main">
+                <a:solidFill>
+                  <a:srgbClr val="FFFFFF"/>
+                </a:solidFill>
+              </a14:hiddenFill>
+            </a:ext>
+          </a:extLst>
+        </p:spPr>
+      </p:pic>
     </p:spTree>
     <p:extLst>
       <p:ext uri="{BB962C8B-B14F-4D97-AF65-F5344CB8AC3E}">
-        <p14:creationId xmlns:p14="http://schemas.microsoft.com/office/powerpoint/2010/main" val="983369168"/>
+        <p14:creationId xmlns:p14="http://schemas.microsoft.com/office/powerpoint/2010/main" val="2892428030"/>
       </p:ext>
     </p:extLst>
   </p:cSld>
   <p:clrMapOvr>
     <a:masterClrMapping/>
   </p:clrMapOvr>
+  <p:timing>
+    <p:tnLst>
+      <p:par>
+        <p:cTn id="1" dur="indefinite" restart="never" nodeType="tmRoot"/>
+      </p:par>
+    </p:tnLst>
+  </p:timing>
 </p:sld>
 </file>
 
@@ -11611,82 +11695,73 @@
           <a:lstStyle/>
           <a:p>
             <a:r>
-              <a:rPr lang="de-DE" dirty="0"/>
-              <a:t>Technologien</a:t>
-            </a:r>
-          </a:p>
-        </p:txBody>
-      </p:sp>
-      <p:sp>
-        <p:nvSpPr>
-          <p:cNvPr id="3" name="Inhaltsplatzhalter 2"/>
-          <p:cNvSpPr>
-            <a:spLocks noGrp="1"/>
-          </p:cNvSpPr>
+              <a:rPr lang="de-DE" dirty="0" smtClean="0"/>
+              <a:t>Designentscheidung</a:t>
+            </a:r>
+            <a:endParaRPr lang="de-DE" dirty="0"/>
+          </a:p>
+        </p:txBody>
+      </p:sp>
+      <p:pic>
+        <p:nvPicPr>
+          <p:cNvPr id="3074" name="Picture 2" descr="C:\Users\EnjoX\Downloads\selectedmatch.png"/>
+          <p:cNvPicPr>
+            <a:picLocks noGrp="1" noChangeAspect="1" noChangeArrowheads="1"/>
+          </p:cNvPicPr>
           <p:nvPr>
             <p:ph idx="1"/>
           </p:nvPr>
-        </p:nvSpPr>
-        <p:spPr/>
-        <p:txBody>
-          <a:bodyPr/>
-          <a:lstStyle/>
-          <a:p>
-            <a:pPr>
-              <a:buFont typeface="Arial" pitchFamily="34" charset="0"/>
-              <a:buChar char="•"/>
-            </a:pPr>
-            <a:r>
-              <a:rPr lang="de-DE" dirty="0"/>
-              <a:t>HTML</a:t>
-            </a:r>
-          </a:p>
-          <a:p>
-            <a:pPr lvl="1"/>
-            <a:r>
-              <a:rPr lang="de-DE" dirty="0"/>
-              <a:t>Formatierung</a:t>
-            </a:r>
-          </a:p>
-          <a:p>
-            <a:pPr lvl="1"/>
-            <a:r>
-              <a:rPr lang="de-DE" dirty="0"/>
-              <a:t>Darstellung</a:t>
-            </a:r>
-          </a:p>
-          <a:p>
-            <a:pPr>
-              <a:buFont typeface="Arial" pitchFamily="34" charset="0"/>
-              <a:buChar char="•"/>
-            </a:pPr>
-            <a:r>
-              <a:rPr lang="de-DE" dirty="0"/>
-              <a:t>CSS</a:t>
-            </a:r>
-          </a:p>
-          <a:p>
-            <a:pPr lvl="1"/>
-            <a:r>
-              <a:rPr lang="de-DE" dirty="0"/>
-              <a:t>Formatierung</a:t>
-            </a:r>
-          </a:p>
-          <a:p>
-            <a:endParaRPr lang="de-DE" dirty="0"/>
-          </a:p>
-        </p:txBody>
-      </p:sp>
+        </p:nvPicPr>
+        <p:blipFill>
+          <a:blip r:embed="rId2">
+            <a:extLst>
+              <a:ext uri="{28A0092B-C50C-407E-A947-70E740481C1C}">
+                <a14:useLocalDpi xmlns:a14="http://schemas.microsoft.com/office/drawing/2010/main" val="0"/>
+              </a:ext>
+            </a:extLst>
+          </a:blip>
+          <a:srcRect/>
+          <a:stretch>
+            <a:fillRect/>
+          </a:stretch>
+        </p:blipFill>
+        <p:spPr bwMode="auto">
+          <a:xfrm>
+            <a:off x="838200" y="2423108"/>
+            <a:ext cx="9906000" cy="3748508"/>
+          </a:xfrm>
+          <a:prstGeom prst="rect">
+            <a:avLst/>
+          </a:prstGeom>
+          <a:noFill/>
+          <a:extLst>
+            <a:ext uri="{909E8E84-426E-40DD-AFC4-6F175D3DCCD1}">
+              <a14:hiddenFill xmlns:a14="http://schemas.microsoft.com/office/drawing/2010/main">
+                <a:solidFill>
+                  <a:srgbClr val="FFFFFF"/>
+                </a:solidFill>
+              </a14:hiddenFill>
+            </a:ext>
+          </a:extLst>
+        </p:spPr>
+      </p:pic>
     </p:spTree>
     <p:extLst>
       <p:ext uri="{BB962C8B-B14F-4D97-AF65-F5344CB8AC3E}">
-        <p14:creationId xmlns:p14="http://schemas.microsoft.com/office/powerpoint/2010/main" val="258482285"/>
+        <p14:creationId xmlns:p14="http://schemas.microsoft.com/office/powerpoint/2010/main" val="1534743597"/>
       </p:ext>
     </p:extLst>
   </p:cSld>
   <p:clrMapOvr>
     <a:masterClrMapping/>
   </p:clrMapOvr>
+  <p:timing>
+    <p:tnLst>
+      <p:par>
+        <p:cTn id="1" dur="indefinite" restart="never" nodeType="tmRoot"/>
+      </p:par>
+    </p:tnLst>
+  </p:timing>
 </p:sld>
 </file>
 
@@ -11723,101 +11798,73 @@
           <a:lstStyle/>
           <a:p>
             <a:r>
-              <a:rPr lang="de-DE" dirty="0"/>
-              <a:t>Realisierung</a:t>
-            </a:r>
-          </a:p>
-        </p:txBody>
-      </p:sp>
-      <p:sp>
-        <p:nvSpPr>
-          <p:cNvPr id="3" name="Inhaltsplatzhalter 2"/>
-          <p:cNvSpPr>
-            <a:spLocks noGrp="1"/>
-          </p:cNvSpPr>
+              <a:rPr lang="de-DE" dirty="0" smtClean="0"/>
+              <a:t>Designentscheidung</a:t>
+            </a:r>
+            <a:endParaRPr lang="de-DE" dirty="0"/>
+          </a:p>
+        </p:txBody>
+      </p:sp>
+      <p:pic>
+        <p:nvPicPr>
+          <p:cNvPr id="4099" name="Picture 3" descr="C:\Users\EnjoX\Downloads\changeResult.png"/>
+          <p:cNvPicPr>
+            <a:picLocks noGrp="1" noChangeAspect="1" noChangeArrowheads="1"/>
+          </p:cNvPicPr>
           <p:nvPr>
             <p:ph idx="1"/>
           </p:nvPr>
-        </p:nvSpPr>
-        <p:spPr/>
-        <p:txBody>
-          <a:bodyPr/>
-          <a:lstStyle/>
-          <a:p>
-            <a:pPr>
-              <a:buFont typeface="Arial" pitchFamily="34" charset="0"/>
-              <a:buChar char="•"/>
-            </a:pPr>
-            <a:r>
-              <a:rPr lang="de-DE" dirty="0"/>
-              <a:t>Mischung vieler Technologien</a:t>
-            </a:r>
-          </a:p>
-          <a:p>
-            <a:pPr>
-              <a:buFont typeface="Arial" pitchFamily="34" charset="0"/>
-              <a:buChar char="•"/>
-            </a:pPr>
-            <a:r>
-              <a:rPr lang="de-DE" dirty="0"/>
-              <a:t>Zusammengeführt zu einem Großen</a:t>
-            </a:r>
-          </a:p>
-          <a:p>
-            <a:pPr>
-              <a:buFont typeface="Arial" pitchFamily="34" charset="0"/>
-              <a:buChar char="•"/>
-            </a:pPr>
-            <a:r>
-              <a:rPr lang="de-DE" dirty="0"/>
-              <a:t>Vorhandene EJB Komponente verwendet</a:t>
-            </a:r>
-          </a:p>
-          <a:p>
-            <a:pPr>
-              <a:buFont typeface="Arial" pitchFamily="34" charset="0"/>
-              <a:buChar char="•"/>
-            </a:pPr>
-            <a:r>
-              <a:rPr lang="de-DE" dirty="0"/>
-              <a:t>JSP hinzugefügt</a:t>
-            </a:r>
-          </a:p>
-          <a:p>
-            <a:pPr>
-              <a:buFont typeface="Arial" pitchFamily="34" charset="0"/>
-              <a:buChar char="•"/>
-            </a:pPr>
-            <a:r>
-              <a:rPr lang="de-DE" dirty="0"/>
-              <a:t>HTML hinzugefügt</a:t>
-            </a:r>
-          </a:p>
-          <a:p>
-            <a:pPr>
-              <a:buFont typeface="Arial" pitchFamily="34" charset="0"/>
-              <a:buChar char="•"/>
-            </a:pPr>
-            <a:r>
-              <a:rPr lang="de-DE" dirty="0"/>
-              <a:t>Keine Änderung am bestehenden Code</a:t>
-            </a:r>
-          </a:p>
-          <a:p>
-            <a:endParaRPr lang="de-DE" dirty="0"/>
-          </a:p>
-        </p:txBody>
-      </p:sp>
+        </p:nvPicPr>
+        <p:blipFill>
+          <a:blip r:embed="rId2">
+            <a:extLst>
+              <a:ext uri="{28A0092B-C50C-407E-A947-70E740481C1C}">
+                <a14:useLocalDpi xmlns:a14="http://schemas.microsoft.com/office/drawing/2010/main" val="0"/>
+              </a:ext>
+            </a:extLst>
+          </a:blip>
+          <a:srcRect/>
+          <a:stretch>
+            <a:fillRect/>
+          </a:stretch>
+        </p:blipFill>
+        <p:spPr bwMode="auto">
+          <a:xfrm>
+            <a:off x="1137751" y="2286000"/>
+            <a:ext cx="9306898" cy="4022725"/>
+          </a:xfrm>
+          <a:prstGeom prst="rect">
+            <a:avLst/>
+          </a:prstGeom>
+          <a:noFill/>
+          <a:extLst>
+            <a:ext uri="{909E8E84-426E-40DD-AFC4-6F175D3DCCD1}">
+              <a14:hiddenFill xmlns:a14="http://schemas.microsoft.com/office/drawing/2010/main">
+                <a:solidFill>
+                  <a:srgbClr val="FFFFFF"/>
+                </a:solidFill>
+              </a14:hiddenFill>
+            </a:ext>
+          </a:extLst>
+        </p:spPr>
+      </p:pic>
     </p:spTree>
     <p:extLst>
       <p:ext uri="{BB962C8B-B14F-4D97-AF65-F5344CB8AC3E}">
-        <p14:creationId xmlns:p14="http://schemas.microsoft.com/office/powerpoint/2010/main" val="2209947020"/>
+        <p14:creationId xmlns:p14="http://schemas.microsoft.com/office/powerpoint/2010/main" val="1469595031"/>
       </p:ext>
     </p:extLst>
   </p:cSld>
   <p:clrMapOvr>
     <a:masterClrMapping/>
   </p:clrMapOvr>
+  <p:timing>
+    <p:tnLst>
+      <p:par>
+        <p:cTn id="1" dur="indefinite" restart="never" nodeType="tmRoot"/>
+      </p:par>
+    </p:tnLst>
+  </p:timing>
 </p:sld>
 </file>
 
@@ -11840,7 +11887,7 @@
       </p:grpSpPr>
       <p:sp>
         <p:nvSpPr>
-          <p:cNvPr id="2" name="Title 1"/>
+          <p:cNvPr id="2" name="Titel 1"/>
           <p:cNvSpPr>
             <a:spLocks noGrp="1"/>
           </p:cNvSpPr>
@@ -11854,25 +11901,20 @@
           <a:lstStyle/>
           <a:p>
             <a:r>
-              <a:rPr lang="de-AT" dirty="0" err="1" smtClean="0"/>
-              <a:t>Corba</a:t>
-            </a:r>
-            <a:r>
-              <a:rPr lang="de-AT" dirty="0" smtClean="0"/>
-              <a:t> vs. Webservice</a:t>
-            </a:r>
-            <a:endParaRPr lang="de-AT" dirty="0"/>
-          </a:p>
-        </p:txBody>
-      </p:sp>
-      <p:sp>
-        <p:nvSpPr>
-          <p:cNvPr id="3" name="Content Placeholder 2"/>
-          <p:cNvSpPr>
-            <a:spLocks noGrp="1"/>
-          </p:cNvSpPr>
-          <p:nvPr>
-            <p:ph type="body" idx="1"/>
+              <a:rPr lang="de-DE" dirty="0"/>
+              <a:t>Technologien</a:t>
+            </a:r>
+          </a:p>
+        </p:txBody>
+      </p:sp>
+      <p:sp>
+        <p:nvSpPr>
+          <p:cNvPr id="3" name="Inhaltsplatzhalter 2"/>
+          <p:cNvSpPr>
+            <a:spLocks noGrp="1"/>
+          </p:cNvSpPr>
+          <p:nvPr>
+            <p:ph idx="1"/>
           </p:nvPr>
         </p:nvSpPr>
         <p:spPr/>
@@ -11880,35 +11922,80 @@
           <a:bodyPr/>
           <a:lstStyle/>
           <a:p>
-            <a:r>
-              <a:rPr lang="de-AT" dirty="0" smtClean="0"/>
-              <a:t>Beide Technologien bearbeiten das selbe Feld</a:t>
-            </a:r>
-          </a:p>
-          <a:p>
-            <a:r>
-              <a:rPr lang="de-AT" dirty="0" smtClean="0"/>
-              <a:t>Was ist besser?</a:t>
-            </a:r>
-          </a:p>
-          <a:p>
-            <a:pPr marL="0" indent="0">
-              <a:buNone/>
-            </a:pPr>
-            <a:endParaRPr lang="de-AT" dirty="0"/>
+            <a:pPr>
+              <a:buFont typeface="Arial" pitchFamily="34" charset="0"/>
+              <a:buChar char="•"/>
+            </a:pPr>
+            <a:r>
+              <a:rPr lang="de-DE" dirty="0"/>
+              <a:t>EJB</a:t>
+            </a:r>
+          </a:p>
+          <a:p>
+            <a:pPr lvl="1"/>
+            <a:r>
+              <a:rPr lang="de-DE" dirty="0"/>
+              <a:t>Austausch der Daten</a:t>
+            </a:r>
+          </a:p>
+          <a:p>
+            <a:pPr lvl="1"/>
+            <a:r>
+              <a:rPr lang="de-DE" dirty="0"/>
+              <a:t>Bearbeitung der eingaben/ausgaben</a:t>
+            </a:r>
+          </a:p>
+          <a:p>
+            <a:pPr>
+              <a:buFont typeface="Arial" pitchFamily="34" charset="0"/>
+              <a:buChar char="•"/>
+            </a:pPr>
+            <a:r>
+              <a:rPr lang="de-DE" dirty="0"/>
+              <a:t>JSP</a:t>
+            </a:r>
+          </a:p>
+          <a:p>
+            <a:pPr lvl="1"/>
+            <a:r>
+              <a:rPr lang="de-DE" dirty="0"/>
+              <a:t>Bearbeitung der Daten zur visuellen </a:t>
+            </a:r>
+            <a:r>
+              <a:rPr lang="de-DE" dirty="0" err="1"/>
+              <a:t>darstellung</a:t>
+            </a:r>
+            <a:endParaRPr lang="de-DE" dirty="0"/>
+          </a:p>
+          <a:p>
+            <a:pPr lvl="1"/>
+            <a:r>
+              <a:rPr lang="de-DE" dirty="0"/>
+              <a:t>Weiter delegieren</a:t>
+            </a:r>
+          </a:p>
+          <a:p>
+            <a:endParaRPr lang="de-DE" dirty="0"/>
           </a:p>
         </p:txBody>
       </p:sp>
     </p:spTree>
     <p:extLst>
       <p:ext uri="{BB962C8B-B14F-4D97-AF65-F5344CB8AC3E}">
-        <p14:creationId xmlns:p14="http://schemas.microsoft.com/office/powerpoint/2010/main" val="3473902407"/>
+        <p14:creationId xmlns:p14="http://schemas.microsoft.com/office/powerpoint/2010/main" val="983369168"/>
       </p:ext>
     </p:extLst>
   </p:cSld>
   <p:clrMapOvr>
     <a:masterClrMapping/>
   </p:clrMapOvr>
+  <p:timing>
+    <p:tnLst>
+      <p:par>
+        <p:cTn id="1" dur="indefinite" restart="never" nodeType="tmRoot"/>
+      </p:par>
+    </p:tnLst>
+  </p:timing>
 </p:sld>
 </file>
 
@@ -11931,12 +12018,12 @@
       </p:grpSpPr>
       <p:sp>
         <p:nvSpPr>
-          <p:cNvPr id="5" name="Text Placeholder 4"/>
-          <p:cNvSpPr>
-            <a:spLocks noGrp="1"/>
-          </p:cNvSpPr>
-          <p:nvPr>
-            <p:ph type="body" idx="1"/>
+          <p:cNvPr id="2" name="Titel 1"/>
+          <p:cNvSpPr>
+            <a:spLocks noGrp="1"/>
+          </p:cNvSpPr>
+          <p:nvPr>
+            <p:ph type="title"/>
           </p:nvPr>
         </p:nvSpPr>
         <p:spPr/>
@@ -11945,303 +12032,20 @@
           <a:lstStyle/>
           <a:p>
             <a:r>
-              <a:rPr lang="de-AT" dirty="0" err="1" smtClean="0"/>
-              <a:t>Corba</a:t>
-            </a:r>
-            <a:r>
-              <a:rPr lang="de-AT" dirty="0" smtClean="0"/>
-              <a:t> </a:t>
-            </a:r>
-            <a:r>
-              <a:rPr lang="de-AT" dirty="0" smtClean="0">
-                <a:solidFill>
-                  <a:srgbClr val="FF0000"/>
-                </a:solidFill>
-              </a:rPr>
-              <a:t>IDL</a:t>
-            </a:r>
-            <a:endParaRPr lang="de-AT" dirty="0">
-              <a:solidFill>
-                <a:srgbClr val="FF0000"/>
-              </a:solidFill>
-            </a:endParaRPr>
-          </a:p>
-        </p:txBody>
-      </p:sp>
-      <p:sp>
-        <p:nvSpPr>
-          <p:cNvPr id="3" name="Content Placeholder 2"/>
-          <p:cNvSpPr>
-            <a:spLocks noGrp="1"/>
-          </p:cNvSpPr>
-          <p:nvPr>
-            <p:ph sz="half" idx="2"/>
-          </p:nvPr>
-        </p:nvSpPr>
-        <p:spPr/>
-        <p:txBody>
-          <a:bodyPr>
-            <a:normAutofit fontScale="70000" lnSpcReduction="20000"/>
-          </a:bodyPr>
-          <a:lstStyle/>
-          <a:p>
-            <a:pPr marL="0" indent="0">
-              <a:buNone/>
-            </a:pPr>
-            <a:r>
-              <a:rPr lang="de-AT" sz="2000" dirty="0" err="1" smtClean="0">
-                <a:solidFill>
-                  <a:srgbClr val="FF0000"/>
-                </a:solidFill>
-              </a:rPr>
-              <a:t>interface</a:t>
-            </a:r>
-            <a:r>
-              <a:rPr lang="de-AT" sz="2000" dirty="0" smtClean="0">
-                <a:solidFill>
-                  <a:srgbClr val="FF0000"/>
-                </a:solidFill>
-              </a:rPr>
-              <a:t> </a:t>
-            </a:r>
-            <a:r>
-              <a:rPr lang="de-AT" sz="2000" dirty="0" err="1" smtClean="0"/>
-              <a:t>MatchresultDataprovider</a:t>
-            </a:r>
-            <a:endParaRPr lang="de-AT" sz="2000" dirty="0" smtClean="0"/>
-          </a:p>
-          <a:p>
-            <a:pPr marL="0" indent="0">
-              <a:buNone/>
-            </a:pPr>
-            <a:r>
-              <a:rPr lang="de-AT" sz="2000" dirty="0" smtClean="0"/>
-              <a:t>       {</a:t>
-            </a:r>
-          </a:p>
-          <a:p>
-            <a:pPr marL="0" indent="0">
-              <a:buNone/>
-            </a:pPr>
-            <a:r>
-              <a:rPr lang="de-AT" sz="2000" dirty="0" smtClean="0"/>
-              <a:t>            </a:t>
-            </a:r>
-            <a:r>
-              <a:rPr lang="de-AT" sz="2000" dirty="0" err="1" smtClean="0"/>
-              <a:t>MatchresultListCorba</a:t>
-            </a:r>
-            <a:r>
-              <a:rPr lang="de-AT" sz="2000" dirty="0" smtClean="0"/>
-              <a:t> </a:t>
-            </a:r>
-            <a:r>
-              <a:rPr lang="de-AT" sz="2000" dirty="0" err="1" smtClean="0"/>
-              <a:t>getMatchresults</a:t>
-            </a:r>
-            <a:r>
-              <a:rPr lang="de-AT" sz="2000" dirty="0" smtClean="0"/>
-              <a:t>(</a:t>
-            </a:r>
-          </a:p>
-          <a:p>
-            <a:pPr marL="0" indent="0">
-              <a:buNone/>
-            </a:pPr>
-            <a:r>
-              <a:rPr lang="de-AT" sz="2000" dirty="0" smtClean="0"/>
-              <a:t>		</a:t>
-            </a:r>
-            <a:r>
-              <a:rPr lang="de-AT" sz="2000" dirty="0" smtClean="0">
-                <a:solidFill>
-                  <a:srgbClr val="FF0000"/>
-                </a:solidFill>
-              </a:rPr>
-              <a:t>in</a:t>
-            </a:r>
-            <a:r>
-              <a:rPr lang="de-AT" sz="2000" dirty="0" smtClean="0"/>
-              <a:t> </a:t>
-            </a:r>
-            <a:r>
-              <a:rPr lang="de-AT" sz="2000" dirty="0" err="1" smtClean="0"/>
-              <a:t>string</a:t>
-            </a:r>
-            <a:r>
-              <a:rPr lang="de-AT" sz="2000" dirty="0" smtClean="0"/>
-              <a:t> </a:t>
-            </a:r>
-            <a:r>
-              <a:rPr lang="de-AT" sz="2000" dirty="0" err="1" smtClean="0"/>
-              <a:t>typeOfSport</a:t>
-            </a:r>
-            <a:r>
-              <a:rPr lang="de-AT" sz="2000" dirty="0" smtClean="0"/>
-              <a:t>,</a:t>
-            </a:r>
-          </a:p>
-          <a:p>
-            <a:pPr marL="0" indent="0">
-              <a:buNone/>
-            </a:pPr>
-            <a:r>
-              <a:rPr lang="de-AT" sz="2000" dirty="0" smtClean="0"/>
-              <a:t>		</a:t>
-            </a:r>
-            <a:r>
-              <a:rPr lang="de-AT" sz="2000" dirty="0" smtClean="0">
-                <a:solidFill>
-                  <a:srgbClr val="FF0000"/>
-                </a:solidFill>
-              </a:rPr>
-              <a:t>in</a:t>
-            </a:r>
-            <a:r>
-              <a:rPr lang="de-AT" sz="2000" dirty="0" smtClean="0"/>
-              <a:t> </a:t>
-            </a:r>
-            <a:r>
-              <a:rPr lang="de-AT" sz="2000" dirty="0" err="1" smtClean="0"/>
-              <a:t>string</a:t>
-            </a:r>
-            <a:r>
-              <a:rPr lang="de-AT" sz="2000" dirty="0" smtClean="0"/>
-              <a:t> </a:t>
-            </a:r>
-            <a:r>
-              <a:rPr lang="de-AT" sz="2000" dirty="0" err="1" smtClean="0"/>
-              <a:t>league</a:t>
-            </a:r>
-            <a:r>
-              <a:rPr lang="de-AT" sz="2000" dirty="0" smtClean="0"/>
-              <a:t>,</a:t>
-            </a:r>
-          </a:p>
-          <a:p>
-            <a:pPr marL="0" indent="0">
-              <a:buNone/>
-            </a:pPr>
-            <a:r>
-              <a:rPr lang="de-AT" sz="2000" dirty="0" smtClean="0"/>
-              <a:t>		</a:t>
-            </a:r>
-            <a:r>
-              <a:rPr lang="de-AT" sz="2000" dirty="0" smtClean="0">
-                <a:solidFill>
-                  <a:srgbClr val="FF0000"/>
-                </a:solidFill>
-              </a:rPr>
-              <a:t>in</a:t>
-            </a:r>
-            <a:r>
-              <a:rPr lang="de-AT" sz="2000" dirty="0" smtClean="0"/>
-              <a:t> </a:t>
-            </a:r>
-            <a:r>
-              <a:rPr lang="de-AT" sz="2000" dirty="0" err="1" smtClean="0"/>
-              <a:t>string</a:t>
-            </a:r>
-            <a:r>
-              <a:rPr lang="de-AT" sz="2000" dirty="0" smtClean="0"/>
-              <a:t> </a:t>
-            </a:r>
-            <a:r>
-              <a:rPr lang="de-AT" sz="2000" dirty="0" err="1" smtClean="0"/>
-              <a:t>compdate</a:t>
-            </a:r>
-            <a:r>
-              <a:rPr lang="de-AT" sz="2000" dirty="0" smtClean="0"/>
-              <a:t>);</a:t>
-            </a:r>
-          </a:p>
-          <a:p>
-            <a:pPr marL="0" indent="0">
-              <a:buNone/>
-            </a:pPr>
-            <a:endParaRPr lang="de-AT" sz="2000" dirty="0" smtClean="0"/>
-          </a:p>
-          <a:p>
-            <a:pPr marL="0" indent="0">
-              <a:buNone/>
-            </a:pPr>
-            <a:r>
-              <a:rPr lang="de-AT" sz="2000" dirty="0" smtClean="0"/>
-              <a:t>         </a:t>
-            </a:r>
-            <a:r>
-              <a:rPr lang="de-AT" sz="2000" dirty="0" err="1" smtClean="0"/>
-              <a:t>boolean</a:t>
-            </a:r>
-            <a:r>
-              <a:rPr lang="de-AT" sz="2000" dirty="0" smtClean="0"/>
-              <a:t> </a:t>
-            </a:r>
-            <a:r>
-              <a:rPr lang="de-AT" sz="2000" dirty="0" err="1" smtClean="0"/>
-              <a:t>isMatchresultFinal</a:t>
-            </a:r>
-            <a:r>
-              <a:rPr lang="de-AT" sz="2000" dirty="0" smtClean="0"/>
-              <a:t>(</a:t>
-            </a:r>
-          </a:p>
-          <a:p>
-            <a:pPr marL="0" indent="0">
-              <a:buNone/>
-            </a:pPr>
-            <a:r>
-              <a:rPr lang="de-AT" sz="2000" dirty="0" smtClean="0"/>
-              <a:t>		</a:t>
-            </a:r>
-            <a:r>
-              <a:rPr lang="de-AT" sz="2000" dirty="0" smtClean="0">
-                <a:solidFill>
-                  <a:srgbClr val="FF0000"/>
-                </a:solidFill>
-              </a:rPr>
-              <a:t>in</a:t>
-            </a:r>
-            <a:r>
-              <a:rPr lang="de-AT" sz="2000" dirty="0" smtClean="0"/>
-              <a:t> </a:t>
-            </a:r>
-            <a:r>
-              <a:rPr lang="de-AT" sz="2000" dirty="0" err="1" smtClean="0"/>
-              <a:t>MatchresultCorba</a:t>
-            </a:r>
-            <a:r>
-              <a:rPr lang="de-AT" sz="2000" dirty="0" smtClean="0"/>
-              <a:t> </a:t>
-            </a:r>
-            <a:r>
-              <a:rPr lang="de-AT" sz="2000" dirty="0" err="1" smtClean="0"/>
-              <a:t>result</a:t>
-            </a:r>
-            <a:r>
-              <a:rPr lang="de-AT" sz="2000" dirty="0" smtClean="0"/>
-              <a:t>); </a:t>
-            </a:r>
-          </a:p>
-          <a:p>
-            <a:pPr marL="0" indent="0">
-              <a:buNone/>
-            </a:pPr>
-            <a:r>
-              <a:rPr lang="de-AT" sz="2000" dirty="0" smtClean="0"/>
-              <a:t>        };</a:t>
-            </a:r>
-          </a:p>
-        </p:txBody>
-      </p:sp>
-      <p:sp>
-        <p:nvSpPr>
-          <p:cNvPr id="6" name="Text Placeholder 5"/>
-          <p:cNvSpPr>
-            <a:spLocks noGrp="1"/>
-          </p:cNvSpPr>
-          <p:nvPr>
-            <p:ph type="body" sz="quarter" idx="3"/>
+              <a:rPr lang="de-DE" dirty="0"/>
+              <a:t>Technologien</a:t>
+            </a:r>
+          </a:p>
+        </p:txBody>
+      </p:sp>
+      <p:sp>
+        <p:nvSpPr>
+          <p:cNvPr id="3" name="Inhaltsplatzhalter 2"/>
+          <p:cNvSpPr>
+            <a:spLocks noGrp="1"/>
+          </p:cNvSpPr>
+          <p:nvPr>
+            <p:ph idx="1"/>
           </p:nvPr>
         </p:nvSpPr>
         <p:spPr/>
@@ -12249,267 +12053,68 @@
           <a:bodyPr/>
           <a:lstStyle/>
           <a:p>
-            <a:r>
-              <a:rPr lang="de-AT" dirty="0" smtClean="0"/>
-              <a:t>Webservices</a:t>
-            </a:r>
-            <a:endParaRPr lang="de-AT" dirty="0"/>
-          </a:p>
-        </p:txBody>
-      </p:sp>
-      <p:sp>
-        <p:nvSpPr>
-          <p:cNvPr id="4" name="Content Placeholder 3"/>
-          <p:cNvSpPr>
-            <a:spLocks noGrp="1"/>
-          </p:cNvSpPr>
-          <p:nvPr>
-            <p:ph sz="quarter" idx="4"/>
-          </p:nvPr>
-        </p:nvSpPr>
-        <p:spPr/>
-        <p:txBody>
-          <a:bodyPr>
-            <a:normAutofit fontScale="85000" lnSpcReduction="10000"/>
-          </a:bodyPr>
-          <a:lstStyle/>
-          <a:p>
-            <a:pPr marL="0" indent="0">
-              <a:buNone/>
-            </a:pPr>
-            <a:r>
-              <a:rPr lang="en-US" sz="2000" dirty="0" smtClean="0">
-                <a:solidFill>
-                  <a:srgbClr val="FF0000"/>
-                </a:solidFill>
-              </a:rPr>
-              <a:t>@</a:t>
-            </a:r>
-            <a:r>
-              <a:rPr lang="en-US" sz="2000" dirty="0" err="1" smtClean="0">
-                <a:solidFill>
-                  <a:srgbClr val="FF0000"/>
-                </a:solidFill>
-              </a:rPr>
-              <a:t>WebService</a:t>
-            </a:r>
-            <a:r>
-              <a:rPr lang="en-US" sz="2000" dirty="0" smtClean="0">
-                <a:solidFill>
-                  <a:srgbClr val="FF0000"/>
-                </a:solidFill>
-              </a:rPr>
-              <a:t>(name = "</a:t>
-            </a:r>
-            <a:r>
-              <a:rPr lang="en-US" sz="2000" dirty="0" err="1" smtClean="0">
-                <a:solidFill>
-                  <a:srgbClr val="FF0000"/>
-                </a:solidFill>
-              </a:rPr>
-              <a:t>MatchSvc</a:t>
-            </a:r>
-            <a:r>
-              <a:rPr lang="en-US" sz="2000" dirty="0" smtClean="0">
-                <a:solidFill>
-                  <a:srgbClr val="FF0000"/>
-                </a:solidFill>
-              </a:rPr>
-              <a:t>")</a:t>
-            </a:r>
-          </a:p>
-          <a:p>
-            <a:pPr marL="0" indent="0">
-              <a:buNone/>
-            </a:pPr>
-            <a:r>
-              <a:rPr lang="en-US" sz="2000" dirty="0" smtClean="0"/>
-              <a:t>public class </a:t>
-            </a:r>
-            <a:r>
-              <a:rPr lang="en-US" sz="2000" dirty="0" err="1" smtClean="0"/>
-              <a:t>MatchService</a:t>
-            </a:r>
-            <a:endParaRPr lang="en-US" sz="2000" dirty="0" smtClean="0"/>
-          </a:p>
-          <a:p>
-            <a:pPr marL="0" indent="0">
-              <a:buNone/>
-            </a:pPr>
-            <a:r>
-              <a:rPr lang="en-US" sz="2000" dirty="0" smtClean="0"/>
-              <a:t>{</a:t>
-            </a:r>
-          </a:p>
-          <a:p>
-            <a:pPr marL="0" indent="0">
-              <a:buNone/>
-            </a:pPr>
-            <a:r>
-              <a:rPr lang="en-US" sz="2000" dirty="0" smtClean="0"/>
-              <a:t>    public </a:t>
-            </a:r>
-            <a:r>
-              <a:rPr lang="en-US" sz="2000" dirty="0" smtClean="0">
-                <a:solidFill>
-                  <a:srgbClr val="FF0000"/>
-                </a:solidFill>
-              </a:rPr>
-              <a:t>List&lt;</a:t>
-            </a:r>
-            <a:r>
-              <a:rPr lang="en-US" sz="2000" dirty="0" err="1" smtClean="0">
-                <a:solidFill>
-                  <a:srgbClr val="FF0000"/>
-                </a:solidFill>
-              </a:rPr>
-              <a:t>MatchresultWs</a:t>
-            </a:r>
-            <a:r>
-              <a:rPr lang="en-US" sz="2000" dirty="0" smtClean="0">
-                <a:solidFill>
-                  <a:srgbClr val="FF0000"/>
-                </a:solidFill>
-              </a:rPr>
-              <a:t>&gt; </a:t>
-            </a:r>
-            <a:r>
-              <a:rPr lang="en-US" sz="2000" dirty="0" err="1" smtClean="0"/>
-              <a:t>getMatches</a:t>
-            </a:r>
-            <a:r>
-              <a:rPr lang="en-US" sz="2000" dirty="0" smtClean="0"/>
-              <a:t>(</a:t>
-            </a:r>
-            <a:r>
-              <a:rPr lang="en-US" sz="2000" dirty="0" smtClean="0">
-                <a:solidFill>
-                  <a:srgbClr val="FF0000"/>
-                </a:solidFill>
-              </a:rPr>
-              <a:t>String</a:t>
-            </a:r>
-            <a:r>
-              <a:rPr lang="en-US" sz="2000" dirty="0" smtClean="0"/>
-              <a:t> </a:t>
-            </a:r>
-            <a:r>
-              <a:rPr lang="en-US" sz="2000" dirty="0" err="1" smtClean="0"/>
-              <a:t>competitiondate</a:t>
-            </a:r>
-            <a:r>
-              <a:rPr lang="en-US" sz="2000" dirty="0" smtClean="0"/>
-              <a:t>, </a:t>
-            </a:r>
-            <a:r>
-              <a:rPr lang="en-US" sz="2000" dirty="0" smtClean="0">
-                <a:solidFill>
-                  <a:srgbClr val="FF0000"/>
-                </a:solidFill>
-              </a:rPr>
-              <a:t>String</a:t>
-            </a:r>
-            <a:r>
-              <a:rPr lang="en-US" sz="2000" dirty="0" smtClean="0"/>
-              <a:t> league, </a:t>
-            </a:r>
-            <a:r>
-              <a:rPr lang="en-US" sz="2000" dirty="0" smtClean="0">
-                <a:solidFill>
-                  <a:srgbClr val="FF0000"/>
-                </a:solidFill>
-              </a:rPr>
-              <a:t>String</a:t>
-            </a:r>
-            <a:r>
-              <a:rPr lang="en-US" sz="2000" dirty="0" smtClean="0"/>
-              <a:t> </a:t>
-            </a:r>
-            <a:r>
-              <a:rPr lang="en-US" sz="2000" dirty="0" err="1" smtClean="0"/>
-              <a:t>typeOfSport</a:t>
-            </a:r>
-            <a:r>
-              <a:rPr lang="en-US" sz="2000" dirty="0" smtClean="0"/>
-              <a:t>)</a:t>
-            </a:r>
-          </a:p>
-          <a:p>
-            <a:pPr marL="0" indent="0">
-              <a:buNone/>
-            </a:pPr>
-            <a:r>
-              <a:rPr lang="en-US" sz="2000" dirty="0" smtClean="0"/>
-              <a:t>    {</a:t>
-            </a:r>
-          </a:p>
-          <a:p>
-            <a:pPr marL="0" indent="0">
-              <a:buNone/>
-            </a:pPr>
-            <a:r>
-              <a:rPr lang="en-US" sz="2000" dirty="0" smtClean="0"/>
-              <a:t>…</a:t>
-            </a:r>
-          </a:p>
-          <a:p>
-            <a:pPr marL="0" indent="0">
-              <a:buNone/>
-            </a:pPr>
-            <a:r>
-              <a:rPr lang="en-US" sz="2000" dirty="0"/>
-              <a:t> </a:t>
-            </a:r>
-            <a:r>
-              <a:rPr lang="en-US" sz="2000" dirty="0" smtClean="0"/>
-              <a:t>    }</a:t>
-            </a:r>
-          </a:p>
-          <a:p>
-            <a:pPr marL="0" indent="0">
-              <a:buNone/>
-            </a:pPr>
-            <a:r>
-              <a:rPr lang="en-US" sz="2000" dirty="0"/>
-              <a:t>}</a:t>
-            </a:r>
-            <a:endParaRPr lang="de-AT" sz="2000" dirty="0"/>
-          </a:p>
-        </p:txBody>
-      </p:sp>
-      <p:sp>
-        <p:nvSpPr>
-          <p:cNvPr id="2" name="Title 1"/>
-          <p:cNvSpPr>
-            <a:spLocks noGrp="1"/>
-          </p:cNvSpPr>
-          <p:nvPr>
-            <p:ph type="title"/>
-          </p:nvPr>
-        </p:nvSpPr>
-        <p:spPr/>
-        <p:txBody>
-          <a:bodyPr/>
-          <a:lstStyle/>
-          <a:p>
-            <a:r>
-              <a:rPr lang="de-AT" dirty="0" smtClean="0"/>
-              <a:t>Interfacedefinition</a:t>
-            </a:r>
-            <a:endParaRPr lang="de-AT" dirty="0"/>
+            <a:pPr>
+              <a:buFont typeface="Arial" pitchFamily="34" charset="0"/>
+              <a:buChar char="•"/>
+            </a:pPr>
+            <a:r>
+              <a:rPr lang="de-DE" dirty="0"/>
+              <a:t>HTML</a:t>
+            </a:r>
+          </a:p>
+          <a:p>
+            <a:pPr lvl="1"/>
+            <a:r>
+              <a:rPr lang="de-DE" dirty="0"/>
+              <a:t>Formatierung</a:t>
+            </a:r>
+          </a:p>
+          <a:p>
+            <a:pPr lvl="1"/>
+            <a:r>
+              <a:rPr lang="de-DE" dirty="0"/>
+              <a:t>Darstellung</a:t>
+            </a:r>
+          </a:p>
+          <a:p>
+            <a:pPr>
+              <a:buFont typeface="Arial" pitchFamily="34" charset="0"/>
+              <a:buChar char="•"/>
+            </a:pPr>
+            <a:r>
+              <a:rPr lang="de-DE" dirty="0"/>
+              <a:t>CSS</a:t>
+            </a:r>
+          </a:p>
+          <a:p>
+            <a:pPr lvl="1"/>
+            <a:r>
+              <a:rPr lang="de-DE" dirty="0"/>
+              <a:t>Formatierung</a:t>
+            </a:r>
+          </a:p>
+          <a:p>
+            <a:endParaRPr lang="de-DE" dirty="0"/>
           </a:p>
         </p:txBody>
       </p:sp>
     </p:spTree>
     <p:extLst>
       <p:ext uri="{BB962C8B-B14F-4D97-AF65-F5344CB8AC3E}">
-        <p14:creationId xmlns:p14="http://schemas.microsoft.com/office/powerpoint/2010/main" val="534916974"/>
+        <p14:creationId xmlns:p14="http://schemas.microsoft.com/office/powerpoint/2010/main" val="258482285"/>
       </p:ext>
     </p:extLst>
   </p:cSld>
   <p:clrMapOvr>
     <a:masterClrMapping/>
   </p:clrMapOvr>
+  <p:timing>
+    <p:tnLst>
+      <p:par>
+        <p:cTn id="1" dur="indefinite" restart="never" nodeType="tmRoot"/>
+      </p:par>
+    </p:tnLst>
+  </p:timing>
 </p:sld>
 </file>
 
@@ -12532,12 +12137,12 @@
       </p:grpSpPr>
       <p:sp>
         <p:nvSpPr>
-          <p:cNvPr id="5" name="Text Placeholder 4"/>
-          <p:cNvSpPr>
-            <a:spLocks noGrp="1"/>
-          </p:cNvSpPr>
-          <p:nvPr>
-            <p:ph type="body" idx="1"/>
+          <p:cNvPr id="2" name="Titel 1"/>
+          <p:cNvSpPr>
+            <a:spLocks noGrp="1"/>
+          </p:cNvSpPr>
+          <p:nvPr>
+            <p:ph type="title"/>
           </p:nvPr>
         </p:nvSpPr>
         <p:spPr/>
@@ -12546,229 +12151,20 @@
           <a:lstStyle/>
           <a:p>
             <a:r>
-              <a:rPr lang="de-AT" dirty="0" err="1" smtClean="0"/>
-              <a:t>Corba</a:t>
-            </a:r>
-            <a:r>
-              <a:rPr lang="de-AT" dirty="0" smtClean="0"/>
-              <a:t> </a:t>
-            </a:r>
-            <a:r>
-              <a:rPr lang="de-AT" dirty="0" smtClean="0">
-                <a:solidFill>
-                  <a:srgbClr val="FF0000"/>
-                </a:solidFill>
-              </a:rPr>
-              <a:t>IDL</a:t>
-            </a:r>
-            <a:endParaRPr lang="de-AT" dirty="0">
-              <a:solidFill>
-                <a:srgbClr val="FF0000"/>
-              </a:solidFill>
-            </a:endParaRPr>
-          </a:p>
-        </p:txBody>
-      </p:sp>
-      <p:sp>
-        <p:nvSpPr>
-          <p:cNvPr id="3" name="Content Placeholder 2"/>
-          <p:cNvSpPr>
-            <a:spLocks noGrp="1"/>
-          </p:cNvSpPr>
-          <p:nvPr>
-            <p:ph sz="half" idx="2"/>
-          </p:nvPr>
-        </p:nvSpPr>
-        <p:spPr/>
-        <p:txBody>
-          <a:bodyPr>
-            <a:normAutofit fontScale="85000" lnSpcReduction="20000"/>
-          </a:bodyPr>
-          <a:lstStyle/>
-          <a:p>
-            <a:pPr marL="0" indent="0">
-              <a:buNone/>
-            </a:pPr>
-            <a:r>
-              <a:rPr lang="de-AT" sz="2000" dirty="0" smtClean="0"/>
-              <a:t> </a:t>
-            </a:r>
-            <a:r>
-              <a:rPr lang="de-AT" sz="2000" dirty="0" err="1" smtClean="0">
-                <a:solidFill>
-                  <a:srgbClr val="FF0000"/>
-                </a:solidFill>
-              </a:rPr>
-              <a:t>struct</a:t>
-            </a:r>
-            <a:r>
-              <a:rPr lang="de-AT" sz="2000" dirty="0" smtClean="0">
-                <a:solidFill>
-                  <a:srgbClr val="FF0000"/>
-                </a:solidFill>
-              </a:rPr>
-              <a:t> </a:t>
-            </a:r>
-            <a:r>
-              <a:rPr lang="de-AT" sz="2000" dirty="0" err="1" smtClean="0"/>
-              <a:t>MatchresultCorba</a:t>
-            </a:r>
-            <a:endParaRPr lang="de-AT" sz="2000" dirty="0" smtClean="0"/>
-          </a:p>
-          <a:p>
-            <a:pPr marL="0" indent="0">
-              <a:buNone/>
-            </a:pPr>
-            <a:r>
-              <a:rPr lang="de-AT" sz="2000" dirty="0" smtClean="0"/>
-              <a:t>        {</a:t>
-            </a:r>
-          </a:p>
-          <a:p>
-            <a:pPr marL="0" indent="0">
-              <a:buNone/>
-            </a:pPr>
-            <a:r>
-              <a:rPr lang="de-AT" sz="2000" dirty="0" smtClean="0"/>
-              <a:t>            </a:t>
-            </a:r>
-            <a:r>
-              <a:rPr lang="de-AT" sz="2000" dirty="0" err="1" smtClean="0"/>
-              <a:t>long</a:t>
-            </a:r>
-            <a:r>
-              <a:rPr lang="de-AT" sz="2000" dirty="0" smtClean="0"/>
-              <a:t> </a:t>
-            </a:r>
-            <a:r>
-              <a:rPr lang="de-AT" sz="2000" dirty="0" err="1" smtClean="0"/>
-              <a:t>Id</a:t>
-            </a:r>
-            <a:r>
-              <a:rPr lang="de-AT" sz="2000" dirty="0" smtClean="0"/>
-              <a:t>;</a:t>
-            </a:r>
-          </a:p>
-          <a:p>
-            <a:pPr marL="0" indent="0">
-              <a:buNone/>
-            </a:pPr>
-            <a:r>
-              <a:rPr lang="de-AT" sz="2000" dirty="0" smtClean="0"/>
-              <a:t>            </a:t>
-            </a:r>
-            <a:r>
-              <a:rPr lang="de-AT" sz="2000" dirty="0" err="1" smtClean="0"/>
-              <a:t>string</a:t>
-            </a:r>
-            <a:r>
-              <a:rPr lang="de-AT" sz="2000" dirty="0" smtClean="0"/>
-              <a:t> Date;</a:t>
-            </a:r>
-          </a:p>
-          <a:p>
-            <a:pPr marL="0" indent="0">
-              <a:buNone/>
-            </a:pPr>
-            <a:r>
-              <a:rPr lang="de-AT" sz="2000" dirty="0" smtClean="0"/>
-              <a:t>            </a:t>
-            </a:r>
-            <a:r>
-              <a:rPr lang="de-AT" sz="2000" dirty="0" err="1" smtClean="0"/>
-              <a:t>string</a:t>
-            </a:r>
-            <a:r>
-              <a:rPr lang="de-AT" sz="2000" dirty="0" smtClean="0"/>
-              <a:t> </a:t>
-            </a:r>
-            <a:r>
-              <a:rPr lang="de-AT" sz="2000" dirty="0" err="1" smtClean="0"/>
-              <a:t>hometeam</a:t>
-            </a:r>
-            <a:r>
-              <a:rPr lang="de-AT" sz="2000" dirty="0" smtClean="0"/>
-              <a:t>;</a:t>
-            </a:r>
-          </a:p>
-          <a:p>
-            <a:pPr marL="0" indent="0">
-              <a:buNone/>
-            </a:pPr>
-            <a:r>
-              <a:rPr lang="de-AT" sz="2000" dirty="0" smtClean="0"/>
-              <a:t>            </a:t>
-            </a:r>
-            <a:r>
-              <a:rPr lang="de-AT" sz="2000" dirty="0" err="1" smtClean="0"/>
-              <a:t>string</a:t>
-            </a:r>
-            <a:r>
-              <a:rPr lang="de-AT" sz="2000" dirty="0" smtClean="0"/>
-              <a:t> </a:t>
-            </a:r>
-            <a:r>
-              <a:rPr lang="de-AT" sz="2000" dirty="0" err="1" smtClean="0"/>
-              <a:t>foreignteam</a:t>
-            </a:r>
-            <a:r>
-              <a:rPr lang="de-AT" sz="2000" dirty="0" smtClean="0"/>
-              <a:t>;</a:t>
-            </a:r>
-          </a:p>
-          <a:p>
-            <a:pPr marL="0" indent="0">
-              <a:buNone/>
-            </a:pPr>
-            <a:r>
-              <a:rPr lang="de-AT" sz="2000" dirty="0" smtClean="0"/>
-              <a:t>            double </a:t>
-            </a:r>
-            <a:r>
-              <a:rPr lang="de-AT" sz="2000" dirty="0" err="1" smtClean="0"/>
-              <a:t>pointsHometeam</a:t>
-            </a:r>
-            <a:r>
-              <a:rPr lang="de-AT" sz="2000" dirty="0" smtClean="0"/>
-              <a:t>;</a:t>
-            </a:r>
-          </a:p>
-          <a:p>
-            <a:pPr marL="0" indent="0">
-              <a:buNone/>
-            </a:pPr>
-            <a:r>
-              <a:rPr lang="de-AT" sz="2000" dirty="0" smtClean="0"/>
-              <a:t>            double </a:t>
-            </a:r>
-            <a:r>
-              <a:rPr lang="de-AT" sz="2000" dirty="0" err="1" smtClean="0"/>
-              <a:t>pointsForeignteam</a:t>
-            </a:r>
-            <a:r>
-              <a:rPr lang="de-AT" sz="2000" dirty="0" smtClean="0"/>
-              <a:t>;</a:t>
-            </a:r>
-          </a:p>
-          <a:p>
-            <a:pPr marL="0" indent="0">
-              <a:buNone/>
-            </a:pPr>
-            <a:r>
-              <a:rPr lang="de-AT" sz="2000" dirty="0" smtClean="0"/>
-              <a:t>        };</a:t>
-            </a:r>
-          </a:p>
-        </p:txBody>
-      </p:sp>
-      <p:sp>
-        <p:nvSpPr>
-          <p:cNvPr id="6" name="Text Placeholder 5"/>
-          <p:cNvSpPr>
-            <a:spLocks noGrp="1"/>
-          </p:cNvSpPr>
-          <p:nvPr>
-            <p:ph type="body" sz="quarter" idx="3"/>
+              <a:rPr lang="de-DE" dirty="0"/>
+              <a:t>Realisierung</a:t>
+            </a:r>
+          </a:p>
+        </p:txBody>
+      </p:sp>
+      <p:sp>
+        <p:nvSpPr>
+          <p:cNvPr id="3" name="Inhaltsplatzhalter 2"/>
+          <p:cNvSpPr>
+            <a:spLocks noGrp="1"/>
+          </p:cNvSpPr>
+          <p:nvPr>
+            <p:ph idx="1"/>
           </p:nvPr>
         </p:nvSpPr>
         <p:spPr/>
@@ -12776,370 +12172,87 @@
           <a:bodyPr/>
           <a:lstStyle/>
           <a:p>
-            <a:r>
-              <a:rPr lang="de-AT" dirty="0" smtClean="0"/>
-              <a:t>Webservices</a:t>
-            </a:r>
-            <a:endParaRPr lang="de-AT" dirty="0"/>
-          </a:p>
-        </p:txBody>
-      </p:sp>
-      <p:sp>
-        <p:nvSpPr>
-          <p:cNvPr id="4" name="Content Placeholder 3"/>
-          <p:cNvSpPr>
-            <a:spLocks noGrp="1"/>
-          </p:cNvSpPr>
-          <p:nvPr>
-            <p:ph sz="quarter" idx="4"/>
-          </p:nvPr>
-        </p:nvSpPr>
-        <p:spPr/>
-        <p:txBody>
-          <a:bodyPr>
-            <a:noAutofit/>
-          </a:bodyPr>
-          <a:lstStyle/>
-          <a:p>
-            <a:pPr marL="0" indent="0">
-              <a:buNone/>
-            </a:pPr>
-            <a:r>
-              <a:rPr lang="de-AT" sz="2000" dirty="0" smtClean="0">
-                <a:solidFill>
-                  <a:srgbClr val="FF0000"/>
-                </a:solidFill>
-              </a:rPr>
-              <a:t>@</a:t>
-            </a:r>
-            <a:r>
-              <a:rPr lang="de-AT" sz="2000" dirty="0" err="1" smtClean="0">
-                <a:solidFill>
-                  <a:srgbClr val="FF0000"/>
-                </a:solidFill>
-              </a:rPr>
-              <a:t>XmlType</a:t>
-            </a:r>
-            <a:r>
-              <a:rPr lang="de-AT" sz="2000" dirty="0" smtClean="0">
-                <a:solidFill>
-                  <a:srgbClr val="FF0000"/>
-                </a:solidFill>
-              </a:rPr>
-              <a:t>(</a:t>
-            </a:r>
-            <a:r>
-              <a:rPr lang="de-AT" sz="2000" dirty="0" err="1" smtClean="0">
-                <a:solidFill>
-                  <a:srgbClr val="FF0000"/>
-                </a:solidFill>
-              </a:rPr>
-              <a:t>propOrder</a:t>
-            </a:r>
-            <a:r>
-              <a:rPr lang="de-AT" sz="2000" dirty="0" smtClean="0">
-                <a:solidFill>
-                  <a:srgbClr val="FF0000"/>
-                </a:solidFill>
-              </a:rPr>
-              <a:t> = { "</a:t>
-            </a:r>
-            <a:r>
-              <a:rPr lang="de-AT" sz="2000" dirty="0" err="1" smtClean="0">
-                <a:solidFill>
-                  <a:srgbClr val="FF0000"/>
-                </a:solidFill>
-              </a:rPr>
-              <a:t>id</a:t>
-            </a:r>
-            <a:r>
-              <a:rPr lang="de-AT" sz="2000" dirty="0" smtClean="0">
-                <a:solidFill>
-                  <a:srgbClr val="FF0000"/>
-                </a:solidFill>
-              </a:rPr>
-              <a:t>", "</a:t>
-            </a:r>
-            <a:r>
-              <a:rPr lang="de-AT" sz="2000" dirty="0" err="1" smtClean="0">
-                <a:solidFill>
-                  <a:srgbClr val="FF0000"/>
-                </a:solidFill>
-              </a:rPr>
-              <a:t>date</a:t>
-            </a:r>
-            <a:r>
-              <a:rPr lang="de-AT" sz="2000" dirty="0" smtClean="0">
-                <a:solidFill>
-                  <a:srgbClr val="FF0000"/>
-                </a:solidFill>
-              </a:rPr>
-              <a:t>", …})</a:t>
-            </a:r>
-          </a:p>
-          <a:p>
-            <a:pPr marL="0" indent="0">
-              <a:buNone/>
-            </a:pPr>
-            <a:r>
-              <a:rPr lang="de-AT" sz="2000" dirty="0" err="1" smtClean="0"/>
-              <a:t>public</a:t>
-            </a:r>
-            <a:r>
-              <a:rPr lang="de-AT" sz="2000" dirty="0" smtClean="0"/>
-              <a:t> </a:t>
-            </a:r>
-            <a:r>
-              <a:rPr lang="de-AT" sz="2000" dirty="0" err="1" smtClean="0"/>
-              <a:t>class</a:t>
-            </a:r>
-            <a:r>
-              <a:rPr lang="de-AT" sz="2000" dirty="0" smtClean="0"/>
-              <a:t> </a:t>
-            </a:r>
-            <a:r>
-              <a:rPr lang="de-AT" sz="2000" dirty="0" err="1" smtClean="0"/>
-              <a:t>MatchresultWs</a:t>
-            </a:r>
-            <a:endParaRPr lang="de-AT" sz="2000" dirty="0" smtClean="0"/>
-          </a:p>
-          <a:p>
-            <a:pPr marL="0" indent="0">
-              <a:buNone/>
-            </a:pPr>
-            <a:r>
-              <a:rPr lang="de-AT" sz="2000" dirty="0" smtClean="0"/>
-              <a:t>{</a:t>
-            </a:r>
-          </a:p>
-          <a:p>
-            <a:pPr marL="0" indent="0">
-              <a:buNone/>
-            </a:pPr>
-            <a:r>
-              <a:rPr lang="de-AT" sz="2000" dirty="0" smtClean="0"/>
-              <a:t>…</a:t>
-            </a:r>
-          </a:p>
-          <a:p>
-            <a:pPr marL="0" indent="0">
-              <a:buNone/>
-            </a:pPr>
-            <a:endParaRPr lang="de-AT" sz="2000" dirty="0" smtClean="0"/>
-          </a:p>
-          <a:p>
-            <a:pPr marL="0" indent="0">
-              <a:buNone/>
-            </a:pPr>
-            <a:r>
-              <a:rPr lang="de-AT" sz="2000" dirty="0" smtClean="0">
-                <a:solidFill>
-                  <a:srgbClr val="FF0000"/>
-                </a:solidFill>
-              </a:rPr>
-              <a:t>    @</a:t>
-            </a:r>
-            <a:r>
-              <a:rPr lang="de-AT" sz="2000" dirty="0" err="1" smtClean="0">
-                <a:solidFill>
-                  <a:srgbClr val="FF0000"/>
-                </a:solidFill>
-              </a:rPr>
-              <a:t>XmlElement</a:t>
-            </a:r>
-            <a:r>
-              <a:rPr lang="de-AT" sz="2000" dirty="0" smtClean="0">
-                <a:solidFill>
-                  <a:srgbClr val="FF0000"/>
-                </a:solidFill>
-              </a:rPr>
-              <a:t>(</a:t>
-            </a:r>
-            <a:r>
-              <a:rPr lang="de-AT" sz="2000" dirty="0" err="1" smtClean="0">
-                <a:solidFill>
-                  <a:srgbClr val="FF0000"/>
-                </a:solidFill>
-              </a:rPr>
-              <a:t>name</a:t>
-            </a:r>
-            <a:r>
-              <a:rPr lang="de-AT" sz="2000" dirty="0" smtClean="0">
-                <a:solidFill>
-                  <a:srgbClr val="FF0000"/>
-                </a:solidFill>
-              </a:rPr>
-              <a:t> = "</a:t>
-            </a:r>
-            <a:r>
-              <a:rPr lang="de-AT" sz="2000" dirty="0" err="1" smtClean="0">
-                <a:solidFill>
-                  <a:srgbClr val="FF0000"/>
-                </a:solidFill>
-              </a:rPr>
-              <a:t>id</a:t>
-            </a:r>
-            <a:r>
-              <a:rPr lang="de-AT" sz="2000" dirty="0" smtClean="0">
-                <a:solidFill>
-                  <a:srgbClr val="FF0000"/>
-                </a:solidFill>
-              </a:rPr>
-              <a:t>", </a:t>
-            </a:r>
-            <a:r>
-              <a:rPr lang="de-AT" sz="2000" dirty="0" err="1" smtClean="0">
-                <a:solidFill>
-                  <a:srgbClr val="FF0000"/>
-                </a:solidFill>
-              </a:rPr>
-              <a:t>required</a:t>
-            </a:r>
-            <a:r>
-              <a:rPr lang="de-AT" sz="2000" dirty="0" smtClean="0">
-                <a:solidFill>
-                  <a:srgbClr val="FF0000"/>
-                </a:solidFill>
-              </a:rPr>
-              <a:t> = </a:t>
-            </a:r>
-            <a:r>
-              <a:rPr lang="de-AT" sz="2000" dirty="0" err="1" smtClean="0">
-                <a:solidFill>
-                  <a:srgbClr val="FF0000"/>
-                </a:solidFill>
-              </a:rPr>
-              <a:t>true</a:t>
-            </a:r>
-            <a:r>
-              <a:rPr lang="de-AT" sz="2000" dirty="0" smtClean="0">
-                <a:solidFill>
-                  <a:srgbClr val="FF0000"/>
-                </a:solidFill>
-              </a:rPr>
-              <a:t>)</a:t>
-            </a:r>
-          </a:p>
-          <a:p>
-            <a:pPr marL="0" indent="0">
-              <a:buNone/>
-            </a:pPr>
-            <a:r>
-              <a:rPr lang="de-AT" sz="2000" dirty="0" smtClean="0"/>
-              <a:t>    </a:t>
-            </a:r>
-            <a:r>
-              <a:rPr lang="de-AT" sz="2000" dirty="0" err="1" smtClean="0"/>
-              <a:t>public</a:t>
-            </a:r>
-            <a:r>
-              <a:rPr lang="de-AT" sz="2000" dirty="0" smtClean="0"/>
-              <a:t> </a:t>
-            </a:r>
-            <a:r>
-              <a:rPr lang="de-AT" sz="2000" dirty="0" err="1" smtClean="0"/>
-              <a:t>int</a:t>
-            </a:r>
-            <a:r>
-              <a:rPr lang="de-AT" sz="2000" dirty="0" smtClean="0"/>
-              <a:t> </a:t>
-            </a:r>
-            <a:r>
-              <a:rPr lang="de-AT" sz="2000" dirty="0" err="1" smtClean="0"/>
-              <a:t>getId</a:t>
-            </a:r>
-            <a:r>
-              <a:rPr lang="de-AT" sz="2000" dirty="0" smtClean="0"/>
-              <a:t>()</a:t>
-            </a:r>
-          </a:p>
-          <a:p>
-            <a:pPr marL="0" indent="0">
-              <a:buNone/>
-            </a:pPr>
-            <a:r>
-              <a:rPr lang="de-AT" sz="2000" dirty="0" smtClean="0"/>
-              <a:t>    {</a:t>
-            </a:r>
-          </a:p>
-          <a:p>
-            <a:pPr marL="0" indent="0">
-              <a:buNone/>
-            </a:pPr>
-            <a:r>
-              <a:rPr lang="de-AT" sz="2000" dirty="0" smtClean="0"/>
-              <a:t>        </a:t>
-            </a:r>
-            <a:r>
-              <a:rPr lang="de-AT" sz="2000" dirty="0" err="1" smtClean="0"/>
-              <a:t>return</a:t>
-            </a:r>
-            <a:r>
-              <a:rPr lang="de-AT" sz="2000" dirty="0" smtClean="0"/>
-              <a:t> </a:t>
-            </a:r>
-            <a:r>
-              <a:rPr lang="de-AT" sz="2000" dirty="0" err="1" smtClean="0"/>
-              <a:t>Id</a:t>
-            </a:r>
-            <a:r>
-              <a:rPr lang="de-AT" sz="2000" dirty="0" smtClean="0"/>
-              <a:t>;</a:t>
-            </a:r>
-          </a:p>
-          <a:p>
-            <a:pPr marL="0" indent="0">
-              <a:buNone/>
-            </a:pPr>
-            <a:r>
-              <a:rPr lang="de-AT" sz="2000" dirty="0" smtClean="0"/>
-              <a:t>    }</a:t>
-            </a:r>
-          </a:p>
-          <a:p>
-            <a:pPr marL="0" indent="0">
-              <a:buNone/>
-            </a:pPr>
-            <a:r>
-              <a:rPr lang="de-AT" sz="2000" dirty="0" smtClean="0"/>
-              <a:t>}</a:t>
-            </a:r>
-          </a:p>
-        </p:txBody>
-      </p:sp>
-      <p:sp>
-        <p:nvSpPr>
-          <p:cNvPr id="2" name="Title 1"/>
-          <p:cNvSpPr>
-            <a:spLocks noGrp="1"/>
-          </p:cNvSpPr>
-          <p:nvPr>
-            <p:ph type="title"/>
-          </p:nvPr>
-        </p:nvSpPr>
-        <p:spPr/>
-        <p:txBody>
-          <a:bodyPr/>
-          <a:lstStyle/>
-          <a:p>
-            <a:r>
-              <a:rPr lang="de-AT" dirty="0" smtClean="0"/>
-              <a:t>DTO Definition</a:t>
-            </a:r>
-            <a:endParaRPr lang="de-AT" dirty="0"/>
+            <a:pPr>
+              <a:buFont typeface="Arial" pitchFamily="34" charset="0"/>
+              <a:buChar char="•"/>
+            </a:pPr>
+            <a:r>
+              <a:rPr lang="de-DE" dirty="0"/>
+              <a:t>Mischung vieler Technologien</a:t>
+            </a:r>
+          </a:p>
+          <a:p>
+            <a:pPr>
+              <a:buFont typeface="Arial" pitchFamily="34" charset="0"/>
+              <a:buChar char="•"/>
+            </a:pPr>
+            <a:r>
+              <a:rPr lang="de-DE" dirty="0"/>
+              <a:t>Zusammengeführt zu einem Großen</a:t>
+            </a:r>
+          </a:p>
+          <a:p>
+            <a:pPr>
+              <a:buFont typeface="Arial" pitchFamily="34" charset="0"/>
+              <a:buChar char="•"/>
+            </a:pPr>
+            <a:r>
+              <a:rPr lang="de-DE" dirty="0"/>
+              <a:t>Vorhandene EJB Komponente verwendet</a:t>
+            </a:r>
+          </a:p>
+          <a:p>
+            <a:pPr>
+              <a:buFont typeface="Arial" pitchFamily="34" charset="0"/>
+              <a:buChar char="•"/>
+            </a:pPr>
+            <a:r>
+              <a:rPr lang="de-DE" dirty="0"/>
+              <a:t>JSP hinzugefügt</a:t>
+            </a:r>
+          </a:p>
+          <a:p>
+            <a:pPr>
+              <a:buFont typeface="Arial" pitchFamily="34" charset="0"/>
+              <a:buChar char="•"/>
+            </a:pPr>
+            <a:r>
+              <a:rPr lang="de-DE" dirty="0"/>
+              <a:t>HTML hinzugefügt</a:t>
+            </a:r>
+          </a:p>
+          <a:p>
+            <a:pPr>
+              <a:buFont typeface="Arial" pitchFamily="34" charset="0"/>
+              <a:buChar char="•"/>
+            </a:pPr>
+            <a:r>
+              <a:rPr lang="de-DE" dirty="0"/>
+              <a:t>Keine Änderung am bestehenden Code</a:t>
+            </a:r>
+          </a:p>
+          <a:p>
+            <a:endParaRPr lang="de-DE" dirty="0"/>
           </a:p>
         </p:txBody>
       </p:sp>
     </p:spTree>
     <p:extLst>
       <p:ext uri="{BB962C8B-B14F-4D97-AF65-F5344CB8AC3E}">
-        <p14:creationId xmlns:p14="http://schemas.microsoft.com/office/powerpoint/2010/main" val="285709205"/>
+        <p14:creationId xmlns:p14="http://schemas.microsoft.com/office/powerpoint/2010/main" val="2209947020"/>
       </p:ext>
     </p:extLst>
   </p:cSld>
   <p:clrMapOvr>
     <a:masterClrMapping/>
   </p:clrMapOvr>
+  <p:timing>
+    <p:tnLst>
+      <p:par>
+        <p:cTn id="1" dur="indefinite" restart="never" nodeType="tmRoot"/>
+      </p:par>
+    </p:tnLst>
+  </p:timing>
 </p:sld>
 </file>
 
@@ -13162,12 +12275,12 @@
       </p:grpSpPr>
       <p:sp>
         <p:nvSpPr>
-          <p:cNvPr id="3" name="Text Placeholder 2"/>
-          <p:cNvSpPr>
-            <a:spLocks noGrp="1"/>
-          </p:cNvSpPr>
-          <p:nvPr>
-            <p:ph type="body" idx="1"/>
+          <p:cNvPr id="2" name="Title 1"/>
+          <p:cNvSpPr>
+            <a:spLocks noGrp="1"/>
+          </p:cNvSpPr>
+          <p:nvPr>
+            <p:ph type="title"/>
           </p:nvPr>
         </p:nvSpPr>
         <p:spPr/>
@@ -13179,18 +12292,22 @@
               <a:rPr lang="de-AT" dirty="0" err="1" smtClean="0"/>
               <a:t>Corba</a:t>
             </a:r>
+            <a:r>
+              <a:rPr lang="de-AT" dirty="0" smtClean="0"/>
+              <a:t> vs. Webservice</a:t>
+            </a:r>
             <a:endParaRPr lang="de-AT" dirty="0"/>
           </a:p>
         </p:txBody>
       </p:sp>
       <p:sp>
         <p:nvSpPr>
-          <p:cNvPr id="4" name="Content Placeholder 3"/>
-          <p:cNvSpPr>
-            <a:spLocks noGrp="1"/>
-          </p:cNvSpPr>
-          <p:nvPr>
-            <p:ph sz="half" idx="2"/>
+          <p:cNvPr id="3" name="Content Placeholder 2"/>
+          <p:cNvSpPr>
+            <a:spLocks noGrp="1"/>
+          </p:cNvSpPr>
+          <p:nvPr>
+            <p:ph type="body" idx="1"/>
           </p:nvPr>
         </p:nvSpPr>
         <p:spPr/>
@@ -13199,90 +12316,20 @@
           <a:lstStyle/>
           <a:p>
             <a:r>
-              <a:rPr lang="de-AT" dirty="0" err="1" smtClean="0"/>
-              <a:t>Stubs</a:t>
-            </a:r>
-            <a:r>
               <a:rPr lang="de-AT" dirty="0" smtClean="0"/>
-              <a:t> müssen erzeugt werden IDLJ</a:t>
+              <a:t>Beide Technologien bearbeiten das selbe Feld</a:t>
             </a:r>
           </a:p>
           <a:p>
             <a:r>
               <a:rPr lang="de-AT" dirty="0" smtClean="0"/>
-              <a:t>Implementierung der Logik per Vererbung</a:t>
-            </a:r>
-          </a:p>
-          <a:p>
-            <a:endParaRPr lang="de-AT" dirty="0"/>
-          </a:p>
-        </p:txBody>
-      </p:sp>
-      <p:sp>
-        <p:nvSpPr>
-          <p:cNvPr id="5" name="Text Placeholder 4"/>
-          <p:cNvSpPr>
-            <a:spLocks noGrp="1"/>
-          </p:cNvSpPr>
-          <p:nvPr>
-            <p:ph type="body" sz="quarter" idx="3"/>
-          </p:nvPr>
-        </p:nvSpPr>
-        <p:spPr/>
-        <p:txBody>
-          <a:bodyPr/>
-          <a:lstStyle/>
-          <a:p>
-            <a:r>
-              <a:rPr lang="de-AT" dirty="0" smtClean="0"/>
-              <a:t>Webservices</a:t>
-            </a:r>
-            <a:endParaRPr lang="de-AT" dirty="0"/>
-          </a:p>
-        </p:txBody>
-      </p:sp>
-      <p:sp>
-        <p:nvSpPr>
-          <p:cNvPr id="6" name="Content Placeholder 5"/>
-          <p:cNvSpPr>
-            <a:spLocks noGrp="1"/>
-          </p:cNvSpPr>
-          <p:nvPr>
-            <p:ph sz="quarter" idx="4"/>
-          </p:nvPr>
-        </p:nvSpPr>
-        <p:spPr/>
-        <p:txBody>
-          <a:bodyPr/>
-          <a:lstStyle/>
-          <a:p>
-            <a:r>
-              <a:rPr lang="de-AT" dirty="0" smtClean="0"/>
-              <a:t>Logik wird direkt in die Definition programmiert</a:t>
-            </a:r>
-            <a:endParaRPr lang="de-AT" dirty="0"/>
-          </a:p>
-        </p:txBody>
-      </p:sp>
-      <p:sp>
-        <p:nvSpPr>
-          <p:cNvPr id="2" name="Title 1"/>
-          <p:cNvSpPr>
-            <a:spLocks noGrp="1"/>
-          </p:cNvSpPr>
-          <p:nvPr>
-            <p:ph type="title"/>
-          </p:nvPr>
-        </p:nvSpPr>
-        <p:spPr/>
-        <p:txBody>
-          <a:bodyPr/>
-          <a:lstStyle/>
-          <a:p>
-            <a:r>
-              <a:rPr lang="de-AT" dirty="0" smtClean="0"/>
-              <a:t>Server-Implementierung</a:t>
-            </a:r>
+              <a:t>Was ist besser?</a:t>
+            </a:r>
+          </a:p>
+          <a:p>
+            <a:pPr marL="0" indent="0">
+              <a:buNone/>
+            </a:pPr>
             <a:endParaRPr lang="de-AT" dirty="0"/>
           </a:p>
         </p:txBody>
@@ -13290,13 +12337,20 @@
     </p:spTree>
     <p:extLst>
       <p:ext uri="{BB962C8B-B14F-4D97-AF65-F5344CB8AC3E}">
-        <p14:creationId xmlns:p14="http://schemas.microsoft.com/office/powerpoint/2010/main" val="648403004"/>
+        <p14:creationId xmlns:p14="http://schemas.microsoft.com/office/powerpoint/2010/main" val="3473902407"/>
       </p:ext>
     </p:extLst>
   </p:cSld>
   <p:clrMapOvr>
     <a:masterClrMapping/>
   </p:clrMapOvr>
+  <p:timing>
+    <p:tnLst>
+      <p:par>
+        <p:cTn id="1" dur="indefinite" restart="never" nodeType="tmRoot"/>
+      </p:par>
+    </p:tnLst>
+  </p:timing>
 </p:sld>
 </file>
 
@@ -13319,7 +12373,7 @@
       </p:grpSpPr>
       <p:sp>
         <p:nvSpPr>
-          <p:cNvPr id="3" name="Text Placeholder 2"/>
+          <p:cNvPr id="5" name="Text Placeholder 4"/>
           <p:cNvSpPr>
             <a:spLocks noGrp="1"/>
           </p:cNvSpPr>
@@ -13336,13 +12390,29 @@
               <a:rPr lang="de-AT" dirty="0" err="1" smtClean="0"/>
               <a:t>Corba</a:t>
             </a:r>
-            <a:endParaRPr lang="de-AT" dirty="0"/>
-          </a:p>
-        </p:txBody>
-      </p:sp>
-      <p:sp>
-        <p:nvSpPr>
-          <p:cNvPr id="4" name="Content Placeholder 3"/>
+            <a:r>
+              <a:rPr lang="de-AT" dirty="0" smtClean="0"/>
+              <a:t> </a:t>
+            </a:r>
+            <a:r>
+              <a:rPr lang="de-AT" dirty="0" smtClean="0">
+                <a:solidFill>
+                  <a:srgbClr val="FF0000"/>
+                </a:solidFill>
+              </a:rPr>
+              <a:t>IDL</a:t>
+            </a:r>
+            <a:endParaRPr lang="de-AT" dirty="0">
+              <a:solidFill>
+                <a:srgbClr val="FF0000"/>
+              </a:solidFill>
+            </a:endParaRPr>
+          </a:p>
+        </p:txBody>
+      </p:sp>
+      <p:sp>
+        <p:nvSpPr>
+          <p:cNvPr id="3" name="Content Placeholder 2"/>
           <p:cNvSpPr>
             <a:spLocks noGrp="1"/>
           </p:cNvSpPr>
@@ -13353,7 +12423,7 @@
         <p:spPr/>
         <p:txBody>
           <a:bodyPr>
-            <a:normAutofit/>
+            <a:normAutofit fontScale="70000" lnSpcReduction="20000"/>
           </a:bodyPr>
           <a:lstStyle/>
           <a:p>
@@ -13361,36 +12431,96 @@
               <a:buNone/>
             </a:pPr>
             <a:r>
+              <a:rPr lang="de-AT" sz="2000" dirty="0" err="1" smtClean="0">
+                <a:solidFill>
+                  <a:srgbClr val="FF0000"/>
+                </a:solidFill>
+              </a:rPr>
+              <a:t>interface</a:t>
+            </a:r>
+            <a:r>
+              <a:rPr lang="de-AT" sz="2000" dirty="0" smtClean="0">
+                <a:solidFill>
+                  <a:srgbClr val="FF0000"/>
+                </a:solidFill>
+              </a:rPr>
+              <a:t> </a:t>
+            </a:r>
+            <a:r>
               <a:rPr lang="de-AT" sz="2000" dirty="0" err="1" smtClean="0"/>
-              <a:t>Runtime.getRuntime</a:t>
-            </a:r>
+              <a:t>MatchresultDataprovider</a:t>
+            </a:r>
+            <a:endParaRPr lang="de-AT" sz="2000" dirty="0" smtClean="0"/>
+          </a:p>
+          <a:p>
+            <a:pPr marL="0" indent="0">
+              <a:buNone/>
+            </a:pPr>
             <a:r>
               <a:rPr lang="de-AT" sz="2000" dirty="0" smtClean="0"/>
-              <a:t>().</a:t>
+              <a:t>       {</a:t>
+            </a:r>
+          </a:p>
+          <a:p>
+            <a:pPr marL="0" indent="0">
+              <a:buNone/>
+            </a:pPr>
+            <a:r>
+              <a:rPr lang="de-AT" sz="2000" dirty="0" smtClean="0"/>
+              <a:t>            </a:t>
             </a:r>
             <a:r>
               <a:rPr lang="de-AT" sz="2000" dirty="0" err="1" smtClean="0"/>
-              <a:t>exec</a:t>
+              <a:t>MatchresultListCorba</a:t>
             </a:r>
             <a:r>
               <a:rPr lang="de-AT" sz="2000" dirty="0" smtClean="0"/>
-              <a:t>("</a:t>
+              <a:t> </a:t>
             </a:r>
             <a:r>
               <a:rPr lang="de-AT" sz="2000" dirty="0" err="1" smtClean="0"/>
-              <a:t>orbd</a:t>
+              <a:t>getMatchresults</a:t>
             </a:r>
             <a:r>
               <a:rPr lang="de-AT" sz="2000" dirty="0" smtClean="0"/>
-              <a:t> -</a:t>
+              <a:t>(</a:t>
+            </a:r>
+          </a:p>
+          <a:p>
+            <a:pPr marL="0" indent="0">
+              <a:buNone/>
+            </a:pPr>
+            <a:r>
+              <a:rPr lang="de-AT" sz="2000" dirty="0" smtClean="0"/>
+              <a:t>		</a:t>
+            </a:r>
+            <a:r>
+              <a:rPr lang="de-AT" sz="2000" dirty="0" smtClean="0">
+                <a:solidFill>
+                  <a:srgbClr val="FF0000"/>
+                </a:solidFill>
+              </a:rPr>
+              <a:t>in</a:t>
+            </a:r>
+            <a:r>
+              <a:rPr lang="de-AT" sz="2000" dirty="0" smtClean="0"/>
+              <a:t> </a:t>
             </a:r>
             <a:r>
               <a:rPr lang="de-AT" sz="2000" dirty="0" err="1" smtClean="0"/>
-              <a:t>ORBInitialPort</a:t>
+              <a:t>string</a:t>
             </a:r>
             <a:r>
               <a:rPr lang="de-AT" sz="2000" dirty="0" smtClean="0"/>
-              <a:t> 2050");</a:t>
+              <a:t> </a:t>
+            </a:r>
+            <a:r>
+              <a:rPr lang="de-AT" sz="2000" dirty="0" err="1" smtClean="0"/>
+              <a:t>typeOfSport</a:t>
+            </a:r>
+            <a:r>
+              <a:rPr lang="de-AT" sz="2000" dirty="0" smtClean="0"/>
+              <a:t>,</a:t>
             </a:r>
           </a:p>
           <a:p>
@@ -13399,23 +12529,35 @@
             </a:pPr>
             <a:r>
               <a:rPr lang="de-AT" sz="2000" dirty="0" smtClean="0"/>
-              <a:t>String[] args1 = </a:t>
+              <a:t>		</a:t>
+            </a:r>
+            <a:r>
+              <a:rPr lang="de-AT" sz="2000" dirty="0" smtClean="0">
+                <a:solidFill>
+                  <a:srgbClr val="FF0000"/>
+                </a:solidFill>
+              </a:rPr>
+              <a:t>in</a:t>
+            </a:r>
+            <a:r>
+              <a:rPr lang="de-AT" sz="2000" dirty="0" smtClean="0"/>
+              <a:t> </a:t>
             </a:r>
             <a:r>
               <a:rPr lang="de-AT" sz="2000" dirty="0" err="1" smtClean="0"/>
-              <a:t>new</a:t>
+              <a:t>string</a:t>
             </a:r>
             <a:r>
               <a:rPr lang="de-AT" sz="2000" dirty="0" smtClean="0"/>
-              <a:t> String[] {"-</a:t>
+              <a:t> </a:t>
             </a:r>
             <a:r>
               <a:rPr lang="de-AT" sz="2000" dirty="0" err="1" smtClean="0"/>
-              <a:t>ORBInitialPort</a:t>
+              <a:t>league</a:t>
             </a:r>
             <a:r>
               <a:rPr lang="de-AT" sz="2000" dirty="0" smtClean="0"/>
-              <a:t>", "2050"};</a:t>
+              <a:t>,</a:t>
             </a:r>
           </a:p>
           <a:p>
@@ -13424,40 +12566,66 @@
             </a:pPr>
             <a:r>
               <a:rPr lang="de-AT" sz="2000" dirty="0" smtClean="0"/>
-              <a:t>ORB </a:t>
+              <a:t>		</a:t>
+            </a:r>
+            <a:r>
+              <a:rPr lang="de-AT" sz="2000" dirty="0" smtClean="0">
+                <a:solidFill>
+                  <a:srgbClr val="FF0000"/>
+                </a:solidFill>
+              </a:rPr>
+              <a:t>in</a:t>
+            </a:r>
+            <a:r>
+              <a:rPr lang="de-AT" sz="2000" dirty="0" smtClean="0"/>
+              <a:t> </a:t>
             </a:r>
             <a:r>
               <a:rPr lang="de-AT" sz="2000" dirty="0" err="1" smtClean="0"/>
-              <a:t>orb</a:t>
+              <a:t>string</a:t>
             </a:r>
             <a:r>
               <a:rPr lang="de-AT" sz="2000" dirty="0" smtClean="0"/>
-              <a:t> = </a:t>
+              <a:t> </a:t>
             </a:r>
             <a:r>
               <a:rPr lang="de-AT" sz="2000" dirty="0" err="1" smtClean="0"/>
-              <a:t>ORB.init</a:t>
+              <a:t>compdate</a:t>
             </a:r>
             <a:r>
               <a:rPr lang="de-AT" sz="2000" dirty="0" smtClean="0"/>
-              <a:t>(args1, null);</a:t>
+              <a:t>);</a:t>
             </a:r>
           </a:p>
           <a:p>
             <a:pPr marL="0" indent="0">
               <a:buNone/>
             </a:pPr>
+            <a:endParaRPr lang="de-AT" sz="2000" dirty="0" smtClean="0"/>
+          </a:p>
+          <a:p>
+            <a:pPr marL="0" indent="0">
+              <a:buNone/>
+            </a:pPr>
             <a:r>
               <a:rPr lang="de-AT" sz="2000" dirty="0" smtClean="0"/>
-              <a:t>… </a:t>
+              <a:t>         </a:t>
             </a:r>
             <a:r>
               <a:rPr lang="de-AT" sz="2000" dirty="0" err="1" smtClean="0"/>
-              <a:t>magic</a:t>
+              <a:t>boolean</a:t>
             </a:r>
             <a:r>
               <a:rPr lang="de-AT" sz="2000" dirty="0" smtClean="0"/>
-              <a:t>…</a:t>
+              <a:t> </a:t>
+            </a:r>
+            <a:r>
+              <a:rPr lang="de-AT" sz="2000" dirty="0" err="1" smtClean="0"/>
+              <a:t>isMatchresultFinal</a:t>
+            </a:r>
+            <a:r>
+              <a:rPr lang="de-AT" sz="2000" dirty="0" smtClean="0"/>
+              <a:t>(</a:t>
             </a:r>
           </a:p>
           <a:p>
@@ -13465,20 +12633,52 @@
               <a:buNone/>
             </a:pPr>
             <a:r>
+              <a:rPr lang="de-AT" sz="2000" dirty="0" smtClean="0"/>
+              <a:t>		</a:t>
+            </a:r>
+            <a:r>
+              <a:rPr lang="de-AT" sz="2000" dirty="0" smtClean="0">
+                <a:solidFill>
+                  <a:srgbClr val="FF0000"/>
+                </a:solidFill>
+              </a:rPr>
+              <a:t>in</a:t>
+            </a:r>
+            <a:r>
+              <a:rPr lang="de-AT" sz="2000" dirty="0" smtClean="0"/>
+              <a:t> </a:t>
+            </a:r>
+            <a:r>
               <a:rPr lang="de-AT" sz="2000" dirty="0" err="1" smtClean="0"/>
-              <a:t>orb.run</a:t>
+              <a:t>MatchresultCorba</a:t>
             </a:r>
             <a:r>
               <a:rPr lang="de-AT" sz="2000" dirty="0" smtClean="0"/>
-              <a:t>();</a:t>
-            </a:r>
-            <a:endParaRPr lang="de-AT" sz="2000" dirty="0"/>
-          </a:p>
-        </p:txBody>
-      </p:sp>
-      <p:sp>
-        <p:nvSpPr>
-          <p:cNvPr id="5" name="Text Placeholder 4"/>
+              <a:t> </a:t>
+            </a:r>
+            <a:r>
+              <a:rPr lang="de-AT" sz="2000" dirty="0" err="1" smtClean="0"/>
+              <a:t>result</a:t>
+            </a:r>
+            <a:r>
+              <a:rPr lang="de-AT" sz="2000" dirty="0" smtClean="0"/>
+              <a:t>); </a:t>
+            </a:r>
+          </a:p>
+          <a:p>
+            <a:pPr marL="0" indent="0">
+              <a:buNone/>
+            </a:pPr>
+            <a:r>
+              <a:rPr lang="de-AT" sz="2000" dirty="0" smtClean="0"/>
+              <a:t>        };</a:t>
+            </a:r>
+          </a:p>
+        </p:txBody>
+      </p:sp>
+      <p:sp>
+        <p:nvSpPr>
+          <p:cNvPr id="6" name="Text Placeholder 5"/>
           <p:cNvSpPr>
             <a:spLocks noGrp="1"/>
           </p:cNvSpPr>
@@ -13501,7 +12701,7 @@
       </p:sp>
       <p:sp>
         <p:nvSpPr>
-          <p:cNvPr id="6" name="Content Placeholder 5"/>
+          <p:cNvPr id="4" name="Content Placeholder 3"/>
           <p:cNvSpPr>
             <a:spLocks noGrp="1"/>
           </p:cNvSpPr>
@@ -13511,69 +12711,232 @@
         </p:nvSpPr>
         <p:spPr/>
         <p:txBody>
+          <a:bodyPr>
+            <a:normAutofit fontScale="85000" lnSpcReduction="10000"/>
+          </a:bodyPr>
+          <a:lstStyle/>
+          <a:p>
+            <a:pPr marL="0" indent="0">
+              <a:buNone/>
+            </a:pPr>
+            <a:r>
+              <a:rPr lang="en-US" sz="2000" dirty="0" smtClean="0">
+                <a:solidFill>
+                  <a:srgbClr val="FF0000"/>
+                </a:solidFill>
+              </a:rPr>
+              <a:t>@</a:t>
+            </a:r>
+            <a:r>
+              <a:rPr lang="en-US" sz="2000" dirty="0" err="1" smtClean="0">
+                <a:solidFill>
+                  <a:srgbClr val="FF0000"/>
+                </a:solidFill>
+              </a:rPr>
+              <a:t>WebService</a:t>
+            </a:r>
+            <a:r>
+              <a:rPr lang="en-US" sz="2000" dirty="0" smtClean="0">
+                <a:solidFill>
+                  <a:srgbClr val="FF0000"/>
+                </a:solidFill>
+              </a:rPr>
+              <a:t>(name = "</a:t>
+            </a:r>
+            <a:r>
+              <a:rPr lang="en-US" sz="2000" dirty="0" err="1" smtClean="0">
+                <a:solidFill>
+                  <a:srgbClr val="FF0000"/>
+                </a:solidFill>
+              </a:rPr>
+              <a:t>MatchSvc</a:t>
+            </a:r>
+            <a:r>
+              <a:rPr lang="en-US" sz="2000" dirty="0" smtClean="0">
+                <a:solidFill>
+                  <a:srgbClr val="FF0000"/>
+                </a:solidFill>
+              </a:rPr>
+              <a:t>")</a:t>
+            </a:r>
+          </a:p>
+          <a:p>
+            <a:pPr marL="0" indent="0">
+              <a:buNone/>
+            </a:pPr>
+            <a:r>
+              <a:rPr lang="en-US" sz="2000" dirty="0" smtClean="0"/>
+              <a:t>public class </a:t>
+            </a:r>
+            <a:r>
+              <a:rPr lang="en-US" sz="2000" dirty="0" err="1" smtClean="0"/>
+              <a:t>MatchService</a:t>
+            </a:r>
+            <a:endParaRPr lang="en-US" sz="2000" dirty="0" smtClean="0"/>
+          </a:p>
+          <a:p>
+            <a:pPr marL="0" indent="0">
+              <a:buNone/>
+            </a:pPr>
+            <a:r>
+              <a:rPr lang="en-US" sz="2000" dirty="0" smtClean="0"/>
+              <a:t>{</a:t>
+            </a:r>
+          </a:p>
+          <a:p>
+            <a:pPr marL="0" indent="0">
+              <a:buNone/>
+            </a:pPr>
+            <a:r>
+              <a:rPr lang="en-US" sz="2000" dirty="0" smtClean="0"/>
+              <a:t>    public </a:t>
+            </a:r>
+            <a:r>
+              <a:rPr lang="en-US" sz="2000" dirty="0" smtClean="0">
+                <a:solidFill>
+                  <a:srgbClr val="FF0000"/>
+                </a:solidFill>
+              </a:rPr>
+              <a:t>List&lt;</a:t>
+            </a:r>
+            <a:r>
+              <a:rPr lang="en-US" sz="2000" dirty="0" err="1" smtClean="0">
+                <a:solidFill>
+                  <a:srgbClr val="FF0000"/>
+                </a:solidFill>
+              </a:rPr>
+              <a:t>MatchresultWs</a:t>
+            </a:r>
+            <a:r>
+              <a:rPr lang="en-US" sz="2000" dirty="0" smtClean="0">
+                <a:solidFill>
+                  <a:srgbClr val="FF0000"/>
+                </a:solidFill>
+              </a:rPr>
+              <a:t>&gt; </a:t>
+            </a:r>
+            <a:r>
+              <a:rPr lang="en-US" sz="2000" dirty="0" err="1" smtClean="0"/>
+              <a:t>getMatches</a:t>
+            </a:r>
+            <a:r>
+              <a:rPr lang="en-US" sz="2000" dirty="0" smtClean="0"/>
+              <a:t>(</a:t>
+            </a:r>
+            <a:r>
+              <a:rPr lang="en-US" sz="2000" dirty="0" smtClean="0">
+                <a:solidFill>
+                  <a:srgbClr val="FF0000"/>
+                </a:solidFill>
+              </a:rPr>
+              <a:t>String</a:t>
+            </a:r>
+            <a:r>
+              <a:rPr lang="en-US" sz="2000" dirty="0" smtClean="0"/>
+              <a:t> </a:t>
+            </a:r>
+            <a:r>
+              <a:rPr lang="en-US" sz="2000" dirty="0" err="1" smtClean="0"/>
+              <a:t>competitiondate</a:t>
+            </a:r>
+            <a:r>
+              <a:rPr lang="en-US" sz="2000" dirty="0" smtClean="0"/>
+              <a:t>, </a:t>
+            </a:r>
+            <a:r>
+              <a:rPr lang="en-US" sz="2000" dirty="0" smtClean="0">
+                <a:solidFill>
+                  <a:srgbClr val="FF0000"/>
+                </a:solidFill>
+              </a:rPr>
+              <a:t>String</a:t>
+            </a:r>
+            <a:r>
+              <a:rPr lang="en-US" sz="2000" dirty="0" smtClean="0"/>
+              <a:t> league, </a:t>
+            </a:r>
+            <a:r>
+              <a:rPr lang="en-US" sz="2000" dirty="0" smtClean="0">
+                <a:solidFill>
+                  <a:srgbClr val="FF0000"/>
+                </a:solidFill>
+              </a:rPr>
+              <a:t>String</a:t>
+            </a:r>
+            <a:r>
+              <a:rPr lang="en-US" sz="2000" dirty="0" smtClean="0"/>
+              <a:t> </a:t>
+            </a:r>
+            <a:r>
+              <a:rPr lang="en-US" sz="2000" dirty="0" err="1" smtClean="0"/>
+              <a:t>typeOfSport</a:t>
+            </a:r>
+            <a:r>
+              <a:rPr lang="en-US" sz="2000" dirty="0" smtClean="0"/>
+              <a:t>)</a:t>
+            </a:r>
+          </a:p>
+          <a:p>
+            <a:pPr marL="0" indent="0">
+              <a:buNone/>
+            </a:pPr>
+            <a:r>
+              <a:rPr lang="en-US" sz="2000" dirty="0" smtClean="0"/>
+              <a:t>    {</a:t>
+            </a:r>
+          </a:p>
+          <a:p>
+            <a:pPr marL="0" indent="0">
+              <a:buNone/>
+            </a:pPr>
+            <a:r>
+              <a:rPr lang="en-US" sz="2000" dirty="0" smtClean="0"/>
+              <a:t>…</a:t>
+            </a:r>
+          </a:p>
+          <a:p>
+            <a:pPr marL="0" indent="0">
+              <a:buNone/>
+            </a:pPr>
+            <a:r>
+              <a:rPr lang="en-US" sz="2000" dirty="0"/>
+              <a:t> </a:t>
+            </a:r>
+            <a:r>
+              <a:rPr lang="en-US" sz="2000" dirty="0" smtClean="0"/>
+              <a:t>    }</a:t>
+            </a:r>
+          </a:p>
+          <a:p>
+            <a:pPr marL="0" indent="0">
+              <a:buNone/>
+            </a:pPr>
+            <a:r>
+              <a:rPr lang="en-US" sz="2000" dirty="0"/>
+              <a:t>}</a:t>
+            </a:r>
+            <a:endParaRPr lang="de-AT" sz="2000" dirty="0"/>
+          </a:p>
+        </p:txBody>
+      </p:sp>
+      <p:sp>
+        <p:nvSpPr>
+          <p:cNvPr id="2" name="Title 1"/>
+          <p:cNvSpPr>
+            <a:spLocks noGrp="1"/>
+          </p:cNvSpPr>
+          <p:nvPr>
+            <p:ph type="title"/>
+          </p:nvPr>
+        </p:nvSpPr>
+        <p:spPr/>
+        <p:txBody>
           <a:bodyPr/>
           <a:lstStyle/>
           <a:p>
             <a:r>
-              <a:rPr lang="en-US" dirty="0" err="1" smtClean="0"/>
-              <a:t>Endpoint.publish</a:t>
-            </a:r>
-            <a:r>
-              <a:rPr lang="en-US" dirty="0" smtClean="0"/>
-              <a:t>("http://localhost:8080/services", new </a:t>
-            </a:r>
-            <a:r>
-              <a:rPr lang="en-US" dirty="0" err="1" smtClean="0"/>
-              <a:t>MatchService</a:t>
-            </a:r>
-            <a:r>
-              <a:rPr lang="en-US" dirty="0" smtClean="0"/>
-              <a:t>())</a:t>
-            </a:r>
-          </a:p>
-          <a:p>
-            <a:r>
-              <a:rPr lang="en-US" dirty="0" err="1" smtClean="0"/>
-              <a:t>Veröffentlichung</a:t>
-            </a:r>
-            <a:r>
-              <a:rPr lang="en-US" dirty="0" smtClean="0"/>
-              <a:t> </a:t>
-            </a:r>
-            <a:r>
-              <a:rPr lang="en-US" dirty="0" err="1" smtClean="0"/>
-              <a:t>als</a:t>
-            </a:r>
-            <a:r>
-              <a:rPr lang="en-US" dirty="0" smtClean="0"/>
-              <a:t> .war</a:t>
-            </a:r>
-            <a:endParaRPr lang="de-AT" dirty="0"/>
-          </a:p>
-        </p:txBody>
-      </p:sp>
-      <p:sp>
-        <p:nvSpPr>
-          <p:cNvPr id="2" name="Title 1"/>
-          <p:cNvSpPr>
-            <a:spLocks noGrp="1"/>
-          </p:cNvSpPr>
-          <p:nvPr>
-            <p:ph type="title"/>
-          </p:nvPr>
-        </p:nvSpPr>
-        <p:spPr/>
-        <p:txBody>
-          <a:bodyPr/>
-          <a:lstStyle/>
-          <a:p>
-            <a:r>
               <a:rPr lang="de-AT" dirty="0" smtClean="0"/>
-              <a:t>Server-</a:t>
-            </a:r>
-            <a:r>
-              <a:rPr lang="de-AT" dirty="0" err="1" smtClean="0"/>
-              <a:t>Deployment</a:t>
+              <a:t>Interfacedefinition</a:t>
             </a:r>
             <a:endParaRPr lang="de-AT" dirty="0"/>
           </a:p>
@@ -13582,13 +12945,20 @@
     </p:spTree>
     <p:extLst>
       <p:ext uri="{BB962C8B-B14F-4D97-AF65-F5344CB8AC3E}">
-        <p14:creationId xmlns:p14="http://schemas.microsoft.com/office/powerpoint/2010/main" val="3247815555"/>
+        <p14:creationId xmlns:p14="http://schemas.microsoft.com/office/powerpoint/2010/main" val="534916974"/>
       </p:ext>
     </p:extLst>
   </p:cSld>
   <p:clrMapOvr>
     <a:masterClrMapping/>
   </p:clrMapOvr>
+  <p:timing>
+    <p:tnLst>
+      <p:par>
+        <p:cTn id="1" dur="indefinite" restart="never" nodeType="tmRoot"/>
+      </p:par>
+    </p:tnLst>
+  </p:timing>
 </p:sld>
 </file>
 
@@ -13669,6 +13039,13 @@
   <p:clrMapOvr>
     <a:masterClrMapping/>
   </p:clrMapOvr>
+  <p:timing>
+    <p:tnLst>
+      <p:par>
+        <p:cTn id="1" dur="indefinite" restart="never" nodeType="tmRoot"/>
+      </p:par>
+    </p:tnLst>
+  </p:timing>
 </p:sld>
 </file>
 
@@ -13691,7 +13068,7 @@
       </p:grpSpPr>
       <p:sp>
         <p:nvSpPr>
-          <p:cNvPr id="3" name="Text Placeholder 2"/>
+          <p:cNvPr id="5" name="Text Placeholder 4"/>
           <p:cNvSpPr>
             <a:spLocks noGrp="1"/>
           </p:cNvSpPr>
@@ -13708,13 +13085,29 @@
               <a:rPr lang="de-AT" dirty="0" err="1" smtClean="0"/>
               <a:t>Corba</a:t>
             </a:r>
-            <a:endParaRPr lang="de-AT" dirty="0"/>
-          </a:p>
-        </p:txBody>
-      </p:sp>
-      <p:sp>
-        <p:nvSpPr>
-          <p:cNvPr id="4" name="Content Placeholder 3"/>
+            <a:r>
+              <a:rPr lang="de-AT" dirty="0" smtClean="0"/>
+              <a:t> </a:t>
+            </a:r>
+            <a:r>
+              <a:rPr lang="de-AT" dirty="0" smtClean="0">
+                <a:solidFill>
+                  <a:srgbClr val="FF0000"/>
+                </a:solidFill>
+              </a:rPr>
+              <a:t>IDL</a:t>
+            </a:r>
+            <a:endParaRPr lang="de-AT" dirty="0">
+              <a:solidFill>
+                <a:srgbClr val="FF0000"/>
+              </a:solidFill>
+            </a:endParaRPr>
+          </a:p>
+        </p:txBody>
+      </p:sp>
+      <p:sp>
+        <p:nvSpPr>
+          <p:cNvPr id="3" name="Content Placeholder 2"/>
           <p:cNvSpPr>
             <a:spLocks noGrp="1"/>
           </p:cNvSpPr>
@@ -13724,30 +13117,189 @@
         </p:nvSpPr>
         <p:spPr/>
         <p:txBody>
-          <a:bodyPr/>
-          <a:lstStyle/>
-          <a:p>
-            <a:r>
-              <a:rPr lang="de-AT" dirty="0" err="1" smtClean="0"/>
-              <a:t>Commandozeile</a:t>
-            </a:r>
-            <a:r>
-              <a:rPr lang="de-AT" dirty="0" smtClean="0"/>
-              <a:t> IDLJ …</a:t>
-            </a:r>
-          </a:p>
-          <a:p>
-            <a:r>
-              <a:rPr lang="de-AT" dirty="0" smtClean="0"/>
-              <a:t>Kein update möglich</a:t>
-            </a:r>
-            <a:endParaRPr lang="de-AT" dirty="0"/>
-          </a:p>
-        </p:txBody>
-      </p:sp>
-      <p:sp>
-        <p:nvSpPr>
-          <p:cNvPr id="5" name="Text Placeholder 4"/>
+          <a:bodyPr>
+            <a:normAutofit fontScale="85000" lnSpcReduction="20000"/>
+          </a:bodyPr>
+          <a:lstStyle/>
+          <a:p>
+            <a:pPr marL="0" indent="0">
+              <a:buNone/>
+            </a:pPr>
+            <a:r>
+              <a:rPr lang="de-AT" sz="2000" dirty="0" smtClean="0"/>
+              <a:t> </a:t>
+            </a:r>
+            <a:r>
+              <a:rPr lang="de-AT" sz="2000" dirty="0" err="1" smtClean="0">
+                <a:solidFill>
+                  <a:srgbClr val="FF0000"/>
+                </a:solidFill>
+              </a:rPr>
+              <a:t>struct</a:t>
+            </a:r>
+            <a:r>
+              <a:rPr lang="de-AT" sz="2000" dirty="0" smtClean="0">
+                <a:solidFill>
+                  <a:srgbClr val="FF0000"/>
+                </a:solidFill>
+              </a:rPr>
+              <a:t> </a:t>
+            </a:r>
+            <a:r>
+              <a:rPr lang="de-AT" sz="2000" dirty="0" err="1" smtClean="0"/>
+              <a:t>MatchresultCorba</a:t>
+            </a:r>
+            <a:endParaRPr lang="de-AT" sz="2000" dirty="0" smtClean="0"/>
+          </a:p>
+          <a:p>
+            <a:pPr marL="0" indent="0">
+              <a:buNone/>
+            </a:pPr>
+            <a:r>
+              <a:rPr lang="de-AT" sz="2000" dirty="0" smtClean="0"/>
+              <a:t>        {</a:t>
+            </a:r>
+          </a:p>
+          <a:p>
+            <a:pPr marL="0" indent="0">
+              <a:buNone/>
+            </a:pPr>
+            <a:r>
+              <a:rPr lang="de-AT" sz="2000" dirty="0" smtClean="0"/>
+              <a:t>            </a:t>
+            </a:r>
+            <a:r>
+              <a:rPr lang="de-AT" sz="2000" dirty="0" err="1" smtClean="0"/>
+              <a:t>long</a:t>
+            </a:r>
+            <a:r>
+              <a:rPr lang="de-AT" sz="2000" dirty="0" smtClean="0"/>
+              <a:t> </a:t>
+            </a:r>
+            <a:r>
+              <a:rPr lang="de-AT" sz="2000" dirty="0" err="1" smtClean="0"/>
+              <a:t>Id</a:t>
+            </a:r>
+            <a:r>
+              <a:rPr lang="de-AT" sz="2000" dirty="0" smtClean="0"/>
+              <a:t>;</a:t>
+            </a:r>
+          </a:p>
+          <a:p>
+            <a:pPr marL="0" indent="0">
+              <a:buNone/>
+            </a:pPr>
+            <a:r>
+              <a:rPr lang="de-AT" sz="2000" dirty="0" smtClean="0"/>
+              <a:t>            </a:t>
+            </a:r>
+            <a:r>
+              <a:rPr lang="de-AT" sz="2000" dirty="0" err="1" smtClean="0"/>
+              <a:t>string</a:t>
+            </a:r>
+            <a:r>
+              <a:rPr lang="de-AT" sz="2000" dirty="0" smtClean="0"/>
+              <a:t> Date;</a:t>
+            </a:r>
+          </a:p>
+          <a:p>
+            <a:pPr marL="0" indent="0">
+              <a:buNone/>
+            </a:pPr>
+            <a:r>
+              <a:rPr lang="de-AT" sz="2000" dirty="0" smtClean="0"/>
+              <a:t>            </a:t>
+            </a:r>
+            <a:r>
+              <a:rPr lang="de-AT" sz="2000" dirty="0" err="1" smtClean="0"/>
+              <a:t>string</a:t>
+            </a:r>
+            <a:r>
+              <a:rPr lang="de-AT" sz="2000" dirty="0" smtClean="0"/>
+              <a:t> </a:t>
+            </a:r>
+            <a:r>
+              <a:rPr lang="de-AT" sz="2000" dirty="0" err="1" smtClean="0"/>
+              <a:t>hometeam</a:t>
+            </a:r>
+            <a:r>
+              <a:rPr lang="de-AT" sz="2000" dirty="0" smtClean="0"/>
+              <a:t>;</a:t>
+            </a:r>
+          </a:p>
+          <a:p>
+            <a:pPr marL="0" indent="0">
+              <a:buNone/>
+            </a:pPr>
+            <a:r>
+              <a:rPr lang="de-AT" sz="2000" dirty="0" smtClean="0"/>
+              <a:t>            </a:t>
+            </a:r>
+            <a:r>
+              <a:rPr lang="de-AT" sz="2000" dirty="0" err="1" smtClean="0"/>
+              <a:t>string</a:t>
+            </a:r>
+            <a:r>
+              <a:rPr lang="de-AT" sz="2000" dirty="0" smtClean="0"/>
+              <a:t> </a:t>
+            </a:r>
+            <a:r>
+              <a:rPr lang="de-AT" sz="2000" dirty="0" err="1" smtClean="0"/>
+              <a:t>foreignteam</a:t>
+            </a:r>
+            <a:r>
+              <a:rPr lang="de-AT" sz="2000" dirty="0" smtClean="0"/>
+              <a:t>;</a:t>
+            </a:r>
+          </a:p>
+          <a:p>
+            <a:pPr marL="0" indent="0">
+              <a:buNone/>
+            </a:pPr>
+            <a:r>
+              <a:rPr lang="de-AT" sz="2000" dirty="0" smtClean="0"/>
+              <a:t>            double </a:t>
+            </a:r>
+            <a:r>
+              <a:rPr lang="de-AT" sz="2000" dirty="0" err="1" smtClean="0"/>
+              <a:t>pointsHometeam</a:t>
+            </a:r>
+            <a:r>
+              <a:rPr lang="de-AT" sz="2000" dirty="0" smtClean="0"/>
+              <a:t>;</a:t>
+            </a:r>
+          </a:p>
+          <a:p>
+            <a:pPr marL="0" indent="0">
+              <a:buNone/>
+            </a:pPr>
+            <a:r>
+              <a:rPr lang="de-AT" sz="2000" dirty="0" smtClean="0"/>
+              <a:t>            double </a:t>
+            </a:r>
+            <a:r>
+              <a:rPr lang="de-AT" sz="2000" dirty="0" err="1" smtClean="0"/>
+              <a:t>pointsForeignteam</a:t>
+            </a:r>
+            <a:r>
+              <a:rPr lang="de-AT" sz="2000" dirty="0" smtClean="0"/>
+              <a:t>;</a:t>
+            </a:r>
+          </a:p>
+          <a:p>
+            <a:pPr marL="0" indent="0">
+              <a:buNone/>
+            </a:pPr>
+            <a:r>
+              <a:rPr lang="de-AT" sz="2000" dirty="0" smtClean="0"/>
+              <a:t>        };</a:t>
+            </a:r>
+          </a:p>
+        </p:txBody>
+      </p:sp>
+      <p:sp>
+        <p:nvSpPr>
+          <p:cNvPr id="6" name="Text Placeholder 5"/>
           <p:cNvSpPr>
             <a:spLocks noGrp="1"/>
           </p:cNvSpPr>
@@ -13770,7 +13322,7 @@
       </p:sp>
       <p:sp>
         <p:nvSpPr>
-          <p:cNvPr id="6" name="Content Placeholder 5"/>
+          <p:cNvPr id="4" name="Content Placeholder 3"/>
           <p:cNvSpPr>
             <a:spLocks noGrp="1"/>
           </p:cNvSpPr>
@@ -13780,65 +13332,335 @@
         </p:nvSpPr>
         <p:spPr/>
         <p:txBody>
+          <a:bodyPr>
+            <a:noAutofit/>
+          </a:bodyPr>
+          <a:lstStyle/>
+          <a:p>
+            <a:pPr marL="0" indent="0">
+              <a:buNone/>
+            </a:pPr>
+            <a:r>
+              <a:rPr lang="de-AT" sz="2000" dirty="0" smtClean="0">
+                <a:solidFill>
+                  <a:srgbClr val="FF0000"/>
+                </a:solidFill>
+              </a:rPr>
+              <a:t>@</a:t>
+            </a:r>
+            <a:r>
+              <a:rPr lang="de-AT" sz="2000" dirty="0" err="1" smtClean="0">
+                <a:solidFill>
+                  <a:srgbClr val="FF0000"/>
+                </a:solidFill>
+              </a:rPr>
+              <a:t>XmlType</a:t>
+            </a:r>
+            <a:r>
+              <a:rPr lang="de-AT" sz="2000" dirty="0" smtClean="0">
+                <a:solidFill>
+                  <a:srgbClr val="FF0000"/>
+                </a:solidFill>
+              </a:rPr>
+              <a:t>(</a:t>
+            </a:r>
+            <a:r>
+              <a:rPr lang="de-AT" sz="2000" dirty="0" err="1" smtClean="0">
+                <a:solidFill>
+                  <a:srgbClr val="FF0000"/>
+                </a:solidFill>
+              </a:rPr>
+              <a:t>propOrder</a:t>
+            </a:r>
+            <a:r>
+              <a:rPr lang="de-AT" sz="2000" dirty="0" smtClean="0">
+                <a:solidFill>
+                  <a:srgbClr val="FF0000"/>
+                </a:solidFill>
+              </a:rPr>
+              <a:t> = { "</a:t>
+            </a:r>
+            <a:r>
+              <a:rPr lang="de-AT" sz="2000" dirty="0" err="1" smtClean="0">
+                <a:solidFill>
+                  <a:srgbClr val="FF0000"/>
+                </a:solidFill>
+              </a:rPr>
+              <a:t>id</a:t>
+            </a:r>
+            <a:r>
+              <a:rPr lang="de-AT" sz="2000" dirty="0" smtClean="0">
+                <a:solidFill>
+                  <a:srgbClr val="FF0000"/>
+                </a:solidFill>
+              </a:rPr>
+              <a:t>", "</a:t>
+            </a:r>
+            <a:r>
+              <a:rPr lang="de-AT" sz="2000" dirty="0" err="1" smtClean="0">
+                <a:solidFill>
+                  <a:srgbClr val="FF0000"/>
+                </a:solidFill>
+              </a:rPr>
+              <a:t>date</a:t>
+            </a:r>
+            <a:r>
+              <a:rPr lang="de-AT" sz="2000" dirty="0" smtClean="0">
+                <a:solidFill>
+                  <a:srgbClr val="FF0000"/>
+                </a:solidFill>
+              </a:rPr>
+              <a:t>", …})</a:t>
+            </a:r>
+          </a:p>
+          <a:p>
+            <a:pPr marL="0" indent="0">
+              <a:buNone/>
+            </a:pPr>
+            <a:r>
+              <a:rPr lang="de-AT" sz="2000" dirty="0" err="1" smtClean="0"/>
+              <a:t>public</a:t>
+            </a:r>
+            <a:r>
+              <a:rPr lang="de-AT" sz="2000" dirty="0" smtClean="0"/>
+              <a:t> </a:t>
+            </a:r>
+            <a:r>
+              <a:rPr lang="de-AT" sz="2000" dirty="0" err="1" smtClean="0"/>
+              <a:t>class</a:t>
+            </a:r>
+            <a:r>
+              <a:rPr lang="de-AT" sz="2000" dirty="0" smtClean="0"/>
+              <a:t> </a:t>
+            </a:r>
+            <a:r>
+              <a:rPr lang="de-AT" sz="2000" dirty="0" err="1" smtClean="0"/>
+              <a:t>MatchresultWs</a:t>
+            </a:r>
+            <a:endParaRPr lang="de-AT" sz="2000" dirty="0" smtClean="0"/>
+          </a:p>
+          <a:p>
+            <a:pPr marL="0" indent="0">
+              <a:buNone/>
+            </a:pPr>
+            <a:r>
+              <a:rPr lang="de-AT" sz="2000" dirty="0" smtClean="0"/>
+              <a:t>{</a:t>
+            </a:r>
+          </a:p>
+          <a:p>
+            <a:pPr marL="0" indent="0">
+              <a:buNone/>
+            </a:pPr>
+            <a:r>
+              <a:rPr lang="de-AT" sz="2000" dirty="0" smtClean="0"/>
+              <a:t>…</a:t>
+            </a:r>
+          </a:p>
+          <a:p>
+            <a:pPr marL="0" indent="0">
+              <a:buNone/>
+            </a:pPr>
+            <a:endParaRPr lang="de-AT" sz="2000" dirty="0" smtClean="0"/>
+          </a:p>
+          <a:p>
+            <a:pPr marL="0" indent="0">
+              <a:buNone/>
+            </a:pPr>
+            <a:r>
+              <a:rPr lang="de-AT" sz="2000" dirty="0" smtClean="0">
+                <a:solidFill>
+                  <a:srgbClr val="FF0000"/>
+                </a:solidFill>
+              </a:rPr>
+              <a:t>    @</a:t>
+            </a:r>
+            <a:r>
+              <a:rPr lang="de-AT" sz="2000" dirty="0" err="1" smtClean="0">
+                <a:solidFill>
+                  <a:srgbClr val="FF0000"/>
+                </a:solidFill>
+              </a:rPr>
+              <a:t>XmlElement</a:t>
+            </a:r>
+            <a:r>
+              <a:rPr lang="de-AT" sz="2000" dirty="0" smtClean="0">
+                <a:solidFill>
+                  <a:srgbClr val="FF0000"/>
+                </a:solidFill>
+              </a:rPr>
+              <a:t>(</a:t>
+            </a:r>
+            <a:r>
+              <a:rPr lang="de-AT" sz="2000" dirty="0" err="1" smtClean="0">
+                <a:solidFill>
+                  <a:srgbClr val="FF0000"/>
+                </a:solidFill>
+              </a:rPr>
+              <a:t>name</a:t>
+            </a:r>
+            <a:r>
+              <a:rPr lang="de-AT" sz="2000" dirty="0" smtClean="0">
+                <a:solidFill>
+                  <a:srgbClr val="FF0000"/>
+                </a:solidFill>
+              </a:rPr>
+              <a:t> = "</a:t>
+            </a:r>
+            <a:r>
+              <a:rPr lang="de-AT" sz="2000" dirty="0" err="1" smtClean="0">
+                <a:solidFill>
+                  <a:srgbClr val="FF0000"/>
+                </a:solidFill>
+              </a:rPr>
+              <a:t>id</a:t>
+            </a:r>
+            <a:r>
+              <a:rPr lang="de-AT" sz="2000" dirty="0" smtClean="0">
+                <a:solidFill>
+                  <a:srgbClr val="FF0000"/>
+                </a:solidFill>
+              </a:rPr>
+              <a:t>", </a:t>
+            </a:r>
+            <a:r>
+              <a:rPr lang="de-AT" sz="2000" dirty="0" err="1" smtClean="0">
+                <a:solidFill>
+                  <a:srgbClr val="FF0000"/>
+                </a:solidFill>
+              </a:rPr>
+              <a:t>required</a:t>
+            </a:r>
+            <a:r>
+              <a:rPr lang="de-AT" sz="2000" dirty="0" smtClean="0">
+                <a:solidFill>
+                  <a:srgbClr val="FF0000"/>
+                </a:solidFill>
+              </a:rPr>
+              <a:t> = </a:t>
+            </a:r>
+            <a:r>
+              <a:rPr lang="de-AT" sz="2000" dirty="0" err="1" smtClean="0">
+                <a:solidFill>
+                  <a:srgbClr val="FF0000"/>
+                </a:solidFill>
+              </a:rPr>
+              <a:t>true</a:t>
+            </a:r>
+            <a:r>
+              <a:rPr lang="de-AT" sz="2000" dirty="0" smtClean="0">
+                <a:solidFill>
+                  <a:srgbClr val="FF0000"/>
+                </a:solidFill>
+              </a:rPr>
+              <a:t>)</a:t>
+            </a:r>
+          </a:p>
+          <a:p>
+            <a:pPr marL="0" indent="0">
+              <a:buNone/>
+            </a:pPr>
+            <a:r>
+              <a:rPr lang="de-AT" sz="2000" dirty="0" smtClean="0"/>
+              <a:t>    </a:t>
+            </a:r>
+            <a:r>
+              <a:rPr lang="de-AT" sz="2000" dirty="0" err="1" smtClean="0"/>
+              <a:t>public</a:t>
+            </a:r>
+            <a:r>
+              <a:rPr lang="de-AT" sz="2000" dirty="0" smtClean="0"/>
+              <a:t> </a:t>
+            </a:r>
+            <a:r>
+              <a:rPr lang="de-AT" sz="2000" dirty="0" err="1" smtClean="0"/>
+              <a:t>int</a:t>
+            </a:r>
+            <a:r>
+              <a:rPr lang="de-AT" sz="2000" dirty="0" smtClean="0"/>
+              <a:t> </a:t>
+            </a:r>
+            <a:r>
+              <a:rPr lang="de-AT" sz="2000" dirty="0" err="1" smtClean="0"/>
+              <a:t>getId</a:t>
+            </a:r>
+            <a:r>
+              <a:rPr lang="de-AT" sz="2000" dirty="0" smtClean="0"/>
+              <a:t>()</a:t>
+            </a:r>
+          </a:p>
+          <a:p>
+            <a:pPr marL="0" indent="0">
+              <a:buNone/>
+            </a:pPr>
+            <a:r>
+              <a:rPr lang="de-AT" sz="2000" dirty="0" smtClean="0"/>
+              <a:t>    {</a:t>
+            </a:r>
+          </a:p>
+          <a:p>
+            <a:pPr marL="0" indent="0">
+              <a:buNone/>
+            </a:pPr>
+            <a:r>
+              <a:rPr lang="de-AT" sz="2000" dirty="0" smtClean="0"/>
+              <a:t>        </a:t>
+            </a:r>
+            <a:r>
+              <a:rPr lang="de-AT" sz="2000" dirty="0" err="1" smtClean="0"/>
+              <a:t>return</a:t>
+            </a:r>
+            <a:r>
+              <a:rPr lang="de-AT" sz="2000" dirty="0" smtClean="0"/>
+              <a:t> </a:t>
+            </a:r>
+            <a:r>
+              <a:rPr lang="de-AT" sz="2000" dirty="0" err="1" smtClean="0"/>
+              <a:t>Id</a:t>
+            </a:r>
+            <a:r>
+              <a:rPr lang="de-AT" sz="2000" dirty="0" smtClean="0"/>
+              <a:t>;</a:t>
+            </a:r>
+          </a:p>
+          <a:p>
+            <a:pPr marL="0" indent="0">
+              <a:buNone/>
+            </a:pPr>
+            <a:r>
+              <a:rPr lang="de-AT" sz="2000" dirty="0" smtClean="0"/>
+              <a:t>    }</a:t>
+            </a:r>
+          </a:p>
+          <a:p>
+            <a:pPr marL="0" indent="0">
+              <a:buNone/>
+            </a:pPr>
+            <a:r>
+              <a:rPr lang="de-AT" sz="2000" dirty="0" smtClean="0"/>
+              <a:t>}</a:t>
+            </a:r>
+          </a:p>
+        </p:txBody>
+      </p:sp>
+      <p:sp>
+        <p:nvSpPr>
+          <p:cNvPr id="2" name="Title 1"/>
+          <p:cNvSpPr>
+            <a:spLocks noGrp="1"/>
+          </p:cNvSpPr>
+          <p:nvPr>
+            <p:ph type="title"/>
+          </p:nvPr>
+        </p:nvSpPr>
+        <p:spPr/>
+        <p:txBody>
           <a:bodyPr/>
           <a:lstStyle/>
           <a:p>
             <a:r>
               <a:rPr lang="de-AT" dirty="0" smtClean="0"/>
-              <a:t>In </a:t>
-            </a:r>
-            <a:r>
-              <a:rPr lang="de-AT" dirty="0" err="1" smtClean="0"/>
-              <a:t>VisualStudio</a:t>
-            </a:r>
-            <a:r>
-              <a:rPr lang="de-AT" dirty="0" smtClean="0"/>
-              <a:t> „</a:t>
-            </a:r>
-            <a:r>
-              <a:rPr lang="de-AT" dirty="0" err="1" smtClean="0"/>
-              <a:t>AddServiceReference</a:t>
-            </a:r>
-            <a:r>
-              <a:rPr lang="de-AT" dirty="0" smtClean="0"/>
-              <a:t>“ und dann den Pfad eingeben</a:t>
-            </a:r>
-          </a:p>
-          <a:p>
-            <a:r>
-              <a:rPr lang="de-AT" dirty="0" smtClean="0"/>
-              <a:t>Update möglich</a:t>
-            </a:r>
-            <a:endParaRPr lang="de-AT" dirty="0"/>
-          </a:p>
-        </p:txBody>
-      </p:sp>
-      <p:sp>
-        <p:nvSpPr>
-          <p:cNvPr id="2" name="Title 1"/>
-          <p:cNvSpPr>
-            <a:spLocks noGrp="1"/>
-          </p:cNvSpPr>
-          <p:nvPr>
-            <p:ph type="title"/>
-          </p:nvPr>
-        </p:nvSpPr>
-        <p:spPr/>
-        <p:txBody>
-          <a:bodyPr/>
-          <a:lstStyle/>
-          <a:p>
-            <a:r>
-              <a:rPr lang="de-AT" dirty="0" smtClean="0"/>
-              <a:t>Client-</a:t>
-            </a:r>
-            <a:r>
-              <a:rPr lang="de-AT" dirty="0" err="1" smtClean="0"/>
-              <a:t>Stubs</a:t>
-            </a:r>
-            <a:r>
-              <a:rPr lang="de-AT" dirty="0" smtClean="0"/>
-              <a:t> erzeugen</a:t>
+              <a:t>DTO Definition</a:t>
             </a:r>
             <a:endParaRPr lang="de-AT" dirty="0"/>
           </a:p>
@@ -13847,13 +13669,20 @@
     </p:spTree>
     <p:extLst>
       <p:ext uri="{BB962C8B-B14F-4D97-AF65-F5344CB8AC3E}">
-        <p14:creationId xmlns:p14="http://schemas.microsoft.com/office/powerpoint/2010/main" val="2495302384"/>
+        <p14:creationId xmlns:p14="http://schemas.microsoft.com/office/powerpoint/2010/main" val="285709205"/>
       </p:ext>
     </p:extLst>
   </p:cSld>
   <p:clrMapOvr>
     <a:masterClrMapping/>
   </p:clrMapOvr>
+  <p:timing>
+    <p:tnLst>
+      <p:par>
+        <p:cTn id="1" dur="indefinite" restart="never" nodeType="tmRoot"/>
+      </p:par>
+    </p:tnLst>
+  </p:timing>
 </p:sld>
 </file>
 
@@ -13909,199 +13738,26 @@
         </p:nvSpPr>
         <p:spPr/>
         <p:txBody>
-          <a:bodyPr>
-            <a:normAutofit fontScale="92500" lnSpcReduction="20000"/>
-          </a:bodyPr>
-          <a:lstStyle/>
-          <a:p>
-            <a:pPr marL="0" indent="0">
-              <a:buNone/>
-            </a:pPr>
-            <a:r>
-              <a:rPr lang="de-AT" sz="2000" dirty="0" smtClean="0"/>
-              <a:t>String[] args1 = </a:t>
-            </a:r>
-            <a:r>
-              <a:rPr lang="de-AT" sz="2000" dirty="0" err="1" smtClean="0"/>
-              <a:t>new</a:t>
-            </a:r>
-            <a:r>
-              <a:rPr lang="de-AT" sz="2000" dirty="0" smtClean="0"/>
-              <a:t> String[] {"-</a:t>
-            </a:r>
-            <a:r>
-              <a:rPr lang="de-AT" sz="2000" dirty="0" err="1" smtClean="0"/>
-              <a:t>ORBInitialPort</a:t>
-            </a:r>
-            <a:r>
-              <a:rPr lang="de-AT" sz="2000" dirty="0" smtClean="0"/>
-              <a:t>", "2050"};</a:t>
-            </a:r>
-          </a:p>
-          <a:p>
-            <a:pPr marL="0" indent="0">
-              <a:buNone/>
-            </a:pPr>
-            <a:r>
-              <a:rPr lang="de-AT" sz="2000" dirty="0" smtClean="0"/>
-              <a:t>ORB </a:t>
-            </a:r>
-            <a:r>
-              <a:rPr lang="de-AT" sz="2000" dirty="0" err="1" smtClean="0"/>
-              <a:t>orb</a:t>
-            </a:r>
-            <a:r>
-              <a:rPr lang="de-AT" sz="2000" dirty="0" smtClean="0"/>
-              <a:t> = </a:t>
-            </a:r>
-            <a:r>
-              <a:rPr lang="de-AT" sz="2000" dirty="0" err="1" smtClean="0"/>
-              <a:t>ORB.init</a:t>
-            </a:r>
-            <a:r>
-              <a:rPr lang="de-AT" sz="2000" dirty="0" smtClean="0"/>
-              <a:t>(args1, null);</a:t>
-            </a:r>
-          </a:p>
-          <a:p>
-            <a:pPr marL="0" indent="0">
-              <a:buNone/>
-            </a:pPr>
-            <a:r>
-              <a:rPr lang="de-AT" sz="2000" dirty="0" err="1" smtClean="0"/>
-              <a:t>org.omg.CORBA.Object</a:t>
-            </a:r>
-            <a:r>
-              <a:rPr lang="de-AT" sz="2000" dirty="0" smtClean="0"/>
-              <a:t> </a:t>
-            </a:r>
-            <a:r>
-              <a:rPr lang="de-AT" sz="2000" dirty="0" err="1" smtClean="0"/>
-              <a:t>objRef</a:t>
-            </a:r>
-            <a:r>
-              <a:rPr lang="de-AT" sz="2000" dirty="0" smtClean="0"/>
-              <a:t> = </a:t>
-            </a:r>
-            <a:r>
-              <a:rPr lang="de-AT" sz="2000" dirty="0" err="1" smtClean="0"/>
-              <a:t>orb.resolve_initial_references</a:t>
-            </a:r>
-            <a:r>
-              <a:rPr lang="de-AT" sz="2000" dirty="0" smtClean="0"/>
-              <a:t>("</a:t>
-            </a:r>
-            <a:r>
-              <a:rPr lang="de-AT" sz="2000" dirty="0" err="1" smtClean="0"/>
-              <a:t>NameService</a:t>
-            </a:r>
-            <a:r>
-              <a:rPr lang="de-AT" sz="2000" dirty="0" smtClean="0"/>
-              <a:t>");</a:t>
-            </a:r>
-          </a:p>
-          <a:p>
-            <a:pPr marL="0" indent="0">
-              <a:buNone/>
-            </a:pPr>
-            <a:r>
-              <a:rPr lang="de-AT" sz="2000" dirty="0" err="1" smtClean="0"/>
-              <a:t>NamingContextExt</a:t>
-            </a:r>
-            <a:r>
-              <a:rPr lang="de-AT" sz="2000" dirty="0" smtClean="0"/>
-              <a:t> </a:t>
-            </a:r>
-            <a:r>
-              <a:rPr lang="de-AT" sz="2000" dirty="0" err="1" smtClean="0"/>
-              <a:t>ncRef</a:t>
-            </a:r>
-            <a:r>
-              <a:rPr lang="de-AT" sz="2000" dirty="0" smtClean="0"/>
-              <a:t> = </a:t>
-            </a:r>
-            <a:r>
-              <a:rPr lang="de-AT" sz="2000" dirty="0" err="1" smtClean="0"/>
-              <a:t>NamingContextExtHelper.narrow</a:t>
-            </a:r>
-            <a:r>
-              <a:rPr lang="de-AT" sz="2000" dirty="0" smtClean="0"/>
-              <a:t>(</a:t>
-            </a:r>
-            <a:r>
-              <a:rPr lang="de-AT" sz="2000" dirty="0" err="1" smtClean="0"/>
-              <a:t>objRef</a:t>
-            </a:r>
-            <a:r>
-              <a:rPr lang="de-AT" sz="2000" dirty="0" smtClean="0"/>
-              <a:t>); </a:t>
-            </a:r>
-          </a:p>
-          <a:p>
-            <a:pPr marL="0" indent="0">
-              <a:buNone/>
-            </a:pPr>
-            <a:r>
-              <a:rPr lang="de-AT" sz="2000" dirty="0" err="1" smtClean="0">
-                <a:solidFill>
-                  <a:srgbClr val="FF0000"/>
-                </a:solidFill>
-              </a:rPr>
-              <a:t>MatchresultDataprovider</a:t>
-            </a:r>
-            <a:r>
-              <a:rPr lang="de-AT" sz="2000" dirty="0" smtClean="0">
-                <a:solidFill>
-                  <a:srgbClr val="FF0000"/>
-                </a:solidFill>
-              </a:rPr>
-              <a:t> </a:t>
-            </a:r>
-            <a:r>
-              <a:rPr lang="de-AT" sz="2000" dirty="0" err="1" smtClean="0">
-                <a:solidFill>
-                  <a:srgbClr val="FF0000"/>
-                </a:solidFill>
-              </a:rPr>
-              <a:t>matchresultDataprovider</a:t>
-            </a:r>
-            <a:r>
-              <a:rPr lang="de-AT" sz="2000" dirty="0" smtClean="0">
-                <a:solidFill>
-                  <a:srgbClr val="FF0000"/>
-                </a:solidFill>
-              </a:rPr>
-              <a:t> </a:t>
-            </a:r>
-            <a:r>
-              <a:rPr lang="de-AT" sz="2000" dirty="0" smtClean="0"/>
-              <a:t>= </a:t>
-            </a:r>
-            <a:r>
-              <a:rPr lang="de-AT" sz="2000" dirty="0" err="1" smtClean="0"/>
-              <a:t>MatchresultDataproviderHelper.narrow</a:t>
-            </a:r>
-            <a:r>
-              <a:rPr lang="de-AT" sz="2000" dirty="0" smtClean="0"/>
-              <a:t>(</a:t>
-            </a:r>
-            <a:r>
-              <a:rPr lang="de-AT" sz="2000" dirty="0" err="1" smtClean="0"/>
-              <a:t>ncRef.resolve_str</a:t>
-            </a:r>
-            <a:r>
-              <a:rPr lang="de-AT" sz="2000" dirty="0" smtClean="0"/>
-              <a:t>("</a:t>
-            </a:r>
-            <a:r>
-              <a:rPr lang="de-AT" sz="2000" dirty="0" err="1" smtClean="0"/>
-              <a:t>HelloObject</a:t>
-            </a:r>
-            <a:r>
-              <a:rPr lang="de-AT" sz="2000" dirty="0" smtClean="0"/>
-              <a:t>"));</a:t>
-            </a:r>
-            <a:endParaRPr lang="de-AT" sz="2000" dirty="0"/>
+          <a:bodyPr/>
+          <a:lstStyle/>
+          <a:p>
+            <a:r>
+              <a:rPr lang="de-AT" dirty="0" err="1" smtClean="0"/>
+              <a:t>Stubs</a:t>
+            </a:r>
+            <a:r>
+              <a:rPr lang="de-AT" dirty="0" smtClean="0"/>
+              <a:t> müssen erzeugt werden IDLJ</a:t>
+            </a:r>
+          </a:p>
+          <a:p>
+            <a:r>
+              <a:rPr lang="de-AT" dirty="0" smtClean="0"/>
+              <a:t>Implementierung der Logik per Vererbung</a:t>
+            </a:r>
+          </a:p>
+          <a:p>
+            <a:endParaRPr lang="de-AT" dirty="0"/>
           </a:p>
         </p:txBody>
       </p:sp>
@@ -14143,67 +13799,32 @@
           <a:bodyPr/>
           <a:lstStyle/>
           <a:p>
-            <a:pPr marL="0" indent="0">
-              <a:buNone/>
-            </a:pPr>
-            <a:r>
-              <a:rPr lang="de-AT" dirty="0" smtClean="0">
-                <a:solidFill>
-                  <a:srgbClr val="FF0000"/>
-                </a:solidFill>
-              </a:rPr>
-              <a:t>ServiceReference1.MatchSvcClient </a:t>
-            </a:r>
-            <a:r>
-              <a:rPr lang="de-AT" dirty="0" err="1" smtClean="0">
-                <a:solidFill>
-                  <a:srgbClr val="FF0000"/>
-                </a:solidFill>
-              </a:rPr>
-              <a:t>client</a:t>
-            </a:r>
-            <a:r>
-              <a:rPr lang="de-AT" dirty="0" smtClean="0">
-                <a:solidFill>
-                  <a:srgbClr val="FF0000"/>
-                </a:solidFill>
-              </a:rPr>
-              <a:t> </a:t>
-            </a:r>
             <a:r>
               <a:rPr lang="de-AT" dirty="0" smtClean="0"/>
-              <a:t>= </a:t>
-            </a:r>
-            <a:r>
-              <a:rPr lang="de-AT" dirty="0" err="1" smtClean="0"/>
-              <a:t>new</a:t>
-            </a:r>
+              <a:t>Logik wird direkt in die Definition programmiert</a:t>
+            </a:r>
+            <a:endParaRPr lang="de-AT" dirty="0"/>
+          </a:p>
+        </p:txBody>
+      </p:sp>
+      <p:sp>
+        <p:nvSpPr>
+          <p:cNvPr id="2" name="Title 1"/>
+          <p:cNvSpPr>
+            <a:spLocks noGrp="1"/>
+          </p:cNvSpPr>
+          <p:nvPr>
+            <p:ph type="title"/>
+          </p:nvPr>
+        </p:nvSpPr>
+        <p:spPr/>
+        <p:txBody>
+          <a:bodyPr/>
+          <a:lstStyle/>
+          <a:p>
             <a:r>
               <a:rPr lang="de-AT" dirty="0" smtClean="0"/>
-              <a:t> ServiceReference1.MatchSvcClient();</a:t>
-            </a:r>
-            <a:endParaRPr lang="de-AT" dirty="0"/>
-          </a:p>
-        </p:txBody>
-      </p:sp>
-      <p:sp>
-        <p:nvSpPr>
-          <p:cNvPr id="2" name="Title 1"/>
-          <p:cNvSpPr>
-            <a:spLocks noGrp="1"/>
-          </p:cNvSpPr>
-          <p:nvPr>
-            <p:ph type="title"/>
-          </p:nvPr>
-        </p:nvSpPr>
-        <p:spPr/>
-        <p:txBody>
-          <a:bodyPr/>
-          <a:lstStyle/>
-          <a:p>
-            <a:r>
-              <a:rPr lang="de-AT" dirty="0" smtClean="0"/>
-              <a:t>Client-Anbindung</a:t>
+              <a:t>Server-Implementierung</a:t>
             </a:r>
             <a:endParaRPr lang="de-AT" dirty="0"/>
           </a:p>
@@ -14212,13 +13833,20 @@
     </p:spTree>
     <p:extLst>
       <p:ext uri="{BB962C8B-B14F-4D97-AF65-F5344CB8AC3E}">
-        <p14:creationId xmlns:p14="http://schemas.microsoft.com/office/powerpoint/2010/main" val="4196813996"/>
+        <p14:creationId xmlns:p14="http://schemas.microsoft.com/office/powerpoint/2010/main" val="648403004"/>
       </p:ext>
     </p:extLst>
   </p:cSld>
   <p:clrMapOvr>
     <a:masterClrMapping/>
   </p:clrMapOvr>
+  <p:timing>
+    <p:tnLst>
+      <p:par>
+        <p:cTn id="1" dur="indefinite" restart="never" nodeType="tmRoot"/>
+      </p:par>
+    </p:tnLst>
+  </p:timing>
 </p:sld>
 </file>
 
@@ -14274,38 +13902,127 @@
         </p:nvSpPr>
         <p:spPr/>
         <p:txBody>
-          <a:bodyPr/>
+          <a:bodyPr>
+            <a:normAutofit/>
+          </a:bodyPr>
           <a:lstStyle/>
           <a:p>
             <a:pPr marL="0" indent="0">
               <a:buNone/>
             </a:pPr>
             <a:r>
-              <a:rPr lang="de-AT" dirty="0" smtClean="0"/>
-              <a:t>+ Plattformunabhängig</a:t>
-            </a:r>
-          </a:p>
-          <a:p>
-            <a:pPr>
-              <a:buFontTx/>
-              <a:buChar char="-"/>
-            </a:pPr>
-            <a:r>
-              <a:rPr lang="de-AT" dirty="0" err="1" smtClean="0"/>
-              <a:t>Commandozeile</a:t>
-            </a:r>
-            <a:endParaRPr lang="de-AT" dirty="0" smtClean="0"/>
-          </a:p>
-          <a:p>
-            <a:pPr>
-              <a:buFontTx/>
-              <a:buChar char="-"/>
-            </a:pPr>
-            <a:r>
-              <a:rPr lang="de-AT" dirty="0" smtClean="0"/>
-              <a:t>IDL File und Syntax</a:t>
-            </a:r>
-            <a:endParaRPr lang="de-AT" dirty="0"/>
+              <a:rPr lang="de-AT" sz="2000" dirty="0" err="1" smtClean="0"/>
+              <a:t>Runtime.getRuntime</a:t>
+            </a:r>
+            <a:r>
+              <a:rPr lang="de-AT" sz="2000" dirty="0" smtClean="0"/>
+              <a:t>().</a:t>
+            </a:r>
+            <a:r>
+              <a:rPr lang="de-AT" sz="2000" dirty="0" err="1" smtClean="0"/>
+              <a:t>exec</a:t>
+            </a:r>
+            <a:r>
+              <a:rPr lang="de-AT" sz="2000" dirty="0" smtClean="0"/>
+              <a:t>("</a:t>
+            </a:r>
+            <a:r>
+              <a:rPr lang="de-AT" sz="2000" dirty="0" err="1" smtClean="0"/>
+              <a:t>orbd</a:t>
+            </a:r>
+            <a:r>
+              <a:rPr lang="de-AT" sz="2000" dirty="0" smtClean="0"/>
+              <a:t> -</a:t>
+            </a:r>
+            <a:r>
+              <a:rPr lang="de-AT" sz="2000" dirty="0" err="1" smtClean="0"/>
+              <a:t>ORBInitialPort</a:t>
+            </a:r>
+            <a:r>
+              <a:rPr lang="de-AT" sz="2000" dirty="0" smtClean="0"/>
+              <a:t> 2050");</a:t>
+            </a:r>
+          </a:p>
+          <a:p>
+            <a:pPr marL="0" indent="0">
+              <a:buNone/>
+            </a:pPr>
+            <a:r>
+              <a:rPr lang="de-AT" sz="2000" dirty="0" smtClean="0"/>
+              <a:t>String[] args1 = </a:t>
+            </a:r>
+            <a:r>
+              <a:rPr lang="de-AT" sz="2000" dirty="0" err="1" smtClean="0"/>
+              <a:t>new</a:t>
+            </a:r>
+            <a:r>
+              <a:rPr lang="de-AT" sz="2000" dirty="0" smtClean="0"/>
+              <a:t> String[] {"-</a:t>
+            </a:r>
+            <a:r>
+              <a:rPr lang="de-AT" sz="2000" dirty="0" err="1" smtClean="0"/>
+              <a:t>ORBInitialPort</a:t>
+            </a:r>
+            <a:r>
+              <a:rPr lang="de-AT" sz="2000" dirty="0" smtClean="0"/>
+              <a:t>", "2050"};</a:t>
+            </a:r>
+          </a:p>
+          <a:p>
+            <a:pPr marL="0" indent="0">
+              <a:buNone/>
+            </a:pPr>
+            <a:r>
+              <a:rPr lang="de-AT" sz="2000" dirty="0" smtClean="0"/>
+              <a:t>ORB </a:t>
+            </a:r>
+            <a:r>
+              <a:rPr lang="de-AT" sz="2000" dirty="0" err="1" smtClean="0"/>
+              <a:t>orb</a:t>
+            </a:r>
+            <a:r>
+              <a:rPr lang="de-AT" sz="2000" dirty="0" smtClean="0"/>
+              <a:t> = </a:t>
+            </a:r>
+            <a:r>
+              <a:rPr lang="de-AT" sz="2000" dirty="0" err="1" smtClean="0"/>
+              <a:t>ORB.init</a:t>
+            </a:r>
+            <a:r>
+              <a:rPr lang="de-AT" sz="2000" dirty="0" smtClean="0"/>
+              <a:t>(args1, null);</a:t>
+            </a:r>
+          </a:p>
+          <a:p>
+            <a:pPr marL="0" indent="0">
+              <a:buNone/>
+            </a:pPr>
+            <a:r>
+              <a:rPr lang="de-AT" sz="2000" dirty="0" smtClean="0"/>
+              <a:t>… </a:t>
+            </a:r>
+            <a:r>
+              <a:rPr lang="de-AT" sz="2000" dirty="0" err="1" smtClean="0"/>
+              <a:t>magic</a:t>
+            </a:r>
+            <a:r>
+              <a:rPr lang="de-AT" sz="2000" dirty="0" smtClean="0"/>
+              <a:t>…</a:t>
+            </a:r>
+          </a:p>
+          <a:p>
+            <a:pPr marL="0" indent="0">
+              <a:buNone/>
+            </a:pPr>
+            <a:r>
+              <a:rPr lang="de-AT" sz="2000" dirty="0" err="1" smtClean="0"/>
+              <a:t>orb.run</a:t>
+            </a:r>
+            <a:r>
+              <a:rPr lang="de-AT" sz="2000" dirty="0" smtClean="0"/>
+              <a:t>();</a:t>
+            </a:r>
+            <a:endParaRPr lang="de-AT" sz="2000" dirty="0"/>
           </a:p>
         </p:txBody>
       </p:sp>
@@ -14344,122 +14061,69 @@
         </p:nvSpPr>
         <p:spPr/>
         <p:txBody>
-          <a:bodyPr>
-            <a:normAutofit lnSpcReduction="10000"/>
-          </a:bodyPr>
-          <a:lstStyle/>
-          <a:p>
-            <a:pPr marL="0" indent="0">
-              <a:buNone/>
-            </a:pPr>
+          <a:bodyPr/>
+          <a:lstStyle/>
+          <a:p>
+            <a:r>
+              <a:rPr lang="en-US" dirty="0" err="1" smtClean="0"/>
+              <a:t>Endpoint.publish</a:t>
+            </a:r>
+            <a:r>
+              <a:rPr lang="en-US" dirty="0" smtClean="0"/>
+              <a:t>("http://localhost:8080/services", new </a:t>
+            </a:r>
+            <a:r>
+              <a:rPr lang="en-US" dirty="0" err="1" smtClean="0"/>
+              <a:t>MatchService</a:t>
+            </a:r>
+            <a:r>
+              <a:rPr lang="en-US" dirty="0" smtClean="0"/>
+              <a:t>())</a:t>
+            </a:r>
+          </a:p>
+          <a:p>
+            <a:r>
+              <a:rPr lang="en-US" dirty="0" err="1" smtClean="0"/>
+              <a:t>Veröffentlichung</a:t>
+            </a:r>
+            <a:r>
+              <a:rPr lang="en-US" dirty="0" smtClean="0"/>
+              <a:t> </a:t>
+            </a:r>
+            <a:r>
+              <a:rPr lang="en-US" dirty="0" err="1" smtClean="0"/>
+              <a:t>als</a:t>
+            </a:r>
+            <a:r>
+              <a:rPr lang="en-US" dirty="0" smtClean="0"/>
+              <a:t> .war</a:t>
+            </a:r>
+            <a:endParaRPr lang="de-AT" dirty="0"/>
+          </a:p>
+        </p:txBody>
+      </p:sp>
+      <p:sp>
+        <p:nvSpPr>
+          <p:cNvPr id="2" name="Title 1"/>
+          <p:cNvSpPr>
+            <a:spLocks noGrp="1"/>
+          </p:cNvSpPr>
+          <p:nvPr>
+            <p:ph type="title"/>
+          </p:nvPr>
+        </p:nvSpPr>
+        <p:spPr/>
+        <p:txBody>
+          <a:bodyPr/>
+          <a:lstStyle/>
+          <a:p>
             <a:r>
               <a:rPr lang="de-AT" dirty="0" smtClean="0"/>
-              <a:t>+ Kann alles was auch </a:t>
+              <a:t>Server-</a:t>
             </a:r>
             <a:r>
               <a:rPr lang="de-AT" dirty="0" err="1" smtClean="0"/>
-              <a:t>Corba</a:t>
-            </a:r>
-            <a:r>
-              <a:rPr lang="de-AT" dirty="0" smtClean="0"/>
-              <a:t> kann</a:t>
-            </a:r>
-          </a:p>
-          <a:p>
-            <a:pPr marL="0" indent="0">
-              <a:buNone/>
-            </a:pPr>
-            <a:r>
-              <a:rPr lang="de-AT" dirty="0" smtClean="0"/>
-              <a:t>+ aktueller</a:t>
-            </a:r>
-          </a:p>
-          <a:p>
-            <a:pPr marL="0" indent="0">
-              <a:buNone/>
-            </a:pPr>
-            <a:r>
-              <a:rPr lang="de-AT" dirty="0" smtClean="0"/>
-              <a:t>+ Besseres </a:t>
-            </a:r>
-            <a:r>
-              <a:rPr lang="de-AT" dirty="0" err="1" smtClean="0"/>
-              <a:t>Tooling</a:t>
-            </a:r>
-            <a:r>
-              <a:rPr lang="de-AT" dirty="0" smtClean="0"/>
-              <a:t>, da kein IDL</a:t>
-            </a:r>
-          </a:p>
-          <a:p>
-            <a:pPr marL="0" indent="0">
-              <a:buNone/>
-            </a:pPr>
-            <a:r>
-              <a:rPr lang="de-AT" dirty="0" smtClean="0"/>
-              <a:t>+ Einfache Portierung von </a:t>
-            </a:r>
-            <a:r>
-              <a:rPr lang="de-AT" dirty="0" err="1" smtClean="0"/>
-              <a:t>Corba</a:t>
-            </a:r>
-            <a:endParaRPr lang="de-AT" dirty="0" smtClean="0"/>
-          </a:p>
-          <a:p>
-            <a:pPr>
-              <a:buFontTx/>
-              <a:buChar char="-"/>
-            </a:pPr>
-            <a:r>
-              <a:rPr lang="de-AT" dirty="0" smtClean="0"/>
-              <a:t>Braucht einen Webserver (</a:t>
-            </a:r>
-            <a:r>
-              <a:rPr lang="de-AT" dirty="0" err="1" smtClean="0"/>
-              <a:t>Glassfish</a:t>
-            </a:r>
-            <a:r>
-              <a:rPr lang="de-AT" dirty="0" smtClean="0"/>
-              <a:t>, IIS, usw.)</a:t>
-            </a:r>
-          </a:p>
-          <a:p>
-            <a:pPr>
-              <a:buFontTx/>
-              <a:buChar char="-"/>
-            </a:pPr>
-            <a:r>
-              <a:rPr lang="de-AT" dirty="0" smtClean="0"/>
-              <a:t>Für die Anbindung muss der Service aktiv sein</a:t>
-            </a:r>
-          </a:p>
-          <a:p>
-            <a:pPr>
-              <a:buFontTx/>
-              <a:buChar char="-"/>
-            </a:pPr>
-            <a:endParaRPr lang="de-AT" dirty="0"/>
-          </a:p>
-        </p:txBody>
-      </p:sp>
-      <p:sp>
-        <p:nvSpPr>
-          <p:cNvPr id="2" name="Title 1"/>
-          <p:cNvSpPr>
-            <a:spLocks noGrp="1"/>
-          </p:cNvSpPr>
-          <p:nvPr>
-            <p:ph type="title"/>
-          </p:nvPr>
-        </p:nvSpPr>
-        <p:spPr/>
-        <p:txBody>
-          <a:bodyPr/>
-          <a:lstStyle/>
-          <a:p>
-            <a:r>
-              <a:rPr lang="de-AT" dirty="0" smtClean="0"/>
-              <a:t>Fazit</a:t>
+              <a:t>Deployment</a:t>
             </a:r>
             <a:endParaRPr lang="de-AT" dirty="0"/>
           </a:p>
@@ -14468,13 +14132,20 @@
     </p:spTree>
     <p:extLst>
       <p:ext uri="{BB962C8B-B14F-4D97-AF65-F5344CB8AC3E}">
-        <p14:creationId xmlns:p14="http://schemas.microsoft.com/office/powerpoint/2010/main" val="2744333271"/>
+        <p14:creationId xmlns:p14="http://schemas.microsoft.com/office/powerpoint/2010/main" val="3247815555"/>
       </p:ext>
     </p:extLst>
   </p:cSld>
   <p:clrMapOvr>
     <a:masterClrMapping/>
   </p:clrMapOvr>
+  <p:timing>
+    <p:tnLst>
+      <p:par>
+        <p:cTn id="1" dur="indefinite" restart="never" nodeType="tmRoot"/>
+      </p:par>
+    </p:tnLst>
+  </p:timing>
 </p:sld>
 </file>
 
@@ -14497,7 +14168,131 @@
       </p:grpSpPr>
       <p:sp>
         <p:nvSpPr>
-          <p:cNvPr id="2" name="Titel 1"/>
+          <p:cNvPr id="3" name="Text Placeholder 2"/>
+          <p:cNvSpPr>
+            <a:spLocks noGrp="1"/>
+          </p:cNvSpPr>
+          <p:nvPr>
+            <p:ph type="body" idx="1"/>
+          </p:nvPr>
+        </p:nvSpPr>
+        <p:spPr/>
+        <p:txBody>
+          <a:bodyPr/>
+          <a:lstStyle/>
+          <a:p>
+            <a:r>
+              <a:rPr lang="de-AT" dirty="0" err="1" smtClean="0"/>
+              <a:t>Corba</a:t>
+            </a:r>
+            <a:endParaRPr lang="de-AT" dirty="0"/>
+          </a:p>
+        </p:txBody>
+      </p:sp>
+      <p:sp>
+        <p:nvSpPr>
+          <p:cNvPr id="4" name="Content Placeholder 3"/>
+          <p:cNvSpPr>
+            <a:spLocks noGrp="1"/>
+          </p:cNvSpPr>
+          <p:nvPr>
+            <p:ph sz="half" idx="2"/>
+          </p:nvPr>
+        </p:nvSpPr>
+        <p:spPr/>
+        <p:txBody>
+          <a:bodyPr/>
+          <a:lstStyle/>
+          <a:p>
+            <a:r>
+              <a:rPr lang="de-AT" dirty="0" err="1" smtClean="0"/>
+              <a:t>Commandozeile</a:t>
+            </a:r>
+            <a:r>
+              <a:rPr lang="de-AT" dirty="0" smtClean="0"/>
+              <a:t> IDLJ …</a:t>
+            </a:r>
+          </a:p>
+          <a:p>
+            <a:r>
+              <a:rPr lang="de-AT" dirty="0" smtClean="0"/>
+              <a:t>Kein update möglich</a:t>
+            </a:r>
+            <a:endParaRPr lang="de-AT" dirty="0"/>
+          </a:p>
+        </p:txBody>
+      </p:sp>
+      <p:sp>
+        <p:nvSpPr>
+          <p:cNvPr id="5" name="Text Placeholder 4"/>
+          <p:cNvSpPr>
+            <a:spLocks noGrp="1"/>
+          </p:cNvSpPr>
+          <p:nvPr>
+            <p:ph type="body" sz="quarter" idx="3"/>
+          </p:nvPr>
+        </p:nvSpPr>
+        <p:spPr/>
+        <p:txBody>
+          <a:bodyPr/>
+          <a:lstStyle/>
+          <a:p>
+            <a:r>
+              <a:rPr lang="de-AT" dirty="0" smtClean="0"/>
+              <a:t>Webservices</a:t>
+            </a:r>
+            <a:endParaRPr lang="de-AT" dirty="0"/>
+          </a:p>
+        </p:txBody>
+      </p:sp>
+      <p:sp>
+        <p:nvSpPr>
+          <p:cNvPr id="6" name="Content Placeholder 5"/>
+          <p:cNvSpPr>
+            <a:spLocks noGrp="1"/>
+          </p:cNvSpPr>
+          <p:nvPr>
+            <p:ph sz="quarter" idx="4"/>
+          </p:nvPr>
+        </p:nvSpPr>
+        <p:spPr/>
+        <p:txBody>
+          <a:bodyPr/>
+          <a:lstStyle/>
+          <a:p>
+            <a:r>
+              <a:rPr lang="de-AT" dirty="0" smtClean="0"/>
+              <a:t>In </a:t>
+            </a:r>
+            <a:r>
+              <a:rPr lang="de-AT" dirty="0" err="1" smtClean="0"/>
+              <a:t>VisualStudio</a:t>
+            </a:r>
+            <a:r>
+              <a:rPr lang="de-AT" dirty="0" smtClean="0"/>
+              <a:t> „</a:t>
+            </a:r>
+            <a:r>
+              <a:rPr lang="de-AT" dirty="0" err="1" smtClean="0"/>
+              <a:t>AddServiceReference</a:t>
+            </a:r>
+            <a:r>
+              <a:rPr lang="de-AT" dirty="0" smtClean="0"/>
+              <a:t>“ und dann den Pfad eingeben</a:t>
+            </a:r>
+          </a:p>
+          <a:p>
+            <a:r>
+              <a:rPr lang="de-AT" dirty="0" smtClean="0"/>
+              <a:t>Update möglich</a:t>
+            </a:r>
+            <a:endParaRPr lang="de-AT" dirty="0"/>
+          </a:p>
+        </p:txBody>
+      </p:sp>
+      <p:sp>
+        <p:nvSpPr>
+          <p:cNvPr id="2" name="Title 1"/>
           <p:cNvSpPr>
             <a:spLocks noGrp="1"/>
           </p:cNvSpPr>
@@ -14512,30 +14307,15 @@
           <a:p>
             <a:r>
               <a:rPr lang="de-AT" dirty="0" smtClean="0"/>
-              <a:t>GUI und Tests</a:t>
-            </a:r>
-            <a:endParaRPr lang="de-AT" dirty="0"/>
-          </a:p>
-        </p:txBody>
-      </p:sp>
-      <p:sp>
-        <p:nvSpPr>
-          <p:cNvPr id="3" name="Textplatzhalter 2"/>
-          <p:cNvSpPr>
-            <a:spLocks noGrp="1"/>
-          </p:cNvSpPr>
-          <p:nvPr>
-            <p:ph type="body" idx="1"/>
-          </p:nvPr>
-        </p:nvSpPr>
-        <p:spPr/>
-        <p:txBody>
-          <a:bodyPr/>
-          <a:lstStyle/>
-          <a:p>
+              <a:t>Client-</a:t>
+            </a:r>
+            <a:r>
+              <a:rPr lang="de-AT" dirty="0" err="1" smtClean="0"/>
+              <a:t>Stubs</a:t>
+            </a:r>
             <a:r>
               <a:rPr lang="de-AT" dirty="0" smtClean="0"/>
-              <a:t>Die unendliche Geschichte</a:t>
+              <a:t> erzeugen</a:t>
             </a:r>
             <a:endParaRPr lang="de-AT" dirty="0"/>
           </a:p>
@@ -14544,13 +14324,20 @@
     </p:spTree>
     <p:extLst>
       <p:ext uri="{BB962C8B-B14F-4D97-AF65-F5344CB8AC3E}">
-        <p14:creationId xmlns:p14="http://schemas.microsoft.com/office/powerpoint/2010/main" val="791360354"/>
+        <p14:creationId xmlns:p14="http://schemas.microsoft.com/office/powerpoint/2010/main" val="2495302384"/>
       </p:ext>
     </p:extLst>
   </p:cSld>
   <p:clrMapOvr>
     <a:masterClrMapping/>
   </p:clrMapOvr>
+  <p:timing>
+    <p:tnLst>
+      <p:par>
+        <p:cTn id="1" dur="indefinite" restart="never" nodeType="tmRoot"/>
+      </p:par>
+    </p:tnLst>
+  </p:timing>
 </p:sld>
 </file>
 
@@ -14573,7 +14360,319 @@
       </p:grpSpPr>
       <p:sp>
         <p:nvSpPr>
-          <p:cNvPr id="2" name="Titel 1"/>
+          <p:cNvPr id="3" name="Text Placeholder 2"/>
+          <p:cNvSpPr>
+            <a:spLocks noGrp="1"/>
+          </p:cNvSpPr>
+          <p:nvPr>
+            <p:ph type="body" idx="1"/>
+          </p:nvPr>
+        </p:nvSpPr>
+        <p:spPr/>
+        <p:txBody>
+          <a:bodyPr/>
+          <a:lstStyle/>
+          <a:p>
+            <a:r>
+              <a:rPr lang="de-AT" dirty="0" err="1" smtClean="0"/>
+              <a:t>Corba</a:t>
+            </a:r>
+            <a:endParaRPr lang="de-AT" dirty="0"/>
+          </a:p>
+        </p:txBody>
+      </p:sp>
+      <p:sp>
+        <p:nvSpPr>
+          <p:cNvPr id="4" name="Content Placeholder 3"/>
+          <p:cNvSpPr>
+            <a:spLocks noGrp="1"/>
+          </p:cNvSpPr>
+          <p:nvPr>
+            <p:ph sz="half" idx="2"/>
+          </p:nvPr>
+        </p:nvSpPr>
+        <p:spPr/>
+        <p:txBody>
+          <a:bodyPr>
+            <a:normAutofit fontScale="92500" lnSpcReduction="20000"/>
+          </a:bodyPr>
+          <a:lstStyle/>
+          <a:p>
+            <a:pPr marL="0" indent="0">
+              <a:buNone/>
+            </a:pPr>
+            <a:r>
+              <a:rPr lang="de-AT" sz="2000" dirty="0" smtClean="0"/>
+              <a:t>String[] args1 = </a:t>
+            </a:r>
+            <a:r>
+              <a:rPr lang="de-AT" sz="2000" dirty="0" err="1" smtClean="0"/>
+              <a:t>new</a:t>
+            </a:r>
+            <a:r>
+              <a:rPr lang="de-AT" sz="2000" dirty="0" smtClean="0"/>
+              <a:t> String[] {"-</a:t>
+            </a:r>
+            <a:r>
+              <a:rPr lang="de-AT" sz="2000" dirty="0" err="1" smtClean="0"/>
+              <a:t>ORBInitialPort</a:t>
+            </a:r>
+            <a:r>
+              <a:rPr lang="de-AT" sz="2000" dirty="0" smtClean="0"/>
+              <a:t>", "2050"};</a:t>
+            </a:r>
+          </a:p>
+          <a:p>
+            <a:pPr marL="0" indent="0">
+              <a:buNone/>
+            </a:pPr>
+            <a:r>
+              <a:rPr lang="de-AT" sz="2000" dirty="0" smtClean="0"/>
+              <a:t>ORB </a:t>
+            </a:r>
+            <a:r>
+              <a:rPr lang="de-AT" sz="2000" dirty="0" err="1" smtClean="0"/>
+              <a:t>orb</a:t>
+            </a:r>
+            <a:r>
+              <a:rPr lang="de-AT" sz="2000" dirty="0" smtClean="0"/>
+              <a:t> = </a:t>
+            </a:r>
+            <a:r>
+              <a:rPr lang="de-AT" sz="2000" dirty="0" err="1" smtClean="0"/>
+              <a:t>ORB.init</a:t>
+            </a:r>
+            <a:r>
+              <a:rPr lang="de-AT" sz="2000" dirty="0" smtClean="0"/>
+              <a:t>(args1, null);</a:t>
+            </a:r>
+          </a:p>
+          <a:p>
+            <a:pPr marL="0" indent="0">
+              <a:buNone/>
+            </a:pPr>
+            <a:r>
+              <a:rPr lang="de-AT" sz="2000" dirty="0" err="1" smtClean="0"/>
+              <a:t>org.omg.CORBA.Object</a:t>
+            </a:r>
+            <a:r>
+              <a:rPr lang="de-AT" sz="2000" dirty="0" smtClean="0"/>
+              <a:t> </a:t>
+            </a:r>
+            <a:r>
+              <a:rPr lang="de-AT" sz="2000" dirty="0" err="1" smtClean="0"/>
+              <a:t>objRef</a:t>
+            </a:r>
+            <a:r>
+              <a:rPr lang="de-AT" sz="2000" dirty="0" smtClean="0"/>
+              <a:t> = </a:t>
+            </a:r>
+            <a:r>
+              <a:rPr lang="de-AT" sz="2000" dirty="0" err="1" smtClean="0"/>
+              <a:t>orb.resolve_initial_references</a:t>
+            </a:r>
+            <a:r>
+              <a:rPr lang="de-AT" sz="2000" dirty="0" smtClean="0"/>
+              <a:t>("</a:t>
+            </a:r>
+            <a:r>
+              <a:rPr lang="de-AT" sz="2000" dirty="0" err="1" smtClean="0"/>
+              <a:t>NameService</a:t>
+            </a:r>
+            <a:r>
+              <a:rPr lang="de-AT" sz="2000" dirty="0" smtClean="0"/>
+              <a:t>");</a:t>
+            </a:r>
+          </a:p>
+          <a:p>
+            <a:pPr marL="0" indent="0">
+              <a:buNone/>
+            </a:pPr>
+            <a:r>
+              <a:rPr lang="de-AT" sz="2000" dirty="0" err="1" smtClean="0"/>
+              <a:t>NamingContextExt</a:t>
+            </a:r>
+            <a:r>
+              <a:rPr lang="de-AT" sz="2000" dirty="0" smtClean="0"/>
+              <a:t> </a:t>
+            </a:r>
+            <a:r>
+              <a:rPr lang="de-AT" sz="2000" dirty="0" err="1" smtClean="0"/>
+              <a:t>ncRef</a:t>
+            </a:r>
+            <a:r>
+              <a:rPr lang="de-AT" sz="2000" dirty="0" smtClean="0"/>
+              <a:t> = </a:t>
+            </a:r>
+            <a:r>
+              <a:rPr lang="de-AT" sz="2000" dirty="0" err="1" smtClean="0"/>
+              <a:t>NamingContextExtHelper.narrow</a:t>
+            </a:r>
+            <a:r>
+              <a:rPr lang="de-AT" sz="2000" dirty="0" smtClean="0"/>
+              <a:t>(</a:t>
+            </a:r>
+            <a:r>
+              <a:rPr lang="de-AT" sz="2000" dirty="0" err="1" smtClean="0"/>
+              <a:t>objRef</a:t>
+            </a:r>
+            <a:r>
+              <a:rPr lang="de-AT" sz="2000" dirty="0" smtClean="0"/>
+              <a:t>); </a:t>
+            </a:r>
+          </a:p>
+          <a:p>
+            <a:pPr marL="0" indent="0">
+              <a:buNone/>
+            </a:pPr>
+            <a:r>
+              <a:rPr lang="de-AT" sz="2000" dirty="0" err="1" smtClean="0">
+                <a:solidFill>
+                  <a:srgbClr val="FF0000"/>
+                </a:solidFill>
+              </a:rPr>
+              <a:t>MatchresultDataprovider</a:t>
+            </a:r>
+            <a:r>
+              <a:rPr lang="de-AT" sz="2000" dirty="0" smtClean="0">
+                <a:solidFill>
+                  <a:srgbClr val="FF0000"/>
+                </a:solidFill>
+              </a:rPr>
+              <a:t> </a:t>
+            </a:r>
+            <a:r>
+              <a:rPr lang="de-AT" sz="2000" dirty="0" err="1" smtClean="0">
+                <a:solidFill>
+                  <a:srgbClr val="FF0000"/>
+                </a:solidFill>
+              </a:rPr>
+              <a:t>matchresultDataprovider</a:t>
+            </a:r>
+            <a:r>
+              <a:rPr lang="de-AT" sz="2000" dirty="0" smtClean="0">
+                <a:solidFill>
+                  <a:srgbClr val="FF0000"/>
+                </a:solidFill>
+              </a:rPr>
+              <a:t> </a:t>
+            </a:r>
+            <a:r>
+              <a:rPr lang="de-AT" sz="2000" dirty="0" smtClean="0"/>
+              <a:t>= </a:t>
+            </a:r>
+            <a:r>
+              <a:rPr lang="de-AT" sz="2000" dirty="0" err="1" smtClean="0"/>
+              <a:t>MatchresultDataproviderHelper.narrow</a:t>
+            </a:r>
+            <a:r>
+              <a:rPr lang="de-AT" sz="2000" dirty="0" smtClean="0"/>
+              <a:t>(</a:t>
+            </a:r>
+            <a:r>
+              <a:rPr lang="de-AT" sz="2000" dirty="0" err="1" smtClean="0"/>
+              <a:t>ncRef.resolve_str</a:t>
+            </a:r>
+            <a:r>
+              <a:rPr lang="de-AT" sz="2000" dirty="0" smtClean="0"/>
+              <a:t>("</a:t>
+            </a:r>
+            <a:r>
+              <a:rPr lang="de-AT" sz="2000" dirty="0" err="1" smtClean="0"/>
+              <a:t>HelloObject</a:t>
+            </a:r>
+            <a:r>
+              <a:rPr lang="de-AT" sz="2000" dirty="0" smtClean="0"/>
+              <a:t>"));</a:t>
+            </a:r>
+            <a:endParaRPr lang="de-AT" sz="2000" dirty="0"/>
+          </a:p>
+        </p:txBody>
+      </p:sp>
+      <p:sp>
+        <p:nvSpPr>
+          <p:cNvPr id="5" name="Text Placeholder 4"/>
+          <p:cNvSpPr>
+            <a:spLocks noGrp="1"/>
+          </p:cNvSpPr>
+          <p:nvPr>
+            <p:ph type="body" sz="quarter" idx="3"/>
+          </p:nvPr>
+        </p:nvSpPr>
+        <p:spPr/>
+        <p:txBody>
+          <a:bodyPr/>
+          <a:lstStyle/>
+          <a:p>
+            <a:r>
+              <a:rPr lang="de-AT" dirty="0" smtClean="0"/>
+              <a:t>Webservices</a:t>
+            </a:r>
+            <a:endParaRPr lang="de-AT" dirty="0"/>
+          </a:p>
+        </p:txBody>
+      </p:sp>
+      <p:sp>
+        <p:nvSpPr>
+          <p:cNvPr id="6" name="Content Placeholder 5"/>
+          <p:cNvSpPr>
+            <a:spLocks noGrp="1"/>
+          </p:cNvSpPr>
+          <p:nvPr>
+            <p:ph sz="quarter" idx="4"/>
+          </p:nvPr>
+        </p:nvSpPr>
+        <p:spPr/>
+        <p:txBody>
+          <a:bodyPr/>
+          <a:lstStyle/>
+          <a:p>
+            <a:pPr marL="0" indent="0">
+              <a:buNone/>
+            </a:pPr>
+            <a:r>
+              <a:rPr lang="de-AT" dirty="0" smtClean="0">
+                <a:solidFill>
+                  <a:srgbClr val="FF0000"/>
+                </a:solidFill>
+              </a:rPr>
+              <a:t>ServiceReference1.MatchSvcClient </a:t>
+            </a:r>
+            <a:r>
+              <a:rPr lang="de-AT" dirty="0" err="1" smtClean="0">
+                <a:solidFill>
+                  <a:srgbClr val="FF0000"/>
+                </a:solidFill>
+              </a:rPr>
+              <a:t>client</a:t>
+            </a:r>
+            <a:r>
+              <a:rPr lang="de-AT" dirty="0" smtClean="0">
+                <a:solidFill>
+                  <a:srgbClr val="FF0000"/>
+                </a:solidFill>
+              </a:rPr>
+              <a:t> </a:t>
+            </a:r>
+            <a:r>
+              <a:rPr lang="de-AT" dirty="0" smtClean="0"/>
+              <a:t>= </a:t>
+            </a:r>
+            <a:r>
+              <a:rPr lang="de-AT" dirty="0" err="1" smtClean="0"/>
+              <a:t>new</a:t>
+            </a:r>
+            <a:r>
+              <a:rPr lang="de-AT" dirty="0" smtClean="0"/>
+              <a:t> ServiceReference1.MatchSvcClient();</a:t>
+            </a:r>
+            <a:endParaRPr lang="de-AT" dirty="0"/>
+          </a:p>
+        </p:txBody>
+      </p:sp>
+      <p:sp>
+        <p:nvSpPr>
+          <p:cNvPr id="2" name="Title 1"/>
           <p:cNvSpPr>
             <a:spLocks noGrp="1"/>
           </p:cNvSpPr>
@@ -14588,97 +14687,7 @@
           <a:p>
             <a:r>
               <a:rPr lang="de-AT" dirty="0" smtClean="0"/>
-              <a:t>Allgemeines zur Oberfläche</a:t>
-            </a:r>
-            <a:endParaRPr lang="de-AT" dirty="0"/>
-          </a:p>
-        </p:txBody>
-      </p:sp>
-      <p:sp>
-        <p:nvSpPr>
-          <p:cNvPr id="3" name="Inhaltsplatzhalter 2"/>
-          <p:cNvSpPr>
-            <a:spLocks noGrp="1"/>
-          </p:cNvSpPr>
-          <p:nvPr>
-            <p:ph idx="1"/>
-          </p:nvPr>
-        </p:nvSpPr>
-        <p:spPr/>
-        <p:txBody>
-          <a:bodyPr/>
-          <a:lstStyle/>
-          <a:p>
-            <a:pPr>
-              <a:buFont typeface="Arial" panose="020B0604020202020204" pitchFamily="34" charset="0"/>
-              <a:buChar char="•"/>
-            </a:pPr>
-            <a:r>
-              <a:rPr lang="de-AT" dirty="0" smtClean="0"/>
-              <a:t>Swing – GUI</a:t>
-            </a:r>
-          </a:p>
-          <a:p>
-            <a:pPr>
-              <a:buFont typeface="Arial" panose="020B0604020202020204" pitchFamily="34" charset="0"/>
-              <a:buChar char="•"/>
-            </a:pPr>
-            <a:r>
-              <a:rPr lang="de-AT" dirty="0" smtClean="0"/>
-              <a:t>möglichst wenig Logik</a:t>
-            </a:r>
-          </a:p>
-          <a:p>
-            <a:pPr lvl="1">
-              <a:buFont typeface="Arial" panose="020B0604020202020204" pitchFamily="34" charset="0"/>
-              <a:buChar char="•"/>
-            </a:pPr>
-            <a:r>
-              <a:rPr lang="de-AT" dirty="0" smtClean="0"/>
-              <a:t> </a:t>
-            </a:r>
-            <a:r>
-              <a:rPr lang="de-AT" dirty="0" err="1" smtClean="0"/>
-              <a:t>UseCase</a:t>
-            </a:r>
-            <a:r>
-              <a:rPr lang="de-AT" dirty="0" smtClean="0"/>
-              <a:t> Controllern</a:t>
-            </a:r>
-          </a:p>
-          <a:p>
-            <a:pPr>
-              <a:buFont typeface="Arial" panose="020B0604020202020204" pitchFamily="34" charset="0"/>
-              <a:buChar char="•"/>
-            </a:pPr>
-            <a:r>
-              <a:rPr lang="de-AT" dirty="0" err="1" smtClean="0"/>
-              <a:t>IUseCaseControllerFactory</a:t>
-            </a:r>
-            <a:r>
-              <a:rPr lang="de-AT" dirty="0"/>
-              <a:t> </a:t>
-            </a:r>
-            <a:endParaRPr lang="de-AT" dirty="0" smtClean="0"/>
-          </a:p>
-          <a:p>
-            <a:pPr lvl="1">
-              <a:buFont typeface="Arial" panose="020B0604020202020204" pitchFamily="34" charset="0"/>
-              <a:buChar char="•"/>
-            </a:pPr>
-            <a:r>
-              <a:rPr lang="de-AT" dirty="0" smtClean="0"/>
-              <a:t>vereinfacht Technologie Anpassung</a:t>
-            </a:r>
-          </a:p>
-          <a:p>
-            <a:pPr>
-              <a:buFont typeface="Arial" panose="020B0604020202020204" pitchFamily="34" charset="0"/>
-              <a:buChar char="•"/>
-            </a:pPr>
-            <a:r>
-              <a:rPr lang="de-AT" dirty="0" smtClean="0"/>
-              <a:t>Actions vermitteln</a:t>
+              <a:t>Client-Anbindung</a:t>
             </a:r>
             <a:endParaRPr lang="de-AT" dirty="0"/>
           </a:p>
@@ -14687,13 +14696,20 @@
     </p:spTree>
     <p:extLst>
       <p:ext uri="{BB962C8B-B14F-4D97-AF65-F5344CB8AC3E}">
-        <p14:creationId xmlns:p14="http://schemas.microsoft.com/office/powerpoint/2010/main" val="3047194823"/>
+        <p14:creationId xmlns:p14="http://schemas.microsoft.com/office/powerpoint/2010/main" val="4196813996"/>
       </p:ext>
     </p:extLst>
   </p:cSld>
   <p:clrMapOvr>
     <a:masterClrMapping/>
   </p:clrMapOvr>
+  <p:timing>
+    <p:tnLst>
+      <p:par>
+        <p:cTn id="1" dur="indefinite" restart="never" nodeType="tmRoot"/>
+      </p:par>
+    </p:tnLst>
+  </p:timing>
 </p:sld>
 </file>
 
@@ -14716,7 +14732,210 @@
       </p:grpSpPr>
       <p:sp>
         <p:nvSpPr>
-          <p:cNvPr id="2" name="Titel 1"/>
+          <p:cNvPr id="3" name="Text Placeholder 2"/>
+          <p:cNvSpPr>
+            <a:spLocks noGrp="1"/>
+          </p:cNvSpPr>
+          <p:nvPr>
+            <p:ph type="body" idx="1"/>
+          </p:nvPr>
+        </p:nvSpPr>
+        <p:spPr/>
+        <p:txBody>
+          <a:bodyPr/>
+          <a:lstStyle/>
+          <a:p>
+            <a:r>
+              <a:rPr lang="de-AT" dirty="0" err="1" smtClean="0"/>
+              <a:t>Corba</a:t>
+            </a:r>
+            <a:endParaRPr lang="de-AT" dirty="0"/>
+          </a:p>
+        </p:txBody>
+      </p:sp>
+      <p:sp>
+        <p:nvSpPr>
+          <p:cNvPr id="4" name="Content Placeholder 3"/>
+          <p:cNvSpPr>
+            <a:spLocks noGrp="1"/>
+          </p:cNvSpPr>
+          <p:nvPr>
+            <p:ph sz="half" idx="2"/>
+          </p:nvPr>
+        </p:nvSpPr>
+        <p:spPr/>
+        <p:txBody>
+          <a:bodyPr/>
+          <a:lstStyle/>
+          <a:p>
+            <a:pPr marL="0" indent="0">
+              <a:buNone/>
+            </a:pPr>
+            <a:r>
+              <a:rPr lang="de-AT" dirty="0" smtClean="0"/>
+              <a:t>+ Plattformunabhängig</a:t>
+            </a:r>
+          </a:p>
+          <a:p>
+            <a:pPr>
+              <a:buFontTx/>
+              <a:buChar char="-"/>
+            </a:pPr>
+            <a:r>
+              <a:rPr lang="de-AT" dirty="0" err="1" smtClean="0"/>
+              <a:t>Commandozeile</a:t>
+            </a:r>
+            <a:endParaRPr lang="de-AT" dirty="0" smtClean="0"/>
+          </a:p>
+          <a:p>
+            <a:pPr>
+              <a:buFontTx/>
+              <a:buChar char="-"/>
+            </a:pPr>
+            <a:r>
+              <a:rPr lang="de-AT" dirty="0" smtClean="0"/>
+              <a:t>IDL File und Syntax</a:t>
+            </a:r>
+            <a:endParaRPr lang="de-AT" dirty="0"/>
+          </a:p>
+        </p:txBody>
+      </p:sp>
+      <p:sp>
+        <p:nvSpPr>
+          <p:cNvPr id="5" name="Text Placeholder 4"/>
+          <p:cNvSpPr>
+            <a:spLocks noGrp="1"/>
+          </p:cNvSpPr>
+          <p:nvPr>
+            <p:ph type="body" sz="quarter" idx="3"/>
+          </p:nvPr>
+        </p:nvSpPr>
+        <p:spPr/>
+        <p:txBody>
+          <a:bodyPr/>
+          <a:lstStyle/>
+          <a:p>
+            <a:r>
+              <a:rPr lang="de-AT" dirty="0" smtClean="0"/>
+              <a:t>Webservices</a:t>
+            </a:r>
+            <a:endParaRPr lang="de-AT" dirty="0"/>
+          </a:p>
+        </p:txBody>
+      </p:sp>
+      <p:sp>
+        <p:nvSpPr>
+          <p:cNvPr id="6" name="Content Placeholder 5"/>
+          <p:cNvSpPr>
+            <a:spLocks noGrp="1"/>
+          </p:cNvSpPr>
+          <p:nvPr>
+            <p:ph sz="quarter" idx="4"/>
+          </p:nvPr>
+        </p:nvSpPr>
+        <p:spPr/>
+        <p:txBody>
+          <a:bodyPr>
+            <a:normAutofit lnSpcReduction="10000"/>
+          </a:bodyPr>
+          <a:lstStyle/>
+          <a:p>
+            <a:pPr marL="0" indent="0">
+              <a:buNone/>
+            </a:pPr>
+            <a:r>
+              <a:rPr lang="de-AT" dirty="0" smtClean="0"/>
+              <a:t>+ Kann alles was auch </a:t>
+            </a:r>
+            <a:r>
+              <a:rPr lang="de-AT" dirty="0" err="1" smtClean="0"/>
+              <a:t>Corba</a:t>
+            </a:r>
+            <a:r>
+              <a:rPr lang="de-AT" dirty="0" smtClean="0"/>
+              <a:t> kann</a:t>
+            </a:r>
+          </a:p>
+          <a:p>
+            <a:pPr marL="0" indent="0">
+              <a:buNone/>
+            </a:pPr>
+            <a:r>
+              <a:rPr lang="de-AT" dirty="0" smtClean="0"/>
+              <a:t>+ aktueller</a:t>
+            </a:r>
+          </a:p>
+          <a:p>
+            <a:pPr marL="0" indent="0">
+              <a:buNone/>
+            </a:pPr>
+            <a:r>
+              <a:rPr lang="de-AT" dirty="0" smtClean="0"/>
+              <a:t>+ Besseres </a:t>
+            </a:r>
+            <a:r>
+              <a:rPr lang="de-AT" dirty="0" err="1" smtClean="0"/>
+              <a:t>Tooling</a:t>
+            </a:r>
+            <a:r>
+              <a:rPr lang="de-AT" dirty="0" smtClean="0"/>
+              <a:t>, da kein IDL</a:t>
+            </a:r>
+          </a:p>
+          <a:p>
+            <a:pPr marL="0" indent="0">
+              <a:buNone/>
+            </a:pPr>
+            <a:r>
+              <a:rPr lang="de-AT" dirty="0" smtClean="0"/>
+              <a:t>+ Einfache Portierung von </a:t>
+            </a:r>
+            <a:r>
+              <a:rPr lang="de-AT" dirty="0" err="1" smtClean="0"/>
+              <a:t>Corba</a:t>
+            </a:r>
+            <a:endParaRPr lang="de-AT" dirty="0" smtClean="0"/>
+          </a:p>
+          <a:p>
+            <a:pPr>
+              <a:buFontTx/>
+              <a:buChar char="-"/>
+            </a:pPr>
+            <a:r>
+              <a:rPr lang="de-AT" dirty="0" smtClean="0"/>
+              <a:t>Braucht einen Webserver (</a:t>
+            </a:r>
+            <a:r>
+              <a:rPr lang="de-AT" dirty="0" err="1" smtClean="0"/>
+              <a:t>Glassfish</a:t>
+            </a:r>
+            <a:r>
+              <a:rPr lang="de-AT" dirty="0" smtClean="0"/>
+              <a:t>, IIS, usw.)</a:t>
+            </a:r>
+          </a:p>
+          <a:p>
+            <a:pPr>
+              <a:buFontTx/>
+              <a:buChar char="-"/>
+            </a:pPr>
+            <a:r>
+              <a:rPr lang="de-AT" dirty="0" smtClean="0"/>
+              <a:t>Für die Anbindung muss der Service aktiv sein</a:t>
+            </a:r>
+          </a:p>
+          <a:p>
+            <a:pPr>
+              <a:buFontTx/>
+              <a:buChar char="-"/>
+            </a:pPr>
+            <a:endParaRPr lang="de-AT" dirty="0"/>
+          </a:p>
+        </p:txBody>
+      </p:sp>
+      <p:sp>
+        <p:nvSpPr>
+          <p:cNvPr id="2" name="Title 1"/>
           <p:cNvSpPr>
             <a:spLocks noGrp="1"/>
           </p:cNvSpPr>
@@ -14726,289 +14945,34 @@
         </p:nvSpPr>
         <p:spPr/>
         <p:txBody>
-          <a:bodyPr>
-            <a:normAutofit/>
-          </a:bodyPr>
-          <a:lstStyle/>
-          <a:p>
-            <a:r>
-              <a:rPr lang="de-AT" dirty="0" err="1" smtClean="0"/>
-              <a:t>UseCase</a:t>
-            </a:r>
-            <a:r>
-              <a:rPr lang="de-AT" smtClean="0"/>
-              <a:t> Controller </a:t>
-            </a:r>
+          <a:bodyPr/>
+          <a:lstStyle/>
+          <a:p>
             <a:r>
               <a:rPr lang="de-AT" dirty="0" smtClean="0"/>
-              <a:t>Factory</a:t>
+              <a:t>Fazit</a:t>
             </a:r>
             <a:endParaRPr lang="de-AT" dirty="0"/>
-          </a:p>
-        </p:txBody>
-      </p:sp>
-      <p:sp>
-        <p:nvSpPr>
-          <p:cNvPr id="3" name="Inhaltsplatzhalter 2"/>
-          <p:cNvSpPr>
-            <a:spLocks noGrp="1"/>
-          </p:cNvSpPr>
-          <p:nvPr>
-            <p:ph idx="1"/>
-          </p:nvPr>
-        </p:nvSpPr>
-        <p:spPr/>
-        <p:txBody>
-          <a:bodyPr>
-            <a:noAutofit/>
-          </a:bodyPr>
-          <a:lstStyle/>
-          <a:p>
-            <a:pPr marL="0" indent="0">
-              <a:buNone/>
-            </a:pPr>
-            <a:r>
-              <a:rPr lang="de-AT" sz="2000" dirty="0" err="1">
-                <a:cs typeface="Consolas" pitchFamily="49" charset="0"/>
-              </a:rPr>
-              <a:t>public</a:t>
-            </a:r>
-            <a:r>
-              <a:rPr lang="de-AT" sz="2000" dirty="0">
-                <a:cs typeface="Consolas" pitchFamily="49" charset="0"/>
-              </a:rPr>
-              <a:t> </a:t>
-            </a:r>
-            <a:r>
-              <a:rPr lang="de-AT" sz="2000" dirty="0" err="1">
-                <a:cs typeface="Consolas" pitchFamily="49" charset="0"/>
-              </a:rPr>
-              <a:t>interface</a:t>
-            </a:r>
-            <a:r>
-              <a:rPr lang="de-AT" sz="2000" dirty="0">
-                <a:cs typeface="Consolas" pitchFamily="49" charset="0"/>
-              </a:rPr>
-              <a:t> </a:t>
-            </a:r>
-            <a:r>
-              <a:rPr lang="de-AT" sz="2000" dirty="0" err="1">
-                <a:cs typeface="Consolas" pitchFamily="49" charset="0"/>
-              </a:rPr>
-              <a:t>IUseCaseControllerFactory</a:t>
-            </a:r>
-            <a:endParaRPr lang="de-AT" sz="2000" dirty="0">
-              <a:cs typeface="Consolas" pitchFamily="49" charset="0"/>
-            </a:endParaRPr>
-          </a:p>
-          <a:p>
-            <a:pPr marL="0" indent="0">
-              <a:buNone/>
-            </a:pPr>
-            <a:r>
-              <a:rPr lang="de-AT" sz="2000" dirty="0">
-                <a:cs typeface="Consolas" pitchFamily="49" charset="0"/>
-              </a:rPr>
-              <a:t>{</a:t>
-            </a:r>
-          </a:p>
-          <a:p>
-            <a:pPr marL="0" indent="0">
-              <a:buNone/>
-            </a:pPr>
-            <a:r>
-              <a:rPr lang="de-AT" sz="2000" dirty="0">
-                <a:cs typeface="Consolas" pitchFamily="49" charset="0"/>
-              </a:rPr>
-              <a:t>    </a:t>
-            </a:r>
-            <a:r>
-              <a:rPr lang="de-AT" sz="2000" dirty="0" err="1">
-                <a:cs typeface="Consolas" pitchFamily="49" charset="0"/>
-              </a:rPr>
-              <a:t>IAddMatchResultsController</a:t>
-            </a:r>
-            <a:r>
-              <a:rPr lang="de-AT" sz="2000" dirty="0">
-                <a:cs typeface="Consolas" pitchFamily="49" charset="0"/>
-              </a:rPr>
-              <a:t> </a:t>
-            </a:r>
-            <a:r>
-              <a:rPr lang="de-AT" sz="2000" dirty="0" err="1">
-                <a:cs typeface="Consolas" pitchFamily="49" charset="0"/>
-              </a:rPr>
-              <a:t>getAddMatchResultsController</a:t>
-            </a:r>
-            <a:r>
-              <a:rPr lang="de-AT" sz="2000" dirty="0">
-                <a:cs typeface="Consolas" pitchFamily="49" charset="0"/>
-              </a:rPr>
-              <a:t>()</a:t>
-            </a:r>
-          </a:p>
-          <a:p>
-            <a:pPr marL="0" indent="0">
-              <a:buNone/>
-            </a:pPr>
-            <a:r>
-              <a:rPr lang="de-AT" sz="2000" dirty="0">
-                <a:cs typeface="Consolas" pitchFamily="49" charset="0"/>
-              </a:rPr>
-              <a:t>            </a:t>
-            </a:r>
-            <a:r>
-              <a:rPr lang="de-AT" sz="2000" dirty="0" err="1">
-                <a:cs typeface="Consolas" pitchFamily="49" charset="0"/>
-              </a:rPr>
-              <a:t>throws</a:t>
-            </a:r>
-            <a:r>
-              <a:rPr lang="de-AT" sz="2000" dirty="0">
-                <a:cs typeface="Consolas" pitchFamily="49" charset="0"/>
-              </a:rPr>
-              <a:t> </a:t>
-            </a:r>
-            <a:r>
-              <a:rPr lang="de-AT" sz="2000" dirty="0" err="1">
-                <a:cs typeface="Consolas" pitchFamily="49" charset="0"/>
-              </a:rPr>
-              <a:t>ServiceNotAvailableException</a:t>
-            </a:r>
-            <a:r>
-              <a:rPr lang="de-AT" sz="2000" dirty="0">
-                <a:cs typeface="Consolas" pitchFamily="49" charset="0"/>
-              </a:rPr>
-              <a:t>;</a:t>
-            </a:r>
-          </a:p>
-          <a:p>
-            <a:pPr marL="0" indent="0">
-              <a:buNone/>
-            </a:pPr>
-            <a:endParaRPr lang="de-AT" sz="2000" dirty="0">
-              <a:cs typeface="Consolas" pitchFamily="49" charset="0"/>
-            </a:endParaRPr>
-          </a:p>
-          <a:p>
-            <a:pPr marL="0" indent="0">
-              <a:buNone/>
-            </a:pPr>
-            <a:r>
-              <a:rPr lang="de-AT" sz="2000" dirty="0">
-                <a:cs typeface="Consolas" pitchFamily="49" charset="0"/>
-              </a:rPr>
-              <a:t>    </a:t>
-            </a:r>
-            <a:r>
-              <a:rPr lang="de-AT" sz="2000" dirty="0" err="1">
-                <a:cs typeface="Consolas" pitchFamily="49" charset="0"/>
-              </a:rPr>
-              <a:t>IChangeCompetitionTeamController</a:t>
-            </a:r>
-            <a:r>
-              <a:rPr lang="de-AT" sz="2000" dirty="0">
-                <a:cs typeface="Consolas" pitchFamily="49" charset="0"/>
-              </a:rPr>
-              <a:t> </a:t>
-            </a:r>
-            <a:r>
-              <a:rPr lang="de-AT" sz="2000" dirty="0" err="1">
-                <a:cs typeface="Consolas" pitchFamily="49" charset="0"/>
-              </a:rPr>
-              <a:t>getChangeCompetitionTeamController</a:t>
-            </a:r>
-            <a:r>
-              <a:rPr lang="de-AT" sz="2000" dirty="0">
-                <a:cs typeface="Consolas" pitchFamily="49" charset="0"/>
-              </a:rPr>
-              <a:t>()</a:t>
-            </a:r>
-          </a:p>
-          <a:p>
-            <a:pPr marL="0" indent="0">
-              <a:buNone/>
-            </a:pPr>
-            <a:r>
-              <a:rPr lang="de-AT" sz="2000" dirty="0">
-                <a:cs typeface="Consolas" pitchFamily="49" charset="0"/>
-              </a:rPr>
-              <a:t>            </a:t>
-            </a:r>
-            <a:r>
-              <a:rPr lang="de-AT" sz="2000" dirty="0" err="1">
-                <a:cs typeface="Consolas" pitchFamily="49" charset="0"/>
-              </a:rPr>
-              <a:t>throws</a:t>
-            </a:r>
-            <a:r>
-              <a:rPr lang="de-AT" sz="2000" dirty="0">
-                <a:cs typeface="Consolas" pitchFamily="49" charset="0"/>
-              </a:rPr>
-              <a:t> </a:t>
-            </a:r>
-            <a:r>
-              <a:rPr lang="de-AT" sz="2000" dirty="0" err="1">
-                <a:cs typeface="Consolas" pitchFamily="49" charset="0"/>
-              </a:rPr>
-              <a:t>ServiceNotAvailableException</a:t>
-            </a:r>
-            <a:r>
-              <a:rPr lang="de-AT" sz="2000" dirty="0" smtClean="0">
-                <a:cs typeface="Consolas" pitchFamily="49" charset="0"/>
-              </a:rPr>
-              <a:t>;</a:t>
-            </a:r>
-            <a:endParaRPr lang="de-AT" sz="2000" dirty="0">
-              <a:cs typeface="Consolas" pitchFamily="49" charset="0"/>
-            </a:endParaRPr>
-          </a:p>
-          <a:p>
-            <a:pPr marL="0" indent="0">
-              <a:buNone/>
-            </a:pPr>
-            <a:r>
-              <a:rPr lang="de-AT" sz="2000" dirty="0">
-                <a:cs typeface="Consolas" pitchFamily="49" charset="0"/>
-              </a:rPr>
-              <a:t>    </a:t>
-            </a:r>
-            <a:r>
-              <a:rPr lang="de-AT" sz="2000" dirty="0" smtClean="0">
-                <a:cs typeface="Consolas" pitchFamily="49" charset="0"/>
-              </a:rPr>
-              <a:t>…</a:t>
-            </a:r>
-            <a:endParaRPr lang="de-AT" sz="2000" dirty="0">
-              <a:cs typeface="Consolas" pitchFamily="49" charset="0"/>
-            </a:endParaRPr>
-          </a:p>
-          <a:p>
-            <a:pPr marL="0" indent="0">
-              <a:buNone/>
-            </a:pPr>
-            <a:r>
-              <a:rPr lang="de-AT" sz="2000" dirty="0" smtClean="0">
-                <a:cs typeface="Consolas" pitchFamily="49" charset="0"/>
-              </a:rPr>
-              <a:t>}</a:t>
-            </a:r>
-            <a:endParaRPr lang="de-AT" sz="2000" dirty="0">
-              <a:cs typeface="Consolas" pitchFamily="49" charset="0"/>
-            </a:endParaRPr>
           </a:p>
         </p:txBody>
       </p:sp>
     </p:spTree>
     <p:extLst>
       <p:ext uri="{BB962C8B-B14F-4D97-AF65-F5344CB8AC3E}">
-        <p14:creationId xmlns:p14="http://schemas.microsoft.com/office/powerpoint/2010/main" val="808798365"/>
+        <p14:creationId xmlns:p14="http://schemas.microsoft.com/office/powerpoint/2010/main" val="2744333271"/>
       </p:ext>
     </p:extLst>
   </p:cSld>
   <p:clrMapOvr>
     <a:masterClrMapping/>
   </p:clrMapOvr>
+  <p:timing>
+    <p:tnLst>
+      <p:par>
+        <p:cTn id="1" dur="indefinite" restart="never" nodeType="tmRoot"/>
+      </p:par>
+    </p:tnLst>
+  </p:timing>
 </p:sld>
 </file>
 
@@ -15046,7 +15010,90 @@
           <a:p>
             <a:r>
               <a:rPr lang="de-AT" dirty="0" smtClean="0"/>
-              <a:t>Layout</a:t>
+              <a:t>GUI und Tests</a:t>
+            </a:r>
+            <a:endParaRPr lang="de-AT" dirty="0"/>
+          </a:p>
+        </p:txBody>
+      </p:sp>
+      <p:sp>
+        <p:nvSpPr>
+          <p:cNvPr id="3" name="Textplatzhalter 2"/>
+          <p:cNvSpPr>
+            <a:spLocks noGrp="1"/>
+          </p:cNvSpPr>
+          <p:nvPr>
+            <p:ph type="body" idx="1"/>
+          </p:nvPr>
+        </p:nvSpPr>
+        <p:spPr/>
+        <p:txBody>
+          <a:bodyPr/>
+          <a:lstStyle/>
+          <a:p>
+            <a:r>
+              <a:rPr lang="de-AT" dirty="0" smtClean="0"/>
+              <a:t>Die unendliche Geschichte</a:t>
+            </a:r>
+            <a:endParaRPr lang="de-AT" dirty="0"/>
+          </a:p>
+        </p:txBody>
+      </p:sp>
+    </p:spTree>
+    <p:extLst>
+      <p:ext uri="{BB962C8B-B14F-4D97-AF65-F5344CB8AC3E}">
+        <p14:creationId xmlns:p14="http://schemas.microsoft.com/office/powerpoint/2010/main" val="791360354"/>
+      </p:ext>
+    </p:extLst>
+  </p:cSld>
+  <p:clrMapOvr>
+    <a:masterClrMapping/>
+  </p:clrMapOvr>
+  <p:timing>
+    <p:tnLst>
+      <p:par>
+        <p:cTn id="1" dur="indefinite" restart="never" nodeType="tmRoot"/>
+      </p:par>
+    </p:tnLst>
+  </p:timing>
+</p:sld>
+</file>
+
+<file path=ppt/slides/slide47.xml><?xml version="1.0" encoding="utf-8"?>
+<p:sld xmlns:a="http://schemas.openxmlformats.org/drawingml/2006/main" xmlns:r="http://schemas.openxmlformats.org/officeDocument/2006/relationships" xmlns:p="http://schemas.openxmlformats.org/presentationml/2006/main">
+  <p:cSld>
+    <p:spTree>
+      <p:nvGrpSpPr>
+        <p:cNvPr id="1" name=""/>
+        <p:cNvGrpSpPr/>
+        <p:nvPr/>
+      </p:nvGrpSpPr>
+      <p:grpSpPr>
+        <a:xfrm>
+          <a:off x="0" y="0"/>
+          <a:ext cx="0" cy="0"/>
+          <a:chOff x="0" y="0"/>
+          <a:chExt cx="0" cy="0"/>
+        </a:xfrm>
+      </p:grpSpPr>
+      <p:sp>
+        <p:nvSpPr>
+          <p:cNvPr id="2" name="Titel 1"/>
+          <p:cNvSpPr>
+            <a:spLocks noGrp="1"/>
+          </p:cNvSpPr>
+          <p:nvPr>
+            <p:ph type="title"/>
+          </p:nvPr>
+        </p:nvSpPr>
+        <p:spPr/>
+        <p:txBody>
+          <a:bodyPr/>
+          <a:lstStyle/>
+          <a:p>
+            <a:r>
+              <a:rPr lang="de-AT" dirty="0" smtClean="0"/>
+              <a:t>Allgemeines zur Oberfläche</a:t>
             </a:r>
             <a:endParaRPr lang="de-AT" dirty="0"/>
           </a:p>
@@ -15073,7 +15120,7 @@
             </a:pPr>
             <a:r>
               <a:rPr lang="de-AT" dirty="0" smtClean="0"/>
-              <a:t>Basis Einstiegspunkt</a:t>
+              <a:t>Swing – GUI</a:t>
             </a:r>
           </a:p>
           <a:p>
@@ -15083,7 +15130,7 @@
             </a:pPr>
             <a:r>
               <a:rPr lang="de-AT" dirty="0" smtClean="0"/>
-              <a:t>Grob Navigation über Tabs</a:t>
+              <a:t>möglichst wenig Logik</a:t>
             </a:r>
           </a:p>
           <a:p>
@@ -15093,9 +15140,31 @@
             </a:pPr>
             <a:r>
               <a:rPr lang="de-AT" dirty="0" smtClean="0"/>
-              <a:t>Erweiterbarkeit</a:t>
-            </a:r>
-            <a:endParaRPr lang="de-AT" dirty="0"/>
+              <a:t> </a:t>
+            </a:r>
+            <a:r>
+              <a:rPr lang="de-AT" dirty="0" err="1" smtClean="0"/>
+              <a:t>UseCase</a:t>
+            </a:r>
+            <a:r>
+              <a:rPr lang="de-AT" dirty="0" smtClean="0"/>
+              <a:t> Controllern</a:t>
+            </a:r>
+          </a:p>
+          <a:p>
+            <a:pPr>
+              <a:buFont typeface="Arial" panose="020B0604020202020204" pitchFamily="34" charset="0"/>
+              <a:buChar char="•"/>
+            </a:pPr>
+            <a:r>
+              <a:rPr lang="de-AT" dirty="0" err="1" smtClean="0"/>
+              <a:t>IUseCaseControllerFactory</a:t>
+            </a:r>
+            <a:r>
+              <a:rPr lang="de-AT" dirty="0"/>
+              <a:t> </a:t>
+            </a:r>
+            <a:endParaRPr lang="de-AT" dirty="0" smtClean="0"/>
           </a:p>
           <a:p>
             <a:pPr lvl="1">
@@ -15104,7 +15173,7 @@
             </a:pPr>
             <a:r>
               <a:rPr lang="de-AT" dirty="0" smtClean="0"/>
-              <a:t>Übersichtlichkeit</a:t>
+              <a:t>vereinfacht Technologie Anpassung</a:t>
             </a:r>
           </a:p>
           <a:p>
@@ -15113,6 +15182,456 @@
               <a:buChar char="•"/>
             </a:pPr>
             <a:r>
+              <a:rPr lang="de-AT" dirty="0" smtClean="0"/>
+              <a:t>Actions vermitteln</a:t>
+            </a:r>
+            <a:endParaRPr lang="de-AT" dirty="0"/>
+          </a:p>
+        </p:txBody>
+      </p:sp>
+    </p:spTree>
+    <p:extLst>
+      <p:ext uri="{BB962C8B-B14F-4D97-AF65-F5344CB8AC3E}">
+        <p14:creationId xmlns:p14="http://schemas.microsoft.com/office/powerpoint/2010/main" val="3047194823"/>
+      </p:ext>
+    </p:extLst>
+  </p:cSld>
+  <p:clrMapOvr>
+    <a:masterClrMapping/>
+  </p:clrMapOvr>
+  <p:timing>
+    <p:tnLst>
+      <p:par>
+        <p:cTn id="1" dur="indefinite" restart="never" nodeType="tmRoot"/>
+      </p:par>
+    </p:tnLst>
+  </p:timing>
+</p:sld>
+</file>
+
+<file path=ppt/slides/slide48.xml><?xml version="1.0" encoding="utf-8"?>
+<p:sld xmlns:a="http://schemas.openxmlformats.org/drawingml/2006/main" xmlns:r="http://schemas.openxmlformats.org/officeDocument/2006/relationships" xmlns:p="http://schemas.openxmlformats.org/presentationml/2006/main">
+  <p:cSld>
+    <p:spTree>
+      <p:nvGrpSpPr>
+        <p:cNvPr id="1" name=""/>
+        <p:cNvGrpSpPr/>
+        <p:nvPr/>
+      </p:nvGrpSpPr>
+      <p:grpSpPr>
+        <a:xfrm>
+          <a:off x="0" y="0"/>
+          <a:ext cx="0" cy="0"/>
+          <a:chOff x="0" y="0"/>
+          <a:chExt cx="0" cy="0"/>
+        </a:xfrm>
+      </p:grpSpPr>
+      <p:sp>
+        <p:nvSpPr>
+          <p:cNvPr id="2" name="Titel 1"/>
+          <p:cNvSpPr>
+            <a:spLocks noGrp="1"/>
+          </p:cNvSpPr>
+          <p:nvPr>
+            <p:ph type="title"/>
+          </p:nvPr>
+        </p:nvSpPr>
+        <p:spPr/>
+        <p:txBody>
+          <a:bodyPr>
+            <a:normAutofit/>
+          </a:bodyPr>
+          <a:lstStyle/>
+          <a:p>
+            <a:r>
+              <a:rPr lang="de-AT" dirty="0" err="1" smtClean="0"/>
+              <a:t>UseCase</a:t>
+            </a:r>
+            <a:r>
+              <a:rPr lang="de-AT" smtClean="0"/>
+              <a:t> Controller </a:t>
+            </a:r>
+            <a:r>
+              <a:rPr lang="de-AT" dirty="0" smtClean="0"/>
+              <a:t>Factory</a:t>
+            </a:r>
+            <a:endParaRPr lang="de-AT" dirty="0"/>
+          </a:p>
+        </p:txBody>
+      </p:sp>
+      <p:sp>
+        <p:nvSpPr>
+          <p:cNvPr id="3" name="Inhaltsplatzhalter 2"/>
+          <p:cNvSpPr>
+            <a:spLocks noGrp="1"/>
+          </p:cNvSpPr>
+          <p:nvPr>
+            <p:ph idx="1"/>
+          </p:nvPr>
+        </p:nvSpPr>
+        <p:spPr/>
+        <p:txBody>
+          <a:bodyPr>
+            <a:noAutofit/>
+          </a:bodyPr>
+          <a:lstStyle/>
+          <a:p>
+            <a:pPr marL="0" indent="0">
+              <a:buNone/>
+            </a:pPr>
+            <a:r>
+              <a:rPr lang="de-AT" sz="2000" dirty="0" err="1">
+                <a:cs typeface="Consolas" pitchFamily="49" charset="0"/>
+              </a:rPr>
+              <a:t>public</a:t>
+            </a:r>
+            <a:r>
+              <a:rPr lang="de-AT" sz="2000" dirty="0">
+                <a:cs typeface="Consolas" pitchFamily="49" charset="0"/>
+              </a:rPr>
+              <a:t> </a:t>
+            </a:r>
+            <a:r>
+              <a:rPr lang="de-AT" sz="2000" dirty="0" err="1">
+                <a:cs typeface="Consolas" pitchFamily="49" charset="0"/>
+              </a:rPr>
+              <a:t>interface</a:t>
+            </a:r>
+            <a:r>
+              <a:rPr lang="de-AT" sz="2000" dirty="0">
+                <a:cs typeface="Consolas" pitchFamily="49" charset="0"/>
+              </a:rPr>
+              <a:t> </a:t>
+            </a:r>
+            <a:r>
+              <a:rPr lang="de-AT" sz="2000" dirty="0" err="1">
+                <a:cs typeface="Consolas" pitchFamily="49" charset="0"/>
+              </a:rPr>
+              <a:t>IUseCaseControllerFactory</a:t>
+            </a:r>
+            <a:endParaRPr lang="de-AT" sz="2000" dirty="0">
+              <a:cs typeface="Consolas" pitchFamily="49" charset="0"/>
+            </a:endParaRPr>
+          </a:p>
+          <a:p>
+            <a:pPr marL="0" indent="0">
+              <a:buNone/>
+            </a:pPr>
+            <a:r>
+              <a:rPr lang="de-AT" sz="2000" dirty="0">
+                <a:cs typeface="Consolas" pitchFamily="49" charset="0"/>
+              </a:rPr>
+              <a:t>{</a:t>
+            </a:r>
+          </a:p>
+          <a:p>
+            <a:pPr marL="0" indent="0">
+              <a:buNone/>
+            </a:pPr>
+            <a:r>
+              <a:rPr lang="de-AT" sz="2000" dirty="0">
+                <a:cs typeface="Consolas" pitchFamily="49" charset="0"/>
+              </a:rPr>
+              <a:t>    </a:t>
+            </a:r>
+            <a:r>
+              <a:rPr lang="de-AT" sz="2000" dirty="0" err="1">
+                <a:cs typeface="Consolas" pitchFamily="49" charset="0"/>
+              </a:rPr>
+              <a:t>IAddMatchResultsController</a:t>
+            </a:r>
+            <a:r>
+              <a:rPr lang="de-AT" sz="2000" dirty="0">
+                <a:cs typeface="Consolas" pitchFamily="49" charset="0"/>
+              </a:rPr>
+              <a:t> </a:t>
+            </a:r>
+            <a:r>
+              <a:rPr lang="de-AT" sz="2000" dirty="0" err="1">
+                <a:cs typeface="Consolas" pitchFamily="49" charset="0"/>
+              </a:rPr>
+              <a:t>getAddMatchResultsController</a:t>
+            </a:r>
+            <a:r>
+              <a:rPr lang="de-AT" sz="2000" dirty="0">
+                <a:cs typeface="Consolas" pitchFamily="49" charset="0"/>
+              </a:rPr>
+              <a:t>()</a:t>
+            </a:r>
+          </a:p>
+          <a:p>
+            <a:pPr marL="0" indent="0">
+              <a:buNone/>
+            </a:pPr>
+            <a:r>
+              <a:rPr lang="de-AT" sz="2000" dirty="0">
+                <a:cs typeface="Consolas" pitchFamily="49" charset="0"/>
+              </a:rPr>
+              <a:t>            </a:t>
+            </a:r>
+            <a:r>
+              <a:rPr lang="de-AT" sz="2000" dirty="0" err="1">
+                <a:cs typeface="Consolas" pitchFamily="49" charset="0"/>
+              </a:rPr>
+              <a:t>throws</a:t>
+            </a:r>
+            <a:r>
+              <a:rPr lang="de-AT" sz="2000" dirty="0">
+                <a:cs typeface="Consolas" pitchFamily="49" charset="0"/>
+              </a:rPr>
+              <a:t> </a:t>
+            </a:r>
+            <a:r>
+              <a:rPr lang="de-AT" sz="2000" dirty="0" err="1">
+                <a:cs typeface="Consolas" pitchFamily="49" charset="0"/>
+              </a:rPr>
+              <a:t>ServiceNotAvailableException</a:t>
+            </a:r>
+            <a:r>
+              <a:rPr lang="de-AT" sz="2000" dirty="0">
+                <a:cs typeface="Consolas" pitchFamily="49" charset="0"/>
+              </a:rPr>
+              <a:t>;</a:t>
+            </a:r>
+          </a:p>
+          <a:p>
+            <a:pPr marL="0" indent="0">
+              <a:buNone/>
+            </a:pPr>
+            <a:endParaRPr lang="de-AT" sz="2000" dirty="0">
+              <a:cs typeface="Consolas" pitchFamily="49" charset="0"/>
+            </a:endParaRPr>
+          </a:p>
+          <a:p>
+            <a:pPr marL="0" indent="0">
+              <a:buNone/>
+            </a:pPr>
+            <a:r>
+              <a:rPr lang="de-AT" sz="2000" dirty="0">
+                <a:cs typeface="Consolas" pitchFamily="49" charset="0"/>
+              </a:rPr>
+              <a:t>    </a:t>
+            </a:r>
+            <a:r>
+              <a:rPr lang="de-AT" sz="2000" dirty="0" err="1">
+                <a:cs typeface="Consolas" pitchFamily="49" charset="0"/>
+              </a:rPr>
+              <a:t>IChangeCompetitionTeamController</a:t>
+            </a:r>
+            <a:r>
+              <a:rPr lang="de-AT" sz="2000" dirty="0">
+                <a:cs typeface="Consolas" pitchFamily="49" charset="0"/>
+              </a:rPr>
+              <a:t> </a:t>
+            </a:r>
+            <a:r>
+              <a:rPr lang="de-AT" sz="2000" dirty="0" err="1">
+                <a:cs typeface="Consolas" pitchFamily="49" charset="0"/>
+              </a:rPr>
+              <a:t>getChangeCompetitionTeamController</a:t>
+            </a:r>
+            <a:r>
+              <a:rPr lang="de-AT" sz="2000" dirty="0">
+                <a:cs typeface="Consolas" pitchFamily="49" charset="0"/>
+              </a:rPr>
+              <a:t>()</a:t>
+            </a:r>
+          </a:p>
+          <a:p>
+            <a:pPr marL="0" indent="0">
+              <a:buNone/>
+            </a:pPr>
+            <a:r>
+              <a:rPr lang="de-AT" sz="2000" dirty="0">
+                <a:cs typeface="Consolas" pitchFamily="49" charset="0"/>
+              </a:rPr>
+              <a:t>            </a:t>
+            </a:r>
+            <a:r>
+              <a:rPr lang="de-AT" sz="2000" dirty="0" err="1">
+                <a:cs typeface="Consolas" pitchFamily="49" charset="0"/>
+              </a:rPr>
+              <a:t>throws</a:t>
+            </a:r>
+            <a:r>
+              <a:rPr lang="de-AT" sz="2000" dirty="0">
+                <a:cs typeface="Consolas" pitchFamily="49" charset="0"/>
+              </a:rPr>
+              <a:t> </a:t>
+            </a:r>
+            <a:r>
+              <a:rPr lang="de-AT" sz="2000" dirty="0" err="1">
+                <a:cs typeface="Consolas" pitchFamily="49" charset="0"/>
+              </a:rPr>
+              <a:t>ServiceNotAvailableException</a:t>
+            </a:r>
+            <a:r>
+              <a:rPr lang="de-AT" sz="2000" dirty="0" smtClean="0">
+                <a:cs typeface="Consolas" pitchFamily="49" charset="0"/>
+              </a:rPr>
+              <a:t>;</a:t>
+            </a:r>
+            <a:endParaRPr lang="de-AT" sz="2000" dirty="0">
+              <a:cs typeface="Consolas" pitchFamily="49" charset="0"/>
+            </a:endParaRPr>
+          </a:p>
+          <a:p>
+            <a:pPr marL="0" indent="0">
+              <a:buNone/>
+            </a:pPr>
+            <a:r>
+              <a:rPr lang="de-AT" sz="2000" dirty="0">
+                <a:cs typeface="Consolas" pitchFamily="49" charset="0"/>
+              </a:rPr>
+              <a:t>    </a:t>
+            </a:r>
+            <a:r>
+              <a:rPr lang="de-AT" sz="2000" dirty="0" smtClean="0">
+                <a:cs typeface="Consolas" pitchFamily="49" charset="0"/>
+              </a:rPr>
+              <a:t>…</a:t>
+            </a:r>
+            <a:endParaRPr lang="de-AT" sz="2000" dirty="0">
+              <a:cs typeface="Consolas" pitchFamily="49" charset="0"/>
+            </a:endParaRPr>
+          </a:p>
+          <a:p>
+            <a:pPr marL="0" indent="0">
+              <a:buNone/>
+            </a:pPr>
+            <a:r>
+              <a:rPr lang="de-AT" sz="2000" dirty="0" smtClean="0">
+                <a:cs typeface="Consolas" pitchFamily="49" charset="0"/>
+              </a:rPr>
+              <a:t>}</a:t>
+            </a:r>
+            <a:endParaRPr lang="de-AT" sz="2000" dirty="0">
+              <a:cs typeface="Consolas" pitchFamily="49" charset="0"/>
+            </a:endParaRPr>
+          </a:p>
+        </p:txBody>
+      </p:sp>
+    </p:spTree>
+    <p:extLst>
+      <p:ext uri="{BB962C8B-B14F-4D97-AF65-F5344CB8AC3E}">
+        <p14:creationId xmlns:p14="http://schemas.microsoft.com/office/powerpoint/2010/main" val="808798365"/>
+      </p:ext>
+    </p:extLst>
+  </p:cSld>
+  <p:clrMapOvr>
+    <a:masterClrMapping/>
+  </p:clrMapOvr>
+  <p:timing>
+    <p:tnLst>
+      <p:par>
+        <p:cTn id="1" dur="indefinite" restart="never" nodeType="tmRoot"/>
+      </p:par>
+    </p:tnLst>
+  </p:timing>
+</p:sld>
+</file>
+
+<file path=ppt/slides/slide49.xml><?xml version="1.0" encoding="utf-8"?>
+<p:sld xmlns:a="http://schemas.openxmlformats.org/drawingml/2006/main" xmlns:r="http://schemas.openxmlformats.org/officeDocument/2006/relationships" xmlns:p="http://schemas.openxmlformats.org/presentationml/2006/main">
+  <p:cSld>
+    <p:spTree>
+      <p:nvGrpSpPr>
+        <p:cNvPr id="1" name=""/>
+        <p:cNvGrpSpPr/>
+        <p:nvPr/>
+      </p:nvGrpSpPr>
+      <p:grpSpPr>
+        <a:xfrm>
+          <a:off x="0" y="0"/>
+          <a:ext cx="0" cy="0"/>
+          <a:chOff x="0" y="0"/>
+          <a:chExt cx="0" cy="0"/>
+        </a:xfrm>
+      </p:grpSpPr>
+      <p:sp>
+        <p:nvSpPr>
+          <p:cNvPr id="2" name="Titel 1"/>
+          <p:cNvSpPr>
+            <a:spLocks noGrp="1"/>
+          </p:cNvSpPr>
+          <p:nvPr>
+            <p:ph type="title"/>
+          </p:nvPr>
+        </p:nvSpPr>
+        <p:spPr/>
+        <p:txBody>
+          <a:bodyPr/>
+          <a:lstStyle/>
+          <a:p>
+            <a:r>
+              <a:rPr lang="de-AT" dirty="0" smtClean="0"/>
+              <a:t>Layout</a:t>
+            </a:r>
+            <a:endParaRPr lang="de-AT" dirty="0"/>
+          </a:p>
+        </p:txBody>
+      </p:sp>
+      <p:sp>
+        <p:nvSpPr>
+          <p:cNvPr id="3" name="Inhaltsplatzhalter 2"/>
+          <p:cNvSpPr>
+            <a:spLocks noGrp="1"/>
+          </p:cNvSpPr>
+          <p:nvPr>
+            <p:ph idx="1"/>
+          </p:nvPr>
+        </p:nvSpPr>
+        <p:spPr/>
+        <p:txBody>
+          <a:bodyPr/>
+          <a:lstStyle/>
+          <a:p>
+            <a:pPr>
+              <a:buFont typeface="Arial" panose="020B0604020202020204" pitchFamily="34" charset="0"/>
+              <a:buChar char="•"/>
+            </a:pPr>
+            <a:r>
+              <a:rPr lang="de-AT" dirty="0" smtClean="0"/>
+              <a:t>Basis Einstiegspunkt</a:t>
+            </a:r>
+          </a:p>
+          <a:p>
+            <a:pPr>
+              <a:buFont typeface="Arial" panose="020B0604020202020204" pitchFamily="34" charset="0"/>
+              <a:buChar char="•"/>
+            </a:pPr>
+            <a:r>
+              <a:rPr lang="de-AT" dirty="0" smtClean="0"/>
+              <a:t>Grob Navigation über Tabs</a:t>
+            </a:r>
+          </a:p>
+          <a:p>
+            <a:pPr lvl="1">
+              <a:buFont typeface="Arial" panose="020B0604020202020204" pitchFamily="34" charset="0"/>
+              <a:buChar char="•"/>
+            </a:pPr>
+            <a:r>
+              <a:rPr lang="de-AT" dirty="0" smtClean="0"/>
+              <a:t>Erweiterbarkeit</a:t>
+            </a:r>
+            <a:endParaRPr lang="de-AT" dirty="0"/>
+          </a:p>
+          <a:p>
+            <a:pPr lvl="1">
+              <a:buFont typeface="Arial" panose="020B0604020202020204" pitchFamily="34" charset="0"/>
+              <a:buChar char="•"/>
+            </a:pPr>
+            <a:r>
+              <a:rPr lang="de-AT" dirty="0" smtClean="0"/>
+              <a:t>Übersichtlichkeit</a:t>
+            </a:r>
+          </a:p>
+          <a:p>
+            <a:pPr>
+              <a:buFont typeface="Arial" panose="020B0604020202020204" pitchFamily="34" charset="0"/>
+              <a:buChar char="•"/>
+            </a:pPr>
+            <a:r>
               <a:rPr lang="de-AT" i="1" dirty="0" smtClean="0"/>
               <a:t>KISS - Keep </a:t>
             </a:r>
@@ -15122,11 +15641,7 @@
             </a:r>
             <a:r>
               <a:rPr lang="de-AT" i="1" dirty="0" smtClean="0"/>
-              <a:t> </a:t>
-            </a:r>
-            <a:r>
-              <a:rPr lang="de-AT" i="1" dirty="0" smtClean="0"/>
-              <a:t>simple stupid</a:t>
+              <a:t> simple stupid</a:t>
             </a:r>
             <a:endParaRPr lang="de-AT" i="1" dirty="0"/>
           </a:p>
@@ -15142,10 +15657,146 @@
   <p:clrMapOvr>
     <a:masterClrMapping/>
   </p:clrMapOvr>
+  <p:timing>
+    <p:tnLst>
+      <p:par>
+        <p:cTn id="1" dur="indefinite" restart="never" nodeType="tmRoot"/>
+      </p:par>
+    </p:tnLst>
+  </p:timing>
 </p:sld>
 </file>
 
-<file path=ppt/slides/slide47.xml><?xml version="1.0" encoding="utf-8"?>
+<file path=ppt/slides/slide5.xml><?xml version="1.0" encoding="utf-8"?>
+<p:sld xmlns:a="http://schemas.openxmlformats.org/drawingml/2006/main" xmlns:r="http://schemas.openxmlformats.org/officeDocument/2006/relationships" xmlns:p="http://schemas.openxmlformats.org/presentationml/2006/main">
+  <p:cSld>
+    <p:spTree>
+      <p:nvGrpSpPr>
+        <p:cNvPr id="1" name=""/>
+        <p:cNvGrpSpPr/>
+        <p:nvPr/>
+      </p:nvGrpSpPr>
+      <p:grpSpPr>
+        <a:xfrm>
+          <a:off x="0" y="0"/>
+          <a:ext cx="0" cy="0"/>
+          <a:chOff x="0" y="0"/>
+          <a:chExt cx="0" cy="0"/>
+        </a:xfrm>
+      </p:grpSpPr>
+      <p:sp>
+        <p:nvSpPr>
+          <p:cNvPr id="2" name="Titel 1"/>
+          <p:cNvSpPr>
+            <a:spLocks noGrp="1"/>
+          </p:cNvSpPr>
+          <p:nvPr>
+            <p:ph type="title"/>
+          </p:nvPr>
+        </p:nvSpPr>
+        <p:spPr/>
+        <p:txBody>
+          <a:bodyPr/>
+          <a:lstStyle/>
+          <a:p>
+            <a:r>
+              <a:rPr lang="de-DE" dirty="0" err="1" smtClean="0"/>
+              <a:t>Mysql</a:t>
+            </a:r>
+            <a:endParaRPr lang="de-DE" dirty="0"/>
+          </a:p>
+        </p:txBody>
+      </p:sp>
+      <p:sp>
+        <p:nvSpPr>
+          <p:cNvPr id="3" name="Inhaltsplatzhalter 2"/>
+          <p:cNvSpPr>
+            <a:spLocks noGrp="1"/>
+          </p:cNvSpPr>
+          <p:nvPr>
+            <p:ph idx="1"/>
+          </p:nvPr>
+        </p:nvSpPr>
+        <p:spPr/>
+        <p:txBody>
+          <a:bodyPr/>
+          <a:lstStyle/>
+          <a:p>
+            <a:pPr>
+              <a:buFont typeface="Arial" panose="020B0604020202020204" pitchFamily="34" charset="0"/>
+              <a:buChar char="•"/>
+            </a:pPr>
+            <a:r>
+              <a:rPr lang="de-DE" dirty="0" smtClean="0"/>
+              <a:t>Freies DBMS</a:t>
+            </a:r>
+          </a:p>
+          <a:p>
+            <a:pPr>
+              <a:buFont typeface="Arial" panose="020B0604020202020204" pitchFamily="34" charset="0"/>
+              <a:buChar char="•"/>
+            </a:pPr>
+            <a:r>
+              <a:rPr lang="de-DE" dirty="0" smtClean="0"/>
+              <a:t>Ausreichend für kleine Projekte</a:t>
+            </a:r>
+          </a:p>
+          <a:p>
+            <a:pPr>
+              <a:buFont typeface="Arial" panose="020B0604020202020204" pitchFamily="34" charset="0"/>
+              <a:buChar char="•"/>
+            </a:pPr>
+            <a:r>
+              <a:rPr lang="de-DE" dirty="0" smtClean="0"/>
+              <a:t>Schnelles Aufsetzen</a:t>
+            </a:r>
+          </a:p>
+          <a:p>
+            <a:pPr>
+              <a:buFont typeface="Arial" panose="020B0604020202020204" pitchFamily="34" charset="0"/>
+              <a:buChar char="•"/>
+            </a:pPr>
+            <a:r>
+              <a:rPr lang="de-DE" dirty="0" smtClean="0"/>
+              <a:t>Via </a:t>
+            </a:r>
+            <a:r>
+              <a:rPr lang="de-DE" dirty="0" err="1" smtClean="0"/>
+              <a:t>PhpMyAdmin</a:t>
+            </a:r>
+            <a:r>
+              <a:rPr lang="de-DE" dirty="0" smtClean="0"/>
+              <a:t> gut </a:t>
+            </a:r>
+            <a:r>
+              <a:rPr lang="de-DE" dirty="0" err="1" smtClean="0"/>
+              <a:t>verwaltbar</a:t>
+            </a:r>
+            <a:endParaRPr lang="de-DE" dirty="0"/>
+          </a:p>
+        </p:txBody>
+      </p:sp>
+    </p:spTree>
+    <p:extLst>
+      <p:ext uri="{BB962C8B-B14F-4D97-AF65-F5344CB8AC3E}">
+        <p14:creationId xmlns:p14="http://schemas.microsoft.com/office/powerpoint/2010/main" val="3989647736"/>
+      </p:ext>
+    </p:extLst>
+  </p:cSld>
+  <p:clrMapOvr>
+    <a:masterClrMapping/>
+  </p:clrMapOvr>
+  <p:timing>
+    <p:tnLst>
+      <p:par>
+        <p:cTn id="1" dur="indefinite" restart="never" nodeType="tmRoot"/>
+      </p:par>
+    </p:tnLst>
+  </p:timing>
+</p:sld>
+</file>
+
+<file path=ppt/slides/slide50.xml><?xml version="1.0" encoding="utf-8"?>
 <p:sld xmlns:a="http://schemas.openxmlformats.org/drawingml/2006/main" xmlns:r="http://schemas.openxmlformats.org/officeDocument/2006/relationships" xmlns:p="http://schemas.openxmlformats.org/presentationml/2006/main">
   <p:cSld>
     <p:spTree>
@@ -15259,8 +15910,8 @@
           </a:prstGeom>
           <a:noFill/>
           <a:extLst>
-            <a:ext uri="{909E8E84-426E-40dd-AFC4-6F175D3DCCD1}">
-              <a14:hiddenFill xmlns:a14="http://schemas.microsoft.com/office/drawing/2010/main" xmlns="">
+            <a:ext uri="{909E8E84-426E-40DD-AFC4-6F175D3DCCD1}">
+              <a14:hiddenFill xmlns:a14="http://schemas.microsoft.com/office/drawing/2010/main">
                 <a:solidFill>
                   <a:srgbClr val="FFFFFF"/>
                 </a:solidFill>
@@ -15279,10 +15930,17 @@
   <p:clrMapOvr>
     <a:masterClrMapping/>
   </p:clrMapOvr>
+  <p:timing>
+    <p:tnLst>
+      <p:par>
+        <p:cTn id="1" dur="indefinite" restart="never" nodeType="tmRoot"/>
+      </p:par>
+    </p:tnLst>
+  </p:timing>
 </p:sld>
 </file>
 
-<file path=ppt/slides/slide48.xml><?xml version="1.0" encoding="utf-8"?>
+<file path=ppt/slides/slide51.xml><?xml version="1.0" encoding="utf-8"?>
 <p:sld xmlns:a="http://schemas.openxmlformats.org/drawingml/2006/main" xmlns:r="http://schemas.openxmlformats.org/officeDocument/2006/relationships" xmlns:p="http://schemas.openxmlformats.org/presentationml/2006/main">
   <p:cSld>
     <p:spTree>
@@ -15436,10 +16094,17 @@
   <p:clrMapOvr>
     <a:masterClrMapping/>
   </p:clrMapOvr>
+  <p:timing>
+    <p:tnLst>
+      <p:par>
+        <p:cTn id="1" dur="indefinite" restart="never" nodeType="tmRoot"/>
+      </p:par>
+    </p:tnLst>
+  </p:timing>
 </p:sld>
 </file>
 
-<file path=ppt/slides/slide49.xml><?xml version="1.0" encoding="utf-8"?>
+<file path=ppt/slides/slide52.xml><?xml version="1.0" encoding="utf-8"?>
 <p:sld xmlns:a="http://schemas.openxmlformats.org/drawingml/2006/main" xmlns:r="http://schemas.openxmlformats.org/officeDocument/2006/relationships" xmlns:p="http://schemas.openxmlformats.org/presentationml/2006/main">
   <p:cSld>
     <p:spTree>
@@ -15512,8 +16177,8 @@
           </a:prstGeom>
           <a:noFill/>
           <a:extLst>
-            <a:ext uri="{909E8E84-426E-40dd-AFC4-6F175D3DCCD1}">
-              <a14:hiddenFill xmlns:a14="http://schemas.microsoft.com/office/drawing/2010/main" xmlns="">
+            <a:ext uri="{909E8E84-426E-40DD-AFC4-6F175D3DCCD1}">
+              <a14:hiddenFill xmlns:a14="http://schemas.microsoft.com/office/drawing/2010/main">
                 <a:solidFill>
                   <a:srgbClr val="FFFFFF"/>
                 </a:solidFill>
@@ -15542,129 +16207,7 @@
 </p:sld>
 </file>
 
-<file path=ppt/slides/slide5.xml><?xml version="1.0" encoding="utf-8"?>
-<p:sld xmlns:a="http://schemas.openxmlformats.org/drawingml/2006/main" xmlns:r="http://schemas.openxmlformats.org/officeDocument/2006/relationships" xmlns:p="http://schemas.openxmlformats.org/presentationml/2006/main">
-  <p:cSld>
-    <p:spTree>
-      <p:nvGrpSpPr>
-        <p:cNvPr id="1" name=""/>
-        <p:cNvGrpSpPr/>
-        <p:nvPr/>
-      </p:nvGrpSpPr>
-      <p:grpSpPr>
-        <a:xfrm>
-          <a:off x="0" y="0"/>
-          <a:ext cx="0" cy="0"/>
-          <a:chOff x="0" y="0"/>
-          <a:chExt cx="0" cy="0"/>
-        </a:xfrm>
-      </p:grpSpPr>
-      <p:sp>
-        <p:nvSpPr>
-          <p:cNvPr id="2" name="Titel 1"/>
-          <p:cNvSpPr>
-            <a:spLocks noGrp="1"/>
-          </p:cNvSpPr>
-          <p:nvPr>
-            <p:ph type="title"/>
-          </p:nvPr>
-        </p:nvSpPr>
-        <p:spPr/>
-        <p:txBody>
-          <a:bodyPr/>
-          <a:lstStyle/>
-          <a:p>
-            <a:r>
-              <a:rPr lang="de-DE" dirty="0" err="1" smtClean="0"/>
-              <a:t>Mysql</a:t>
-            </a:r>
-            <a:endParaRPr lang="de-DE" dirty="0"/>
-          </a:p>
-        </p:txBody>
-      </p:sp>
-      <p:sp>
-        <p:nvSpPr>
-          <p:cNvPr id="3" name="Inhaltsplatzhalter 2"/>
-          <p:cNvSpPr>
-            <a:spLocks noGrp="1"/>
-          </p:cNvSpPr>
-          <p:nvPr>
-            <p:ph idx="1"/>
-          </p:nvPr>
-        </p:nvSpPr>
-        <p:spPr/>
-        <p:txBody>
-          <a:bodyPr/>
-          <a:lstStyle/>
-          <a:p>
-            <a:pPr>
-              <a:buFont typeface="Arial" panose="020B0604020202020204" pitchFamily="34" charset="0"/>
-              <a:buChar char="•"/>
-            </a:pPr>
-            <a:r>
-              <a:rPr lang="de-DE" dirty="0" smtClean="0"/>
-              <a:t>Freies DBMS</a:t>
-            </a:r>
-          </a:p>
-          <a:p>
-            <a:pPr>
-              <a:buFont typeface="Arial" panose="020B0604020202020204" pitchFamily="34" charset="0"/>
-              <a:buChar char="•"/>
-            </a:pPr>
-            <a:r>
-              <a:rPr lang="de-DE" dirty="0" smtClean="0"/>
-              <a:t>Ausreichend für kleine Projekte</a:t>
-            </a:r>
-          </a:p>
-          <a:p>
-            <a:pPr>
-              <a:buFont typeface="Arial" panose="020B0604020202020204" pitchFamily="34" charset="0"/>
-              <a:buChar char="•"/>
-            </a:pPr>
-            <a:r>
-              <a:rPr lang="de-DE" dirty="0" smtClean="0"/>
-              <a:t>Schnelles Aufsetzen</a:t>
-            </a:r>
-          </a:p>
-          <a:p>
-            <a:pPr>
-              <a:buFont typeface="Arial" panose="020B0604020202020204" pitchFamily="34" charset="0"/>
-              <a:buChar char="•"/>
-            </a:pPr>
-            <a:r>
-              <a:rPr lang="de-DE" dirty="0" smtClean="0"/>
-              <a:t>Via </a:t>
-            </a:r>
-            <a:r>
-              <a:rPr lang="de-DE" dirty="0" err="1" smtClean="0"/>
-              <a:t>PhpMyAdmin</a:t>
-            </a:r>
-            <a:r>
-              <a:rPr lang="de-DE" dirty="0" smtClean="0"/>
-              <a:t> gut </a:t>
-            </a:r>
-            <a:r>
-              <a:rPr lang="de-DE" dirty="0" err="1" smtClean="0"/>
-              <a:t>verwaltbar</a:t>
-            </a:r>
-            <a:endParaRPr lang="de-DE" dirty="0"/>
-          </a:p>
-        </p:txBody>
-      </p:sp>
-    </p:spTree>
-    <p:extLst>
-      <p:ext uri="{BB962C8B-B14F-4D97-AF65-F5344CB8AC3E}">
-        <p14:creationId xmlns:p14="http://schemas.microsoft.com/office/powerpoint/2010/main" val="3989647736"/>
-      </p:ext>
-    </p:extLst>
-  </p:cSld>
-  <p:clrMapOvr>
-    <a:masterClrMapping/>
-  </p:clrMapOvr>
-</p:sld>
-</file>
-
-<file path=ppt/slides/slide50.xml><?xml version="1.0" encoding="utf-8"?>
+<file path=ppt/slides/slide53.xml><?xml version="1.0" encoding="utf-8"?>
 <p:sld xmlns:a="http://schemas.openxmlformats.org/drawingml/2006/main" xmlns:r="http://schemas.openxmlformats.org/officeDocument/2006/relationships" xmlns:p="http://schemas.openxmlformats.org/presentationml/2006/main">
   <p:cSld>
     <p:spTree>
@@ -16282,15 +16825,15 @@
           </a:ln>
           <a:effectLst/>
           <a:extLst>
-            <a:ext uri="{909E8E84-426E-40dd-AFC4-6F175D3DCCD1}">
-              <a14:hiddenFill xmlns:a14="http://schemas.microsoft.com/office/drawing/2010/main" xmlns="">
+            <a:ext uri="{909E8E84-426E-40DD-AFC4-6F175D3DCCD1}">
+              <a14:hiddenFill xmlns:a14="http://schemas.microsoft.com/office/drawing/2010/main">
                 <a:solidFill>
                   <a:schemeClr val="accent1"/>
                 </a:solidFill>
               </a14:hiddenFill>
             </a:ext>
-            <a:ext uri="{91240B29-F687-4f45-9708-019B960494DF}">
-              <a14:hiddenLine xmlns:a14="http://schemas.microsoft.com/office/drawing/2010/main" xmlns="" w="9525">
+            <a:ext uri="{91240B29-F687-4F45-9708-019B960494DF}">
+              <a14:hiddenLine xmlns:a14="http://schemas.microsoft.com/office/drawing/2010/main" w="9525">
                 <a:solidFill>
                   <a:schemeClr val="tx1"/>
                 </a:solidFill>
@@ -16299,8 +16842,8 @@
                 <a:tailEnd/>
               </a14:hiddenLine>
             </a:ext>
-            <a:ext uri="{AF507438-7753-43e0-B8FC-AC1667EBCBE1}">
-              <a14:hiddenEffects xmlns:a14="http://schemas.microsoft.com/office/drawing/2010/main" xmlns="">
+            <a:ext uri="{AF507438-7753-43E0-B8FC-AC1667EBCBE1}">
+              <a14:hiddenEffects xmlns:a14="http://schemas.microsoft.com/office/drawing/2010/main">
                 <a:effectLst>
                   <a:outerShdw dist="35921" dir="2700000" algn="ctr" rotWithShape="0">
                     <a:schemeClr val="bg2"/>
@@ -16315,428 +16858,6 @@
     <p:extLst>
       <p:ext uri="{BB962C8B-B14F-4D97-AF65-F5344CB8AC3E}">
         <p14:creationId xmlns:p14="http://schemas.microsoft.com/office/powerpoint/2010/main" val="332312375"/>
-      </p:ext>
-    </p:extLst>
-  </p:cSld>
-  <p:clrMapOvr>
-    <a:masterClrMapping/>
-  </p:clrMapOvr>
-  <p:timing>
-    <p:tnLst>
-      <p:par>
-        <p:cTn id="1" dur="indefinite" restart="never" nodeType="tmRoot"/>
-      </p:par>
-    </p:tnLst>
-  </p:timing>
-</p:sld>
-</file>
-
-<file path=ppt/slides/slide51.xml><?xml version="1.0" encoding="utf-8"?>
-<p:sld xmlns:a="http://schemas.openxmlformats.org/drawingml/2006/main" xmlns:r="http://schemas.openxmlformats.org/officeDocument/2006/relationships" xmlns:p="http://schemas.openxmlformats.org/presentationml/2006/main">
-  <p:cSld>
-    <p:spTree>
-      <p:nvGrpSpPr>
-        <p:cNvPr id="1" name=""/>
-        <p:cNvGrpSpPr/>
-        <p:nvPr/>
-      </p:nvGrpSpPr>
-      <p:grpSpPr>
-        <a:xfrm>
-          <a:off x="0" y="0"/>
-          <a:ext cx="0" cy="0"/>
-          <a:chOff x="0" y="0"/>
-          <a:chExt cx="0" cy="0"/>
-        </a:xfrm>
-      </p:grpSpPr>
-      <p:sp>
-        <p:nvSpPr>
-          <p:cNvPr id="4" name="Titel 3"/>
-          <p:cNvSpPr>
-            <a:spLocks noGrp="1"/>
-          </p:cNvSpPr>
-          <p:nvPr>
-            <p:ph type="title"/>
-          </p:nvPr>
-        </p:nvSpPr>
-        <p:spPr/>
-        <p:txBody>
-          <a:bodyPr/>
-          <a:lstStyle/>
-          <a:p>
-            <a:r>
-              <a:rPr lang="de-AT" dirty="0" smtClean="0"/>
-              <a:t>Wettkampf anlegen</a:t>
-            </a:r>
-            <a:endParaRPr lang="de-AT" dirty="0"/>
-          </a:p>
-        </p:txBody>
-      </p:sp>
-      <p:pic>
-        <p:nvPicPr>
-          <p:cNvPr id="4101" name="Picture 5" descr="C:\Users\luc\Desktop\CreateCompetition.png"/>
-          <p:cNvPicPr>
-            <a:picLocks noGrp="1" noChangeAspect="1" noChangeArrowheads="1"/>
-          </p:cNvPicPr>
-          <p:nvPr>
-            <p:ph idx="1"/>
-          </p:nvPr>
-        </p:nvPicPr>
-        <p:blipFill>
-          <a:blip r:embed="rId2">
-            <a:extLst>
-              <a:ext uri="{28A0092B-C50C-407E-A947-70E740481C1C}">
-                <a14:useLocalDpi xmlns:a14="http://schemas.microsoft.com/office/drawing/2010/main" val="0"/>
-              </a:ext>
-            </a:extLst>
-          </a:blip>
-          <a:srcRect/>
-          <a:stretch>
-            <a:fillRect/>
-          </a:stretch>
-        </p:blipFill>
-        <p:spPr bwMode="auto">
-          <a:xfrm>
-            <a:off x="2677883" y="2286000"/>
-            <a:ext cx="6226633" cy="4022725"/>
-          </a:xfrm>
-          <a:prstGeom prst="rect">
-            <a:avLst/>
-          </a:prstGeom>
-          <a:noFill/>
-          <a:extLst>
-            <a:ext uri="{909E8E84-426E-40dd-AFC4-6F175D3DCCD1}">
-              <a14:hiddenFill xmlns:a14="http://schemas.microsoft.com/office/drawing/2010/main" xmlns="">
-                <a:solidFill>
-                  <a:srgbClr val="FFFFFF"/>
-                </a:solidFill>
-              </a14:hiddenFill>
-            </a:ext>
-          </a:extLst>
-        </p:spPr>
-      </p:pic>
-    </p:spTree>
-    <p:extLst>
-      <p:ext uri="{BB962C8B-B14F-4D97-AF65-F5344CB8AC3E}">
-        <p14:creationId xmlns:p14="http://schemas.microsoft.com/office/powerpoint/2010/main" val="1123659033"/>
-      </p:ext>
-    </p:extLst>
-  </p:cSld>
-  <p:clrMapOvr>
-    <a:masterClrMapping/>
-  </p:clrMapOvr>
-</p:sld>
-</file>
-
-<file path=ppt/slides/slide52.xml><?xml version="1.0" encoding="utf-8"?>
-<p:sld xmlns:a="http://schemas.openxmlformats.org/drawingml/2006/main" xmlns:r="http://schemas.openxmlformats.org/officeDocument/2006/relationships" xmlns:p="http://schemas.openxmlformats.org/presentationml/2006/main">
-  <p:cSld>
-    <p:spTree>
-      <p:nvGrpSpPr>
-        <p:cNvPr id="1" name=""/>
-        <p:cNvGrpSpPr/>
-        <p:nvPr/>
-      </p:nvGrpSpPr>
-      <p:grpSpPr>
-        <a:xfrm>
-          <a:off x="0" y="0"/>
-          <a:ext cx="0" cy="0"/>
-          <a:chOff x="0" y="0"/>
-          <a:chExt cx="0" cy="0"/>
-        </a:xfrm>
-      </p:grpSpPr>
-      <p:sp>
-        <p:nvSpPr>
-          <p:cNvPr id="2" name="Titel 1"/>
-          <p:cNvSpPr>
-            <a:spLocks noGrp="1"/>
-          </p:cNvSpPr>
-          <p:nvPr>
-            <p:ph type="title"/>
-          </p:nvPr>
-        </p:nvSpPr>
-        <p:spPr/>
-        <p:txBody>
-          <a:bodyPr/>
-          <a:lstStyle/>
-          <a:p>
-            <a:r>
-              <a:rPr lang="de-AT" dirty="0" smtClean="0"/>
-              <a:t>Erweiterungen</a:t>
-            </a:r>
-            <a:endParaRPr lang="de-AT" dirty="0"/>
-          </a:p>
-        </p:txBody>
-      </p:sp>
-      <p:sp>
-        <p:nvSpPr>
-          <p:cNvPr id="3" name="Inhaltsplatzhalter 2"/>
-          <p:cNvSpPr>
-            <a:spLocks noGrp="1"/>
-          </p:cNvSpPr>
-          <p:nvPr>
-            <p:ph idx="1"/>
-          </p:nvPr>
-        </p:nvSpPr>
-        <p:spPr/>
-        <p:txBody>
-          <a:bodyPr>
-            <a:normAutofit/>
-          </a:bodyPr>
-          <a:lstStyle/>
-          <a:p>
-            <a:pPr>
-              <a:buFont typeface="Arial" panose="020B0604020202020204" pitchFamily="34" charset="0"/>
-              <a:buChar char="•"/>
-            </a:pPr>
-            <a:r>
-              <a:rPr lang="de-AT" dirty="0" smtClean="0"/>
-              <a:t>Wöchentliche Anpassungen:</a:t>
-            </a:r>
-          </a:p>
-          <a:p>
-            <a:pPr lvl="1">
-              <a:buFont typeface="Arial" panose="020B0604020202020204" pitchFamily="34" charset="0"/>
-              <a:buChar char="•"/>
-            </a:pPr>
-            <a:r>
-              <a:rPr lang="de-AT" dirty="0"/>
-              <a:t>Mitglied zu Team hinzufügen</a:t>
-            </a:r>
-          </a:p>
-          <a:p>
-            <a:pPr lvl="1">
-              <a:buFont typeface="Arial" panose="020B0604020202020204" pitchFamily="34" charset="0"/>
-              <a:buChar char="•"/>
-            </a:pPr>
-            <a:r>
-              <a:rPr lang="de-AT" dirty="0" smtClean="0"/>
-              <a:t>Login mit LDAP, Zugriffserlaubnis?</a:t>
-            </a:r>
-          </a:p>
-          <a:p>
-            <a:pPr lvl="1">
-              <a:buFont typeface="Arial" panose="020B0604020202020204" pitchFamily="34" charset="0"/>
-              <a:buChar char="•"/>
-            </a:pPr>
-            <a:r>
-              <a:rPr lang="de-AT" dirty="0" smtClean="0"/>
-              <a:t>EJB</a:t>
-            </a:r>
-          </a:p>
-          <a:p>
-            <a:pPr lvl="1">
-              <a:buFont typeface="Arial" panose="020B0604020202020204" pitchFamily="34" charset="0"/>
-              <a:buChar char="•"/>
-            </a:pPr>
-            <a:endParaRPr lang="de-AT" dirty="0" smtClean="0"/>
-          </a:p>
-          <a:p>
-            <a:pPr lvl="1">
-              <a:buFont typeface="Arial" panose="020B0604020202020204" pitchFamily="34" charset="0"/>
-              <a:buChar char="•"/>
-            </a:pPr>
-            <a:r>
-              <a:rPr lang="de-AT" dirty="0" smtClean="0"/>
-              <a:t>Wettkampfergebnisse (</a:t>
-            </a:r>
-            <a:r>
-              <a:rPr lang="de-AT" dirty="0" err="1" smtClean="0"/>
-              <a:t>Corba</a:t>
-            </a:r>
-            <a:r>
-              <a:rPr lang="de-AT" dirty="0" smtClean="0"/>
-              <a:t>)</a:t>
-            </a:r>
-          </a:p>
-          <a:p>
-            <a:pPr lvl="1">
-              <a:buFont typeface="Arial" panose="020B0604020202020204" pitchFamily="34" charset="0"/>
-              <a:buChar char="•"/>
-            </a:pPr>
-            <a:r>
-              <a:rPr lang="de-AT" dirty="0"/>
-              <a:t>Einladungen </a:t>
-            </a:r>
-            <a:r>
-              <a:rPr lang="de-AT" dirty="0" smtClean="0"/>
-              <a:t>JMS</a:t>
-            </a:r>
-          </a:p>
-          <a:p>
-            <a:pPr lvl="1">
-              <a:buFont typeface="Arial" panose="020B0604020202020204" pitchFamily="34" charset="0"/>
-              <a:buChar char="•"/>
-            </a:pPr>
-            <a:r>
-              <a:rPr lang="de-AT" dirty="0" err="1" smtClean="0"/>
-              <a:t>WebClient</a:t>
-            </a:r>
-            <a:endParaRPr lang="de-AT" dirty="0" smtClean="0"/>
-          </a:p>
-        </p:txBody>
-      </p:sp>
-    </p:spTree>
-    <p:extLst>
-      <p:ext uri="{BB962C8B-B14F-4D97-AF65-F5344CB8AC3E}">
-        <p14:creationId xmlns:p14="http://schemas.microsoft.com/office/powerpoint/2010/main" val="3732497756"/>
-      </p:ext>
-    </p:extLst>
-  </p:cSld>
-  <p:clrMapOvr>
-    <a:masterClrMapping/>
-  </p:clrMapOvr>
-  <p:timing>
-    <p:tnLst>
-      <p:par>
-        <p:cTn id="1" dur="indefinite" restart="never" nodeType="tmRoot"/>
-      </p:par>
-    </p:tnLst>
-  </p:timing>
-</p:sld>
-</file>
-
-<file path=ppt/slides/slide53.xml><?xml version="1.0" encoding="utf-8"?>
-<p:sld xmlns:a="http://schemas.openxmlformats.org/drawingml/2006/main" xmlns:r="http://schemas.openxmlformats.org/officeDocument/2006/relationships" xmlns:p="http://schemas.openxmlformats.org/presentationml/2006/main">
-  <p:cSld>
-    <p:spTree>
-      <p:nvGrpSpPr>
-        <p:cNvPr id="1" name=""/>
-        <p:cNvGrpSpPr/>
-        <p:nvPr/>
-      </p:nvGrpSpPr>
-      <p:grpSpPr>
-        <a:xfrm>
-          <a:off x="0" y="0"/>
-          <a:ext cx="0" cy="0"/>
-          <a:chOff x="0" y="0"/>
-          <a:chExt cx="0" cy="0"/>
-        </a:xfrm>
-      </p:grpSpPr>
-      <p:sp>
-        <p:nvSpPr>
-          <p:cNvPr id="2" name="Titel 1"/>
-          <p:cNvSpPr>
-            <a:spLocks noGrp="1"/>
-          </p:cNvSpPr>
-          <p:nvPr>
-            <p:ph type="title"/>
-          </p:nvPr>
-        </p:nvSpPr>
-        <p:spPr/>
-        <p:txBody>
-          <a:bodyPr/>
-          <a:lstStyle/>
-          <a:p>
-            <a:r>
-              <a:rPr lang="de-AT" dirty="0" smtClean="0"/>
-              <a:t>Tests &amp; Probleme</a:t>
-            </a:r>
-            <a:endParaRPr lang="de-AT" dirty="0"/>
-          </a:p>
-        </p:txBody>
-      </p:sp>
-      <p:sp>
-        <p:nvSpPr>
-          <p:cNvPr id="3" name="Inhaltsplatzhalter 2"/>
-          <p:cNvSpPr>
-            <a:spLocks noGrp="1"/>
-          </p:cNvSpPr>
-          <p:nvPr>
-            <p:ph idx="1"/>
-          </p:nvPr>
-        </p:nvSpPr>
-        <p:spPr/>
-        <p:txBody>
-          <a:bodyPr/>
-          <a:lstStyle/>
-          <a:p>
-            <a:pPr>
-              <a:buFont typeface="Arial" panose="020B0604020202020204" pitchFamily="34" charset="0"/>
-              <a:buChar char="•"/>
-            </a:pPr>
-            <a:r>
-              <a:rPr lang="de-AT" dirty="0" smtClean="0"/>
-              <a:t>Kompatibilität</a:t>
-            </a:r>
-          </a:p>
-          <a:p>
-            <a:pPr>
-              <a:buFont typeface="Arial" panose="020B0604020202020204" pitchFamily="34" charset="0"/>
-              <a:buChar char="•"/>
-            </a:pPr>
-            <a:r>
-              <a:rPr lang="de-AT" dirty="0" err="1" smtClean="0"/>
-              <a:t>Exception</a:t>
-            </a:r>
-            <a:r>
-              <a:rPr lang="de-AT" dirty="0" smtClean="0"/>
-              <a:t> </a:t>
-            </a:r>
-            <a:r>
-              <a:rPr lang="de-AT" dirty="0" err="1"/>
-              <a:t>Handeling</a:t>
-            </a:r>
-            <a:r>
-              <a:rPr lang="de-AT" dirty="0"/>
-              <a:t> verbessert</a:t>
-            </a:r>
-          </a:p>
-          <a:p>
-            <a:pPr>
-              <a:buFont typeface="Arial" panose="020B0604020202020204" pitchFamily="34" charset="0"/>
-              <a:buChar char="•"/>
-            </a:pPr>
-            <a:r>
-              <a:rPr lang="de-AT" dirty="0"/>
-              <a:t>Aufwändig</a:t>
-            </a:r>
-          </a:p>
-          <a:p>
-            <a:pPr lvl="1">
-              <a:buFont typeface="Arial" panose="020B0604020202020204" pitchFamily="34" charset="0"/>
-              <a:buChar char="•"/>
-            </a:pPr>
-            <a:r>
-              <a:rPr lang="de-AT" dirty="0"/>
-              <a:t>Fehler -&gt; mehrere Schichten</a:t>
-            </a:r>
-          </a:p>
-          <a:p>
-            <a:pPr>
-              <a:buFont typeface="Arial" panose="020B0604020202020204" pitchFamily="34" charset="0"/>
-              <a:buChar char="•"/>
-            </a:pPr>
-            <a:r>
-              <a:rPr lang="de-AT" dirty="0"/>
-              <a:t>Wiederverwendbare Forms</a:t>
-            </a:r>
-          </a:p>
-          <a:p>
-            <a:pPr>
-              <a:buFont typeface="Arial" panose="020B0604020202020204" pitchFamily="34" charset="0"/>
-              <a:buChar char="•"/>
-            </a:pPr>
-            <a:r>
-              <a:rPr lang="de-AT" dirty="0"/>
-              <a:t>Unit Tests</a:t>
-            </a:r>
-          </a:p>
-          <a:p>
-            <a:pPr>
-              <a:buFont typeface="Arial" panose="020B0604020202020204" pitchFamily="34" charset="0"/>
-              <a:buChar char="•"/>
-            </a:pPr>
-            <a:r>
-              <a:rPr lang="de-AT" dirty="0"/>
-              <a:t>Datenbank Testapplikation</a:t>
-            </a:r>
-          </a:p>
-        </p:txBody>
-      </p:sp>
-    </p:spTree>
-    <p:extLst>
-      <p:ext uri="{BB962C8B-B14F-4D97-AF65-F5344CB8AC3E}">
-        <p14:creationId xmlns:p14="http://schemas.microsoft.com/office/powerpoint/2010/main" val="856229136"/>
       </p:ext>
     </p:extLst>
   </p:cSld>
@@ -16772,7 +16893,7 @@
       </p:grpSpPr>
       <p:sp>
         <p:nvSpPr>
-          <p:cNvPr id="2" name="Title 1"/>
+          <p:cNvPr id="4" name="Titel 3"/>
           <p:cNvSpPr>
             <a:spLocks noGrp="1"/>
           </p:cNvSpPr>
@@ -16786,54 +16907,73 @@
           <a:lstStyle/>
           <a:p>
             <a:r>
-              <a:rPr lang="de-AT" dirty="0" err="1" smtClean="0"/>
-              <a:t>Lessons</a:t>
-            </a:r>
-            <a:r>
               <a:rPr lang="de-AT" dirty="0" smtClean="0"/>
-              <a:t> </a:t>
-            </a:r>
-            <a:r>
-              <a:rPr lang="de-AT" dirty="0" err="1" smtClean="0"/>
-              <a:t>Learned</a:t>
+              <a:t>Wettkampf anlegen</a:t>
             </a:r>
             <a:endParaRPr lang="de-AT" dirty="0"/>
           </a:p>
         </p:txBody>
       </p:sp>
-      <p:sp>
-        <p:nvSpPr>
-          <p:cNvPr id="3" name="Text Placeholder 2"/>
-          <p:cNvSpPr>
-            <a:spLocks noGrp="1"/>
-          </p:cNvSpPr>
-          <p:nvPr>
-            <p:ph type="body" idx="1"/>
-          </p:nvPr>
-        </p:nvSpPr>
-        <p:spPr/>
-        <p:txBody>
-          <a:bodyPr/>
-          <a:lstStyle/>
-          <a:p>
-            <a:r>
-              <a:rPr lang="de-AT" dirty="0" smtClean="0"/>
-              <a:t>Das Ende</a:t>
-            </a:r>
-            <a:endParaRPr lang="de-AT" dirty="0"/>
-          </a:p>
-        </p:txBody>
-      </p:sp>
+      <p:pic>
+        <p:nvPicPr>
+          <p:cNvPr id="4101" name="Picture 5" descr="C:\Users\luc\Desktop\CreateCompetition.png"/>
+          <p:cNvPicPr>
+            <a:picLocks noGrp="1" noChangeAspect="1" noChangeArrowheads="1"/>
+          </p:cNvPicPr>
+          <p:nvPr>
+            <p:ph idx="1"/>
+          </p:nvPr>
+        </p:nvPicPr>
+        <p:blipFill>
+          <a:blip r:embed="rId2">
+            <a:extLst>
+              <a:ext uri="{28A0092B-C50C-407E-A947-70E740481C1C}">
+                <a14:useLocalDpi xmlns:a14="http://schemas.microsoft.com/office/drawing/2010/main" val="0"/>
+              </a:ext>
+            </a:extLst>
+          </a:blip>
+          <a:srcRect/>
+          <a:stretch>
+            <a:fillRect/>
+          </a:stretch>
+        </p:blipFill>
+        <p:spPr bwMode="auto">
+          <a:xfrm>
+            <a:off x="2677883" y="2286000"/>
+            <a:ext cx="6226633" cy="4022725"/>
+          </a:xfrm>
+          <a:prstGeom prst="rect">
+            <a:avLst/>
+          </a:prstGeom>
+          <a:noFill/>
+          <a:extLst>
+            <a:ext uri="{909E8E84-426E-40DD-AFC4-6F175D3DCCD1}">
+              <a14:hiddenFill xmlns:a14="http://schemas.microsoft.com/office/drawing/2010/main">
+                <a:solidFill>
+                  <a:srgbClr val="FFFFFF"/>
+                </a:solidFill>
+              </a14:hiddenFill>
+            </a:ext>
+          </a:extLst>
+        </p:spPr>
+      </p:pic>
     </p:spTree>
     <p:extLst>
       <p:ext uri="{BB962C8B-B14F-4D97-AF65-F5344CB8AC3E}">
-        <p14:creationId xmlns:p14="http://schemas.microsoft.com/office/powerpoint/2010/main" val="476809469"/>
+        <p14:creationId xmlns:p14="http://schemas.microsoft.com/office/powerpoint/2010/main" val="1123659033"/>
       </p:ext>
     </p:extLst>
   </p:cSld>
   <p:clrMapOvr>
     <a:masterClrMapping/>
   </p:clrMapOvr>
+  <p:timing>
+    <p:tnLst>
+      <p:par>
+        <p:cTn id="1" dur="indefinite" restart="never" nodeType="tmRoot"/>
+      </p:par>
+    </p:tnLst>
+  </p:timing>
 </p:sld>
 </file>
 
@@ -16870,16 +17010,8 @@
           <a:lstStyle/>
           <a:p>
             <a:r>
-              <a:rPr lang="de-AT" dirty="0" err="1" smtClean="0"/>
-              <a:t>Lessons</a:t>
-            </a:r>
-            <a:r>
               <a:rPr lang="de-AT" dirty="0" smtClean="0"/>
-              <a:t> </a:t>
-            </a:r>
-            <a:r>
-              <a:rPr lang="de-AT" dirty="0" err="1" smtClean="0"/>
-              <a:t>Learned</a:t>
+              <a:t>Erweiterungen</a:t>
             </a:r>
             <a:endParaRPr lang="de-AT" dirty="0"/>
           </a:p>
@@ -16897,7 +17029,9 @@
         </p:nvSpPr>
         <p:spPr/>
         <p:txBody>
-          <a:bodyPr/>
+          <a:bodyPr>
+            <a:normAutofit/>
+          </a:bodyPr>
           <a:lstStyle/>
           <a:p>
             <a:pPr>
@@ -16906,73 +17040,108 @@
             </a:pPr>
             <a:r>
               <a:rPr lang="de-AT" dirty="0" smtClean="0"/>
-              <a:t>Analyse und genaue Aufteilung </a:t>
-            </a:r>
-            <a:r>
-              <a:rPr lang="de-AT" dirty="0"/>
-              <a:t>der </a:t>
-            </a:r>
-            <a:r>
-              <a:rPr lang="de-AT" dirty="0" smtClean="0"/>
-              <a:t>Aufgabenstellung</a:t>
-            </a:r>
-          </a:p>
-          <a:p>
-            <a:pPr>
+              <a:t>Wöchentliche Anpassungen:</a:t>
+            </a:r>
+          </a:p>
+          <a:p>
+            <a:pPr lvl="1">
               <a:buFont typeface="Arial" panose="020B0604020202020204" pitchFamily="34" charset="0"/>
               <a:buChar char="•"/>
             </a:pPr>
             <a:r>
-              <a:rPr lang="de-AT" dirty="0" smtClean="0"/>
-              <a:t>Konflikte </a:t>
-            </a:r>
-            <a:r>
-              <a:rPr lang="de-AT" smtClean="0"/>
-              <a:t>durch verschiedene Technologien</a:t>
-            </a:r>
-            <a:endParaRPr lang="de-AT" dirty="0"/>
-          </a:p>
-          <a:p>
-            <a:pPr>
+              <a:rPr lang="de-AT" dirty="0"/>
+              <a:t>Mitglied zu Team hinzufügen</a:t>
+            </a:r>
+          </a:p>
+          <a:p>
+            <a:pPr lvl="1">
               <a:buFont typeface="Arial" panose="020B0604020202020204" pitchFamily="34" charset="0"/>
               <a:buChar char="•"/>
             </a:pPr>
             <a:r>
-              <a:rPr lang="de-AT" dirty="0" err="1" smtClean="0"/>
-              <a:t>Hibernate</a:t>
-            </a:r>
-            <a:r>
               <a:rPr lang="de-AT" dirty="0" smtClean="0"/>
-              <a:t> vs. </a:t>
-            </a:r>
-            <a:r>
-              <a:rPr lang="de-AT" dirty="0"/>
-              <a:t>Technologie Anpassungen</a:t>
-            </a:r>
-          </a:p>
-          <a:p>
-            <a:pPr>
+              <a:t>Login mit LDAP, Zugriffserlaubnis?</a:t>
+            </a:r>
+          </a:p>
+          <a:p>
+            <a:pPr lvl="1">
               <a:buFont typeface="Arial" panose="020B0604020202020204" pitchFamily="34" charset="0"/>
               <a:buChar char="•"/>
             </a:pPr>
             <a:r>
               <a:rPr lang="de-AT" dirty="0" smtClean="0"/>
-              <a:t>Zeitmanagement essentiell</a:t>
-            </a:r>
-            <a:endParaRPr lang="de-AT" dirty="0"/>
+              <a:t>EJB</a:t>
+            </a:r>
+          </a:p>
+          <a:p>
+            <a:pPr lvl="1">
+              <a:buFont typeface="Arial" panose="020B0604020202020204" pitchFamily="34" charset="0"/>
+              <a:buChar char="•"/>
+            </a:pPr>
+            <a:endParaRPr lang="de-AT" dirty="0" smtClean="0"/>
+          </a:p>
+          <a:p>
+            <a:pPr lvl="1">
+              <a:buFont typeface="Arial" panose="020B0604020202020204" pitchFamily="34" charset="0"/>
+              <a:buChar char="•"/>
+            </a:pPr>
+            <a:r>
+              <a:rPr lang="de-AT" dirty="0" smtClean="0"/>
+              <a:t>Wettkampfergebnisse (</a:t>
+            </a:r>
+            <a:r>
+              <a:rPr lang="de-AT" dirty="0" err="1" smtClean="0"/>
+              <a:t>Corba</a:t>
+            </a:r>
+            <a:r>
+              <a:rPr lang="de-AT" dirty="0" smtClean="0"/>
+              <a:t>)</a:t>
+            </a:r>
+          </a:p>
+          <a:p>
+            <a:pPr lvl="1">
+              <a:buFont typeface="Arial" panose="020B0604020202020204" pitchFamily="34" charset="0"/>
+              <a:buChar char="•"/>
+            </a:pPr>
+            <a:r>
+              <a:rPr lang="de-AT" dirty="0"/>
+              <a:t>Einladungen </a:t>
+            </a:r>
+            <a:r>
+              <a:rPr lang="de-AT" dirty="0" smtClean="0"/>
+              <a:t>JMS</a:t>
+            </a:r>
+          </a:p>
+          <a:p>
+            <a:pPr lvl="1">
+              <a:buFont typeface="Arial" panose="020B0604020202020204" pitchFamily="34" charset="0"/>
+              <a:buChar char="•"/>
+            </a:pPr>
+            <a:r>
+              <a:rPr lang="de-AT" dirty="0" err="1" smtClean="0"/>
+              <a:t>WebClient</a:t>
+            </a:r>
+            <a:endParaRPr lang="de-AT" dirty="0" smtClean="0"/>
           </a:p>
         </p:txBody>
       </p:sp>
     </p:spTree>
     <p:extLst>
       <p:ext uri="{BB962C8B-B14F-4D97-AF65-F5344CB8AC3E}">
-        <p14:creationId xmlns:p14="http://schemas.microsoft.com/office/powerpoint/2010/main" val="3386145516"/>
+        <p14:creationId xmlns:p14="http://schemas.microsoft.com/office/powerpoint/2010/main" val="3732497756"/>
       </p:ext>
     </p:extLst>
   </p:cSld>
   <p:clrMapOvr>
     <a:masterClrMapping/>
   </p:clrMapOvr>
+  <p:timing>
+    <p:tnLst>
+      <p:par>
+        <p:cTn id="1" dur="indefinite" restart="never" nodeType="tmRoot"/>
+      </p:par>
+    </p:tnLst>
+  </p:timing>
 </p:sld>
 </file>
 
@@ -17010,7 +17179,7 @@
           <a:p>
             <a:r>
               <a:rPr lang="de-AT" dirty="0" smtClean="0"/>
-              <a:t>Zeit</a:t>
+              <a:t>Tests &amp; Probleme</a:t>
             </a:r>
             <a:endParaRPr lang="de-AT" dirty="0"/>
           </a:p>
@@ -17036,14 +17205,9 @@
               <a:buChar char="•"/>
             </a:pPr>
             <a:r>
-              <a:rPr lang="de-AT" dirty="0"/>
-              <a:t>8 </a:t>
-            </a:r>
-            <a:r>
-              <a:rPr lang="de-AT" dirty="0" err="1"/>
-              <a:t>Timeboxen</a:t>
-            </a:r>
-            <a:endParaRPr lang="de-AT" dirty="0"/>
+              <a:rPr lang="de-AT" dirty="0" smtClean="0"/>
+              <a:t>Kompatibilität</a:t>
+            </a:r>
           </a:p>
           <a:p>
             <a:pPr>
@@ -17051,8 +17215,20 @@
               <a:buChar char="•"/>
             </a:pPr>
             <a:r>
+              <a:rPr lang="de-AT" dirty="0" err="1" smtClean="0"/>
+              <a:t>Exception</a:t>
+            </a:r>
+            <a:r>
+              <a:rPr lang="de-AT" dirty="0" smtClean="0"/>
+              <a:t> </a:t>
+            </a:r>
+            <a:r>
+              <a:rPr lang="de-AT" dirty="0" err="1"/>
+              <a:t>Handeling</a:t>
+            </a:r>
+            <a:r>
               <a:rPr lang="de-AT" dirty="0"/>
-              <a:t>ca. 11 Wochen</a:t>
+              <a:t> verbessert</a:t>
             </a:r>
           </a:p>
           <a:p>
@@ -17062,7 +17238,47 @@
             </a:pPr>
             <a:r>
               <a:rPr lang="de-AT" dirty="0"/>
-              <a:t>~ 600 h</a:t>
+              <a:t>Aufwändig</a:t>
+            </a:r>
+          </a:p>
+          <a:p>
+            <a:pPr lvl="1">
+              <a:buFont typeface="Arial" panose="020B0604020202020204" pitchFamily="34" charset="0"/>
+              <a:buChar char="•"/>
+            </a:pPr>
+            <a:r>
+              <a:rPr lang="de-AT" dirty="0"/>
+              <a:t>Fehler -&gt; mehrere Schichten</a:t>
+            </a:r>
+          </a:p>
+          <a:p>
+            <a:pPr>
+              <a:buFont typeface="Arial" panose="020B0604020202020204" pitchFamily="34" charset="0"/>
+              <a:buChar char="•"/>
+            </a:pPr>
+            <a:r>
+              <a:rPr lang="de-AT" dirty="0"/>
+              <a:t>Wiederverwendbare Forms</a:t>
+            </a:r>
+          </a:p>
+          <a:p>
+            <a:pPr>
+              <a:buFont typeface="Arial" panose="020B0604020202020204" pitchFamily="34" charset="0"/>
+              <a:buChar char="•"/>
+            </a:pPr>
+            <a:r>
+              <a:rPr lang="de-AT" dirty="0"/>
+              <a:t>Unit Tests</a:t>
+            </a:r>
+          </a:p>
+          <a:p>
+            <a:pPr>
+              <a:buFont typeface="Arial" panose="020B0604020202020204" pitchFamily="34" charset="0"/>
+              <a:buChar char="•"/>
+            </a:pPr>
+            <a:r>
+              <a:rPr lang="de-AT" dirty="0"/>
+              <a:t>Datenbank Testapplikation</a:t>
             </a:r>
           </a:p>
         </p:txBody>
@@ -17070,13 +17286,20 @@
     </p:spTree>
     <p:extLst>
       <p:ext uri="{BB962C8B-B14F-4D97-AF65-F5344CB8AC3E}">
-        <p14:creationId xmlns:p14="http://schemas.microsoft.com/office/powerpoint/2010/main" val="1427317626"/>
+        <p14:creationId xmlns:p14="http://schemas.microsoft.com/office/powerpoint/2010/main" val="856229136"/>
       </p:ext>
     </p:extLst>
   </p:cSld>
   <p:clrMapOvr>
     <a:masterClrMapping/>
   </p:clrMapOvr>
+  <p:timing>
+    <p:tnLst>
+      <p:par>
+        <p:cTn id="1" dur="indefinite" restart="never" nodeType="tmRoot"/>
+      </p:par>
+    </p:tnLst>
+  </p:timing>
 </p:sld>
 </file>
 
@@ -17099,7 +17322,7 @@
       </p:grpSpPr>
       <p:sp>
         <p:nvSpPr>
-          <p:cNvPr id="4" name="Title 3"/>
+          <p:cNvPr id="2" name="Title 1"/>
           <p:cNvSpPr>
             <a:spLocks noGrp="1"/>
           </p:cNvSpPr>
@@ -17114,7 +17337,15 @@
           <a:p>
             <a:r>
               <a:rPr lang="de-AT" dirty="0" err="1" smtClean="0"/>
-              <a:t>ENDe</a:t>
+              <a:t>Lessons</a:t>
+            </a:r>
+            <a:r>
+              <a:rPr lang="de-AT" dirty="0" smtClean="0"/>
+              <a:t> </a:t>
+            </a:r>
+            <a:r>
+              <a:rPr lang="de-AT" dirty="0" err="1" smtClean="0"/>
+              <a:t>Learned</a:t>
             </a:r>
             <a:endParaRPr lang="de-AT" dirty="0"/>
           </a:p>
@@ -17122,12 +17353,12 @@
       </p:sp>
       <p:sp>
         <p:nvSpPr>
-          <p:cNvPr id="5" name="Content Placeholder 4"/>
-          <p:cNvSpPr>
-            <a:spLocks noGrp="1"/>
-          </p:cNvSpPr>
-          <p:nvPr>
-            <p:ph idx="1"/>
+          <p:cNvPr id="3" name="Text Placeholder 2"/>
+          <p:cNvSpPr>
+            <a:spLocks noGrp="1"/>
+          </p:cNvSpPr>
+          <p:nvPr>
+            <p:ph type="body" idx="1"/>
           </p:nvPr>
         </p:nvSpPr>
         <p:spPr/>
@@ -17135,23 +17366,9 @@
           <a:bodyPr/>
           <a:lstStyle/>
           <a:p>
-            <a:pPr>
-              <a:buFont typeface="Arial" panose="020B0604020202020204" pitchFamily="34" charset="0"/>
-              <a:buChar char="•"/>
-            </a:pPr>
             <a:r>
               <a:rPr lang="de-AT" dirty="0" smtClean="0"/>
-              <a:t>Noch Fragen?</a:t>
-            </a:r>
-          </a:p>
-          <a:p>
-            <a:pPr>
-              <a:buFont typeface="Arial" panose="020B0604020202020204" pitchFamily="34" charset="0"/>
-              <a:buChar char="•"/>
-            </a:pPr>
-            <a:r>
-              <a:rPr lang="de-AT" dirty="0" smtClean="0"/>
-              <a:t>Danke</a:t>
+              <a:t>Das Ende</a:t>
             </a:r>
             <a:endParaRPr lang="de-AT" dirty="0"/>
           </a:p>
@@ -17160,13 +17377,277 @@
     </p:spTree>
     <p:extLst>
       <p:ext uri="{BB962C8B-B14F-4D97-AF65-F5344CB8AC3E}">
-        <p14:creationId xmlns:p14="http://schemas.microsoft.com/office/powerpoint/2010/main" val="3336475912"/>
+        <p14:creationId xmlns:p14="http://schemas.microsoft.com/office/powerpoint/2010/main" val="476809469"/>
       </p:ext>
     </p:extLst>
   </p:cSld>
   <p:clrMapOvr>
     <a:masterClrMapping/>
   </p:clrMapOvr>
+  <p:timing>
+    <p:tnLst>
+      <p:par>
+        <p:cTn id="1" dur="indefinite" restart="never" nodeType="tmRoot"/>
+      </p:par>
+    </p:tnLst>
+  </p:timing>
+</p:sld>
+</file>
+
+<file path=ppt/slides/slide58.xml><?xml version="1.0" encoding="utf-8"?>
+<p:sld xmlns:a="http://schemas.openxmlformats.org/drawingml/2006/main" xmlns:r="http://schemas.openxmlformats.org/officeDocument/2006/relationships" xmlns:p="http://schemas.openxmlformats.org/presentationml/2006/main">
+  <p:cSld>
+    <p:spTree>
+      <p:nvGrpSpPr>
+        <p:cNvPr id="1" name=""/>
+        <p:cNvGrpSpPr/>
+        <p:nvPr/>
+      </p:nvGrpSpPr>
+      <p:grpSpPr>
+        <a:xfrm>
+          <a:off x="0" y="0"/>
+          <a:ext cx="0" cy="0"/>
+          <a:chOff x="0" y="0"/>
+          <a:chExt cx="0" cy="0"/>
+        </a:xfrm>
+      </p:grpSpPr>
+      <p:sp>
+        <p:nvSpPr>
+          <p:cNvPr id="2" name="Titel 1"/>
+          <p:cNvSpPr>
+            <a:spLocks noGrp="1"/>
+          </p:cNvSpPr>
+          <p:nvPr>
+            <p:ph type="title"/>
+          </p:nvPr>
+        </p:nvSpPr>
+        <p:spPr/>
+        <p:txBody>
+          <a:bodyPr/>
+          <a:lstStyle/>
+          <a:p>
+            <a:r>
+              <a:rPr lang="de-AT" dirty="0" err="1" smtClean="0"/>
+              <a:t>Lessons</a:t>
+            </a:r>
+            <a:r>
+              <a:rPr lang="de-AT" dirty="0" smtClean="0"/>
+              <a:t> </a:t>
+            </a:r>
+            <a:r>
+              <a:rPr lang="de-AT" dirty="0" err="1" smtClean="0"/>
+              <a:t>Learned</a:t>
+            </a:r>
+            <a:endParaRPr lang="de-AT" dirty="0"/>
+          </a:p>
+        </p:txBody>
+      </p:sp>
+      <p:sp>
+        <p:nvSpPr>
+          <p:cNvPr id="3" name="Inhaltsplatzhalter 2"/>
+          <p:cNvSpPr>
+            <a:spLocks noGrp="1"/>
+          </p:cNvSpPr>
+          <p:nvPr>
+            <p:ph idx="1"/>
+          </p:nvPr>
+        </p:nvSpPr>
+        <p:spPr/>
+        <p:txBody>
+          <a:bodyPr/>
+          <a:lstStyle/>
+          <a:p>
+            <a:pPr>
+              <a:buFont typeface="Arial" panose="020B0604020202020204" pitchFamily="34" charset="0"/>
+              <a:buChar char="•"/>
+            </a:pPr>
+            <a:r>
+              <a:rPr lang="de-AT" dirty="0" smtClean="0"/>
+              <a:t>Analyse und genaue Aufteilung </a:t>
+            </a:r>
+            <a:r>
+              <a:rPr lang="de-AT" dirty="0"/>
+              <a:t>der </a:t>
+            </a:r>
+            <a:r>
+              <a:rPr lang="de-AT" dirty="0" smtClean="0"/>
+              <a:t>Aufgabenstellung</a:t>
+            </a:r>
+          </a:p>
+          <a:p>
+            <a:pPr>
+              <a:buFont typeface="Arial" panose="020B0604020202020204" pitchFamily="34" charset="0"/>
+              <a:buChar char="•"/>
+            </a:pPr>
+            <a:r>
+              <a:rPr lang="de-AT" dirty="0" smtClean="0"/>
+              <a:t>Konflikte </a:t>
+            </a:r>
+            <a:r>
+              <a:rPr lang="de-AT" smtClean="0"/>
+              <a:t>durch verschiedene Technologien</a:t>
+            </a:r>
+            <a:endParaRPr lang="de-AT" dirty="0"/>
+          </a:p>
+          <a:p>
+            <a:pPr>
+              <a:buFont typeface="Arial" panose="020B0604020202020204" pitchFamily="34" charset="0"/>
+              <a:buChar char="•"/>
+            </a:pPr>
+            <a:r>
+              <a:rPr lang="de-AT" dirty="0" err="1" smtClean="0"/>
+              <a:t>Hibernate</a:t>
+            </a:r>
+            <a:r>
+              <a:rPr lang="de-AT" dirty="0" smtClean="0"/>
+              <a:t> vs. </a:t>
+            </a:r>
+            <a:r>
+              <a:rPr lang="de-AT" dirty="0"/>
+              <a:t>Technologie Anpassungen</a:t>
+            </a:r>
+          </a:p>
+          <a:p>
+            <a:pPr>
+              <a:buFont typeface="Arial" panose="020B0604020202020204" pitchFamily="34" charset="0"/>
+              <a:buChar char="•"/>
+            </a:pPr>
+            <a:r>
+              <a:rPr lang="de-AT" dirty="0" smtClean="0"/>
+              <a:t>Zeitmanagement essentiell</a:t>
+            </a:r>
+            <a:endParaRPr lang="de-AT" dirty="0"/>
+          </a:p>
+        </p:txBody>
+      </p:sp>
+    </p:spTree>
+    <p:extLst>
+      <p:ext uri="{BB962C8B-B14F-4D97-AF65-F5344CB8AC3E}">
+        <p14:creationId xmlns:p14="http://schemas.microsoft.com/office/powerpoint/2010/main" val="3386145516"/>
+      </p:ext>
+    </p:extLst>
+  </p:cSld>
+  <p:clrMapOvr>
+    <a:masterClrMapping/>
+  </p:clrMapOvr>
+  <p:timing>
+    <p:tnLst>
+      <p:par>
+        <p:cTn id="1" dur="indefinite" restart="never" nodeType="tmRoot"/>
+      </p:par>
+    </p:tnLst>
+  </p:timing>
+</p:sld>
+</file>
+
+<file path=ppt/slides/slide59.xml><?xml version="1.0" encoding="utf-8"?>
+<p:sld xmlns:a="http://schemas.openxmlformats.org/drawingml/2006/main" xmlns:r="http://schemas.openxmlformats.org/officeDocument/2006/relationships" xmlns:p="http://schemas.openxmlformats.org/presentationml/2006/main">
+  <p:cSld>
+    <p:spTree>
+      <p:nvGrpSpPr>
+        <p:cNvPr id="1" name=""/>
+        <p:cNvGrpSpPr/>
+        <p:nvPr/>
+      </p:nvGrpSpPr>
+      <p:grpSpPr>
+        <a:xfrm>
+          <a:off x="0" y="0"/>
+          <a:ext cx="0" cy="0"/>
+          <a:chOff x="0" y="0"/>
+          <a:chExt cx="0" cy="0"/>
+        </a:xfrm>
+      </p:grpSpPr>
+      <p:sp>
+        <p:nvSpPr>
+          <p:cNvPr id="2" name="Titel 1"/>
+          <p:cNvSpPr>
+            <a:spLocks noGrp="1"/>
+          </p:cNvSpPr>
+          <p:nvPr>
+            <p:ph type="title"/>
+          </p:nvPr>
+        </p:nvSpPr>
+        <p:spPr/>
+        <p:txBody>
+          <a:bodyPr/>
+          <a:lstStyle/>
+          <a:p>
+            <a:r>
+              <a:rPr lang="de-AT" dirty="0" smtClean="0"/>
+              <a:t>Zeit</a:t>
+            </a:r>
+            <a:endParaRPr lang="de-AT" dirty="0"/>
+          </a:p>
+        </p:txBody>
+      </p:sp>
+      <p:sp>
+        <p:nvSpPr>
+          <p:cNvPr id="3" name="Inhaltsplatzhalter 2"/>
+          <p:cNvSpPr>
+            <a:spLocks noGrp="1"/>
+          </p:cNvSpPr>
+          <p:nvPr>
+            <p:ph idx="1"/>
+          </p:nvPr>
+        </p:nvSpPr>
+        <p:spPr/>
+        <p:txBody>
+          <a:bodyPr/>
+          <a:lstStyle/>
+          <a:p>
+            <a:pPr>
+              <a:buFont typeface="Arial" panose="020B0604020202020204" pitchFamily="34" charset="0"/>
+              <a:buChar char="•"/>
+            </a:pPr>
+            <a:r>
+              <a:rPr lang="de-AT" dirty="0"/>
+              <a:t>8 </a:t>
+            </a:r>
+            <a:r>
+              <a:rPr lang="de-AT" dirty="0" err="1"/>
+              <a:t>Timeboxen</a:t>
+            </a:r>
+            <a:endParaRPr lang="de-AT" dirty="0"/>
+          </a:p>
+          <a:p>
+            <a:pPr>
+              <a:buFont typeface="Arial" panose="020B0604020202020204" pitchFamily="34" charset="0"/>
+              <a:buChar char="•"/>
+            </a:pPr>
+            <a:r>
+              <a:rPr lang="de-AT" dirty="0"/>
+              <a:t>ca. 11 Wochen</a:t>
+            </a:r>
+          </a:p>
+          <a:p>
+            <a:pPr>
+              <a:buFont typeface="Arial" panose="020B0604020202020204" pitchFamily="34" charset="0"/>
+              <a:buChar char="•"/>
+            </a:pPr>
+            <a:r>
+              <a:rPr lang="de-AT" dirty="0"/>
+              <a:t>~ 600 h</a:t>
+            </a:r>
+          </a:p>
+        </p:txBody>
+      </p:sp>
+    </p:spTree>
+    <p:extLst>
+      <p:ext uri="{BB962C8B-B14F-4D97-AF65-F5344CB8AC3E}">
+        <p14:creationId xmlns:p14="http://schemas.microsoft.com/office/powerpoint/2010/main" val="1427317626"/>
+      </p:ext>
+    </p:extLst>
+  </p:cSld>
+  <p:clrMapOvr>
+    <a:masterClrMapping/>
+  </p:clrMapOvr>
+  <p:timing>
+    <p:tnLst>
+      <p:par>
+        <p:cTn id="1" dur="indefinite" restart="never" nodeType="tmRoot"/>
+      </p:par>
+    </p:tnLst>
+  </p:timing>
 </p:sld>
 </file>
 
@@ -17268,6 +17749,103 @@
     <p:extLst>
       <p:ext uri="{BB962C8B-B14F-4D97-AF65-F5344CB8AC3E}">
         <p14:creationId xmlns:p14="http://schemas.microsoft.com/office/powerpoint/2010/main" val="2161167783"/>
+      </p:ext>
+    </p:extLst>
+  </p:cSld>
+  <p:clrMapOvr>
+    <a:masterClrMapping/>
+  </p:clrMapOvr>
+  <p:timing>
+    <p:tnLst>
+      <p:par>
+        <p:cTn id="1" dur="indefinite" restart="never" nodeType="tmRoot"/>
+      </p:par>
+    </p:tnLst>
+  </p:timing>
+</p:sld>
+</file>
+
+<file path=ppt/slides/slide60.xml><?xml version="1.0" encoding="utf-8"?>
+<p:sld xmlns:a="http://schemas.openxmlformats.org/drawingml/2006/main" xmlns:r="http://schemas.openxmlformats.org/officeDocument/2006/relationships" xmlns:p="http://schemas.openxmlformats.org/presentationml/2006/main">
+  <p:cSld>
+    <p:spTree>
+      <p:nvGrpSpPr>
+        <p:cNvPr id="1" name=""/>
+        <p:cNvGrpSpPr/>
+        <p:nvPr/>
+      </p:nvGrpSpPr>
+      <p:grpSpPr>
+        <a:xfrm>
+          <a:off x="0" y="0"/>
+          <a:ext cx="0" cy="0"/>
+          <a:chOff x="0" y="0"/>
+          <a:chExt cx="0" cy="0"/>
+        </a:xfrm>
+      </p:grpSpPr>
+      <p:sp>
+        <p:nvSpPr>
+          <p:cNvPr id="4" name="Title 3"/>
+          <p:cNvSpPr>
+            <a:spLocks noGrp="1"/>
+          </p:cNvSpPr>
+          <p:nvPr>
+            <p:ph type="title"/>
+          </p:nvPr>
+        </p:nvSpPr>
+        <p:spPr/>
+        <p:txBody>
+          <a:bodyPr/>
+          <a:lstStyle/>
+          <a:p>
+            <a:r>
+              <a:rPr lang="de-AT" dirty="0" err="1" smtClean="0"/>
+              <a:t>ENDe</a:t>
+            </a:r>
+            <a:endParaRPr lang="de-AT" dirty="0"/>
+          </a:p>
+        </p:txBody>
+      </p:sp>
+      <p:sp>
+        <p:nvSpPr>
+          <p:cNvPr id="5" name="Content Placeholder 4"/>
+          <p:cNvSpPr>
+            <a:spLocks noGrp="1"/>
+          </p:cNvSpPr>
+          <p:nvPr>
+            <p:ph idx="1"/>
+          </p:nvPr>
+        </p:nvSpPr>
+        <p:spPr/>
+        <p:txBody>
+          <a:bodyPr/>
+          <a:lstStyle/>
+          <a:p>
+            <a:pPr>
+              <a:buFont typeface="Arial" panose="020B0604020202020204" pitchFamily="34" charset="0"/>
+              <a:buChar char="•"/>
+            </a:pPr>
+            <a:r>
+              <a:rPr lang="de-AT" dirty="0" smtClean="0"/>
+              <a:t>Noch Fragen?</a:t>
+            </a:r>
+          </a:p>
+          <a:p>
+            <a:pPr>
+              <a:buFont typeface="Arial" panose="020B0604020202020204" pitchFamily="34" charset="0"/>
+              <a:buChar char="•"/>
+            </a:pPr>
+            <a:r>
+              <a:rPr lang="de-AT" dirty="0" smtClean="0"/>
+              <a:t>Danke</a:t>
+            </a:r>
+            <a:endParaRPr lang="de-AT" dirty="0"/>
+          </a:p>
+        </p:txBody>
+      </p:sp>
+    </p:spTree>
+    <p:extLst>
+      <p:ext uri="{BB962C8B-B14F-4D97-AF65-F5344CB8AC3E}">
+        <p14:creationId xmlns:p14="http://schemas.microsoft.com/office/powerpoint/2010/main" val="3336475912"/>
       </p:ext>
     </p:extLst>
   </p:cSld>
